--- a/授業資料/演習課題：Siv3D.pptx
+++ b/授業資料/演習課題：Siv3D.pptx
@@ -23,10 +23,16 @@
     <p:sldId id="518" r:id="rId17"/>
     <p:sldId id="519" r:id="rId18"/>
     <p:sldId id="520" r:id="rId19"/>
-    <p:sldId id="521" r:id="rId20"/>
-    <p:sldId id="522" r:id="rId21"/>
-    <p:sldId id="523" r:id="rId22"/>
-    <p:sldId id="524" r:id="rId23"/>
+    <p:sldId id="526" r:id="rId20"/>
+    <p:sldId id="521" r:id="rId21"/>
+    <p:sldId id="522" r:id="rId22"/>
+    <p:sldId id="523" r:id="rId23"/>
+    <p:sldId id="524" r:id="rId24"/>
+    <p:sldId id="525" r:id="rId25"/>
+    <p:sldId id="527" r:id="rId26"/>
+    <p:sldId id="528" r:id="rId27"/>
+    <p:sldId id="529" r:id="rId28"/>
+    <p:sldId id="531" r:id="rId29"/>
   </p:sldIdLst>
   <p:sldSz cx="12192000" cy="6858000"/>
   <p:notesSz cx="6858000" cy="9144000"/>
@@ -264,7 +270,7 @@
           <a:p>
             <a:fld id="{5B96D3F8-CD2E-4A0D-AC38-517181EABB18}" type="datetimeFigureOut">
               <a:rPr kumimoji="1" lang="ja-JP" altLang="en-US" smtClean="0"/>
-              <a:t>2024/12/11</a:t>
+              <a:t>2024/12/13</a:t>
             </a:fld>
             <a:endParaRPr kumimoji="1" lang="ja-JP" altLang="en-US"/>
           </a:p>
@@ -466,7 +472,7 @@
           <a:p>
             <a:fld id="{5B96D3F8-CD2E-4A0D-AC38-517181EABB18}" type="datetimeFigureOut">
               <a:rPr kumimoji="1" lang="ja-JP" altLang="en-US" smtClean="0"/>
-              <a:t>2024/12/11</a:t>
+              <a:t>2024/12/13</a:t>
             </a:fld>
             <a:endParaRPr kumimoji="1" lang="ja-JP" altLang="en-US"/>
           </a:p>
@@ -678,7 +684,7 @@
           <a:p>
             <a:fld id="{5B96D3F8-CD2E-4A0D-AC38-517181EABB18}" type="datetimeFigureOut">
               <a:rPr kumimoji="1" lang="ja-JP" altLang="en-US" smtClean="0"/>
-              <a:t>2024/12/11</a:t>
+              <a:t>2024/12/13</a:t>
             </a:fld>
             <a:endParaRPr kumimoji="1" lang="ja-JP" altLang="en-US"/>
           </a:p>
@@ -880,7 +886,7 @@
           <a:p>
             <a:fld id="{5B96D3F8-CD2E-4A0D-AC38-517181EABB18}" type="datetimeFigureOut">
               <a:rPr kumimoji="1" lang="ja-JP" altLang="en-US" smtClean="0"/>
-              <a:t>2024/12/11</a:t>
+              <a:t>2024/12/13</a:t>
             </a:fld>
             <a:endParaRPr kumimoji="1" lang="ja-JP" altLang="en-US"/>
           </a:p>
@@ -1142,7 +1148,7 @@
           <a:p>
             <a:fld id="{5B96D3F8-CD2E-4A0D-AC38-517181EABB18}" type="datetimeFigureOut">
               <a:rPr kumimoji="1" lang="ja-JP" altLang="en-US" smtClean="0"/>
-              <a:t>2024/12/11</a:t>
+              <a:t>2024/12/13</a:t>
             </a:fld>
             <a:endParaRPr kumimoji="1" lang="ja-JP" altLang="en-US"/>
           </a:p>
@@ -1438,7 +1444,7 @@
           <a:p>
             <a:fld id="{5B96D3F8-CD2E-4A0D-AC38-517181EABB18}" type="datetimeFigureOut">
               <a:rPr kumimoji="1" lang="ja-JP" altLang="en-US" smtClean="0"/>
-              <a:t>2024/12/11</a:t>
+              <a:t>2024/12/13</a:t>
             </a:fld>
             <a:endParaRPr kumimoji="1" lang="ja-JP" altLang="en-US"/>
           </a:p>
@@ -1869,7 +1875,7 @@
           <a:p>
             <a:fld id="{5B96D3F8-CD2E-4A0D-AC38-517181EABB18}" type="datetimeFigureOut">
               <a:rPr kumimoji="1" lang="ja-JP" altLang="en-US" smtClean="0"/>
-              <a:t>2024/12/11</a:t>
+              <a:t>2024/12/13</a:t>
             </a:fld>
             <a:endParaRPr kumimoji="1" lang="ja-JP" altLang="en-US"/>
           </a:p>
@@ -1987,7 +1993,7 @@
           <a:p>
             <a:fld id="{5B96D3F8-CD2E-4A0D-AC38-517181EABB18}" type="datetimeFigureOut">
               <a:rPr kumimoji="1" lang="ja-JP" altLang="en-US" smtClean="0"/>
-              <a:t>2024/12/11</a:t>
+              <a:t>2024/12/13</a:t>
             </a:fld>
             <a:endParaRPr kumimoji="1" lang="ja-JP" altLang="en-US"/>
           </a:p>
@@ -2082,7 +2088,7 @@
           <a:p>
             <a:fld id="{5B96D3F8-CD2E-4A0D-AC38-517181EABB18}" type="datetimeFigureOut">
               <a:rPr kumimoji="1" lang="ja-JP" altLang="en-US" smtClean="0"/>
-              <a:t>2024/12/11</a:t>
+              <a:t>2024/12/13</a:t>
             </a:fld>
             <a:endParaRPr kumimoji="1" lang="ja-JP" altLang="en-US"/>
           </a:p>
@@ -2391,7 +2397,7 @@
           <a:p>
             <a:fld id="{5B96D3F8-CD2E-4A0D-AC38-517181EABB18}" type="datetimeFigureOut">
               <a:rPr kumimoji="1" lang="ja-JP" altLang="en-US" smtClean="0"/>
-              <a:t>2024/12/11</a:t>
+              <a:t>2024/12/13</a:t>
             </a:fld>
             <a:endParaRPr kumimoji="1" lang="ja-JP" altLang="en-US"/>
           </a:p>
@@ -2648,7 +2654,7 @@
           <a:p>
             <a:fld id="{5B96D3F8-CD2E-4A0D-AC38-517181EABB18}" type="datetimeFigureOut">
               <a:rPr kumimoji="1" lang="ja-JP" altLang="en-US" smtClean="0"/>
-              <a:t>2024/12/11</a:t>
+              <a:t>2024/12/13</a:t>
             </a:fld>
             <a:endParaRPr kumimoji="1" lang="ja-JP" altLang="en-US"/>
           </a:p>
@@ -2893,7 +2899,7 @@
           <a:p>
             <a:fld id="{5B96D3F8-CD2E-4A0D-AC38-517181EABB18}" type="datetimeFigureOut">
               <a:rPr kumimoji="1" lang="ja-JP" altLang="en-US" smtClean="0"/>
-              <a:t>2024/12/11</a:t>
+              <a:t>2024/12/13</a:t>
             </a:fld>
             <a:endParaRPr kumimoji="1" lang="ja-JP" altLang="en-US"/>
           </a:p>
@@ -10290,7 +10296,7 @@
         <p:cNvPr id="1" name="">
           <a:extLst>
             <a:ext uri="{FF2B5EF4-FFF2-40B4-BE49-F238E27FC236}">
-              <a16:creationId xmlns:a16="http://schemas.microsoft.com/office/drawing/2014/main" id="{40578492-6946-4478-DFD0-45C4E8285CD2}"/>
+              <a16:creationId xmlns:a16="http://schemas.microsoft.com/office/drawing/2014/main" id="{B238718D-1BC5-FFC1-95ED-FE8943A59C83}"/>
             </a:ext>
           </a:extLst>
         </p:cNvPr>
@@ -10310,7 +10316,7 @@
           <p:cNvPr id="2" name="タイトル 1">
             <a:extLst>
               <a:ext uri="{FF2B5EF4-FFF2-40B4-BE49-F238E27FC236}">
-                <a16:creationId xmlns:a16="http://schemas.microsoft.com/office/drawing/2014/main" id="{1A84A5D5-4320-B8E0-01F6-936DC4549C0D}"/>
+                <a16:creationId xmlns:a16="http://schemas.microsoft.com/office/drawing/2014/main" id="{813E162D-DEAE-F037-56E2-CE5CBEC0E965}"/>
               </a:ext>
             </a:extLst>
           </p:cNvPr>
@@ -10342,71 +10348,947 @@
       </p:sp>
       <p:sp>
         <p:nvSpPr>
-          <p:cNvPr id="6" name="コンテンツ プレースホルダー 5">
+          <p:cNvPr id="4" name="コンテンツ プレースホルダー 2">
             <a:extLst>
               <a:ext uri="{FF2B5EF4-FFF2-40B4-BE49-F238E27FC236}">
-                <a16:creationId xmlns:a16="http://schemas.microsoft.com/office/drawing/2014/main" id="{CBEF7BAB-51C8-24AD-CFCC-A13B803AE9A6}"/>
+                <a16:creationId xmlns:a16="http://schemas.microsoft.com/office/drawing/2014/main" id="{88137291-AA7B-C90B-161B-A818E9C0983D}"/>
               </a:ext>
             </a:extLst>
           </p:cNvPr>
-          <p:cNvSpPr>
-            <a:spLocks noGrp="1"/>
+          <p:cNvSpPr txBox="1">
+            <a:spLocks/>
           </p:cNvSpPr>
-          <p:nvPr>
-            <p:ph idx="1"/>
-          </p:nvPr>
+          <p:nvPr/>
         </p:nvSpPr>
-        <p:spPr/>
+        <p:spPr>
+          <a:xfrm>
+            <a:off x="731195" y="1172704"/>
+            <a:ext cx="11136549" cy="5626930"/>
+          </a:xfrm>
+          <a:prstGeom prst="rect">
+            <a:avLst/>
+          </a:prstGeom>
+          <a:solidFill>
+            <a:schemeClr val="bg1"/>
+          </a:solidFill>
+          <a:ln>
+            <a:solidFill>
+              <a:schemeClr val="tx1"/>
+            </a:solidFill>
+          </a:ln>
+        </p:spPr>
         <p:txBody>
-          <a:bodyPr/>
-          <a:lstStyle/>
-          <a:p>
-            <a:r>
-              <a:rPr lang="en-US" altLang="ja-JP" dirty="0"/>
-              <a:t>F5</a:t>
-            </a:r>
-            <a:r>
-              <a:rPr lang="ja-JP" altLang="en-US" dirty="0"/>
-              <a:t>キーで実行</a:t>
-            </a:r>
-            <a:br>
-              <a:rPr lang="en-US" altLang="ja-JP" dirty="0"/>
-            </a:br>
-            <a:endParaRPr lang="en-US" altLang="ja-JP" dirty="0"/>
-          </a:p>
-          <a:p>
-            <a:r>
-              <a:rPr lang="ja-JP" altLang="en-US" dirty="0"/>
-              <a:t>スクリーンの上下左右の</a:t>
-            </a:r>
-            <a:br>
-              <a:rPr lang="en-US" altLang="ja-JP" dirty="0"/>
-            </a:br>
-            <a:r>
-              <a:rPr lang="ja-JP" altLang="en-US" dirty="0"/>
-              <a:t>壁やパドルで跳ね返る</a:t>
-            </a:r>
-            <a:br>
-              <a:rPr lang="en-US" altLang="ja-JP" dirty="0"/>
-            </a:br>
-            <a:r>
-              <a:rPr lang="ja-JP" altLang="en-US" dirty="0"/>
-              <a:t>ことを確認</a:t>
-            </a:r>
-            <a:br>
-              <a:rPr lang="en-US" altLang="ja-JP" dirty="0"/>
-            </a:br>
-            <a:endParaRPr lang="en-US" altLang="ja-JP" dirty="0"/>
-          </a:p>
-          <a:p>
-            <a:r>
-              <a:rPr lang="en-US" altLang="ja-JP" dirty="0"/>
-              <a:t>ESC</a:t>
-            </a:r>
-            <a:r>
-              <a:rPr lang="ja-JP" altLang="en-US" dirty="0"/>
-              <a:t>キーで終了</a:t>
-            </a:r>
+          <a:bodyPr vert="horz" lIns="91440" tIns="45720" rIns="91440" bIns="45720" rtlCol="0">
+            <a:noAutofit/>
+          </a:bodyPr>
+          <a:lstStyle>
+            <a:lvl1pPr marL="228600" indent="-228600" algn="l" defTabSz="914400" rtl="0" eaLnBrk="1" latinLnBrk="0" hangingPunct="1">
+              <a:lnSpc>
+                <a:spcPct val="90000"/>
+              </a:lnSpc>
+              <a:spcBef>
+                <a:spcPts val="1000"/>
+              </a:spcBef>
+              <a:buFont typeface="Arial" panose="020B0604020202020204" pitchFamily="34" charset="0"/>
+              <a:buChar char="•"/>
+              <a:defRPr kumimoji="1" sz="3600" kern="1200">
+                <a:solidFill>
+                  <a:schemeClr val="tx1"/>
+                </a:solidFill>
+                <a:latin typeface="+mn-lt"/>
+                <a:ea typeface="+mn-ea"/>
+                <a:cs typeface="+mn-cs"/>
+              </a:defRPr>
+            </a:lvl1pPr>
+            <a:lvl2pPr marL="685800" indent="-228600" algn="l" defTabSz="914400" rtl="0" eaLnBrk="1" latinLnBrk="0" hangingPunct="1">
+              <a:lnSpc>
+                <a:spcPct val="90000"/>
+              </a:lnSpc>
+              <a:spcBef>
+                <a:spcPts val="500"/>
+              </a:spcBef>
+              <a:buFont typeface="Arial" panose="020B0604020202020204" pitchFamily="34" charset="0"/>
+              <a:buChar char="•"/>
+              <a:defRPr kumimoji="1" sz="3200" kern="1200">
+                <a:solidFill>
+                  <a:schemeClr val="tx1"/>
+                </a:solidFill>
+                <a:latin typeface="+mn-lt"/>
+                <a:ea typeface="+mn-ea"/>
+                <a:cs typeface="+mn-cs"/>
+              </a:defRPr>
+            </a:lvl2pPr>
+            <a:lvl3pPr marL="1143000" indent="-228600" algn="l" defTabSz="914400" rtl="0" eaLnBrk="1" latinLnBrk="0" hangingPunct="1">
+              <a:lnSpc>
+                <a:spcPct val="90000"/>
+              </a:lnSpc>
+              <a:spcBef>
+                <a:spcPts val="500"/>
+              </a:spcBef>
+              <a:buFont typeface="Arial" panose="020B0604020202020204" pitchFamily="34" charset="0"/>
+              <a:buChar char="•"/>
+              <a:defRPr kumimoji="1" sz="2800" kern="1200">
+                <a:solidFill>
+                  <a:schemeClr val="tx1"/>
+                </a:solidFill>
+                <a:latin typeface="+mn-lt"/>
+                <a:ea typeface="+mn-ea"/>
+                <a:cs typeface="+mn-cs"/>
+              </a:defRPr>
+            </a:lvl3pPr>
+            <a:lvl4pPr marL="1600200" indent="-228600" algn="l" defTabSz="914400" rtl="0" eaLnBrk="1" latinLnBrk="0" hangingPunct="1">
+              <a:lnSpc>
+                <a:spcPct val="90000"/>
+              </a:lnSpc>
+              <a:spcBef>
+                <a:spcPts val="500"/>
+              </a:spcBef>
+              <a:buFont typeface="Arial" panose="020B0604020202020204" pitchFamily="34" charset="0"/>
+              <a:buChar char="•"/>
+              <a:defRPr kumimoji="1" sz="2400" kern="1200">
+                <a:solidFill>
+                  <a:schemeClr val="tx1"/>
+                </a:solidFill>
+                <a:latin typeface="+mn-lt"/>
+                <a:ea typeface="+mn-ea"/>
+                <a:cs typeface="+mn-cs"/>
+              </a:defRPr>
+            </a:lvl4pPr>
+            <a:lvl5pPr marL="2057400" indent="-228600" algn="l" defTabSz="914400" rtl="0" eaLnBrk="1" latinLnBrk="0" hangingPunct="1">
+              <a:lnSpc>
+                <a:spcPct val="90000"/>
+              </a:lnSpc>
+              <a:spcBef>
+                <a:spcPts val="500"/>
+              </a:spcBef>
+              <a:buFont typeface="Arial" panose="020B0604020202020204" pitchFamily="34" charset="0"/>
+              <a:buChar char="•"/>
+              <a:defRPr kumimoji="1" sz="2400" kern="1200">
+                <a:solidFill>
+                  <a:schemeClr val="tx1"/>
+                </a:solidFill>
+                <a:latin typeface="+mn-lt"/>
+                <a:ea typeface="+mn-ea"/>
+                <a:cs typeface="+mn-cs"/>
+              </a:defRPr>
+            </a:lvl5pPr>
+            <a:lvl6pPr marL="2514600" indent="-228600" algn="l" defTabSz="914400" rtl="0" eaLnBrk="1" latinLnBrk="0" hangingPunct="1">
+              <a:lnSpc>
+                <a:spcPct val="90000"/>
+              </a:lnSpc>
+              <a:spcBef>
+                <a:spcPts val="500"/>
+              </a:spcBef>
+              <a:buFont typeface="Arial" panose="020B0604020202020204" pitchFamily="34" charset="0"/>
+              <a:buChar char="•"/>
+              <a:defRPr kumimoji="1" sz="1800" kern="1200">
+                <a:solidFill>
+                  <a:schemeClr val="tx1"/>
+                </a:solidFill>
+                <a:latin typeface="+mn-lt"/>
+                <a:ea typeface="+mn-ea"/>
+                <a:cs typeface="+mn-cs"/>
+              </a:defRPr>
+            </a:lvl6pPr>
+            <a:lvl7pPr marL="2971800" indent="-228600" algn="l" defTabSz="914400" rtl="0" eaLnBrk="1" latinLnBrk="0" hangingPunct="1">
+              <a:lnSpc>
+                <a:spcPct val="90000"/>
+              </a:lnSpc>
+              <a:spcBef>
+                <a:spcPts val="500"/>
+              </a:spcBef>
+              <a:buFont typeface="Arial" panose="020B0604020202020204" pitchFamily="34" charset="0"/>
+              <a:buChar char="•"/>
+              <a:defRPr kumimoji="1" sz="1800" kern="1200">
+                <a:solidFill>
+                  <a:schemeClr val="tx1"/>
+                </a:solidFill>
+                <a:latin typeface="+mn-lt"/>
+                <a:ea typeface="+mn-ea"/>
+                <a:cs typeface="+mn-cs"/>
+              </a:defRPr>
+            </a:lvl7pPr>
+            <a:lvl8pPr marL="3429000" indent="-228600" algn="l" defTabSz="914400" rtl="0" eaLnBrk="1" latinLnBrk="0" hangingPunct="1">
+              <a:lnSpc>
+                <a:spcPct val="90000"/>
+              </a:lnSpc>
+              <a:spcBef>
+                <a:spcPts val="500"/>
+              </a:spcBef>
+              <a:buFont typeface="Arial" panose="020B0604020202020204" pitchFamily="34" charset="0"/>
+              <a:buChar char="•"/>
+              <a:defRPr kumimoji="1" sz="1800" kern="1200">
+                <a:solidFill>
+                  <a:schemeClr val="tx1"/>
+                </a:solidFill>
+                <a:latin typeface="+mn-lt"/>
+                <a:ea typeface="+mn-ea"/>
+                <a:cs typeface="+mn-cs"/>
+              </a:defRPr>
+            </a:lvl8pPr>
+            <a:lvl9pPr marL="3886200" indent="-228600" algn="l" defTabSz="914400" rtl="0" eaLnBrk="1" latinLnBrk="0" hangingPunct="1">
+              <a:lnSpc>
+                <a:spcPct val="90000"/>
+              </a:lnSpc>
+              <a:spcBef>
+                <a:spcPts val="500"/>
+              </a:spcBef>
+              <a:buFont typeface="Arial" panose="020B0604020202020204" pitchFamily="34" charset="0"/>
+              <a:buChar char="•"/>
+              <a:defRPr kumimoji="1" sz="1800" kern="1200">
+                <a:solidFill>
+                  <a:schemeClr val="tx1"/>
+                </a:solidFill>
+                <a:latin typeface="+mn-lt"/>
+                <a:ea typeface="+mn-ea"/>
+                <a:cs typeface="+mn-cs"/>
+              </a:defRPr>
+            </a:lvl9pPr>
+          </a:lstStyle>
+          <a:p>
+            <a:pPr marL="0" indent="0">
+              <a:buNone/>
+            </a:pPr>
+            <a:r>
+              <a:rPr lang="en-US" altLang="ja-JP" sz="2400" dirty="0">
+                <a:solidFill>
+                  <a:srgbClr val="008000"/>
+                </a:solidFill>
+                <a:highlight>
+                  <a:srgbClr val="FFFFFF"/>
+                </a:highlight>
+                <a:ea typeface="ＭＳ ゴシック" panose="020B0609070205080204" pitchFamily="49" charset="-128"/>
+              </a:rPr>
+              <a:t>  //</a:t>
+            </a:r>
+            <a:r>
+              <a:rPr lang="ja-JP" altLang="en-US" sz="2400" dirty="0">
+                <a:solidFill>
+                  <a:srgbClr val="008000"/>
+                </a:solidFill>
+                <a:highlight>
+                  <a:srgbClr val="FFFFFF"/>
+                </a:highlight>
+                <a:ea typeface="ＭＳ ゴシック" panose="020B0609070205080204" pitchFamily="49" charset="-128"/>
+              </a:rPr>
+              <a:t>マウスカーソルを非表示にする</a:t>
+            </a:r>
+            <a:br>
+              <a:rPr lang="en-US" altLang="ja-JP" sz="2400" dirty="0">
+                <a:solidFill>
+                  <a:srgbClr val="000000"/>
+                </a:solidFill>
+                <a:highlight>
+                  <a:srgbClr val="FFFFFF"/>
+                </a:highlight>
+                <a:ea typeface="ＭＳ ゴシック" panose="020B0609070205080204" pitchFamily="49" charset="-128"/>
+              </a:rPr>
+            </a:br>
+            <a:r>
+              <a:rPr lang="en-US" altLang="ja-JP" sz="2400" dirty="0">
+                <a:solidFill>
+                  <a:srgbClr val="000000"/>
+                </a:solidFill>
+                <a:highlight>
+                  <a:srgbClr val="FFFFFF"/>
+                </a:highlight>
+                <a:ea typeface="ＭＳ ゴシック" panose="020B0609070205080204" pitchFamily="49" charset="-128"/>
+              </a:rPr>
+              <a:t>  Cursor::</a:t>
+            </a:r>
+            <a:r>
+              <a:rPr lang="en-US" altLang="ja-JP" sz="2400" dirty="0" err="1">
+                <a:solidFill>
+                  <a:srgbClr val="000000"/>
+                </a:solidFill>
+                <a:highlight>
+                  <a:srgbClr val="FFFFFF"/>
+                </a:highlight>
+                <a:ea typeface="ＭＳ ゴシック" panose="020B0609070205080204" pitchFamily="49" charset="-128"/>
+              </a:rPr>
+              <a:t>RequestStyle</a:t>
+            </a:r>
+            <a:r>
+              <a:rPr lang="en-US" altLang="ja-JP" sz="2400" dirty="0">
+                <a:solidFill>
+                  <a:srgbClr val="000000"/>
+                </a:solidFill>
+                <a:highlight>
+                  <a:srgbClr val="FFFFFF"/>
+                </a:highlight>
+                <a:ea typeface="ＭＳ ゴシック" panose="020B0609070205080204" pitchFamily="49" charset="-128"/>
+              </a:rPr>
+              <a:t>(</a:t>
+            </a:r>
+            <a:r>
+              <a:rPr lang="en-US" altLang="ja-JP" sz="2400" dirty="0" err="1">
+                <a:solidFill>
+                  <a:srgbClr val="2B91AF"/>
+                </a:solidFill>
+                <a:highlight>
+                  <a:srgbClr val="FFFFFF"/>
+                </a:highlight>
+                <a:ea typeface="ＭＳ ゴシック" panose="020B0609070205080204" pitchFamily="49" charset="-128"/>
+              </a:rPr>
+              <a:t>CursorStyle</a:t>
+            </a:r>
+            <a:r>
+              <a:rPr lang="en-US" altLang="ja-JP" sz="2400" dirty="0">
+                <a:solidFill>
+                  <a:srgbClr val="000000"/>
+                </a:solidFill>
+                <a:highlight>
+                  <a:srgbClr val="FFFFFF"/>
+                </a:highlight>
+                <a:ea typeface="ＭＳ ゴシック" panose="020B0609070205080204" pitchFamily="49" charset="-128"/>
+              </a:rPr>
+              <a:t>::</a:t>
+            </a:r>
+            <a:r>
+              <a:rPr lang="en-US" altLang="ja-JP" sz="2400" dirty="0">
+                <a:solidFill>
+                  <a:srgbClr val="2F4F4F"/>
+                </a:solidFill>
+                <a:highlight>
+                  <a:srgbClr val="FFFFFF"/>
+                </a:highlight>
+                <a:ea typeface="ＭＳ ゴシック" panose="020B0609070205080204" pitchFamily="49" charset="-128"/>
+              </a:rPr>
+              <a:t>Hidden</a:t>
+            </a:r>
+            <a:r>
+              <a:rPr lang="en-US" altLang="ja-JP" sz="2400" dirty="0">
+                <a:solidFill>
+                  <a:srgbClr val="000000"/>
+                </a:solidFill>
+                <a:highlight>
+                  <a:srgbClr val="FFFFFF"/>
+                </a:highlight>
+                <a:ea typeface="ＭＳ ゴシック" panose="020B0609070205080204" pitchFamily="49" charset="-128"/>
+              </a:rPr>
+              <a:t>);</a:t>
+            </a:r>
+            <a:br>
+              <a:rPr lang="en-US" altLang="ja-JP" sz="2400" dirty="0">
+                <a:solidFill>
+                  <a:srgbClr val="000000"/>
+                </a:solidFill>
+                <a:highlight>
+                  <a:srgbClr val="FFFFFF"/>
+                </a:highlight>
+                <a:ea typeface="ＭＳ ゴシック" panose="020B0609070205080204" pitchFamily="49" charset="-128"/>
+              </a:rPr>
+            </a:br>
+            <a:r>
+              <a:rPr lang="en-US" altLang="ja-JP" sz="2400" dirty="0">
+                <a:solidFill>
+                  <a:srgbClr val="008000"/>
+                </a:solidFill>
+                <a:highlight>
+                  <a:srgbClr val="FFFFFF"/>
+                </a:highlight>
+                <a:ea typeface="ＭＳ ゴシック" panose="020B0609070205080204" pitchFamily="49" charset="-128"/>
+              </a:rPr>
+              <a:t>  //</a:t>
+            </a:r>
+            <a:r>
+              <a:rPr lang="ja-JP" altLang="en-US" sz="2400" dirty="0">
+                <a:solidFill>
+                  <a:srgbClr val="008000"/>
+                </a:solidFill>
+                <a:highlight>
+                  <a:srgbClr val="FFFFFF"/>
+                </a:highlight>
+                <a:ea typeface="ＭＳ ゴシック" panose="020B0609070205080204" pitchFamily="49" charset="-128"/>
+              </a:rPr>
+              <a:t>ボールを描く</a:t>
+            </a:r>
+            <a:br>
+              <a:rPr lang="en-US" altLang="ja-JP" sz="2400" dirty="0">
+                <a:solidFill>
+                  <a:srgbClr val="000000"/>
+                </a:solidFill>
+                <a:highlight>
+                  <a:srgbClr val="FFFFFF"/>
+                </a:highlight>
+                <a:ea typeface="ＭＳ ゴシック" panose="020B0609070205080204" pitchFamily="49" charset="-128"/>
+              </a:rPr>
+            </a:br>
+            <a:r>
+              <a:rPr lang="en-US" altLang="ja-JP" sz="2400" dirty="0">
+                <a:solidFill>
+                  <a:srgbClr val="000000"/>
+                </a:solidFill>
+                <a:highlight>
+                  <a:srgbClr val="FFFFFF"/>
+                </a:highlight>
+                <a:ea typeface="ＭＳ ゴシック" panose="020B0609070205080204" pitchFamily="49" charset="-128"/>
+              </a:rPr>
+              <a:t>  </a:t>
+            </a:r>
+            <a:r>
+              <a:rPr lang="en-US" altLang="ja-JP" sz="2400" dirty="0" err="1">
+                <a:solidFill>
+                  <a:srgbClr val="000000"/>
+                </a:solidFill>
+                <a:highlight>
+                  <a:srgbClr val="FFFFFF"/>
+                </a:highlight>
+                <a:ea typeface="ＭＳ ゴシック" panose="020B0609070205080204" pitchFamily="49" charset="-128"/>
+              </a:rPr>
+              <a:t>ball.draw</a:t>
+            </a:r>
+            <a:r>
+              <a:rPr lang="en-US" altLang="ja-JP" sz="2400" dirty="0">
+                <a:solidFill>
+                  <a:srgbClr val="000000"/>
+                </a:solidFill>
+                <a:highlight>
+                  <a:srgbClr val="FFFFFF"/>
+                </a:highlight>
+                <a:ea typeface="ＭＳ ゴシック" panose="020B0609070205080204" pitchFamily="49" charset="-128"/>
+              </a:rPr>
+              <a:t>();</a:t>
+            </a:r>
+            <a:br>
+              <a:rPr lang="en-US" altLang="ja-JP" sz="2400" dirty="0">
+                <a:solidFill>
+                  <a:srgbClr val="000000"/>
+                </a:solidFill>
+                <a:highlight>
+                  <a:srgbClr val="FFFFFF"/>
+                </a:highlight>
+                <a:ea typeface="ＭＳ ゴシック" panose="020B0609070205080204" pitchFamily="49" charset="-128"/>
+              </a:rPr>
+            </a:br>
+            <a:r>
+              <a:rPr lang="en-US" altLang="ja-JP" sz="2400" dirty="0">
+                <a:solidFill>
+                  <a:srgbClr val="008000"/>
+                </a:solidFill>
+                <a:highlight>
+                  <a:srgbClr val="FFFFFF"/>
+                </a:highlight>
+                <a:ea typeface="ＭＳ ゴシック" panose="020B0609070205080204" pitchFamily="49" charset="-128"/>
+              </a:rPr>
+              <a:t>  //</a:t>
+            </a:r>
+            <a:r>
+              <a:rPr lang="ja-JP" altLang="en-US" sz="2400" dirty="0">
+                <a:solidFill>
+                  <a:srgbClr val="008000"/>
+                </a:solidFill>
+                <a:highlight>
+                  <a:srgbClr val="FFFFFF"/>
+                </a:highlight>
+                <a:ea typeface="ＭＳ ゴシック" panose="020B0609070205080204" pitchFamily="49" charset="-128"/>
+              </a:rPr>
+              <a:t>パドルを描く</a:t>
+            </a:r>
+            <a:br>
+              <a:rPr lang="en-US" altLang="ja-JP" sz="2400" dirty="0">
+                <a:solidFill>
+                  <a:srgbClr val="000000"/>
+                </a:solidFill>
+                <a:highlight>
+                  <a:srgbClr val="FFFFFF"/>
+                </a:highlight>
+                <a:ea typeface="ＭＳ ゴシック" panose="020B0609070205080204" pitchFamily="49" charset="-128"/>
+              </a:rPr>
+            </a:br>
+            <a:r>
+              <a:rPr lang="en-US" altLang="ja-JP" sz="2400" dirty="0">
+                <a:solidFill>
+                  <a:srgbClr val="000000"/>
+                </a:solidFill>
+                <a:highlight>
+                  <a:srgbClr val="FFFFFF"/>
+                </a:highlight>
+                <a:ea typeface="ＭＳ ゴシック" panose="020B0609070205080204" pitchFamily="49" charset="-128"/>
+              </a:rPr>
+              <a:t>  </a:t>
+            </a:r>
+            <a:r>
+              <a:rPr lang="en-US" altLang="ja-JP" sz="2400" dirty="0" err="1">
+                <a:solidFill>
+                  <a:srgbClr val="000000"/>
+                </a:solidFill>
+                <a:highlight>
+                  <a:srgbClr val="FFFFFF"/>
+                </a:highlight>
+                <a:ea typeface="ＭＳ ゴシック" panose="020B0609070205080204" pitchFamily="49" charset="-128"/>
+              </a:rPr>
+              <a:t>paddle.rounded</a:t>
+            </a:r>
+            <a:r>
+              <a:rPr lang="en-US" altLang="ja-JP" sz="2400" dirty="0">
+                <a:solidFill>
+                  <a:srgbClr val="000000"/>
+                </a:solidFill>
+                <a:highlight>
+                  <a:srgbClr val="FFFFFF"/>
+                </a:highlight>
+                <a:ea typeface="ＭＳ ゴシック" panose="020B0609070205080204" pitchFamily="49" charset="-128"/>
+              </a:rPr>
+              <a:t>(3).draw(); </a:t>
+            </a:r>
+            <a:r>
+              <a:rPr lang="en-US" altLang="ja-JP" sz="2400" dirty="0">
+                <a:solidFill>
+                  <a:srgbClr val="008000"/>
+                </a:solidFill>
+                <a:highlight>
+                  <a:srgbClr val="FFFFFF"/>
+                </a:highlight>
+                <a:ea typeface="ＭＳ ゴシック" panose="020B0609070205080204" pitchFamily="49" charset="-128"/>
+              </a:rPr>
+              <a:t>//</a:t>
+            </a:r>
+            <a:r>
+              <a:rPr lang="ja-JP" altLang="en-US" sz="2400" dirty="0">
+                <a:solidFill>
+                  <a:srgbClr val="008000"/>
+                </a:solidFill>
+                <a:highlight>
+                  <a:srgbClr val="FFFFFF"/>
+                </a:highlight>
+                <a:ea typeface="ＭＳ ゴシック" panose="020B0609070205080204" pitchFamily="49" charset="-128"/>
+              </a:rPr>
+              <a:t>パドルの角を少し丸くして描画</a:t>
+            </a:r>
+            <a:endParaRPr lang="en-US" altLang="ja-JP" sz="2400" dirty="0">
+              <a:solidFill>
+                <a:srgbClr val="008000"/>
+              </a:solidFill>
+              <a:highlight>
+                <a:srgbClr val="FFFFFF"/>
+              </a:highlight>
+              <a:ea typeface="ＭＳ ゴシック" panose="020B0609070205080204" pitchFamily="49" charset="-128"/>
+            </a:endParaRPr>
+          </a:p>
+          <a:p>
+            <a:pPr marL="0" indent="0">
+              <a:buNone/>
+            </a:pPr>
+            <a:r>
+              <a:rPr lang="en-US" altLang="ja-JP" sz="2400" dirty="0">
+                <a:solidFill>
+                  <a:srgbClr val="008000"/>
+                </a:solidFill>
+                <a:highlight>
+                  <a:srgbClr val="FFFFFF"/>
+                </a:highlight>
+                <a:latin typeface="ＭＳ ゴシック" panose="020B0609070205080204" pitchFamily="49" charset="-128"/>
+                <a:ea typeface="ＭＳ ゴシック" panose="020B0609070205080204" pitchFamily="49" charset="-128"/>
+              </a:rPr>
+              <a:t>  </a:t>
+            </a:r>
+            <a:r>
+              <a:rPr lang="en-US" altLang="ja-JP" sz="2400" dirty="0">
+                <a:solidFill>
+                  <a:srgbClr val="008000"/>
+                </a:solidFill>
+                <a:highlight>
+                  <a:srgbClr val="FFFFFF"/>
+                </a:highlight>
+                <a:ea typeface="ＭＳ ゴシック" panose="020B0609070205080204" pitchFamily="49" charset="-128"/>
+              </a:rPr>
+              <a:t>//</a:t>
+            </a:r>
+            <a:r>
+              <a:rPr lang="ja-JP" altLang="en-US" sz="2400" dirty="0">
+                <a:solidFill>
+                  <a:srgbClr val="008000"/>
+                </a:solidFill>
+                <a:highlight>
+                  <a:srgbClr val="FFFFFF"/>
+                </a:highlight>
+                <a:latin typeface="ＭＳ ゴシック" panose="020B0609070205080204" pitchFamily="49" charset="-128"/>
+                <a:ea typeface="ＭＳ ゴシック" panose="020B0609070205080204" pitchFamily="49" charset="-128"/>
+              </a:rPr>
+              <a:t>すべてのブロックを描画する</a:t>
+            </a:r>
+            <a:endParaRPr lang="ja-JP" altLang="en-US" sz="2400" dirty="0">
+              <a:solidFill>
+                <a:srgbClr val="000000"/>
+              </a:solidFill>
+              <a:highlight>
+                <a:srgbClr val="FFFFFF"/>
+              </a:highlight>
+              <a:latin typeface="ＭＳ ゴシック" panose="020B0609070205080204" pitchFamily="49" charset="-128"/>
+              <a:ea typeface="ＭＳ ゴシック" panose="020B0609070205080204" pitchFamily="49" charset="-128"/>
+            </a:endParaRPr>
+          </a:p>
+          <a:p>
+            <a:pPr marL="0" indent="0">
+              <a:buNone/>
+            </a:pPr>
+            <a:r>
+              <a:rPr lang="es-ES" altLang="ja-JP" sz="2400" dirty="0">
+                <a:solidFill>
+                  <a:srgbClr val="0000FF"/>
+                </a:solidFill>
+                <a:highlight>
+                  <a:srgbClr val="FFFFFF"/>
+                </a:highlight>
+                <a:ea typeface="ＭＳ ゴシック" panose="020B0609070205080204" pitchFamily="49" charset="-128"/>
+              </a:rPr>
+              <a:t>  for</a:t>
+            </a:r>
+            <a:r>
+              <a:rPr lang="es-ES" altLang="ja-JP" sz="2400" dirty="0">
+                <a:solidFill>
+                  <a:srgbClr val="000000"/>
+                </a:solidFill>
+                <a:highlight>
+                  <a:srgbClr val="FFFFFF"/>
+                </a:highlight>
+                <a:ea typeface="ＭＳ ゴシック" panose="020B0609070205080204" pitchFamily="49" charset="-128"/>
+              </a:rPr>
+              <a:t> (</a:t>
+            </a:r>
+            <a:r>
+              <a:rPr lang="es-ES" altLang="ja-JP" sz="2400" dirty="0">
+                <a:solidFill>
+                  <a:srgbClr val="0000FF"/>
+                </a:solidFill>
+                <a:highlight>
+                  <a:srgbClr val="FFFFFF"/>
+                </a:highlight>
+                <a:ea typeface="ＭＳ ゴシック" panose="020B0609070205080204" pitchFamily="49" charset="-128"/>
+              </a:rPr>
+              <a:t>int</a:t>
+            </a:r>
+            <a:r>
+              <a:rPr lang="es-ES" altLang="ja-JP" sz="2400" dirty="0">
+                <a:solidFill>
+                  <a:srgbClr val="000000"/>
+                </a:solidFill>
+                <a:highlight>
+                  <a:srgbClr val="FFFFFF"/>
+                </a:highlight>
+                <a:ea typeface="ＭＳ ゴシック" panose="020B0609070205080204" pitchFamily="49" charset="-128"/>
+              </a:rPr>
+              <a:t> y = 0; y &lt; bricks.size(); ++y) {</a:t>
+            </a:r>
+          </a:p>
+          <a:p>
+            <a:pPr marL="0" indent="0">
+              <a:buNone/>
+            </a:pPr>
+            <a:r>
+              <a:rPr lang="en-US" altLang="ja-JP" sz="2400" dirty="0">
+                <a:solidFill>
+                  <a:srgbClr val="0000FF"/>
+                </a:solidFill>
+                <a:highlight>
+                  <a:srgbClr val="FFFFFF"/>
+                </a:highlight>
+                <a:ea typeface="ＭＳ ゴシック" panose="020B0609070205080204" pitchFamily="49" charset="-128"/>
+              </a:rPr>
+              <a:t>    for</a:t>
+            </a:r>
+            <a:r>
+              <a:rPr lang="en-US" altLang="ja-JP" sz="2400" dirty="0">
+                <a:solidFill>
+                  <a:srgbClr val="000000"/>
+                </a:solidFill>
+                <a:highlight>
+                  <a:srgbClr val="FFFFFF"/>
+                </a:highlight>
+                <a:ea typeface="ＭＳ ゴシック" panose="020B0609070205080204" pitchFamily="49" charset="-128"/>
+              </a:rPr>
+              <a:t> (</a:t>
+            </a:r>
+            <a:r>
+              <a:rPr lang="en-US" altLang="ja-JP" sz="2400" dirty="0">
+                <a:solidFill>
+                  <a:srgbClr val="0000FF"/>
+                </a:solidFill>
+                <a:highlight>
+                  <a:srgbClr val="FFFFFF"/>
+                </a:highlight>
+                <a:ea typeface="ＭＳ ゴシック" panose="020B0609070205080204" pitchFamily="49" charset="-128"/>
+              </a:rPr>
+              <a:t>const</a:t>
+            </a:r>
+            <a:r>
+              <a:rPr lang="en-US" altLang="ja-JP" sz="2400" dirty="0">
+                <a:solidFill>
+                  <a:srgbClr val="000000"/>
+                </a:solidFill>
+                <a:highlight>
+                  <a:srgbClr val="FFFFFF"/>
+                </a:highlight>
+                <a:ea typeface="ＭＳ ゴシック" panose="020B0609070205080204" pitchFamily="49" charset="-128"/>
+              </a:rPr>
+              <a:t> </a:t>
+            </a:r>
+            <a:r>
+              <a:rPr lang="en-US" altLang="ja-JP" sz="2400" dirty="0">
+                <a:solidFill>
+                  <a:srgbClr val="0000FF"/>
+                </a:solidFill>
+                <a:highlight>
+                  <a:srgbClr val="FFFFFF"/>
+                </a:highlight>
+                <a:ea typeface="ＭＳ ゴシック" panose="020B0609070205080204" pitchFamily="49" charset="-128"/>
+              </a:rPr>
+              <a:t>auto</a:t>
+            </a:r>
+            <a:r>
+              <a:rPr lang="en-US" altLang="ja-JP" sz="2400" dirty="0">
+                <a:solidFill>
+                  <a:srgbClr val="000000"/>
+                </a:solidFill>
+                <a:highlight>
+                  <a:srgbClr val="FFFFFF"/>
+                </a:highlight>
+                <a:ea typeface="ＭＳ ゴシック" panose="020B0609070205080204" pitchFamily="49" charset="-128"/>
+              </a:rPr>
+              <a:t>&amp; brick : bricks</a:t>
+            </a:r>
+            <a:r>
+              <a:rPr lang="en-US" altLang="ja-JP" sz="2400" dirty="0">
+                <a:solidFill>
+                  <a:srgbClr val="008080"/>
+                </a:solidFill>
+                <a:highlight>
+                  <a:srgbClr val="FFFFFF"/>
+                </a:highlight>
+                <a:ea typeface="ＭＳ ゴシック" panose="020B0609070205080204" pitchFamily="49" charset="-128"/>
+              </a:rPr>
+              <a:t>[</a:t>
+            </a:r>
+            <a:r>
+              <a:rPr lang="en-US" altLang="ja-JP" sz="2400" dirty="0">
+                <a:solidFill>
+                  <a:srgbClr val="000000"/>
+                </a:solidFill>
+                <a:highlight>
+                  <a:srgbClr val="FFFFFF"/>
+                </a:highlight>
+                <a:ea typeface="ＭＳ ゴシック" panose="020B0609070205080204" pitchFamily="49" charset="-128"/>
+              </a:rPr>
+              <a:t>y</a:t>
+            </a:r>
+            <a:r>
+              <a:rPr lang="en-US" altLang="ja-JP" sz="2400" dirty="0">
+                <a:solidFill>
+                  <a:srgbClr val="008080"/>
+                </a:solidFill>
+                <a:highlight>
+                  <a:srgbClr val="FFFFFF"/>
+                </a:highlight>
+                <a:ea typeface="ＭＳ ゴシック" panose="020B0609070205080204" pitchFamily="49" charset="-128"/>
+              </a:rPr>
+              <a:t>]</a:t>
+            </a:r>
+            <a:r>
+              <a:rPr lang="en-US" altLang="ja-JP" sz="2400" dirty="0">
+                <a:solidFill>
+                  <a:srgbClr val="000000"/>
+                </a:solidFill>
+                <a:highlight>
+                  <a:srgbClr val="FFFFFF"/>
+                </a:highlight>
+                <a:ea typeface="ＭＳ ゴシック" panose="020B0609070205080204" pitchFamily="49" charset="-128"/>
+              </a:rPr>
+              <a:t>)</a:t>
+            </a:r>
+          </a:p>
+          <a:p>
+            <a:pPr marL="0" indent="0">
+              <a:buNone/>
+            </a:pPr>
+            <a:r>
+              <a:rPr lang="en-US" altLang="ja-JP" sz="2400" dirty="0">
+                <a:solidFill>
+                  <a:srgbClr val="000000"/>
+                </a:solidFill>
+                <a:highlight>
+                  <a:srgbClr val="FFFFFF"/>
+                </a:highlight>
+                <a:ea typeface="ＭＳ ゴシック" panose="020B0609070205080204" pitchFamily="49" charset="-128"/>
+              </a:rPr>
+              <a:t>    {</a:t>
+            </a:r>
+          </a:p>
+          <a:p>
+            <a:pPr marL="0" indent="0">
+              <a:buNone/>
+            </a:pPr>
+            <a:r>
+              <a:rPr lang="en-US" altLang="ja-JP" sz="2400" dirty="0">
+                <a:solidFill>
+                  <a:srgbClr val="008000"/>
+                </a:solidFill>
+                <a:highlight>
+                  <a:srgbClr val="FFFFFF"/>
+                </a:highlight>
+                <a:ea typeface="ＭＳ ゴシック" panose="020B0609070205080204" pitchFamily="49" charset="-128"/>
+              </a:rPr>
+              <a:t>      //1px </a:t>
+            </a:r>
+            <a:r>
+              <a:rPr lang="ja-JP" altLang="en-US" sz="2400" dirty="0">
+                <a:solidFill>
+                  <a:srgbClr val="008000"/>
+                </a:solidFill>
+                <a:highlight>
+                  <a:srgbClr val="FFFFFF"/>
+                </a:highlight>
+                <a:ea typeface="ＭＳ ゴシック" panose="020B0609070205080204" pitchFamily="49" charset="-128"/>
+              </a:rPr>
+              <a:t>縮ませることで境界線をわかりやすくする</a:t>
+            </a:r>
+            <a:br>
+              <a:rPr lang="en-US" altLang="ja-JP" sz="2400" dirty="0">
+                <a:solidFill>
+                  <a:srgbClr val="008000"/>
+                </a:solidFill>
+                <a:highlight>
+                  <a:srgbClr val="FFFFFF"/>
+                </a:highlight>
+                <a:ea typeface="ＭＳ ゴシック" panose="020B0609070205080204" pitchFamily="49" charset="-128"/>
+              </a:rPr>
+            </a:br>
+            <a:r>
+              <a:rPr lang="en-US" altLang="ja-JP" sz="2400" dirty="0">
+                <a:solidFill>
+                  <a:srgbClr val="008000"/>
+                </a:solidFill>
+                <a:highlight>
+                  <a:srgbClr val="FFFFFF"/>
+                </a:highlight>
+                <a:ea typeface="ＭＳ ゴシック" panose="020B0609070205080204" pitchFamily="49" charset="-128"/>
+              </a:rPr>
+              <a:t>      //Y</a:t>
+            </a:r>
+            <a:r>
+              <a:rPr lang="ja-JP" altLang="en-US" sz="2400" dirty="0">
+                <a:solidFill>
+                  <a:srgbClr val="008000"/>
+                </a:solidFill>
+                <a:highlight>
+                  <a:srgbClr val="FFFFFF"/>
+                </a:highlight>
+                <a:ea typeface="ＭＳ ゴシック" panose="020B0609070205080204" pitchFamily="49" charset="-128"/>
+              </a:rPr>
+              <a:t>座標に応じて色を変える</a:t>
+            </a:r>
+            <a:br>
+              <a:rPr lang="en-US" altLang="ja-JP" sz="2400" dirty="0">
+                <a:solidFill>
+                  <a:srgbClr val="008000"/>
+                </a:solidFill>
+                <a:highlight>
+                  <a:srgbClr val="FFFFFF"/>
+                </a:highlight>
+                <a:ea typeface="ＭＳ ゴシック" panose="020B0609070205080204" pitchFamily="49" charset="-128"/>
+              </a:rPr>
+            </a:br>
+            <a:r>
+              <a:rPr lang="en-US" altLang="ja-JP" sz="2400" dirty="0">
+                <a:solidFill>
+                  <a:srgbClr val="000000"/>
+                </a:solidFill>
+                <a:highlight>
+                  <a:srgbClr val="FFFFFF"/>
+                </a:highlight>
+                <a:ea typeface="ＭＳ ゴシック" panose="020B0609070205080204" pitchFamily="49" charset="-128"/>
+              </a:rPr>
+              <a:t>      brick-&gt;stretched(-1).draw(</a:t>
+            </a:r>
+            <a:r>
+              <a:rPr lang="en-US" altLang="ja-JP" sz="2400" dirty="0">
+                <a:solidFill>
+                  <a:srgbClr val="2B91AF"/>
+                </a:solidFill>
+                <a:highlight>
+                  <a:srgbClr val="FFFFFF"/>
+                </a:highlight>
+                <a:ea typeface="ＭＳ ゴシック" panose="020B0609070205080204" pitchFamily="49" charset="-128"/>
+              </a:rPr>
+              <a:t>HSV</a:t>
+            </a:r>
+            <a:r>
+              <a:rPr lang="en-US" altLang="ja-JP" sz="2400" dirty="0">
+                <a:solidFill>
+                  <a:srgbClr val="000000"/>
+                </a:solidFill>
+                <a:highlight>
+                  <a:srgbClr val="FFFFFF"/>
+                </a:highlight>
+                <a:ea typeface="ＭＳ ゴシック" panose="020B0609070205080204" pitchFamily="49" charset="-128"/>
+              </a:rPr>
+              <a:t>(brick-&gt;y - 40)); </a:t>
+            </a:r>
+            <a:endParaRPr lang="ja-JP" altLang="en-US" sz="2400" dirty="0">
+              <a:solidFill>
+                <a:srgbClr val="000000"/>
+              </a:solidFill>
+              <a:highlight>
+                <a:srgbClr val="FFFFFF"/>
+              </a:highlight>
+              <a:ea typeface="ＭＳ ゴシック" panose="020B0609070205080204" pitchFamily="49" charset="-128"/>
+            </a:endParaRPr>
+          </a:p>
+          <a:p>
+            <a:pPr marL="0" indent="0">
+              <a:buNone/>
+            </a:pPr>
+            <a:r>
+              <a:rPr lang="en-US" altLang="ja-JP" sz="2400" dirty="0">
+                <a:solidFill>
+                  <a:srgbClr val="000000"/>
+                </a:solidFill>
+                <a:highlight>
+                  <a:srgbClr val="FFFFFF"/>
+                </a:highlight>
+                <a:ea typeface="ＭＳ ゴシック" panose="020B0609070205080204" pitchFamily="49" charset="-128"/>
+              </a:rPr>
+              <a:t>    }</a:t>
+            </a:r>
+          </a:p>
+          <a:p>
+            <a:pPr marL="0" indent="0">
+              <a:buNone/>
+            </a:pPr>
+            <a:r>
+              <a:rPr lang="en-US" altLang="ja-JP" sz="2400" dirty="0">
+                <a:solidFill>
+                  <a:srgbClr val="000000"/>
+                </a:solidFill>
+                <a:highlight>
+                  <a:srgbClr val="FFFFFF"/>
+                </a:highlight>
+                <a:latin typeface="ＭＳ ゴシック" panose="020B0609070205080204" pitchFamily="49" charset="-128"/>
+                <a:ea typeface="ＭＳ ゴシック" panose="020B0609070205080204" pitchFamily="49" charset="-128"/>
+              </a:rPr>
+              <a:t>  </a:t>
+            </a:r>
+            <a:r>
+              <a:rPr lang="en-US" altLang="ja-JP" sz="2400" dirty="0">
+                <a:solidFill>
+                  <a:srgbClr val="000000"/>
+                </a:solidFill>
+                <a:highlight>
+                  <a:srgbClr val="FFFFFF"/>
+                </a:highlight>
+                <a:ea typeface="ＭＳ ゴシック" panose="020B0609070205080204" pitchFamily="49" charset="-128"/>
+              </a:rPr>
+              <a:t>}</a:t>
+            </a:r>
+            <a:endParaRPr lang="en-US" altLang="ja-JP" sz="1800" dirty="0">
+              <a:solidFill>
+                <a:srgbClr val="000000"/>
+              </a:solidFill>
+              <a:highlight>
+                <a:srgbClr val="FFFFFF"/>
+              </a:highlight>
+              <a:ea typeface="ＭＳ ゴシック" panose="020B0609070205080204" pitchFamily="49" charset="-128"/>
+            </a:endParaRPr>
           </a:p>
         </p:txBody>
       </p:sp>
@@ -10415,7 +11297,7 @@
           <p:cNvPr id="7" name="テキスト ボックス 6">
             <a:extLst>
               <a:ext uri="{FF2B5EF4-FFF2-40B4-BE49-F238E27FC236}">
-                <a16:creationId xmlns:a16="http://schemas.microsoft.com/office/drawing/2014/main" id="{2742674B-BDA3-0033-DDF2-3837502B612D}"/>
+                <a16:creationId xmlns:a16="http://schemas.microsoft.com/office/drawing/2014/main" id="{9605E552-8FD0-9C53-F72B-03EA47D6CD04}"/>
               </a:ext>
             </a:extLst>
           </p:cNvPr>
@@ -10446,40 +11328,10 @@
           </a:p>
         </p:txBody>
       </p:sp>
-      <p:pic>
-        <p:nvPicPr>
-          <p:cNvPr id="5" name="図 4">
-            <a:extLst>
-              <a:ext uri="{FF2B5EF4-FFF2-40B4-BE49-F238E27FC236}">
-                <a16:creationId xmlns:a16="http://schemas.microsoft.com/office/drawing/2014/main" id="{89467242-C7E1-1383-5381-F7BE4346F1DE}"/>
-              </a:ext>
-            </a:extLst>
-          </p:cNvPr>
-          <p:cNvPicPr>
-            <a:picLocks noChangeAspect="1"/>
-          </p:cNvPicPr>
-          <p:nvPr/>
-        </p:nvPicPr>
-        <p:blipFill>
-          <a:blip r:embed="rId2"/>
-          <a:stretch>
-            <a:fillRect/>
-          </a:stretch>
-        </p:blipFill>
-        <p:spPr>
-          <a:xfrm>
-            <a:off x="6256562" y="1314495"/>
-            <a:ext cx="5718187" cy="4502645"/>
-          </a:xfrm>
-          <a:prstGeom prst="rect">
-            <a:avLst/>
-          </a:prstGeom>
-        </p:spPr>
-      </p:pic>
     </p:spTree>
     <p:extLst>
       <p:ext uri="{BB962C8B-B14F-4D97-AF65-F5344CB8AC3E}">
-        <p14:creationId xmlns:p14="http://schemas.microsoft.com/office/powerpoint/2010/main" val="315499851"/>
+        <p14:creationId xmlns:p14="http://schemas.microsoft.com/office/powerpoint/2010/main" val="195774563"/>
       </p:ext>
     </p:extLst>
   </p:cSld>
@@ -10705,6 +11557,213 @@
         <p:cNvPr id="1" name="">
           <a:extLst>
             <a:ext uri="{FF2B5EF4-FFF2-40B4-BE49-F238E27FC236}">
+              <a16:creationId xmlns:a16="http://schemas.microsoft.com/office/drawing/2014/main" id="{40578492-6946-4478-DFD0-45C4E8285CD2}"/>
+            </a:ext>
+          </a:extLst>
+        </p:cNvPr>
+        <p:cNvGrpSpPr/>
+        <p:nvPr/>
+      </p:nvGrpSpPr>
+      <p:grpSpPr>
+        <a:xfrm>
+          <a:off x="0" y="0"/>
+          <a:ext cx="0" cy="0"/>
+          <a:chOff x="0" y="0"/>
+          <a:chExt cx="0" cy="0"/>
+        </a:xfrm>
+      </p:grpSpPr>
+      <p:sp>
+        <p:nvSpPr>
+          <p:cNvPr id="2" name="タイトル 1">
+            <a:extLst>
+              <a:ext uri="{FF2B5EF4-FFF2-40B4-BE49-F238E27FC236}">
+                <a16:creationId xmlns:a16="http://schemas.microsoft.com/office/drawing/2014/main" id="{1A84A5D5-4320-B8E0-01F6-936DC4549C0D}"/>
+              </a:ext>
+            </a:extLst>
+          </p:cNvPr>
+          <p:cNvSpPr>
+            <a:spLocks noGrp="1"/>
+          </p:cNvSpPr>
+          <p:nvPr>
+            <p:ph type="title"/>
+          </p:nvPr>
+        </p:nvSpPr>
+        <p:spPr/>
+        <p:txBody>
+          <a:bodyPr>
+            <a:normAutofit/>
+          </a:bodyPr>
+          <a:lstStyle/>
+          <a:p>
+            <a:r>
+              <a:rPr kumimoji="1" lang="ja-JP" altLang="en-US" dirty="0"/>
+              <a:t>演習：</a:t>
+            </a:r>
+            <a:r>
+              <a:rPr lang="en-US" altLang="ja-JP" dirty="0"/>
+              <a:t>Siv3D</a:t>
+            </a:r>
+            <a:endParaRPr kumimoji="1" lang="ja-JP" altLang="en-US" dirty="0"/>
+          </a:p>
+        </p:txBody>
+      </p:sp>
+      <p:sp>
+        <p:nvSpPr>
+          <p:cNvPr id="6" name="コンテンツ プレースホルダー 5">
+            <a:extLst>
+              <a:ext uri="{FF2B5EF4-FFF2-40B4-BE49-F238E27FC236}">
+                <a16:creationId xmlns:a16="http://schemas.microsoft.com/office/drawing/2014/main" id="{CBEF7BAB-51C8-24AD-CFCC-A13B803AE9A6}"/>
+              </a:ext>
+            </a:extLst>
+          </p:cNvPr>
+          <p:cNvSpPr>
+            <a:spLocks noGrp="1"/>
+          </p:cNvSpPr>
+          <p:nvPr>
+            <p:ph idx="1"/>
+          </p:nvPr>
+        </p:nvSpPr>
+        <p:spPr/>
+        <p:txBody>
+          <a:bodyPr/>
+          <a:lstStyle/>
+          <a:p>
+            <a:r>
+              <a:rPr lang="en-US" altLang="ja-JP" dirty="0"/>
+              <a:t>F5</a:t>
+            </a:r>
+            <a:r>
+              <a:rPr lang="ja-JP" altLang="en-US" dirty="0"/>
+              <a:t>キーで実行</a:t>
+            </a:r>
+            <a:br>
+              <a:rPr lang="en-US" altLang="ja-JP" dirty="0"/>
+            </a:br>
+            <a:endParaRPr lang="en-US" altLang="ja-JP" dirty="0"/>
+          </a:p>
+          <a:p>
+            <a:r>
+              <a:rPr lang="ja-JP" altLang="en-US" dirty="0"/>
+              <a:t>スクリーンの上下左右の</a:t>
+            </a:r>
+            <a:br>
+              <a:rPr lang="en-US" altLang="ja-JP" dirty="0"/>
+            </a:br>
+            <a:r>
+              <a:rPr lang="ja-JP" altLang="en-US" dirty="0"/>
+              <a:t>壁やパドルで跳ね返る</a:t>
+            </a:r>
+            <a:br>
+              <a:rPr lang="en-US" altLang="ja-JP" dirty="0"/>
+            </a:br>
+            <a:r>
+              <a:rPr lang="ja-JP" altLang="en-US" dirty="0"/>
+              <a:t>ことを確認</a:t>
+            </a:r>
+            <a:br>
+              <a:rPr lang="en-US" altLang="ja-JP" dirty="0"/>
+            </a:br>
+            <a:endParaRPr lang="en-US" altLang="ja-JP" dirty="0"/>
+          </a:p>
+          <a:p>
+            <a:r>
+              <a:rPr lang="en-US" altLang="ja-JP" dirty="0"/>
+              <a:t>ESC</a:t>
+            </a:r>
+            <a:r>
+              <a:rPr lang="ja-JP" altLang="en-US" dirty="0"/>
+              <a:t>キーで終了</a:t>
+            </a:r>
+          </a:p>
+        </p:txBody>
+      </p:sp>
+      <p:sp>
+        <p:nvSpPr>
+          <p:cNvPr id="7" name="テキスト ボックス 6">
+            <a:extLst>
+              <a:ext uri="{FF2B5EF4-FFF2-40B4-BE49-F238E27FC236}">
+                <a16:creationId xmlns:a16="http://schemas.microsoft.com/office/drawing/2014/main" id="{2742674B-BDA3-0033-DDF2-3837502B612D}"/>
+              </a:ext>
+            </a:extLst>
+          </p:cNvPr>
+          <p:cNvSpPr txBox="1"/>
+          <p:nvPr/>
+        </p:nvSpPr>
+        <p:spPr>
+          <a:xfrm>
+            <a:off x="9494583" y="516645"/>
+            <a:ext cx="2480166" cy="646331"/>
+          </a:xfrm>
+          <a:prstGeom prst="rect">
+            <a:avLst/>
+          </a:prstGeom>
+          <a:noFill/>
+        </p:spPr>
+        <p:txBody>
+          <a:bodyPr wrap="none" rtlCol="0">
+            <a:spAutoFit/>
+          </a:bodyPr>
+          <a:lstStyle/>
+          <a:p>
+            <a:r>
+              <a:rPr kumimoji="1" lang="en-US" altLang="ja-JP" sz="3600" dirty="0"/>
+              <a:t>Main.cpp</a:t>
+            </a:r>
+            <a:endParaRPr kumimoji="1" lang="ja-JP" altLang="en-US" sz="3600" dirty="0"/>
+          </a:p>
+        </p:txBody>
+      </p:sp>
+      <p:pic>
+        <p:nvPicPr>
+          <p:cNvPr id="5" name="図 4">
+            <a:extLst>
+              <a:ext uri="{FF2B5EF4-FFF2-40B4-BE49-F238E27FC236}">
+                <a16:creationId xmlns:a16="http://schemas.microsoft.com/office/drawing/2014/main" id="{89467242-C7E1-1383-5381-F7BE4346F1DE}"/>
+              </a:ext>
+            </a:extLst>
+          </p:cNvPr>
+          <p:cNvPicPr>
+            <a:picLocks noChangeAspect="1"/>
+          </p:cNvPicPr>
+          <p:nvPr/>
+        </p:nvPicPr>
+        <p:blipFill>
+          <a:blip r:embed="rId2"/>
+          <a:stretch>
+            <a:fillRect/>
+          </a:stretch>
+        </p:blipFill>
+        <p:spPr>
+          <a:xfrm>
+            <a:off x="6256562" y="1314495"/>
+            <a:ext cx="5718187" cy="4502645"/>
+          </a:xfrm>
+          <a:prstGeom prst="rect">
+            <a:avLst/>
+          </a:prstGeom>
+        </p:spPr>
+      </p:pic>
+    </p:spTree>
+    <p:extLst>
+      <p:ext uri="{BB962C8B-B14F-4D97-AF65-F5344CB8AC3E}">
+        <p14:creationId xmlns:p14="http://schemas.microsoft.com/office/powerpoint/2010/main" val="315499851"/>
+      </p:ext>
+    </p:extLst>
+  </p:cSld>
+  <p:clrMapOvr>
+    <a:masterClrMapping/>
+  </p:clrMapOvr>
+</p:sld>
+</file>
+
+<file path=ppt/slides/slide21.xml><?xml version="1.0" encoding="utf-8"?>
+<p:sld xmlns:a="http://schemas.openxmlformats.org/drawingml/2006/main" xmlns:r="http://schemas.openxmlformats.org/officeDocument/2006/relationships" xmlns:p="http://schemas.openxmlformats.org/presentationml/2006/main">
+  <p:cSld>
+    <p:spTree>
+      <p:nvGrpSpPr>
+        <p:cNvPr id="1" name="">
+          <a:extLst>
+            <a:ext uri="{FF2B5EF4-FFF2-40B4-BE49-F238E27FC236}">
               <a16:creationId xmlns:a16="http://schemas.microsoft.com/office/drawing/2014/main" id="{CAE8166B-4ED6-6A57-FD28-DC48F83841A6}"/>
             </a:ext>
           </a:extLst>
@@ -10930,7 +11989,7 @@
 </p:sld>
 </file>
 
-<file path=ppt/slides/slide21.xml><?xml version="1.0" encoding="utf-8"?>
+<file path=ppt/slides/slide22.xml><?xml version="1.0" encoding="utf-8"?>
 <p:sld xmlns:a="http://schemas.openxmlformats.org/drawingml/2006/main" xmlns:r="http://schemas.openxmlformats.org/officeDocument/2006/relationships" xmlns:p="http://schemas.openxmlformats.org/presentationml/2006/main">
   <p:cSld>
     <p:spTree>
@@ -11194,7 +12253,9 @@
             <a:r>
               <a:rPr lang="en-US" altLang="ja-JP" sz="2400" dirty="0">
                 <a:solidFill>
-                  <a:srgbClr val="008000"/>
+                  <a:schemeClr val="bg1">
+                    <a:lumMod val="65000"/>
+                  </a:schemeClr>
                 </a:solidFill>
                 <a:highlight>
                   <a:srgbClr val="FFFFFF"/>
@@ -11206,7 +12267,9 @@
             <a:r>
               <a:rPr lang="ja-JP" altLang="en-US" sz="2400" dirty="0">
                 <a:solidFill>
-                  <a:srgbClr val="008000"/>
+                  <a:schemeClr val="bg1">
+                    <a:lumMod val="65000"/>
+                  </a:schemeClr>
                 </a:solidFill>
                 <a:highlight>
                   <a:srgbClr val="FFFFFF"/>
@@ -11218,42 +12281,36 @@
             <a:br>
               <a:rPr lang="en-US" altLang="ja-JP" sz="2400" dirty="0">
                 <a:solidFill>
-                  <a:srgbClr val="000000"/>
-                </a:solidFill>
-                <a:highlight>
-                  <a:srgbClr val="FFFFFF"/>
-                </a:highlight>
-                <a:ea typeface="ＭＳ ゴシック" panose="020B0609070205080204" pitchFamily="49" charset="-128"/>
-              </a:rPr>
-            </a:br>
-            <a:r>
-              <a:rPr lang="en-US" altLang="ja-JP" sz="2400" dirty="0">
-                <a:solidFill>
-                  <a:srgbClr val="2B91AF"/>
-                </a:solidFill>
-                <a:highlight>
-                  <a:srgbClr val="FFFFFF"/>
-                </a:highlight>
-                <a:ea typeface="ＭＳ ゴシック" panose="020B0609070205080204" pitchFamily="49" charset="-128"/>
-              </a:rPr>
-              <a:t>Vec2</a:t>
-            </a:r>
-            <a:r>
-              <a:rPr lang="en-US" altLang="ja-JP" sz="2400" dirty="0">
-                <a:solidFill>
-                  <a:srgbClr val="000000"/>
-                </a:solidFill>
-                <a:highlight>
-                  <a:srgbClr val="FFFFFF"/>
-                </a:highlight>
-                <a:ea typeface="ＭＳ ゴシック" panose="020B0609070205080204" pitchFamily="49" charset="-128"/>
-              </a:rPr>
-              <a:t> </a:t>
+                  <a:schemeClr val="bg1">
+                    <a:lumMod val="65000"/>
+                  </a:schemeClr>
+                </a:solidFill>
+                <a:highlight>
+                  <a:srgbClr val="FFFFFF"/>
+                </a:highlight>
+                <a:ea typeface="ＭＳ ゴシック" panose="020B0609070205080204" pitchFamily="49" charset="-128"/>
+              </a:rPr>
+            </a:br>
+            <a:r>
+              <a:rPr lang="en-US" altLang="ja-JP" sz="2400" dirty="0">
+                <a:solidFill>
+                  <a:schemeClr val="bg1">
+                    <a:lumMod val="65000"/>
+                  </a:schemeClr>
+                </a:solidFill>
+                <a:highlight>
+                  <a:srgbClr val="FFFFFF"/>
+                </a:highlight>
+                <a:ea typeface="ＭＳ ゴシック" panose="020B0609070205080204" pitchFamily="49" charset="-128"/>
+              </a:rPr>
+              <a:t>Vec2 </a:t>
             </a:r>
             <a:r>
               <a:rPr lang="en-US" altLang="ja-JP" sz="2400" dirty="0" err="1">
                 <a:solidFill>
-                  <a:srgbClr val="000000"/>
+                  <a:schemeClr val="bg1">
+                    <a:lumMod val="65000"/>
+                  </a:schemeClr>
                 </a:solidFill>
                 <a:highlight>
                   <a:srgbClr val="FFFFFF"/>
@@ -11265,7 +12322,9 @@
             <a:r>
               <a:rPr lang="en-US" altLang="ja-JP" sz="2400" dirty="0">
                 <a:solidFill>
-                  <a:srgbClr val="000000"/>
+                  <a:schemeClr val="bg1">
+                    <a:lumMod val="65000"/>
+                  </a:schemeClr>
                 </a:solidFill>
                 <a:highlight>
                   <a:srgbClr val="FFFFFF"/>
@@ -11277,18 +12336,22 @@
             <a:br>
               <a:rPr lang="en-US" altLang="ja-JP" sz="2400" dirty="0">
                 <a:solidFill>
-                  <a:srgbClr val="000000"/>
-                </a:solidFill>
-                <a:highlight>
-                  <a:srgbClr val="FFFFFF"/>
-                </a:highlight>
-                <a:ea typeface="ＭＳ ゴシック" panose="020B0609070205080204" pitchFamily="49" charset="-128"/>
-              </a:rPr>
-            </a:br>
-            <a:r>
-              <a:rPr lang="en-US" altLang="ja-JP" sz="2400" dirty="0">
-                <a:solidFill>
-                  <a:srgbClr val="000000"/>
+                  <a:schemeClr val="bg1">
+                    <a:lumMod val="65000"/>
+                  </a:schemeClr>
+                </a:solidFill>
+                <a:highlight>
+                  <a:srgbClr val="FFFFFF"/>
+                </a:highlight>
+                <a:ea typeface="ＭＳ ゴシック" panose="020B0609070205080204" pitchFamily="49" charset="-128"/>
+              </a:rPr>
+            </a:br>
+            <a:r>
+              <a:rPr lang="en-US" altLang="ja-JP" sz="2400" dirty="0">
+                <a:solidFill>
+                  <a:schemeClr val="bg1">
+                    <a:lumMod val="65000"/>
+                  </a:schemeClr>
                 </a:solidFill>
                 <a:highlight>
                   <a:srgbClr val="FFFFFF"/>
@@ -11300,54 +12363,36 @@
             <a:br>
               <a:rPr lang="en-US" altLang="ja-JP" sz="2400" dirty="0">
                 <a:solidFill>
-                  <a:srgbClr val="000000"/>
-                </a:solidFill>
-                <a:highlight>
-                  <a:srgbClr val="FFFFFF"/>
-                </a:highlight>
-                <a:ea typeface="ＭＳ ゴシック" panose="020B0609070205080204" pitchFamily="49" charset="-128"/>
-              </a:rPr>
-            </a:br>
-            <a:r>
-              <a:rPr lang="en-US" altLang="ja-JP" sz="2400" dirty="0">
-                <a:solidFill>
-                  <a:srgbClr val="000000"/>
-                </a:solidFill>
-                <a:highlight>
-                  <a:srgbClr val="FFFFFF"/>
-                </a:highlight>
-                <a:ea typeface="ＭＳ ゴシック" panose="020B0609070205080204" pitchFamily="49" charset="-128"/>
-              </a:rPr>
-              <a:t>  </a:t>
-            </a:r>
-            <a:r>
-              <a:rPr lang="en-US" altLang="ja-JP" sz="2400" dirty="0">
-                <a:solidFill>
-                  <a:srgbClr val="0000FF"/>
-                </a:solidFill>
-                <a:highlight>
-                  <a:srgbClr val="FFFFFF"/>
-                </a:highlight>
-                <a:ea typeface="ＭＳ ゴシック" panose="020B0609070205080204" pitchFamily="49" charset="-128"/>
-              </a:rPr>
-              <a:t>return</a:t>
-            </a:r>
-            <a:r>
-              <a:rPr lang="en-US" altLang="ja-JP" sz="2400" dirty="0">
-                <a:solidFill>
-                  <a:srgbClr val="000000"/>
-                </a:solidFill>
-                <a:highlight>
-                  <a:srgbClr val="FFFFFF"/>
-                </a:highlight>
-                <a:ea typeface="ＭＳ ゴシック" panose="020B0609070205080204" pitchFamily="49" charset="-128"/>
-              </a:rPr>
-              <a:t>{ 100, -</a:t>
+                  <a:schemeClr val="bg1">
+                    <a:lumMod val="65000"/>
+                  </a:schemeClr>
+                </a:solidFill>
+                <a:highlight>
+                  <a:srgbClr val="FFFFFF"/>
+                </a:highlight>
+                <a:ea typeface="ＭＳ ゴシック" panose="020B0609070205080204" pitchFamily="49" charset="-128"/>
+              </a:rPr>
+            </a:br>
+            <a:r>
+              <a:rPr lang="en-US" altLang="ja-JP" sz="2400" dirty="0">
+                <a:solidFill>
+                  <a:schemeClr val="bg1">
+                    <a:lumMod val="65000"/>
+                  </a:schemeClr>
+                </a:solidFill>
+                <a:highlight>
+                  <a:srgbClr val="FFFFFF"/>
+                </a:highlight>
+                <a:ea typeface="ＭＳ ゴシック" panose="020B0609070205080204" pitchFamily="49" charset="-128"/>
+              </a:rPr>
+              <a:t>  return{ 100, -</a:t>
             </a:r>
             <a:r>
               <a:rPr lang="en-US" altLang="ja-JP" sz="2400" dirty="0" err="1">
                 <a:solidFill>
-                  <a:srgbClr val="000000"/>
+                  <a:schemeClr val="bg1">
+                    <a:lumMod val="65000"/>
+                  </a:schemeClr>
                 </a:solidFill>
                 <a:highlight>
                   <a:srgbClr val="FFFFFF"/>
@@ -11359,7 +12404,9 @@
             <a:r>
               <a:rPr lang="en-US" altLang="ja-JP" sz="2400" dirty="0">
                 <a:solidFill>
-                  <a:srgbClr val="000000"/>
+                  <a:schemeClr val="bg1">
+                    <a:lumMod val="65000"/>
+                  </a:schemeClr>
                 </a:solidFill>
                 <a:highlight>
                   <a:srgbClr val="FFFFFF"/>
@@ -11371,18 +12418,22 @@
             <a:br>
               <a:rPr lang="en-US" altLang="ja-JP" sz="2400" dirty="0">
                 <a:solidFill>
-                  <a:srgbClr val="000000"/>
-                </a:solidFill>
-                <a:highlight>
-                  <a:srgbClr val="FFFFFF"/>
-                </a:highlight>
-                <a:ea typeface="ＭＳ ゴシック" panose="020B0609070205080204" pitchFamily="49" charset="-128"/>
-              </a:rPr>
-            </a:br>
-            <a:r>
-              <a:rPr lang="en-US" altLang="ja-JP" sz="2400" dirty="0">
-                <a:solidFill>
-                  <a:srgbClr val="000000"/>
+                  <a:schemeClr val="bg1">
+                    <a:lumMod val="65000"/>
+                  </a:schemeClr>
+                </a:solidFill>
+                <a:highlight>
+                  <a:srgbClr val="FFFFFF"/>
+                </a:highlight>
+                <a:ea typeface="ＭＳ ゴシック" panose="020B0609070205080204" pitchFamily="49" charset="-128"/>
+              </a:rPr>
+            </a:br>
+            <a:r>
+              <a:rPr lang="en-US" altLang="ja-JP" sz="2400" dirty="0">
+                <a:solidFill>
+                  <a:schemeClr val="bg1">
+                    <a:lumMod val="65000"/>
+                  </a:schemeClr>
                 </a:solidFill>
                 <a:highlight>
                   <a:srgbClr val="FFFFFF"/>
@@ -11959,7 +13010,7 @@
 </p:sld>
 </file>
 
-<file path=ppt/slides/slide22.xml><?xml version="1.0" encoding="utf-8"?>
+<file path=ppt/slides/slide23.xml><?xml version="1.0" encoding="utf-8"?>
 <p:sld xmlns:a="http://schemas.openxmlformats.org/drawingml/2006/main" xmlns:r="http://schemas.openxmlformats.org/officeDocument/2006/relationships" xmlns:p="http://schemas.openxmlformats.org/presentationml/2006/main">
   <p:cSld>
     <p:spTree>
@@ -13614,6 +14665,3216 @@
     <p:extLst>
       <p:ext uri="{BB962C8B-B14F-4D97-AF65-F5344CB8AC3E}">
         <p14:creationId xmlns:p14="http://schemas.microsoft.com/office/powerpoint/2010/main" val="4252068952"/>
+      </p:ext>
+    </p:extLst>
+  </p:cSld>
+  <p:clrMapOvr>
+    <a:masterClrMapping/>
+  </p:clrMapOvr>
+</p:sld>
+</file>
+
+<file path=ppt/slides/slide24.xml><?xml version="1.0" encoding="utf-8"?>
+<p:sld xmlns:a="http://schemas.openxmlformats.org/drawingml/2006/main" xmlns:r="http://schemas.openxmlformats.org/officeDocument/2006/relationships" xmlns:p="http://schemas.openxmlformats.org/presentationml/2006/main">
+  <p:cSld>
+    <p:spTree>
+      <p:nvGrpSpPr>
+        <p:cNvPr id="1" name="">
+          <a:extLst>
+            <a:ext uri="{FF2B5EF4-FFF2-40B4-BE49-F238E27FC236}">
+              <a16:creationId xmlns:a16="http://schemas.microsoft.com/office/drawing/2014/main" id="{C43875B4-9343-1748-B523-0B7E2D6B7B18}"/>
+            </a:ext>
+          </a:extLst>
+        </p:cNvPr>
+        <p:cNvGrpSpPr/>
+        <p:nvPr/>
+      </p:nvGrpSpPr>
+      <p:grpSpPr>
+        <a:xfrm>
+          <a:off x="0" y="0"/>
+          <a:ext cx="0" cy="0"/>
+          <a:chOff x="0" y="0"/>
+          <a:chExt cx="0" cy="0"/>
+        </a:xfrm>
+      </p:grpSpPr>
+      <p:sp>
+        <p:nvSpPr>
+          <p:cNvPr id="2" name="タイトル 1">
+            <a:extLst>
+              <a:ext uri="{FF2B5EF4-FFF2-40B4-BE49-F238E27FC236}">
+                <a16:creationId xmlns:a16="http://schemas.microsoft.com/office/drawing/2014/main" id="{7BF03E7E-1ED6-5788-40C2-17D347F591C7}"/>
+              </a:ext>
+            </a:extLst>
+          </p:cNvPr>
+          <p:cNvSpPr>
+            <a:spLocks noGrp="1"/>
+          </p:cNvSpPr>
+          <p:nvPr>
+            <p:ph type="title"/>
+          </p:nvPr>
+        </p:nvSpPr>
+        <p:spPr/>
+        <p:txBody>
+          <a:bodyPr>
+            <a:normAutofit/>
+          </a:bodyPr>
+          <a:lstStyle/>
+          <a:p>
+            <a:r>
+              <a:rPr kumimoji="1" lang="ja-JP" altLang="en-US" dirty="0"/>
+              <a:t>演習：</a:t>
+            </a:r>
+            <a:r>
+              <a:rPr lang="en-US" altLang="ja-JP" dirty="0"/>
+              <a:t>Siv3D</a:t>
+            </a:r>
+            <a:endParaRPr kumimoji="1" lang="ja-JP" altLang="en-US" dirty="0"/>
+          </a:p>
+        </p:txBody>
+      </p:sp>
+      <p:sp>
+        <p:nvSpPr>
+          <p:cNvPr id="4" name="コンテンツ プレースホルダー 2">
+            <a:extLst>
+              <a:ext uri="{FF2B5EF4-FFF2-40B4-BE49-F238E27FC236}">
+                <a16:creationId xmlns:a16="http://schemas.microsoft.com/office/drawing/2014/main" id="{C8E317E0-90EC-98CE-61CD-B45463D6C0D5}"/>
+              </a:ext>
+            </a:extLst>
+          </p:cNvPr>
+          <p:cNvSpPr txBox="1">
+            <a:spLocks/>
+          </p:cNvSpPr>
+          <p:nvPr/>
+        </p:nvSpPr>
+        <p:spPr>
+          <a:xfrm>
+            <a:off x="731195" y="1162976"/>
+            <a:ext cx="11136549" cy="5626930"/>
+          </a:xfrm>
+          <a:prstGeom prst="rect">
+            <a:avLst/>
+          </a:prstGeom>
+          <a:solidFill>
+            <a:schemeClr val="bg1"/>
+          </a:solidFill>
+          <a:ln>
+            <a:solidFill>
+              <a:schemeClr val="tx1"/>
+            </a:solidFill>
+          </a:ln>
+        </p:spPr>
+        <p:txBody>
+          <a:bodyPr vert="horz" lIns="91440" tIns="45720" rIns="91440" bIns="45720" rtlCol="0">
+            <a:noAutofit/>
+          </a:bodyPr>
+          <a:lstStyle>
+            <a:lvl1pPr marL="228600" indent="-228600" algn="l" defTabSz="914400" rtl="0" eaLnBrk="1" latinLnBrk="0" hangingPunct="1">
+              <a:lnSpc>
+                <a:spcPct val="90000"/>
+              </a:lnSpc>
+              <a:spcBef>
+                <a:spcPts val="1000"/>
+              </a:spcBef>
+              <a:buFont typeface="Arial" panose="020B0604020202020204" pitchFamily="34" charset="0"/>
+              <a:buChar char="•"/>
+              <a:defRPr kumimoji="1" sz="3600" kern="1200">
+                <a:solidFill>
+                  <a:schemeClr val="tx1"/>
+                </a:solidFill>
+                <a:latin typeface="+mn-lt"/>
+                <a:ea typeface="+mn-ea"/>
+                <a:cs typeface="+mn-cs"/>
+              </a:defRPr>
+            </a:lvl1pPr>
+            <a:lvl2pPr marL="685800" indent="-228600" algn="l" defTabSz="914400" rtl="0" eaLnBrk="1" latinLnBrk="0" hangingPunct="1">
+              <a:lnSpc>
+                <a:spcPct val="90000"/>
+              </a:lnSpc>
+              <a:spcBef>
+                <a:spcPts val="500"/>
+              </a:spcBef>
+              <a:buFont typeface="Arial" panose="020B0604020202020204" pitchFamily="34" charset="0"/>
+              <a:buChar char="•"/>
+              <a:defRPr kumimoji="1" sz="3200" kern="1200">
+                <a:solidFill>
+                  <a:schemeClr val="tx1"/>
+                </a:solidFill>
+                <a:latin typeface="+mn-lt"/>
+                <a:ea typeface="+mn-ea"/>
+                <a:cs typeface="+mn-cs"/>
+              </a:defRPr>
+            </a:lvl2pPr>
+            <a:lvl3pPr marL="1143000" indent="-228600" algn="l" defTabSz="914400" rtl="0" eaLnBrk="1" latinLnBrk="0" hangingPunct="1">
+              <a:lnSpc>
+                <a:spcPct val="90000"/>
+              </a:lnSpc>
+              <a:spcBef>
+                <a:spcPts val="500"/>
+              </a:spcBef>
+              <a:buFont typeface="Arial" panose="020B0604020202020204" pitchFamily="34" charset="0"/>
+              <a:buChar char="•"/>
+              <a:defRPr kumimoji="1" sz="2800" kern="1200">
+                <a:solidFill>
+                  <a:schemeClr val="tx1"/>
+                </a:solidFill>
+                <a:latin typeface="+mn-lt"/>
+                <a:ea typeface="+mn-ea"/>
+                <a:cs typeface="+mn-cs"/>
+              </a:defRPr>
+            </a:lvl3pPr>
+            <a:lvl4pPr marL="1600200" indent="-228600" algn="l" defTabSz="914400" rtl="0" eaLnBrk="1" latinLnBrk="0" hangingPunct="1">
+              <a:lnSpc>
+                <a:spcPct val="90000"/>
+              </a:lnSpc>
+              <a:spcBef>
+                <a:spcPts val="500"/>
+              </a:spcBef>
+              <a:buFont typeface="Arial" panose="020B0604020202020204" pitchFamily="34" charset="0"/>
+              <a:buChar char="•"/>
+              <a:defRPr kumimoji="1" sz="2400" kern="1200">
+                <a:solidFill>
+                  <a:schemeClr val="tx1"/>
+                </a:solidFill>
+                <a:latin typeface="+mn-lt"/>
+                <a:ea typeface="+mn-ea"/>
+                <a:cs typeface="+mn-cs"/>
+              </a:defRPr>
+            </a:lvl4pPr>
+            <a:lvl5pPr marL="2057400" indent="-228600" algn="l" defTabSz="914400" rtl="0" eaLnBrk="1" latinLnBrk="0" hangingPunct="1">
+              <a:lnSpc>
+                <a:spcPct val="90000"/>
+              </a:lnSpc>
+              <a:spcBef>
+                <a:spcPts val="500"/>
+              </a:spcBef>
+              <a:buFont typeface="Arial" panose="020B0604020202020204" pitchFamily="34" charset="0"/>
+              <a:buChar char="•"/>
+              <a:defRPr kumimoji="1" sz="2400" kern="1200">
+                <a:solidFill>
+                  <a:schemeClr val="tx1"/>
+                </a:solidFill>
+                <a:latin typeface="+mn-lt"/>
+                <a:ea typeface="+mn-ea"/>
+                <a:cs typeface="+mn-cs"/>
+              </a:defRPr>
+            </a:lvl5pPr>
+            <a:lvl6pPr marL="2514600" indent="-228600" algn="l" defTabSz="914400" rtl="0" eaLnBrk="1" latinLnBrk="0" hangingPunct="1">
+              <a:lnSpc>
+                <a:spcPct val="90000"/>
+              </a:lnSpc>
+              <a:spcBef>
+                <a:spcPts val="500"/>
+              </a:spcBef>
+              <a:buFont typeface="Arial" panose="020B0604020202020204" pitchFamily="34" charset="0"/>
+              <a:buChar char="•"/>
+              <a:defRPr kumimoji="1" sz="1800" kern="1200">
+                <a:solidFill>
+                  <a:schemeClr val="tx1"/>
+                </a:solidFill>
+                <a:latin typeface="+mn-lt"/>
+                <a:ea typeface="+mn-ea"/>
+                <a:cs typeface="+mn-cs"/>
+              </a:defRPr>
+            </a:lvl6pPr>
+            <a:lvl7pPr marL="2971800" indent="-228600" algn="l" defTabSz="914400" rtl="0" eaLnBrk="1" latinLnBrk="0" hangingPunct="1">
+              <a:lnSpc>
+                <a:spcPct val="90000"/>
+              </a:lnSpc>
+              <a:spcBef>
+                <a:spcPts val="500"/>
+              </a:spcBef>
+              <a:buFont typeface="Arial" panose="020B0604020202020204" pitchFamily="34" charset="0"/>
+              <a:buChar char="•"/>
+              <a:defRPr kumimoji="1" sz="1800" kern="1200">
+                <a:solidFill>
+                  <a:schemeClr val="tx1"/>
+                </a:solidFill>
+                <a:latin typeface="+mn-lt"/>
+                <a:ea typeface="+mn-ea"/>
+                <a:cs typeface="+mn-cs"/>
+              </a:defRPr>
+            </a:lvl7pPr>
+            <a:lvl8pPr marL="3429000" indent="-228600" algn="l" defTabSz="914400" rtl="0" eaLnBrk="1" latinLnBrk="0" hangingPunct="1">
+              <a:lnSpc>
+                <a:spcPct val="90000"/>
+              </a:lnSpc>
+              <a:spcBef>
+                <a:spcPts val="500"/>
+              </a:spcBef>
+              <a:buFont typeface="Arial" panose="020B0604020202020204" pitchFamily="34" charset="0"/>
+              <a:buChar char="•"/>
+              <a:defRPr kumimoji="1" sz="1800" kern="1200">
+                <a:solidFill>
+                  <a:schemeClr val="tx1"/>
+                </a:solidFill>
+                <a:latin typeface="+mn-lt"/>
+                <a:ea typeface="+mn-ea"/>
+                <a:cs typeface="+mn-cs"/>
+              </a:defRPr>
+            </a:lvl8pPr>
+            <a:lvl9pPr marL="3886200" indent="-228600" algn="l" defTabSz="914400" rtl="0" eaLnBrk="1" latinLnBrk="0" hangingPunct="1">
+              <a:lnSpc>
+                <a:spcPct val="90000"/>
+              </a:lnSpc>
+              <a:spcBef>
+                <a:spcPts val="500"/>
+              </a:spcBef>
+              <a:buFont typeface="Arial" panose="020B0604020202020204" pitchFamily="34" charset="0"/>
+              <a:buChar char="•"/>
+              <a:defRPr kumimoji="1" sz="1800" kern="1200">
+                <a:solidFill>
+                  <a:schemeClr val="tx1"/>
+                </a:solidFill>
+                <a:latin typeface="+mn-lt"/>
+                <a:ea typeface="+mn-ea"/>
+                <a:cs typeface="+mn-cs"/>
+              </a:defRPr>
+            </a:lvl9pPr>
+          </a:lstStyle>
+          <a:p>
+            <a:pPr marL="0" indent="0">
+              <a:buNone/>
+            </a:pPr>
+            <a:r>
+              <a:rPr lang="en-US" altLang="ja-JP" sz="2400" dirty="0">
+                <a:solidFill>
+                  <a:srgbClr val="0000FF"/>
+                </a:solidFill>
+                <a:highlight>
+                  <a:srgbClr val="FFFFFF"/>
+                </a:highlight>
+                <a:ea typeface="ＭＳ ゴシック" panose="020B0609070205080204" pitchFamily="49" charset="-128"/>
+              </a:rPr>
+              <a:t>void</a:t>
+            </a:r>
+            <a:r>
+              <a:rPr lang="en-US" altLang="ja-JP" sz="2400" dirty="0">
+                <a:solidFill>
+                  <a:srgbClr val="000000"/>
+                </a:solidFill>
+                <a:highlight>
+                  <a:srgbClr val="FFFFFF"/>
+                </a:highlight>
+                <a:ea typeface="ＭＳ ゴシック" panose="020B0609070205080204" pitchFamily="49" charset="-128"/>
+              </a:rPr>
+              <a:t> Main()</a:t>
+            </a:r>
+            <a:br>
+              <a:rPr lang="en-US" altLang="ja-JP" sz="2400" dirty="0">
+                <a:solidFill>
+                  <a:srgbClr val="000000"/>
+                </a:solidFill>
+                <a:highlight>
+                  <a:srgbClr val="FFFFFF"/>
+                </a:highlight>
+                <a:ea typeface="ＭＳ ゴシック" panose="020B0609070205080204" pitchFamily="49" charset="-128"/>
+              </a:rPr>
+            </a:br>
+            <a:r>
+              <a:rPr lang="en-US" altLang="ja-JP" sz="2400" dirty="0">
+                <a:solidFill>
+                  <a:srgbClr val="000000"/>
+                </a:solidFill>
+                <a:highlight>
+                  <a:srgbClr val="FFFFFF"/>
+                </a:highlight>
+                <a:ea typeface="ＭＳ ゴシック" panose="020B0609070205080204" pitchFamily="49" charset="-128"/>
+              </a:rPr>
+              <a:t>{</a:t>
+            </a:r>
+            <a:br>
+              <a:rPr lang="en-US" altLang="ja-JP" sz="2400" dirty="0">
+                <a:solidFill>
+                  <a:srgbClr val="000000"/>
+                </a:solidFill>
+                <a:highlight>
+                  <a:srgbClr val="FFFFFF"/>
+                </a:highlight>
+                <a:ea typeface="ＭＳ ゴシック" panose="020B0609070205080204" pitchFamily="49" charset="-128"/>
+              </a:rPr>
+            </a:br>
+            <a:r>
+              <a:rPr lang="en-US" altLang="ja-JP" sz="2400" dirty="0">
+                <a:solidFill>
+                  <a:srgbClr val="000000"/>
+                </a:solidFill>
+                <a:highlight>
+                  <a:srgbClr val="FFFFFF"/>
+                </a:highlight>
+                <a:ea typeface="ＭＳ ゴシック" panose="020B0609070205080204" pitchFamily="49" charset="-128"/>
+              </a:rPr>
+              <a:t>  </a:t>
+            </a:r>
+            <a:r>
+              <a:rPr lang="en-US" altLang="ja-JP" sz="2400" dirty="0">
+                <a:solidFill>
+                  <a:srgbClr val="008000"/>
+                </a:solidFill>
+                <a:highlight>
+                  <a:srgbClr val="FFFFFF"/>
+                </a:highlight>
+                <a:ea typeface="ＭＳ ゴシック" panose="020B0609070205080204" pitchFamily="49" charset="-128"/>
+              </a:rPr>
+              <a:t>//</a:t>
+            </a:r>
+            <a:r>
+              <a:rPr lang="ja-JP" altLang="en-US" sz="2400" dirty="0">
+                <a:solidFill>
+                  <a:srgbClr val="008000"/>
+                </a:solidFill>
+                <a:highlight>
+                  <a:srgbClr val="FFFFFF"/>
+                </a:highlight>
+                <a:ea typeface="ＭＳ ゴシック" panose="020B0609070205080204" pitchFamily="49" charset="-128"/>
+              </a:rPr>
+              <a:t>フォントの指定</a:t>
+            </a:r>
+            <a:br>
+              <a:rPr lang="en-US" altLang="ja-JP" sz="2400" dirty="0">
+                <a:solidFill>
+                  <a:srgbClr val="000000"/>
+                </a:solidFill>
+                <a:highlight>
+                  <a:srgbClr val="FFFFFF"/>
+                </a:highlight>
+                <a:ea typeface="ＭＳ ゴシック" panose="020B0609070205080204" pitchFamily="49" charset="-128"/>
+              </a:rPr>
+            </a:br>
+            <a:r>
+              <a:rPr lang="en-US" altLang="ja-JP" sz="2400" dirty="0">
+                <a:solidFill>
+                  <a:srgbClr val="000000"/>
+                </a:solidFill>
+                <a:highlight>
+                  <a:srgbClr val="FFFFFF"/>
+                </a:highlight>
+                <a:ea typeface="ＭＳ ゴシック" panose="020B0609070205080204" pitchFamily="49" charset="-128"/>
+              </a:rPr>
+              <a:t>  </a:t>
+            </a:r>
+            <a:r>
+              <a:rPr lang="fr-FR" altLang="ja-JP" sz="2400" dirty="0">
+                <a:solidFill>
+                  <a:srgbClr val="0000FF"/>
+                </a:solidFill>
+                <a:highlight>
+                  <a:srgbClr val="FFFFFF"/>
+                </a:highlight>
+                <a:ea typeface="ＭＳ ゴシック" panose="020B0609070205080204" pitchFamily="49" charset="-128"/>
+              </a:rPr>
+              <a:t>const</a:t>
+            </a:r>
+            <a:r>
+              <a:rPr lang="fr-FR" altLang="ja-JP" sz="2400" dirty="0">
+                <a:solidFill>
+                  <a:srgbClr val="000000"/>
+                </a:solidFill>
+                <a:highlight>
+                  <a:srgbClr val="FFFFFF"/>
+                </a:highlight>
+                <a:ea typeface="ＭＳ ゴシック" panose="020B0609070205080204" pitchFamily="49" charset="-128"/>
+              </a:rPr>
+              <a:t> </a:t>
+            </a:r>
+            <a:r>
+              <a:rPr lang="fr-FR" altLang="ja-JP" sz="2400" dirty="0">
+                <a:solidFill>
+                  <a:srgbClr val="2B91AF"/>
+                </a:solidFill>
+                <a:highlight>
+                  <a:srgbClr val="FFFFFF"/>
+                </a:highlight>
+                <a:ea typeface="ＭＳ ゴシック" panose="020B0609070205080204" pitchFamily="49" charset="-128"/>
+              </a:rPr>
+              <a:t>Font</a:t>
+            </a:r>
+            <a:r>
+              <a:rPr lang="fr-FR" altLang="ja-JP" sz="2400" dirty="0">
+                <a:solidFill>
+                  <a:srgbClr val="000000"/>
+                </a:solidFill>
+                <a:highlight>
+                  <a:srgbClr val="FFFFFF"/>
+                </a:highlight>
+                <a:ea typeface="ＭＳ ゴシック" panose="020B0609070205080204" pitchFamily="49" charset="-128"/>
+              </a:rPr>
+              <a:t> font{ </a:t>
+            </a:r>
+            <a:r>
+              <a:rPr lang="fr-FR" altLang="ja-JP" sz="2400" dirty="0">
+                <a:solidFill>
+                  <a:srgbClr val="2B91AF"/>
+                </a:solidFill>
+                <a:highlight>
+                  <a:srgbClr val="FFFFFF"/>
+                </a:highlight>
+                <a:ea typeface="ＭＳ ゴシック" panose="020B0609070205080204" pitchFamily="49" charset="-128"/>
+              </a:rPr>
+              <a:t>FontMethod</a:t>
+            </a:r>
+            <a:r>
+              <a:rPr lang="fr-FR" altLang="ja-JP" sz="2400" dirty="0">
+                <a:solidFill>
+                  <a:srgbClr val="000000"/>
+                </a:solidFill>
+                <a:highlight>
+                  <a:srgbClr val="FFFFFF"/>
+                </a:highlight>
+                <a:ea typeface="ＭＳ ゴシック" panose="020B0609070205080204" pitchFamily="49" charset="-128"/>
+              </a:rPr>
+              <a:t>::</a:t>
+            </a:r>
+            <a:r>
+              <a:rPr lang="fr-FR" altLang="ja-JP" sz="2400" dirty="0">
+                <a:solidFill>
+                  <a:srgbClr val="2F4F4F"/>
+                </a:solidFill>
+                <a:highlight>
+                  <a:srgbClr val="FFFFFF"/>
+                </a:highlight>
+                <a:ea typeface="ＭＳ ゴシック" panose="020B0609070205080204" pitchFamily="49" charset="-128"/>
+              </a:rPr>
+              <a:t>MSDF</a:t>
+            </a:r>
+            <a:r>
+              <a:rPr lang="fr-FR" altLang="ja-JP" sz="2400" dirty="0">
+                <a:solidFill>
+                  <a:srgbClr val="000000"/>
+                </a:solidFill>
+                <a:highlight>
+                  <a:srgbClr val="FFFFFF"/>
+                </a:highlight>
+                <a:ea typeface="ＭＳ ゴシック" panose="020B0609070205080204" pitchFamily="49" charset="-128"/>
+              </a:rPr>
+              <a:t>, 48 };</a:t>
+            </a:r>
+            <a:endParaRPr lang="en-US" altLang="ja-JP" sz="2400" dirty="0">
+              <a:solidFill>
+                <a:srgbClr val="000000"/>
+              </a:solidFill>
+              <a:highlight>
+                <a:srgbClr val="FFFFFF"/>
+              </a:highlight>
+              <a:ea typeface="ＭＳ ゴシック" panose="020B0609070205080204" pitchFamily="49" charset="-128"/>
+            </a:endParaRPr>
+          </a:p>
+          <a:p>
+            <a:pPr marL="0" indent="0">
+              <a:buNone/>
+            </a:pPr>
+            <a:r>
+              <a:rPr lang="en-US" altLang="ja-JP" sz="2400" dirty="0">
+                <a:solidFill>
+                  <a:srgbClr val="000000"/>
+                </a:solidFill>
+                <a:highlight>
+                  <a:srgbClr val="FFFFFF"/>
+                </a:highlight>
+                <a:ea typeface="ＭＳ ゴシック" panose="020B0609070205080204" pitchFamily="49" charset="-128"/>
+              </a:rPr>
+              <a:t>  </a:t>
+            </a:r>
+            <a:r>
+              <a:rPr lang="en-US" altLang="ja-JP" sz="2400" dirty="0">
+                <a:solidFill>
+                  <a:srgbClr val="008000"/>
+                </a:solidFill>
+                <a:highlight>
+                  <a:srgbClr val="FFFFFF"/>
+                </a:highlight>
+                <a:ea typeface="ＭＳ ゴシック" panose="020B0609070205080204" pitchFamily="49" charset="-128"/>
+              </a:rPr>
+              <a:t>//</a:t>
+            </a:r>
+            <a:r>
+              <a:rPr lang="ja-JP" altLang="en-US" sz="2400" dirty="0">
+                <a:solidFill>
+                  <a:srgbClr val="008000"/>
+                </a:solidFill>
+                <a:highlight>
+                  <a:srgbClr val="FFFFFF"/>
+                </a:highlight>
+                <a:ea typeface="ＭＳ ゴシック" panose="020B0609070205080204" pitchFamily="49" charset="-128"/>
+              </a:rPr>
+              <a:t>ボール（中心座標と半径）</a:t>
+            </a:r>
+            <a:br>
+              <a:rPr lang="en-US" altLang="ja-JP" sz="2400" dirty="0">
+                <a:solidFill>
+                  <a:srgbClr val="000000"/>
+                </a:solidFill>
+                <a:highlight>
+                  <a:srgbClr val="FFFFFF"/>
+                </a:highlight>
+                <a:ea typeface="ＭＳ ゴシック" panose="020B0609070205080204" pitchFamily="49" charset="-128"/>
+              </a:rPr>
+            </a:br>
+            <a:r>
+              <a:rPr lang="en-US" altLang="ja-JP" sz="2400" dirty="0">
+                <a:solidFill>
+                  <a:srgbClr val="000000"/>
+                </a:solidFill>
+                <a:highlight>
+                  <a:srgbClr val="FFFFFF"/>
+                </a:highlight>
+                <a:ea typeface="ＭＳ ゴシック" panose="020B0609070205080204" pitchFamily="49" charset="-128"/>
+              </a:rPr>
+              <a:t>  </a:t>
+            </a:r>
+            <a:r>
+              <a:rPr lang="en-US" altLang="ja-JP" sz="2400" dirty="0">
+                <a:solidFill>
+                  <a:srgbClr val="2B91AF"/>
+                </a:solidFill>
+                <a:highlight>
+                  <a:srgbClr val="FFFFFF"/>
+                </a:highlight>
+                <a:ea typeface="ＭＳ ゴシック" panose="020B0609070205080204" pitchFamily="49" charset="-128"/>
+              </a:rPr>
+              <a:t>Circle</a:t>
+            </a:r>
+            <a:r>
+              <a:rPr lang="en-US" altLang="ja-JP" sz="2400" dirty="0">
+                <a:solidFill>
+                  <a:srgbClr val="000000"/>
+                </a:solidFill>
+                <a:highlight>
+                  <a:srgbClr val="FFFFFF"/>
+                </a:highlight>
+                <a:ea typeface="ＭＳ ゴシック" panose="020B0609070205080204" pitchFamily="49" charset="-128"/>
+              </a:rPr>
+              <a:t> ball = </a:t>
+            </a:r>
+            <a:r>
+              <a:rPr lang="en-US" altLang="ja-JP" sz="2400" dirty="0" err="1">
+                <a:solidFill>
+                  <a:srgbClr val="000000"/>
+                </a:solidFill>
+                <a:highlight>
+                  <a:srgbClr val="FFFFFF"/>
+                </a:highlight>
+                <a:ea typeface="ＭＳ ゴシック" panose="020B0609070205080204" pitchFamily="49" charset="-128"/>
+              </a:rPr>
+              <a:t>MakeBall</a:t>
+            </a:r>
+            <a:r>
+              <a:rPr lang="en-US" altLang="ja-JP" sz="2400" dirty="0">
+                <a:solidFill>
+                  <a:srgbClr val="000000"/>
+                </a:solidFill>
+                <a:highlight>
+                  <a:srgbClr val="FFFFFF"/>
+                </a:highlight>
+                <a:ea typeface="ＭＳ ゴシック" panose="020B0609070205080204" pitchFamily="49" charset="-128"/>
+              </a:rPr>
+              <a:t>();</a:t>
+            </a:r>
+          </a:p>
+          <a:p>
+            <a:pPr marL="0" indent="0">
+              <a:buNone/>
+            </a:pPr>
+            <a:r>
+              <a:rPr lang="en-US" altLang="ja-JP" sz="2400" dirty="0">
+                <a:solidFill>
+                  <a:srgbClr val="000000"/>
+                </a:solidFill>
+                <a:highlight>
+                  <a:srgbClr val="FFFFFF"/>
+                </a:highlight>
+                <a:ea typeface="ＭＳ ゴシック" panose="020B0609070205080204" pitchFamily="49" charset="-128"/>
+              </a:rPr>
+              <a:t>  </a:t>
+            </a:r>
+            <a:r>
+              <a:rPr lang="en-US" altLang="ja-JP" sz="2400" dirty="0">
+                <a:solidFill>
+                  <a:srgbClr val="008000"/>
+                </a:solidFill>
+                <a:highlight>
+                  <a:srgbClr val="FFFFFF"/>
+                </a:highlight>
+                <a:ea typeface="ＭＳ ゴシック" panose="020B0609070205080204" pitchFamily="49" charset="-128"/>
+              </a:rPr>
+              <a:t>//</a:t>
+            </a:r>
+            <a:r>
+              <a:rPr lang="ja-JP" altLang="en-US" sz="2400" dirty="0">
+                <a:solidFill>
+                  <a:srgbClr val="008000"/>
+                </a:solidFill>
+                <a:highlight>
+                  <a:srgbClr val="FFFFFF"/>
+                </a:highlight>
+                <a:ea typeface="ＭＳ ゴシック" panose="020B0609070205080204" pitchFamily="49" charset="-128"/>
+              </a:rPr>
+              <a:t>ボールの速度</a:t>
+            </a:r>
+            <a:br>
+              <a:rPr lang="en-US" altLang="ja-JP" sz="2400" dirty="0">
+                <a:solidFill>
+                  <a:srgbClr val="000000"/>
+                </a:solidFill>
+                <a:highlight>
+                  <a:srgbClr val="FFFFFF"/>
+                </a:highlight>
+                <a:ea typeface="ＭＳ ゴシック" panose="020B0609070205080204" pitchFamily="49" charset="-128"/>
+              </a:rPr>
+            </a:br>
+            <a:r>
+              <a:rPr lang="en-US" altLang="ja-JP" sz="2400" dirty="0">
+                <a:solidFill>
+                  <a:srgbClr val="000000"/>
+                </a:solidFill>
+                <a:highlight>
+                  <a:srgbClr val="FFFFFF"/>
+                </a:highlight>
+                <a:ea typeface="ＭＳ ゴシック" panose="020B0609070205080204" pitchFamily="49" charset="-128"/>
+              </a:rPr>
+              <a:t>  </a:t>
+            </a:r>
+            <a:r>
+              <a:rPr lang="en-US" altLang="ja-JP" sz="2400" dirty="0">
+                <a:solidFill>
+                  <a:srgbClr val="2B91AF"/>
+                </a:solidFill>
+                <a:highlight>
+                  <a:srgbClr val="FFFFFF"/>
+                </a:highlight>
+                <a:ea typeface="ＭＳ ゴシック" panose="020B0609070205080204" pitchFamily="49" charset="-128"/>
+              </a:rPr>
+              <a:t>Vec2</a:t>
+            </a:r>
+            <a:r>
+              <a:rPr lang="en-US" altLang="ja-JP" sz="2400" dirty="0">
+                <a:solidFill>
+                  <a:srgbClr val="000000"/>
+                </a:solidFill>
+                <a:highlight>
+                  <a:srgbClr val="FFFFFF"/>
+                </a:highlight>
+                <a:ea typeface="ＭＳ ゴシック" panose="020B0609070205080204" pitchFamily="49" charset="-128"/>
+              </a:rPr>
+              <a:t> </a:t>
+            </a:r>
+            <a:r>
+              <a:rPr lang="en-US" altLang="ja-JP" sz="2400" dirty="0" err="1">
+                <a:solidFill>
+                  <a:srgbClr val="000000"/>
+                </a:solidFill>
+                <a:highlight>
+                  <a:srgbClr val="FFFFFF"/>
+                </a:highlight>
+                <a:ea typeface="ＭＳ ゴシック" panose="020B0609070205080204" pitchFamily="49" charset="-128"/>
+              </a:rPr>
+              <a:t>ballVelocity</a:t>
+            </a:r>
+            <a:r>
+              <a:rPr lang="en-US" altLang="ja-JP" sz="2400" dirty="0">
+                <a:solidFill>
+                  <a:srgbClr val="000000"/>
+                </a:solidFill>
+                <a:highlight>
+                  <a:srgbClr val="FFFFFF"/>
+                </a:highlight>
+                <a:ea typeface="ＭＳ ゴシック" panose="020B0609070205080204" pitchFamily="49" charset="-128"/>
+              </a:rPr>
+              <a:t> = </a:t>
+            </a:r>
+            <a:r>
+              <a:rPr lang="en-US" altLang="ja-JP" sz="2400" dirty="0" err="1">
+                <a:solidFill>
+                  <a:srgbClr val="000000"/>
+                </a:solidFill>
+                <a:highlight>
+                  <a:srgbClr val="FFFFFF"/>
+                </a:highlight>
+                <a:ea typeface="ＭＳ ゴシック" panose="020B0609070205080204" pitchFamily="49" charset="-128"/>
+              </a:rPr>
+              <a:t>MakeBallVelocity</a:t>
+            </a:r>
+            <a:r>
+              <a:rPr lang="en-US" altLang="ja-JP" sz="2400" dirty="0">
+                <a:solidFill>
+                  <a:srgbClr val="000000"/>
+                </a:solidFill>
+                <a:highlight>
+                  <a:srgbClr val="FFFFFF"/>
+                </a:highlight>
+                <a:ea typeface="ＭＳ ゴシック" panose="020B0609070205080204" pitchFamily="49" charset="-128"/>
+              </a:rPr>
+              <a:t>();</a:t>
+            </a:r>
+            <a:endParaRPr lang="ja-JP" altLang="en-US" sz="2400" dirty="0">
+              <a:solidFill>
+                <a:srgbClr val="000000"/>
+              </a:solidFill>
+              <a:highlight>
+                <a:srgbClr val="FFFFFF"/>
+              </a:highlight>
+              <a:ea typeface="ＭＳ ゴシック" panose="020B0609070205080204" pitchFamily="49" charset="-128"/>
+            </a:endParaRPr>
+          </a:p>
+          <a:p>
+            <a:pPr marL="0" indent="0">
+              <a:buNone/>
+            </a:pPr>
+            <a:endParaRPr lang="ja-JP" altLang="en-US" sz="2800" dirty="0">
+              <a:solidFill>
+                <a:srgbClr val="000000"/>
+              </a:solidFill>
+              <a:highlight>
+                <a:srgbClr val="FFFFFF"/>
+              </a:highlight>
+              <a:latin typeface="ＭＳ ゴシック" panose="020B0609070205080204" pitchFamily="49" charset="-128"/>
+              <a:ea typeface="ＭＳ ゴシック" panose="020B0609070205080204" pitchFamily="49" charset="-128"/>
+            </a:endParaRPr>
+          </a:p>
+          <a:p>
+            <a:pPr marL="0" indent="0">
+              <a:buNone/>
+            </a:pPr>
+            <a:r>
+              <a:rPr lang="en-US" altLang="ja-JP" sz="2400" dirty="0">
+                <a:solidFill>
+                  <a:srgbClr val="008000"/>
+                </a:solidFill>
+                <a:highlight>
+                  <a:srgbClr val="FFFFFF"/>
+                </a:highlight>
+                <a:latin typeface="ＭＳ ゴシック" panose="020B0609070205080204" pitchFamily="49" charset="-128"/>
+                <a:ea typeface="ＭＳ ゴシック" panose="020B0609070205080204" pitchFamily="49" charset="-128"/>
+              </a:rPr>
+              <a:t>  </a:t>
+            </a:r>
+            <a:r>
+              <a:rPr lang="en-US" altLang="ja-JP" sz="2400" dirty="0">
+                <a:solidFill>
+                  <a:srgbClr val="008000"/>
+                </a:solidFill>
+                <a:highlight>
+                  <a:srgbClr val="FFFFFF"/>
+                </a:highlight>
+                <a:ea typeface="ＭＳ ゴシック" panose="020B0609070205080204" pitchFamily="49" charset="-128"/>
+              </a:rPr>
+              <a:t>//</a:t>
+            </a:r>
+            <a:r>
+              <a:rPr lang="ja-JP" altLang="en-US" sz="2400" dirty="0">
+                <a:solidFill>
+                  <a:srgbClr val="008000"/>
+                </a:solidFill>
+                <a:highlight>
+                  <a:srgbClr val="FFFFFF"/>
+                </a:highlight>
+                <a:ea typeface="ＭＳ ゴシック" panose="020B0609070205080204" pitchFamily="49" charset="-128"/>
+              </a:rPr>
+              <a:t>ブロックの配列</a:t>
+            </a:r>
+            <a:endParaRPr lang="ja-JP" altLang="en-US" sz="2400" b="1" dirty="0">
+              <a:solidFill>
+                <a:srgbClr val="000000"/>
+              </a:solidFill>
+              <a:highlight>
+                <a:srgbClr val="FFFFFF"/>
+              </a:highlight>
+              <a:latin typeface="ＭＳ ゴシック" panose="020B0609070205080204" pitchFamily="49" charset="-128"/>
+              <a:ea typeface="ＭＳ ゴシック" panose="020B0609070205080204" pitchFamily="49" charset="-128"/>
+            </a:endParaRPr>
+          </a:p>
+          <a:p>
+            <a:pPr marL="0" indent="0">
+              <a:buNone/>
+            </a:pPr>
+            <a:r>
+              <a:rPr lang="en-US" altLang="ja-JP" sz="2400" dirty="0">
+                <a:solidFill>
+                  <a:srgbClr val="2B91AF"/>
+                </a:solidFill>
+                <a:highlight>
+                  <a:srgbClr val="FFFFFF"/>
+                </a:highlight>
+                <a:latin typeface="ＭＳ ゴシック" panose="020B0609070205080204" pitchFamily="49" charset="-128"/>
+                <a:ea typeface="ＭＳ ゴシック" panose="020B0609070205080204" pitchFamily="49" charset="-128"/>
+              </a:rPr>
+              <a:t>  </a:t>
+            </a:r>
+            <a:r>
+              <a:rPr lang="en-US" altLang="ja-JP" sz="2400" dirty="0">
+                <a:solidFill>
+                  <a:srgbClr val="2B91AF"/>
+                </a:solidFill>
+                <a:highlight>
+                  <a:srgbClr val="FFFFFF"/>
+                </a:highlight>
+                <a:ea typeface="ＭＳ ゴシック" panose="020B0609070205080204" pitchFamily="49" charset="-128"/>
+              </a:rPr>
+              <a:t>vector</a:t>
+            </a:r>
+            <a:r>
+              <a:rPr lang="en-US" altLang="ja-JP" sz="2400" dirty="0">
+                <a:solidFill>
+                  <a:srgbClr val="000000"/>
+                </a:solidFill>
+                <a:highlight>
+                  <a:srgbClr val="FFFFFF"/>
+                </a:highlight>
+                <a:ea typeface="ＭＳ ゴシック" panose="020B0609070205080204" pitchFamily="49" charset="-128"/>
+              </a:rPr>
+              <a:t>&lt;</a:t>
+            </a:r>
+            <a:r>
+              <a:rPr lang="en-US" altLang="ja-JP" sz="2400" dirty="0">
+                <a:solidFill>
+                  <a:srgbClr val="2B91AF"/>
+                </a:solidFill>
+                <a:highlight>
+                  <a:srgbClr val="FFFFFF"/>
+                </a:highlight>
+                <a:ea typeface="ＭＳ ゴシック" panose="020B0609070205080204" pitchFamily="49" charset="-128"/>
+              </a:rPr>
+              <a:t>vector</a:t>
+            </a:r>
+            <a:r>
+              <a:rPr lang="en-US" altLang="ja-JP" sz="2400" dirty="0">
+                <a:solidFill>
+                  <a:srgbClr val="000000"/>
+                </a:solidFill>
+                <a:highlight>
+                  <a:srgbClr val="FFFFFF"/>
+                </a:highlight>
+                <a:ea typeface="ＭＳ ゴシック" panose="020B0609070205080204" pitchFamily="49" charset="-128"/>
+              </a:rPr>
+              <a:t>&lt;</a:t>
+            </a:r>
+            <a:r>
+              <a:rPr lang="en-US" altLang="ja-JP" sz="2400" dirty="0" err="1">
+                <a:solidFill>
+                  <a:srgbClr val="2B91AF"/>
+                </a:solidFill>
+                <a:highlight>
+                  <a:srgbClr val="FFFFFF"/>
+                </a:highlight>
+                <a:ea typeface="ＭＳ ゴシック" panose="020B0609070205080204" pitchFamily="49" charset="-128"/>
+              </a:rPr>
+              <a:t>Rect</a:t>
+            </a:r>
+            <a:r>
+              <a:rPr lang="en-US" altLang="ja-JP" sz="2400" dirty="0">
+                <a:solidFill>
+                  <a:srgbClr val="000000"/>
+                </a:solidFill>
+                <a:highlight>
+                  <a:srgbClr val="FFFFFF"/>
+                </a:highlight>
+                <a:ea typeface="ＭＳ ゴシック" panose="020B0609070205080204" pitchFamily="49" charset="-128"/>
+              </a:rPr>
+              <a:t>*&gt;&gt; bricks = </a:t>
+            </a:r>
+            <a:r>
+              <a:rPr lang="en-US" altLang="ja-JP" sz="2400" dirty="0" err="1">
+                <a:solidFill>
+                  <a:srgbClr val="000000"/>
+                </a:solidFill>
+                <a:highlight>
+                  <a:srgbClr val="FFFFFF"/>
+                </a:highlight>
+                <a:ea typeface="ＭＳ ゴシック" panose="020B0609070205080204" pitchFamily="49" charset="-128"/>
+              </a:rPr>
+              <a:t>MakeBricks</a:t>
+            </a:r>
+            <a:r>
+              <a:rPr lang="en-US" altLang="ja-JP" sz="2400" dirty="0">
+                <a:solidFill>
+                  <a:srgbClr val="000000"/>
+                </a:solidFill>
+                <a:highlight>
+                  <a:srgbClr val="FFFFFF"/>
+                </a:highlight>
+                <a:ea typeface="ＭＳ ゴシック" panose="020B0609070205080204" pitchFamily="49" charset="-128"/>
+              </a:rPr>
+              <a:t>();</a:t>
+            </a:r>
+            <a:endParaRPr lang="en-US" altLang="ja-JP" sz="3200" dirty="0">
+              <a:solidFill>
+                <a:srgbClr val="000000"/>
+              </a:solidFill>
+              <a:highlight>
+                <a:srgbClr val="FFFFFF"/>
+              </a:highlight>
+              <a:ea typeface="ＭＳ ゴシック" panose="020B0609070205080204" pitchFamily="49" charset="-128"/>
+            </a:endParaRPr>
+          </a:p>
+        </p:txBody>
+      </p:sp>
+      <p:sp>
+        <p:nvSpPr>
+          <p:cNvPr id="7" name="テキスト ボックス 6">
+            <a:extLst>
+              <a:ext uri="{FF2B5EF4-FFF2-40B4-BE49-F238E27FC236}">
+                <a16:creationId xmlns:a16="http://schemas.microsoft.com/office/drawing/2014/main" id="{A2EE0D90-379C-A3FD-201F-6F019372BE23}"/>
+              </a:ext>
+            </a:extLst>
+          </p:cNvPr>
+          <p:cNvSpPr txBox="1"/>
+          <p:nvPr/>
+        </p:nvSpPr>
+        <p:spPr>
+          <a:xfrm>
+            <a:off x="9494583" y="516645"/>
+            <a:ext cx="2480166" cy="646331"/>
+          </a:xfrm>
+          <a:prstGeom prst="rect">
+            <a:avLst/>
+          </a:prstGeom>
+          <a:noFill/>
+        </p:spPr>
+        <p:txBody>
+          <a:bodyPr wrap="none" rtlCol="0">
+            <a:spAutoFit/>
+          </a:bodyPr>
+          <a:lstStyle/>
+          <a:p>
+            <a:r>
+              <a:rPr kumimoji="1" lang="en-US" altLang="ja-JP" sz="3600" dirty="0"/>
+              <a:t>Main.cpp</a:t>
+            </a:r>
+            <a:endParaRPr kumimoji="1" lang="ja-JP" altLang="en-US" sz="3600" dirty="0"/>
+          </a:p>
+        </p:txBody>
+      </p:sp>
+    </p:spTree>
+    <p:extLst>
+      <p:ext uri="{BB962C8B-B14F-4D97-AF65-F5344CB8AC3E}">
+        <p14:creationId xmlns:p14="http://schemas.microsoft.com/office/powerpoint/2010/main" val="3384754901"/>
+      </p:ext>
+    </p:extLst>
+  </p:cSld>
+  <p:clrMapOvr>
+    <a:masterClrMapping/>
+  </p:clrMapOvr>
+</p:sld>
+</file>
+
+<file path=ppt/slides/slide25.xml><?xml version="1.0" encoding="utf-8"?>
+<p:sld xmlns:a="http://schemas.openxmlformats.org/drawingml/2006/main" xmlns:r="http://schemas.openxmlformats.org/officeDocument/2006/relationships" xmlns:p="http://schemas.openxmlformats.org/presentationml/2006/main">
+  <p:cSld>
+    <p:spTree>
+      <p:nvGrpSpPr>
+        <p:cNvPr id="1" name="">
+          <a:extLst>
+            <a:ext uri="{FF2B5EF4-FFF2-40B4-BE49-F238E27FC236}">
+              <a16:creationId xmlns:a16="http://schemas.microsoft.com/office/drawing/2014/main" id="{437E4E85-FA19-2FBC-BAB1-C7073414285D}"/>
+            </a:ext>
+          </a:extLst>
+        </p:cNvPr>
+        <p:cNvGrpSpPr/>
+        <p:nvPr/>
+      </p:nvGrpSpPr>
+      <p:grpSpPr>
+        <a:xfrm>
+          <a:off x="0" y="0"/>
+          <a:ext cx="0" cy="0"/>
+          <a:chOff x="0" y="0"/>
+          <a:chExt cx="0" cy="0"/>
+        </a:xfrm>
+      </p:grpSpPr>
+      <p:sp>
+        <p:nvSpPr>
+          <p:cNvPr id="2" name="タイトル 1">
+            <a:extLst>
+              <a:ext uri="{FF2B5EF4-FFF2-40B4-BE49-F238E27FC236}">
+                <a16:creationId xmlns:a16="http://schemas.microsoft.com/office/drawing/2014/main" id="{3EEA9B65-DDF9-E073-302E-18185604FB1E}"/>
+              </a:ext>
+            </a:extLst>
+          </p:cNvPr>
+          <p:cNvSpPr>
+            <a:spLocks noGrp="1"/>
+          </p:cNvSpPr>
+          <p:nvPr>
+            <p:ph type="title"/>
+          </p:nvPr>
+        </p:nvSpPr>
+        <p:spPr/>
+        <p:txBody>
+          <a:bodyPr>
+            <a:normAutofit/>
+          </a:bodyPr>
+          <a:lstStyle/>
+          <a:p>
+            <a:r>
+              <a:rPr kumimoji="1" lang="ja-JP" altLang="en-US" dirty="0"/>
+              <a:t>演習：</a:t>
+            </a:r>
+            <a:r>
+              <a:rPr lang="en-US" altLang="ja-JP" dirty="0"/>
+              <a:t>Siv3D</a:t>
+            </a:r>
+            <a:endParaRPr kumimoji="1" lang="ja-JP" altLang="en-US" dirty="0"/>
+          </a:p>
+        </p:txBody>
+      </p:sp>
+      <p:sp>
+        <p:nvSpPr>
+          <p:cNvPr id="3" name="コンテンツ プレースホルダー 2">
+            <a:extLst>
+              <a:ext uri="{FF2B5EF4-FFF2-40B4-BE49-F238E27FC236}">
+                <a16:creationId xmlns:a16="http://schemas.microsoft.com/office/drawing/2014/main" id="{1508CE80-75AC-9BEA-2C8C-D1C23E65BB79}"/>
+              </a:ext>
+            </a:extLst>
+          </p:cNvPr>
+          <p:cNvSpPr>
+            <a:spLocks noGrp="1"/>
+          </p:cNvSpPr>
+          <p:nvPr>
+            <p:ph idx="1"/>
+          </p:nvPr>
+        </p:nvSpPr>
+        <p:spPr>
+          <a:xfrm>
+            <a:off x="430306" y="1376038"/>
+            <a:ext cx="11654118" cy="5329562"/>
+          </a:xfrm>
+        </p:spPr>
+        <p:txBody>
+          <a:bodyPr>
+            <a:normAutofit/>
+          </a:bodyPr>
+          <a:lstStyle/>
+          <a:p>
+            <a:r>
+              <a:rPr kumimoji="1" lang="ja-JP" altLang="en-US" dirty="0"/>
+              <a:t>ブロックの描画処理</a:t>
+            </a:r>
+            <a:br>
+              <a:rPr kumimoji="1" lang="en-US" altLang="ja-JP" dirty="0"/>
+            </a:br>
+            <a:br>
+              <a:rPr kumimoji="1" lang="en-US" altLang="ja-JP" dirty="0"/>
+            </a:br>
+            <a:r>
+              <a:rPr kumimoji="1" lang="ja-JP" altLang="en-US" dirty="0"/>
+              <a:t>ブロックを描画できた！</a:t>
+            </a:r>
+            <a:br>
+              <a:rPr kumimoji="1" lang="en-US" altLang="ja-JP" dirty="0"/>
+            </a:br>
+            <a:br>
+              <a:rPr kumimoji="1" lang="en-US" altLang="ja-JP" dirty="0"/>
+            </a:br>
+            <a:r>
+              <a:rPr kumimoji="1" lang="ja-JP" altLang="en-US" dirty="0"/>
+              <a:t>しかし、ボールとブロック</a:t>
+            </a:r>
+            <a:br>
+              <a:rPr kumimoji="1" lang="en-US" altLang="ja-JP" dirty="0"/>
+            </a:br>
+            <a:r>
+              <a:rPr kumimoji="1" lang="ja-JP" altLang="en-US" dirty="0"/>
+              <a:t>の当たり判定がない</a:t>
+            </a:r>
+            <a:r>
+              <a:rPr kumimoji="1" lang="en-US" altLang="ja-JP" dirty="0"/>
+              <a:t>…</a:t>
+            </a:r>
+            <a:br>
+              <a:rPr kumimoji="1" lang="en-US" altLang="ja-JP" dirty="0"/>
+            </a:br>
+            <a:br>
+              <a:rPr kumimoji="1" lang="en-US" altLang="ja-JP" dirty="0"/>
+            </a:br>
+            <a:r>
+              <a:rPr kumimoji="1" lang="ja-JP" altLang="en-US" dirty="0"/>
+              <a:t>（ボールがブロックを</a:t>
+            </a:r>
+            <a:br>
+              <a:rPr kumimoji="1" lang="en-US" altLang="ja-JP" dirty="0"/>
+            </a:br>
+            <a:r>
+              <a:rPr kumimoji="1" lang="ja-JP" altLang="en-US" dirty="0"/>
+              <a:t>　素通りしていく）</a:t>
+            </a:r>
+            <a:endParaRPr kumimoji="1" lang="en-US" altLang="ja-JP" dirty="0"/>
+          </a:p>
+        </p:txBody>
+      </p:sp>
+      <p:pic>
+        <p:nvPicPr>
+          <p:cNvPr id="5" name="図 4">
+            <a:extLst>
+              <a:ext uri="{FF2B5EF4-FFF2-40B4-BE49-F238E27FC236}">
+                <a16:creationId xmlns:a16="http://schemas.microsoft.com/office/drawing/2014/main" id="{C42385C9-DE75-F1AF-4577-CFE813DB14CC}"/>
+              </a:ext>
+            </a:extLst>
+          </p:cNvPr>
+          <p:cNvPicPr>
+            <a:picLocks noChangeAspect="1"/>
+          </p:cNvPicPr>
+          <p:nvPr/>
+        </p:nvPicPr>
+        <p:blipFill>
+          <a:blip r:embed="rId2"/>
+          <a:stretch>
+            <a:fillRect/>
+          </a:stretch>
+        </p:blipFill>
+        <p:spPr>
+          <a:xfrm>
+            <a:off x="6096000" y="1249578"/>
+            <a:ext cx="5818620" cy="4581728"/>
+          </a:xfrm>
+          <a:prstGeom prst="rect">
+            <a:avLst/>
+          </a:prstGeom>
+        </p:spPr>
+      </p:pic>
+    </p:spTree>
+    <p:extLst>
+      <p:ext uri="{BB962C8B-B14F-4D97-AF65-F5344CB8AC3E}">
+        <p14:creationId xmlns:p14="http://schemas.microsoft.com/office/powerpoint/2010/main" val="3268163017"/>
+      </p:ext>
+    </p:extLst>
+  </p:cSld>
+  <p:clrMapOvr>
+    <a:masterClrMapping/>
+  </p:clrMapOvr>
+</p:sld>
+</file>
+
+<file path=ppt/slides/slide26.xml><?xml version="1.0" encoding="utf-8"?>
+<p:sld xmlns:a="http://schemas.openxmlformats.org/drawingml/2006/main" xmlns:r="http://schemas.openxmlformats.org/officeDocument/2006/relationships" xmlns:p="http://schemas.openxmlformats.org/presentationml/2006/main">
+  <p:cSld>
+    <p:spTree>
+      <p:nvGrpSpPr>
+        <p:cNvPr id="1" name="">
+          <a:extLst>
+            <a:ext uri="{FF2B5EF4-FFF2-40B4-BE49-F238E27FC236}">
+              <a16:creationId xmlns:a16="http://schemas.microsoft.com/office/drawing/2014/main" id="{0140228A-8294-8616-AAC1-4198B6232BF5}"/>
+            </a:ext>
+          </a:extLst>
+        </p:cNvPr>
+        <p:cNvGrpSpPr/>
+        <p:nvPr/>
+      </p:nvGrpSpPr>
+      <p:grpSpPr>
+        <a:xfrm>
+          <a:off x="0" y="0"/>
+          <a:ext cx="0" cy="0"/>
+          <a:chOff x="0" y="0"/>
+          <a:chExt cx="0" cy="0"/>
+        </a:xfrm>
+      </p:grpSpPr>
+      <p:sp>
+        <p:nvSpPr>
+          <p:cNvPr id="2" name="タイトル 1">
+            <a:extLst>
+              <a:ext uri="{FF2B5EF4-FFF2-40B4-BE49-F238E27FC236}">
+                <a16:creationId xmlns:a16="http://schemas.microsoft.com/office/drawing/2014/main" id="{24FC4E1F-7E4F-7B6F-B8DB-CD5C5604810E}"/>
+              </a:ext>
+            </a:extLst>
+          </p:cNvPr>
+          <p:cNvSpPr>
+            <a:spLocks noGrp="1"/>
+          </p:cNvSpPr>
+          <p:nvPr>
+            <p:ph type="title"/>
+          </p:nvPr>
+        </p:nvSpPr>
+        <p:spPr/>
+        <p:txBody>
+          <a:bodyPr>
+            <a:normAutofit/>
+          </a:bodyPr>
+          <a:lstStyle/>
+          <a:p>
+            <a:r>
+              <a:rPr kumimoji="1" lang="ja-JP" altLang="en-US" dirty="0"/>
+              <a:t>演習：</a:t>
+            </a:r>
+            <a:r>
+              <a:rPr lang="en-US" altLang="ja-JP" dirty="0"/>
+              <a:t>Siv3D</a:t>
+            </a:r>
+            <a:endParaRPr kumimoji="1" lang="ja-JP" altLang="en-US" dirty="0"/>
+          </a:p>
+        </p:txBody>
+      </p:sp>
+      <p:sp>
+        <p:nvSpPr>
+          <p:cNvPr id="3" name="コンテンツ プレースホルダー 2">
+            <a:extLst>
+              <a:ext uri="{FF2B5EF4-FFF2-40B4-BE49-F238E27FC236}">
+                <a16:creationId xmlns:a16="http://schemas.microsoft.com/office/drawing/2014/main" id="{CF87A665-79DD-5AD9-909D-90AE2A294F07}"/>
+              </a:ext>
+            </a:extLst>
+          </p:cNvPr>
+          <p:cNvSpPr>
+            <a:spLocks noGrp="1"/>
+          </p:cNvSpPr>
+          <p:nvPr>
+            <p:ph idx="1"/>
+          </p:nvPr>
+        </p:nvSpPr>
+        <p:spPr>
+          <a:xfrm>
+            <a:off x="430306" y="1376038"/>
+            <a:ext cx="11654118" cy="5329562"/>
+          </a:xfrm>
+        </p:spPr>
+        <p:txBody>
+          <a:bodyPr>
+            <a:normAutofit/>
+          </a:bodyPr>
+          <a:lstStyle/>
+          <a:p>
+            <a:r>
+              <a:rPr kumimoji="1" lang="en-US" altLang="ja-JP" dirty="0"/>
+              <a:t>intersects</a:t>
+            </a:r>
+            <a:r>
+              <a:rPr kumimoji="1" lang="ja-JP" altLang="en-US" dirty="0"/>
+              <a:t>関数</a:t>
+            </a:r>
+            <a:br>
+              <a:rPr kumimoji="1" lang="en-US" altLang="ja-JP" dirty="0"/>
+            </a:br>
+            <a:br>
+              <a:rPr kumimoji="1" lang="en-US" altLang="ja-JP" dirty="0"/>
+            </a:br>
+            <a:r>
+              <a:rPr kumimoji="1" lang="en-US" altLang="ja-JP" dirty="0" err="1"/>
+              <a:t>A.intersects</a:t>
+            </a:r>
+            <a:r>
+              <a:rPr kumimoji="1" lang="en-US" altLang="ja-JP" dirty="0"/>
+              <a:t>(B)</a:t>
+            </a:r>
+            <a:br>
+              <a:rPr kumimoji="1" lang="en-US" altLang="ja-JP" dirty="0"/>
+            </a:br>
+            <a:br>
+              <a:rPr kumimoji="1" lang="en-US" altLang="ja-JP" dirty="0"/>
+            </a:br>
+            <a:r>
+              <a:rPr kumimoji="1" lang="ja-JP" altLang="en-US" dirty="0"/>
+              <a:t>とすると、物体</a:t>
+            </a:r>
+            <a:r>
+              <a:rPr kumimoji="1" lang="en-US" altLang="ja-JP" dirty="0"/>
+              <a:t>A</a:t>
+            </a:r>
+            <a:r>
+              <a:rPr kumimoji="1" lang="ja-JP" altLang="en-US" dirty="0"/>
+              <a:t>が</a:t>
+            </a:r>
+            <a:r>
+              <a:rPr kumimoji="1" lang="en-US" altLang="ja-JP" dirty="0"/>
+              <a:t>B</a:t>
+            </a:r>
+            <a:r>
+              <a:rPr kumimoji="1" lang="ja-JP" altLang="en-US" dirty="0"/>
+              <a:t>と</a:t>
+            </a:r>
+            <a:br>
+              <a:rPr kumimoji="1" lang="en-US" altLang="ja-JP" dirty="0"/>
+            </a:br>
+            <a:r>
+              <a:rPr kumimoji="1" lang="ja-JP" altLang="en-US" dirty="0"/>
+              <a:t>重なっているかを</a:t>
+            </a:r>
+            <a:br>
+              <a:rPr kumimoji="1" lang="en-US" altLang="ja-JP" dirty="0"/>
+            </a:br>
+            <a:r>
+              <a:rPr kumimoji="1" lang="en-US" altLang="ja-JP" dirty="0"/>
+              <a:t>bool</a:t>
+            </a:r>
+            <a:r>
+              <a:rPr kumimoji="1" lang="ja-JP" altLang="en-US" dirty="0"/>
+              <a:t>値で返してくれる</a:t>
+            </a:r>
+            <a:endParaRPr kumimoji="1" lang="en-US" altLang="ja-JP" dirty="0"/>
+          </a:p>
+        </p:txBody>
+      </p:sp>
+      <p:pic>
+        <p:nvPicPr>
+          <p:cNvPr id="5" name="図 4">
+            <a:extLst>
+              <a:ext uri="{FF2B5EF4-FFF2-40B4-BE49-F238E27FC236}">
+                <a16:creationId xmlns:a16="http://schemas.microsoft.com/office/drawing/2014/main" id="{15AD2E6D-FB85-C333-CE7F-4626925D1B40}"/>
+              </a:ext>
+            </a:extLst>
+          </p:cNvPr>
+          <p:cNvPicPr>
+            <a:picLocks noChangeAspect="1"/>
+          </p:cNvPicPr>
+          <p:nvPr/>
+        </p:nvPicPr>
+        <p:blipFill>
+          <a:blip r:embed="rId2"/>
+          <a:stretch>
+            <a:fillRect/>
+          </a:stretch>
+        </p:blipFill>
+        <p:spPr>
+          <a:xfrm>
+            <a:off x="6096000" y="1249578"/>
+            <a:ext cx="5818620" cy="4581728"/>
+          </a:xfrm>
+          <a:prstGeom prst="rect">
+            <a:avLst/>
+          </a:prstGeom>
+        </p:spPr>
+      </p:pic>
+    </p:spTree>
+    <p:extLst>
+      <p:ext uri="{BB962C8B-B14F-4D97-AF65-F5344CB8AC3E}">
+        <p14:creationId xmlns:p14="http://schemas.microsoft.com/office/powerpoint/2010/main" val="867450791"/>
+      </p:ext>
+    </p:extLst>
+  </p:cSld>
+  <p:clrMapOvr>
+    <a:masterClrMapping/>
+  </p:clrMapOvr>
+</p:sld>
+</file>
+
+<file path=ppt/slides/slide27.xml><?xml version="1.0" encoding="utf-8"?>
+<p:sld xmlns:a="http://schemas.openxmlformats.org/drawingml/2006/main" xmlns:r="http://schemas.openxmlformats.org/officeDocument/2006/relationships" xmlns:p="http://schemas.openxmlformats.org/presentationml/2006/main">
+  <p:cSld>
+    <p:spTree>
+      <p:nvGrpSpPr>
+        <p:cNvPr id="1" name="">
+          <a:extLst>
+            <a:ext uri="{FF2B5EF4-FFF2-40B4-BE49-F238E27FC236}">
+              <a16:creationId xmlns:a16="http://schemas.microsoft.com/office/drawing/2014/main" id="{0F9FF23C-ABB5-65C9-3AD3-8DD13282FEA4}"/>
+            </a:ext>
+          </a:extLst>
+        </p:cNvPr>
+        <p:cNvGrpSpPr/>
+        <p:nvPr/>
+      </p:nvGrpSpPr>
+      <p:grpSpPr>
+        <a:xfrm>
+          <a:off x="0" y="0"/>
+          <a:ext cx="0" cy="0"/>
+          <a:chOff x="0" y="0"/>
+          <a:chExt cx="0" cy="0"/>
+        </a:xfrm>
+      </p:grpSpPr>
+      <p:sp>
+        <p:nvSpPr>
+          <p:cNvPr id="2" name="タイトル 1">
+            <a:extLst>
+              <a:ext uri="{FF2B5EF4-FFF2-40B4-BE49-F238E27FC236}">
+                <a16:creationId xmlns:a16="http://schemas.microsoft.com/office/drawing/2014/main" id="{EB229B66-2816-D514-A5DA-3AE7E45B8C92}"/>
+              </a:ext>
+            </a:extLst>
+          </p:cNvPr>
+          <p:cNvSpPr>
+            <a:spLocks noGrp="1"/>
+          </p:cNvSpPr>
+          <p:nvPr>
+            <p:ph type="title"/>
+          </p:nvPr>
+        </p:nvSpPr>
+        <p:spPr/>
+        <p:txBody>
+          <a:bodyPr>
+            <a:normAutofit/>
+          </a:bodyPr>
+          <a:lstStyle/>
+          <a:p>
+            <a:r>
+              <a:rPr kumimoji="1" lang="ja-JP" altLang="en-US" dirty="0"/>
+              <a:t>演習：</a:t>
+            </a:r>
+            <a:r>
+              <a:rPr lang="en-US" altLang="ja-JP" dirty="0"/>
+              <a:t>Siv3D</a:t>
+            </a:r>
+            <a:endParaRPr kumimoji="1" lang="ja-JP" altLang="en-US" dirty="0"/>
+          </a:p>
+        </p:txBody>
+      </p:sp>
+      <p:sp>
+        <p:nvSpPr>
+          <p:cNvPr id="3" name="コンテンツ プレースホルダー 2">
+            <a:extLst>
+              <a:ext uri="{FF2B5EF4-FFF2-40B4-BE49-F238E27FC236}">
+                <a16:creationId xmlns:a16="http://schemas.microsoft.com/office/drawing/2014/main" id="{24D7805F-D1D7-128E-1755-380A70B5A188}"/>
+              </a:ext>
+            </a:extLst>
+          </p:cNvPr>
+          <p:cNvSpPr>
+            <a:spLocks noGrp="1"/>
+          </p:cNvSpPr>
+          <p:nvPr>
+            <p:ph idx="1"/>
+          </p:nvPr>
+        </p:nvSpPr>
+        <p:spPr>
+          <a:xfrm>
+            <a:off x="430306" y="1376038"/>
+            <a:ext cx="11654118" cy="5329562"/>
+          </a:xfrm>
+        </p:spPr>
+        <p:txBody>
+          <a:bodyPr>
+            <a:normAutofit/>
+          </a:bodyPr>
+          <a:lstStyle/>
+          <a:p>
+            <a:r>
+              <a:rPr kumimoji="1" lang="en-US" altLang="ja-JP" dirty="0"/>
+              <a:t>intersects</a:t>
+            </a:r>
+            <a:r>
+              <a:rPr kumimoji="1" lang="ja-JP" altLang="en-US" dirty="0"/>
+              <a:t>関数</a:t>
+            </a:r>
+            <a:br>
+              <a:rPr kumimoji="1" lang="en-US" altLang="ja-JP" dirty="0"/>
+            </a:br>
+            <a:br>
+              <a:rPr kumimoji="1" lang="en-US" altLang="ja-JP" dirty="0"/>
+            </a:br>
+            <a:r>
+              <a:rPr kumimoji="1" lang="ja-JP" altLang="en-US" dirty="0"/>
+              <a:t>すべてのブロックに対して</a:t>
+            </a:r>
+            <a:br>
+              <a:rPr kumimoji="1" lang="en-US" altLang="ja-JP" dirty="0"/>
+            </a:br>
+            <a:r>
+              <a:rPr kumimoji="1" lang="en-US" altLang="ja-JP" dirty="0"/>
+              <a:t>ball</a:t>
+            </a:r>
+            <a:r>
+              <a:rPr kumimoji="1" lang="ja-JP" altLang="en-US" dirty="0"/>
+              <a:t>と重なっているか</a:t>
+            </a:r>
+            <a:br>
+              <a:rPr kumimoji="1" lang="en-US" altLang="ja-JP" dirty="0"/>
+            </a:br>
+            <a:r>
+              <a:rPr kumimoji="1" lang="ja-JP" altLang="en-US" dirty="0"/>
+              <a:t>どうかを調べればよい！</a:t>
+            </a:r>
+            <a:br>
+              <a:rPr kumimoji="1" lang="en-US" altLang="ja-JP" dirty="0"/>
+            </a:br>
+            <a:br>
+              <a:rPr kumimoji="1" lang="en-US" altLang="ja-JP" dirty="0"/>
+            </a:br>
+            <a:r>
+              <a:rPr kumimoji="1" lang="ja-JP" altLang="en-US" dirty="0"/>
+              <a:t>重なったらブロックを配列</a:t>
+            </a:r>
+            <a:br>
+              <a:rPr kumimoji="1" lang="en-US" altLang="ja-JP" dirty="0"/>
+            </a:br>
+            <a:r>
+              <a:rPr kumimoji="1" lang="ja-JP" altLang="en-US" dirty="0"/>
+              <a:t>から消去</a:t>
+            </a:r>
+            <a:r>
+              <a:rPr kumimoji="1" lang="en-US" altLang="ja-JP" dirty="0"/>
+              <a:t>(erase)</a:t>
+            </a:r>
+            <a:r>
+              <a:rPr kumimoji="1" lang="ja-JP" altLang="en-US" dirty="0"/>
+              <a:t>する</a:t>
+            </a:r>
+            <a:endParaRPr kumimoji="1" lang="en-US" altLang="ja-JP" dirty="0"/>
+          </a:p>
+        </p:txBody>
+      </p:sp>
+      <p:pic>
+        <p:nvPicPr>
+          <p:cNvPr id="5" name="図 4">
+            <a:extLst>
+              <a:ext uri="{FF2B5EF4-FFF2-40B4-BE49-F238E27FC236}">
+                <a16:creationId xmlns:a16="http://schemas.microsoft.com/office/drawing/2014/main" id="{3F403E84-2733-353D-5E99-D25605107971}"/>
+              </a:ext>
+            </a:extLst>
+          </p:cNvPr>
+          <p:cNvPicPr>
+            <a:picLocks noChangeAspect="1"/>
+          </p:cNvPicPr>
+          <p:nvPr/>
+        </p:nvPicPr>
+        <p:blipFill>
+          <a:blip r:embed="rId2"/>
+          <a:stretch>
+            <a:fillRect/>
+          </a:stretch>
+        </p:blipFill>
+        <p:spPr>
+          <a:xfrm>
+            <a:off x="6096000" y="1249578"/>
+            <a:ext cx="5818620" cy="4581728"/>
+          </a:xfrm>
+          <a:prstGeom prst="rect">
+            <a:avLst/>
+          </a:prstGeom>
+        </p:spPr>
+      </p:pic>
+    </p:spTree>
+    <p:extLst>
+      <p:ext uri="{BB962C8B-B14F-4D97-AF65-F5344CB8AC3E}">
+        <p14:creationId xmlns:p14="http://schemas.microsoft.com/office/powerpoint/2010/main" val="2531984028"/>
+      </p:ext>
+    </p:extLst>
+  </p:cSld>
+  <p:clrMapOvr>
+    <a:masterClrMapping/>
+  </p:clrMapOvr>
+</p:sld>
+</file>
+
+<file path=ppt/slides/slide28.xml><?xml version="1.0" encoding="utf-8"?>
+<p:sld xmlns:a="http://schemas.openxmlformats.org/drawingml/2006/main" xmlns:r="http://schemas.openxmlformats.org/officeDocument/2006/relationships" xmlns:p="http://schemas.openxmlformats.org/presentationml/2006/main">
+  <p:cSld>
+    <p:spTree>
+      <p:nvGrpSpPr>
+        <p:cNvPr id="1" name="">
+          <a:extLst>
+            <a:ext uri="{FF2B5EF4-FFF2-40B4-BE49-F238E27FC236}">
+              <a16:creationId xmlns:a16="http://schemas.microsoft.com/office/drawing/2014/main" id="{4B85CF5D-5141-A250-F680-EAA3BDF70FEA}"/>
+            </a:ext>
+          </a:extLst>
+        </p:cNvPr>
+        <p:cNvGrpSpPr/>
+        <p:nvPr/>
+      </p:nvGrpSpPr>
+      <p:grpSpPr>
+        <a:xfrm>
+          <a:off x="0" y="0"/>
+          <a:ext cx="0" cy="0"/>
+          <a:chOff x="0" y="0"/>
+          <a:chExt cx="0" cy="0"/>
+        </a:xfrm>
+      </p:grpSpPr>
+      <p:sp>
+        <p:nvSpPr>
+          <p:cNvPr id="2" name="タイトル 1">
+            <a:extLst>
+              <a:ext uri="{FF2B5EF4-FFF2-40B4-BE49-F238E27FC236}">
+                <a16:creationId xmlns:a16="http://schemas.microsoft.com/office/drawing/2014/main" id="{F6D8D91B-DFBF-3442-F7D8-A892D65068B7}"/>
+              </a:ext>
+            </a:extLst>
+          </p:cNvPr>
+          <p:cNvSpPr>
+            <a:spLocks noGrp="1"/>
+          </p:cNvSpPr>
+          <p:nvPr>
+            <p:ph type="title"/>
+          </p:nvPr>
+        </p:nvSpPr>
+        <p:spPr/>
+        <p:txBody>
+          <a:bodyPr>
+            <a:normAutofit/>
+          </a:bodyPr>
+          <a:lstStyle/>
+          <a:p>
+            <a:r>
+              <a:rPr kumimoji="1" lang="ja-JP" altLang="en-US" dirty="0"/>
+              <a:t>演習：</a:t>
+            </a:r>
+            <a:r>
+              <a:rPr lang="en-US" altLang="ja-JP" dirty="0"/>
+              <a:t>Siv3D</a:t>
+            </a:r>
+            <a:endParaRPr kumimoji="1" lang="ja-JP" altLang="en-US" dirty="0"/>
+          </a:p>
+        </p:txBody>
+      </p:sp>
+      <p:sp>
+        <p:nvSpPr>
+          <p:cNvPr id="4" name="コンテンツ プレースホルダー 2">
+            <a:extLst>
+              <a:ext uri="{FF2B5EF4-FFF2-40B4-BE49-F238E27FC236}">
+                <a16:creationId xmlns:a16="http://schemas.microsoft.com/office/drawing/2014/main" id="{CA5E3B5F-E7B2-4FA3-0288-8B7EF74A836D}"/>
+              </a:ext>
+            </a:extLst>
+          </p:cNvPr>
+          <p:cNvSpPr txBox="1">
+            <a:spLocks/>
+          </p:cNvSpPr>
+          <p:nvPr/>
+        </p:nvSpPr>
+        <p:spPr>
+          <a:xfrm>
+            <a:off x="731195" y="1162976"/>
+            <a:ext cx="11136549" cy="5626930"/>
+          </a:xfrm>
+          <a:prstGeom prst="rect">
+            <a:avLst/>
+          </a:prstGeom>
+          <a:solidFill>
+            <a:schemeClr val="bg1"/>
+          </a:solidFill>
+          <a:ln>
+            <a:solidFill>
+              <a:schemeClr val="tx1"/>
+            </a:solidFill>
+          </a:ln>
+        </p:spPr>
+        <p:txBody>
+          <a:bodyPr vert="horz" lIns="91440" tIns="45720" rIns="91440" bIns="45720" rtlCol="0">
+            <a:noAutofit/>
+          </a:bodyPr>
+          <a:lstStyle>
+            <a:lvl1pPr marL="228600" indent="-228600" algn="l" defTabSz="914400" rtl="0" eaLnBrk="1" latinLnBrk="0" hangingPunct="1">
+              <a:lnSpc>
+                <a:spcPct val="90000"/>
+              </a:lnSpc>
+              <a:spcBef>
+                <a:spcPts val="1000"/>
+              </a:spcBef>
+              <a:buFont typeface="Arial" panose="020B0604020202020204" pitchFamily="34" charset="0"/>
+              <a:buChar char="•"/>
+              <a:defRPr kumimoji="1" sz="3600" kern="1200">
+                <a:solidFill>
+                  <a:schemeClr val="tx1"/>
+                </a:solidFill>
+                <a:latin typeface="+mn-lt"/>
+                <a:ea typeface="+mn-ea"/>
+                <a:cs typeface="+mn-cs"/>
+              </a:defRPr>
+            </a:lvl1pPr>
+            <a:lvl2pPr marL="685800" indent="-228600" algn="l" defTabSz="914400" rtl="0" eaLnBrk="1" latinLnBrk="0" hangingPunct="1">
+              <a:lnSpc>
+                <a:spcPct val="90000"/>
+              </a:lnSpc>
+              <a:spcBef>
+                <a:spcPts val="500"/>
+              </a:spcBef>
+              <a:buFont typeface="Arial" panose="020B0604020202020204" pitchFamily="34" charset="0"/>
+              <a:buChar char="•"/>
+              <a:defRPr kumimoji="1" sz="3200" kern="1200">
+                <a:solidFill>
+                  <a:schemeClr val="tx1"/>
+                </a:solidFill>
+                <a:latin typeface="+mn-lt"/>
+                <a:ea typeface="+mn-ea"/>
+                <a:cs typeface="+mn-cs"/>
+              </a:defRPr>
+            </a:lvl2pPr>
+            <a:lvl3pPr marL="1143000" indent="-228600" algn="l" defTabSz="914400" rtl="0" eaLnBrk="1" latinLnBrk="0" hangingPunct="1">
+              <a:lnSpc>
+                <a:spcPct val="90000"/>
+              </a:lnSpc>
+              <a:spcBef>
+                <a:spcPts val="500"/>
+              </a:spcBef>
+              <a:buFont typeface="Arial" panose="020B0604020202020204" pitchFamily="34" charset="0"/>
+              <a:buChar char="•"/>
+              <a:defRPr kumimoji="1" sz="2800" kern="1200">
+                <a:solidFill>
+                  <a:schemeClr val="tx1"/>
+                </a:solidFill>
+                <a:latin typeface="+mn-lt"/>
+                <a:ea typeface="+mn-ea"/>
+                <a:cs typeface="+mn-cs"/>
+              </a:defRPr>
+            </a:lvl3pPr>
+            <a:lvl4pPr marL="1600200" indent="-228600" algn="l" defTabSz="914400" rtl="0" eaLnBrk="1" latinLnBrk="0" hangingPunct="1">
+              <a:lnSpc>
+                <a:spcPct val="90000"/>
+              </a:lnSpc>
+              <a:spcBef>
+                <a:spcPts val="500"/>
+              </a:spcBef>
+              <a:buFont typeface="Arial" panose="020B0604020202020204" pitchFamily="34" charset="0"/>
+              <a:buChar char="•"/>
+              <a:defRPr kumimoji="1" sz="2400" kern="1200">
+                <a:solidFill>
+                  <a:schemeClr val="tx1"/>
+                </a:solidFill>
+                <a:latin typeface="+mn-lt"/>
+                <a:ea typeface="+mn-ea"/>
+                <a:cs typeface="+mn-cs"/>
+              </a:defRPr>
+            </a:lvl4pPr>
+            <a:lvl5pPr marL="2057400" indent="-228600" algn="l" defTabSz="914400" rtl="0" eaLnBrk="1" latinLnBrk="0" hangingPunct="1">
+              <a:lnSpc>
+                <a:spcPct val="90000"/>
+              </a:lnSpc>
+              <a:spcBef>
+                <a:spcPts val="500"/>
+              </a:spcBef>
+              <a:buFont typeface="Arial" panose="020B0604020202020204" pitchFamily="34" charset="0"/>
+              <a:buChar char="•"/>
+              <a:defRPr kumimoji="1" sz="2400" kern="1200">
+                <a:solidFill>
+                  <a:schemeClr val="tx1"/>
+                </a:solidFill>
+                <a:latin typeface="+mn-lt"/>
+                <a:ea typeface="+mn-ea"/>
+                <a:cs typeface="+mn-cs"/>
+              </a:defRPr>
+            </a:lvl5pPr>
+            <a:lvl6pPr marL="2514600" indent="-228600" algn="l" defTabSz="914400" rtl="0" eaLnBrk="1" latinLnBrk="0" hangingPunct="1">
+              <a:lnSpc>
+                <a:spcPct val="90000"/>
+              </a:lnSpc>
+              <a:spcBef>
+                <a:spcPts val="500"/>
+              </a:spcBef>
+              <a:buFont typeface="Arial" panose="020B0604020202020204" pitchFamily="34" charset="0"/>
+              <a:buChar char="•"/>
+              <a:defRPr kumimoji="1" sz="1800" kern="1200">
+                <a:solidFill>
+                  <a:schemeClr val="tx1"/>
+                </a:solidFill>
+                <a:latin typeface="+mn-lt"/>
+                <a:ea typeface="+mn-ea"/>
+                <a:cs typeface="+mn-cs"/>
+              </a:defRPr>
+            </a:lvl6pPr>
+            <a:lvl7pPr marL="2971800" indent="-228600" algn="l" defTabSz="914400" rtl="0" eaLnBrk="1" latinLnBrk="0" hangingPunct="1">
+              <a:lnSpc>
+                <a:spcPct val="90000"/>
+              </a:lnSpc>
+              <a:spcBef>
+                <a:spcPts val="500"/>
+              </a:spcBef>
+              <a:buFont typeface="Arial" panose="020B0604020202020204" pitchFamily="34" charset="0"/>
+              <a:buChar char="•"/>
+              <a:defRPr kumimoji="1" sz="1800" kern="1200">
+                <a:solidFill>
+                  <a:schemeClr val="tx1"/>
+                </a:solidFill>
+                <a:latin typeface="+mn-lt"/>
+                <a:ea typeface="+mn-ea"/>
+                <a:cs typeface="+mn-cs"/>
+              </a:defRPr>
+            </a:lvl7pPr>
+            <a:lvl8pPr marL="3429000" indent="-228600" algn="l" defTabSz="914400" rtl="0" eaLnBrk="1" latinLnBrk="0" hangingPunct="1">
+              <a:lnSpc>
+                <a:spcPct val="90000"/>
+              </a:lnSpc>
+              <a:spcBef>
+                <a:spcPts val="500"/>
+              </a:spcBef>
+              <a:buFont typeface="Arial" panose="020B0604020202020204" pitchFamily="34" charset="0"/>
+              <a:buChar char="•"/>
+              <a:defRPr kumimoji="1" sz="1800" kern="1200">
+                <a:solidFill>
+                  <a:schemeClr val="tx1"/>
+                </a:solidFill>
+                <a:latin typeface="+mn-lt"/>
+                <a:ea typeface="+mn-ea"/>
+                <a:cs typeface="+mn-cs"/>
+              </a:defRPr>
+            </a:lvl8pPr>
+            <a:lvl9pPr marL="3886200" indent="-228600" algn="l" defTabSz="914400" rtl="0" eaLnBrk="1" latinLnBrk="0" hangingPunct="1">
+              <a:lnSpc>
+                <a:spcPct val="90000"/>
+              </a:lnSpc>
+              <a:spcBef>
+                <a:spcPts val="500"/>
+              </a:spcBef>
+              <a:buFont typeface="Arial" panose="020B0604020202020204" pitchFamily="34" charset="0"/>
+              <a:buChar char="•"/>
+              <a:defRPr kumimoji="1" sz="1800" kern="1200">
+                <a:solidFill>
+                  <a:schemeClr val="tx1"/>
+                </a:solidFill>
+                <a:latin typeface="+mn-lt"/>
+                <a:ea typeface="+mn-ea"/>
+                <a:cs typeface="+mn-cs"/>
+              </a:defRPr>
+            </a:lvl9pPr>
+          </a:lstStyle>
+          <a:p>
+            <a:pPr marL="0" indent="0">
+              <a:buNone/>
+            </a:pPr>
+            <a:r>
+              <a:rPr lang="en-US" altLang="ja-JP" sz="2200" dirty="0">
+                <a:solidFill>
+                  <a:srgbClr val="008000"/>
+                </a:solidFill>
+                <a:highlight>
+                  <a:srgbClr val="FFFFFF"/>
+                </a:highlight>
+                <a:latin typeface="ＭＳ ゴシック" panose="020B0609070205080204" pitchFamily="49" charset="-128"/>
+                <a:ea typeface="ＭＳ ゴシック" panose="020B0609070205080204" pitchFamily="49" charset="-128"/>
+              </a:rPr>
+              <a:t>   // </a:t>
+            </a:r>
+            <a:r>
+              <a:rPr lang="ja-JP" altLang="en-US" sz="2200" dirty="0">
+                <a:solidFill>
+                  <a:srgbClr val="008000"/>
+                </a:solidFill>
+                <a:highlight>
+                  <a:srgbClr val="FFFFFF"/>
+                </a:highlight>
+                <a:latin typeface="ＭＳ ゴシック" panose="020B0609070205080204" pitchFamily="49" charset="-128"/>
+                <a:ea typeface="ＭＳ ゴシック" panose="020B0609070205080204" pitchFamily="49" charset="-128"/>
+              </a:rPr>
+              <a:t>ブロックを順にチェック</a:t>
+            </a:r>
+            <a:br>
+              <a:rPr lang="en-US" altLang="ja-JP" sz="2200" dirty="0">
+                <a:solidFill>
+                  <a:srgbClr val="000000"/>
+                </a:solidFill>
+                <a:highlight>
+                  <a:srgbClr val="FFFFFF"/>
+                </a:highlight>
+                <a:latin typeface="ＭＳ ゴシック" panose="020B0609070205080204" pitchFamily="49" charset="-128"/>
+                <a:ea typeface="ＭＳ ゴシック" panose="020B0609070205080204" pitchFamily="49" charset="-128"/>
+              </a:rPr>
+            </a:br>
+            <a:r>
+              <a:rPr lang="en-US" altLang="ja-JP" sz="2200" dirty="0">
+                <a:solidFill>
+                  <a:srgbClr val="000000"/>
+                </a:solidFill>
+                <a:highlight>
+                  <a:srgbClr val="FFFFFF"/>
+                </a:highlight>
+                <a:latin typeface="ＭＳ ゴシック" panose="020B0609070205080204" pitchFamily="49" charset="-128"/>
+                <a:ea typeface="ＭＳ ゴシック" panose="020B0609070205080204" pitchFamily="49" charset="-128"/>
+              </a:rPr>
+              <a:t>   </a:t>
+            </a:r>
+            <a:r>
+              <a:rPr lang="es-ES" altLang="ja-JP" sz="2200" dirty="0">
+                <a:solidFill>
+                  <a:srgbClr val="0000FF"/>
+                </a:solidFill>
+                <a:highlight>
+                  <a:srgbClr val="FFFFFF"/>
+                </a:highlight>
+                <a:ea typeface="ＭＳ ゴシック" panose="020B0609070205080204" pitchFamily="49" charset="-128"/>
+              </a:rPr>
+              <a:t>for</a:t>
+            </a:r>
+            <a:r>
+              <a:rPr lang="es-ES" altLang="ja-JP" sz="2200" dirty="0">
+                <a:solidFill>
+                  <a:srgbClr val="000000"/>
+                </a:solidFill>
+                <a:highlight>
+                  <a:srgbClr val="FFFFFF"/>
+                </a:highlight>
+                <a:ea typeface="ＭＳ ゴシック" panose="020B0609070205080204" pitchFamily="49" charset="-128"/>
+              </a:rPr>
+              <a:t> (</a:t>
+            </a:r>
+            <a:r>
+              <a:rPr lang="es-ES" altLang="ja-JP" sz="2200" dirty="0">
+                <a:solidFill>
+                  <a:srgbClr val="2B91AF"/>
+                </a:solidFill>
+                <a:highlight>
+                  <a:srgbClr val="FFFFFF"/>
+                </a:highlight>
+                <a:ea typeface="ＭＳ ゴシック" panose="020B0609070205080204" pitchFamily="49" charset="-128"/>
+              </a:rPr>
+              <a:t>int32</a:t>
+            </a:r>
+            <a:r>
+              <a:rPr lang="es-ES" altLang="ja-JP" sz="2200" dirty="0">
+                <a:solidFill>
+                  <a:srgbClr val="000000"/>
+                </a:solidFill>
+                <a:highlight>
+                  <a:srgbClr val="FFFFFF"/>
+                </a:highlight>
+                <a:ea typeface="ＭＳ ゴシック" panose="020B0609070205080204" pitchFamily="49" charset="-128"/>
+              </a:rPr>
+              <a:t> y = 0; y &lt; bricks.size(); ++y) {</a:t>
+            </a:r>
+            <a:br>
+              <a:rPr lang="es-ES" altLang="ja-JP" sz="2200" dirty="0">
+                <a:solidFill>
+                  <a:srgbClr val="000000"/>
+                </a:solidFill>
+                <a:highlight>
+                  <a:srgbClr val="FFFFFF"/>
+                </a:highlight>
+                <a:ea typeface="ＭＳ ゴシック" panose="020B0609070205080204" pitchFamily="49" charset="-128"/>
+              </a:rPr>
+            </a:br>
+            <a:r>
+              <a:rPr lang="es-ES" altLang="ja-JP" sz="2200" dirty="0">
+                <a:solidFill>
+                  <a:srgbClr val="000000"/>
+                </a:solidFill>
+                <a:highlight>
+                  <a:srgbClr val="FFFFFF"/>
+                </a:highlight>
+                <a:ea typeface="ＭＳ ゴシック" panose="020B0609070205080204" pitchFamily="49" charset="-128"/>
+              </a:rPr>
+              <a:t>    </a:t>
+            </a:r>
+            <a:r>
+              <a:rPr lang="en-US" altLang="ja-JP" sz="2200" dirty="0">
+                <a:solidFill>
+                  <a:srgbClr val="0000FF"/>
+                </a:solidFill>
+                <a:highlight>
+                  <a:srgbClr val="FFFFFF"/>
+                </a:highlight>
+                <a:ea typeface="ＭＳ ゴシック" panose="020B0609070205080204" pitchFamily="49" charset="-128"/>
+              </a:rPr>
+              <a:t>for</a:t>
+            </a:r>
+            <a:r>
+              <a:rPr lang="en-US" altLang="ja-JP" sz="2200" dirty="0">
+                <a:solidFill>
+                  <a:srgbClr val="000000"/>
+                </a:solidFill>
+                <a:highlight>
+                  <a:srgbClr val="FFFFFF"/>
+                </a:highlight>
+                <a:ea typeface="ＭＳ ゴシック" panose="020B0609070205080204" pitchFamily="49" charset="-128"/>
+              </a:rPr>
+              <a:t> (</a:t>
+            </a:r>
+            <a:r>
+              <a:rPr lang="en-US" altLang="ja-JP" sz="2200" dirty="0">
+                <a:solidFill>
+                  <a:srgbClr val="2B91AF"/>
+                </a:solidFill>
+                <a:highlight>
+                  <a:srgbClr val="FFFFFF"/>
+                </a:highlight>
+                <a:ea typeface="ＭＳ ゴシック" panose="020B0609070205080204" pitchFamily="49" charset="-128"/>
+              </a:rPr>
+              <a:t>int32</a:t>
+            </a:r>
+            <a:r>
+              <a:rPr lang="en-US" altLang="ja-JP" sz="2200" dirty="0">
+                <a:solidFill>
+                  <a:srgbClr val="000000"/>
+                </a:solidFill>
+                <a:highlight>
+                  <a:srgbClr val="FFFFFF"/>
+                </a:highlight>
+                <a:ea typeface="ＭＳ ゴシック" panose="020B0609070205080204" pitchFamily="49" charset="-128"/>
+              </a:rPr>
+              <a:t> x = 0; x &lt; bricks</a:t>
+            </a:r>
+            <a:r>
+              <a:rPr lang="en-US" altLang="ja-JP" sz="2200" dirty="0">
+                <a:solidFill>
+                  <a:srgbClr val="008080"/>
+                </a:solidFill>
+                <a:highlight>
+                  <a:srgbClr val="FFFFFF"/>
+                </a:highlight>
+                <a:ea typeface="ＭＳ ゴシック" panose="020B0609070205080204" pitchFamily="49" charset="-128"/>
+              </a:rPr>
+              <a:t>[</a:t>
+            </a:r>
+            <a:r>
+              <a:rPr lang="en-US" altLang="ja-JP" sz="2200" dirty="0">
+                <a:solidFill>
+                  <a:srgbClr val="000000"/>
+                </a:solidFill>
+                <a:highlight>
+                  <a:srgbClr val="FFFFFF"/>
+                </a:highlight>
+                <a:ea typeface="ＭＳ ゴシック" panose="020B0609070205080204" pitchFamily="49" charset="-128"/>
+              </a:rPr>
+              <a:t>y</a:t>
+            </a:r>
+            <a:r>
+              <a:rPr lang="en-US" altLang="ja-JP" sz="2200" dirty="0">
+                <a:solidFill>
+                  <a:srgbClr val="008080"/>
+                </a:solidFill>
+                <a:highlight>
+                  <a:srgbClr val="FFFFFF"/>
+                </a:highlight>
+                <a:ea typeface="ＭＳ ゴシック" panose="020B0609070205080204" pitchFamily="49" charset="-128"/>
+              </a:rPr>
+              <a:t>]</a:t>
+            </a:r>
+            <a:r>
+              <a:rPr lang="en-US" altLang="ja-JP" sz="2200" dirty="0">
+                <a:solidFill>
+                  <a:srgbClr val="000000"/>
+                </a:solidFill>
+                <a:highlight>
+                  <a:srgbClr val="FFFFFF"/>
+                </a:highlight>
+                <a:ea typeface="ＭＳ ゴシック" panose="020B0609070205080204" pitchFamily="49" charset="-128"/>
+              </a:rPr>
+              <a:t>.size(); ++x) {</a:t>
+            </a:r>
+            <a:br>
+              <a:rPr lang="en-US" altLang="ja-JP" sz="2200" dirty="0">
+                <a:solidFill>
+                  <a:srgbClr val="000000"/>
+                </a:solidFill>
+                <a:highlight>
+                  <a:srgbClr val="FFFFFF"/>
+                </a:highlight>
+                <a:ea typeface="ＭＳ ゴシック" panose="020B0609070205080204" pitchFamily="49" charset="-128"/>
+              </a:rPr>
+            </a:br>
+            <a:r>
+              <a:rPr lang="en-US" altLang="ja-JP" sz="2200" dirty="0">
+                <a:solidFill>
+                  <a:srgbClr val="000000"/>
+                </a:solidFill>
+                <a:highlight>
+                  <a:srgbClr val="FFFFFF"/>
+                </a:highlight>
+                <a:ea typeface="ＭＳ ゴシック" panose="020B0609070205080204" pitchFamily="49" charset="-128"/>
+              </a:rPr>
+              <a:t>      </a:t>
+            </a:r>
+            <a:r>
+              <a:rPr lang="en-US" altLang="ja-JP" sz="2200" dirty="0">
+                <a:solidFill>
+                  <a:srgbClr val="0000FF"/>
+                </a:solidFill>
+                <a:highlight>
+                  <a:srgbClr val="FFFFFF"/>
+                </a:highlight>
+                <a:ea typeface="ＭＳ ゴシック" panose="020B0609070205080204" pitchFamily="49" charset="-128"/>
+              </a:rPr>
+              <a:t>if</a:t>
+            </a:r>
+            <a:r>
+              <a:rPr lang="en-US" altLang="ja-JP" sz="2200" dirty="0">
+                <a:solidFill>
+                  <a:srgbClr val="000000"/>
+                </a:solidFill>
+                <a:highlight>
+                  <a:srgbClr val="FFFFFF"/>
+                </a:highlight>
+                <a:ea typeface="ＭＳ ゴシック" panose="020B0609070205080204" pitchFamily="49" charset="-128"/>
+              </a:rPr>
+              <a:t> (bricks</a:t>
+            </a:r>
+            <a:r>
+              <a:rPr lang="en-US" altLang="ja-JP" sz="2200" dirty="0">
+                <a:solidFill>
+                  <a:srgbClr val="008080"/>
+                </a:solidFill>
+                <a:highlight>
+                  <a:srgbClr val="FFFFFF"/>
+                </a:highlight>
+                <a:ea typeface="ＭＳ ゴシック" panose="020B0609070205080204" pitchFamily="49" charset="-128"/>
+              </a:rPr>
+              <a:t>[</a:t>
+            </a:r>
+            <a:r>
+              <a:rPr lang="en-US" altLang="ja-JP" sz="2200" dirty="0">
+                <a:solidFill>
+                  <a:srgbClr val="000000"/>
+                </a:solidFill>
+                <a:highlight>
+                  <a:srgbClr val="FFFFFF"/>
+                </a:highlight>
+                <a:ea typeface="ＭＳ ゴシック" panose="020B0609070205080204" pitchFamily="49" charset="-128"/>
+              </a:rPr>
+              <a:t>y</a:t>
+            </a:r>
+            <a:r>
+              <a:rPr lang="en-US" altLang="ja-JP" sz="2200" dirty="0">
+                <a:solidFill>
+                  <a:srgbClr val="008080"/>
+                </a:solidFill>
+                <a:highlight>
+                  <a:srgbClr val="FFFFFF"/>
+                </a:highlight>
+                <a:ea typeface="ＭＳ ゴシック" panose="020B0609070205080204" pitchFamily="49" charset="-128"/>
+              </a:rPr>
+              <a:t>][</a:t>
+            </a:r>
+            <a:r>
+              <a:rPr lang="en-US" altLang="ja-JP" sz="2200" dirty="0">
+                <a:solidFill>
+                  <a:srgbClr val="000000"/>
+                </a:solidFill>
+                <a:highlight>
+                  <a:srgbClr val="FFFFFF"/>
+                </a:highlight>
+                <a:ea typeface="ＭＳ ゴシック" panose="020B0609070205080204" pitchFamily="49" charset="-128"/>
+              </a:rPr>
+              <a:t>x</a:t>
+            </a:r>
+            <a:r>
+              <a:rPr lang="en-US" altLang="ja-JP" sz="2200" dirty="0">
+                <a:solidFill>
+                  <a:srgbClr val="008080"/>
+                </a:solidFill>
+                <a:highlight>
+                  <a:srgbClr val="FFFFFF"/>
+                </a:highlight>
+                <a:ea typeface="ＭＳ ゴシック" panose="020B0609070205080204" pitchFamily="49" charset="-128"/>
+              </a:rPr>
+              <a:t>]</a:t>
+            </a:r>
+            <a:r>
+              <a:rPr lang="en-US" altLang="ja-JP" sz="2200" dirty="0">
+                <a:solidFill>
+                  <a:srgbClr val="000000"/>
+                </a:solidFill>
+                <a:highlight>
+                  <a:srgbClr val="FFFFFF"/>
+                </a:highlight>
+                <a:ea typeface="ＭＳ ゴシック" panose="020B0609070205080204" pitchFamily="49" charset="-128"/>
+              </a:rPr>
+              <a:t>-&gt;intersects(ball))</a:t>
+            </a:r>
+            <a:r>
+              <a:rPr lang="en-US" altLang="ja-JP" sz="2200" dirty="0">
+                <a:solidFill>
+                  <a:srgbClr val="008000"/>
+                </a:solidFill>
+                <a:highlight>
+                  <a:srgbClr val="FFFFFF"/>
+                </a:highlight>
+                <a:latin typeface="ＭＳ ゴシック" panose="020B0609070205080204" pitchFamily="49" charset="-128"/>
+                <a:ea typeface="ＭＳ ゴシック" panose="020B0609070205080204" pitchFamily="49" charset="-128"/>
+              </a:rPr>
+              <a:t> //</a:t>
+            </a:r>
+            <a:r>
+              <a:rPr lang="ja-JP" altLang="en-US" sz="2200" dirty="0">
+                <a:solidFill>
+                  <a:srgbClr val="008000"/>
+                </a:solidFill>
+                <a:highlight>
+                  <a:srgbClr val="FFFFFF"/>
+                </a:highlight>
+                <a:latin typeface="ＭＳ ゴシック" panose="020B0609070205080204" pitchFamily="49" charset="-128"/>
+                <a:ea typeface="ＭＳ ゴシック" panose="020B0609070205080204" pitchFamily="49" charset="-128"/>
+              </a:rPr>
+              <a:t>ブロックとボールが交差？</a:t>
+            </a:r>
+            <a:br>
+              <a:rPr lang="en-US" altLang="ja-JP" sz="2200" dirty="0">
+                <a:solidFill>
+                  <a:srgbClr val="000000"/>
+                </a:solidFill>
+                <a:highlight>
+                  <a:srgbClr val="FFFFFF"/>
+                </a:highlight>
+                <a:latin typeface="ＭＳ ゴシック" panose="020B0609070205080204" pitchFamily="49" charset="-128"/>
+                <a:ea typeface="ＭＳ ゴシック" panose="020B0609070205080204" pitchFamily="49" charset="-128"/>
+              </a:rPr>
+            </a:br>
+            <a:r>
+              <a:rPr lang="en-US" altLang="ja-JP" sz="2200" dirty="0">
+                <a:solidFill>
+                  <a:srgbClr val="000000"/>
+                </a:solidFill>
+                <a:highlight>
+                  <a:srgbClr val="FFFFFF"/>
+                </a:highlight>
+                <a:latin typeface="ＭＳ ゴシック" panose="020B0609070205080204" pitchFamily="49" charset="-128"/>
+                <a:ea typeface="ＭＳ ゴシック" panose="020B0609070205080204" pitchFamily="49" charset="-128"/>
+              </a:rPr>
+              <a:t>       </a:t>
+            </a:r>
+            <a:r>
+              <a:rPr lang="en-US" altLang="ja-JP" sz="2200" dirty="0">
+                <a:solidFill>
+                  <a:srgbClr val="000000"/>
+                </a:solidFill>
+                <a:highlight>
+                  <a:srgbClr val="FFFFFF"/>
+                </a:highlight>
+                <a:ea typeface="ＭＳ ゴシック" panose="020B0609070205080204" pitchFamily="49" charset="-128"/>
+              </a:rPr>
+              <a:t>{</a:t>
+            </a:r>
+            <a:br>
+              <a:rPr lang="en-US" altLang="ja-JP" sz="2200" dirty="0">
+                <a:solidFill>
+                  <a:srgbClr val="000000"/>
+                </a:solidFill>
+                <a:highlight>
+                  <a:srgbClr val="FFFFFF"/>
+                </a:highlight>
+                <a:ea typeface="ＭＳ ゴシック" panose="020B0609070205080204" pitchFamily="49" charset="-128"/>
+              </a:rPr>
+            </a:br>
+            <a:r>
+              <a:rPr lang="en-US" altLang="ja-JP" sz="2200" dirty="0">
+                <a:solidFill>
+                  <a:srgbClr val="000000"/>
+                </a:solidFill>
+                <a:highlight>
+                  <a:srgbClr val="FFFFFF"/>
+                </a:highlight>
+                <a:ea typeface="ＭＳ ゴシック" panose="020B0609070205080204" pitchFamily="49" charset="-128"/>
+              </a:rPr>
+              <a:t>        </a:t>
+            </a:r>
+            <a:r>
+              <a:rPr lang="en-US" altLang="ja-JP" sz="2200" dirty="0">
+                <a:solidFill>
+                  <a:srgbClr val="008000"/>
+                </a:solidFill>
+                <a:highlight>
+                  <a:srgbClr val="FFFFFF"/>
+                </a:highlight>
+                <a:latin typeface="ＭＳ ゴシック" panose="020B0609070205080204" pitchFamily="49" charset="-128"/>
+                <a:ea typeface="ＭＳ ゴシック" panose="020B0609070205080204" pitchFamily="49" charset="-128"/>
+              </a:rPr>
+              <a:t>// </a:t>
+            </a:r>
+            <a:r>
+              <a:rPr lang="ja-JP" altLang="en-US" sz="2200" dirty="0">
+                <a:solidFill>
+                  <a:srgbClr val="008000"/>
+                </a:solidFill>
+                <a:highlight>
+                  <a:srgbClr val="FFFFFF"/>
+                </a:highlight>
+                <a:latin typeface="ＭＳ ゴシック" panose="020B0609070205080204" pitchFamily="49" charset="-128"/>
+                <a:ea typeface="ＭＳ ゴシック" panose="020B0609070205080204" pitchFamily="49" charset="-128"/>
+              </a:rPr>
+              <a:t>ブロックの上辺、または底辺と交差していたら</a:t>
+            </a:r>
+            <a:br>
+              <a:rPr lang="en-US" altLang="ja-JP" sz="2200" dirty="0">
+                <a:solidFill>
+                  <a:srgbClr val="000000"/>
+                </a:solidFill>
+                <a:highlight>
+                  <a:srgbClr val="FFFFFF"/>
+                </a:highlight>
+                <a:latin typeface="ＭＳ ゴシック" panose="020B0609070205080204" pitchFamily="49" charset="-128"/>
+                <a:ea typeface="ＭＳ ゴシック" panose="020B0609070205080204" pitchFamily="49" charset="-128"/>
+              </a:rPr>
+            </a:br>
+            <a:r>
+              <a:rPr lang="en-US" altLang="ja-JP" sz="2200" dirty="0">
+                <a:solidFill>
+                  <a:srgbClr val="000000"/>
+                </a:solidFill>
+                <a:highlight>
+                  <a:srgbClr val="FFFFFF"/>
+                </a:highlight>
+                <a:latin typeface="ＭＳ ゴシック" panose="020B0609070205080204" pitchFamily="49" charset="-128"/>
+                <a:ea typeface="ＭＳ ゴシック" panose="020B0609070205080204" pitchFamily="49" charset="-128"/>
+              </a:rPr>
+              <a:t>          </a:t>
+            </a:r>
+            <a:r>
+              <a:rPr lang="en-US" altLang="ja-JP" sz="2200" dirty="0">
+                <a:solidFill>
+                  <a:srgbClr val="0000FF"/>
+                </a:solidFill>
+                <a:highlight>
+                  <a:srgbClr val="FFFFFF"/>
+                </a:highlight>
+                <a:ea typeface="ＭＳ ゴシック" panose="020B0609070205080204" pitchFamily="49" charset="-128"/>
+              </a:rPr>
+              <a:t>if</a:t>
+            </a:r>
+            <a:r>
+              <a:rPr lang="en-US" altLang="ja-JP" sz="2200" dirty="0">
+                <a:solidFill>
+                  <a:srgbClr val="000000"/>
+                </a:solidFill>
+                <a:highlight>
+                  <a:srgbClr val="FFFFFF"/>
+                </a:highlight>
+                <a:ea typeface="ＭＳ ゴシック" panose="020B0609070205080204" pitchFamily="49" charset="-128"/>
+              </a:rPr>
+              <a:t> (bricks</a:t>
+            </a:r>
+            <a:r>
+              <a:rPr lang="en-US" altLang="ja-JP" sz="2200" dirty="0">
+                <a:solidFill>
+                  <a:srgbClr val="008080"/>
+                </a:solidFill>
+                <a:highlight>
+                  <a:srgbClr val="FFFFFF"/>
+                </a:highlight>
+                <a:ea typeface="ＭＳ ゴシック" panose="020B0609070205080204" pitchFamily="49" charset="-128"/>
+              </a:rPr>
+              <a:t>[</a:t>
+            </a:r>
+            <a:r>
+              <a:rPr lang="en-US" altLang="ja-JP" sz="2200" dirty="0">
+                <a:solidFill>
+                  <a:srgbClr val="000000"/>
+                </a:solidFill>
+                <a:highlight>
+                  <a:srgbClr val="FFFFFF"/>
+                </a:highlight>
+                <a:ea typeface="ＭＳ ゴシック" panose="020B0609070205080204" pitchFamily="49" charset="-128"/>
+              </a:rPr>
+              <a:t>y</a:t>
+            </a:r>
+            <a:r>
+              <a:rPr lang="en-US" altLang="ja-JP" sz="2200" dirty="0">
+                <a:solidFill>
+                  <a:srgbClr val="008080"/>
+                </a:solidFill>
+                <a:highlight>
+                  <a:srgbClr val="FFFFFF"/>
+                </a:highlight>
+                <a:ea typeface="ＭＳ ゴシック" panose="020B0609070205080204" pitchFamily="49" charset="-128"/>
+              </a:rPr>
+              <a:t>][</a:t>
+            </a:r>
+            <a:r>
+              <a:rPr lang="en-US" altLang="ja-JP" sz="2200" dirty="0">
+                <a:solidFill>
+                  <a:srgbClr val="000000"/>
+                </a:solidFill>
+                <a:highlight>
+                  <a:srgbClr val="FFFFFF"/>
+                </a:highlight>
+                <a:ea typeface="ＭＳ ゴシック" panose="020B0609070205080204" pitchFamily="49" charset="-128"/>
+              </a:rPr>
+              <a:t>x</a:t>
+            </a:r>
+            <a:r>
+              <a:rPr lang="en-US" altLang="ja-JP" sz="2200" dirty="0">
+                <a:solidFill>
+                  <a:srgbClr val="008080"/>
+                </a:solidFill>
+                <a:highlight>
+                  <a:srgbClr val="FFFFFF"/>
+                </a:highlight>
+                <a:ea typeface="ＭＳ ゴシック" panose="020B0609070205080204" pitchFamily="49" charset="-128"/>
+              </a:rPr>
+              <a:t>]</a:t>
+            </a:r>
+            <a:r>
+              <a:rPr lang="en-US" altLang="ja-JP" sz="2200" dirty="0">
+                <a:solidFill>
+                  <a:srgbClr val="000000"/>
+                </a:solidFill>
+                <a:highlight>
+                  <a:srgbClr val="FFFFFF"/>
+                </a:highlight>
+                <a:ea typeface="ＭＳ ゴシック" panose="020B0609070205080204" pitchFamily="49" charset="-128"/>
+              </a:rPr>
+              <a:t>-&gt;bottom().intersects(ball)</a:t>
+            </a:r>
+            <a:br>
+              <a:rPr lang="en-US" altLang="ja-JP" sz="2200" dirty="0">
+                <a:solidFill>
+                  <a:srgbClr val="000000"/>
+                </a:solidFill>
+                <a:highlight>
+                  <a:srgbClr val="FFFFFF"/>
+                </a:highlight>
+                <a:ea typeface="ＭＳ ゴシック" panose="020B0609070205080204" pitchFamily="49" charset="-128"/>
+              </a:rPr>
+            </a:br>
+            <a:r>
+              <a:rPr lang="en-US" altLang="ja-JP" sz="2200" dirty="0">
+                <a:solidFill>
+                  <a:srgbClr val="000000"/>
+                </a:solidFill>
+                <a:highlight>
+                  <a:srgbClr val="FFFFFF"/>
+                </a:highlight>
+                <a:ea typeface="ＭＳ ゴシック" panose="020B0609070205080204" pitchFamily="49" charset="-128"/>
+              </a:rPr>
+              <a:t>            || bricks</a:t>
+            </a:r>
+            <a:r>
+              <a:rPr lang="en-US" altLang="ja-JP" sz="2200" dirty="0">
+                <a:solidFill>
+                  <a:srgbClr val="008080"/>
+                </a:solidFill>
+                <a:highlight>
+                  <a:srgbClr val="FFFFFF"/>
+                </a:highlight>
+                <a:ea typeface="ＭＳ ゴシック" panose="020B0609070205080204" pitchFamily="49" charset="-128"/>
+              </a:rPr>
+              <a:t>[</a:t>
+            </a:r>
+            <a:r>
+              <a:rPr lang="en-US" altLang="ja-JP" sz="2200" dirty="0">
+                <a:solidFill>
+                  <a:srgbClr val="000000"/>
+                </a:solidFill>
+                <a:highlight>
+                  <a:srgbClr val="FFFFFF"/>
+                </a:highlight>
+                <a:ea typeface="ＭＳ ゴシック" panose="020B0609070205080204" pitchFamily="49" charset="-128"/>
+              </a:rPr>
+              <a:t>y</a:t>
+            </a:r>
+            <a:r>
+              <a:rPr lang="en-US" altLang="ja-JP" sz="2200" dirty="0">
+                <a:solidFill>
+                  <a:srgbClr val="008080"/>
+                </a:solidFill>
+                <a:highlight>
+                  <a:srgbClr val="FFFFFF"/>
+                </a:highlight>
+                <a:ea typeface="ＭＳ ゴシック" panose="020B0609070205080204" pitchFamily="49" charset="-128"/>
+              </a:rPr>
+              <a:t>][</a:t>
+            </a:r>
+            <a:r>
+              <a:rPr lang="en-US" altLang="ja-JP" sz="2200" dirty="0">
+                <a:solidFill>
+                  <a:srgbClr val="000000"/>
+                </a:solidFill>
+                <a:highlight>
+                  <a:srgbClr val="FFFFFF"/>
+                </a:highlight>
+                <a:ea typeface="ＭＳ ゴシック" panose="020B0609070205080204" pitchFamily="49" charset="-128"/>
+              </a:rPr>
+              <a:t>x</a:t>
+            </a:r>
+            <a:r>
+              <a:rPr lang="en-US" altLang="ja-JP" sz="2200" dirty="0">
+                <a:solidFill>
+                  <a:srgbClr val="008080"/>
+                </a:solidFill>
+                <a:highlight>
+                  <a:srgbClr val="FFFFFF"/>
+                </a:highlight>
+                <a:ea typeface="ＭＳ ゴシック" panose="020B0609070205080204" pitchFamily="49" charset="-128"/>
+              </a:rPr>
+              <a:t>]</a:t>
+            </a:r>
+            <a:r>
+              <a:rPr lang="en-US" altLang="ja-JP" sz="2200" dirty="0">
+                <a:solidFill>
+                  <a:srgbClr val="000000"/>
+                </a:solidFill>
+                <a:highlight>
+                  <a:srgbClr val="FFFFFF"/>
+                </a:highlight>
+                <a:ea typeface="ＭＳ ゴシック" panose="020B0609070205080204" pitchFamily="49" charset="-128"/>
+              </a:rPr>
+              <a:t>-&gt;top().intersects(ball))</a:t>
+            </a:r>
+            <a:br>
+              <a:rPr lang="en-US" altLang="ja-JP" sz="2200" dirty="0">
+                <a:solidFill>
+                  <a:srgbClr val="000000"/>
+                </a:solidFill>
+                <a:highlight>
+                  <a:srgbClr val="FFFFFF"/>
+                </a:highlight>
+                <a:ea typeface="ＭＳ ゴシック" panose="020B0609070205080204" pitchFamily="49" charset="-128"/>
+              </a:rPr>
+            </a:br>
+            <a:r>
+              <a:rPr lang="en-US" altLang="ja-JP" sz="2200" dirty="0">
+                <a:solidFill>
+                  <a:srgbClr val="000000"/>
+                </a:solidFill>
+                <a:highlight>
+                  <a:srgbClr val="FFFFFF"/>
+                </a:highlight>
+                <a:ea typeface="ＭＳ ゴシック" panose="020B0609070205080204" pitchFamily="49" charset="-128"/>
+              </a:rPr>
+              <a:t>        {</a:t>
+            </a:r>
+            <a:br>
+              <a:rPr lang="en-US" altLang="ja-JP" sz="2200" dirty="0">
+                <a:solidFill>
+                  <a:srgbClr val="000000"/>
+                </a:solidFill>
+                <a:highlight>
+                  <a:srgbClr val="FFFFFF"/>
+                </a:highlight>
+                <a:ea typeface="ＭＳ ゴシック" panose="020B0609070205080204" pitchFamily="49" charset="-128"/>
+              </a:rPr>
+            </a:br>
+            <a:r>
+              <a:rPr lang="en-US" altLang="ja-JP" sz="2200" dirty="0">
+                <a:solidFill>
+                  <a:srgbClr val="000000"/>
+                </a:solidFill>
+                <a:highlight>
+                  <a:srgbClr val="FFFFFF"/>
+                </a:highlight>
+                <a:ea typeface="ＭＳ ゴシック" panose="020B0609070205080204" pitchFamily="49" charset="-128"/>
+              </a:rPr>
+              <a:t>           </a:t>
+            </a:r>
+            <a:r>
+              <a:rPr lang="en-US" altLang="ja-JP" sz="2200" dirty="0" err="1">
+                <a:solidFill>
+                  <a:srgbClr val="000000"/>
+                </a:solidFill>
+                <a:highlight>
+                  <a:srgbClr val="FFFFFF"/>
+                </a:highlight>
+                <a:ea typeface="ＭＳ ゴシック" panose="020B0609070205080204" pitchFamily="49" charset="-128"/>
+              </a:rPr>
+              <a:t>ballVelocity.y</a:t>
+            </a:r>
+            <a:r>
+              <a:rPr lang="en-US" altLang="ja-JP" sz="2200" dirty="0">
+                <a:solidFill>
+                  <a:srgbClr val="000000"/>
+                </a:solidFill>
+                <a:highlight>
+                  <a:srgbClr val="FFFFFF"/>
+                </a:highlight>
+                <a:ea typeface="ＭＳ ゴシック" panose="020B0609070205080204" pitchFamily="49" charset="-128"/>
+              </a:rPr>
+              <a:t> *= -1;</a:t>
+            </a:r>
+            <a:r>
+              <a:rPr lang="en-US" altLang="ja-JP" sz="2200" dirty="0">
+                <a:solidFill>
+                  <a:srgbClr val="008000"/>
+                </a:solidFill>
+                <a:highlight>
+                  <a:srgbClr val="FFFFFF"/>
+                </a:highlight>
+                <a:latin typeface="ＭＳ ゴシック" panose="020B0609070205080204" pitchFamily="49" charset="-128"/>
+                <a:ea typeface="ＭＳ ゴシック" panose="020B0609070205080204" pitchFamily="49" charset="-128"/>
+              </a:rPr>
+              <a:t> // </a:t>
+            </a:r>
+            <a:r>
+              <a:rPr lang="ja-JP" altLang="en-US" sz="2200" dirty="0">
+                <a:solidFill>
+                  <a:srgbClr val="008000"/>
+                </a:solidFill>
+                <a:highlight>
+                  <a:srgbClr val="FFFFFF"/>
+                </a:highlight>
+                <a:latin typeface="ＭＳ ゴシック" panose="020B0609070205080204" pitchFamily="49" charset="-128"/>
+                <a:ea typeface="ＭＳ ゴシック" panose="020B0609070205080204" pitchFamily="49" charset="-128"/>
+              </a:rPr>
+              <a:t>ボールの速度の </a:t>
+            </a:r>
+            <a:r>
+              <a:rPr lang="en-US" altLang="ja-JP" sz="2200" dirty="0">
+                <a:solidFill>
+                  <a:srgbClr val="008000"/>
+                </a:solidFill>
+                <a:highlight>
+                  <a:srgbClr val="FFFFFF"/>
+                </a:highlight>
+                <a:latin typeface="ＭＳ ゴシック" panose="020B0609070205080204" pitchFamily="49" charset="-128"/>
+                <a:ea typeface="ＭＳ ゴシック" panose="020B0609070205080204" pitchFamily="49" charset="-128"/>
+              </a:rPr>
+              <a:t>Y </a:t>
+            </a:r>
+            <a:r>
+              <a:rPr lang="ja-JP" altLang="en-US" sz="2200" dirty="0">
+                <a:solidFill>
+                  <a:srgbClr val="008000"/>
+                </a:solidFill>
+                <a:highlight>
+                  <a:srgbClr val="FFFFFF"/>
+                </a:highlight>
+                <a:latin typeface="ＭＳ ゴシック" panose="020B0609070205080204" pitchFamily="49" charset="-128"/>
+                <a:ea typeface="ＭＳ ゴシック" panose="020B0609070205080204" pitchFamily="49" charset="-128"/>
+              </a:rPr>
+              <a:t>成分を反転</a:t>
+            </a:r>
+            <a:br>
+              <a:rPr lang="en-US" altLang="ja-JP" sz="2200" dirty="0">
+                <a:solidFill>
+                  <a:srgbClr val="000000"/>
+                </a:solidFill>
+                <a:highlight>
+                  <a:srgbClr val="FFFFFF"/>
+                </a:highlight>
+                <a:latin typeface="ＭＳ ゴシック" panose="020B0609070205080204" pitchFamily="49" charset="-128"/>
+                <a:ea typeface="ＭＳ ゴシック" panose="020B0609070205080204" pitchFamily="49" charset="-128"/>
+              </a:rPr>
+            </a:br>
+            <a:r>
+              <a:rPr lang="en-US" altLang="ja-JP" sz="2200" dirty="0">
+                <a:solidFill>
+                  <a:srgbClr val="000000"/>
+                </a:solidFill>
+                <a:highlight>
+                  <a:srgbClr val="FFFFFF"/>
+                </a:highlight>
+                <a:latin typeface="ＭＳ ゴシック" panose="020B0609070205080204" pitchFamily="49" charset="-128"/>
+                <a:ea typeface="ＭＳ ゴシック" panose="020B0609070205080204" pitchFamily="49" charset="-128"/>
+              </a:rPr>
+              <a:t>          </a:t>
+            </a:r>
+            <a:r>
+              <a:rPr lang="en-US" altLang="ja-JP" sz="2200" dirty="0">
+                <a:solidFill>
+                  <a:srgbClr val="000000"/>
+                </a:solidFill>
+                <a:highlight>
+                  <a:srgbClr val="FFFFFF"/>
+                </a:highlight>
+                <a:ea typeface="ＭＳ ゴシック" panose="020B0609070205080204" pitchFamily="49" charset="-128"/>
+              </a:rPr>
+              <a:t>}</a:t>
+            </a:r>
+            <a:r>
+              <a:rPr lang="en-US" altLang="ja-JP" sz="2200" dirty="0">
+                <a:solidFill>
+                  <a:srgbClr val="000000"/>
+                </a:solidFill>
+                <a:highlight>
+                  <a:srgbClr val="FFFFFF"/>
+                </a:highlight>
+                <a:latin typeface="ＭＳ ゴシック" panose="020B0609070205080204" pitchFamily="49" charset="-128"/>
+                <a:ea typeface="ＭＳ ゴシック" panose="020B0609070205080204" pitchFamily="49" charset="-128"/>
+              </a:rPr>
+              <a:t> </a:t>
+            </a:r>
+            <a:r>
+              <a:rPr lang="en-US" altLang="ja-JP" sz="2200" dirty="0">
+                <a:solidFill>
+                  <a:srgbClr val="0000FF"/>
+                </a:solidFill>
+                <a:highlight>
+                  <a:srgbClr val="FFFFFF"/>
+                </a:highlight>
+                <a:ea typeface="ＭＳ ゴシック" panose="020B0609070205080204" pitchFamily="49" charset="-128"/>
+              </a:rPr>
+              <a:t>else</a:t>
+            </a:r>
+            <a:r>
+              <a:rPr lang="en-US" altLang="ja-JP" sz="2200" dirty="0">
+                <a:solidFill>
+                  <a:srgbClr val="000000"/>
+                </a:solidFill>
+                <a:highlight>
+                  <a:srgbClr val="FFFFFF"/>
+                </a:highlight>
+                <a:ea typeface="ＭＳ ゴシック" panose="020B0609070205080204" pitchFamily="49" charset="-128"/>
+              </a:rPr>
+              <a:t> {</a:t>
+            </a:r>
+            <a:br>
+              <a:rPr lang="en-US" altLang="ja-JP" sz="2200" dirty="0">
+                <a:solidFill>
+                  <a:srgbClr val="000000"/>
+                </a:solidFill>
+                <a:highlight>
+                  <a:srgbClr val="FFFFFF"/>
+                </a:highlight>
+                <a:latin typeface="ＭＳ ゴシック" panose="020B0609070205080204" pitchFamily="49" charset="-128"/>
+                <a:ea typeface="ＭＳ ゴシック" panose="020B0609070205080204" pitchFamily="49" charset="-128"/>
+              </a:rPr>
+            </a:br>
+            <a:r>
+              <a:rPr lang="en-US" altLang="ja-JP" sz="2200" dirty="0">
+                <a:solidFill>
+                  <a:srgbClr val="000000"/>
+                </a:solidFill>
+                <a:highlight>
+                  <a:srgbClr val="FFFFFF"/>
+                </a:highlight>
+                <a:latin typeface="ＭＳ ゴシック" panose="020B0609070205080204" pitchFamily="49" charset="-128"/>
+                <a:ea typeface="ＭＳ ゴシック" panose="020B0609070205080204" pitchFamily="49" charset="-128"/>
+              </a:rPr>
+              <a:t>              </a:t>
+            </a:r>
+            <a:r>
+              <a:rPr lang="en-US" altLang="ja-JP" sz="2200" dirty="0" err="1">
+                <a:solidFill>
+                  <a:srgbClr val="000000"/>
+                </a:solidFill>
+                <a:highlight>
+                  <a:srgbClr val="FFFFFF"/>
+                </a:highlight>
+                <a:ea typeface="ＭＳ ゴシック" panose="020B0609070205080204" pitchFamily="49" charset="-128"/>
+              </a:rPr>
+              <a:t>ballVelocity.x</a:t>
+            </a:r>
+            <a:r>
+              <a:rPr lang="en-US" altLang="ja-JP" sz="2200" dirty="0">
+                <a:solidFill>
+                  <a:srgbClr val="000000"/>
+                </a:solidFill>
+                <a:highlight>
+                  <a:srgbClr val="FFFFFF"/>
+                </a:highlight>
+                <a:ea typeface="ＭＳ ゴシック" panose="020B0609070205080204" pitchFamily="49" charset="-128"/>
+              </a:rPr>
+              <a:t> *= -1;</a:t>
+            </a:r>
+            <a:r>
+              <a:rPr lang="en-US" altLang="ja-JP" sz="2200" dirty="0">
+                <a:solidFill>
+                  <a:srgbClr val="008000"/>
+                </a:solidFill>
+                <a:highlight>
+                  <a:srgbClr val="FFFFFF"/>
+                </a:highlight>
+                <a:latin typeface="ＭＳ ゴシック" panose="020B0609070205080204" pitchFamily="49" charset="-128"/>
+                <a:ea typeface="ＭＳ ゴシック" panose="020B0609070205080204" pitchFamily="49" charset="-128"/>
+              </a:rPr>
+              <a:t> // </a:t>
+            </a:r>
+            <a:r>
+              <a:rPr lang="ja-JP" altLang="en-US" sz="2200" dirty="0">
+                <a:solidFill>
+                  <a:srgbClr val="008000"/>
+                </a:solidFill>
+                <a:highlight>
+                  <a:srgbClr val="FFFFFF"/>
+                </a:highlight>
+                <a:latin typeface="ＭＳ ゴシック" panose="020B0609070205080204" pitchFamily="49" charset="-128"/>
+                <a:ea typeface="ＭＳ ゴシック" panose="020B0609070205080204" pitchFamily="49" charset="-128"/>
+              </a:rPr>
+              <a:t>ボールの速度の </a:t>
+            </a:r>
+            <a:r>
+              <a:rPr lang="en-US" altLang="ja-JP" sz="2200" dirty="0">
+                <a:solidFill>
+                  <a:srgbClr val="008000"/>
+                </a:solidFill>
+                <a:highlight>
+                  <a:srgbClr val="FFFFFF"/>
+                </a:highlight>
+                <a:latin typeface="ＭＳ ゴシック" panose="020B0609070205080204" pitchFamily="49" charset="-128"/>
+                <a:ea typeface="ＭＳ ゴシック" panose="020B0609070205080204" pitchFamily="49" charset="-128"/>
+              </a:rPr>
+              <a:t>X </a:t>
+            </a:r>
+            <a:r>
+              <a:rPr lang="ja-JP" altLang="en-US" sz="2200" dirty="0">
+                <a:solidFill>
+                  <a:srgbClr val="008000"/>
+                </a:solidFill>
+                <a:highlight>
+                  <a:srgbClr val="FFFFFF"/>
+                </a:highlight>
+                <a:latin typeface="ＭＳ ゴシック" panose="020B0609070205080204" pitchFamily="49" charset="-128"/>
+                <a:ea typeface="ＭＳ ゴシック" panose="020B0609070205080204" pitchFamily="49" charset="-128"/>
+              </a:rPr>
+              <a:t>成分を反転</a:t>
+            </a:r>
+            <a:br>
+              <a:rPr lang="en-US" altLang="ja-JP" sz="2200" dirty="0">
+                <a:solidFill>
+                  <a:srgbClr val="000000"/>
+                </a:solidFill>
+                <a:highlight>
+                  <a:srgbClr val="FFFFFF"/>
+                </a:highlight>
+                <a:ea typeface="ＭＳ ゴシック" panose="020B0609070205080204" pitchFamily="49" charset="-128"/>
+              </a:rPr>
+            </a:br>
+            <a:r>
+              <a:rPr lang="en-US" altLang="ja-JP" sz="2200" dirty="0">
+                <a:solidFill>
+                  <a:srgbClr val="000000"/>
+                </a:solidFill>
+                <a:highlight>
+                  <a:srgbClr val="FFFFFF"/>
+                </a:highlight>
+                <a:ea typeface="ＭＳ ゴシック" panose="020B0609070205080204" pitchFamily="49" charset="-128"/>
+              </a:rPr>
+              <a:t>        }</a:t>
+            </a:r>
+            <a:br>
+              <a:rPr lang="en-US" altLang="ja-JP" sz="2200" dirty="0">
+                <a:solidFill>
+                  <a:srgbClr val="008000"/>
+                </a:solidFill>
+                <a:highlight>
+                  <a:srgbClr val="FFFFFF"/>
+                </a:highlight>
+                <a:latin typeface="ＭＳ ゴシック" panose="020B0609070205080204" pitchFamily="49" charset="-128"/>
+                <a:ea typeface="ＭＳ ゴシック" panose="020B0609070205080204" pitchFamily="49" charset="-128"/>
+              </a:rPr>
+            </a:br>
+            <a:r>
+              <a:rPr lang="en-US" altLang="ja-JP" sz="2200" dirty="0">
+                <a:solidFill>
+                  <a:srgbClr val="000000"/>
+                </a:solidFill>
+                <a:highlight>
+                  <a:srgbClr val="FFFFFF"/>
+                </a:highlight>
+                <a:latin typeface="ＭＳ ゴシック" panose="020B0609070205080204" pitchFamily="49" charset="-128"/>
+                <a:ea typeface="ＭＳ ゴシック" panose="020B0609070205080204" pitchFamily="49" charset="-128"/>
+              </a:rPr>
+              <a:t>          </a:t>
+            </a:r>
+            <a:r>
+              <a:rPr lang="en-US" altLang="ja-JP" sz="2200" dirty="0">
+                <a:solidFill>
+                  <a:srgbClr val="000000"/>
+                </a:solidFill>
+                <a:highlight>
+                  <a:srgbClr val="FFFFFF"/>
+                </a:highlight>
+                <a:ea typeface="ＭＳ ゴシック" panose="020B0609070205080204" pitchFamily="49" charset="-128"/>
+              </a:rPr>
+              <a:t>bricks</a:t>
+            </a:r>
+            <a:r>
+              <a:rPr lang="en-US" altLang="ja-JP" sz="2200" dirty="0">
+                <a:solidFill>
+                  <a:srgbClr val="008080"/>
+                </a:solidFill>
+                <a:highlight>
+                  <a:srgbClr val="FFFFFF"/>
+                </a:highlight>
+                <a:ea typeface="ＭＳ ゴシック" panose="020B0609070205080204" pitchFamily="49" charset="-128"/>
+              </a:rPr>
+              <a:t>[</a:t>
+            </a:r>
+            <a:r>
+              <a:rPr lang="en-US" altLang="ja-JP" sz="2200" dirty="0">
+                <a:solidFill>
+                  <a:srgbClr val="000000"/>
+                </a:solidFill>
+                <a:highlight>
+                  <a:srgbClr val="FFFFFF"/>
+                </a:highlight>
+                <a:ea typeface="ＭＳ ゴシック" panose="020B0609070205080204" pitchFamily="49" charset="-128"/>
+              </a:rPr>
+              <a:t>y</a:t>
+            </a:r>
+            <a:r>
+              <a:rPr lang="en-US" altLang="ja-JP" sz="2200" dirty="0">
+                <a:solidFill>
+                  <a:srgbClr val="008080"/>
+                </a:solidFill>
+                <a:highlight>
+                  <a:srgbClr val="FFFFFF"/>
+                </a:highlight>
+                <a:ea typeface="ＭＳ ゴシック" panose="020B0609070205080204" pitchFamily="49" charset="-128"/>
+              </a:rPr>
+              <a:t>]</a:t>
+            </a:r>
+            <a:r>
+              <a:rPr lang="en-US" altLang="ja-JP" sz="2200" dirty="0">
+                <a:solidFill>
+                  <a:srgbClr val="000000"/>
+                </a:solidFill>
+                <a:highlight>
+                  <a:srgbClr val="FFFFFF"/>
+                </a:highlight>
+                <a:ea typeface="ＭＳ ゴシック" panose="020B0609070205080204" pitchFamily="49" charset="-128"/>
+              </a:rPr>
+              <a:t>.erase(bricks</a:t>
+            </a:r>
+            <a:r>
+              <a:rPr lang="en-US" altLang="ja-JP" sz="2200" dirty="0">
+                <a:solidFill>
+                  <a:srgbClr val="008080"/>
+                </a:solidFill>
+                <a:highlight>
+                  <a:srgbClr val="FFFFFF"/>
+                </a:highlight>
+                <a:ea typeface="ＭＳ ゴシック" panose="020B0609070205080204" pitchFamily="49" charset="-128"/>
+              </a:rPr>
+              <a:t>[</a:t>
+            </a:r>
+            <a:r>
+              <a:rPr lang="en-US" altLang="ja-JP" sz="2200" dirty="0">
+                <a:solidFill>
+                  <a:srgbClr val="000000"/>
+                </a:solidFill>
+                <a:highlight>
+                  <a:srgbClr val="FFFFFF"/>
+                </a:highlight>
+                <a:ea typeface="ＭＳ ゴシック" panose="020B0609070205080204" pitchFamily="49" charset="-128"/>
+              </a:rPr>
+              <a:t>y</a:t>
+            </a:r>
+            <a:r>
+              <a:rPr lang="en-US" altLang="ja-JP" sz="2200" dirty="0">
+                <a:solidFill>
+                  <a:srgbClr val="008080"/>
+                </a:solidFill>
+                <a:highlight>
+                  <a:srgbClr val="FFFFFF"/>
+                </a:highlight>
+                <a:ea typeface="ＭＳ ゴシック" panose="020B0609070205080204" pitchFamily="49" charset="-128"/>
+              </a:rPr>
+              <a:t>]</a:t>
+            </a:r>
+            <a:r>
+              <a:rPr lang="en-US" altLang="ja-JP" sz="2200" dirty="0">
+                <a:solidFill>
+                  <a:srgbClr val="000000"/>
+                </a:solidFill>
+                <a:highlight>
+                  <a:srgbClr val="FFFFFF"/>
+                </a:highlight>
+                <a:ea typeface="ＭＳ ゴシック" panose="020B0609070205080204" pitchFamily="49" charset="-128"/>
+              </a:rPr>
+              <a:t>.begin() </a:t>
+            </a:r>
+            <a:r>
+              <a:rPr lang="en-US" altLang="ja-JP" sz="2200" dirty="0">
+                <a:solidFill>
+                  <a:srgbClr val="008080"/>
+                </a:solidFill>
+                <a:highlight>
+                  <a:srgbClr val="FFFFFF"/>
+                </a:highlight>
+                <a:ea typeface="ＭＳ ゴシック" panose="020B0609070205080204" pitchFamily="49" charset="-128"/>
+              </a:rPr>
+              <a:t>+</a:t>
+            </a:r>
+            <a:r>
+              <a:rPr lang="en-US" altLang="ja-JP" sz="2200" dirty="0">
+                <a:solidFill>
+                  <a:srgbClr val="000000"/>
+                </a:solidFill>
+                <a:highlight>
+                  <a:srgbClr val="FFFFFF"/>
+                </a:highlight>
+                <a:ea typeface="ＭＳ ゴシック" panose="020B0609070205080204" pitchFamily="49" charset="-128"/>
+              </a:rPr>
+              <a:t> x);</a:t>
+            </a:r>
+            <a:r>
+              <a:rPr lang="en-US" altLang="ja-JP" sz="2200" dirty="0">
+                <a:solidFill>
+                  <a:srgbClr val="008000"/>
+                </a:solidFill>
+                <a:highlight>
+                  <a:srgbClr val="FFFFFF"/>
+                </a:highlight>
+                <a:latin typeface="ＭＳ ゴシック" panose="020B0609070205080204" pitchFamily="49" charset="-128"/>
+                <a:ea typeface="ＭＳ ゴシック" panose="020B0609070205080204" pitchFamily="49" charset="-128"/>
+              </a:rPr>
+              <a:t>//</a:t>
+            </a:r>
+            <a:r>
+              <a:rPr lang="ja-JP" altLang="en-US" sz="2200" dirty="0">
+                <a:solidFill>
+                  <a:srgbClr val="008000"/>
+                </a:solidFill>
+                <a:highlight>
+                  <a:srgbClr val="FFFFFF"/>
+                </a:highlight>
+                <a:latin typeface="ＭＳ ゴシック" panose="020B0609070205080204" pitchFamily="49" charset="-128"/>
+                <a:ea typeface="ＭＳ ゴシック" panose="020B0609070205080204" pitchFamily="49" charset="-128"/>
+              </a:rPr>
+              <a:t>ブロックを削除</a:t>
+            </a:r>
+            <a:br>
+              <a:rPr lang="en-US" altLang="ja-JP" sz="2200" dirty="0">
+                <a:solidFill>
+                  <a:srgbClr val="000000"/>
+                </a:solidFill>
+                <a:highlight>
+                  <a:srgbClr val="FFFFFF"/>
+                </a:highlight>
+                <a:ea typeface="ＭＳ ゴシック" panose="020B0609070205080204" pitchFamily="49" charset="-128"/>
+              </a:rPr>
+            </a:br>
+            <a:r>
+              <a:rPr lang="en-US" altLang="ja-JP" sz="2200" dirty="0">
+                <a:solidFill>
+                  <a:srgbClr val="000000"/>
+                </a:solidFill>
+                <a:highlight>
+                  <a:srgbClr val="FFFFFF"/>
+                </a:highlight>
+                <a:ea typeface="ＭＳ ゴシック" panose="020B0609070205080204" pitchFamily="49" charset="-128"/>
+              </a:rPr>
+              <a:t>        </a:t>
+            </a:r>
+            <a:r>
+              <a:rPr lang="en-US" altLang="ja-JP" sz="2200" dirty="0">
+                <a:solidFill>
+                  <a:srgbClr val="0000FF"/>
+                </a:solidFill>
+                <a:highlight>
+                  <a:srgbClr val="FFFFFF"/>
+                </a:highlight>
+                <a:ea typeface="ＭＳ ゴシック" panose="020B0609070205080204" pitchFamily="49" charset="-128"/>
+              </a:rPr>
+              <a:t>break</a:t>
+            </a:r>
+            <a:r>
+              <a:rPr lang="en-US" altLang="ja-JP" sz="2200" dirty="0">
+                <a:solidFill>
+                  <a:srgbClr val="000000"/>
+                </a:solidFill>
+                <a:highlight>
+                  <a:srgbClr val="FFFFFF"/>
+                </a:highlight>
+                <a:ea typeface="ＭＳ ゴシック" panose="020B0609070205080204" pitchFamily="49" charset="-128"/>
+              </a:rPr>
+              <a:t>;</a:t>
+            </a:r>
+            <a:r>
+              <a:rPr lang="en-US" altLang="ja-JP" sz="2200" dirty="0">
+                <a:solidFill>
+                  <a:srgbClr val="008000"/>
+                </a:solidFill>
+                <a:highlight>
+                  <a:srgbClr val="FFFFFF"/>
+                </a:highlight>
+                <a:latin typeface="ＭＳ ゴシック" panose="020B0609070205080204" pitchFamily="49" charset="-128"/>
+                <a:ea typeface="ＭＳ ゴシック" panose="020B0609070205080204" pitchFamily="49" charset="-128"/>
+              </a:rPr>
+              <a:t> // </a:t>
+            </a:r>
+            <a:r>
+              <a:rPr lang="ja-JP" altLang="en-US" sz="2200" dirty="0">
+                <a:solidFill>
+                  <a:srgbClr val="008000"/>
+                </a:solidFill>
+                <a:highlight>
+                  <a:srgbClr val="FFFFFF"/>
+                </a:highlight>
+                <a:latin typeface="ＭＳ ゴシック" panose="020B0609070205080204" pitchFamily="49" charset="-128"/>
+                <a:ea typeface="ＭＳ ゴシック" panose="020B0609070205080204" pitchFamily="49" charset="-128"/>
+              </a:rPr>
+              <a:t>これ</a:t>
+            </a:r>
+            <a:r>
+              <a:rPr lang="ja-JP" altLang="en-US" sz="2200">
+                <a:solidFill>
+                  <a:srgbClr val="008000"/>
+                </a:solidFill>
+                <a:highlight>
+                  <a:srgbClr val="FFFFFF"/>
+                </a:highlight>
+                <a:latin typeface="ＭＳ ゴシック" panose="020B0609070205080204" pitchFamily="49" charset="-128"/>
+                <a:ea typeface="ＭＳ ゴシック" panose="020B0609070205080204" pitchFamily="49" charset="-128"/>
+              </a:rPr>
+              <a:t>以上チェックせずループから抜ける</a:t>
+            </a:r>
+            <a:br>
+              <a:rPr lang="en-US" altLang="ja-JP" sz="2200" dirty="0">
+                <a:solidFill>
+                  <a:srgbClr val="000000"/>
+                </a:solidFill>
+                <a:highlight>
+                  <a:srgbClr val="FFFFFF"/>
+                </a:highlight>
+                <a:latin typeface="ＭＳ ゴシック" panose="020B0609070205080204" pitchFamily="49" charset="-128"/>
+                <a:ea typeface="ＭＳ ゴシック" panose="020B0609070205080204" pitchFamily="49" charset="-128"/>
+              </a:rPr>
+            </a:br>
+            <a:r>
+              <a:rPr lang="en-US" altLang="ja-JP" sz="2200" dirty="0">
+                <a:solidFill>
+                  <a:srgbClr val="000000"/>
+                </a:solidFill>
+                <a:highlight>
+                  <a:srgbClr val="FFFFFF"/>
+                </a:highlight>
+                <a:latin typeface="ＭＳ ゴシック" panose="020B0609070205080204" pitchFamily="49" charset="-128"/>
+                <a:ea typeface="ＭＳ ゴシック" panose="020B0609070205080204" pitchFamily="49" charset="-128"/>
+              </a:rPr>
+              <a:t>      </a:t>
+            </a:r>
+            <a:r>
+              <a:rPr lang="en-US" altLang="ja-JP" sz="2200" dirty="0">
+                <a:solidFill>
+                  <a:srgbClr val="000000"/>
+                </a:solidFill>
+                <a:highlight>
+                  <a:srgbClr val="FFFFFF"/>
+                </a:highlight>
+                <a:ea typeface="ＭＳ ゴシック" panose="020B0609070205080204" pitchFamily="49" charset="-128"/>
+              </a:rPr>
+              <a:t>}</a:t>
+            </a:r>
+            <a:br>
+              <a:rPr lang="en-US" altLang="ja-JP" sz="2200" dirty="0">
+                <a:solidFill>
+                  <a:srgbClr val="000000"/>
+                </a:solidFill>
+                <a:highlight>
+                  <a:srgbClr val="FFFFFF"/>
+                </a:highlight>
+                <a:ea typeface="ＭＳ ゴシック" panose="020B0609070205080204" pitchFamily="49" charset="-128"/>
+              </a:rPr>
+            </a:br>
+            <a:r>
+              <a:rPr lang="en-US" altLang="ja-JP" sz="2200" dirty="0">
+                <a:solidFill>
+                  <a:srgbClr val="000000"/>
+                </a:solidFill>
+                <a:highlight>
+                  <a:srgbClr val="FFFFFF"/>
+                </a:highlight>
+                <a:ea typeface="ＭＳ ゴシック" panose="020B0609070205080204" pitchFamily="49" charset="-128"/>
+              </a:rPr>
+              <a:t>   }</a:t>
+            </a:r>
+            <a:br>
+              <a:rPr lang="en-US" altLang="ja-JP" sz="2200" dirty="0">
+                <a:solidFill>
+                  <a:srgbClr val="000000"/>
+                </a:solidFill>
+                <a:highlight>
+                  <a:srgbClr val="FFFFFF"/>
+                </a:highlight>
+                <a:ea typeface="ＭＳ ゴシック" panose="020B0609070205080204" pitchFamily="49" charset="-128"/>
+              </a:rPr>
+            </a:br>
+            <a:r>
+              <a:rPr lang="en-US" altLang="ja-JP" sz="2200" dirty="0">
+                <a:solidFill>
+                  <a:srgbClr val="000000"/>
+                </a:solidFill>
+                <a:highlight>
+                  <a:srgbClr val="FFFFFF"/>
+                </a:highlight>
+                <a:ea typeface="ＭＳ ゴシック" panose="020B0609070205080204" pitchFamily="49" charset="-128"/>
+              </a:rPr>
+              <a:t> }</a:t>
+            </a:r>
+          </a:p>
+        </p:txBody>
+      </p:sp>
+      <p:sp>
+        <p:nvSpPr>
+          <p:cNvPr id="7" name="テキスト ボックス 6">
+            <a:extLst>
+              <a:ext uri="{FF2B5EF4-FFF2-40B4-BE49-F238E27FC236}">
+                <a16:creationId xmlns:a16="http://schemas.microsoft.com/office/drawing/2014/main" id="{0FA83AA6-6399-5FC4-814F-7E9A6DB699E5}"/>
+              </a:ext>
+            </a:extLst>
+          </p:cNvPr>
+          <p:cNvSpPr txBox="1"/>
+          <p:nvPr/>
+        </p:nvSpPr>
+        <p:spPr>
+          <a:xfrm>
+            <a:off x="9494583" y="516645"/>
+            <a:ext cx="2480166" cy="646331"/>
+          </a:xfrm>
+          <a:prstGeom prst="rect">
+            <a:avLst/>
+          </a:prstGeom>
+          <a:noFill/>
+        </p:spPr>
+        <p:txBody>
+          <a:bodyPr wrap="none" rtlCol="0">
+            <a:spAutoFit/>
+          </a:bodyPr>
+          <a:lstStyle/>
+          <a:p>
+            <a:r>
+              <a:rPr kumimoji="1" lang="en-US" altLang="ja-JP" sz="3600" dirty="0"/>
+              <a:t>Main.cpp</a:t>
+            </a:r>
+            <a:endParaRPr kumimoji="1" lang="ja-JP" altLang="en-US" sz="3600" dirty="0"/>
+          </a:p>
+        </p:txBody>
+      </p:sp>
+    </p:spTree>
+    <p:extLst>
+      <p:ext uri="{BB962C8B-B14F-4D97-AF65-F5344CB8AC3E}">
+        <p14:creationId xmlns:p14="http://schemas.microsoft.com/office/powerpoint/2010/main" val="3611730223"/>
       </p:ext>
     </p:extLst>
   </p:cSld>

--- a/授業資料/演習課題：Siv3D.pptx
+++ b/授業資料/演習課題：Siv3D.pptx
@@ -270,7 +270,7 @@
           <a:p>
             <a:fld id="{5B96D3F8-CD2E-4A0D-AC38-517181EABB18}" type="datetimeFigureOut">
               <a:rPr kumimoji="1" lang="ja-JP" altLang="en-US" smtClean="0"/>
-              <a:t>2024/12/13</a:t>
+              <a:t>2024/12/20</a:t>
             </a:fld>
             <a:endParaRPr kumimoji="1" lang="ja-JP" altLang="en-US"/>
           </a:p>
@@ -472,7 +472,7 @@
           <a:p>
             <a:fld id="{5B96D3F8-CD2E-4A0D-AC38-517181EABB18}" type="datetimeFigureOut">
               <a:rPr kumimoji="1" lang="ja-JP" altLang="en-US" smtClean="0"/>
-              <a:t>2024/12/13</a:t>
+              <a:t>2024/12/20</a:t>
             </a:fld>
             <a:endParaRPr kumimoji="1" lang="ja-JP" altLang="en-US"/>
           </a:p>
@@ -684,7 +684,7 @@
           <a:p>
             <a:fld id="{5B96D3F8-CD2E-4A0D-AC38-517181EABB18}" type="datetimeFigureOut">
               <a:rPr kumimoji="1" lang="ja-JP" altLang="en-US" smtClean="0"/>
-              <a:t>2024/12/13</a:t>
+              <a:t>2024/12/20</a:t>
             </a:fld>
             <a:endParaRPr kumimoji="1" lang="ja-JP" altLang="en-US"/>
           </a:p>
@@ -886,7 +886,7 @@
           <a:p>
             <a:fld id="{5B96D3F8-CD2E-4A0D-AC38-517181EABB18}" type="datetimeFigureOut">
               <a:rPr kumimoji="1" lang="ja-JP" altLang="en-US" smtClean="0"/>
-              <a:t>2024/12/13</a:t>
+              <a:t>2024/12/20</a:t>
             </a:fld>
             <a:endParaRPr kumimoji="1" lang="ja-JP" altLang="en-US"/>
           </a:p>
@@ -1148,7 +1148,7 @@
           <a:p>
             <a:fld id="{5B96D3F8-CD2E-4A0D-AC38-517181EABB18}" type="datetimeFigureOut">
               <a:rPr kumimoji="1" lang="ja-JP" altLang="en-US" smtClean="0"/>
-              <a:t>2024/12/13</a:t>
+              <a:t>2024/12/20</a:t>
             </a:fld>
             <a:endParaRPr kumimoji="1" lang="ja-JP" altLang="en-US"/>
           </a:p>
@@ -1444,7 +1444,7 @@
           <a:p>
             <a:fld id="{5B96D3F8-CD2E-4A0D-AC38-517181EABB18}" type="datetimeFigureOut">
               <a:rPr kumimoji="1" lang="ja-JP" altLang="en-US" smtClean="0"/>
-              <a:t>2024/12/13</a:t>
+              <a:t>2024/12/20</a:t>
             </a:fld>
             <a:endParaRPr kumimoji="1" lang="ja-JP" altLang="en-US"/>
           </a:p>
@@ -1875,7 +1875,7 @@
           <a:p>
             <a:fld id="{5B96D3F8-CD2E-4A0D-AC38-517181EABB18}" type="datetimeFigureOut">
               <a:rPr kumimoji="1" lang="ja-JP" altLang="en-US" smtClean="0"/>
-              <a:t>2024/12/13</a:t>
+              <a:t>2024/12/20</a:t>
             </a:fld>
             <a:endParaRPr kumimoji="1" lang="ja-JP" altLang="en-US"/>
           </a:p>
@@ -1993,7 +1993,7 @@
           <a:p>
             <a:fld id="{5B96D3F8-CD2E-4A0D-AC38-517181EABB18}" type="datetimeFigureOut">
               <a:rPr kumimoji="1" lang="ja-JP" altLang="en-US" smtClean="0"/>
-              <a:t>2024/12/13</a:t>
+              <a:t>2024/12/20</a:t>
             </a:fld>
             <a:endParaRPr kumimoji="1" lang="ja-JP" altLang="en-US"/>
           </a:p>
@@ -2088,7 +2088,7 @@
           <a:p>
             <a:fld id="{5B96D3F8-CD2E-4A0D-AC38-517181EABB18}" type="datetimeFigureOut">
               <a:rPr kumimoji="1" lang="ja-JP" altLang="en-US" smtClean="0"/>
-              <a:t>2024/12/13</a:t>
+              <a:t>2024/12/20</a:t>
             </a:fld>
             <a:endParaRPr kumimoji="1" lang="ja-JP" altLang="en-US"/>
           </a:p>
@@ -2397,7 +2397,7 @@
           <a:p>
             <a:fld id="{5B96D3F8-CD2E-4A0D-AC38-517181EABB18}" type="datetimeFigureOut">
               <a:rPr kumimoji="1" lang="ja-JP" altLang="en-US" smtClean="0"/>
-              <a:t>2024/12/13</a:t>
+              <a:t>2024/12/20</a:t>
             </a:fld>
             <a:endParaRPr kumimoji="1" lang="ja-JP" altLang="en-US"/>
           </a:p>
@@ -2654,7 +2654,7 @@
           <a:p>
             <a:fld id="{5B96D3F8-CD2E-4A0D-AC38-517181EABB18}" type="datetimeFigureOut">
               <a:rPr kumimoji="1" lang="ja-JP" altLang="en-US" smtClean="0"/>
-              <a:t>2024/12/13</a:t>
+              <a:t>2024/12/20</a:t>
             </a:fld>
             <a:endParaRPr kumimoji="1" lang="ja-JP" altLang="en-US"/>
           </a:p>
@@ -2899,7 +2899,7 @@
           <a:p>
             <a:fld id="{5B96D3F8-CD2E-4A0D-AC38-517181EABB18}" type="datetimeFigureOut">
               <a:rPr kumimoji="1" lang="ja-JP" altLang="en-US" smtClean="0"/>
-              <a:t>2024/12/13</a:t>
+              <a:t>2024/12/20</a:t>
             </a:fld>
             <a:endParaRPr kumimoji="1" lang="ja-JP" altLang="en-US"/>
           </a:p>
@@ -3637,14 +3637,6 @@
             <a:br>
               <a:rPr lang="en-US" altLang="ja-JP" dirty="0"/>
             </a:br>
-            <a:r>
-              <a:rPr lang="ja-JP" altLang="en-US" sz="3200" dirty="0">
-                <a:solidFill>
-                  <a:srgbClr val="FF0000"/>
-                </a:solidFill>
-              </a:rPr>
-              <a:t>なお、本校で使用しているフレームワークは商用には使用不可</a:t>
-            </a:r>
             <a:endParaRPr lang="ja-JP" altLang="en-US" b="0" i="0" dirty="0">
               <a:solidFill>
                 <a:srgbClr val="FF0000"/>
@@ -4412,7 +4404,7 @@
               <a:t>シーンサイズ</a:t>
             </a:r>
             <a:r>
-              <a:rPr lang="en-US" altLang="ja-JP"/>
+              <a:rPr lang="en-US" altLang="ja-JP" dirty="0"/>
               <a:t>800x600</a:t>
             </a:r>
             <a:endParaRPr kumimoji="1" lang="en-US" altLang="ja-JP" dirty="0"/>
@@ -5181,28 +5173,6 @@
               </a:rPr>
             </a:br>
             <a:r>
-              <a:rPr lang="en-US" altLang="ja-JP" sz="2400" dirty="0" err="1">
-                <a:solidFill>
-                  <a:srgbClr val="0000FF"/>
-                </a:solidFill>
-                <a:highlight>
-                  <a:srgbClr val="FFFFFF"/>
-                </a:highlight>
-              </a:rPr>
-              <a:t>constexpr</a:t>
-            </a:r>
-            <a:r>
-              <a:rPr lang="en-US" altLang="ja-JP" sz="2400" dirty="0">
-                <a:solidFill>
-                  <a:srgbClr val="000000"/>
-                </a:solidFill>
-                <a:highlight>
-                  <a:srgbClr val="FFFFFF"/>
-                </a:highlight>
-              </a:rPr>
-              <a:t> </a:t>
-            </a:r>
-            <a:r>
               <a:rPr lang="en-US" altLang="ja-JP" sz="2400" dirty="0">
                 <a:solidFill>
                   <a:srgbClr val="2B91AF"/>
@@ -5436,16 +5406,6 @@
               </a:rPr>
               <a:t> * 0.75) };</a:t>
             </a:r>
-            <a:br>
-              <a:rPr lang="en-US" altLang="ja-JP" sz="2400" dirty="0">
-                <a:solidFill>
-                  <a:srgbClr val="000000"/>
-                </a:solidFill>
-                <a:highlight>
-                  <a:srgbClr val="FFFFFF"/>
-                </a:highlight>
-              </a:rPr>
-            </a:br>
             <a:endParaRPr lang="en-US" altLang="ja-JP" sz="6000" dirty="0"/>
           </a:p>
         </p:txBody>
@@ -5867,28 +5827,6 @@
                 <a:latin typeface="+mn-ea"/>
               </a:rPr>
             </a:br>
-            <a:r>
-              <a:rPr lang="en-US" altLang="ja-JP" sz="2400" dirty="0" err="1">
-                <a:solidFill>
-                  <a:srgbClr val="0000FF"/>
-                </a:solidFill>
-                <a:highlight>
-                  <a:srgbClr val="FFFFFF"/>
-                </a:highlight>
-              </a:rPr>
-              <a:t>constexpr</a:t>
-            </a:r>
-            <a:r>
-              <a:rPr lang="en-US" altLang="ja-JP" sz="2400" dirty="0">
-                <a:solidFill>
-                  <a:srgbClr val="000000"/>
-                </a:solidFill>
-                <a:highlight>
-                  <a:srgbClr val="FFFFFF"/>
-                </a:highlight>
-              </a:rPr>
-              <a:t> </a:t>
-            </a:r>
             <a:r>
               <a:rPr lang="en-US" altLang="ja-JP" sz="2400" dirty="0">
                 <a:solidFill>
@@ -17971,58 +17909,47 @@
           <a:lstStyle/>
           <a:p>
             <a:r>
+              <a:rPr lang="ja-JP" altLang="en-US" dirty="0"/>
+              <a:t>オープンソースで開発されているため、誰もが開発に</a:t>
+            </a:r>
+            <a:br>
+              <a:rPr lang="en-US" altLang="ja-JP" dirty="0"/>
+            </a:br>
+            <a:r>
+              <a:rPr lang="ja-JP" altLang="en-US" dirty="0"/>
+              <a:t>参加できる</a:t>
+            </a:r>
+            <a:br>
+              <a:rPr lang="en-US" altLang="ja-JP" dirty="0"/>
+            </a:br>
+            <a:endParaRPr lang="en-US" altLang="ja-JP" dirty="0"/>
+          </a:p>
+          <a:p>
+            <a:r>
+              <a:rPr lang="en-US" altLang="ja-JP" dirty="0"/>
+              <a:t>Siv3D</a:t>
+            </a:r>
+            <a:r>
+              <a:rPr lang="ja-JP" altLang="en-US" dirty="0"/>
+              <a:t>自体は</a:t>
+            </a:r>
+            <a:r>
               <a:rPr kumimoji="1" lang="ja-JP" altLang="en-US" dirty="0"/>
-              <a:t>ゲームに特化しているわけではないが、ゲーム用にも</a:t>
+              <a:t>ゲームに特化しているわけではないが、ゲーム用に使用できる機能は備えている</a:t>
             </a:r>
             <a:br>
               <a:rPr kumimoji="1" lang="en-US" altLang="ja-JP" dirty="0"/>
             </a:br>
-            <a:r>
-              <a:rPr kumimoji="1" lang="ja-JP" altLang="en-US" dirty="0"/>
-              <a:t>使用可能</a:t>
-            </a:r>
-            <a:br>
-              <a:rPr kumimoji="1" lang="en-US" altLang="ja-JP" dirty="0"/>
-            </a:br>
             <a:endParaRPr kumimoji="1" lang="en-US" altLang="ja-JP" dirty="0"/>
           </a:p>
           <a:p>
-            <a:r>
-              <a:rPr kumimoji="1" lang="ja-JP" altLang="en-US" dirty="0"/>
-              <a:t>多くの機能が搭載されているため、処理速度の面では</a:t>
-            </a:r>
-            <a:r>
-              <a:rPr kumimoji="1" lang="en-US" altLang="ja-JP" dirty="0" err="1"/>
-              <a:t>KDLib</a:t>
-            </a:r>
-            <a:r>
-              <a:rPr kumimoji="1" lang="ja-JP" altLang="en-US" dirty="0"/>
-              <a:t>のほうが上</a:t>
-            </a:r>
-            <a:br>
-              <a:rPr kumimoji="1" lang="en-US" altLang="ja-JP" dirty="0"/>
-            </a:br>
-            <a:endParaRPr kumimoji="1" lang="en-US" altLang="ja-JP" dirty="0"/>
-          </a:p>
-          <a:p>
-            <a:r>
-              <a:rPr kumimoji="1" lang="ja-JP" altLang="en-US" dirty="0"/>
-              <a:t>オープンソースで開発されているため、誰もが開発に参加できて、</a:t>
-            </a:r>
             <a:r>
               <a:rPr kumimoji="1" lang="en-US" altLang="ja-JP" dirty="0"/>
               <a:t>Siv3D</a:t>
             </a:r>
             <a:r>
               <a:rPr kumimoji="1" lang="ja-JP" altLang="en-US" dirty="0"/>
-              <a:t>を用いて開発したゲームやアプリは</a:t>
-            </a:r>
-            <a:br>
-              <a:rPr kumimoji="1" lang="en-US" altLang="ja-JP" dirty="0"/>
-            </a:br>
-            <a:r>
-              <a:rPr kumimoji="1" lang="ja-JP" altLang="en-US" dirty="0"/>
-              <a:t>自由に公開や収益化可能</a:t>
+              <a:t>を用いて開発したゲームやアプリは自由に公開してもいいし、販売して収益化してもよい</a:t>
             </a:r>
             <a:endParaRPr kumimoji="1" lang="en-US" altLang="ja-JP" dirty="0"/>
           </a:p>
@@ -18183,13 +18110,13 @@
               <a:rPr kumimoji="1" lang="en-US" altLang="ja-JP" dirty="0"/>
             </a:br>
             <a:r>
-              <a:rPr kumimoji="1" lang="en-US" altLang="ja-JP" dirty="0">
+              <a:rPr kumimoji="1" lang="en-US" altLang="ja-JP" sz="4400" dirty="0">
                 <a:hlinkClick r:id="rId3"/>
               </a:rPr>
               <a:t>https://bit.ly/4fYSW1e</a:t>
             </a:r>
             <a:br>
-              <a:rPr kumimoji="1" lang="en-US" altLang="ja-JP" dirty="0"/>
+              <a:rPr kumimoji="1" lang="en-US" altLang="ja-JP" sz="4400" dirty="0"/>
             </a:br>
             <a:endParaRPr kumimoji="1" lang="en-US" altLang="ja-JP" dirty="0"/>
           </a:p>

--- a/授業資料/演習課題：Siv3D.pptx
+++ b/授業資料/演習課題：Siv3D.pptx
@@ -291,7 +291,7 @@
           <a:p>
             <a:fld id="{5B96D3F8-CD2E-4A0D-AC38-517181EABB18}" type="datetimeFigureOut">
               <a:rPr kumimoji="1" lang="ja-JP" altLang="en-US" smtClean="0"/>
-              <a:t>2025/1/8</a:t>
+              <a:t>2025/1/27</a:t>
             </a:fld>
             <a:endParaRPr kumimoji="1" lang="ja-JP" altLang="en-US"/>
           </a:p>
@@ -493,7 +493,7 @@
           <a:p>
             <a:fld id="{5B96D3F8-CD2E-4A0D-AC38-517181EABB18}" type="datetimeFigureOut">
               <a:rPr kumimoji="1" lang="ja-JP" altLang="en-US" smtClean="0"/>
-              <a:t>2025/1/8</a:t>
+              <a:t>2025/1/27</a:t>
             </a:fld>
             <a:endParaRPr kumimoji="1" lang="ja-JP" altLang="en-US"/>
           </a:p>
@@ -705,7 +705,7 @@
           <a:p>
             <a:fld id="{5B96D3F8-CD2E-4A0D-AC38-517181EABB18}" type="datetimeFigureOut">
               <a:rPr kumimoji="1" lang="ja-JP" altLang="en-US" smtClean="0"/>
-              <a:t>2025/1/8</a:t>
+              <a:t>2025/1/27</a:t>
             </a:fld>
             <a:endParaRPr kumimoji="1" lang="ja-JP" altLang="en-US"/>
           </a:p>
@@ -907,7 +907,7 @@
           <a:p>
             <a:fld id="{5B96D3F8-CD2E-4A0D-AC38-517181EABB18}" type="datetimeFigureOut">
               <a:rPr kumimoji="1" lang="ja-JP" altLang="en-US" smtClean="0"/>
-              <a:t>2025/1/8</a:t>
+              <a:t>2025/1/27</a:t>
             </a:fld>
             <a:endParaRPr kumimoji="1" lang="ja-JP" altLang="en-US"/>
           </a:p>
@@ -1169,7 +1169,7 @@
           <a:p>
             <a:fld id="{5B96D3F8-CD2E-4A0D-AC38-517181EABB18}" type="datetimeFigureOut">
               <a:rPr kumimoji="1" lang="ja-JP" altLang="en-US" smtClean="0"/>
-              <a:t>2025/1/8</a:t>
+              <a:t>2025/1/27</a:t>
             </a:fld>
             <a:endParaRPr kumimoji="1" lang="ja-JP" altLang="en-US"/>
           </a:p>
@@ -1465,7 +1465,7 @@
           <a:p>
             <a:fld id="{5B96D3F8-CD2E-4A0D-AC38-517181EABB18}" type="datetimeFigureOut">
               <a:rPr kumimoji="1" lang="ja-JP" altLang="en-US" smtClean="0"/>
-              <a:t>2025/1/8</a:t>
+              <a:t>2025/1/27</a:t>
             </a:fld>
             <a:endParaRPr kumimoji="1" lang="ja-JP" altLang="en-US"/>
           </a:p>
@@ -1896,7 +1896,7 @@
           <a:p>
             <a:fld id="{5B96D3F8-CD2E-4A0D-AC38-517181EABB18}" type="datetimeFigureOut">
               <a:rPr kumimoji="1" lang="ja-JP" altLang="en-US" smtClean="0"/>
-              <a:t>2025/1/8</a:t>
+              <a:t>2025/1/27</a:t>
             </a:fld>
             <a:endParaRPr kumimoji="1" lang="ja-JP" altLang="en-US"/>
           </a:p>
@@ -2014,7 +2014,7 @@
           <a:p>
             <a:fld id="{5B96D3F8-CD2E-4A0D-AC38-517181EABB18}" type="datetimeFigureOut">
               <a:rPr kumimoji="1" lang="ja-JP" altLang="en-US" smtClean="0"/>
-              <a:t>2025/1/8</a:t>
+              <a:t>2025/1/27</a:t>
             </a:fld>
             <a:endParaRPr kumimoji="1" lang="ja-JP" altLang="en-US"/>
           </a:p>
@@ -2109,7 +2109,7 @@
           <a:p>
             <a:fld id="{5B96D3F8-CD2E-4A0D-AC38-517181EABB18}" type="datetimeFigureOut">
               <a:rPr kumimoji="1" lang="ja-JP" altLang="en-US" smtClean="0"/>
-              <a:t>2025/1/8</a:t>
+              <a:t>2025/1/27</a:t>
             </a:fld>
             <a:endParaRPr kumimoji="1" lang="ja-JP" altLang="en-US"/>
           </a:p>
@@ -2418,7 +2418,7 @@
           <a:p>
             <a:fld id="{5B96D3F8-CD2E-4A0D-AC38-517181EABB18}" type="datetimeFigureOut">
               <a:rPr kumimoji="1" lang="ja-JP" altLang="en-US" smtClean="0"/>
-              <a:t>2025/1/8</a:t>
+              <a:t>2025/1/27</a:t>
             </a:fld>
             <a:endParaRPr kumimoji="1" lang="ja-JP" altLang="en-US"/>
           </a:p>
@@ -2675,7 +2675,7 @@
           <a:p>
             <a:fld id="{5B96D3F8-CD2E-4A0D-AC38-517181EABB18}" type="datetimeFigureOut">
               <a:rPr kumimoji="1" lang="ja-JP" altLang="en-US" smtClean="0"/>
-              <a:t>2025/1/8</a:t>
+              <a:t>2025/1/27</a:t>
             </a:fld>
             <a:endParaRPr kumimoji="1" lang="ja-JP" altLang="en-US"/>
           </a:p>
@@ -2920,7 +2920,7 @@
           <a:p>
             <a:fld id="{5B96D3F8-CD2E-4A0D-AC38-517181EABB18}" type="datetimeFigureOut">
               <a:rPr kumimoji="1" lang="ja-JP" altLang="en-US" smtClean="0"/>
-              <a:t>2025/1/8</a:t>
+              <a:t>2025/1/27</a:t>
             </a:fld>
             <a:endParaRPr kumimoji="1" lang="ja-JP" altLang="en-US"/>
           </a:p>
@@ -38624,7 +38624,15 @@
             <a:pPr lvl="1"/>
             <a:r>
               <a:rPr kumimoji="1" lang="ja-JP" altLang="en-US" dirty="0"/>
-              <a:t>インストール先</a:t>
+              <a:t>言語は「日本語」</a:t>
+            </a:r>
+            <a:endParaRPr kumimoji="1" lang="en-US" altLang="ja-JP" dirty="0"/>
+          </a:p>
+          <a:p>
+            <a:pPr lvl="1"/>
+            <a:r>
+              <a:rPr kumimoji="1" lang="ja-JP" altLang="en-US" dirty="0"/>
+              <a:t>インストール先を変更</a:t>
             </a:r>
             <a:br>
               <a:rPr kumimoji="1" lang="en-US" altLang="ja-JP" dirty="0"/>
@@ -38633,8 +38641,20 @@
               <a:rPr kumimoji="1" lang="en-US" altLang="ja-JP" dirty="0"/>
             </a:br>
             <a:r>
-              <a:rPr kumimoji="1" lang="en-US" altLang="ja-JP" sz="4000" dirty="0"/>
-              <a:t>C:\Github\OpenSiv3D_0.6.15</a:t>
+              <a:rPr kumimoji="1" lang="en-US" altLang="ja-JP" sz="4000" b="1" dirty="0">
+                <a:solidFill>
+                  <a:srgbClr val="0099CC"/>
+                </a:solidFill>
+              </a:rPr>
+              <a:t>C:\Github</a:t>
+            </a:r>
+            <a:r>
+              <a:rPr kumimoji="1" lang="en-US" altLang="ja-JP" sz="4000" dirty="0">
+                <a:solidFill>
+                  <a:srgbClr val="FF0000"/>
+                </a:solidFill>
+              </a:rPr>
+              <a:t>\OpenSiv3D_0.6.15</a:t>
             </a:r>
             <a:br>
               <a:rPr kumimoji="1" lang="en-US" altLang="ja-JP" dirty="0"/>
@@ -38648,7 +38668,7 @@
             <a:r>
               <a:rPr kumimoji="1" lang="en-US" altLang="ja-JP" sz="2800" dirty="0">
                 <a:solidFill>
-                  <a:srgbClr val="FF0000"/>
+                  <a:schemeClr val="bg1"/>
                 </a:solidFill>
               </a:rPr>
               <a:t>※</a:t>
@@ -38656,7 +38676,7 @@
             <a:r>
               <a:rPr kumimoji="1" lang="ja-JP" altLang="en-US" sz="2800" dirty="0">
                 <a:solidFill>
-                  <a:srgbClr val="FF0000"/>
+                  <a:schemeClr val="bg1"/>
                 </a:solidFill>
               </a:rPr>
               <a:t>デフォルトでは</a:t>
@@ -38664,7 +38684,7 @@
             <a:r>
               <a:rPr kumimoji="1" lang="en-US" altLang="ja-JP" sz="2800" dirty="0">
                 <a:solidFill>
-                  <a:srgbClr val="FF0000"/>
+                  <a:schemeClr val="bg1"/>
                 </a:solidFill>
               </a:rPr>
               <a:t>Documents</a:t>
@@ -38672,7 +38692,7 @@
             <a:r>
               <a:rPr kumimoji="1" lang="ja-JP" altLang="en-US" sz="2800" dirty="0">
                 <a:solidFill>
-                  <a:srgbClr val="FF0000"/>
+                  <a:schemeClr val="bg1"/>
                 </a:solidFill>
               </a:rPr>
               <a:t>フォルダが指定されるが</a:t>
@@ -38680,14 +38700,14 @@
             <a:br>
               <a:rPr kumimoji="1" lang="en-US" altLang="ja-JP" sz="2800" dirty="0">
                 <a:solidFill>
-                  <a:srgbClr val="FF0000"/>
+                  <a:schemeClr val="bg1"/>
                 </a:solidFill>
               </a:rPr>
             </a:br>
             <a:r>
               <a:rPr kumimoji="1" lang="ja-JP" altLang="en-US" sz="2800" dirty="0">
                 <a:solidFill>
-                  <a:srgbClr val="FF0000"/>
+                  <a:schemeClr val="bg1"/>
                 </a:solidFill>
               </a:rPr>
               <a:t>　　</a:t>
@@ -38695,7 +38715,7 @@
             <a:r>
               <a:rPr kumimoji="1" lang="en-US" altLang="ja-JP" sz="2800" dirty="0">
                 <a:solidFill>
-                  <a:srgbClr val="FF0000"/>
+                  <a:schemeClr val="bg1"/>
                 </a:solidFill>
               </a:rPr>
               <a:t>OneDrive</a:t>
@@ -38703,7 +38723,7 @@
             <a:r>
               <a:rPr kumimoji="1" lang="ja-JP" altLang="en-US" sz="2800" dirty="0">
                 <a:solidFill>
-                  <a:srgbClr val="FF0000"/>
+                  <a:schemeClr val="bg1"/>
                 </a:solidFill>
               </a:rPr>
               <a:t>を有効にしていると</a:t>
@@ -38711,7 +38731,7 @@
             <a:r>
               <a:rPr kumimoji="1" lang="en-US" altLang="ja-JP" sz="2800" dirty="0">
                 <a:solidFill>
-                  <a:srgbClr val="FF0000"/>
+                  <a:schemeClr val="bg1"/>
                 </a:solidFill>
               </a:rPr>
               <a:t>OneDrive</a:t>
@@ -38719,7 +38739,7 @@
             <a:r>
               <a:rPr kumimoji="1" lang="ja-JP" altLang="en-US" sz="2800" dirty="0">
                 <a:solidFill>
-                  <a:srgbClr val="FF0000"/>
+                  <a:schemeClr val="bg1"/>
                 </a:solidFill>
               </a:rPr>
               <a:t>側の</a:t>
@@ -38727,14 +38747,14 @@
             <a:br>
               <a:rPr lang="en-US" altLang="ja-JP" sz="2800" dirty="0">
                 <a:solidFill>
-                  <a:srgbClr val="FF0000"/>
+                  <a:schemeClr val="bg1"/>
                 </a:solidFill>
               </a:rPr>
             </a:br>
             <a:r>
               <a:rPr lang="ja-JP" altLang="en-US" sz="2800" dirty="0">
                 <a:solidFill>
-                  <a:srgbClr val="FF0000"/>
+                  <a:schemeClr val="bg1"/>
                 </a:solidFill>
               </a:rPr>
               <a:t>　　</a:t>
@@ -38742,7 +38762,7 @@
             <a:r>
               <a:rPr lang="en-US" altLang="ja-JP" sz="2800" dirty="0">
                 <a:solidFill>
-                  <a:srgbClr val="FF0000"/>
+                  <a:schemeClr val="bg1"/>
                 </a:solidFill>
               </a:rPr>
               <a:t>Documents</a:t>
@@ -38750,7 +38770,7 @@
             <a:r>
               <a:rPr lang="ja-JP" altLang="en-US" sz="2800" dirty="0">
                 <a:solidFill>
-                  <a:srgbClr val="FF0000"/>
+                  <a:schemeClr val="bg1"/>
                 </a:solidFill>
               </a:rPr>
               <a:t>フォルダ</a:t>
@@ -38758,19 +38778,137 @@
             <a:r>
               <a:rPr kumimoji="1" lang="ja-JP" altLang="en-US" sz="2800" dirty="0">
                 <a:solidFill>
-                  <a:srgbClr val="FF0000"/>
+                  <a:schemeClr val="bg1"/>
                 </a:solidFill>
               </a:rPr>
               <a:t>にインストールされてしまうのを防ぐ</a:t>
             </a:r>
             <a:endParaRPr kumimoji="1" lang="en-US" altLang="ja-JP" dirty="0">
               <a:solidFill>
-                <a:srgbClr val="FF0000"/>
+                <a:schemeClr val="bg1"/>
               </a:solidFill>
             </a:endParaRPr>
           </a:p>
         </p:txBody>
       </p:sp>
+      <p:sp>
+        <p:nvSpPr>
+          <p:cNvPr id="4" name="テキスト ボックス 3">
+            <a:extLst>
+              <a:ext uri="{FF2B5EF4-FFF2-40B4-BE49-F238E27FC236}">
+                <a16:creationId xmlns:a16="http://schemas.microsoft.com/office/drawing/2014/main" id="{734F71A1-1704-4FA9-8724-10480CD20E5B}"/>
+              </a:ext>
+            </a:extLst>
+          </p:cNvPr>
+          <p:cNvSpPr txBox="1"/>
+          <p:nvPr/>
+        </p:nvSpPr>
+        <p:spPr>
+          <a:xfrm>
+            <a:off x="224118" y="4417337"/>
+            <a:ext cx="3010761" cy="523220"/>
+          </a:xfrm>
+          <a:prstGeom prst="rect">
+            <a:avLst/>
+          </a:prstGeom>
+          <a:noFill/>
+        </p:spPr>
+        <p:txBody>
+          <a:bodyPr wrap="none" rtlCol="0">
+            <a:spAutoFit/>
+          </a:bodyPr>
+          <a:lstStyle/>
+          <a:p>
+            <a:r>
+              <a:rPr kumimoji="1" lang="ja-JP" altLang="en-US" sz="2800" dirty="0"/>
+              <a:t>この部分を変更</a:t>
+            </a:r>
+            <a:r>
+              <a:rPr kumimoji="1" lang="ja-JP" altLang="en-US" sz="2800" b="1" dirty="0"/>
+              <a:t>↑</a:t>
+            </a:r>
+          </a:p>
+        </p:txBody>
+      </p:sp>
+      <p:sp>
+        <p:nvSpPr>
+          <p:cNvPr id="6" name="テキスト ボックス 5">
+            <a:extLst>
+              <a:ext uri="{FF2B5EF4-FFF2-40B4-BE49-F238E27FC236}">
+                <a16:creationId xmlns:a16="http://schemas.microsoft.com/office/drawing/2014/main" id="{A97AF9C4-33CC-491B-9D6A-3634D318DD6F}"/>
+              </a:ext>
+            </a:extLst>
+          </p:cNvPr>
+          <p:cNvSpPr txBox="1"/>
+          <p:nvPr/>
+        </p:nvSpPr>
+        <p:spPr>
+          <a:xfrm>
+            <a:off x="5898777" y="3167390"/>
+            <a:ext cx="3397084" cy="523220"/>
+          </a:xfrm>
+          <a:prstGeom prst="rect">
+            <a:avLst/>
+          </a:prstGeom>
+          <a:noFill/>
+        </p:spPr>
+        <p:txBody>
+          <a:bodyPr wrap="none" rtlCol="0">
+            <a:spAutoFit/>
+          </a:bodyPr>
+          <a:lstStyle/>
+          <a:p>
+            <a:r>
+              <a:rPr kumimoji="1" lang="ja-JP" altLang="en-US" sz="2800" b="1" dirty="0"/>
+              <a:t>↓</a:t>
+            </a:r>
+            <a:r>
+              <a:rPr kumimoji="1" lang="ja-JP" altLang="en-US" sz="2800" dirty="0"/>
+              <a:t>赤字の箇所は残す</a:t>
+            </a:r>
+            <a:endParaRPr kumimoji="1" lang="ja-JP" altLang="en-US" sz="2800" b="1" dirty="0"/>
+          </a:p>
+        </p:txBody>
+      </p:sp>
+      <p:cxnSp>
+        <p:nvCxnSpPr>
+          <p:cNvPr id="8" name="直線コネクタ 7">
+            <a:extLst>
+              <a:ext uri="{FF2B5EF4-FFF2-40B4-BE49-F238E27FC236}">
+                <a16:creationId xmlns:a16="http://schemas.microsoft.com/office/drawing/2014/main" id="{DD7C80D4-0AFB-4FA7-8E33-E4B49FC5E550}"/>
+              </a:ext>
+            </a:extLst>
+          </p:cNvPr>
+          <p:cNvCxnSpPr>
+            <a:cxnSpLocks/>
+          </p:cNvCxnSpPr>
+          <p:nvPr/>
+        </p:nvCxnSpPr>
+        <p:spPr>
+          <a:xfrm>
+            <a:off x="1201271" y="4327690"/>
+            <a:ext cx="2967317" cy="0"/>
+          </a:xfrm>
+          <a:prstGeom prst="line">
+            <a:avLst/>
+          </a:prstGeom>
+          <a:ln w="38100"/>
+        </p:spPr>
+        <p:style>
+          <a:lnRef idx="1">
+            <a:schemeClr val="accent1"/>
+          </a:lnRef>
+          <a:fillRef idx="0">
+            <a:schemeClr val="accent1"/>
+          </a:fillRef>
+          <a:effectRef idx="0">
+            <a:schemeClr val="accent1"/>
+          </a:effectRef>
+          <a:fontRef idx="minor">
+            <a:schemeClr val="tx1"/>
+          </a:fontRef>
+        </p:style>
+      </p:cxnSp>
     </p:spTree>
     <p:extLst>
       <p:ext uri="{BB962C8B-B14F-4D97-AF65-F5344CB8AC3E}">

--- a/授業資料/演習課題：Siv3D.pptx
+++ b/授業資料/演習課題：Siv3D.pptx
@@ -38,22 +38,23 @@
     <p:sldId id="535" r:id="rId32"/>
     <p:sldId id="546" r:id="rId33"/>
     <p:sldId id="521" r:id="rId34"/>
-    <p:sldId id="537" r:id="rId35"/>
-    <p:sldId id="548" r:id="rId36"/>
-    <p:sldId id="538" r:id="rId37"/>
-    <p:sldId id="539" r:id="rId38"/>
-    <p:sldId id="549" r:id="rId39"/>
-    <p:sldId id="522" r:id="rId40"/>
-    <p:sldId id="523" r:id="rId41"/>
-    <p:sldId id="550" r:id="rId42"/>
-    <p:sldId id="524" r:id="rId43"/>
-    <p:sldId id="525" r:id="rId44"/>
-    <p:sldId id="551" r:id="rId45"/>
-    <p:sldId id="554" r:id="rId46"/>
-    <p:sldId id="527" r:id="rId47"/>
-    <p:sldId id="528" r:id="rId48"/>
-    <p:sldId id="529" r:id="rId49"/>
-    <p:sldId id="531" r:id="rId50"/>
+    <p:sldId id="555" r:id="rId35"/>
+    <p:sldId id="537" r:id="rId36"/>
+    <p:sldId id="548" r:id="rId37"/>
+    <p:sldId id="538" r:id="rId38"/>
+    <p:sldId id="539" r:id="rId39"/>
+    <p:sldId id="549" r:id="rId40"/>
+    <p:sldId id="522" r:id="rId41"/>
+    <p:sldId id="523" r:id="rId42"/>
+    <p:sldId id="550" r:id="rId43"/>
+    <p:sldId id="524" r:id="rId44"/>
+    <p:sldId id="525" r:id="rId45"/>
+    <p:sldId id="551" r:id="rId46"/>
+    <p:sldId id="554" r:id="rId47"/>
+    <p:sldId id="527" r:id="rId48"/>
+    <p:sldId id="528" r:id="rId49"/>
+    <p:sldId id="529" r:id="rId50"/>
+    <p:sldId id="531" r:id="rId51"/>
   </p:sldIdLst>
   <p:sldSz cx="12192000" cy="6858000"/>
   <p:notesSz cx="6858000" cy="9144000"/>
@@ -3903,7 +3904,7 @@
 </file>
 
 <file path=ppt/slides/slide11.xml><?xml version="1.0" encoding="utf-8"?>
-<p:sld xmlns:a="http://schemas.openxmlformats.org/drawingml/2006/main" xmlns:r="http://schemas.openxmlformats.org/officeDocument/2006/relationships" xmlns:p="http://schemas.openxmlformats.org/presentationml/2006/main">
+<p:sld xmlns:a="http://schemas.openxmlformats.org/drawingml/2006/main" xmlns:r="http://schemas.openxmlformats.org/officeDocument/2006/relationships" xmlns:p="http://schemas.openxmlformats.org/presentationml/2006/main" show="0">
   <p:cSld>
     <p:spTree>
       <p:nvGrpSpPr>
@@ -4088,7 +4089,7 @@
 </file>
 
 <file path=ppt/slides/slide12.xml><?xml version="1.0" encoding="utf-8"?>
-<p:sld xmlns:a="http://schemas.openxmlformats.org/drawingml/2006/main" xmlns:r="http://schemas.openxmlformats.org/officeDocument/2006/relationships" xmlns:p="http://schemas.openxmlformats.org/presentationml/2006/main">
+<p:sld xmlns:a="http://schemas.openxmlformats.org/drawingml/2006/main" xmlns:r="http://schemas.openxmlformats.org/officeDocument/2006/relationships" xmlns:p="http://schemas.openxmlformats.org/presentationml/2006/main" show="0">
   <p:cSld>
     <p:spTree>
       <p:nvGrpSpPr>
@@ -13506,7 +13507,7 @@
                   <a:srgbClr val="FFFFFF"/>
                 </a:highlight>
               </a:rPr>
-              <a:t>BallSpeedPerSdec</a:t>
+              <a:t>BallSpeedPerSec</a:t>
             </a:r>
             <a:r>
               <a:rPr lang="en-US" altLang="ja-JP" sz="2400" dirty="0">
@@ -21490,6 +21491,98 @@
               <a:t>Main.cpp</a:t>
             </a:r>
             <a:endParaRPr kumimoji="1" lang="ja-JP" altLang="en-US" sz="3600" dirty="0"/>
+          </a:p>
+        </p:txBody>
+      </p:sp>
+      <p:sp>
+        <p:nvSpPr>
+          <p:cNvPr id="3" name="テキスト ボックス 2">
+            <a:extLst>
+              <a:ext uri="{FF2B5EF4-FFF2-40B4-BE49-F238E27FC236}">
+                <a16:creationId xmlns:a16="http://schemas.microsoft.com/office/drawing/2014/main" id="{06771B36-0E57-18CA-273E-9436CD29A60C}"/>
+              </a:ext>
+            </a:extLst>
+          </p:cNvPr>
+          <p:cNvSpPr txBox="1"/>
+          <p:nvPr/>
+        </p:nvSpPr>
+        <p:spPr>
+          <a:xfrm>
+            <a:off x="3309025" y="5815065"/>
+            <a:ext cx="6836923" cy="830997"/>
+          </a:xfrm>
+          <a:prstGeom prst="rect">
+            <a:avLst/>
+          </a:prstGeom>
+          <a:solidFill>
+            <a:schemeClr val="bg1"/>
+          </a:solidFill>
+          <a:ln w="38100">
+            <a:solidFill>
+              <a:srgbClr val="FF0000"/>
+            </a:solidFill>
+          </a:ln>
+          <a:effectLst>
+            <a:outerShdw blurRad="50800" dist="38100" dir="8100000" algn="tr" rotWithShape="0">
+              <a:prstClr val="black">
+                <a:alpha val="40000"/>
+              </a:prstClr>
+            </a:outerShdw>
+          </a:effectLst>
+        </p:spPr>
+        <p:txBody>
+          <a:bodyPr wrap="square" rtlCol="0">
+            <a:spAutoFit/>
+          </a:bodyPr>
+          <a:lstStyle/>
+          <a:p>
+            <a:r>
+              <a:rPr kumimoji="1" lang="en-US" altLang="ja-JP" sz="2400" dirty="0">
+                <a:solidFill>
+                  <a:srgbClr val="FF0000"/>
+                </a:solidFill>
+              </a:rPr>
+              <a:t>Cursor</a:t>
+            </a:r>
+            <a:r>
+              <a:rPr kumimoji="1" lang="ja-JP" altLang="en-US" sz="2400" dirty="0">
+                <a:solidFill>
+                  <a:srgbClr val="FF0000"/>
+                </a:solidFill>
+              </a:rPr>
+              <a:t>クラス</a:t>
+            </a:r>
+            <a:br>
+              <a:rPr kumimoji="1" lang="en-US" altLang="ja-JP" sz="2400" dirty="0">
+                <a:solidFill>
+                  <a:srgbClr val="FF0000"/>
+                </a:solidFill>
+              </a:rPr>
+            </a:br>
+            <a:r>
+              <a:rPr kumimoji="1" lang="ja-JP" altLang="en-US" sz="2400" dirty="0"/>
+              <a:t>マウスカーソルのスタイルを</a:t>
+            </a:r>
+            <a:r>
+              <a:rPr kumimoji="1" lang="en-US" altLang="ja-JP" sz="2400" dirty="0">
+                <a:solidFill>
+                  <a:srgbClr val="FF0000"/>
+                </a:solidFill>
+              </a:rPr>
+              <a:t>Hidden</a:t>
+            </a:r>
+            <a:r>
+              <a:rPr kumimoji="1" lang="ja-JP" altLang="en-US" sz="2400" dirty="0">
+                <a:solidFill>
+                  <a:srgbClr val="FF0000"/>
+                </a:solidFill>
+              </a:rPr>
+              <a:t>（隠す）</a:t>
+            </a:r>
+            <a:r>
+              <a:rPr kumimoji="1" lang="ja-JP" altLang="en-US" sz="2400" dirty="0"/>
+              <a:t>に設定</a:t>
+            </a:r>
           </a:p>
         </p:txBody>
       </p:sp>
@@ -21807,6 +21900,349 @@
         <p:cNvPr id="1" name="">
           <a:extLst>
             <a:ext uri="{FF2B5EF4-FFF2-40B4-BE49-F238E27FC236}">
+              <a16:creationId xmlns:a16="http://schemas.microsoft.com/office/drawing/2014/main" id="{E4F9D84B-7FA9-5E3F-57B8-9804F64D3396}"/>
+            </a:ext>
+          </a:extLst>
+        </p:cNvPr>
+        <p:cNvGrpSpPr/>
+        <p:nvPr/>
+      </p:nvGrpSpPr>
+      <p:grpSpPr>
+        <a:xfrm>
+          <a:off x="0" y="0"/>
+          <a:ext cx="0" cy="0"/>
+          <a:chOff x="0" y="0"/>
+          <a:chExt cx="0" cy="0"/>
+        </a:xfrm>
+      </p:grpSpPr>
+      <p:sp>
+        <p:nvSpPr>
+          <p:cNvPr id="2" name="タイトル 1">
+            <a:extLst>
+              <a:ext uri="{FF2B5EF4-FFF2-40B4-BE49-F238E27FC236}">
+                <a16:creationId xmlns:a16="http://schemas.microsoft.com/office/drawing/2014/main" id="{6AD82B38-D66E-A8A3-14E1-9D1F6B558E00}"/>
+              </a:ext>
+            </a:extLst>
+          </p:cNvPr>
+          <p:cNvSpPr>
+            <a:spLocks noGrp="1"/>
+          </p:cNvSpPr>
+          <p:nvPr>
+            <p:ph type="title"/>
+          </p:nvPr>
+        </p:nvSpPr>
+        <p:spPr/>
+        <p:txBody>
+          <a:bodyPr>
+            <a:normAutofit/>
+          </a:bodyPr>
+          <a:lstStyle/>
+          <a:p>
+            <a:r>
+              <a:rPr kumimoji="1" lang="ja-JP" altLang="en-US" dirty="0"/>
+              <a:t>演習：</a:t>
+            </a:r>
+            <a:r>
+              <a:rPr lang="en-US" altLang="ja-JP" dirty="0"/>
+              <a:t>Siv3D</a:t>
+            </a:r>
+            <a:endParaRPr kumimoji="1" lang="ja-JP" altLang="en-US" dirty="0"/>
+          </a:p>
+        </p:txBody>
+      </p:sp>
+      <p:sp>
+        <p:nvSpPr>
+          <p:cNvPr id="6" name="コンテンツ プレースホルダー 5">
+            <a:extLst>
+              <a:ext uri="{FF2B5EF4-FFF2-40B4-BE49-F238E27FC236}">
+                <a16:creationId xmlns:a16="http://schemas.microsoft.com/office/drawing/2014/main" id="{028CEFF4-DC49-5A8D-D942-46476F5CBFC3}"/>
+              </a:ext>
+            </a:extLst>
+          </p:cNvPr>
+          <p:cNvSpPr>
+            <a:spLocks noGrp="1"/>
+          </p:cNvSpPr>
+          <p:nvPr>
+            <p:ph idx="1"/>
+          </p:nvPr>
+        </p:nvSpPr>
+        <p:spPr/>
+        <p:txBody>
+          <a:bodyPr/>
+          <a:lstStyle/>
+          <a:p>
+            <a:r>
+              <a:rPr lang="en-US" altLang="ja-JP" dirty="0"/>
+              <a:t>F5</a:t>
+            </a:r>
+            <a:r>
+              <a:rPr lang="ja-JP" altLang="en-US" dirty="0"/>
+              <a:t>キーで実行</a:t>
+            </a:r>
+            <a:br>
+              <a:rPr lang="en-US" altLang="ja-JP" dirty="0"/>
+            </a:br>
+            <a:endParaRPr lang="en-US" altLang="ja-JP" dirty="0"/>
+          </a:p>
+          <a:p>
+            <a:r>
+              <a:rPr lang="ja-JP" altLang="en-US" dirty="0"/>
+              <a:t>スクリーンの上と左右の</a:t>
+            </a:r>
+            <a:br>
+              <a:rPr lang="en-US" altLang="ja-JP" dirty="0"/>
+            </a:br>
+            <a:r>
+              <a:rPr lang="ja-JP" altLang="en-US" dirty="0"/>
+              <a:t>壁で跳ね返ることを確認</a:t>
+            </a:r>
+            <a:br>
+              <a:rPr lang="en-US" altLang="ja-JP" dirty="0"/>
+            </a:br>
+            <a:endParaRPr lang="en-US" altLang="ja-JP" dirty="0"/>
+          </a:p>
+          <a:p>
+            <a:r>
+              <a:rPr lang="en-US" altLang="ja-JP" dirty="0"/>
+              <a:t>ESC</a:t>
+            </a:r>
+            <a:r>
+              <a:rPr lang="ja-JP" altLang="en-US" dirty="0"/>
+              <a:t>キーで終了</a:t>
+            </a:r>
+          </a:p>
+        </p:txBody>
+      </p:sp>
+      <p:sp>
+        <p:nvSpPr>
+          <p:cNvPr id="7" name="テキスト ボックス 6">
+            <a:extLst>
+              <a:ext uri="{FF2B5EF4-FFF2-40B4-BE49-F238E27FC236}">
+                <a16:creationId xmlns:a16="http://schemas.microsoft.com/office/drawing/2014/main" id="{1321613B-918E-D1DB-796F-6EC80898ECD4}"/>
+              </a:ext>
+            </a:extLst>
+          </p:cNvPr>
+          <p:cNvSpPr txBox="1"/>
+          <p:nvPr/>
+        </p:nvSpPr>
+        <p:spPr>
+          <a:xfrm>
+            <a:off x="9494583" y="516645"/>
+            <a:ext cx="2480166" cy="646331"/>
+          </a:xfrm>
+          <a:prstGeom prst="rect">
+            <a:avLst/>
+          </a:prstGeom>
+          <a:noFill/>
+        </p:spPr>
+        <p:txBody>
+          <a:bodyPr wrap="none" rtlCol="0">
+            <a:spAutoFit/>
+          </a:bodyPr>
+          <a:lstStyle/>
+          <a:p>
+            <a:r>
+              <a:rPr kumimoji="1" lang="en-US" altLang="ja-JP" sz="3600" dirty="0"/>
+              <a:t>Main.cpp</a:t>
+            </a:r>
+            <a:endParaRPr kumimoji="1" lang="ja-JP" altLang="en-US" sz="3600" dirty="0"/>
+          </a:p>
+        </p:txBody>
+      </p:sp>
+      <p:pic>
+        <p:nvPicPr>
+          <p:cNvPr id="5" name="図 4">
+            <a:extLst>
+              <a:ext uri="{FF2B5EF4-FFF2-40B4-BE49-F238E27FC236}">
+                <a16:creationId xmlns:a16="http://schemas.microsoft.com/office/drawing/2014/main" id="{5FE2F412-EB42-B63C-38DC-5763BA739CEC}"/>
+              </a:ext>
+            </a:extLst>
+          </p:cNvPr>
+          <p:cNvPicPr>
+            <a:picLocks noChangeAspect="1"/>
+          </p:cNvPicPr>
+          <p:nvPr/>
+        </p:nvPicPr>
+        <p:blipFill>
+          <a:blip r:embed="rId2"/>
+          <a:stretch>
+            <a:fillRect/>
+          </a:stretch>
+        </p:blipFill>
+        <p:spPr>
+          <a:xfrm>
+            <a:off x="6256562" y="1314495"/>
+            <a:ext cx="5718187" cy="4502645"/>
+          </a:xfrm>
+          <a:prstGeom prst="rect">
+            <a:avLst/>
+          </a:prstGeom>
+        </p:spPr>
+      </p:pic>
+      <p:sp>
+        <p:nvSpPr>
+          <p:cNvPr id="3" name="正方形/長方形 2">
+            <a:extLst>
+              <a:ext uri="{FF2B5EF4-FFF2-40B4-BE49-F238E27FC236}">
+                <a16:creationId xmlns:a16="http://schemas.microsoft.com/office/drawing/2014/main" id="{B9C0137E-C2D4-7A37-884E-03CCB77B36ED}"/>
+              </a:ext>
+            </a:extLst>
+          </p:cNvPr>
+          <p:cNvSpPr/>
+          <p:nvPr/>
+        </p:nvSpPr>
+        <p:spPr>
+          <a:xfrm>
+            <a:off x="8570068" y="4854102"/>
+            <a:ext cx="856034" cy="447472"/>
+          </a:xfrm>
+          <a:prstGeom prst="rect">
+            <a:avLst/>
+          </a:prstGeom>
+          <a:solidFill>
+            <a:schemeClr val="bg2">
+              <a:lumMod val="10000"/>
+            </a:schemeClr>
+          </a:solidFill>
+          <a:ln>
+            <a:noFill/>
+          </a:ln>
+        </p:spPr>
+        <p:style>
+          <a:lnRef idx="2">
+            <a:schemeClr val="accent1">
+              <a:shade val="15000"/>
+            </a:schemeClr>
+          </a:lnRef>
+          <a:fillRef idx="1">
+            <a:schemeClr val="accent1"/>
+          </a:fillRef>
+          <a:effectRef idx="0">
+            <a:schemeClr val="accent1"/>
+          </a:effectRef>
+          <a:fontRef idx="minor">
+            <a:schemeClr val="lt1"/>
+          </a:fontRef>
+        </p:style>
+        <p:txBody>
+          <a:bodyPr rtlCol="0" anchor="ctr"/>
+          <a:lstStyle/>
+          <a:p>
+            <a:pPr algn="ctr"/>
+            <a:endParaRPr kumimoji="1" lang="ja-JP" altLang="en-US"/>
+          </a:p>
+        </p:txBody>
+      </p:sp>
+      <p:sp>
+        <p:nvSpPr>
+          <p:cNvPr id="4" name="テキスト ボックス 3">
+            <a:extLst>
+              <a:ext uri="{FF2B5EF4-FFF2-40B4-BE49-F238E27FC236}">
+                <a16:creationId xmlns:a16="http://schemas.microsoft.com/office/drawing/2014/main" id="{3EE95091-5BB3-CD17-4653-1EFFA84CE250}"/>
+              </a:ext>
+            </a:extLst>
+          </p:cNvPr>
+          <p:cNvSpPr txBox="1"/>
+          <p:nvPr/>
+        </p:nvSpPr>
+        <p:spPr>
+          <a:xfrm>
+            <a:off x="2327179" y="6090912"/>
+            <a:ext cx="7537641" cy="523220"/>
+          </a:xfrm>
+          <a:prstGeom prst="rect">
+            <a:avLst/>
+          </a:prstGeom>
+          <a:noFill/>
+        </p:spPr>
+        <p:txBody>
+          <a:bodyPr wrap="none" rtlCol="0">
+            <a:spAutoFit/>
+          </a:bodyPr>
+          <a:lstStyle/>
+          <a:p>
+            <a:r>
+              <a:rPr kumimoji="1" lang="ja-JP" altLang="en-US" sz="2800" dirty="0">
+                <a:solidFill>
+                  <a:srgbClr val="00B050"/>
+                </a:solidFill>
+              </a:rPr>
+              <a:t>次は画面下に行かないようにパドルを設置する</a:t>
+            </a:r>
+          </a:p>
+        </p:txBody>
+      </p:sp>
+      <p:sp>
+        <p:nvSpPr>
+          <p:cNvPr id="8" name="正方形/長方形 7">
+            <a:extLst>
+              <a:ext uri="{FF2B5EF4-FFF2-40B4-BE49-F238E27FC236}">
+                <a16:creationId xmlns:a16="http://schemas.microsoft.com/office/drawing/2014/main" id="{45D1E6C7-1549-B29C-D947-0B1DF009CDF5}"/>
+              </a:ext>
+            </a:extLst>
+          </p:cNvPr>
+          <p:cNvSpPr/>
+          <p:nvPr/>
+        </p:nvSpPr>
+        <p:spPr>
+          <a:xfrm>
+            <a:off x="2427244" y="5024762"/>
+            <a:ext cx="8307422" cy="914400"/>
+          </a:xfrm>
+          <a:prstGeom prst="rect">
+            <a:avLst/>
+          </a:prstGeom>
+        </p:spPr>
+        <p:style>
+          <a:lnRef idx="2">
+            <a:schemeClr val="accent1">
+              <a:shade val="15000"/>
+            </a:schemeClr>
+          </a:lnRef>
+          <a:fillRef idx="1">
+            <a:schemeClr val="accent1"/>
+          </a:fillRef>
+          <a:effectRef idx="0">
+            <a:schemeClr val="accent1"/>
+          </a:effectRef>
+          <a:fontRef idx="minor">
+            <a:schemeClr val="lt1"/>
+          </a:fontRef>
+        </p:style>
+        <p:txBody>
+          <a:bodyPr rtlCol="0" anchor="ctr"/>
+          <a:lstStyle/>
+          <a:p>
+            <a:pPr algn="ctr"/>
+            <a:r>
+              <a:rPr kumimoji="1" lang="en-US" altLang="ja-JP" sz="4400" b="1" dirty="0"/>
+              <a:t>https://bit.ly/40O8jo7</a:t>
+            </a:r>
+            <a:endParaRPr kumimoji="1" lang="ja-JP" altLang="en-US" sz="4400" b="1" dirty="0"/>
+          </a:p>
+        </p:txBody>
+      </p:sp>
+    </p:spTree>
+    <p:extLst>
+      <p:ext uri="{BB962C8B-B14F-4D97-AF65-F5344CB8AC3E}">
+        <p14:creationId xmlns:p14="http://schemas.microsoft.com/office/powerpoint/2010/main" val="4105095590"/>
+      </p:ext>
+    </p:extLst>
+  </p:cSld>
+  <p:clrMapOvr>
+    <a:masterClrMapping/>
+  </p:clrMapOvr>
+</p:sld>
+</file>
+
+<file path=ppt/slides/slide35.xml><?xml version="1.0" encoding="utf-8"?>
+<p:sld xmlns:a="http://schemas.openxmlformats.org/drawingml/2006/main" xmlns:r="http://schemas.openxmlformats.org/officeDocument/2006/relationships" xmlns:p="http://schemas.openxmlformats.org/presentationml/2006/main">
+  <p:cSld>
+    <p:spTree>
+      <p:nvGrpSpPr>
+        <p:cNvPr id="1" name="">
+          <a:extLst>
+            <a:ext uri="{FF2B5EF4-FFF2-40B4-BE49-F238E27FC236}">
               <a16:creationId xmlns:a16="http://schemas.microsoft.com/office/drawing/2014/main" id="{D70791C5-FF5E-5135-95ED-A53105E9117A}"/>
             </a:ext>
           </a:extLst>
@@ -22618,7 +23054,7 @@
 </p:sld>
 </file>
 
-<file path=ppt/slides/slide35.xml><?xml version="1.0" encoding="utf-8"?>
+<file path=ppt/slides/slide36.xml><?xml version="1.0" encoding="utf-8"?>
 <p:sld xmlns:a="http://schemas.openxmlformats.org/drawingml/2006/main" xmlns:r="http://schemas.openxmlformats.org/officeDocument/2006/relationships" xmlns:p="http://schemas.openxmlformats.org/presentationml/2006/main">
   <p:cSld>
     <p:spTree>
@@ -23886,7 +24322,7 @@
 </p:sld>
 </file>
 
-<file path=ppt/slides/slide36.xml><?xml version="1.0" encoding="utf-8"?>
+<file path=ppt/slides/slide37.xml><?xml version="1.0" encoding="utf-8"?>
 <p:sld xmlns:a="http://schemas.openxmlformats.org/drawingml/2006/main" xmlns:r="http://schemas.openxmlformats.org/officeDocument/2006/relationships" xmlns:p="http://schemas.openxmlformats.org/presentationml/2006/main">
   <p:cSld>
     <p:spTree>
@@ -25301,7 +25737,7 @@
 </p:sld>
 </file>
 
-<file path=ppt/slides/slide37.xml><?xml version="1.0" encoding="utf-8"?>
+<file path=ppt/slides/slide38.xml><?xml version="1.0" encoding="utf-8"?>
 <p:sld xmlns:a="http://schemas.openxmlformats.org/drawingml/2006/main" xmlns:r="http://schemas.openxmlformats.org/officeDocument/2006/relationships" xmlns:p="http://schemas.openxmlformats.org/presentationml/2006/main">
   <p:cSld>
     <p:spTree>
@@ -25565,7 +26001,9 @@
             <a:r>
               <a:rPr lang="en-US" altLang="ja-JP" sz="2400" dirty="0">
                 <a:solidFill>
-                  <a:srgbClr val="008000"/>
+                  <a:schemeClr val="bg1">
+                    <a:lumMod val="50000"/>
+                  </a:schemeClr>
                 </a:solidFill>
                 <a:highlight>
                   <a:srgbClr val="FFFFFF"/>
@@ -25577,7 +26015,9 @@
             <a:r>
               <a:rPr lang="ja-JP" altLang="en-US" sz="2400" dirty="0">
                 <a:solidFill>
-                  <a:srgbClr val="008000"/>
+                  <a:schemeClr val="bg1">
+                    <a:lumMod val="50000"/>
+                  </a:schemeClr>
                 </a:solidFill>
                 <a:highlight>
                   <a:srgbClr val="FFFFFF"/>
@@ -25589,18 +26029,22 @@
             <a:br>
               <a:rPr lang="en-US" altLang="ja-JP" sz="2400" dirty="0">
                 <a:solidFill>
-                  <a:srgbClr val="000000"/>
-                </a:solidFill>
-                <a:highlight>
-                  <a:srgbClr val="FFFFFF"/>
-                </a:highlight>
-                <a:ea typeface="ＭＳ ゴシック" panose="020B0609070205080204" pitchFamily="49" charset="-128"/>
-              </a:rPr>
-            </a:br>
-            <a:r>
-              <a:rPr lang="en-US" altLang="ja-JP" sz="2400" dirty="0">
-                <a:solidFill>
-                  <a:srgbClr val="000000"/>
+                  <a:schemeClr val="bg1">
+                    <a:lumMod val="50000"/>
+                  </a:schemeClr>
+                </a:solidFill>
+                <a:highlight>
+                  <a:srgbClr val="FFFFFF"/>
+                </a:highlight>
+                <a:ea typeface="ＭＳ ゴシック" panose="020B0609070205080204" pitchFamily="49" charset="-128"/>
+              </a:rPr>
+            </a:br>
+            <a:r>
+              <a:rPr lang="en-US" altLang="ja-JP" sz="2400" dirty="0">
+                <a:solidFill>
+                  <a:schemeClr val="bg1">
+                    <a:lumMod val="50000"/>
+                  </a:schemeClr>
                 </a:solidFill>
                 <a:highlight>
                   <a:srgbClr val="FFFFFF"/>
@@ -25612,7 +26056,9 @@
             <a:r>
               <a:rPr lang="en-US" altLang="ja-JP" sz="2400" dirty="0" err="1">
                 <a:solidFill>
-                  <a:srgbClr val="000000"/>
+                  <a:schemeClr val="bg1">
+                    <a:lumMod val="50000"/>
+                  </a:schemeClr>
                 </a:solidFill>
                 <a:highlight>
                   <a:srgbClr val="FFFFFF"/>
@@ -25624,7 +26070,9 @@
             <a:r>
               <a:rPr lang="en-US" altLang="ja-JP" sz="2400" dirty="0">
                 <a:solidFill>
-                  <a:srgbClr val="000000"/>
+                  <a:schemeClr val="bg1">
+                    <a:lumMod val="50000"/>
+                  </a:schemeClr>
                 </a:solidFill>
                 <a:highlight>
                   <a:srgbClr val="FFFFFF"/>
@@ -25636,7 +26084,9 @@
             <a:r>
               <a:rPr lang="en-US" altLang="ja-JP" sz="2400" dirty="0" err="1">
                 <a:solidFill>
-                  <a:srgbClr val="2B91AF"/>
+                  <a:schemeClr val="bg1">
+                    <a:lumMod val="50000"/>
+                  </a:schemeClr>
                 </a:solidFill>
                 <a:highlight>
                   <a:srgbClr val="FFFFFF"/>
@@ -25648,38 +26098,16 @@
             <a:r>
               <a:rPr lang="en-US" altLang="ja-JP" sz="2400" dirty="0">
                 <a:solidFill>
-                  <a:srgbClr val="000000"/>
-                </a:solidFill>
-                <a:highlight>
-                  <a:srgbClr val="FFFFFF"/>
-                </a:highlight>
-                <a:ea typeface="ＭＳ ゴシック" panose="020B0609070205080204" pitchFamily="49" charset="-128"/>
-              </a:rPr>
-              <a:t>::</a:t>
-            </a:r>
-            <a:r>
-              <a:rPr lang="en-US" altLang="ja-JP" sz="2400" dirty="0">
-                <a:solidFill>
-                  <a:srgbClr val="2F4F4F"/>
-                </a:solidFill>
-                <a:highlight>
-                  <a:srgbClr val="FFFFFF"/>
-                </a:highlight>
-                <a:ea typeface="ＭＳ ゴシック" panose="020B0609070205080204" pitchFamily="49" charset="-128"/>
-              </a:rPr>
-              <a:t>Hidden</a:t>
-            </a:r>
-            <a:r>
-              <a:rPr lang="en-US" altLang="ja-JP" sz="2400" dirty="0">
-                <a:solidFill>
-                  <a:srgbClr val="000000"/>
-                </a:solidFill>
-                <a:highlight>
-                  <a:srgbClr val="FFFFFF"/>
-                </a:highlight>
-                <a:ea typeface="ＭＳ ゴシック" panose="020B0609070205080204" pitchFamily="49" charset="-128"/>
-              </a:rPr>
-              <a:t>);</a:t>
+                  <a:schemeClr val="bg1">
+                    <a:lumMod val="50000"/>
+                  </a:schemeClr>
+                </a:solidFill>
+                <a:highlight>
+                  <a:srgbClr val="FFFFFF"/>
+                </a:highlight>
+                <a:ea typeface="ＭＳ ゴシック" panose="020B0609070205080204" pitchFamily="49" charset="-128"/>
+              </a:rPr>
+              <a:t>::Hidden);</a:t>
             </a:r>
             <a:r>
               <a:rPr kumimoji="0" lang="en-US" altLang="ja-JP" sz="2400" b="0" i="0" u="none" strike="noStrike" kern="1200" cap="none" spc="0" normalizeH="0" baseline="0" noProof="0" dirty="0">
@@ -25687,7 +26115,9 @@
                   <a:noFill/>
                 </a:ln>
                 <a:solidFill>
-                  <a:srgbClr val="008000"/>
+                  <a:schemeClr val="bg1">
+                    <a:lumMod val="50000"/>
+                  </a:schemeClr>
                 </a:solidFill>
                 <a:effectLst/>
                 <a:highlight>
@@ -26801,155 +27231,165 @@
               </a:rPr>
               <a:t>パドルの角を少し丸くして描画</a:t>
             </a:r>
-            <a:br>
-              <a:rPr lang="en-US" altLang="ja-JP" sz="2400" dirty="0">
-                <a:solidFill>
-                  <a:srgbClr val="000000"/>
-                </a:solidFill>
-                <a:highlight>
-                  <a:srgbClr val="FFFFFF"/>
-                </a:highlight>
-                <a:ea typeface="ＭＳ ゴシック" panose="020B0609070205080204" pitchFamily="49" charset="-128"/>
-              </a:rPr>
-            </a:br>
-            <a:r>
-              <a:rPr lang="en-US" altLang="ja-JP" sz="2400" dirty="0">
-                <a:solidFill>
-                  <a:srgbClr val="008000"/>
-                </a:solidFill>
-                <a:highlight>
-                  <a:srgbClr val="FFFFFF"/>
-                </a:highlight>
-                <a:ea typeface="ＭＳ ゴシック" panose="020B0609070205080204" pitchFamily="49" charset="-128"/>
-              </a:rPr>
-              <a:t>  </a:t>
-            </a:r>
-            <a:r>
-              <a:rPr lang="en-US" altLang="ja-JP" sz="2400" dirty="0">
-                <a:solidFill>
-                  <a:srgbClr val="000000"/>
-                </a:solidFill>
-                <a:highlight>
-                  <a:srgbClr val="FFFFFF"/>
-                </a:highlight>
-                <a:ea typeface="ＭＳ ゴシック" panose="020B0609070205080204" pitchFamily="49" charset="-128"/>
-              </a:rPr>
-              <a:t>} </a:t>
-            </a:r>
-            <a:r>
-              <a:rPr lang="en-US" altLang="ja-JP" sz="2400" dirty="0">
-                <a:solidFill>
-                  <a:srgbClr val="00B050"/>
-                </a:solidFill>
-                <a:highlight>
-                  <a:srgbClr val="FFFFFF"/>
-                </a:highlight>
-                <a:ea typeface="ＭＳ ゴシック" panose="020B0609070205080204" pitchFamily="49" charset="-128"/>
-              </a:rPr>
-              <a:t>//</a:t>
-            </a:r>
-            <a:r>
-              <a:rPr lang="en-US" altLang="ja-JP" sz="2400" dirty="0">
-                <a:solidFill>
-                  <a:srgbClr val="00B050"/>
-                </a:solidFill>
-                <a:highlight>
-                  <a:srgbClr val="FFFFFF"/>
-                </a:highlight>
-                <a:ea typeface="ＭＳ ゴシック" panose="020B0609070205080204" pitchFamily="49" charset="-128"/>
-                <a:sym typeface="Wingdings" panose="05000000000000000000" pitchFamily="2" charset="2"/>
-              </a:rPr>
-              <a:t>&lt;-- </a:t>
-            </a:r>
-            <a:r>
-              <a:rPr lang="ja-JP" altLang="en-US" sz="2400" dirty="0">
-                <a:solidFill>
-                  <a:srgbClr val="00B050"/>
-                </a:solidFill>
-                <a:highlight>
-                  <a:srgbClr val="FFFFFF"/>
-                </a:highlight>
-                <a:ea typeface="ＭＳ ゴシック" panose="020B0609070205080204" pitchFamily="49" charset="-128"/>
-                <a:sym typeface="Wingdings" panose="05000000000000000000" pitchFamily="2" charset="2"/>
-              </a:rPr>
-              <a:t>メインループ</a:t>
-            </a:r>
-            <a:br>
-              <a:rPr lang="en-US" altLang="ja-JP" sz="2400" dirty="0">
-                <a:solidFill>
-                  <a:srgbClr val="000000"/>
-                </a:solidFill>
-                <a:highlight>
-                  <a:srgbClr val="FFFFFF"/>
-                </a:highlight>
-                <a:ea typeface="ＭＳ ゴシック" panose="020B0609070205080204" pitchFamily="49" charset="-128"/>
-              </a:rPr>
-            </a:br>
-            <a:r>
-              <a:rPr lang="en-US" altLang="ja-JP" sz="2400" dirty="0">
-                <a:solidFill>
-                  <a:srgbClr val="000000"/>
-                </a:solidFill>
-                <a:highlight>
-                  <a:srgbClr val="FFFFFF"/>
-                </a:highlight>
-                <a:ea typeface="ＭＳ ゴシック" panose="020B0609070205080204" pitchFamily="49" charset="-128"/>
-              </a:rPr>
-              <a:t>}</a:t>
-            </a:r>
-            <a:r>
-              <a:rPr lang="ja-JP" altLang="en-US" sz="2400" dirty="0">
-                <a:solidFill>
-                  <a:srgbClr val="000000"/>
-                </a:solidFill>
-                <a:highlight>
-                  <a:srgbClr val="FFFFFF"/>
-                </a:highlight>
-                <a:ea typeface="ＭＳ ゴシック" panose="020B0609070205080204" pitchFamily="49" charset="-128"/>
-              </a:rPr>
-              <a:t> </a:t>
-            </a:r>
-            <a:r>
-              <a:rPr lang="en-US" altLang="ja-JP" sz="2400" dirty="0">
-                <a:solidFill>
-                  <a:srgbClr val="00B050"/>
-                </a:solidFill>
-                <a:highlight>
-                  <a:srgbClr val="FFFFFF"/>
-                </a:highlight>
-                <a:ea typeface="ＭＳ ゴシック" panose="020B0609070205080204" pitchFamily="49" charset="-128"/>
-              </a:rPr>
-              <a:t>//</a:t>
-            </a:r>
-            <a:r>
-              <a:rPr lang="en-US" altLang="ja-JP" sz="2400" dirty="0">
-                <a:solidFill>
-                  <a:srgbClr val="00B050"/>
-                </a:solidFill>
-                <a:highlight>
-                  <a:srgbClr val="FFFFFF"/>
-                </a:highlight>
-                <a:ea typeface="ＭＳ ゴシック" panose="020B0609070205080204" pitchFamily="49" charset="-128"/>
-                <a:sym typeface="Wingdings" panose="05000000000000000000" pitchFamily="2" charset="2"/>
-              </a:rPr>
-              <a:t>&lt;-- Main</a:t>
-            </a:r>
-            <a:r>
-              <a:rPr lang="ja-JP" altLang="en-US" sz="2400" dirty="0">
-                <a:solidFill>
-                  <a:srgbClr val="00B050"/>
-                </a:solidFill>
-                <a:highlight>
-                  <a:srgbClr val="FFFFFF"/>
-                </a:highlight>
-                <a:ea typeface="ＭＳ ゴシック" panose="020B0609070205080204" pitchFamily="49" charset="-128"/>
-                <a:sym typeface="Wingdings" panose="05000000000000000000" pitchFamily="2" charset="2"/>
-              </a:rPr>
-              <a:t>関数</a:t>
-            </a:r>
             <a:endParaRPr lang="en-US" altLang="ja-JP" sz="2400" dirty="0">
               <a:solidFill>
-                <a:srgbClr val="000000"/>
+                <a:srgbClr val="008000"/>
+              </a:solidFill>
+              <a:highlight>
+                <a:srgbClr val="FFFFFF"/>
+              </a:highlight>
+              <a:ea typeface="ＭＳ ゴシック" panose="020B0609070205080204" pitchFamily="49" charset="-128"/>
+            </a:endParaRPr>
+          </a:p>
+          <a:p>
+            <a:pPr marL="0" indent="0">
+              <a:buNone/>
+            </a:pPr>
+            <a:br>
+              <a:rPr lang="en-US" altLang="ja-JP" sz="2400" dirty="0">
+                <a:solidFill>
+                  <a:srgbClr val="000000"/>
+                </a:solidFill>
+                <a:highlight>
+                  <a:srgbClr val="FFFFFF"/>
+                </a:highlight>
+                <a:ea typeface="ＭＳ ゴシック" panose="020B0609070205080204" pitchFamily="49" charset="-128"/>
+              </a:rPr>
+            </a:br>
+            <a:r>
+              <a:rPr lang="en-US" altLang="ja-JP" sz="2400" dirty="0">
+                <a:solidFill>
+                  <a:schemeClr val="bg1">
+                    <a:lumMod val="50000"/>
+                  </a:schemeClr>
+                </a:solidFill>
+                <a:highlight>
+                  <a:srgbClr val="FFFFFF"/>
+                </a:highlight>
+                <a:ea typeface="ＭＳ ゴシック" panose="020B0609070205080204" pitchFamily="49" charset="-128"/>
+              </a:rPr>
+              <a:t>  } //</a:t>
+            </a:r>
+            <a:r>
+              <a:rPr lang="en-US" altLang="ja-JP" sz="2400" dirty="0">
+                <a:solidFill>
+                  <a:schemeClr val="bg1">
+                    <a:lumMod val="50000"/>
+                  </a:schemeClr>
+                </a:solidFill>
+                <a:highlight>
+                  <a:srgbClr val="FFFFFF"/>
+                </a:highlight>
+                <a:ea typeface="ＭＳ ゴシック" panose="020B0609070205080204" pitchFamily="49" charset="-128"/>
+                <a:sym typeface="Wingdings" panose="05000000000000000000" pitchFamily="2" charset="2"/>
+              </a:rPr>
+              <a:t>&lt;-- </a:t>
+            </a:r>
+            <a:r>
+              <a:rPr lang="ja-JP" altLang="en-US" sz="2400" dirty="0">
+                <a:solidFill>
+                  <a:schemeClr val="bg1">
+                    <a:lumMod val="50000"/>
+                  </a:schemeClr>
+                </a:solidFill>
+                <a:highlight>
+                  <a:srgbClr val="FFFFFF"/>
+                </a:highlight>
+                <a:ea typeface="ＭＳ ゴシック" panose="020B0609070205080204" pitchFamily="49" charset="-128"/>
+                <a:sym typeface="Wingdings" panose="05000000000000000000" pitchFamily="2" charset="2"/>
+              </a:rPr>
+              <a:t>メインループ</a:t>
+            </a:r>
+            <a:br>
+              <a:rPr lang="en-US" altLang="ja-JP" sz="2400" dirty="0">
+                <a:solidFill>
+                  <a:schemeClr val="bg1">
+                    <a:lumMod val="50000"/>
+                  </a:schemeClr>
+                </a:solidFill>
+                <a:highlight>
+                  <a:srgbClr val="FFFFFF"/>
+                </a:highlight>
+                <a:ea typeface="ＭＳ ゴシック" panose="020B0609070205080204" pitchFamily="49" charset="-128"/>
+              </a:rPr>
+            </a:br>
+            <a:r>
+              <a:rPr lang="en-US" altLang="ja-JP" sz="2400" dirty="0">
+                <a:solidFill>
+                  <a:schemeClr val="bg1">
+                    <a:lumMod val="50000"/>
+                  </a:schemeClr>
+                </a:solidFill>
+                <a:highlight>
+                  <a:srgbClr val="FFFFFF"/>
+                </a:highlight>
+                <a:ea typeface="ＭＳ ゴシック" panose="020B0609070205080204" pitchFamily="49" charset="-128"/>
+              </a:rPr>
+              <a:t>}</a:t>
+            </a:r>
+            <a:r>
+              <a:rPr lang="ja-JP" altLang="en-US" sz="2400" dirty="0">
+                <a:solidFill>
+                  <a:schemeClr val="bg1">
+                    <a:lumMod val="50000"/>
+                  </a:schemeClr>
+                </a:solidFill>
+                <a:highlight>
+                  <a:srgbClr val="FFFFFF"/>
+                </a:highlight>
+                <a:ea typeface="ＭＳ ゴシック" panose="020B0609070205080204" pitchFamily="49" charset="-128"/>
+              </a:rPr>
+              <a:t> </a:t>
+            </a:r>
+            <a:r>
+              <a:rPr lang="en-US" altLang="ja-JP" sz="2400" dirty="0">
+                <a:solidFill>
+                  <a:schemeClr val="bg1">
+                    <a:lumMod val="50000"/>
+                  </a:schemeClr>
+                </a:solidFill>
+                <a:highlight>
+                  <a:srgbClr val="FFFFFF"/>
+                </a:highlight>
+                <a:ea typeface="ＭＳ ゴシック" panose="020B0609070205080204" pitchFamily="49" charset="-128"/>
+              </a:rPr>
+              <a:t>//</a:t>
+            </a:r>
+            <a:r>
+              <a:rPr lang="en-US" altLang="ja-JP" sz="2400" dirty="0">
+                <a:solidFill>
+                  <a:schemeClr val="bg1">
+                    <a:lumMod val="50000"/>
+                  </a:schemeClr>
+                </a:solidFill>
+                <a:highlight>
+                  <a:srgbClr val="FFFFFF"/>
+                </a:highlight>
+                <a:ea typeface="ＭＳ ゴシック" panose="020B0609070205080204" pitchFamily="49" charset="-128"/>
+                <a:sym typeface="Wingdings" panose="05000000000000000000" pitchFamily="2" charset="2"/>
+              </a:rPr>
+              <a:t>&lt;-- Main</a:t>
+            </a:r>
+            <a:r>
+              <a:rPr lang="ja-JP" altLang="en-US" sz="2400" dirty="0">
+                <a:solidFill>
+                  <a:schemeClr val="bg1">
+                    <a:lumMod val="50000"/>
+                  </a:schemeClr>
+                </a:solidFill>
+                <a:highlight>
+                  <a:srgbClr val="FFFFFF"/>
+                </a:highlight>
+                <a:ea typeface="ＭＳ ゴシック" panose="020B0609070205080204" pitchFamily="49" charset="-128"/>
+                <a:sym typeface="Wingdings" panose="05000000000000000000" pitchFamily="2" charset="2"/>
+              </a:rPr>
+              <a:t>関数</a:t>
+            </a:r>
+            <a:endParaRPr lang="en-US" altLang="ja-JP" sz="2400" dirty="0">
+              <a:solidFill>
+                <a:schemeClr val="bg1">
+                  <a:lumMod val="50000"/>
+                </a:schemeClr>
               </a:solidFill>
               <a:highlight>
                 <a:srgbClr val="FFFFFF"/>
@@ -27008,7 +27448,7 @@
 </p:sld>
 </file>
 
-<file path=ppt/slides/slide38.xml><?xml version="1.0" encoding="utf-8"?>
+<file path=ppt/slides/slide39.xml><?xml version="1.0" encoding="utf-8"?>
 <p:sld xmlns:a="http://schemas.openxmlformats.org/drawingml/2006/main" xmlns:r="http://schemas.openxmlformats.org/officeDocument/2006/relationships" xmlns:p="http://schemas.openxmlformats.org/presentationml/2006/main">
   <p:cSld>
     <p:spTree>
@@ -28823,239 +29263,6 @@
     <p:extLst>
       <p:ext uri="{BB962C8B-B14F-4D97-AF65-F5344CB8AC3E}">
         <p14:creationId xmlns:p14="http://schemas.microsoft.com/office/powerpoint/2010/main" val="2070687550"/>
-      </p:ext>
-    </p:extLst>
-  </p:cSld>
-  <p:clrMapOvr>
-    <a:masterClrMapping/>
-  </p:clrMapOvr>
-</p:sld>
-</file>
-
-<file path=ppt/slides/slide39.xml><?xml version="1.0" encoding="utf-8"?>
-<p:sld xmlns:a="http://schemas.openxmlformats.org/drawingml/2006/main" xmlns:r="http://schemas.openxmlformats.org/officeDocument/2006/relationships" xmlns:p="http://schemas.openxmlformats.org/presentationml/2006/main">
-  <p:cSld>
-    <p:spTree>
-      <p:nvGrpSpPr>
-        <p:cNvPr id="1" name="">
-          <a:extLst>
-            <a:ext uri="{FF2B5EF4-FFF2-40B4-BE49-F238E27FC236}">
-              <a16:creationId xmlns:a16="http://schemas.microsoft.com/office/drawing/2014/main" id="{CAE8166B-4ED6-6A57-FD28-DC48F83841A6}"/>
-            </a:ext>
-          </a:extLst>
-        </p:cNvPr>
-        <p:cNvGrpSpPr/>
-        <p:nvPr/>
-      </p:nvGrpSpPr>
-      <p:grpSpPr>
-        <a:xfrm>
-          <a:off x="0" y="0"/>
-          <a:ext cx="0" cy="0"/>
-          <a:chOff x="0" y="0"/>
-          <a:chExt cx="0" cy="0"/>
-        </a:xfrm>
-      </p:grpSpPr>
-      <p:sp>
-        <p:nvSpPr>
-          <p:cNvPr id="2" name="タイトル 1">
-            <a:extLst>
-              <a:ext uri="{FF2B5EF4-FFF2-40B4-BE49-F238E27FC236}">
-                <a16:creationId xmlns:a16="http://schemas.microsoft.com/office/drawing/2014/main" id="{A42754AB-B53F-638F-487D-425015AB21BB}"/>
-              </a:ext>
-            </a:extLst>
-          </p:cNvPr>
-          <p:cNvSpPr>
-            <a:spLocks noGrp="1"/>
-          </p:cNvSpPr>
-          <p:nvPr>
-            <p:ph type="title"/>
-          </p:nvPr>
-        </p:nvSpPr>
-        <p:spPr/>
-        <p:txBody>
-          <a:bodyPr>
-            <a:normAutofit/>
-          </a:bodyPr>
-          <a:lstStyle/>
-          <a:p>
-            <a:r>
-              <a:rPr kumimoji="1" lang="ja-JP" altLang="en-US" dirty="0"/>
-              <a:t>演習：</a:t>
-            </a:r>
-            <a:r>
-              <a:rPr lang="en-US" altLang="ja-JP" dirty="0"/>
-              <a:t>Siv3D</a:t>
-            </a:r>
-            <a:endParaRPr kumimoji="1" lang="ja-JP" altLang="en-US" dirty="0"/>
-          </a:p>
-        </p:txBody>
-      </p:sp>
-      <p:sp>
-        <p:nvSpPr>
-          <p:cNvPr id="3" name="コンテンツ プレースホルダー 2">
-            <a:extLst>
-              <a:ext uri="{FF2B5EF4-FFF2-40B4-BE49-F238E27FC236}">
-                <a16:creationId xmlns:a16="http://schemas.microsoft.com/office/drawing/2014/main" id="{FC4EC73D-C7FE-41D5-21CF-F5A91FF2C3D2}"/>
-              </a:ext>
-            </a:extLst>
-          </p:cNvPr>
-          <p:cNvSpPr>
-            <a:spLocks noGrp="1"/>
-          </p:cNvSpPr>
-          <p:nvPr>
-            <p:ph idx="1"/>
-          </p:nvPr>
-        </p:nvSpPr>
-        <p:spPr>
-          <a:xfrm>
-            <a:off x="430306" y="1376038"/>
-            <a:ext cx="11654118" cy="5329562"/>
-          </a:xfrm>
-        </p:spPr>
-        <p:txBody>
-          <a:bodyPr>
-            <a:normAutofit/>
-          </a:bodyPr>
-          <a:lstStyle/>
-          <a:p>
-            <a:r>
-              <a:rPr kumimoji="1" lang="ja-JP" altLang="en-US" dirty="0"/>
-              <a:t>ブロックの描画処理</a:t>
-            </a:r>
-            <a:br>
-              <a:rPr kumimoji="1" lang="en-US" altLang="ja-JP" dirty="0"/>
-            </a:br>
-            <a:br>
-              <a:rPr kumimoji="1" lang="en-US" altLang="ja-JP" dirty="0"/>
-            </a:br>
-            <a:r>
-              <a:rPr kumimoji="1" lang="ja-JP" altLang="en-US" dirty="0"/>
-              <a:t>ブロックは</a:t>
-            </a:r>
-            <a:r>
-              <a:rPr kumimoji="1" lang="en-US" altLang="ja-JP" dirty="0"/>
-              <a:t>Siv3D</a:t>
-            </a:r>
-            <a:r>
-              <a:rPr kumimoji="1" lang="ja-JP" altLang="en-US" dirty="0"/>
-              <a:t>で定義</a:t>
-            </a:r>
-            <a:br>
-              <a:rPr kumimoji="1" lang="en-US" altLang="ja-JP" dirty="0"/>
-            </a:br>
-            <a:r>
-              <a:rPr kumimoji="1" lang="ja-JP" altLang="en-US" dirty="0"/>
-              <a:t>されている</a:t>
-            </a:r>
-            <a:r>
-              <a:rPr kumimoji="1" lang="en-US" altLang="ja-JP" b="1" dirty="0" err="1">
-                <a:solidFill>
-                  <a:srgbClr val="00B0F0"/>
-                </a:solidFill>
-              </a:rPr>
-              <a:t>Rect</a:t>
-            </a:r>
-            <a:r>
-              <a:rPr kumimoji="1" lang="ja-JP" altLang="en-US" dirty="0"/>
-              <a:t>クラスで</a:t>
-            </a:r>
-            <a:br>
-              <a:rPr kumimoji="1" lang="en-US" altLang="ja-JP" dirty="0"/>
-            </a:br>
-            <a:r>
-              <a:rPr kumimoji="1" lang="ja-JP" altLang="en-US" dirty="0"/>
-              <a:t>生成する</a:t>
-            </a:r>
-            <a:br>
-              <a:rPr kumimoji="1" lang="en-US" altLang="ja-JP" dirty="0"/>
-            </a:br>
-            <a:br>
-              <a:rPr kumimoji="1" lang="en-US" altLang="ja-JP" dirty="0"/>
-            </a:br>
-            <a:r>
-              <a:rPr kumimoji="1" lang="en-US" altLang="ja-JP" dirty="0" err="1">
-                <a:solidFill>
-                  <a:srgbClr val="00B0F0"/>
-                </a:solidFill>
-              </a:rPr>
-              <a:t>Rect</a:t>
-            </a:r>
-            <a:r>
-              <a:rPr kumimoji="1" lang="ja-JP" altLang="en-US" dirty="0"/>
-              <a:t>クラスのインスタンス</a:t>
-            </a:r>
-            <a:br>
-              <a:rPr kumimoji="1" lang="en-US" altLang="ja-JP" dirty="0"/>
-            </a:br>
-            <a:r>
-              <a:rPr kumimoji="1" lang="ja-JP" altLang="en-US" dirty="0"/>
-              <a:t>を</a:t>
-            </a:r>
-            <a:r>
-              <a:rPr kumimoji="1" lang="en-US" altLang="ja-JP" dirty="0">
-                <a:solidFill>
-                  <a:srgbClr val="00B050"/>
-                </a:solidFill>
-              </a:rPr>
-              <a:t>vector</a:t>
-            </a:r>
-            <a:r>
-              <a:rPr kumimoji="1" lang="ja-JP" altLang="en-US" dirty="0">
-                <a:solidFill>
-                  <a:srgbClr val="00B050"/>
-                </a:solidFill>
-              </a:rPr>
-              <a:t>配列</a:t>
-            </a:r>
-            <a:r>
-              <a:rPr kumimoji="1" lang="ja-JP" altLang="en-US" dirty="0"/>
-              <a:t>に格納</a:t>
-            </a:r>
-            <a:br>
-              <a:rPr kumimoji="1" lang="en-US" altLang="ja-JP" dirty="0"/>
-            </a:br>
-            <a:r>
-              <a:rPr kumimoji="1" lang="ja-JP" altLang="en-US" dirty="0"/>
-              <a:t>する</a:t>
-            </a:r>
-            <a:endParaRPr kumimoji="1" lang="en-US" altLang="ja-JP" dirty="0"/>
-          </a:p>
-        </p:txBody>
-      </p:sp>
-      <p:pic>
-        <p:nvPicPr>
-          <p:cNvPr id="7" name="図 6">
-            <a:extLst>
-              <a:ext uri="{FF2B5EF4-FFF2-40B4-BE49-F238E27FC236}">
-                <a16:creationId xmlns:a16="http://schemas.microsoft.com/office/drawing/2014/main" id="{657E9BC8-DE82-9F8E-E144-7FE17602BDBA}"/>
-              </a:ext>
-            </a:extLst>
-          </p:cNvPr>
-          <p:cNvPicPr>
-            <a:picLocks noChangeAspect="1"/>
-          </p:cNvPicPr>
-          <p:nvPr/>
-        </p:nvPicPr>
-        <p:blipFill>
-          <a:blip r:embed="rId2"/>
-          <a:stretch>
-            <a:fillRect/>
-          </a:stretch>
-        </p:blipFill>
-        <p:spPr>
-          <a:xfrm>
-            <a:off x="6096000" y="1767969"/>
-            <a:ext cx="5827059" cy="4399284"/>
-          </a:xfrm>
-          <a:prstGeom prst="rect">
-            <a:avLst/>
-          </a:prstGeom>
-        </p:spPr>
-      </p:pic>
-    </p:spTree>
-    <p:extLst>
-      <p:ext uri="{BB962C8B-B14F-4D97-AF65-F5344CB8AC3E}">
-        <p14:creationId xmlns:p14="http://schemas.microsoft.com/office/powerpoint/2010/main" val="391196943"/>
       </p:ext>
     </p:extLst>
   </p:cSld>
@@ -29248,6 +29455,239 @@
         <p:cNvPr id="1" name="">
           <a:extLst>
             <a:ext uri="{FF2B5EF4-FFF2-40B4-BE49-F238E27FC236}">
+              <a16:creationId xmlns:a16="http://schemas.microsoft.com/office/drawing/2014/main" id="{CAE8166B-4ED6-6A57-FD28-DC48F83841A6}"/>
+            </a:ext>
+          </a:extLst>
+        </p:cNvPr>
+        <p:cNvGrpSpPr/>
+        <p:nvPr/>
+      </p:nvGrpSpPr>
+      <p:grpSpPr>
+        <a:xfrm>
+          <a:off x="0" y="0"/>
+          <a:ext cx="0" cy="0"/>
+          <a:chOff x="0" y="0"/>
+          <a:chExt cx="0" cy="0"/>
+        </a:xfrm>
+      </p:grpSpPr>
+      <p:sp>
+        <p:nvSpPr>
+          <p:cNvPr id="2" name="タイトル 1">
+            <a:extLst>
+              <a:ext uri="{FF2B5EF4-FFF2-40B4-BE49-F238E27FC236}">
+                <a16:creationId xmlns:a16="http://schemas.microsoft.com/office/drawing/2014/main" id="{A42754AB-B53F-638F-487D-425015AB21BB}"/>
+              </a:ext>
+            </a:extLst>
+          </p:cNvPr>
+          <p:cNvSpPr>
+            <a:spLocks noGrp="1"/>
+          </p:cNvSpPr>
+          <p:nvPr>
+            <p:ph type="title"/>
+          </p:nvPr>
+        </p:nvSpPr>
+        <p:spPr/>
+        <p:txBody>
+          <a:bodyPr>
+            <a:normAutofit/>
+          </a:bodyPr>
+          <a:lstStyle/>
+          <a:p>
+            <a:r>
+              <a:rPr kumimoji="1" lang="ja-JP" altLang="en-US" dirty="0"/>
+              <a:t>演習：</a:t>
+            </a:r>
+            <a:r>
+              <a:rPr lang="en-US" altLang="ja-JP" dirty="0"/>
+              <a:t>Siv3D</a:t>
+            </a:r>
+            <a:endParaRPr kumimoji="1" lang="ja-JP" altLang="en-US" dirty="0"/>
+          </a:p>
+        </p:txBody>
+      </p:sp>
+      <p:sp>
+        <p:nvSpPr>
+          <p:cNvPr id="3" name="コンテンツ プレースホルダー 2">
+            <a:extLst>
+              <a:ext uri="{FF2B5EF4-FFF2-40B4-BE49-F238E27FC236}">
+                <a16:creationId xmlns:a16="http://schemas.microsoft.com/office/drawing/2014/main" id="{FC4EC73D-C7FE-41D5-21CF-F5A91FF2C3D2}"/>
+              </a:ext>
+            </a:extLst>
+          </p:cNvPr>
+          <p:cNvSpPr>
+            <a:spLocks noGrp="1"/>
+          </p:cNvSpPr>
+          <p:nvPr>
+            <p:ph idx="1"/>
+          </p:nvPr>
+        </p:nvSpPr>
+        <p:spPr>
+          <a:xfrm>
+            <a:off x="430306" y="1376038"/>
+            <a:ext cx="11654118" cy="5329562"/>
+          </a:xfrm>
+        </p:spPr>
+        <p:txBody>
+          <a:bodyPr>
+            <a:normAutofit/>
+          </a:bodyPr>
+          <a:lstStyle/>
+          <a:p>
+            <a:r>
+              <a:rPr kumimoji="1" lang="ja-JP" altLang="en-US" dirty="0"/>
+              <a:t>ブロックの描画処理</a:t>
+            </a:r>
+            <a:br>
+              <a:rPr kumimoji="1" lang="en-US" altLang="ja-JP" dirty="0"/>
+            </a:br>
+            <a:br>
+              <a:rPr kumimoji="1" lang="en-US" altLang="ja-JP" dirty="0"/>
+            </a:br>
+            <a:r>
+              <a:rPr kumimoji="1" lang="ja-JP" altLang="en-US" dirty="0"/>
+              <a:t>ブロックは</a:t>
+            </a:r>
+            <a:r>
+              <a:rPr kumimoji="1" lang="en-US" altLang="ja-JP" dirty="0"/>
+              <a:t>Siv3D</a:t>
+            </a:r>
+            <a:r>
+              <a:rPr kumimoji="1" lang="ja-JP" altLang="en-US" dirty="0"/>
+              <a:t>で定義</a:t>
+            </a:r>
+            <a:br>
+              <a:rPr kumimoji="1" lang="en-US" altLang="ja-JP" dirty="0"/>
+            </a:br>
+            <a:r>
+              <a:rPr kumimoji="1" lang="ja-JP" altLang="en-US" dirty="0"/>
+              <a:t>されている</a:t>
+            </a:r>
+            <a:r>
+              <a:rPr kumimoji="1" lang="en-US" altLang="ja-JP" b="1" dirty="0" err="1">
+                <a:solidFill>
+                  <a:srgbClr val="00B0F0"/>
+                </a:solidFill>
+              </a:rPr>
+              <a:t>Rect</a:t>
+            </a:r>
+            <a:r>
+              <a:rPr kumimoji="1" lang="ja-JP" altLang="en-US" dirty="0"/>
+              <a:t>クラスで</a:t>
+            </a:r>
+            <a:br>
+              <a:rPr kumimoji="1" lang="en-US" altLang="ja-JP" dirty="0"/>
+            </a:br>
+            <a:r>
+              <a:rPr kumimoji="1" lang="ja-JP" altLang="en-US" dirty="0"/>
+              <a:t>生成する</a:t>
+            </a:r>
+            <a:br>
+              <a:rPr kumimoji="1" lang="en-US" altLang="ja-JP" dirty="0"/>
+            </a:br>
+            <a:br>
+              <a:rPr kumimoji="1" lang="en-US" altLang="ja-JP" dirty="0"/>
+            </a:br>
+            <a:r>
+              <a:rPr kumimoji="1" lang="en-US" altLang="ja-JP" dirty="0" err="1">
+                <a:solidFill>
+                  <a:srgbClr val="00B0F0"/>
+                </a:solidFill>
+              </a:rPr>
+              <a:t>Rect</a:t>
+            </a:r>
+            <a:r>
+              <a:rPr kumimoji="1" lang="ja-JP" altLang="en-US" dirty="0"/>
+              <a:t>クラスのインスタンス</a:t>
+            </a:r>
+            <a:br>
+              <a:rPr kumimoji="1" lang="en-US" altLang="ja-JP" dirty="0"/>
+            </a:br>
+            <a:r>
+              <a:rPr kumimoji="1" lang="ja-JP" altLang="en-US" dirty="0"/>
+              <a:t>を</a:t>
+            </a:r>
+            <a:r>
+              <a:rPr kumimoji="1" lang="en-US" altLang="ja-JP" dirty="0">
+                <a:solidFill>
+                  <a:srgbClr val="00B050"/>
+                </a:solidFill>
+              </a:rPr>
+              <a:t>vector</a:t>
+            </a:r>
+            <a:r>
+              <a:rPr kumimoji="1" lang="ja-JP" altLang="en-US" dirty="0">
+                <a:solidFill>
+                  <a:srgbClr val="00B050"/>
+                </a:solidFill>
+              </a:rPr>
+              <a:t>配列</a:t>
+            </a:r>
+            <a:r>
+              <a:rPr kumimoji="1" lang="ja-JP" altLang="en-US" dirty="0"/>
+              <a:t>に格納</a:t>
+            </a:r>
+            <a:br>
+              <a:rPr kumimoji="1" lang="en-US" altLang="ja-JP" dirty="0"/>
+            </a:br>
+            <a:r>
+              <a:rPr kumimoji="1" lang="ja-JP" altLang="en-US" dirty="0"/>
+              <a:t>する</a:t>
+            </a:r>
+            <a:endParaRPr kumimoji="1" lang="en-US" altLang="ja-JP" dirty="0"/>
+          </a:p>
+        </p:txBody>
+      </p:sp>
+      <p:pic>
+        <p:nvPicPr>
+          <p:cNvPr id="7" name="図 6">
+            <a:extLst>
+              <a:ext uri="{FF2B5EF4-FFF2-40B4-BE49-F238E27FC236}">
+                <a16:creationId xmlns:a16="http://schemas.microsoft.com/office/drawing/2014/main" id="{657E9BC8-DE82-9F8E-E144-7FE17602BDBA}"/>
+              </a:ext>
+            </a:extLst>
+          </p:cNvPr>
+          <p:cNvPicPr>
+            <a:picLocks noChangeAspect="1"/>
+          </p:cNvPicPr>
+          <p:nvPr/>
+        </p:nvPicPr>
+        <p:blipFill>
+          <a:blip r:embed="rId2"/>
+          <a:stretch>
+            <a:fillRect/>
+          </a:stretch>
+        </p:blipFill>
+        <p:spPr>
+          <a:xfrm>
+            <a:off x="6096000" y="1767969"/>
+            <a:ext cx="5827059" cy="4399284"/>
+          </a:xfrm>
+          <a:prstGeom prst="rect">
+            <a:avLst/>
+          </a:prstGeom>
+        </p:spPr>
+      </p:pic>
+    </p:spTree>
+    <p:extLst>
+      <p:ext uri="{BB962C8B-B14F-4D97-AF65-F5344CB8AC3E}">
+        <p14:creationId xmlns:p14="http://schemas.microsoft.com/office/powerpoint/2010/main" val="391196943"/>
+      </p:ext>
+    </p:extLst>
+  </p:cSld>
+  <p:clrMapOvr>
+    <a:masterClrMapping/>
+  </p:clrMapOvr>
+</p:sld>
+</file>
+
+<file path=ppt/slides/slide41.xml><?xml version="1.0" encoding="utf-8"?>
+<p:sld xmlns:a="http://schemas.openxmlformats.org/drawingml/2006/main" xmlns:r="http://schemas.openxmlformats.org/officeDocument/2006/relationships" xmlns:p="http://schemas.openxmlformats.org/presentationml/2006/main">
+  <p:cSld>
+    <p:spTree>
+      <p:nvGrpSpPr>
+        <p:cNvPr id="1" name="">
+          <a:extLst>
+            <a:ext uri="{FF2B5EF4-FFF2-40B4-BE49-F238E27FC236}">
               <a16:creationId xmlns:a16="http://schemas.microsoft.com/office/drawing/2014/main" id="{11F819EB-D889-385B-9CA0-2C7A8316482E}"/>
             </a:ext>
           </a:extLst>
@@ -30261,7 +30701,7 @@
 </p:sld>
 </file>
 
-<file path=ppt/slides/slide41.xml><?xml version="1.0" encoding="utf-8"?>
+<file path=ppt/slides/slide42.xml><?xml version="1.0" encoding="utf-8"?>
 <p:sld xmlns:a="http://schemas.openxmlformats.org/drawingml/2006/main" xmlns:r="http://schemas.openxmlformats.org/officeDocument/2006/relationships" xmlns:p="http://schemas.openxmlformats.org/presentationml/2006/main">
   <p:cSld>
     <p:spTree>
@@ -31354,7 +31794,7 @@
 </p:sld>
 </file>
 
-<file path=ppt/slides/slide42.xml><?xml version="1.0" encoding="utf-8"?>
+<file path=ppt/slides/slide43.xml><?xml version="1.0" encoding="utf-8"?>
 <p:sld xmlns:a="http://schemas.openxmlformats.org/drawingml/2006/main" xmlns:r="http://schemas.openxmlformats.org/officeDocument/2006/relationships" xmlns:p="http://schemas.openxmlformats.org/presentationml/2006/main">
   <p:cSld>
     <p:spTree>
@@ -33030,7 +33470,7 @@
 </p:sld>
 </file>
 
-<file path=ppt/slides/slide43.xml><?xml version="1.0" encoding="utf-8"?>
+<file path=ppt/slides/slide44.xml><?xml version="1.0" encoding="utf-8"?>
 <p:sld xmlns:a="http://schemas.openxmlformats.org/drawingml/2006/main" xmlns:r="http://schemas.openxmlformats.org/officeDocument/2006/relationships" xmlns:p="http://schemas.openxmlformats.org/presentationml/2006/main">
   <p:cSld>
     <p:spTree>
@@ -33840,7 +34280,7 @@
 </p:sld>
 </file>
 
-<file path=ppt/slides/slide44.xml><?xml version="1.0" encoding="utf-8"?>
+<file path=ppt/slides/slide45.xml><?xml version="1.0" encoding="utf-8"?>
 <p:sld xmlns:a="http://schemas.openxmlformats.org/drawingml/2006/main" xmlns:r="http://schemas.openxmlformats.org/officeDocument/2006/relationships" xmlns:p="http://schemas.openxmlformats.org/presentationml/2006/main">
   <p:cSld>
     <p:spTree>
@@ -34864,7 +35304,7 @@
 </p:sld>
 </file>
 
-<file path=ppt/slides/slide45.xml><?xml version="1.0" encoding="utf-8"?>
+<file path=ppt/slides/slide46.xml><?xml version="1.0" encoding="utf-8"?>
 <p:sld xmlns:a="http://schemas.openxmlformats.org/drawingml/2006/main" xmlns:r="http://schemas.openxmlformats.org/officeDocument/2006/relationships" xmlns:p="http://schemas.openxmlformats.org/presentationml/2006/main">
   <p:cSld>
     <p:spTree>
@@ -36084,7 +36524,7 @@
 </p:sld>
 </file>
 
-<file path=ppt/slides/slide46.xml><?xml version="1.0" encoding="utf-8"?>
+<file path=ppt/slides/slide47.xml><?xml version="1.0" encoding="utf-8"?>
 <p:sld xmlns:a="http://schemas.openxmlformats.org/drawingml/2006/main" xmlns:r="http://schemas.openxmlformats.org/officeDocument/2006/relationships" xmlns:p="http://schemas.openxmlformats.org/presentationml/2006/main">
   <p:cSld>
     <p:spTree>
@@ -36269,7 +36709,7 @@
 </p:sld>
 </file>
 
-<file path=ppt/slides/slide47.xml><?xml version="1.0" encoding="utf-8"?>
+<file path=ppt/slides/slide48.xml><?xml version="1.0" encoding="utf-8"?>
 <p:sld xmlns:a="http://schemas.openxmlformats.org/drawingml/2006/main" xmlns:r="http://schemas.openxmlformats.org/officeDocument/2006/relationships" xmlns:p="http://schemas.openxmlformats.org/presentationml/2006/main">
   <p:cSld>
     <p:spTree>
@@ -36468,7 +36908,7 @@
 </p:sld>
 </file>
 
-<file path=ppt/slides/slide48.xml><?xml version="1.0" encoding="utf-8"?>
+<file path=ppt/slides/slide49.xml><?xml version="1.0" encoding="utf-8"?>
 <p:sld xmlns:a="http://schemas.openxmlformats.org/drawingml/2006/main" xmlns:r="http://schemas.openxmlformats.org/officeDocument/2006/relationships" xmlns:p="http://schemas.openxmlformats.org/presentationml/2006/main">
   <p:cSld>
     <p:spTree>
@@ -36653,1865 +37093,6 @@
     <p:extLst>
       <p:ext uri="{BB962C8B-B14F-4D97-AF65-F5344CB8AC3E}">
         <p14:creationId xmlns:p14="http://schemas.microsoft.com/office/powerpoint/2010/main" val="2531984028"/>
-      </p:ext>
-    </p:extLst>
-  </p:cSld>
-  <p:clrMapOvr>
-    <a:masterClrMapping/>
-  </p:clrMapOvr>
-</p:sld>
-</file>
-
-<file path=ppt/slides/slide49.xml><?xml version="1.0" encoding="utf-8"?>
-<p:sld xmlns:a="http://schemas.openxmlformats.org/drawingml/2006/main" xmlns:r="http://schemas.openxmlformats.org/officeDocument/2006/relationships" xmlns:p="http://schemas.openxmlformats.org/presentationml/2006/main">
-  <p:cSld>
-    <p:spTree>
-      <p:nvGrpSpPr>
-        <p:cNvPr id="1" name="">
-          <a:extLst>
-            <a:ext uri="{FF2B5EF4-FFF2-40B4-BE49-F238E27FC236}">
-              <a16:creationId xmlns:a16="http://schemas.microsoft.com/office/drawing/2014/main" id="{4B85CF5D-5141-A250-F680-EAA3BDF70FEA}"/>
-            </a:ext>
-          </a:extLst>
-        </p:cNvPr>
-        <p:cNvGrpSpPr/>
-        <p:nvPr/>
-      </p:nvGrpSpPr>
-      <p:grpSpPr>
-        <a:xfrm>
-          <a:off x="0" y="0"/>
-          <a:ext cx="0" cy="0"/>
-          <a:chOff x="0" y="0"/>
-          <a:chExt cx="0" cy="0"/>
-        </a:xfrm>
-      </p:grpSpPr>
-      <p:sp>
-        <p:nvSpPr>
-          <p:cNvPr id="2" name="タイトル 1">
-            <a:extLst>
-              <a:ext uri="{FF2B5EF4-FFF2-40B4-BE49-F238E27FC236}">
-                <a16:creationId xmlns:a16="http://schemas.microsoft.com/office/drawing/2014/main" id="{F6D8D91B-DFBF-3442-F7D8-A892D65068B7}"/>
-              </a:ext>
-            </a:extLst>
-          </p:cNvPr>
-          <p:cNvSpPr>
-            <a:spLocks noGrp="1"/>
-          </p:cNvSpPr>
-          <p:nvPr>
-            <p:ph type="title"/>
-          </p:nvPr>
-        </p:nvSpPr>
-        <p:spPr/>
-        <p:txBody>
-          <a:bodyPr>
-            <a:normAutofit/>
-          </a:bodyPr>
-          <a:lstStyle/>
-          <a:p>
-            <a:r>
-              <a:rPr kumimoji="1" lang="ja-JP" altLang="en-US" dirty="0"/>
-              <a:t>演習：</a:t>
-            </a:r>
-            <a:r>
-              <a:rPr lang="en-US" altLang="ja-JP" dirty="0"/>
-              <a:t>Siv3D</a:t>
-            </a:r>
-            <a:endParaRPr kumimoji="1" lang="ja-JP" altLang="en-US" dirty="0"/>
-          </a:p>
-        </p:txBody>
-      </p:sp>
-      <p:sp>
-        <p:nvSpPr>
-          <p:cNvPr id="4" name="コンテンツ プレースホルダー 2">
-            <a:extLst>
-              <a:ext uri="{FF2B5EF4-FFF2-40B4-BE49-F238E27FC236}">
-                <a16:creationId xmlns:a16="http://schemas.microsoft.com/office/drawing/2014/main" id="{CA5E3B5F-E7B2-4FA3-0288-8B7EF74A836D}"/>
-              </a:ext>
-            </a:extLst>
-          </p:cNvPr>
-          <p:cNvSpPr txBox="1">
-            <a:spLocks/>
-          </p:cNvSpPr>
-          <p:nvPr/>
-        </p:nvSpPr>
-        <p:spPr>
-          <a:xfrm>
-            <a:off x="731195" y="1162976"/>
-            <a:ext cx="11136549" cy="5626930"/>
-          </a:xfrm>
-          <a:prstGeom prst="rect">
-            <a:avLst/>
-          </a:prstGeom>
-          <a:solidFill>
-            <a:schemeClr val="bg1"/>
-          </a:solidFill>
-          <a:ln>
-            <a:solidFill>
-              <a:schemeClr val="tx1"/>
-            </a:solidFill>
-          </a:ln>
-        </p:spPr>
-        <p:txBody>
-          <a:bodyPr vert="horz" lIns="91440" tIns="45720" rIns="91440" bIns="45720" rtlCol="0">
-            <a:noAutofit/>
-          </a:bodyPr>
-          <a:lstStyle>
-            <a:lvl1pPr marL="228600" indent="-228600" algn="l" defTabSz="914400" rtl="0" eaLnBrk="1" latinLnBrk="0" hangingPunct="1">
-              <a:lnSpc>
-                <a:spcPct val="90000"/>
-              </a:lnSpc>
-              <a:spcBef>
-                <a:spcPts val="1000"/>
-              </a:spcBef>
-              <a:buFont typeface="Arial" panose="020B0604020202020204" pitchFamily="34" charset="0"/>
-              <a:buChar char="•"/>
-              <a:defRPr kumimoji="1" sz="3600" kern="1200">
-                <a:solidFill>
-                  <a:schemeClr val="tx1"/>
-                </a:solidFill>
-                <a:latin typeface="+mn-lt"/>
-                <a:ea typeface="+mn-ea"/>
-                <a:cs typeface="+mn-cs"/>
-              </a:defRPr>
-            </a:lvl1pPr>
-            <a:lvl2pPr marL="685800" indent="-228600" algn="l" defTabSz="914400" rtl="0" eaLnBrk="1" latinLnBrk="0" hangingPunct="1">
-              <a:lnSpc>
-                <a:spcPct val="90000"/>
-              </a:lnSpc>
-              <a:spcBef>
-                <a:spcPts val="500"/>
-              </a:spcBef>
-              <a:buFont typeface="Arial" panose="020B0604020202020204" pitchFamily="34" charset="0"/>
-              <a:buChar char="•"/>
-              <a:defRPr kumimoji="1" sz="3200" kern="1200">
-                <a:solidFill>
-                  <a:schemeClr val="tx1"/>
-                </a:solidFill>
-                <a:latin typeface="+mn-lt"/>
-                <a:ea typeface="+mn-ea"/>
-                <a:cs typeface="+mn-cs"/>
-              </a:defRPr>
-            </a:lvl2pPr>
-            <a:lvl3pPr marL="1143000" indent="-228600" algn="l" defTabSz="914400" rtl="0" eaLnBrk="1" latinLnBrk="0" hangingPunct="1">
-              <a:lnSpc>
-                <a:spcPct val="90000"/>
-              </a:lnSpc>
-              <a:spcBef>
-                <a:spcPts val="500"/>
-              </a:spcBef>
-              <a:buFont typeface="Arial" panose="020B0604020202020204" pitchFamily="34" charset="0"/>
-              <a:buChar char="•"/>
-              <a:defRPr kumimoji="1" sz="2800" kern="1200">
-                <a:solidFill>
-                  <a:schemeClr val="tx1"/>
-                </a:solidFill>
-                <a:latin typeface="+mn-lt"/>
-                <a:ea typeface="+mn-ea"/>
-                <a:cs typeface="+mn-cs"/>
-              </a:defRPr>
-            </a:lvl3pPr>
-            <a:lvl4pPr marL="1600200" indent="-228600" algn="l" defTabSz="914400" rtl="0" eaLnBrk="1" latinLnBrk="0" hangingPunct="1">
-              <a:lnSpc>
-                <a:spcPct val="90000"/>
-              </a:lnSpc>
-              <a:spcBef>
-                <a:spcPts val="500"/>
-              </a:spcBef>
-              <a:buFont typeface="Arial" panose="020B0604020202020204" pitchFamily="34" charset="0"/>
-              <a:buChar char="•"/>
-              <a:defRPr kumimoji="1" sz="2400" kern="1200">
-                <a:solidFill>
-                  <a:schemeClr val="tx1"/>
-                </a:solidFill>
-                <a:latin typeface="+mn-lt"/>
-                <a:ea typeface="+mn-ea"/>
-                <a:cs typeface="+mn-cs"/>
-              </a:defRPr>
-            </a:lvl4pPr>
-            <a:lvl5pPr marL="2057400" indent="-228600" algn="l" defTabSz="914400" rtl="0" eaLnBrk="1" latinLnBrk="0" hangingPunct="1">
-              <a:lnSpc>
-                <a:spcPct val="90000"/>
-              </a:lnSpc>
-              <a:spcBef>
-                <a:spcPts val="500"/>
-              </a:spcBef>
-              <a:buFont typeface="Arial" panose="020B0604020202020204" pitchFamily="34" charset="0"/>
-              <a:buChar char="•"/>
-              <a:defRPr kumimoji="1" sz="2400" kern="1200">
-                <a:solidFill>
-                  <a:schemeClr val="tx1"/>
-                </a:solidFill>
-                <a:latin typeface="+mn-lt"/>
-                <a:ea typeface="+mn-ea"/>
-                <a:cs typeface="+mn-cs"/>
-              </a:defRPr>
-            </a:lvl5pPr>
-            <a:lvl6pPr marL="2514600" indent="-228600" algn="l" defTabSz="914400" rtl="0" eaLnBrk="1" latinLnBrk="0" hangingPunct="1">
-              <a:lnSpc>
-                <a:spcPct val="90000"/>
-              </a:lnSpc>
-              <a:spcBef>
-                <a:spcPts val="500"/>
-              </a:spcBef>
-              <a:buFont typeface="Arial" panose="020B0604020202020204" pitchFamily="34" charset="0"/>
-              <a:buChar char="•"/>
-              <a:defRPr kumimoji="1" sz="1800" kern="1200">
-                <a:solidFill>
-                  <a:schemeClr val="tx1"/>
-                </a:solidFill>
-                <a:latin typeface="+mn-lt"/>
-                <a:ea typeface="+mn-ea"/>
-                <a:cs typeface="+mn-cs"/>
-              </a:defRPr>
-            </a:lvl6pPr>
-            <a:lvl7pPr marL="2971800" indent="-228600" algn="l" defTabSz="914400" rtl="0" eaLnBrk="1" latinLnBrk="0" hangingPunct="1">
-              <a:lnSpc>
-                <a:spcPct val="90000"/>
-              </a:lnSpc>
-              <a:spcBef>
-                <a:spcPts val="500"/>
-              </a:spcBef>
-              <a:buFont typeface="Arial" panose="020B0604020202020204" pitchFamily="34" charset="0"/>
-              <a:buChar char="•"/>
-              <a:defRPr kumimoji="1" sz="1800" kern="1200">
-                <a:solidFill>
-                  <a:schemeClr val="tx1"/>
-                </a:solidFill>
-                <a:latin typeface="+mn-lt"/>
-                <a:ea typeface="+mn-ea"/>
-                <a:cs typeface="+mn-cs"/>
-              </a:defRPr>
-            </a:lvl7pPr>
-            <a:lvl8pPr marL="3429000" indent="-228600" algn="l" defTabSz="914400" rtl="0" eaLnBrk="1" latinLnBrk="0" hangingPunct="1">
-              <a:lnSpc>
-                <a:spcPct val="90000"/>
-              </a:lnSpc>
-              <a:spcBef>
-                <a:spcPts val="500"/>
-              </a:spcBef>
-              <a:buFont typeface="Arial" panose="020B0604020202020204" pitchFamily="34" charset="0"/>
-              <a:buChar char="•"/>
-              <a:defRPr kumimoji="1" sz="1800" kern="1200">
-                <a:solidFill>
-                  <a:schemeClr val="tx1"/>
-                </a:solidFill>
-                <a:latin typeface="+mn-lt"/>
-                <a:ea typeface="+mn-ea"/>
-                <a:cs typeface="+mn-cs"/>
-              </a:defRPr>
-            </a:lvl8pPr>
-            <a:lvl9pPr marL="3886200" indent="-228600" algn="l" defTabSz="914400" rtl="0" eaLnBrk="1" latinLnBrk="0" hangingPunct="1">
-              <a:lnSpc>
-                <a:spcPct val="90000"/>
-              </a:lnSpc>
-              <a:spcBef>
-                <a:spcPts val="500"/>
-              </a:spcBef>
-              <a:buFont typeface="Arial" panose="020B0604020202020204" pitchFamily="34" charset="0"/>
-              <a:buChar char="•"/>
-              <a:defRPr kumimoji="1" sz="1800" kern="1200">
-                <a:solidFill>
-                  <a:schemeClr val="tx1"/>
-                </a:solidFill>
-                <a:latin typeface="+mn-lt"/>
-                <a:ea typeface="+mn-ea"/>
-                <a:cs typeface="+mn-cs"/>
-              </a:defRPr>
-            </a:lvl9pPr>
-          </a:lstStyle>
-          <a:p>
-            <a:pPr marL="0" indent="0">
-              <a:buNone/>
-            </a:pPr>
-            <a:r>
-              <a:rPr lang="en-US" altLang="ja-JP" sz="2200" dirty="0">
-                <a:solidFill>
-                  <a:srgbClr val="008000"/>
-                </a:solidFill>
-                <a:highlight>
-                  <a:srgbClr val="FFFFFF"/>
-                </a:highlight>
-                <a:latin typeface="ＭＳ ゴシック" panose="020B0609070205080204" pitchFamily="49" charset="-128"/>
-                <a:ea typeface="ＭＳ ゴシック" panose="020B0609070205080204" pitchFamily="49" charset="-128"/>
-              </a:rPr>
-              <a:t>   // </a:t>
-            </a:r>
-            <a:r>
-              <a:rPr lang="ja-JP" altLang="en-US" sz="2200" dirty="0">
-                <a:solidFill>
-                  <a:srgbClr val="008000"/>
-                </a:solidFill>
-                <a:highlight>
-                  <a:srgbClr val="FFFFFF"/>
-                </a:highlight>
-                <a:latin typeface="ＭＳ ゴシック" panose="020B0609070205080204" pitchFamily="49" charset="-128"/>
-                <a:ea typeface="ＭＳ ゴシック" panose="020B0609070205080204" pitchFamily="49" charset="-128"/>
-              </a:rPr>
-              <a:t>ブロックを一個ずつ順に衝突チェック</a:t>
-            </a:r>
-            <a:br>
-              <a:rPr lang="en-US" altLang="ja-JP" sz="2200" dirty="0">
-                <a:solidFill>
-                  <a:srgbClr val="000000"/>
-                </a:solidFill>
-                <a:highlight>
-                  <a:srgbClr val="FFFFFF"/>
-                </a:highlight>
-                <a:latin typeface="ＭＳ ゴシック" panose="020B0609070205080204" pitchFamily="49" charset="-128"/>
-                <a:ea typeface="ＭＳ ゴシック" panose="020B0609070205080204" pitchFamily="49" charset="-128"/>
-              </a:rPr>
-            </a:br>
-            <a:r>
-              <a:rPr lang="en-US" altLang="ja-JP" sz="2200" dirty="0">
-                <a:solidFill>
-                  <a:srgbClr val="000000"/>
-                </a:solidFill>
-                <a:highlight>
-                  <a:srgbClr val="FFFFFF"/>
-                </a:highlight>
-                <a:latin typeface="ＭＳ ゴシック" panose="020B0609070205080204" pitchFamily="49" charset="-128"/>
-                <a:ea typeface="ＭＳ ゴシック" panose="020B0609070205080204" pitchFamily="49" charset="-128"/>
-              </a:rPr>
-              <a:t>   </a:t>
-            </a:r>
-            <a:r>
-              <a:rPr lang="es-ES" altLang="ja-JP" sz="2200" dirty="0">
-                <a:solidFill>
-                  <a:srgbClr val="0000FF"/>
-                </a:solidFill>
-                <a:highlight>
-                  <a:srgbClr val="FFFFFF"/>
-                </a:highlight>
-                <a:ea typeface="ＭＳ ゴシック" panose="020B0609070205080204" pitchFamily="49" charset="-128"/>
-              </a:rPr>
-              <a:t>for</a:t>
-            </a:r>
-            <a:r>
-              <a:rPr lang="es-ES" altLang="ja-JP" sz="2200" dirty="0">
-                <a:solidFill>
-                  <a:srgbClr val="000000"/>
-                </a:solidFill>
-                <a:highlight>
-                  <a:srgbClr val="FFFFFF"/>
-                </a:highlight>
-                <a:ea typeface="ＭＳ ゴシック" panose="020B0609070205080204" pitchFamily="49" charset="-128"/>
-              </a:rPr>
-              <a:t> (</a:t>
-            </a:r>
-            <a:r>
-              <a:rPr lang="es-ES" altLang="ja-JP" sz="2200" dirty="0">
-                <a:solidFill>
-                  <a:srgbClr val="2B91AF"/>
-                </a:solidFill>
-                <a:highlight>
-                  <a:srgbClr val="FFFFFF"/>
-                </a:highlight>
-                <a:ea typeface="ＭＳ ゴシック" panose="020B0609070205080204" pitchFamily="49" charset="-128"/>
-              </a:rPr>
-              <a:t>int32</a:t>
-            </a:r>
-            <a:r>
-              <a:rPr lang="es-ES" altLang="ja-JP" sz="2200" dirty="0">
-                <a:solidFill>
-                  <a:srgbClr val="000000"/>
-                </a:solidFill>
-                <a:highlight>
-                  <a:srgbClr val="FFFFFF"/>
-                </a:highlight>
-                <a:ea typeface="ＭＳ ゴシック" panose="020B0609070205080204" pitchFamily="49" charset="-128"/>
-              </a:rPr>
-              <a:t> y = 0; y &lt; bricks.size(); ++y) {</a:t>
-            </a:r>
-            <a:br>
-              <a:rPr lang="es-ES" altLang="ja-JP" sz="2200" dirty="0">
-                <a:solidFill>
-                  <a:srgbClr val="000000"/>
-                </a:solidFill>
-                <a:highlight>
-                  <a:srgbClr val="FFFFFF"/>
-                </a:highlight>
-                <a:ea typeface="ＭＳ ゴシック" panose="020B0609070205080204" pitchFamily="49" charset="-128"/>
-              </a:rPr>
-            </a:br>
-            <a:r>
-              <a:rPr lang="es-ES" altLang="ja-JP" sz="2200" dirty="0">
-                <a:solidFill>
-                  <a:srgbClr val="000000"/>
-                </a:solidFill>
-                <a:highlight>
-                  <a:srgbClr val="FFFFFF"/>
-                </a:highlight>
-                <a:ea typeface="ＭＳ ゴシック" panose="020B0609070205080204" pitchFamily="49" charset="-128"/>
-              </a:rPr>
-              <a:t>    </a:t>
-            </a:r>
-            <a:r>
-              <a:rPr lang="en-US" altLang="ja-JP" sz="2200" dirty="0">
-                <a:solidFill>
-                  <a:srgbClr val="0000FF"/>
-                </a:solidFill>
-                <a:highlight>
-                  <a:srgbClr val="FFFFFF"/>
-                </a:highlight>
-                <a:ea typeface="ＭＳ ゴシック" panose="020B0609070205080204" pitchFamily="49" charset="-128"/>
-              </a:rPr>
-              <a:t>for</a:t>
-            </a:r>
-            <a:r>
-              <a:rPr lang="en-US" altLang="ja-JP" sz="2200" dirty="0">
-                <a:solidFill>
-                  <a:srgbClr val="000000"/>
-                </a:solidFill>
-                <a:highlight>
-                  <a:srgbClr val="FFFFFF"/>
-                </a:highlight>
-                <a:ea typeface="ＭＳ ゴシック" panose="020B0609070205080204" pitchFamily="49" charset="-128"/>
-              </a:rPr>
-              <a:t> (</a:t>
-            </a:r>
-            <a:r>
-              <a:rPr lang="en-US" altLang="ja-JP" sz="2200" dirty="0">
-                <a:solidFill>
-                  <a:srgbClr val="2B91AF"/>
-                </a:solidFill>
-                <a:highlight>
-                  <a:srgbClr val="FFFFFF"/>
-                </a:highlight>
-                <a:ea typeface="ＭＳ ゴシック" panose="020B0609070205080204" pitchFamily="49" charset="-128"/>
-              </a:rPr>
-              <a:t>int32</a:t>
-            </a:r>
-            <a:r>
-              <a:rPr lang="en-US" altLang="ja-JP" sz="2200" dirty="0">
-                <a:solidFill>
-                  <a:srgbClr val="000000"/>
-                </a:solidFill>
-                <a:highlight>
-                  <a:srgbClr val="FFFFFF"/>
-                </a:highlight>
-                <a:ea typeface="ＭＳ ゴシック" panose="020B0609070205080204" pitchFamily="49" charset="-128"/>
-              </a:rPr>
-              <a:t> x = 0; x &lt; bricks</a:t>
-            </a:r>
-            <a:r>
-              <a:rPr lang="en-US" altLang="ja-JP" sz="2200" dirty="0">
-                <a:solidFill>
-                  <a:srgbClr val="008080"/>
-                </a:solidFill>
-                <a:highlight>
-                  <a:srgbClr val="FFFFFF"/>
-                </a:highlight>
-                <a:ea typeface="ＭＳ ゴシック" panose="020B0609070205080204" pitchFamily="49" charset="-128"/>
-              </a:rPr>
-              <a:t>[</a:t>
-            </a:r>
-            <a:r>
-              <a:rPr lang="en-US" altLang="ja-JP" sz="2200" dirty="0">
-                <a:solidFill>
-                  <a:srgbClr val="000000"/>
-                </a:solidFill>
-                <a:highlight>
-                  <a:srgbClr val="FFFFFF"/>
-                </a:highlight>
-                <a:ea typeface="ＭＳ ゴシック" panose="020B0609070205080204" pitchFamily="49" charset="-128"/>
-              </a:rPr>
-              <a:t>y</a:t>
-            </a:r>
-            <a:r>
-              <a:rPr lang="en-US" altLang="ja-JP" sz="2200" dirty="0">
-                <a:solidFill>
-                  <a:srgbClr val="008080"/>
-                </a:solidFill>
-                <a:highlight>
-                  <a:srgbClr val="FFFFFF"/>
-                </a:highlight>
-                <a:ea typeface="ＭＳ ゴシック" panose="020B0609070205080204" pitchFamily="49" charset="-128"/>
-              </a:rPr>
-              <a:t>]</a:t>
-            </a:r>
-            <a:r>
-              <a:rPr lang="en-US" altLang="ja-JP" sz="2200" dirty="0">
-                <a:solidFill>
-                  <a:srgbClr val="000000"/>
-                </a:solidFill>
-                <a:highlight>
-                  <a:srgbClr val="FFFFFF"/>
-                </a:highlight>
-                <a:ea typeface="ＭＳ ゴシック" panose="020B0609070205080204" pitchFamily="49" charset="-128"/>
-              </a:rPr>
-              <a:t>.size(); ++x) {</a:t>
-            </a:r>
-          </a:p>
-          <a:p>
-            <a:pPr marL="0" indent="0">
-              <a:buNone/>
-            </a:pPr>
-            <a:r>
-              <a:rPr lang="en-US" altLang="ja-JP" sz="2200" dirty="0">
-                <a:solidFill>
-                  <a:srgbClr val="000000"/>
-                </a:solidFill>
-                <a:highlight>
-                  <a:srgbClr val="FFFFFF"/>
-                </a:highlight>
-                <a:ea typeface="ＭＳ ゴシック" panose="020B0609070205080204" pitchFamily="49" charset="-128"/>
-              </a:rPr>
-              <a:t>      </a:t>
-            </a:r>
-            <a:r>
-              <a:rPr lang="en-US" altLang="ja-JP" sz="2200" dirty="0">
-                <a:solidFill>
-                  <a:srgbClr val="0000FF"/>
-                </a:solidFill>
-                <a:highlight>
-                  <a:srgbClr val="FFFFFF"/>
-                </a:highlight>
-                <a:ea typeface="ＭＳ ゴシック" panose="020B0609070205080204" pitchFamily="49" charset="-128"/>
-              </a:rPr>
-              <a:t>if</a:t>
-            </a:r>
-            <a:r>
-              <a:rPr lang="en-US" altLang="ja-JP" sz="2200" dirty="0">
-                <a:solidFill>
-                  <a:srgbClr val="000000"/>
-                </a:solidFill>
-                <a:highlight>
-                  <a:srgbClr val="FFFFFF"/>
-                </a:highlight>
-                <a:ea typeface="ＭＳ ゴシック" panose="020B0609070205080204" pitchFamily="49" charset="-128"/>
-              </a:rPr>
-              <a:t> (bricks</a:t>
-            </a:r>
-            <a:r>
-              <a:rPr lang="en-US" altLang="ja-JP" sz="2200" dirty="0">
-                <a:solidFill>
-                  <a:srgbClr val="008080"/>
-                </a:solidFill>
-                <a:highlight>
-                  <a:srgbClr val="FFFFFF"/>
-                </a:highlight>
-                <a:ea typeface="ＭＳ ゴシック" panose="020B0609070205080204" pitchFamily="49" charset="-128"/>
-              </a:rPr>
-              <a:t>[</a:t>
-            </a:r>
-            <a:r>
-              <a:rPr lang="en-US" altLang="ja-JP" sz="2200" dirty="0">
-                <a:solidFill>
-                  <a:srgbClr val="000000"/>
-                </a:solidFill>
-                <a:highlight>
-                  <a:srgbClr val="FFFFFF"/>
-                </a:highlight>
-                <a:ea typeface="ＭＳ ゴシック" panose="020B0609070205080204" pitchFamily="49" charset="-128"/>
-              </a:rPr>
-              <a:t>y</a:t>
-            </a:r>
-            <a:r>
-              <a:rPr lang="en-US" altLang="ja-JP" sz="2200" dirty="0">
-                <a:solidFill>
-                  <a:srgbClr val="008080"/>
-                </a:solidFill>
-                <a:highlight>
-                  <a:srgbClr val="FFFFFF"/>
-                </a:highlight>
-                <a:ea typeface="ＭＳ ゴシック" panose="020B0609070205080204" pitchFamily="49" charset="-128"/>
-              </a:rPr>
-              <a:t>][</a:t>
-            </a:r>
-            <a:r>
-              <a:rPr lang="en-US" altLang="ja-JP" sz="2200" dirty="0">
-                <a:solidFill>
-                  <a:srgbClr val="000000"/>
-                </a:solidFill>
-                <a:highlight>
-                  <a:srgbClr val="FFFFFF"/>
-                </a:highlight>
-                <a:ea typeface="ＭＳ ゴシック" panose="020B0609070205080204" pitchFamily="49" charset="-128"/>
-              </a:rPr>
-              <a:t>x</a:t>
-            </a:r>
-            <a:r>
-              <a:rPr lang="en-US" altLang="ja-JP" sz="2200" dirty="0">
-                <a:solidFill>
-                  <a:srgbClr val="008080"/>
-                </a:solidFill>
-                <a:highlight>
-                  <a:srgbClr val="FFFFFF"/>
-                </a:highlight>
-                <a:ea typeface="ＭＳ ゴシック" panose="020B0609070205080204" pitchFamily="49" charset="-128"/>
-              </a:rPr>
-              <a:t>]</a:t>
-            </a:r>
-            <a:r>
-              <a:rPr lang="en-US" altLang="ja-JP" sz="2200" dirty="0">
-                <a:solidFill>
-                  <a:srgbClr val="000000"/>
-                </a:solidFill>
-                <a:highlight>
-                  <a:srgbClr val="FFFFFF"/>
-                </a:highlight>
-                <a:ea typeface="ＭＳ ゴシック" panose="020B0609070205080204" pitchFamily="49" charset="-128"/>
-              </a:rPr>
-              <a:t>-&gt;</a:t>
-            </a:r>
-            <a:r>
-              <a:rPr lang="en-US" altLang="ja-JP" sz="2200" dirty="0">
-                <a:solidFill>
-                  <a:srgbClr val="FF0000"/>
-                </a:solidFill>
-                <a:highlight>
-                  <a:srgbClr val="FFFFFF"/>
-                </a:highlight>
-                <a:ea typeface="ＭＳ ゴシック" panose="020B0609070205080204" pitchFamily="49" charset="-128"/>
-              </a:rPr>
-              <a:t>intersects</a:t>
-            </a:r>
-            <a:r>
-              <a:rPr lang="en-US" altLang="ja-JP" sz="2200" dirty="0">
-                <a:solidFill>
-                  <a:srgbClr val="000000"/>
-                </a:solidFill>
-                <a:highlight>
-                  <a:srgbClr val="FFFFFF"/>
-                </a:highlight>
-                <a:ea typeface="ＭＳ ゴシック" panose="020B0609070205080204" pitchFamily="49" charset="-128"/>
-              </a:rPr>
-              <a:t>(ball)) {</a:t>
-            </a:r>
-            <a:r>
-              <a:rPr lang="en-US" altLang="ja-JP" sz="2200" dirty="0">
-                <a:solidFill>
-                  <a:srgbClr val="008000"/>
-                </a:solidFill>
-                <a:highlight>
-                  <a:srgbClr val="FFFFFF"/>
-                </a:highlight>
-                <a:latin typeface="ＭＳ ゴシック" panose="020B0609070205080204" pitchFamily="49" charset="-128"/>
-                <a:ea typeface="ＭＳ ゴシック" panose="020B0609070205080204" pitchFamily="49" charset="-128"/>
-              </a:rPr>
-              <a:t> //</a:t>
-            </a:r>
-            <a:r>
-              <a:rPr lang="ja-JP" altLang="en-US" sz="2200" dirty="0">
-                <a:solidFill>
-                  <a:srgbClr val="008000"/>
-                </a:solidFill>
-                <a:highlight>
-                  <a:srgbClr val="FFFFFF"/>
-                </a:highlight>
-                <a:latin typeface="ＭＳ ゴシック" panose="020B0609070205080204" pitchFamily="49" charset="-128"/>
-                <a:ea typeface="ＭＳ ゴシック" panose="020B0609070205080204" pitchFamily="49" charset="-128"/>
-              </a:rPr>
-              <a:t>衝突チェックが</a:t>
-            </a:r>
-            <a:r>
-              <a:rPr lang="en-US" altLang="ja-JP" sz="2200" dirty="0">
-                <a:solidFill>
-                  <a:srgbClr val="008000"/>
-                </a:solidFill>
-                <a:highlight>
-                  <a:srgbClr val="FFFFFF"/>
-                </a:highlight>
-                <a:latin typeface="ＭＳ ゴシック" panose="020B0609070205080204" pitchFamily="49" charset="-128"/>
-                <a:ea typeface="ＭＳ ゴシック" panose="020B0609070205080204" pitchFamily="49" charset="-128"/>
-              </a:rPr>
-              <a:t>true</a:t>
-            </a:r>
-            <a:br>
-              <a:rPr lang="en-US" altLang="ja-JP" sz="2200" dirty="0">
-                <a:solidFill>
-                  <a:srgbClr val="000000"/>
-                </a:solidFill>
-                <a:highlight>
-                  <a:srgbClr val="FFFFFF"/>
-                </a:highlight>
-                <a:ea typeface="ＭＳ ゴシック" panose="020B0609070205080204" pitchFamily="49" charset="-128"/>
-              </a:rPr>
-            </a:br>
-            <a:r>
-              <a:rPr lang="en-US" altLang="ja-JP" sz="2200" dirty="0">
-                <a:solidFill>
-                  <a:srgbClr val="000000"/>
-                </a:solidFill>
-                <a:highlight>
-                  <a:srgbClr val="FFFFFF"/>
-                </a:highlight>
-                <a:ea typeface="ＭＳ ゴシック" panose="020B0609070205080204" pitchFamily="49" charset="-128"/>
-              </a:rPr>
-              <a:t>        </a:t>
-            </a:r>
-            <a:r>
-              <a:rPr lang="en-US" altLang="ja-JP" sz="2200" dirty="0">
-                <a:solidFill>
-                  <a:srgbClr val="008000"/>
-                </a:solidFill>
-                <a:highlight>
-                  <a:srgbClr val="FFFFFF"/>
-                </a:highlight>
-                <a:latin typeface="ＭＳ ゴシック" panose="020B0609070205080204" pitchFamily="49" charset="-128"/>
-                <a:ea typeface="ＭＳ ゴシック" panose="020B0609070205080204" pitchFamily="49" charset="-128"/>
-              </a:rPr>
-              <a:t>// </a:t>
-            </a:r>
-            <a:r>
-              <a:rPr lang="ja-JP" altLang="en-US" sz="2200" dirty="0">
-                <a:solidFill>
-                  <a:srgbClr val="008000"/>
-                </a:solidFill>
-                <a:highlight>
-                  <a:srgbClr val="FFFFFF"/>
-                </a:highlight>
-                <a:latin typeface="ＭＳ ゴシック" panose="020B0609070205080204" pitchFamily="49" charset="-128"/>
-                <a:ea typeface="ＭＳ ゴシック" panose="020B0609070205080204" pitchFamily="49" charset="-128"/>
-              </a:rPr>
-              <a:t>ブロックの上辺もしくは底辺と交差していたら</a:t>
-            </a:r>
-            <a:br>
-              <a:rPr lang="en-US" altLang="ja-JP" sz="2200" dirty="0">
-                <a:solidFill>
-                  <a:srgbClr val="000000"/>
-                </a:solidFill>
-                <a:highlight>
-                  <a:srgbClr val="FFFFFF"/>
-                </a:highlight>
-                <a:latin typeface="ＭＳ ゴシック" panose="020B0609070205080204" pitchFamily="49" charset="-128"/>
-                <a:ea typeface="ＭＳ ゴシック" panose="020B0609070205080204" pitchFamily="49" charset="-128"/>
-              </a:rPr>
-            </a:br>
-            <a:r>
-              <a:rPr lang="en-US" altLang="ja-JP" sz="2200" dirty="0">
-                <a:solidFill>
-                  <a:srgbClr val="000000"/>
-                </a:solidFill>
-                <a:highlight>
-                  <a:srgbClr val="FFFFFF"/>
-                </a:highlight>
-                <a:latin typeface="ＭＳ ゴシック" panose="020B0609070205080204" pitchFamily="49" charset="-128"/>
-                <a:ea typeface="ＭＳ ゴシック" panose="020B0609070205080204" pitchFamily="49" charset="-128"/>
-              </a:rPr>
-              <a:t>          </a:t>
-            </a:r>
-            <a:r>
-              <a:rPr lang="en-US" altLang="ja-JP" sz="2200" dirty="0">
-                <a:solidFill>
-                  <a:srgbClr val="0000FF"/>
-                </a:solidFill>
-                <a:highlight>
-                  <a:srgbClr val="FFFFFF"/>
-                </a:highlight>
-                <a:ea typeface="ＭＳ ゴシック" panose="020B0609070205080204" pitchFamily="49" charset="-128"/>
-              </a:rPr>
-              <a:t>if</a:t>
-            </a:r>
-            <a:r>
-              <a:rPr lang="en-US" altLang="ja-JP" sz="2200" dirty="0">
-                <a:solidFill>
-                  <a:srgbClr val="000000"/>
-                </a:solidFill>
-                <a:highlight>
-                  <a:srgbClr val="FFFFFF"/>
-                </a:highlight>
-                <a:ea typeface="ＭＳ ゴシック" panose="020B0609070205080204" pitchFamily="49" charset="-128"/>
-              </a:rPr>
-              <a:t> (bricks</a:t>
-            </a:r>
-            <a:r>
-              <a:rPr lang="en-US" altLang="ja-JP" sz="2200" dirty="0">
-                <a:solidFill>
-                  <a:srgbClr val="008080"/>
-                </a:solidFill>
-                <a:highlight>
-                  <a:srgbClr val="FFFFFF"/>
-                </a:highlight>
-                <a:ea typeface="ＭＳ ゴシック" panose="020B0609070205080204" pitchFamily="49" charset="-128"/>
-              </a:rPr>
-              <a:t>[</a:t>
-            </a:r>
-            <a:r>
-              <a:rPr lang="en-US" altLang="ja-JP" sz="2200" dirty="0">
-                <a:solidFill>
-                  <a:srgbClr val="000000"/>
-                </a:solidFill>
-                <a:highlight>
-                  <a:srgbClr val="FFFFFF"/>
-                </a:highlight>
-                <a:ea typeface="ＭＳ ゴシック" panose="020B0609070205080204" pitchFamily="49" charset="-128"/>
-              </a:rPr>
-              <a:t>y</a:t>
-            </a:r>
-            <a:r>
-              <a:rPr lang="en-US" altLang="ja-JP" sz="2200" dirty="0">
-                <a:solidFill>
-                  <a:srgbClr val="008080"/>
-                </a:solidFill>
-                <a:highlight>
-                  <a:srgbClr val="FFFFFF"/>
-                </a:highlight>
-                <a:ea typeface="ＭＳ ゴシック" panose="020B0609070205080204" pitchFamily="49" charset="-128"/>
-              </a:rPr>
-              <a:t>][</a:t>
-            </a:r>
-            <a:r>
-              <a:rPr lang="en-US" altLang="ja-JP" sz="2200" dirty="0">
-                <a:solidFill>
-                  <a:srgbClr val="000000"/>
-                </a:solidFill>
-                <a:highlight>
-                  <a:srgbClr val="FFFFFF"/>
-                </a:highlight>
-                <a:ea typeface="ＭＳ ゴシック" panose="020B0609070205080204" pitchFamily="49" charset="-128"/>
-              </a:rPr>
-              <a:t>x</a:t>
-            </a:r>
-            <a:r>
-              <a:rPr lang="en-US" altLang="ja-JP" sz="2200" dirty="0">
-                <a:solidFill>
-                  <a:srgbClr val="008080"/>
-                </a:solidFill>
-                <a:highlight>
-                  <a:srgbClr val="FFFFFF"/>
-                </a:highlight>
-                <a:ea typeface="ＭＳ ゴシック" panose="020B0609070205080204" pitchFamily="49" charset="-128"/>
-              </a:rPr>
-              <a:t>]</a:t>
-            </a:r>
-            <a:r>
-              <a:rPr lang="en-US" altLang="ja-JP" sz="2200" dirty="0">
-                <a:solidFill>
-                  <a:srgbClr val="000000"/>
-                </a:solidFill>
-                <a:highlight>
-                  <a:srgbClr val="FFFFFF"/>
-                </a:highlight>
-                <a:ea typeface="ＭＳ ゴシック" panose="020B0609070205080204" pitchFamily="49" charset="-128"/>
-              </a:rPr>
-              <a:t>-&gt;bottom().</a:t>
-            </a:r>
-            <a:r>
-              <a:rPr lang="en-US" altLang="ja-JP" sz="2200" dirty="0">
-                <a:solidFill>
-                  <a:srgbClr val="FF0000"/>
-                </a:solidFill>
-                <a:highlight>
-                  <a:srgbClr val="FFFFFF"/>
-                </a:highlight>
-                <a:ea typeface="ＭＳ ゴシック" panose="020B0609070205080204" pitchFamily="49" charset="-128"/>
-              </a:rPr>
-              <a:t>intersects</a:t>
-            </a:r>
-            <a:r>
-              <a:rPr lang="en-US" altLang="ja-JP" sz="2200" dirty="0">
-                <a:solidFill>
-                  <a:srgbClr val="000000"/>
-                </a:solidFill>
-                <a:highlight>
-                  <a:srgbClr val="FFFFFF"/>
-                </a:highlight>
-                <a:ea typeface="ＭＳ ゴシック" panose="020B0609070205080204" pitchFamily="49" charset="-128"/>
-              </a:rPr>
-              <a:t>(ball)</a:t>
-            </a:r>
-            <a:br>
-              <a:rPr lang="en-US" altLang="ja-JP" sz="2200" dirty="0">
-                <a:solidFill>
-                  <a:srgbClr val="000000"/>
-                </a:solidFill>
-                <a:highlight>
-                  <a:srgbClr val="FFFFFF"/>
-                </a:highlight>
-                <a:ea typeface="ＭＳ ゴシック" panose="020B0609070205080204" pitchFamily="49" charset="-128"/>
-              </a:rPr>
-            </a:br>
-            <a:r>
-              <a:rPr lang="en-US" altLang="ja-JP" sz="2200" dirty="0">
-                <a:solidFill>
-                  <a:srgbClr val="000000"/>
-                </a:solidFill>
-                <a:highlight>
-                  <a:srgbClr val="FFFFFF"/>
-                </a:highlight>
-                <a:ea typeface="ＭＳ ゴシック" panose="020B0609070205080204" pitchFamily="49" charset="-128"/>
-              </a:rPr>
-              <a:t>            || bricks</a:t>
-            </a:r>
-            <a:r>
-              <a:rPr lang="en-US" altLang="ja-JP" sz="2200" dirty="0">
-                <a:solidFill>
-                  <a:srgbClr val="008080"/>
-                </a:solidFill>
-                <a:highlight>
-                  <a:srgbClr val="FFFFFF"/>
-                </a:highlight>
-                <a:ea typeface="ＭＳ ゴシック" panose="020B0609070205080204" pitchFamily="49" charset="-128"/>
-              </a:rPr>
-              <a:t>[</a:t>
-            </a:r>
-            <a:r>
-              <a:rPr lang="en-US" altLang="ja-JP" sz="2200" dirty="0">
-                <a:solidFill>
-                  <a:srgbClr val="000000"/>
-                </a:solidFill>
-                <a:highlight>
-                  <a:srgbClr val="FFFFFF"/>
-                </a:highlight>
-                <a:ea typeface="ＭＳ ゴシック" panose="020B0609070205080204" pitchFamily="49" charset="-128"/>
-              </a:rPr>
-              <a:t>y</a:t>
-            </a:r>
-            <a:r>
-              <a:rPr lang="en-US" altLang="ja-JP" sz="2200" dirty="0">
-                <a:solidFill>
-                  <a:srgbClr val="008080"/>
-                </a:solidFill>
-                <a:highlight>
-                  <a:srgbClr val="FFFFFF"/>
-                </a:highlight>
-                <a:ea typeface="ＭＳ ゴシック" panose="020B0609070205080204" pitchFamily="49" charset="-128"/>
-              </a:rPr>
-              <a:t>][</a:t>
-            </a:r>
-            <a:r>
-              <a:rPr lang="en-US" altLang="ja-JP" sz="2200" dirty="0">
-                <a:solidFill>
-                  <a:srgbClr val="000000"/>
-                </a:solidFill>
-                <a:highlight>
-                  <a:srgbClr val="FFFFFF"/>
-                </a:highlight>
-                <a:ea typeface="ＭＳ ゴシック" panose="020B0609070205080204" pitchFamily="49" charset="-128"/>
-              </a:rPr>
-              <a:t>x</a:t>
-            </a:r>
-            <a:r>
-              <a:rPr lang="en-US" altLang="ja-JP" sz="2200" dirty="0">
-                <a:solidFill>
-                  <a:srgbClr val="008080"/>
-                </a:solidFill>
-                <a:highlight>
-                  <a:srgbClr val="FFFFFF"/>
-                </a:highlight>
-                <a:ea typeface="ＭＳ ゴシック" panose="020B0609070205080204" pitchFamily="49" charset="-128"/>
-              </a:rPr>
-              <a:t>]</a:t>
-            </a:r>
-            <a:r>
-              <a:rPr lang="en-US" altLang="ja-JP" sz="2200" dirty="0">
-                <a:solidFill>
-                  <a:srgbClr val="000000"/>
-                </a:solidFill>
-                <a:highlight>
-                  <a:srgbClr val="FFFFFF"/>
-                </a:highlight>
-                <a:ea typeface="ＭＳ ゴシック" panose="020B0609070205080204" pitchFamily="49" charset="-128"/>
-              </a:rPr>
-              <a:t>-&gt;top().</a:t>
-            </a:r>
-            <a:r>
-              <a:rPr lang="en-US" altLang="ja-JP" sz="2200" dirty="0">
-                <a:solidFill>
-                  <a:srgbClr val="FF0000"/>
-                </a:solidFill>
-                <a:highlight>
-                  <a:srgbClr val="FFFFFF"/>
-                </a:highlight>
-                <a:ea typeface="ＭＳ ゴシック" panose="020B0609070205080204" pitchFamily="49" charset="-128"/>
-              </a:rPr>
-              <a:t>intersects</a:t>
-            </a:r>
-            <a:r>
-              <a:rPr lang="en-US" altLang="ja-JP" sz="2200" dirty="0">
-                <a:solidFill>
-                  <a:srgbClr val="000000"/>
-                </a:solidFill>
-                <a:highlight>
-                  <a:srgbClr val="FFFFFF"/>
-                </a:highlight>
-                <a:ea typeface="ＭＳ ゴシック" panose="020B0609070205080204" pitchFamily="49" charset="-128"/>
-              </a:rPr>
-              <a:t>(ball)) {</a:t>
-            </a:r>
-            <a:br>
-              <a:rPr lang="en-US" altLang="ja-JP" sz="2200" dirty="0">
-                <a:solidFill>
-                  <a:srgbClr val="000000"/>
-                </a:solidFill>
-                <a:highlight>
-                  <a:srgbClr val="FFFFFF"/>
-                </a:highlight>
-                <a:ea typeface="ＭＳ ゴシック" panose="020B0609070205080204" pitchFamily="49" charset="-128"/>
-              </a:rPr>
-            </a:br>
-            <a:r>
-              <a:rPr lang="en-US" altLang="ja-JP" sz="2200" dirty="0">
-                <a:solidFill>
-                  <a:srgbClr val="000000"/>
-                </a:solidFill>
-                <a:highlight>
-                  <a:srgbClr val="FFFFFF"/>
-                </a:highlight>
-                <a:ea typeface="ＭＳ ゴシック" panose="020B0609070205080204" pitchFamily="49" charset="-128"/>
-              </a:rPr>
-              <a:t>           </a:t>
-            </a:r>
-            <a:r>
-              <a:rPr lang="en-US" altLang="ja-JP" sz="2200" dirty="0" err="1">
-                <a:solidFill>
-                  <a:srgbClr val="000000"/>
-                </a:solidFill>
-                <a:highlight>
-                  <a:srgbClr val="FFFFFF"/>
-                </a:highlight>
-                <a:ea typeface="ＭＳ ゴシック" panose="020B0609070205080204" pitchFamily="49" charset="-128"/>
-              </a:rPr>
-              <a:t>ballVelocity.y</a:t>
-            </a:r>
-            <a:r>
-              <a:rPr lang="en-US" altLang="ja-JP" sz="2200" dirty="0">
-                <a:solidFill>
-                  <a:srgbClr val="000000"/>
-                </a:solidFill>
-                <a:highlight>
-                  <a:srgbClr val="FFFFFF"/>
-                </a:highlight>
-                <a:ea typeface="ＭＳ ゴシック" panose="020B0609070205080204" pitchFamily="49" charset="-128"/>
-              </a:rPr>
-              <a:t> *= -1;</a:t>
-            </a:r>
-            <a:r>
-              <a:rPr lang="en-US" altLang="ja-JP" sz="2200" dirty="0">
-                <a:solidFill>
-                  <a:srgbClr val="008000"/>
-                </a:solidFill>
-                <a:highlight>
-                  <a:srgbClr val="FFFFFF"/>
-                </a:highlight>
-                <a:latin typeface="ＭＳ ゴシック" panose="020B0609070205080204" pitchFamily="49" charset="-128"/>
-                <a:ea typeface="ＭＳ ゴシック" panose="020B0609070205080204" pitchFamily="49" charset="-128"/>
-              </a:rPr>
-              <a:t> // </a:t>
-            </a:r>
-            <a:r>
-              <a:rPr lang="ja-JP" altLang="en-US" sz="2200" dirty="0">
-                <a:solidFill>
-                  <a:srgbClr val="008000"/>
-                </a:solidFill>
-                <a:highlight>
-                  <a:srgbClr val="FFFFFF"/>
-                </a:highlight>
-                <a:latin typeface="ＭＳ ゴシック" panose="020B0609070205080204" pitchFamily="49" charset="-128"/>
-                <a:ea typeface="ＭＳ ゴシック" panose="020B0609070205080204" pitchFamily="49" charset="-128"/>
-              </a:rPr>
-              <a:t>ボールの速度の </a:t>
-            </a:r>
-            <a:r>
-              <a:rPr lang="en-US" altLang="ja-JP" sz="2200" dirty="0">
-                <a:solidFill>
-                  <a:srgbClr val="008000"/>
-                </a:solidFill>
-                <a:highlight>
-                  <a:srgbClr val="FFFFFF"/>
-                </a:highlight>
-                <a:latin typeface="ＭＳ ゴシック" panose="020B0609070205080204" pitchFamily="49" charset="-128"/>
-                <a:ea typeface="ＭＳ ゴシック" panose="020B0609070205080204" pitchFamily="49" charset="-128"/>
-              </a:rPr>
-              <a:t>Y </a:t>
-            </a:r>
-            <a:r>
-              <a:rPr lang="ja-JP" altLang="en-US" sz="2200" dirty="0">
-                <a:solidFill>
-                  <a:srgbClr val="008000"/>
-                </a:solidFill>
-                <a:highlight>
-                  <a:srgbClr val="FFFFFF"/>
-                </a:highlight>
-                <a:latin typeface="ＭＳ ゴシック" panose="020B0609070205080204" pitchFamily="49" charset="-128"/>
-                <a:ea typeface="ＭＳ ゴシック" panose="020B0609070205080204" pitchFamily="49" charset="-128"/>
-              </a:rPr>
-              <a:t>成分を反転</a:t>
-            </a:r>
-            <a:br>
-              <a:rPr lang="en-US" altLang="ja-JP" sz="2200" dirty="0">
-                <a:solidFill>
-                  <a:srgbClr val="000000"/>
-                </a:solidFill>
-                <a:highlight>
-                  <a:srgbClr val="FFFFFF"/>
-                </a:highlight>
-                <a:latin typeface="ＭＳ ゴシック" panose="020B0609070205080204" pitchFamily="49" charset="-128"/>
-                <a:ea typeface="ＭＳ ゴシック" panose="020B0609070205080204" pitchFamily="49" charset="-128"/>
-              </a:rPr>
-            </a:br>
-            <a:r>
-              <a:rPr lang="en-US" altLang="ja-JP" sz="2200" dirty="0">
-                <a:solidFill>
-                  <a:srgbClr val="000000"/>
-                </a:solidFill>
-                <a:highlight>
-                  <a:srgbClr val="FFFFFF"/>
-                </a:highlight>
-                <a:latin typeface="ＭＳ ゴシック" panose="020B0609070205080204" pitchFamily="49" charset="-128"/>
-                <a:ea typeface="ＭＳ ゴシック" panose="020B0609070205080204" pitchFamily="49" charset="-128"/>
-              </a:rPr>
-              <a:t>          </a:t>
-            </a:r>
-            <a:r>
-              <a:rPr lang="en-US" altLang="ja-JP" sz="2200" dirty="0">
-                <a:solidFill>
-                  <a:srgbClr val="000000"/>
-                </a:solidFill>
-                <a:highlight>
-                  <a:srgbClr val="FFFFFF"/>
-                </a:highlight>
-                <a:ea typeface="ＭＳ ゴシック" panose="020B0609070205080204" pitchFamily="49" charset="-128"/>
-              </a:rPr>
-              <a:t>}</a:t>
-            </a:r>
-            <a:r>
-              <a:rPr lang="en-US" altLang="ja-JP" sz="2200" dirty="0">
-                <a:solidFill>
-                  <a:srgbClr val="000000"/>
-                </a:solidFill>
-                <a:highlight>
-                  <a:srgbClr val="FFFFFF"/>
-                </a:highlight>
-                <a:latin typeface="ＭＳ ゴシック" panose="020B0609070205080204" pitchFamily="49" charset="-128"/>
-                <a:ea typeface="ＭＳ ゴシック" panose="020B0609070205080204" pitchFamily="49" charset="-128"/>
-              </a:rPr>
-              <a:t> </a:t>
-            </a:r>
-            <a:r>
-              <a:rPr lang="en-US" altLang="ja-JP" sz="2200" dirty="0">
-                <a:solidFill>
-                  <a:srgbClr val="0000FF"/>
-                </a:solidFill>
-                <a:highlight>
-                  <a:srgbClr val="FFFFFF"/>
-                </a:highlight>
-                <a:ea typeface="ＭＳ ゴシック" panose="020B0609070205080204" pitchFamily="49" charset="-128"/>
-              </a:rPr>
-              <a:t>else</a:t>
-            </a:r>
-            <a:r>
-              <a:rPr lang="en-US" altLang="ja-JP" sz="2200" dirty="0">
-                <a:solidFill>
-                  <a:srgbClr val="000000"/>
-                </a:solidFill>
-                <a:highlight>
-                  <a:srgbClr val="FFFFFF"/>
-                </a:highlight>
-                <a:ea typeface="ＭＳ ゴシック" panose="020B0609070205080204" pitchFamily="49" charset="-128"/>
-              </a:rPr>
-              <a:t> {</a:t>
-            </a:r>
-            <a:br>
-              <a:rPr lang="en-US" altLang="ja-JP" sz="2200" dirty="0">
-                <a:solidFill>
-                  <a:srgbClr val="000000"/>
-                </a:solidFill>
-                <a:highlight>
-                  <a:srgbClr val="FFFFFF"/>
-                </a:highlight>
-                <a:latin typeface="ＭＳ ゴシック" panose="020B0609070205080204" pitchFamily="49" charset="-128"/>
-                <a:ea typeface="ＭＳ ゴシック" panose="020B0609070205080204" pitchFamily="49" charset="-128"/>
-              </a:rPr>
-            </a:br>
-            <a:r>
-              <a:rPr lang="en-US" altLang="ja-JP" sz="2200" dirty="0">
-                <a:solidFill>
-                  <a:srgbClr val="000000"/>
-                </a:solidFill>
-                <a:highlight>
-                  <a:srgbClr val="FFFFFF"/>
-                </a:highlight>
-                <a:latin typeface="ＭＳ ゴシック" panose="020B0609070205080204" pitchFamily="49" charset="-128"/>
-                <a:ea typeface="ＭＳ ゴシック" panose="020B0609070205080204" pitchFamily="49" charset="-128"/>
-              </a:rPr>
-              <a:t>              </a:t>
-            </a:r>
-            <a:r>
-              <a:rPr lang="en-US" altLang="ja-JP" sz="2200" dirty="0" err="1">
-                <a:solidFill>
-                  <a:srgbClr val="000000"/>
-                </a:solidFill>
-                <a:highlight>
-                  <a:srgbClr val="FFFFFF"/>
-                </a:highlight>
-                <a:ea typeface="ＭＳ ゴシック" panose="020B0609070205080204" pitchFamily="49" charset="-128"/>
-              </a:rPr>
-              <a:t>ballVelocity.x</a:t>
-            </a:r>
-            <a:r>
-              <a:rPr lang="en-US" altLang="ja-JP" sz="2200" dirty="0">
-                <a:solidFill>
-                  <a:srgbClr val="000000"/>
-                </a:solidFill>
-                <a:highlight>
-                  <a:srgbClr val="FFFFFF"/>
-                </a:highlight>
-                <a:ea typeface="ＭＳ ゴシック" panose="020B0609070205080204" pitchFamily="49" charset="-128"/>
-              </a:rPr>
-              <a:t> *= -1;</a:t>
-            </a:r>
-            <a:r>
-              <a:rPr lang="en-US" altLang="ja-JP" sz="2200" dirty="0">
-                <a:solidFill>
-                  <a:srgbClr val="008000"/>
-                </a:solidFill>
-                <a:highlight>
-                  <a:srgbClr val="FFFFFF"/>
-                </a:highlight>
-                <a:latin typeface="ＭＳ ゴシック" panose="020B0609070205080204" pitchFamily="49" charset="-128"/>
-                <a:ea typeface="ＭＳ ゴシック" panose="020B0609070205080204" pitchFamily="49" charset="-128"/>
-              </a:rPr>
-              <a:t> // </a:t>
-            </a:r>
-            <a:r>
-              <a:rPr lang="ja-JP" altLang="en-US" sz="2200" dirty="0">
-                <a:solidFill>
-                  <a:srgbClr val="008000"/>
-                </a:solidFill>
-                <a:highlight>
-                  <a:srgbClr val="FFFFFF"/>
-                </a:highlight>
-                <a:latin typeface="ＭＳ ゴシック" panose="020B0609070205080204" pitchFamily="49" charset="-128"/>
-                <a:ea typeface="ＭＳ ゴシック" panose="020B0609070205080204" pitchFamily="49" charset="-128"/>
-              </a:rPr>
-              <a:t>ボールの速度の </a:t>
-            </a:r>
-            <a:r>
-              <a:rPr lang="en-US" altLang="ja-JP" sz="2200" dirty="0">
-                <a:solidFill>
-                  <a:srgbClr val="008000"/>
-                </a:solidFill>
-                <a:highlight>
-                  <a:srgbClr val="FFFFFF"/>
-                </a:highlight>
-                <a:latin typeface="ＭＳ ゴシック" panose="020B0609070205080204" pitchFamily="49" charset="-128"/>
-                <a:ea typeface="ＭＳ ゴシック" panose="020B0609070205080204" pitchFamily="49" charset="-128"/>
-              </a:rPr>
-              <a:t>X </a:t>
-            </a:r>
-            <a:r>
-              <a:rPr lang="ja-JP" altLang="en-US" sz="2200" dirty="0">
-                <a:solidFill>
-                  <a:srgbClr val="008000"/>
-                </a:solidFill>
-                <a:highlight>
-                  <a:srgbClr val="FFFFFF"/>
-                </a:highlight>
-                <a:latin typeface="ＭＳ ゴシック" panose="020B0609070205080204" pitchFamily="49" charset="-128"/>
-                <a:ea typeface="ＭＳ ゴシック" panose="020B0609070205080204" pitchFamily="49" charset="-128"/>
-              </a:rPr>
-              <a:t>成分を反転</a:t>
-            </a:r>
-            <a:br>
-              <a:rPr lang="en-US" altLang="ja-JP" sz="2200" dirty="0">
-                <a:solidFill>
-                  <a:srgbClr val="000000"/>
-                </a:solidFill>
-                <a:highlight>
-                  <a:srgbClr val="FFFFFF"/>
-                </a:highlight>
-                <a:ea typeface="ＭＳ ゴシック" panose="020B0609070205080204" pitchFamily="49" charset="-128"/>
-              </a:rPr>
-            </a:br>
-            <a:r>
-              <a:rPr lang="en-US" altLang="ja-JP" sz="2200" dirty="0">
-                <a:solidFill>
-                  <a:srgbClr val="000000"/>
-                </a:solidFill>
-                <a:highlight>
-                  <a:srgbClr val="FFFFFF"/>
-                </a:highlight>
-                <a:ea typeface="ＭＳ ゴシック" panose="020B0609070205080204" pitchFamily="49" charset="-128"/>
-              </a:rPr>
-              <a:t>        }</a:t>
-            </a:r>
-            <a:br>
-              <a:rPr lang="en-US" altLang="ja-JP" sz="2200" dirty="0">
-                <a:solidFill>
-                  <a:srgbClr val="000000"/>
-                </a:solidFill>
-                <a:highlight>
-                  <a:srgbClr val="FFFFFF"/>
-                </a:highlight>
-                <a:ea typeface="ＭＳ ゴシック" panose="020B0609070205080204" pitchFamily="49" charset="-128"/>
-              </a:rPr>
-            </a:br>
-            <a:r>
-              <a:rPr lang="en-US" altLang="ja-JP" sz="2200" dirty="0">
-                <a:solidFill>
-                  <a:srgbClr val="000000"/>
-                </a:solidFill>
-                <a:highlight>
-                  <a:srgbClr val="FFFFFF"/>
-                </a:highlight>
-                <a:ea typeface="ＭＳ ゴシック" panose="020B0609070205080204" pitchFamily="49" charset="-128"/>
-              </a:rPr>
-              <a:t>        </a:t>
-            </a:r>
-            <a:r>
-              <a:rPr lang="en-US" altLang="ja-JP" sz="2200" dirty="0">
-                <a:solidFill>
-                  <a:srgbClr val="0000FF"/>
-                </a:solidFill>
-                <a:highlight>
-                  <a:srgbClr val="FFFFFF"/>
-                </a:highlight>
-                <a:ea typeface="ＭＳ ゴシック" panose="020B0609070205080204" pitchFamily="49" charset="-128"/>
-              </a:rPr>
-              <a:t>delete</a:t>
-            </a:r>
-            <a:r>
-              <a:rPr lang="en-US" altLang="ja-JP" sz="2200" dirty="0">
-                <a:solidFill>
-                  <a:srgbClr val="000000"/>
-                </a:solidFill>
-                <a:highlight>
-                  <a:srgbClr val="FFFFFF"/>
-                </a:highlight>
-                <a:ea typeface="ＭＳ ゴシック" panose="020B0609070205080204" pitchFamily="49" charset="-128"/>
-              </a:rPr>
-              <a:t> *(bricks</a:t>
-            </a:r>
-            <a:r>
-              <a:rPr lang="en-US" altLang="ja-JP" sz="2200" dirty="0">
-                <a:solidFill>
-                  <a:srgbClr val="008080"/>
-                </a:solidFill>
-                <a:highlight>
-                  <a:srgbClr val="FFFFFF"/>
-                </a:highlight>
-                <a:ea typeface="ＭＳ ゴシック" panose="020B0609070205080204" pitchFamily="49" charset="-128"/>
-              </a:rPr>
-              <a:t>[</a:t>
-            </a:r>
-            <a:r>
-              <a:rPr lang="en-US" altLang="ja-JP" sz="2200" dirty="0">
-                <a:solidFill>
-                  <a:srgbClr val="000000"/>
-                </a:solidFill>
-                <a:highlight>
-                  <a:srgbClr val="FFFFFF"/>
-                </a:highlight>
-                <a:ea typeface="ＭＳ ゴシック" panose="020B0609070205080204" pitchFamily="49" charset="-128"/>
-              </a:rPr>
-              <a:t>y</a:t>
-            </a:r>
-            <a:r>
-              <a:rPr lang="en-US" altLang="ja-JP" sz="2200" dirty="0">
-                <a:solidFill>
-                  <a:srgbClr val="008080"/>
-                </a:solidFill>
-                <a:highlight>
-                  <a:srgbClr val="FFFFFF"/>
-                </a:highlight>
-                <a:ea typeface="ＭＳ ゴシック" panose="020B0609070205080204" pitchFamily="49" charset="-128"/>
-              </a:rPr>
-              <a:t>]</a:t>
-            </a:r>
-            <a:r>
-              <a:rPr lang="en-US" altLang="ja-JP" sz="2200" dirty="0">
-                <a:solidFill>
-                  <a:srgbClr val="000000"/>
-                </a:solidFill>
-                <a:highlight>
-                  <a:srgbClr val="FFFFFF"/>
-                </a:highlight>
-                <a:ea typeface="ＭＳ ゴシック" panose="020B0609070205080204" pitchFamily="49" charset="-128"/>
-              </a:rPr>
-              <a:t>.begin() </a:t>
-            </a:r>
-            <a:r>
-              <a:rPr lang="en-US" altLang="ja-JP" sz="2200" dirty="0">
-                <a:solidFill>
-                  <a:srgbClr val="008080"/>
-                </a:solidFill>
-                <a:highlight>
-                  <a:srgbClr val="FFFFFF"/>
-                </a:highlight>
-                <a:ea typeface="ＭＳ ゴシック" panose="020B0609070205080204" pitchFamily="49" charset="-128"/>
-              </a:rPr>
-              <a:t>+</a:t>
-            </a:r>
-            <a:r>
-              <a:rPr lang="en-US" altLang="ja-JP" sz="2200" dirty="0">
-                <a:solidFill>
-                  <a:srgbClr val="000000"/>
-                </a:solidFill>
-                <a:highlight>
-                  <a:srgbClr val="FFFFFF"/>
-                </a:highlight>
-                <a:ea typeface="ＭＳ ゴシック" panose="020B0609070205080204" pitchFamily="49" charset="-128"/>
-              </a:rPr>
-              <a:t> x); </a:t>
-            </a:r>
-            <a:r>
-              <a:rPr lang="en-US" altLang="ja-JP" sz="2200" dirty="0">
-                <a:solidFill>
-                  <a:srgbClr val="008000"/>
-                </a:solidFill>
-                <a:highlight>
-                  <a:srgbClr val="FFFFFF"/>
-                </a:highlight>
-                <a:latin typeface="ＭＳ ゴシック" panose="020B0609070205080204" pitchFamily="49" charset="-128"/>
-                <a:ea typeface="ＭＳ ゴシック" panose="020B0609070205080204" pitchFamily="49" charset="-128"/>
-              </a:rPr>
-              <a:t>//</a:t>
-            </a:r>
-            <a:r>
-              <a:rPr lang="ja-JP" altLang="en-US" sz="2200" dirty="0">
-                <a:solidFill>
-                  <a:srgbClr val="008000"/>
-                </a:solidFill>
-                <a:highlight>
-                  <a:srgbClr val="FFFFFF"/>
-                </a:highlight>
-                <a:latin typeface="ＭＳ ゴシック" panose="020B0609070205080204" pitchFamily="49" charset="-128"/>
-                <a:ea typeface="ＭＳ ゴシック" panose="020B0609070205080204" pitchFamily="49" charset="-128"/>
-              </a:rPr>
-              <a:t>ブロックのメモリ領域削除</a:t>
-            </a:r>
-            <a:br>
-              <a:rPr lang="en-US" altLang="ja-JP" sz="2200" dirty="0">
-                <a:solidFill>
-                  <a:srgbClr val="008000"/>
-                </a:solidFill>
-                <a:highlight>
-                  <a:srgbClr val="FFFFFF"/>
-                </a:highlight>
-                <a:latin typeface="ＭＳ ゴシック" panose="020B0609070205080204" pitchFamily="49" charset="-128"/>
-                <a:ea typeface="ＭＳ ゴシック" panose="020B0609070205080204" pitchFamily="49" charset="-128"/>
-              </a:rPr>
-            </a:br>
-            <a:r>
-              <a:rPr lang="en-US" altLang="ja-JP" sz="2200" dirty="0">
-                <a:solidFill>
-                  <a:srgbClr val="000000"/>
-                </a:solidFill>
-                <a:highlight>
-                  <a:srgbClr val="FFFFFF"/>
-                </a:highlight>
-                <a:latin typeface="ＭＳ ゴシック" panose="020B0609070205080204" pitchFamily="49" charset="-128"/>
-                <a:ea typeface="ＭＳ ゴシック" panose="020B0609070205080204" pitchFamily="49" charset="-128"/>
-              </a:rPr>
-              <a:t>          </a:t>
-            </a:r>
-            <a:r>
-              <a:rPr lang="en-US" altLang="ja-JP" sz="2200" dirty="0">
-                <a:solidFill>
-                  <a:srgbClr val="000000"/>
-                </a:solidFill>
-                <a:highlight>
-                  <a:srgbClr val="FFFFFF"/>
-                </a:highlight>
-                <a:ea typeface="ＭＳ ゴシック" panose="020B0609070205080204" pitchFamily="49" charset="-128"/>
-              </a:rPr>
-              <a:t>bricks</a:t>
-            </a:r>
-            <a:r>
-              <a:rPr lang="en-US" altLang="ja-JP" sz="2200" dirty="0">
-                <a:solidFill>
-                  <a:srgbClr val="008080"/>
-                </a:solidFill>
-                <a:highlight>
-                  <a:srgbClr val="FFFFFF"/>
-                </a:highlight>
-                <a:ea typeface="ＭＳ ゴシック" panose="020B0609070205080204" pitchFamily="49" charset="-128"/>
-              </a:rPr>
-              <a:t>[</a:t>
-            </a:r>
-            <a:r>
-              <a:rPr lang="en-US" altLang="ja-JP" sz="2200" dirty="0">
-                <a:solidFill>
-                  <a:srgbClr val="000000"/>
-                </a:solidFill>
-                <a:highlight>
-                  <a:srgbClr val="FFFFFF"/>
-                </a:highlight>
-                <a:ea typeface="ＭＳ ゴシック" panose="020B0609070205080204" pitchFamily="49" charset="-128"/>
-              </a:rPr>
-              <a:t>y</a:t>
-            </a:r>
-            <a:r>
-              <a:rPr lang="en-US" altLang="ja-JP" sz="2200" dirty="0">
-                <a:solidFill>
-                  <a:srgbClr val="008080"/>
-                </a:solidFill>
-                <a:highlight>
-                  <a:srgbClr val="FFFFFF"/>
-                </a:highlight>
-                <a:ea typeface="ＭＳ ゴシック" panose="020B0609070205080204" pitchFamily="49" charset="-128"/>
-              </a:rPr>
-              <a:t>]</a:t>
-            </a:r>
-            <a:r>
-              <a:rPr lang="en-US" altLang="ja-JP" sz="2200" dirty="0">
-                <a:solidFill>
-                  <a:srgbClr val="000000"/>
-                </a:solidFill>
-                <a:highlight>
-                  <a:srgbClr val="FFFFFF"/>
-                </a:highlight>
-                <a:ea typeface="ＭＳ ゴシック" panose="020B0609070205080204" pitchFamily="49" charset="-128"/>
-              </a:rPr>
-              <a:t>.erase(bricks</a:t>
-            </a:r>
-            <a:r>
-              <a:rPr lang="en-US" altLang="ja-JP" sz="2200" dirty="0">
-                <a:solidFill>
-                  <a:srgbClr val="008080"/>
-                </a:solidFill>
-                <a:highlight>
-                  <a:srgbClr val="FFFFFF"/>
-                </a:highlight>
-                <a:ea typeface="ＭＳ ゴシック" panose="020B0609070205080204" pitchFamily="49" charset="-128"/>
-              </a:rPr>
-              <a:t>[</a:t>
-            </a:r>
-            <a:r>
-              <a:rPr lang="en-US" altLang="ja-JP" sz="2200" dirty="0">
-                <a:solidFill>
-                  <a:srgbClr val="000000"/>
-                </a:solidFill>
-                <a:highlight>
-                  <a:srgbClr val="FFFFFF"/>
-                </a:highlight>
-                <a:ea typeface="ＭＳ ゴシック" panose="020B0609070205080204" pitchFamily="49" charset="-128"/>
-              </a:rPr>
-              <a:t>y</a:t>
-            </a:r>
-            <a:r>
-              <a:rPr lang="en-US" altLang="ja-JP" sz="2200" dirty="0">
-                <a:solidFill>
-                  <a:srgbClr val="008080"/>
-                </a:solidFill>
-                <a:highlight>
-                  <a:srgbClr val="FFFFFF"/>
-                </a:highlight>
-                <a:ea typeface="ＭＳ ゴシック" panose="020B0609070205080204" pitchFamily="49" charset="-128"/>
-              </a:rPr>
-              <a:t>]</a:t>
-            </a:r>
-            <a:r>
-              <a:rPr lang="en-US" altLang="ja-JP" sz="2200" dirty="0">
-                <a:solidFill>
-                  <a:srgbClr val="000000"/>
-                </a:solidFill>
-                <a:highlight>
-                  <a:srgbClr val="FFFFFF"/>
-                </a:highlight>
-                <a:ea typeface="ＭＳ ゴシック" panose="020B0609070205080204" pitchFamily="49" charset="-128"/>
-              </a:rPr>
-              <a:t>.begin() </a:t>
-            </a:r>
-            <a:r>
-              <a:rPr lang="en-US" altLang="ja-JP" sz="2200" dirty="0">
-                <a:solidFill>
-                  <a:srgbClr val="008080"/>
-                </a:solidFill>
-                <a:highlight>
-                  <a:srgbClr val="FFFFFF"/>
-                </a:highlight>
-                <a:ea typeface="ＭＳ ゴシック" panose="020B0609070205080204" pitchFamily="49" charset="-128"/>
-              </a:rPr>
-              <a:t>+</a:t>
-            </a:r>
-            <a:r>
-              <a:rPr lang="en-US" altLang="ja-JP" sz="2200" dirty="0">
-                <a:solidFill>
-                  <a:srgbClr val="000000"/>
-                </a:solidFill>
-                <a:highlight>
-                  <a:srgbClr val="FFFFFF"/>
-                </a:highlight>
-                <a:ea typeface="ＭＳ ゴシック" panose="020B0609070205080204" pitchFamily="49" charset="-128"/>
-              </a:rPr>
-              <a:t> x);</a:t>
-            </a:r>
-            <a:r>
-              <a:rPr lang="en-US" altLang="ja-JP" sz="2200" dirty="0">
-                <a:solidFill>
-                  <a:srgbClr val="008000"/>
-                </a:solidFill>
-                <a:highlight>
-                  <a:srgbClr val="FFFFFF"/>
-                </a:highlight>
-                <a:latin typeface="ＭＳ ゴシック" panose="020B0609070205080204" pitchFamily="49" charset="-128"/>
-                <a:ea typeface="ＭＳ ゴシック" panose="020B0609070205080204" pitchFamily="49" charset="-128"/>
-              </a:rPr>
-              <a:t>//</a:t>
-            </a:r>
-            <a:r>
-              <a:rPr lang="ja-JP" altLang="en-US" sz="2200" dirty="0">
-                <a:solidFill>
-                  <a:srgbClr val="008000"/>
-                </a:solidFill>
-                <a:highlight>
-                  <a:srgbClr val="FFFFFF"/>
-                </a:highlight>
-                <a:latin typeface="ＭＳ ゴシック" panose="020B0609070205080204" pitchFamily="49" charset="-128"/>
-                <a:ea typeface="ＭＳ ゴシック" panose="020B0609070205080204" pitchFamily="49" charset="-128"/>
-              </a:rPr>
-              <a:t>配列要素を削除</a:t>
-            </a:r>
-            <a:br>
-              <a:rPr lang="en-US" altLang="ja-JP" sz="2200" dirty="0">
-                <a:solidFill>
-                  <a:srgbClr val="000000"/>
-                </a:solidFill>
-                <a:highlight>
-                  <a:srgbClr val="FFFFFF"/>
-                </a:highlight>
-                <a:ea typeface="ＭＳ ゴシック" panose="020B0609070205080204" pitchFamily="49" charset="-128"/>
-              </a:rPr>
-            </a:br>
-            <a:r>
-              <a:rPr lang="en-US" altLang="ja-JP" sz="2200" dirty="0">
-                <a:solidFill>
-                  <a:srgbClr val="000000"/>
-                </a:solidFill>
-                <a:highlight>
-                  <a:srgbClr val="FFFFFF"/>
-                </a:highlight>
-                <a:ea typeface="ＭＳ ゴシック" panose="020B0609070205080204" pitchFamily="49" charset="-128"/>
-              </a:rPr>
-              <a:t>        </a:t>
-            </a:r>
-            <a:r>
-              <a:rPr lang="en-US" altLang="ja-JP" sz="2200" dirty="0">
-                <a:solidFill>
-                  <a:srgbClr val="0000FF"/>
-                </a:solidFill>
-                <a:highlight>
-                  <a:srgbClr val="FFFFFF"/>
-                </a:highlight>
-                <a:ea typeface="ＭＳ ゴシック" panose="020B0609070205080204" pitchFamily="49" charset="-128"/>
-              </a:rPr>
-              <a:t>break</a:t>
-            </a:r>
-            <a:r>
-              <a:rPr lang="en-US" altLang="ja-JP" sz="2200" dirty="0">
-                <a:solidFill>
-                  <a:srgbClr val="000000"/>
-                </a:solidFill>
-                <a:highlight>
-                  <a:srgbClr val="FFFFFF"/>
-                </a:highlight>
-                <a:ea typeface="ＭＳ ゴシック" panose="020B0609070205080204" pitchFamily="49" charset="-128"/>
-              </a:rPr>
-              <a:t>;</a:t>
-            </a:r>
-            <a:r>
-              <a:rPr lang="en-US" altLang="ja-JP" sz="2200" dirty="0">
-                <a:solidFill>
-                  <a:srgbClr val="008000"/>
-                </a:solidFill>
-                <a:highlight>
-                  <a:srgbClr val="FFFFFF"/>
-                </a:highlight>
-                <a:latin typeface="ＭＳ ゴシック" panose="020B0609070205080204" pitchFamily="49" charset="-128"/>
-                <a:ea typeface="ＭＳ ゴシック" panose="020B0609070205080204" pitchFamily="49" charset="-128"/>
-              </a:rPr>
-              <a:t> //</a:t>
-            </a:r>
-            <a:r>
-              <a:rPr lang="ja-JP" altLang="en-US" sz="2200" dirty="0">
-                <a:solidFill>
-                  <a:srgbClr val="008000"/>
-                </a:solidFill>
-                <a:highlight>
-                  <a:srgbClr val="FFFFFF"/>
-                </a:highlight>
-                <a:latin typeface="ＭＳ ゴシック" panose="020B0609070205080204" pitchFamily="49" charset="-128"/>
-                <a:ea typeface="ＭＳ ゴシック" panose="020B0609070205080204" pitchFamily="49" charset="-128"/>
-              </a:rPr>
-              <a:t>これ以上チェックせずループから抜ける</a:t>
-            </a:r>
-            <a:br>
-              <a:rPr lang="en-US" altLang="ja-JP" sz="2200" dirty="0">
-                <a:solidFill>
-                  <a:srgbClr val="000000"/>
-                </a:solidFill>
-                <a:highlight>
-                  <a:srgbClr val="FFFFFF"/>
-                </a:highlight>
-                <a:latin typeface="ＭＳ ゴシック" panose="020B0609070205080204" pitchFamily="49" charset="-128"/>
-                <a:ea typeface="ＭＳ ゴシック" panose="020B0609070205080204" pitchFamily="49" charset="-128"/>
-              </a:rPr>
-            </a:br>
-            <a:r>
-              <a:rPr lang="en-US" altLang="ja-JP" sz="2200" dirty="0">
-                <a:solidFill>
-                  <a:srgbClr val="000000"/>
-                </a:solidFill>
-                <a:highlight>
-                  <a:srgbClr val="FFFFFF"/>
-                </a:highlight>
-                <a:latin typeface="ＭＳ ゴシック" panose="020B0609070205080204" pitchFamily="49" charset="-128"/>
-                <a:ea typeface="ＭＳ ゴシック" panose="020B0609070205080204" pitchFamily="49" charset="-128"/>
-              </a:rPr>
-              <a:t>      </a:t>
-            </a:r>
-            <a:r>
-              <a:rPr lang="en-US" altLang="ja-JP" sz="2200" dirty="0">
-                <a:solidFill>
-                  <a:srgbClr val="000000"/>
-                </a:solidFill>
-                <a:highlight>
-                  <a:srgbClr val="FFFFFF"/>
-                </a:highlight>
-                <a:ea typeface="ＭＳ ゴシック" panose="020B0609070205080204" pitchFamily="49" charset="-128"/>
-              </a:rPr>
-              <a:t>}</a:t>
-            </a:r>
-            <a:br>
-              <a:rPr lang="en-US" altLang="ja-JP" sz="2200" dirty="0">
-                <a:solidFill>
-                  <a:srgbClr val="000000"/>
-                </a:solidFill>
-                <a:highlight>
-                  <a:srgbClr val="FFFFFF"/>
-                </a:highlight>
-                <a:ea typeface="ＭＳ ゴシック" panose="020B0609070205080204" pitchFamily="49" charset="-128"/>
-              </a:rPr>
-            </a:br>
-            <a:r>
-              <a:rPr lang="en-US" altLang="ja-JP" sz="2200" dirty="0">
-                <a:solidFill>
-                  <a:srgbClr val="000000"/>
-                </a:solidFill>
-                <a:highlight>
-                  <a:srgbClr val="FFFFFF"/>
-                </a:highlight>
-                <a:ea typeface="ＭＳ ゴシック" panose="020B0609070205080204" pitchFamily="49" charset="-128"/>
-              </a:rPr>
-              <a:t>   }</a:t>
-            </a:r>
-            <a:br>
-              <a:rPr lang="en-US" altLang="ja-JP" sz="2200" dirty="0">
-                <a:solidFill>
-                  <a:srgbClr val="000000"/>
-                </a:solidFill>
-                <a:highlight>
-                  <a:srgbClr val="FFFFFF"/>
-                </a:highlight>
-                <a:ea typeface="ＭＳ ゴシック" panose="020B0609070205080204" pitchFamily="49" charset="-128"/>
-              </a:rPr>
-            </a:br>
-            <a:r>
-              <a:rPr lang="en-US" altLang="ja-JP" sz="2200" dirty="0">
-                <a:solidFill>
-                  <a:srgbClr val="000000"/>
-                </a:solidFill>
-                <a:highlight>
-                  <a:srgbClr val="FFFFFF"/>
-                </a:highlight>
-                <a:ea typeface="ＭＳ ゴシック" panose="020B0609070205080204" pitchFamily="49" charset="-128"/>
-              </a:rPr>
-              <a:t> }</a:t>
-            </a:r>
-            <a:br>
-              <a:rPr lang="en-US" altLang="ja-JP" sz="2200" dirty="0">
-                <a:solidFill>
-                  <a:srgbClr val="000000"/>
-                </a:solidFill>
-                <a:highlight>
-                  <a:srgbClr val="FFFFFF"/>
-                </a:highlight>
-                <a:ea typeface="ＭＳ ゴシック" panose="020B0609070205080204" pitchFamily="49" charset="-128"/>
-              </a:rPr>
-            </a:br>
-            <a:r>
-              <a:rPr lang="en-US" altLang="ja-JP" sz="2200" dirty="0">
-                <a:solidFill>
-                  <a:srgbClr val="000000"/>
-                </a:solidFill>
-                <a:highlight>
-                  <a:srgbClr val="FFFFFF"/>
-                </a:highlight>
-                <a:ea typeface="ＭＳ ゴシック" panose="020B0609070205080204" pitchFamily="49" charset="-128"/>
-              </a:rPr>
-              <a:t> </a:t>
-            </a:r>
-            <a:r>
-              <a:rPr lang="en-US" altLang="ja-JP" sz="2200" dirty="0">
-                <a:solidFill>
-                  <a:srgbClr val="008000"/>
-                </a:solidFill>
-                <a:highlight>
-                  <a:srgbClr val="FFFFFF"/>
-                </a:highlight>
-                <a:latin typeface="ＭＳ ゴシック" panose="020B0609070205080204" pitchFamily="49" charset="-128"/>
-                <a:ea typeface="ＭＳ ゴシック" panose="020B0609070205080204" pitchFamily="49" charset="-128"/>
-              </a:rPr>
-              <a:t>//</a:t>
-            </a:r>
-            <a:r>
-              <a:rPr lang="ja-JP" altLang="en-US" sz="2200" dirty="0">
-                <a:solidFill>
-                  <a:srgbClr val="008000"/>
-                </a:solidFill>
-                <a:highlight>
-                  <a:srgbClr val="FFFFFF"/>
-                </a:highlight>
-                <a:latin typeface="ＭＳ ゴシック" panose="020B0609070205080204" pitchFamily="49" charset="-128"/>
-                <a:ea typeface="ＭＳ ゴシック" panose="020B0609070205080204" pitchFamily="49" charset="-128"/>
-              </a:rPr>
-              <a:t>ブロックの表示前に上記処理を挿入</a:t>
-            </a:r>
-            <a:endParaRPr lang="en-US" altLang="ja-JP" sz="2200" dirty="0">
-              <a:solidFill>
-                <a:srgbClr val="000000"/>
-              </a:solidFill>
-              <a:highlight>
-                <a:srgbClr val="FFFFFF"/>
-              </a:highlight>
-              <a:ea typeface="ＭＳ ゴシック" panose="020B0609070205080204" pitchFamily="49" charset="-128"/>
-            </a:endParaRPr>
-          </a:p>
-        </p:txBody>
-      </p:sp>
-      <p:sp>
-        <p:nvSpPr>
-          <p:cNvPr id="7" name="テキスト ボックス 6">
-            <a:extLst>
-              <a:ext uri="{FF2B5EF4-FFF2-40B4-BE49-F238E27FC236}">
-                <a16:creationId xmlns:a16="http://schemas.microsoft.com/office/drawing/2014/main" id="{0FA83AA6-6399-5FC4-814F-7E9A6DB699E5}"/>
-              </a:ext>
-            </a:extLst>
-          </p:cNvPr>
-          <p:cNvSpPr txBox="1"/>
-          <p:nvPr/>
-        </p:nvSpPr>
-        <p:spPr>
-          <a:xfrm>
-            <a:off x="9494583" y="516645"/>
-            <a:ext cx="2480166" cy="646331"/>
-          </a:xfrm>
-          <a:prstGeom prst="rect">
-            <a:avLst/>
-          </a:prstGeom>
-          <a:noFill/>
-        </p:spPr>
-        <p:txBody>
-          <a:bodyPr wrap="none" rtlCol="0">
-            <a:spAutoFit/>
-          </a:bodyPr>
-          <a:lstStyle/>
-          <a:p>
-            <a:r>
-              <a:rPr kumimoji="1" lang="en-US" altLang="ja-JP" sz="3600" dirty="0"/>
-              <a:t>Main.cpp</a:t>
-            </a:r>
-            <a:endParaRPr kumimoji="1" lang="ja-JP" altLang="en-US" sz="3600" dirty="0"/>
-          </a:p>
-        </p:txBody>
-      </p:sp>
-    </p:spTree>
-    <p:extLst>
-      <p:ext uri="{BB962C8B-B14F-4D97-AF65-F5344CB8AC3E}">
-        <p14:creationId xmlns:p14="http://schemas.microsoft.com/office/powerpoint/2010/main" val="3611730223"/>
       </p:ext>
     </p:extLst>
   </p:cSld>
@@ -38913,6 +37494,1865 @@
     <p:extLst>
       <p:ext uri="{BB962C8B-B14F-4D97-AF65-F5344CB8AC3E}">
         <p14:creationId xmlns:p14="http://schemas.microsoft.com/office/powerpoint/2010/main" val="3461653540"/>
+      </p:ext>
+    </p:extLst>
+  </p:cSld>
+  <p:clrMapOvr>
+    <a:masterClrMapping/>
+  </p:clrMapOvr>
+</p:sld>
+</file>
+
+<file path=ppt/slides/slide50.xml><?xml version="1.0" encoding="utf-8"?>
+<p:sld xmlns:a="http://schemas.openxmlformats.org/drawingml/2006/main" xmlns:r="http://schemas.openxmlformats.org/officeDocument/2006/relationships" xmlns:p="http://schemas.openxmlformats.org/presentationml/2006/main">
+  <p:cSld>
+    <p:spTree>
+      <p:nvGrpSpPr>
+        <p:cNvPr id="1" name="">
+          <a:extLst>
+            <a:ext uri="{FF2B5EF4-FFF2-40B4-BE49-F238E27FC236}">
+              <a16:creationId xmlns:a16="http://schemas.microsoft.com/office/drawing/2014/main" id="{4B85CF5D-5141-A250-F680-EAA3BDF70FEA}"/>
+            </a:ext>
+          </a:extLst>
+        </p:cNvPr>
+        <p:cNvGrpSpPr/>
+        <p:nvPr/>
+      </p:nvGrpSpPr>
+      <p:grpSpPr>
+        <a:xfrm>
+          <a:off x="0" y="0"/>
+          <a:ext cx="0" cy="0"/>
+          <a:chOff x="0" y="0"/>
+          <a:chExt cx="0" cy="0"/>
+        </a:xfrm>
+      </p:grpSpPr>
+      <p:sp>
+        <p:nvSpPr>
+          <p:cNvPr id="2" name="タイトル 1">
+            <a:extLst>
+              <a:ext uri="{FF2B5EF4-FFF2-40B4-BE49-F238E27FC236}">
+                <a16:creationId xmlns:a16="http://schemas.microsoft.com/office/drawing/2014/main" id="{F6D8D91B-DFBF-3442-F7D8-A892D65068B7}"/>
+              </a:ext>
+            </a:extLst>
+          </p:cNvPr>
+          <p:cNvSpPr>
+            <a:spLocks noGrp="1"/>
+          </p:cNvSpPr>
+          <p:nvPr>
+            <p:ph type="title"/>
+          </p:nvPr>
+        </p:nvSpPr>
+        <p:spPr/>
+        <p:txBody>
+          <a:bodyPr>
+            <a:normAutofit/>
+          </a:bodyPr>
+          <a:lstStyle/>
+          <a:p>
+            <a:r>
+              <a:rPr kumimoji="1" lang="ja-JP" altLang="en-US" dirty="0"/>
+              <a:t>演習：</a:t>
+            </a:r>
+            <a:r>
+              <a:rPr lang="en-US" altLang="ja-JP" dirty="0"/>
+              <a:t>Siv3D</a:t>
+            </a:r>
+            <a:endParaRPr kumimoji="1" lang="ja-JP" altLang="en-US" dirty="0"/>
+          </a:p>
+        </p:txBody>
+      </p:sp>
+      <p:sp>
+        <p:nvSpPr>
+          <p:cNvPr id="4" name="コンテンツ プレースホルダー 2">
+            <a:extLst>
+              <a:ext uri="{FF2B5EF4-FFF2-40B4-BE49-F238E27FC236}">
+                <a16:creationId xmlns:a16="http://schemas.microsoft.com/office/drawing/2014/main" id="{CA5E3B5F-E7B2-4FA3-0288-8B7EF74A836D}"/>
+              </a:ext>
+            </a:extLst>
+          </p:cNvPr>
+          <p:cNvSpPr txBox="1">
+            <a:spLocks/>
+          </p:cNvSpPr>
+          <p:nvPr/>
+        </p:nvSpPr>
+        <p:spPr>
+          <a:xfrm>
+            <a:off x="731195" y="1162976"/>
+            <a:ext cx="11136549" cy="5626930"/>
+          </a:xfrm>
+          <a:prstGeom prst="rect">
+            <a:avLst/>
+          </a:prstGeom>
+          <a:solidFill>
+            <a:schemeClr val="bg1"/>
+          </a:solidFill>
+          <a:ln>
+            <a:solidFill>
+              <a:schemeClr val="tx1"/>
+            </a:solidFill>
+          </a:ln>
+        </p:spPr>
+        <p:txBody>
+          <a:bodyPr vert="horz" lIns="91440" tIns="45720" rIns="91440" bIns="45720" rtlCol="0">
+            <a:noAutofit/>
+          </a:bodyPr>
+          <a:lstStyle>
+            <a:lvl1pPr marL="228600" indent="-228600" algn="l" defTabSz="914400" rtl="0" eaLnBrk="1" latinLnBrk="0" hangingPunct="1">
+              <a:lnSpc>
+                <a:spcPct val="90000"/>
+              </a:lnSpc>
+              <a:spcBef>
+                <a:spcPts val="1000"/>
+              </a:spcBef>
+              <a:buFont typeface="Arial" panose="020B0604020202020204" pitchFamily="34" charset="0"/>
+              <a:buChar char="•"/>
+              <a:defRPr kumimoji="1" sz="3600" kern="1200">
+                <a:solidFill>
+                  <a:schemeClr val="tx1"/>
+                </a:solidFill>
+                <a:latin typeface="+mn-lt"/>
+                <a:ea typeface="+mn-ea"/>
+                <a:cs typeface="+mn-cs"/>
+              </a:defRPr>
+            </a:lvl1pPr>
+            <a:lvl2pPr marL="685800" indent="-228600" algn="l" defTabSz="914400" rtl="0" eaLnBrk="1" latinLnBrk="0" hangingPunct="1">
+              <a:lnSpc>
+                <a:spcPct val="90000"/>
+              </a:lnSpc>
+              <a:spcBef>
+                <a:spcPts val="500"/>
+              </a:spcBef>
+              <a:buFont typeface="Arial" panose="020B0604020202020204" pitchFamily="34" charset="0"/>
+              <a:buChar char="•"/>
+              <a:defRPr kumimoji="1" sz="3200" kern="1200">
+                <a:solidFill>
+                  <a:schemeClr val="tx1"/>
+                </a:solidFill>
+                <a:latin typeface="+mn-lt"/>
+                <a:ea typeface="+mn-ea"/>
+                <a:cs typeface="+mn-cs"/>
+              </a:defRPr>
+            </a:lvl2pPr>
+            <a:lvl3pPr marL="1143000" indent="-228600" algn="l" defTabSz="914400" rtl="0" eaLnBrk="1" latinLnBrk="0" hangingPunct="1">
+              <a:lnSpc>
+                <a:spcPct val="90000"/>
+              </a:lnSpc>
+              <a:spcBef>
+                <a:spcPts val="500"/>
+              </a:spcBef>
+              <a:buFont typeface="Arial" panose="020B0604020202020204" pitchFamily="34" charset="0"/>
+              <a:buChar char="•"/>
+              <a:defRPr kumimoji="1" sz="2800" kern="1200">
+                <a:solidFill>
+                  <a:schemeClr val="tx1"/>
+                </a:solidFill>
+                <a:latin typeface="+mn-lt"/>
+                <a:ea typeface="+mn-ea"/>
+                <a:cs typeface="+mn-cs"/>
+              </a:defRPr>
+            </a:lvl3pPr>
+            <a:lvl4pPr marL="1600200" indent="-228600" algn="l" defTabSz="914400" rtl="0" eaLnBrk="1" latinLnBrk="0" hangingPunct="1">
+              <a:lnSpc>
+                <a:spcPct val="90000"/>
+              </a:lnSpc>
+              <a:spcBef>
+                <a:spcPts val="500"/>
+              </a:spcBef>
+              <a:buFont typeface="Arial" panose="020B0604020202020204" pitchFamily="34" charset="0"/>
+              <a:buChar char="•"/>
+              <a:defRPr kumimoji="1" sz="2400" kern="1200">
+                <a:solidFill>
+                  <a:schemeClr val="tx1"/>
+                </a:solidFill>
+                <a:latin typeface="+mn-lt"/>
+                <a:ea typeface="+mn-ea"/>
+                <a:cs typeface="+mn-cs"/>
+              </a:defRPr>
+            </a:lvl4pPr>
+            <a:lvl5pPr marL="2057400" indent="-228600" algn="l" defTabSz="914400" rtl="0" eaLnBrk="1" latinLnBrk="0" hangingPunct="1">
+              <a:lnSpc>
+                <a:spcPct val="90000"/>
+              </a:lnSpc>
+              <a:spcBef>
+                <a:spcPts val="500"/>
+              </a:spcBef>
+              <a:buFont typeface="Arial" panose="020B0604020202020204" pitchFamily="34" charset="0"/>
+              <a:buChar char="•"/>
+              <a:defRPr kumimoji="1" sz="2400" kern="1200">
+                <a:solidFill>
+                  <a:schemeClr val="tx1"/>
+                </a:solidFill>
+                <a:latin typeface="+mn-lt"/>
+                <a:ea typeface="+mn-ea"/>
+                <a:cs typeface="+mn-cs"/>
+              </a:defRPr>
+            </a:lvl5pPr>
+            <a:lvl6pPr marL="2514600" indent="-228600" algn="l" defTabSz="914400" rtl="0" eaLnBrk="1" latinLnBrk="0" hangingPunct="1">
+              <a:lnSpc>
+                <a:spcPct val="90000"/>
+              </a:lnSpc>
+              <a:spcBef>
+                <a:spcPts val="500"/>
+              </a:spcBef>
+              <a:buFont typeface="Arial" panose="020B0604020202020204" pitchFamily="34" charset="0"/>
+              <a:buChar char="•"/>
+              <a:defRPr kumimoji="1" sz="1800" kern="1200">
+                <a:solidFill>
+                  <a:schemeClr val="tx1"/>
+                </a:solidFill>
+                <a:latin typeface="+mn-lt"/>
+                <a:ea typeface="+mn-ea"/>
+                <a:cs typeface="+mn-cs"/>
+              </a:defRPr>
+            </a:lvl6pPr>
+            <a:lvl7pPr marL="2971800" indent="-228600" algn="l" defTabSz="914400" rtl="0" eaLnBrk="1" latinLnBrk="0" hangingPunct="1">
+              <a:lnSpc>
+                <a:spcPct val="90000"/>
+              </a:lnSpc>
+              <a:spcBef>
+                <a:spcPts val="500"/>
+              </a:spcBef>
+              <a:buFont typeface="Arial" panose="020B0604020202020204" pitchFamily="34" charset="0"/>
+              <a:buChar char="•"/>
+              <a:defRPr kumimoji="1" sz="1800" kern="1200">
+                <a:solidFill>
+                  <a:schemeClr val="tx1"/>
+                </a:solidFill>
+                <a:latin typeface="+mn-lt"/>
+                <a:ea typeface="+mn-ea"/>
+                <a:cs typeface="+mn-cs"/>
+              </a:defRPr>
+            </a:lvl7pPr>
+            <a:lvl8pPr marL="3429000" indent="-228600" algn="l" defTabSz="914400" rtl="0" eaLnBrk="1" latinLnBrk="0" hangingPunct="1">
+              <a:lnSpc>
+                <a:spcPct val="90000"/>
+              </a:lnSpc>
+              <a:spcBef>
+                <a:spcPts val="500"/>
+              </a:spcBef>
+              <a:buFont typeface="Arial" panose="020B0604020202020204" pitchFamily="34" charset="0"/>
+              <a:buChar char="•"/>
+              <a:defRPr kumimoji="1" sz="1800" kern="1200">
+                <a:solidFill>
+                  <a:schemeClr val="tx1"/>
+                </a:solidFill>
+                <a:latin typeface="+mn-lt"/>
+                <a:ea typeface="+mn-ea"/>
+                <a:cs typeface="+mn-cs"/>
+              </a:defRPr>
+            </a:lvl8pPr>
+            <a:lvl9pPr marL="3886200" indent="-228600" algn="l" defTabSz="914400" rtl="0" eaLnBrk="1" latinLnBrk="0" hangingPunct="1">
+              <a:lnSpc>
+                <a:spcPct val="90000"/>
+              </a:lnSpc>
+              <a:spcBef>
+                <a:spcPts val="500"/>
+              </a:spcBef>
+              <a:buFont typeface="Arial" panose="020B0604020202020204" pitchFamily="34" charset="0"/>
+              <a:buChar char="•"/>
+              <a:defRPr kumimoji="1" sz="1800" kern="1200">
+                <a:solidFill>
+                  <a:schemeClr val="tx1"/>
+                </a:solidFill>
+                <a:latin typeface="+mn-lt"/>
+                <a:ea typeface="+mn-ea"/>
+                <a:cs typeface="+mn-cs"/>
+              </a:defRPr>
+            </a:lvl9pPr>
+          </a:lstStyle>
+          <a:p>
+            <a:pPr marL="0" indent="0">
+              <a:buNone/>
+            </a:pPr>
+            <a:r>
+              <a:rPr lang="en-US" altLang="ja-JP" sz="2200" dirty="0">
+                <a:solidFill>
+                  <a:srgbClr val="008000"/>
+                </a:solidFill>
+                <a:highlight>
+                  <a:srgbClr val="FFFFFF"/>
+                </a:highlight>
+                <a:latin typeface="ＭＳ ゴシック" panose="020B0609070205080204" pitchFamily="49" charset="-128"/>
+                <a:ea typeface="ＭＳ ゴシック" panose="020B0609070205080204" pitchFamily="49" charset="-128"/>
+              </a:rPr>
+              <a:t>   // </a:t>
+            </a:r>
+            <a:r>
+              <a:rPr lang="ja-JP" altLang="en-US" sz="2200" dirty="0">
+                <a:solidFill>
+                  <a:srgbClr val="008000"/>
+                </a:solidFill>
+                <a:highlight>
+                  <a:srgbClr val="FFFFFF"/>
+                </a:highlight>
+                <a:latin typeface="ＭＳ ゴシック" panose="020B0609070205080204" pitchFamily="49" charset="-128"/>
+                <a:ea typeface="ＭＳ ゴシック" panose="020B0609070205080204" pitchFamily="49" charset="-128"/>
+              </a:rPr>
+              <a:t>ブロックを一個ずつ順に衝突チェック</a:t>
+            </a:r>
+            <a:br>
+              <a:rPr lang="en-US" altLang="ja-JP" sz="2200" dirty="0">
+                <a:solidFill>
+                  <a:srgbClr val="000000"/>
+                </a:solidFill>
+                <a:highlight>
+                  <a:srgbClr val="FFFFFF"/>
+                </a:highlight>
+                <a:latin typeface="ＭＳ ゴシック" panose="020B0609070205080204" pitchFamily="49" charset="-128"/>
+                <a:ea typeface="ＭＳ ゴシック" panose="020B0609070205080204" pitchFamily="49" charset="-128"/>
+              </a:rPr>
+            </a:br>
+            <a:r>
+              <a:rPr lang="en-US" altLang="ja-JP" sz="2200" dirty="0">
+                <a:solidFill>
+                  <a:srgbClr val="000000"/>
+                </a:solidFill>
+                <a:highlight>
+                  <a:srgbClr val="FFFFFF"/>
+                </a:highlight>
+                <a:latin typeface="ＭＳ ゴシック" panose="020B0609070205080204" pitchFamily="49" charset="-128"/>
+                <a:ea typeface="ＭＳ ゴシック" panose="020B0609070205080204" pitchFamily="49" charset="-128"/>
+              </a:rPr>
+              <a:t>   </a:t>
+            </a:r>
+            <a:r>
+              <a:rPr lang="es-ES" altLang="ja-JP" sz="2200" dirty="0">
+                <a:solidFill>
+                  <a:srgbClr val="0000FF"/>
+                </a:solidFill>
+                <a:highlight>
+                  <a:srgbClr val="FFFFFF"/>
+                </a:highlight>
+                <a:ea typeface="ＭＳ ゴシック" panose="020B0609070205080204" pitchFamily="49" charset="-128"/>
+              </a:rPr>
+              <a:t>for</a:t>
+            </a:r>
+            <a:r>
+              <a:rPr lang="es-ES" altLang="ja-JP" sz="2200" dirty="0">
+                <a:solidFill>
+                  <a:srgbClr val="000000"/>
+                </a:solidFill>
+                <a:highlight>
+                  <a:srgbClr val="FFFFFF"/>
+                </a:highlight>
+                <a:ea typeface="ＭＳ ゴシック" panose="020B0609070205080204" pitchFamily="49" charset="-128"/>
+              </a:rPr>
+              <a:t> (</a:t>
+            </a:r>
+            <a:r>
+              <a:rPr lang="es-ES" altLang="ja-JP" sz="2200" dirty="0">
+                <a:solidFill>
+                  <a:srgbClr val="2B91AF"/>
+                </a:solidFill>
+                <a:highlight>
+                  <a:srgbClr val="FFFFFF"/>
+                </a:highlight>
+                <a:ea typeface="ＭＳ ゴシック" panose="020B0609070205080204" pitchFamily="49" charset="-128"/>
+              </a:rPr>
+              <a:t>int32</a:t>
+            </a:r>
+            <a:r>
+              <a:rPr lang="es-ES" altLang="ja-JP" sz="2200" dirty="0">
+                <a:solidFill>
+                  <a:srgbClr val="000000"/>
+                </a:solidFill>
+                <a:highlight>
+                  <a:srgbClr val="FFFFFF"/>
+                </a:highlight>
+                <a:ea typeface="ＭＳ ゴシック" panose="020B0609070205080204" pitchFamily="49" charset="-128"/>
+              </a:rPr>
+              <a:t> y = 0; y &lt; bricks.size(); ++y) {</a:t>
+            </a:r>
+            <a:br>
+              <a:rPr lang="es-ES" altLang="ja-JP" sz="2200" dirty="0">
+                <a:solidFill>
+                  <a:srgbClr val="000000"/>
+                </a:solidFill>
+                <a:highlight>
+                  <a:srgbClr val="FFFFFF"/>
+                </a:highlight>
+                <a:ea typeface="ＭＳ ゴシック" panose="020B0609070205080204" pitchFamily="49" charset="-128"/>
+              </a:rPr>
+            </a:br>
+            <a:r>
+              <a:rPr lang="es-ES" altLang="ja-JP" sz="2200" dirty="0">
+                <a:solidFill>
+                  <a:srgbClr val="000000"/>
+                </a:solidFill>
+                <a:highlight>
+                  <a:srgbClr val="FFFFFF"/>
+                </a:highlight>
+                <a:ea typeface="ＭＳ ゴシック" panose="020B0609070205080204" pitchFamily="49" charset="-128"/>
+              </a:rPr>
+              <a:t>    </a:t>
+            </a:r>
+            <a:r>
+              <a:rPr lang="en-US" altLang="ja-JP" sz="2200" dirty="0">
+                <a:solidFill>
+                  <a:srgbClr val="0000FF"/>
+                </a:solidFill>
+                <a:highlight>
+                  <a:srgbClr val="FFFFFF"/>
+                </a:highlight>
+                <a:ea typeface="ＭＳ ゴシック" panose="020B0609070205080204" pitchFamily="49" charset="-128"/>
+              </a:rPr>
+              <a:t>for</a:t>
+            </a:r>
+            <a:r>
+              <a:rPr lang="en-US" altLang="ja-JP" sz="2200" dirty="0">
+                <a:solidFill>
+                  <a:srgbClr val="000000"/>
+                </a:solidFill>
+                <a:highlight>
+                  <a:srgbClr val="FFFFFF"/>
+                </a:highlight>
+                <a:ea typeface="ＭＳ ゴシック" panose="020B0609070205080204" pitchFamily="49" charset="-128"/>
+              </a:rPr>
+              <a:t> (</a:t>
+            </a:r>
+            <a:r>
+              <a:rPr lang="en-US" altLang="ja-JP" sz="2200" dirty="0">
+                <a:solidFill>
+                  <a:srgbClr val="2B91AF"/>
+                </a:solidFill>
+                <a:highlight>
+                  <a:srgbClr val="FFFFFF"/>
+                </a:highlight>
+                <a:ea typeface="ＭＳ ゴシック" panose="020B0609070205080204" pitchFamily="49" charset="-128"/>
+              </a:rPr>
+              <a:t>int32</a:t>
+            </a:r>
+            <a:r>
+              <a:rPr lang="en-US" altLang="ja-JP" sz="2200" dirty="0">
+                <a:solidFill>
+                  <a:srgbClr val="000000"/>
+                </a:solidFill>
+                <a:highlight>
+                  <a:srgbClr val="FFFFFF"/>
+                </a:highlight>
+                <a:ea typeface="ＭＳ ゴシック" panose="020B0609070205080204" pitchFamily="49" charset="-128"/>
+              </a:rPr>
+              <a:t> x = 0; x &lt; bricks</a:t>
+            </a:r>
+            <a:r>
+              <a:rPr lang="en-US" altLang="ja-JP" sz="2200" dirty="0">
+                <a:solidFill>
+                  <a:srgbClr val="008080"/>
+                </a:solidFill>
+                <a:highlight>
+                  <a:srgbClr val="FFFFFF"/>
+                </a:highlight>
+                <a:ea typeface="ＭＳ ゴシック" panose="020B0609070205080204" pitchFamily="49" charset="-128"/>
+              </a:rPr>
+              <a:t>[</a:t>
+            </a:r>
+            <a:r>
+              <a:rPr lang="en-US" altLang="ja-JP" sz="2200" dirty="0">
+                <a:solidFill>
+                  <a:srgbClr val="000000"/>
+                </a:solidFill>
+                <a:highlight>
+                  <a:srgbClr val="FFFFFF"/>
+                </a:highlight>
+                <a:ea typeface="ＭＳ ゴシック" panose="020B0609070205080204" pitchFamily="49" charset="-128"/>
+              </a:rPr>
+              <a:t>y</a:t>
+            </a:r>
+            <a:r>
+              <a:rPr lang="en-US" altLang="ja-JP" sz="2200" dirty="0">
+                <a:solidFill>
+                  <a:srgbClr val="008080"/>
+                </a:solidFill>
+                <a:highlight>
+                  <a:srgbClr val="FFFFFF"/>
+                </a:highlight>
+                <a:ea typeface="ＭＳ ゴシック" panose="020B0609070205080204" pitchFamily="49" charset="-128"/>
+              </a:rPr>
+              <a:t>]</a:t>
+            </a:r>
+            <a:r>
+              <a:rPr lang="en-US" altLang="ja-JP" sz="2200" dirty="0">
+                <a:solidFill>
+                  <a:srgbClr val="000000"/>
+                </a:solidFill>
+                <a:highlight>
+                  <a:srgbClr val="FFFFFF"/>
+                </a:highlight>
+                <a:ea typeface="ＭＳ ゴシック" panose="020B0609070205080204" pitchFamily="49" charset="-128"/>
+              </a:rPr>
+              <a:t>.size(); ++x) {</a:t>
+            </a:r>
+          </a:p>
+          <a:p>
+            <a:pPr marL="0" indent="0">
+              <a:buNone/>
+            </a:pPr>
+            <a:r>
+              <a:rPr lang="en-US" altLang="ja-JP" sz="2200" dirty="0">
+                <a:solidFill>
+                  <a:srgbClr val="000000"/>
+                </a:solidFill>
+                <a:highlight>
+                  <a:srgbClr val="FFFFFF"/>
+                </a:highlight>
+                <a:ea typeface="ＭＳ ゴシック" panose="020B0609070205080204" pitchFamily="49" charset="-128"/>
+              </a:rPr>
+              <a:t>      </a:t>
+            </a:r>
+            <a:r>
+              <a:rPr lang="en-US" altLang="ja-JP" sz="2200" dirty="0">
+                <a:solidFill>
+                  <a:srgbClr val="0000FF"/>
+                </a:solidFill>
+                <a:highlight>
+                  <a:srgbClr val="FFFFFF"/>
+                </a:highlight>
+                <a:ea typeface="ＭＳ ゴシック" panose="020B0609070205080204" pitchFamily="49" charset="-128"/>
+              </a:rPr>
+              <a:t>if</a:t>
+            </a:r>
+            <a:r>
+              <a:rPr lang="en-US" altLang="ja-JP" sz="2200" dirty="0">
+                <a:solidFill>
+                  <a:srgbClr val="000000"/>
+                </a:solidFill>
+                <a:highlight>
+                  <a:srgbClr val="FFFFFF"/>
+                </a:highlight>
+                <a:ea typeface="ＭＳ ゴシック" panose="020B0609070205080204" pitchFamily="49" charset="-128"/>
+              </a:rPr>
+              <a:t> (bricks</a:t>
+            </a:r>
+            <a:r>
+              <a:rPr lang="en-US" altLang="ja-JP" sz="2200" dirty="0">
+                <a:solidFill>
+                  <a:srgbClr val="008080"/>
+                </a:solidFill>
+                <a:highlight>
+                  <a:srgbClr val="FFFFFF"/>
+                </a:highlight>
+                <a:ea typeface="ＭＳ ゴシック" panose="020B0609070205080204" pitchFamily="49" charset="-128"/>
+              </a:rPr>
+              <a:t>[</a:t>
+            </a:r>
+            <a:r>
+              <a:rPr lang="en-US" altLang="ja-JP" sz="2200" dirty="0">
+                <a:solidFill>
+                  <a:srgbClr val="000000"/>
+                </a:solidFill>
+                <a:highlight>
+                  <a:srgbClr val="FFFFFF"/>
+                </a:highlight>
+                <a:ea typeface="ＭＳ ゴシック" panose="020B0609070205080204" pitchFamily="49" charset="-128"/>
+              </a:rPr>
+              <a:t>y</a:t>
+            </a:r>
+            <a:r>
+              <a:rPr lang="en-US" altLang="ja-JP" sz="2200" dirty="0">
+                <a:solidFill>
+                  <a:srgbClr val="008080"/>
+                </a:solidFill>
+                <a:highlight>
+                  <a:srgbClr val="FFFFFF"/>
+                </a:highlight>
+                <a:ea typeface="ＭＳ ゴシック" panose="020B0609070205080204" pitchFamily="49" charset="-128"/>
+              </a:rPr>
+              <a:t>][</a:t>
+            </a:r>
+            <a:r>
+              <a:rPr lang="en-US" altLang="ja-JP" sz="2200" dirty="0">
+                <a:solidFill>
+                  <a:srgbClr val="000000"/>
+                </a:solidFill>
+                <a:highlight>
+                  <a:srgbClr val="FFFFFF"/>
+                </a:highlight>
+                <a:ea typeface="ＭＳ ゴシック" panose="020B0609070205080204" pitchFamily="49" charset="-128"/>
+              </a:rPr>
+              <a:t>x</a:t>
+            </a:r>
+            <a:r>
+              <a:rPr lang="en-US" altLang="ja-JP" sz="2200" dirty="0">
+                <a:solidFill>
+                  <a:srgbClr val="008080"/>
+                </a:solidFill>
+                <a:highlight>
+                  <a:srgbClr val="FFFFFF"/>
+                </a:highlight>
+                <a:ea typeface="ＭＳ ゴシック" panose="020B0609070205080204" pitchFamily="49" charset="-128"/>
+              </a:rPr>
+              <a:t>]</a:t>
+            </a:r>
+            <a:r>
+              <a:rPr lang="en-US" altLang="ja-JP" sz="2200" dirty="0">
+                <a:solidFill>
+                  <a:srgbClr val="000000"/>
+                </a:solidFill>
+                <a:highlight>
+                  <a:srgbClr val="FFFFFF"/>
+                </a:highlight>
+                <a:ea typeface="ＭＳ ゴシック" panose="020B0609070205080204" pitchFamily="49" charset="-128"/>
+              </a:rPr>
+              <a:t>-&gt;</a:t>
+            </a:r>
+            <a:r>
+              <a:rPr lang="en-US" altLang="ja-JP" sz="2200" dirty="0">
+                <a:solidFill>
+                  <a:srgbClr val="FF0000"/>
+                </a:solidFill>
+                <a:highlight>
+                  <a:srgbClr val="FFFFFF"/>
+                </a:highlight>
+                <a:ea typeface="ＭＳ ゴシック" panose="020B0609070205080204" pitchFamily="49" charset="-128"/>
+              </a:rPr>
+              <a:t>intersects</a:t>
+            </a:r>
+            <a:r>
+              <a:rPr lang="en-US" altLang="ja-JP" sz="2200" dirty="0">
+                <a:solidFill>
+                  <a:srgbClr val="000000"/>
+                </a:solidFill>
+                <a:highlight>
+                  <a:srgbClr val="FFFFFF"/>
+                </a:highlight>
+                <a:ea typeface="ＭＳ ゴシック" panose="020B0609070205080204" pitchFamily="49" charset="-128"/>
+              </a:rPr>
+              <a:t>(ball)) {</a:t>
+            </a:r>
+            <a:r>
+              <a:rPr lang="en-US" altLang="ja-JP" sz="2200" dirty="0">
+                <a:solidFill>
+                  <a:srgbClr val="008000"/>
+                </a:solidFill>
+                <a:highlight>
+                  <a:srgbClr val="FFFFFF"/>
+                </a:highlight>
+                <a:latin typeface="ＭＳ ゴシック" panose="020B0609070205080204" pitchFamily="49" charset="-128"/>
+                <a:ea typeface="ＭＳ ゴシック" panose="020B0609070205080204" pitchFamily="49" charset="-128"/>
+              </a:rPr>
+              <a:t> //</a:t>
+            </a:r>
+            <a:r>
+              <a:rPr lang="ja-JP" altLang="en-US" sz="2200" dirty="0">
+                <a:solidFill>
+                  <a:srgbClr val="008000"/>
+                </a:solidFill>
+                <a:highlight>
+                  <a:srgbClr val="FFFFFF"/>
+                </a:highlight>
+                <a:latin typeface="ＭＳ ゴシック" panose="020B0609070205080204" pitchFamily="49" charset="-128"/>
+                <a:ea typeface="ＭＳ ゴシック" panose="020B0609070205080204" pitchFamily="49" charset="-128"/>
+              </a:rPr>
+              <a:t>衝突チェックが</a:t>
+            </a:r>
+            <a:r>
+              <a:rPr lang="en-US" altLang="ja-JP" sz="2200" dirty="0">
+                <a:solidFill>
+                  <a:srgbClr val="008000"/>
+                </a:solidFill>
+                <a:highlight>
+                  <a:srgbClr val="FFFFFF"/>
+                </a:highlight>
+                <a:latin typeface="ＭＳ ゴシック" panose="020B0609070205080204" pitchFamily="49" charset="-128"/>
+                <a:ea typeface="ＭＳ ゴシック" panose="020B0609070205080204" pitchFamily="49" charset="-128"/>
+              </a:rPr>
+              <a:t>true</a:t>
+            </a:r>
+            <a:br>
+              <a:rPr lang="en-US" altLang="ja-JP" sz="2200" dirty="0">
+                <a:solidFill>
+                  <a:srgbClr val="000000"/>
+                </a:solidFill>
+                <a:highlight>
+                  <a:srgbClr val="FFFFFF"/>
+                </a:highlight>
+                <a:ea typeface="ＭＳ ゴシック" panose="020B0609070205080204" pitchFamily="49" charset="-128"/>
+              </a:rPr>
+            </a:br>
+            <a:r>
+              <a:rPr lang="en-US" altLang="ja-JP" sz="2200" dirty="0">
+                <a:solidFill>
+                  <a:srgbClr val="000000"/>
+                </a:solidFill>
+                <a:highlight>
+                  <a:srgbClr val="FFFFFF"/>
+                </a:highlight>
+                <a:ea typeface="ＭＳ ゴシック" panose="020B0609070205080204" pitchFamily="49" charset="-128"/>
+              </a:rPr>
+              <a:t>        </a:t>
+            </a:r>
+            <a:r>
+              <a:rPr lang="en-US" altLang="ja-JP" sz="2200" dirty="0">
+                <a:solidFill>
+                  <a:srgbClr val="008000"/>
+                </a:solidFill>
+                <a:highlight>
+                  <a:srgbClr val="FFFFFF"/>
+                </a:highlight>
+                <a:latin typeface="ＭＳ ゴシック" panose="020B0609070205080204" pitchFamily="49" charset="-128"/>
+                <a:ea typeface="ＭＳ ゴシック" panose="020B0609070205080204" pitchFamily="49" charset="-128"/>
+              </a:rPr>
+              <a:t>// </a:t>
+            </a:r>
+            <a:r>
+              <a:rPr lang="ja-JP" altLang="en-US" sz="2200" dirty="0">
+                <a:solidFill>
+                  <a:srgbClr val="008000"/>
+                </a:solidFill>
+                <a:highlight>
+                  <a:srgbClr val="FFFFFF"/>
+                </a:highlight>
+                <a:latin typeface="ＭＳ ゴシック" panose="020B0609070205080204" pitchFamily="49" charset="-128"/>
+                <a:ea typeface="ＭＳ ゴシック" panose="020B0609070205080204" pitchFamily="49" charset="-128"/>
+              </a:rPr>
+              <a:t>ブロックの上辺もしくは底辺と交差していたら</a:t>
+            </a:r>
+            <a:br>
+              <a:rPr lang="en-US" altLang="ja-JP" sz="2200" dirty="0">
+                <a:solidFill>
+                  <a:srgbClr val="000000"/>
+                </a:solidFill>
+                <a:highlight>
+                  <a:srgbClr val="FFFFFF"/>
+                </a:highlight>
+                <a:latin typeface="ＭＳ ゴシック" panose="020B0609070205080204" pitchFamily="49" charset="-128"/>
+                <a:ea typeface="ＭＳ ゴシック" panose="020B0609070205080204" pitchFamily="49" charset="-128"/>
+              </a:rPr>
+            </a:br>
+            <a:r>
+              <a:rPr lang="en-US" altLang="ja-JP" sz="2200" dirty="0">
+                <a:solidFill>
+                  <a:srgbClr val="000000"/>
+                </a:solidFill>
+                <a:highlight>
+                  <a:srgbClr val="FFFFFF"/>
+                </a:highlight>
+                <a:latin typeface="ＭＳ ゴシック" panose="020B0609070205080204" pitchFamily="49" charset="-128"/>
+                <a:ea typeface="ＭＳ ゴシック" panose="020B0609070205080204" pitchFamily="49" charset="-128"/>
+              </a:rPr>
+              <a:t>          </a:t>
+            </a:r>
+            <a:r>
+              <a:rPr lang="en-US" altLang="ja-JP" sz="2200" dirty="0">
+                <a:solidFill>
+                  <a:srgbClr val="0000FF"/>
+                </a:solidFill>
+                <a:highlight>
+                  <a:srgbClr val="FFFFFF"/>
+                </a:highlight>
+                <a:ea typeface="ＭＳ ゴシック" panose="020B0609070205080204" pitchFamily="49" charset="-128"/>
+              </a:rPr>
+              <a:t>if</a:t>
+            </a:r>
+            <a:r>
+              <a:rPr lang="en-US" altLang="ja-JP" sz="2200" dirty="0">
+                <a:solidFill>
+                  <a:srgbClr val="000000"/>
+                </a:solidFill>
+                <a:highlight>
+                  <a:srgbClr val="FFFFFF"/>
+                </a:highlight>
+                <a:ea typeface="ＭＳ ゴシック" panose="020B0609070205080204" pitchFamily="49" charset="-128"/>
+              </a:rPr>
+              <a:t> (bricks</a:t>
+            </a:r>
+            <a:r>
+              <a:rPr lang="en-US" altLang="ja-JP" sz="2200" dirty="0">
+                <a:solidFill>
+                  <a:srgbClr val="008080"/>
+                </a:solidFill>
+                <a:highlight>
+                  <a:srgbClr val="FFFFFF"/>
+                </a:highlight>
+                <a:ea typeface="ＭＳ ゴシック" panose="020B0609070205080204" pitchFamily="49" charset="-128"/>
+              </a:rPr>
+              <a:t>[</a:t>
+            </a:r>
+            <a:r>
+              <a:rPr lang="en-US" altLang="ja-JP" sz="2200" dirty="0">
+                <a:solidFill>
+                  <a:srgbClr val="000000"/>
+                </a:solidFill>
+                <a:highlight>
+                  <a:srgbClr val="FFFFFF"/>
+                </a:highlight>
+                <a:ea typeface="ＭＳ ゴシック" panose="020B0609070205080204" pitchFamily="49" charset="-128"/>
+              </a:rPr>
+              <a:t>y</a:t>
+            </a:r>
+            <a:r>
+              <a:rPr lang="en-US" altLang="ja-JP" sz="2200" dirty="0">
+                <a:solidFill>
+                  <a:srgbClr val="008080"/>
+                </a:solidFill>
+                <a:highlight>
+                  <a:srgbClr val="FFFFFF"/>
+                </a:highlight>
+                <a:ea typeface="ＭＳ ゴシック" panose="020B0609070205080204" pitchFamily="49" charset="-128"/>
+              </a:rPr>
+              <a:t>][</a:t>
+            </a:r>
+            <a:r>
+              <a:rPr lang="en-US" altLang="ja-JP" sz="2200" dirty="0">
+                <a:solidFill>
+                  <a:srgbClr val="000000"/>
+                </a:solidFill>
+                <a:highlight>
+                  <a:srgbClr val="FFFFFF"/>
+                </a:highlight>
+                <a:ea typeface="ＭＳ ゴシック" panose="020B0609070205080204" pitchFamily="49" charset="-128"/>
+              </a:rPr>
+              <a:t>x</a:t>
+            </a:r>
+            <a:r>
+              <a:rPr lang="en-US" altLang="ja-JP" sz="2200" dirty="0">
+                <a:solidFill>
+                  <a:srgbClr val="008080"/>
+                </a:solidFill>
+                <a:highlight>
+                  <a:srgbClr val="FFFFFF"/>
+                </a:highlight>
+                <a:ea typeface="ＭＳ ゴシック" panose="020B0609070205080204" pitchFamily="49" charset="-128"/>
+              </a:rPr>
+              <a:t>]</a:t>
+            </a:r>
+            <a:r>
+              <a:rPr lang="en-US" altLang="ja-JP" sz="2200" dirty="0">
+                <a:solidFill>
+                  <a:srgbClr val="000000"/>
+                </a:solidFill>
+                <a:highlight>
+                  <a:srgbClr val="FFFFFF"/>
+                </a:highlight>
+                <a:ea typeface="ＭＳ ゴシック" panose="020B0609070205080204" pitchFamily="49" charset="-128"/>
+              </a:rPr>
+              <a:t>-&gt;bottom().</a:t>
+            </a:r>
+            <a:r>
+              <a:rPr lang="en-US" altLang="ja-JP" sz="2200" dirty="0">
+                <a:solidFill>
+                  <a:srgbClr val="FF0000"/>
+                </a:solidFill>
+                <a:highlight>
+                  <a:srgbClr val="FFFFFF"/>
+                </a:highlight>
+                <a:ea typeface="ＭＳ ゴシック" panose="020B0609070205080204" pitchFamily="49" charset="-128"/>
+              </a:rPr>
+              <a:t>intersects</a:t>
+            </a:r>
+            <a:r>
+              <a:rPr lang="en-US" altLang="ja-JP" sz="2200" dirty="0">
+                <a:solidFill>
+                  <a:srgbClr val="000000"/>
+                </a:solidFill>
+                <a:highlight>
+                  <a:srgbClr val="FFFFFF"/>
+                </a:highlight>
+                <a:ea typeface="ＭＳ ゴシック" panose="020B0609070205080204" pitchFamily="49" charset="-128"/>
+              </a:rPr>
+              <a:t>(ball)</a:t>
+            </a:r>
+            <a:br>
+              <a:rPr lang="en-US" altLang="ja-JP" sz="2200" dirty="0">
+                <a:solidFill>
+                  <a:srgbClr val="000000"/>
+                </a:solidFill>
+                <a:highlight>
+                  <a:srgbClr val="FFFFFF"/>
+                </a:highlight>
+                <a:ea typeface="ＭＳ ゴシック" panose="020B0609070205080204" pitchFamily="49" charset="-128"/>
+              </a:rPr>
+            </a:br>
+            <a:r>
+              <a:rPr lang="en-US" altLang="ja-JP" sz="2200" dirty="0">
+                <a:solidFill>
+                  <a:srgbClr val="000000"/>
+                </a:solidFill>
+                <a:highlight>
+                  <a:srgbClr val="FFFFFF"/>
+                </a:highlight>
+                <a:ea typeface="ＭＳ ゴシック" panose="020B0609070205080204" pitchFamily="49" charset="-128"/>
+              </a:rPr>
+              <a:t>            || bricks</a:t>
+            </a:r>
+            <a:r>
+              <a:rPr lang="en-US" altLang="ja-JP" sz="2200" dirty="0">
+                <a:solidFill>
+                  <a:srgbClr val="008080"/>
+                </a:solidFill>
+                <a:highlight>
+                  <a:srgbClr val="FFFFFF"/>
+                </a:highlight>
+                <a:ea typeface="ＭＳ ゴシック" panose="020B0609070205080204" pitchFamily="49" charset="-128"/>
+              </a:rPr>
+              <a:t>[</a:t>
+            </a:r>
+            <a:r>
+              <a:rPr lang="en-US" altLang="ja-JP" sz="2200" dirty="0">
+                <a:solidFill>
+                  <a:srgbClr val="000000"/>
+                </a:solidFill>
+                <a:highlight>
+                  <a:srgbClr val="FFFFFF"/>
+                </a:highlight>
+                <a:ea typeface="ＭＳ ゴシック" panose="020B0609070205080204" pitchFamily="49" charset="-128"/>
+              </a:rPr>
+              <a:t>y</a:t>
+            </a:r>
+            <a:r>
+              <a:rPr lang="en-US" altLang="ja-JP" sz="2200" dirty="0">
+                <a:solidFill>
+                  <a:srgbClr val="008080"/>
+                </a:solidFill>
+                <a:highlight>
+                  <a:srgbClr val="FFFFFF"/>
+                </a:highlight>
+                <a:ea typeface="ＭＳ ゴシック" panose="020B0609070205080204" pitchFamily="49" charset="-128"/>
+              </a:rPr>
+              <a:t>][</a:t>
+            </a:r>
+            <a:r>
+              <a:rPr lang="en-US" altLang="ja-JP" sz="2200" dirty="0">
+                <a:solidFill>
+                  <a:srgbClr val="000000"/>
+                </a:solidFill>
+                <a:highlight>
+                  <a:srgbClr val="FFFFFF"/>
+                </a:highlight>
+                <a:ea typeface="ＭＳ ゴシック" panose="020B0609070205080204" pitchFamily="49" charset="-128"/>
+              </a:rPr>
+              <a:t>x</a:t>
+            </a:r>
+            <a:r>
+              <a:rPr lang="en-US" altLang="ja-JP" sz="2200" dirty="0">
+                <a:solidFill>
+                  <a:srgbClr val="008080"/>
+                </a:solidFill>
+                <a:highlight>
+                  <a:srgbClr val="FFFFFF"/>
+                </a:highlight>
+                <a:ea typeface="ＭＳ ゴシック" panose="020B0609070205080204" pitchFamily="49" charset="-128"/>
+              </a:rPr>
+              <a:t>]</a:t>
+            </a:r>
+            <a:r>
+              <a:rPr lang="en-US" altLang="ja-JP" sz="2200" dirty="0">
+                <a:solidFill>
+                  <a:srgbClr val="000000"/>
+                </a:solidFill>
+                <a:highlight>
+                  <a:srgbClr val="FFFFFF"/>
+                </a:highlight>
+                <a:ea typeface="ＭＳ ゴシック" panose="020B0609070205080204" pitchFamily="49" charset="-128"/>
+              </a:rPr>
+              <a:t>-&gt;top().</a:t>
+            </a:r>
+            <a:r>
+              <a:rPr lang="en-US" altLang="ja-JP" sz="2200" dirty="0">
+                <a:solidFill>
+                  <a:srgbClr val="FF0000"/>
+                </a:solidFill>
+                <a:highlight>
+                  <a:srgbClr val="FFFFFF"/>
+                </a:highlight>
+                <a:ea typeface="ＭＳ ゴシック" panose="020B0609070205080204" pitchFamily="49" charset="-128"/>
+              </a:rPr>
+              <a:t>intersects</a:t>
+            </a:r>
+            <a:r>
+              <a:rPr lang="en-US" altLang="ja-JP" sz="2200" dirty="0">
+                <a:solidFill>
+                  <a:srgbClr val="000000"/>
+                </a:solidFill>
+                <a:highlight>
+                  <a:srgbClr val="FFFFFF"/>
+                </a:highlight>
+                <a:ea typeface="ＭＳ ゴシック" panose="020B0609070205080204" pitchFamily="49" charset="-128"/>
+              </a:rPr>
+              <a:t>(ball)) {</a:t>
+            </a:r>
+            <a:br>
+              <a:rPr lang="en-US" altLang="ja-JP" sz="2200" dirty="0">
+                <a:solidFill>
+                  <a:srgbClr val="000000"/>
+                </a:solidFill>
+                <a:highlight>
+                  <a:srgbClr val="FFFFFF"/>
+                </a:highlight>
+                <a:ea typeface="ＭＳ ゴシック" panose="020B0609070205080204" pitchFamily="49" charset="-128"/>
+              </a:rPr>
+            </a:br>
+            <a:r>
+              <a:rPr lang="en-US" altLang="ja-JP" sz="2200" dirty="0">
+                <a:solidFill>
+                  <a:srgbClr val="000000"/>
+                </a:solidFill>
+                <a:highlight>
+                  <a:srgbClr val="FFFFFF"/>
+                </a:highlight>
+                <a:ea typeface="ＭＳ ゴシック" panose="020B0609070205080204" pitchFamily="49" charset="-128"/>
+              </a:rPr>
+              <a:t>           </a:t>
+            </a:r>
+            <a:r>
+              <a:rPr lang="en-US" altLang="ja-JP" sz="2200" dirty="0" err="1">
+                <a:solidFill>
+                  <a:srgbClr val="000000"/>
+                </a:solidFill>
+                <a:highlight>
+                  <a:srgbClr val="FFFFFF"/>
+                </a:highlight>
+                <a:ea typeface="ＭＳ ゴシック" panose="020B0609070205080204" pitchFamily="49" charset="-128"/>
+              </a:rPr>
+              <a:t>ballVelocity.y</a:t>
+            </a:r>
+            <a:r>
+              <a:rPr lang="en-US" altLang="ja-JP" sz="2200" dirty="0">
+                <a:solidFill>
+                  <a:srgbClr val="000000"/>
+                </a:solidFill>
+                <a:highlight>
+                  <a:srgbClr val="FFFFFF"/>
+                </a:highlight>
+                <a:ea typeface="ＭＳ ゴシック" panose="020B0609070205080204" pitchFamily="49" charset="-128"/>
+              </a:rPr>
+              <a:t> *= -1;</a:t>
+            </a:r>
+            <a:r>
+              <a:rPr lang="en-US" altLang="ja-JP" sz="2200" dirty="0">
+                <a:solidFill>
+                  <a:srgbClr val="008000"/>
+                </a:solidFill>
+                <a:highlight>
+                  <a:srgbClr val="FFFFFF"/>
+                </a:highlight>
+                <a:latin typeface="ＭＳ ゴシック" panose="020B0609070205080204" pitchFamily="49" charset="-128"/>
+                <a:ea typeface="ＭＳ ゴシック" panose="020B0609070205080204" pitchFamily="49" charset="-128"/>
+              </a:rPr>
+              <a:t> // </a:t>
+            </a:r>
+            <a:r>
+              <a:rPr lang="ja-JP" altLang="en-US" sz="2200" dirty="0">
+                <a:solidFill>
+                  <a:srgbClr val="008000"/>
+                </a:solidFill>
+                <a:highlight>
+                  <a:srgbClr val="FFFFFF"/>
+                </a:highlight>
+                <a:latin typeface="ＭＳ ゴシック" panose="020B0609070205080204" pitchFamily="49" charset="-128"/>
+                <a:ea typeface="ＭＳ ゴシック" panose="020B0609070205080204" pitchFamily="49" charset="-128"/>
+              </a:rPr>
+              <a:t>ボールの速度の </a:t>
+            </a:r>
+            <a:r>
+              <a:rPr lang="en-US" altLang="ja-JP" sz="2200" dirty="0">
+                <a:solidFill>
+                  <a:srgbClr val="008000"/>
+                </a:solidFill>
+                <a:highlight>
+                  <a:srgbClr val="FFFFFF"/>
+                </a:highlight>
+                <a:latin typeface="ＭＳ ゴシック" panose="020B0609070205080204" pitchFamily="49" charset="-128"/>
+                <a:ea typeface="ＭＳ ゴシック" panose="020B0609070205080204" pitchFamily="49" charset="-128"/>
+              </a:rPr>
+              <a:t>Y </a:t>
+            </a:r>
+            <a:r>
+              <a:rPr lang="ja-JP" altLang="en-US" sz="2200" dirty="0">
+                <a:solidFill>
+                  <a:srgbClr val="008000"/>
+                </a:solidFill>
+                <a:highlight>
+                  <a:srgbClr val="FFFFFF"/>
+                </a:highlight>
+                <a:latin typeface="ＭＳ ゴシック" panose="020B0609070205080204" pitchFamily="49" charset="-128"/>
+                <a:ea typeface="ＭＳ ゴシック" panose="020B0609070205080204" pitchFamily="49" charset="-128"/>
+              </a:rPr>
+              <a:t>成分を反転</a:t>
+            </a:r>
+            <a:br>
+              <a:rPr lang="en-US" altLang="ja-JP" sz="2200" dirty="0">
+                <a:solidFill>
+                  <a:srgbClr val="000000"/>
+                </a:solidFill>
+                <a:highlight>
+                  <a:srgbClr val="FFFFFF"/>
+                </a:highlight>
+                <a:latin typeface="ＭＳ ゴシック" panose="020B0609070205080204" pitchFamily="49" charset="-128"/>
+                <a:ea typeface="ＭＳ ゴシック" panose="020B0609070205080204" pitchFamily="49" charset="-128"/>
+              </a:rPr>
+            </a:br>
+            <a:r>
+              <a:rPr lang="en-US" altLang="ja-JP" sz="2200" dirty="0">
+                <a:solidFill>
+                  <a:srgbClr val="000000"/>
+                </a:solidFill>
+                <a:highlight>
+                  <a:srgbClr val="FFFFFF"/>
+                </a:highlight>
+                <a:latin typeface="ＭＳ ゴシック" panose="020B0609070205080204" pitchFamily="49" charset="-128"/>
+                <a:ea typeface="ＭＳ ゴシック" panose="020B0609070205080204" pitchFamily="49" charset="-128"/>
+              </a:rPr>
+              <a:t>          </a:t>
+            </a:r>
+            <a:r>
+              <a:rPr lang="en-US" altLang="ja-JP" sz="2200" dirty="0">
+                <a:solidFill>
+                  <a:srgbClr val="000000"/>
+                </a:solidFill>
+                <a:highlight>
+                  <a:srgbClr val="FFFFFF"/>
+                </a:highlight>
+                <a:ea typeface="ＭＳ ゴシック" panose="020B0609070205080204" pitchFamily="49" charset="-128"/>
+              </a:rPr>
+              <a:t>}</a:t>
+            </a:r>
+            <a:r>
+              <a:rPr lang="en-US" altLang="ja-JP" sz="2200" dirty="0">
+                <a:solidFill>
+                  <a:srgbClr val="000000"/>
+                </a:solidFill>
+                <a:highlight>
+                  <a:srgbClr val="FFFFFF"/>
+                </a:highlight>
+                <a:latin typeface="ＭＳ ゴシック" panose="020B0609070205080204" pitchFamily="49" charset="-128"/>
+                <a:ea typeface="ＭＳ ゴシック" panose="020B0609070205080204" pitchFamily="49" charset="-128"/>
+              </a:rPr>
+              <a:t> </a:t>
+            </a:r>
+            <a:r>
+              <a:rPr lang="en-US" altLang="ja-JP" sz="2200" dirty="0">
+                <a:solidFill>
+                  <a:srgbClr val="0000FF"/>
+                </a:solidFill>
+                <a:highlight>
+                  <a:srgbClr val="FFFFFF"/>
+                </a:highlight>
+                <a:ea typeface="ＭＳ ゴシック" panose="020B0609070205080204" pitchFamily="49" charset="-128"/>
+              </a:rPr>
+              <a:t>else</a:t>
+            </a:r>
+            <a:r>
+              <a:rPr lang="en-US" altLang="ja-JP" sz="2200" dirty="0">
+                <a:solidFill>
+                  <a:srgbClr val="000000"/>
+                </a:solidFill>
+                <a:highlight>
+                  <a:srgbClr val="FFFFFF"/>
+                </a:highlight>
+                <a:ea typeface="ＭＳ ゴシック" panose="020B0609070205080204" pitchFamily="49" charset="-128"/>
+              </a:rPr>
+              <a:t> {</a:t>
+            </a:r>
+            <a:br>
+              <a:rPr lang="en-US" altLang="ja-JP" sz="2200" dirty="0">
+                <a:solidFill>
+                  <a:srgbClr val="000000"/>
+                </a:solidFill>
+                <a:highlight>
+                  <a:srgbClr val="FFFFFF"/>
+                </a:highlight>
+                <a:latin typeface="ＭＳ ゴシック" panose="020B0609070205080204" pitchFamily="49" charset="-128"/>
+                <a:ea typeface="ＭＳ ゴシック" panose="020B0609070205080204" pitchFamily="49" charset="-128"/>
+              </a:rPr>
+            </a:br>
+            <a:r>
+              <a:rPr lang="en-US" altLang="ja-JP" sz="2200" dirty="0">
+                <a:solidFill>
+                  <a:srgbClr val="000000"/>
+                </a:solidFill>
+                <a:highlight>
+                  <a:srgbClr val="FFFFFF"/>
+                </a:highlight>
+                <a:latin typeface="ＭＳ ゴシック" panose="020B0609070205080204" pitchFamily="49" charset="-128"/>
+                <a:ea typeface="ＭＳ ゴシック" panose="020B0609070205080204" pitchFamily="49" charset="-128"/>
+              </a:rPr>
+              <a:t>              </a:t>
+            </a:r>
+            <a:r>
+              <a:rPr lang="en-US" altLang="ja-JP" sz="2200" dirty="0" err="1">
+                <a:solidFill>
+                  <a:srgbClr val="000000"/>
+                </a:solidFill>
+                <a:highlight>
+                  <a:srgbClr val="FFFFFF"/>
+                </a:highlight>
+                <a:ea typeface="ＭＳ ゴシック" panose="020B0609070205080204" pitchFamily="49" charset="-128"/>
+              </a:rPr>
+              <a:t>ballVelocity.x</a:t>
+            </a:r>
+            <a:r>
+              <a:rPr lang="en-US" altLang="ja-JP" sz="2200" dirty="0">
+                <a:solidFill>
+                  <a:srgbClr val="000000"/>
+                </a:solidFill>
+                <a:highlight>
+                  <a:srgbClr val="FFFFFF"/>
+                </a:highlight>
+                <a:ea typeface="ＭＳ ゴシック" panose="020B0609070205080204" pitchFamily="49" charset="-128"/>
+              </a:rPr>
+              <a:t> *= -1;</a:t>
+            </a:r>
+            <a:r>
+              <a:rPr lang="en-US" altLang="ja-JP" sz="2200" dirty="0">
+                <a:solidFill>
+                  <a:srgbClr val="008000"/>
+                </a:solidFill>
+                <a:highlight>
+                  <a:srgbClr val="FFFFFF"/>
+                </a:highlight>
+                <a:latin typeface="ＭＳ ゴシック" panose="020B0609070205080204" pitchFamily="49" charset="-128"/>
+                <a:ea typeface="ＭＳ ゴシック" panose="020B0609070205080204" pitchFamily="49" charset="-128"/>
+              </a:rPr>
+              <a:t> // </a:t>
+            </a:r>
+            <a:r>
+              <a:rPr lang="ja-JP" altLang="en-US" sz="2200" dirty="0">
+                <a:solidFill>
+                  <a:srgbClr val="008000"/>
+                </a:solidFill>
+                <a:highlight>
+                  <a:srgbClr val="FFFFFF"/>
+                </a:highlight>
+                <a:latin typeface="ＭＳ ゴシック" panose="020B0609070205080204" pitchFamily="49" charset="-128"/>
+                <a:ea typeface="ＭＳ ゴシック" panose="020B0609070205080204" pitchFamily="49" charset="-128"/>
+              </a:rPr>
+              <a:t>ボールの速度の </a:t>
+            </a:r>
+            <a:r>
+              <a:rPr lang="en-US" altLang="ja-JP" sz="2200" dirty="0">
+                <a:solidFill>
+                  <a:srgbClr val="008000"/>
+                </a:solidFill>
+                <a:highlight>
+                  <a:srgbClr val="FFFFFF"/>
+                </a:highlight>
+                <a:latin typeface="ＭＳ ゴシック" panose="020B0609070205080204" pitchFamily="49" charset="-128"/>
+                <a:ea typeface="ＭＳ ゴシック" panose="020B0609070205080204" pitchFamily="49" charset="-128"/>
+              </a:rPr>
+              <a:t>X </a:t>
+            </a:r>
+            <a:r>
+              <a:rPr lang="ja-JP" altLang="en-US" sz="2200" dirty="0">
+                <a:solidFill>
+                  <a:srgbClr val="008000"/>
+                </a:solidFill>
+                <a:highlight>
+                  <a:srgbClr val="FFFFFF"/>
+                </a:highlight>
+                <a:latin typeface="ＭＳ ゴシック" panose="020B0609070205080204" pitchFamily="49" charset="-128"/>
+                <a:ea typeface="ＭＳ ゴシック" panose="020B0609070205080204" pitchFamily="49" charset="-128"/>
+              </a:rPr>
+              <a:t>成分を反転</a:t>
+            </a:r>
+            <a:br>
+              <a:rPr lang="en-US" altLang="ja-JP" sz="2200" dirty="0">
+                <a:solidFill>
+                  <a:srgbClr val="000000"/>
+                </a:solidFill>
+                <a:highlight>
+                  <a:srgbClr val="FFFFFF"/>
+                </a:highlight>
+                <a:ea typeface="ＭＳ ゴシック" panose="020B0609070205080204" pitchFamily="49" charset="-128"/>
+              </a:rPr>
+            </a:br>
+            <a:r>
+              <a:rPr lang="en-US" altLang="ja-JP" sz="2200" dirty="0">
+                <a:solidFill>
+                  <a:srgbClr val="000000"/>
+                </a:solidFill>
+                <a:highlight>
+                  <a:srgbClr val="FFFFFF"/>
+                </a:highlight>
+                <a:ea typeface="ＭＳ ゴシック" panose="020B0609070205080204" pitchFamily="49" charset="-128"/>
+              </a:rPr>
+              <a:t>        }</a:t>
+            </a:r>
+            <a:br>
+              <a:rPr lang="en-US" altLang="ja-JP" sz="2200" dirty="0">
+                <a:solidFill>
+                  <a:srgbClr val="000000"/>
+                </a:solidFill>
+                <a:highlight>
+                  <a:srgbClr val="FFFFFF"/>
+                </a:highlight>
+                <a:ea typeface="ＭＳ ゴシック" panose="020B0609070205080204" pitchFamily="49" charset="-128"/>
+              </a:rPr>
+            </a:br>
+            <a:r>
+              <a:rPr lang="en-US" altLang="ja-JP" sz="2200" dirty="0">
+                <a:solidFill>
+                  <a:srgbClr val="000000"/>
+                </a:solidFill>
+                <a:highlight>
+                  <a:srgbClr val="FFFFFF"/>
+                </a:highlight>
+                <a:ea typeface="ＭＳ ゴシック" panose="020B0609070205080204" pitchFamily="49" charset="-128"/>
+              </a:rPr>
+              <a:t>        </a:t>
+            </a:r>
+            <a:r>
+              <a:rPr lang="en-US" altLang="ja-JP" sz="2200" dirty="0">
+                <a:solidFill>
+                  <a:srgbClr val="0000FF"/>
+                </a:solidFill>
+                <a:highlight>
+                  <a:srgbClr val="FFFFFF"/>
+                </a:highlight>
+                <a:ea typeface="ＭＳ ゴシック" panose="020B0609070205080204" pitchFamily="49" charset="-128"/>
+              </a:rPr>
+              <a:t>delete</a:t>
+            </a:r>
+            <a:r>
+              <a:rPr lang="en-US" altLang="ja-JP" sz="2200" dirty="0">
+                <a:solidFill>
+                  <a:srgbClr val="000000"/>
+                </a:solidFill>
+                <a:highlight>
+                  <a:srgbClr val="FFFFFF"/>
+                </a:highlight>
+                <a:ea typeface="ＭＳ ゴシック" panose="020B0609070205080204" pitchFamily="49" charset="-128"/>
+              </a:rPr>
+              <a:t> *(bricks</a:t>
+            </a:r>
+            <a:r>
+              <a:rPr lang="en-US" altLang="ja-JP" sz="2200" dirty="0">
+                <a:solidFill>
+                  <a:srgbClr val="008080"/>
+                </a:solidFill>
+                <a:highlight>
+                  <a:srgbClr val="FFFFFF"/>
+                </a:highlight>
+                <a:ea typeface="ＭＳ ゴシック" panose="020B0609070205080204" pitchFamily="49" charset="-128"/>
+              </a:rPr>
+              <a:t>[</a:t>
+            </a:r>
+            <a:r>
+              <a:rPr lang="en-US" altLang="ja-JP" sz="2200" dirty="0">
+                <a:solidFill>
+                  <a:srgbClr val="000000"/>
+                </a:solidFill>
+                <a:highlight>
+                  <a:srgbClr val="FFFFFF"/>
+                </a:highlight>
+                <a:ea typeface="ＭＳ ゴシック" panose="020B0609070205080204" pitchFamily="49" charset="-128"/>
+              </a:rPr>
+              <a:t>y</a:t>
+            </a:r>
+            <a:r>
+              <a:rPr lang="en-US" altLang="ja-JP" sz="2200" dirty="0">
+                <a:solidFill>
+                  <a:srgbClr val="008080"/>
+                </a:solidFill>
+                <a:highlight>
+                  <a:srgbClr val="FFFFFF"/>
+                </a:highlight>
+                <a:ea typeface="ＭＳ ゴシック" panose="020B0609070205080204" pitchFamily="49" charset="-128"/>
+              </a:rPr>
+              <a:t>]</a:t>
+            </a:r>
+            <a:r>
+              <a:rPr lang="en-US" altLang="ja-JP" sz="2200" dirty="0">
+                <a:solidFill>
+                  <a:srgbClr val="000000"/>
+                </a:solidFill>
+                <a:highlight>
+                  <a:srgbClr val="FFFFFF"/>
+                </a:highlight>
+                <a:ea typeface="ＭＳ ゴシック" panose="020B0609070205080204" pitchFamily="49" charset="-128"/>
+              </a:rPr>
+              <a:t>.begin() </a:t>
+            </a:r>
+            <a:r>
+              <a:rPr lang="en-US" altLang="ja-JP" sz="2200" dirty="0">
+                <a:solidFill>
+                  <a:srgbClr val="008080"/>
+                </a:solidFill>
+                <a:highlight>
+                  <a:srgbClr val="FFFFFF"/>
+                </a:highlight>
+                <a:ea typeface="ＭＳ ゴシック" panose="020B0609070205080204" pitchFamily="49" charset="-128"/>
+              </a:rPr>
+              <a:t>+</a:t>
+            </a:r>
+            <a:r>
+              <a:rPr lang="en-US" altLang="ja-JP" sz="2200" dirty="0">
+                <a:solidFill>
+                  <a:srgbClr val="000000"/>
+                </a:solidFill>
+                <a:highlight>
+                  <a:srgbClr val="FFFFFF"/>
+                </a:highlight>
+                <a:ea typeface="ＭＳ ゴシック" panose="020B0609070205080204" pitchFamily="49" charset="-128"/>
+              </a:rPr>
+              <a:t> x); </a:t>
+            </a:r>
+            <a:r>
+              <a:rPr lang="en-US" altLang="ja-JP" sz="2200" dirty="0">
+                <a:solidFill>
+                  <a:srgbClr val="008000"/>
+                </a:solidFill>
+                <a:highlight>
+                  <a:srgbClr val="FFFFFF"/>
+                </a:highlight>
+                <a:latin typeface="ＭＳ ゴシック" panose="020B0609070205080204" pitchFamily="49" charset="-128"/>
+                <a:ea typeface="ＭＳ ゴシック" panose="020B0609070205080204" pitchFamily="49" charset="-128"/>
+              </a:rPr>
+              <a:t>//</a:t>
+            </a:r>
+            <a:r>
+              <a:rPr lang="ja-JP" altLang="en-US" sz="2200" dirty="0">
+                <a:solidFill>
+                  <a:srgbClr val="008000"/>
+                </a:solidFill>
+                <a:highlight>
+                  <a:srgbClr val="FFFFFF"/>
+                </a:highlight>
+                <a:latin typeface="ＭＳ ゴシック" panose="020B0609070205080204" pitchFamily="49" charset="-128"/>
+                <a:ea typeface="ＭＳ ゴシック" panose="020B0609070205080204" pitchFamily="49" charset="-128"/>
+              </a:rPr>
+              <a:t>ブロックのメモリ領域削除</a:t>
+            </a:r>
+            <a:br>
+              <a:rPr lang="en-US" altLang="ja-JP" sz="2200" dirty="0">
+                <a:solidFill>
+                  <a:srgbClr val="008000"/>
+                </a:solidFill>
+                <a:highlight>
+                  <a:srgbClr val="FFFFFF"/>
+                </a:highlight>
+                <a:latin typeface="ＭＳ ゴシック" panose="020B0609070205080204" pitchFamily="49" charset="-128"/>
+                <a:ea typeface="ＭＳ ゴシック" panose="020B0609070205080204" pitchFamily="49" charset="-128"/>
+              </a:rPr>
+            </a:br>
+            <a:r>
+              <a:rPr lang="en-US" altLang="ja-JP" sz="2200" dirty="0">
+                <a:solidFill>
+                  <a:srgbClr val="000000"/>
+                </a:solidFill>
+                <a:highlight>
+                  <a:srgbClr val="FFFFFF"/>
+                </a:highlight>
+                <a:latin typeface="ＭＳ ゴシック" panose="020B0609070205080204" pitchFamily="49" charset="-128"/>
+                <a:ea typeface="ＭＳ ゴシック" panose="020B0609070205080204" pitchFamily="49" charset="-128"/>
+              </a:rPr>
+              <a:t>          </a:t>
+            </a:r>
+            <a:r>
+              <a:rPr lang="en-US" altLang="ja-JP" sz="2200" dirty="0">
+                <a:solidFill>
+                  <a:srgbClr val="000000"/>
+                </a:solidFill>
+                <a:highlight>
+                  <a:srgbClr val="FFFFFF"/>
+                </a:highlight>
+                <a:ea typeface="ＭＳ ゴシック" panose="020B0609070205080204" pitchFamily="49" charset="-128"/>
+              </a:rPr>
+              <a:t>bricks</a:t>
+            </a:r>
+            <a:r>
+              <a:rPr lang="en-US" altLang="ja-JP" sz="2200" dirty="0">
+                <a:solidFill>
+                  <a:srgbClr val="008080"/>
+                </a:solidFill>
+                <a:highlight>
+                  <a:srgbClr val="FFFFFF"/>
+                </a:highlight>
+                <a:ea typeface="ＭＳ ゴシック" panose="020B0609070205080204" pitchFamily="49" charset="-128"/>
+              </a:rPr>
+              <a:t>[</a:t>
+            </a:r>
+            <a:r>
+              <a:rPr lang="en-US" altLang="ja-JP" sz="2200" dirty="0">
+                <a:solidFill>
+                  <a:srgbClr val="000000"/>
+                </a:solidFill>
+                <a:highlight>
+                  <a:srgbClr val="FFFFFF"/>
+                </a:highlight>
+                <a:ea typeface="ＭＳ ゴシック" panose="020B0609070205080204" pitchFamily="49" charset="-128"/>
+              </a:rPr>
+              <a:t>y</a:t>
+            </a:r>
+            <a:r>
+              <a:rPr lang="en-US" altLang="ja-JP" sz="2200" dirty="0">
+                <a:solidFill>
+                  <a:srgbClr val="008080"/>
+                </a:solidFill>
+                <a:highlight>
+                  <a:srgbClr val="FFFFFF"/>
+                </a:highlight>
+                <a:ea typeface="ＭＳ ゴシック" panose="020B0609070205080204" pitchFamily="49" charset="-128"/>
+              </a:rPr>
+              <a:t>]</a:t>
+            </a:r>
+            <a:r>
+              <a:rPr lang="en-US" altLang="ja-JP" sz="2200" dirty="0">
+                <a:solidFill>
+                  <a:srgbClr val="000000"/>
+                </a:solidFill>
+                <a:highlight>
+                  <a:srgbClr val="FFFFFF"/>
+                </a:highlight>
+                <a:ea typeface="ＭＳ ゴシック" panose="020B0609070205080204" pitchFamily="49" charset="-128"/>
+              </a:rPr>
+              <a:t>.erase(bricks</a:t>
+            </a:r>
+            <a:r>
+              <a:rPr lang="en-US" altLang="ja-JP" sz="2200" dirty="0">
+                <a:solidFill>
+                  <a:srgbClr val="008080"/>
+                </a:solidFill>
+                <a:highlight>
+                  <a:srgbClr val="FFFFFF"/>
+                </a:highlight>
+                <a:ea typeface="ＭＳ ゴシック" panose="020B0609070205080204" pitchFamily="49" charset="-128"/>
+              </a:rPr>
+              <a:t>[</a:t>
+            </a:r>
+            <a:r>
+              <a:rPr lang="en-US" altLang="ja-JP" sz="2200" dirty="0">
+                <a:solidFill>
+                  <a:srgbClr val="000000"/>
+                </a:solidFill>
+                <a:highlight>
+                  <a:srgbClr val="FFFFFF"/>
+                </a:highlight>
+                <a:ea typeface="ＭＳ ゴシック" panose="020B0609070205080204" pitchFamily="49" charset="-128"/>
+              </a:rPr>
+              <a:t>y</a:t>
+            </a:r>
+            <a:r>
+              <a:rPr lang="en-US" altLang="ja-JP" sz="2200" dirty="0">
+                <a:solidFill>
+                  <a:srgbClr val="008080"/>
+                </a:solidFill>
+                <a:highlight>
+                  <a:srgbClr val="FFFFFF"/>
+                </a:highlight>
+                <a:ea typeface="ＭＳ ゴシック" panose="020B0609070205080204" pitchFamily="49" charset="-128"/>
+              </a:rPr>
+              <a:t>]</a:t>
+            </a:r>
+            <a:r>
+              <a:rPr lang="en-US" altLang="ja-JP" sz="2200" dirty="0">
+                <a:solidFill>
+                  <a:srgbClr val="000000"/>
+                </a:solidFill>
+                <a:highlight>
+                  <a:srgbClr val="FFFFFF"/>
+                </a:highlight>
+                <a:ea typeface="ＭＳ ゴシック" panose="020B0609070205080204" pitchFamily="49" charset="-128"/>
+              </a:rPr>
+              <a:t>.begin() </a:t>
+            </a:r>
+            <a:r>
+              <a:rPr lang="en-US" altLang="ja-JP" sz="2200" dirty="0">
+                <a:solidFill>
+                  <a:srgbClr val="008080"/>
+                </a:solidFill>
+                <a:highlight>
+                  <a:srgbClr val="FFFFFF"/>
+                </a:highlight>
+                <a:ea typeface="ＭＳ ゴシック" panose="020B0609070205080204" pitchFamily="49" charset="-128"/>
+              </a:rPr>
+              <a:t>+</a:t>
+            </a:r>
+            <a:r>
+              <a:rPr lang="en-US" altLang="ja-JP" sz="2200" dirty="0">
+                <a:solidFill>
+                  <a:srgbClr val="000000"/>
+                </a:solidFill>
+                <a:highlight>
+                  <a:srgbClr val="FFFFFF"/>
+                </a:highlight>
+                <a:ea typeface="ＭＳ ゴシック" panose="020B0609070205080204" pitchFamily="49" charset="-128"/>
+              </a:rPr>
+              <a:t> x);</a:t>
+            </a:r>
+            <a:r>
+              <a:rPr lang="en-US" altLang="ja-JP" sz="2200" dirty="0">
+                <a:solidFill>
+                  <a:srgbClr val="008000"/>
+                </a:solidFill>
+                <a:highlight>
+                  <a:srgbClr val="FFFFFF"/>
+                </a:highlight>
+                <a:latin typeface="ＭＳ ゴシック" panose="020B0609070205080204" pitchFamily="49" charset="-128"/>
+                <a:ea typeface="ＭＳ ゴシック" panose="020B0609070205080204" pitchFamily="49" charset="-128"/>
+              </a:rPr>
+              <a:t>//</a:t>
+            </a:r>
+            <a:r>
+              <a:rPr lang="ja-JP" altLang="en-US" sz="2200" dirty="0">
+                <a:solidFill>
+                  <a:srgbClr val="008000"/>
+                </a:solidFill>
+                <a:highlight>
+                  <a:srgbClr val="FFFFFF"/>
+                </a:highlight>
+                <a:latin typeface="ＭＳ ゴシック" panose="020B0609070205080204" pitchFamily="49" charset="-128"/>
+                <a:ea typeface="ＭＳ ゴシック" panose="020B0609070205080204" pitchFamily="49" charset="-128"/>
+              </a:rPr>
+              <a:t>配列要素を削除</a:t>
+            </a:r>
+            <a:br>
+              <a:rPr lang="en-US" altLang="ja-JP" sz="2200" dirty="0">
+                <a:solidFill>
+                  <a:srgbClr val="000000"/>
+                </a:solidFill>
+                <a:highlight>
+                  <a:srgbClr val="FFFFFF"/>
+                </a:highlight>
+                <a:ea typeface="ＭＳ ゴシック" panose="020B0609070205080204" pitchFamily="49" charset="-128"/>
+              </a:rPr>
+            </a:br>
+            <a:r>
+              <a:rPr lang="en-US" altLang="ja-JP" sz="2200" dirty="0">
+                <a:solidFill>
+                  <a:srgbClr val="000000"/>
+                </a:solidFill>
+                <a:highlight>
+                  <a:srgbClr val="FFFFFF"/>
+                </a:highlight>
+                <a:ea typeface="ＭＳ ゴシック" panose="020B0609070205080204" pitchFamily="49" charset="-128"/>
+              </a:rPr>
+              <a:t>        </a:t>
+            </a:r>
+            <a:r>
+              <a:rPr lang="en-US" altLang="ja-JP" sz="2200" dirty="0">
+                <a:solidFill>
+                  <a:srgbClr val="0000FF"/>
+                </a:solidFill>
+                <a:highlight>
+                  <a:srgbClr val="FFFFFF"/>
+                </a:highlight>
+                <a:ea typeface="ＭＳ ゴシック" panose="020B0609070205080204" pitchFamily="49" charset="-128"/>
+              </a:rPr>
+              <a:t>break</a:t>
+            </a:r>
+            <a:r>
+              <a:rPr lang="en-US" altLang="ja-JP" sz="2200" dirty="0">
+                <a:solidFill>
+                  <a:srgbClr val="000000"/>
+                </a:solidFill>
+                <a:highlight>
+                  <a:srgbClr val="FFFFFF"/>
+                </a:highlight>
+                <a:ea typeface="ＭＳ ゴシック" panose="020B0609070205080204" pitchFamily="49" charset="-128"/>
+              </a:rPr>
+              <a:t>;</a:t>
+            </a:r>
+            <a:r>
+              <a:rPr lang="en-US" altLang="ja-JP" sz="2200" dirty="0">
+                <a:solidFill>
+                  <a:srgbClr val="008000"/>
+                </a:solidFill>
+                <a:highlight>
+                  <a:srgbClr val="FFFFFF"/>
+                </a:highlight>
+                <a:latin typeface="ＭＳ ゴシック" panose="020B0609070205080204" pitchFamily="49" charset="-128"/>
+                <a:ea typeface="ＭＳ ゴシック" panose="020B0609070205080204" pitchFamily="49" charset="-128"/>
+              </a:rPr>
+              <a:t> //</a:t>
+            </a:r>
+            <a:r>
+              <a:rPr lang="ja-JP" altLang="en-US" sz="2200" dirty="0">
+                <a:solidFill>
+                  <a:srgbClr val="008000"/>
+                </a:solidFill>
+                <a:highlight>
+                  <a:srgbClr val="FFFFFF"/>
+                </a:highlight>
+                <a:latin typeface="ＭＳ ゴシック" panose="020B0609070205080204" pitchFamily="49" charset="-128"/>
+                <a:ea typeface="ＭＳ ゴシック" panose="020B0609070205080204" pitchFamily="49" charset="-128"/>
+              </a:rPr>
+              <a:t>これ以上チェックせずループから抜ける</a:t>
+            </a:r>
+            <a:br>
+              <a:rPr lang="en-US" altLang="ja-JP" sz="2200" dirty="0">
+                <a:solidFill>
+                  <a:srgbClr val="000000"/>
+                </a:solidFill>
+                <a:highlight>
+                  <a:srgbClr val="FFFFFF"/>
+                </a:highlight>
+                <a:latin typeface="ＭＳ ゴシック" panose="020B0609070205080204" pitchFamily="49" charset="-128"/>
+                <a:ea typeface="ＭＳ ゴシック" panose="020B0609070205080204" pitchFamily="49" charset="-128"/>
+              </a:rPr>
+            </a:br>
+            <a:r>
+              <a:rPr lang="en-US" altLang="ja-JP" sz="2200" dirty="0">
+                <a:solidFill>
+                  <a:srgbClr val="000000"/>
+                </a:solidFill>
+                <a:highlight>
+                  <a:srgbClr val="FFFFFF"/>
+                </a:highlight>
+                <a:latin typeface="ＭＳ ゴシック" panose="020B0609070205080204" pitchFamily="49" charset="-128"/>
+                <a:ea typeface="ＭＳ ゴシック" panose="020B0609070205080204" pitchFamily="49" charset="-128"/>
+              </a:rPr>
+              <a:t>      </a:t>
+            </a:r>
+            <a:r>
+              <a:rPr lang="en-US" altLang="ja-JP" sz="2200" dirty="0">
+                <a:solidFill>
+                  <a:srgbClr val="000000"/>
+                </a:solidFill>
+                <a:highlight>
+                  <a:srgbClr val="FFFFFF"/>
+                </a:highlight>
+                <a:ea typeface="ＭＳ ゴシック" panose="020B0609070205080204" pitchFamily="49" charset="-128"/>
+              </a:rPr>
+              <a:t>}</a:t>
+            </a:r>
+            <a:br>
+              <a:rPr lang="en-US" altLang="ja-JP" sz="2200" dirty="0">
+                <a:solidFill>
+                  <a:srgbClr val="000000"/>
+                </a:solidFill>
+                <a:highlight>
+                  <a:srgbClr val="FFFFFF"/>
+                </a:highlight>
+                <a:ea typeface="ＭＳ ゴシック" panose="020B0609070205080204" pitchFamily="49" charset="-128"/>
+              </a:rPr>
+            </a:br>
+            <a:r>
+              <a:rPr lang="en-US" altLang="ja-JP" sz="2200" dirty="0">
+                <a:solidFill>
+                  <a:srgbClr val="000000"/>
+                </a:solidFill>
+                <a:highlight>
+                  <a:srgbClr val="FFFFFF"/>
+                </a:highlight>
+                <a:ea typeface="ＭＳ ゴシック" panose="020B0609070205080204" pitchFamily="49" charset="-128"/>
+              </a:rPr>
+              <a:t>   }</a:t>
+            </a:r>
+            <a:br>
+              <a:rPr lang="en-US" altLang="ja-JP" sz="2200" dirty="0">
+                <a:solidFill>
+                  <a:srgbClr val="000000"/>
+                </a:solidFill>
+                <a:highlight>
+                  <a:srgbClr val="FFFFFF"/>
+                </a:highlight>
+                <a:ea typeface="ＭＳ ゴシック" panose="020B0609070205080204" pitchFamily="49" charset="-128"/>
+              </a:rPr>
+            </a:br>
+            <a:r>
+              <a:rPr lang="en-US" altLang="ja-JP" sz="2200" dirty="0">
+                <a:solidFill>
+                  <a:srgbClr val="000000"/>
+                </a:solidFill>
+                <a:highlight>
+                  <a:srgbClr val="FFFFFF"/>
+                </a:highlight>
+                <a:ea typeface="ＭＳ ゴシック" panose="020B0609070205080204" pitchFamily="49" charset="-128"/>
+              </a:rPr>
+              <a:t> }</a:t>
+            </a:r>
+            <a:br>
+              <a:rPr lang="en-US" altLang="ja-JP" sz="2200" dirty="0">
+                <a:solidFill>
+                  <a:srgbClr val="000000"/>
+                </a:solidFill>
+                <a:highlight>
+                  <a:srgbClr val="FFFFFF"/>
+                </a:highlight>
+                <a:ea typeface="ＭＳ ゴシック" panose="020B0609070205080204" pitchFamily="49" charset="-128"/>
+              </a:rPr>
+            </a:br>
+            <a:r>
+              <a:rPr lang="en-US" altLang="ja-JP" sz="2200" dirty="0">
+                <a:solidFill>
+                  <a:srgbClr val="000000"/>
+                </a:solidFill>
+                <a:highlight>
+                  <a:srgbClr val="FFFFFF"/>
+                </a:highlight>
+                <a:ea typeface="ＭＳ ゴシック" panose="020B0609070205080204" pitchFamily="49" charset="-128"/>
+              </a:rPr>
+              <a:t> </a:t>
+            </a:r>
+            <a:r>
+              <a:rPr lang="en-US" altLang="ja-JP" sz="2200" dirty="0">
+                <a:solidFill>
+                  <a:srgbClr val="008000"/>
+                </a:solidFill>
+                <a:highlight>
+                  <a:srgbClr val="FFFFFF"/>
+                </a:highlight>
+                <a:latin typeface="ＭＳ ゴシック" panose="020B0609070205080204" pitchFamily="49" charset="-128"/>
+                <a:ea typeface="ＭＳ ゴシック" panose="020B0609070205080204" pitchFamily="49" charset="-128"/>
+              </a:rPr>
+              <a:t>//</a:t>
+            </a:r>
+            <a:r>
+              <a:rPr lang="ja-JP" altLang="en-US" sz="2200" dirty="0">
+                <a:solidFill>
+                  <a:srgbClr val="008000"/>
+                </a:solidFill>
+                <a:highlight>
+                  <a:srgbClr val="FFFFFF"/>
+                </a:highlight>
+                <a:latin typeface="ＭＳ ゴシック" panose="020B0609070205080204" pitchFamily="49" charset="-128"/>
+                <a:ea typeface="ＭＳ ゴシック" panose="020B0609070205080204" pitchFamily="49" charset="-128"/>
+              </a:rPr>
+              <a:t>ブロックの表示前に上記処理を挿入</a:t>
+            </a:r>
+            <a:endParaRPr lang="en-US" altLang="ja-JP" sz="2200" dirty="0">
+              <a:solidFill>
+                <a:srgbClr val="000000"/>
+              </a:solidFill>
+              <a:highlight>
+                <a:srgbClr val="FFFFFF"/>
+              </a:highlight>
+              <a:ea typeface="ＭＳ ゴシック" panose="020B0609070205080204" pitchFamily="49" charset="-128"/>
+            </a:endParaRPr>
+          </a:p>
+        </p:txBody>
+      </p:sp>
+      <p:sp>
+        <p:nvSpPr>
+          <p:cNvPr id="7" name="テキスト ボックス 6">
+            <a:extLst>
+              <a:ext uri="{FF2B5EF4-FFF2-40B4-BE49-F238E27FC236}">
+                <a16:creationId xmlns:a16="http://schemas.microsoft.com/office/drawing/2014/main" id="{0FA83AA6-6399-5FC4-814F-7E9A6DB699E5}"/>
+              </a:ext>
+            </a:extLst>
+          </p:cNvPr>
+          <p:cNvSpPr txBox="1"/>
+          <p:nvPr/>
+        </p:nvSpPr>
+        <p:spPr>
+          <a:xfrm>
+            <a:off x="9494583" y="516645"/>
+            <a:ext cx="2480166" cy="646331"/>
+          </a:xfrm>
+          <a:prstGeom prst="rect">
+            <a:avLst/>
+          </a:prstGeom>
+          <a:noFill/>
+        </p:spPr>
+        <p:txBody>
+          <a:bodyPr wrap="none" rtlCol="0">
+            <a:spAutoFit/>
+          </a:bodyPr>
+          <a:lstStyle/>
+          <a:p>
+            <a:r>
+              <a:rPr kumimoji="1" lang="en-US" altLang="ja-JP" sz="3600" dirty="0"/>
+              <a:t>Main.cpp</a:t>
+            </a:r>
+            <a:endParaRPr kumimoji="1" lang="ja-JP" altLang="en-US" sz="3600" dirty="0"/>
+          </a:p>
+        </p:txBody>
+      </p:sp>
+    </p:spTree>
+    <p:extLst>
+      <p:ext uri="{BB962C8B-B14F-4D97-AF65-F5344CB8AC3E}">
+        <p14:creationId xmlns:p14="http://schemas.microsoft.com/office/powerpoint/2010/main" val="3611730223"/>
       </p:ext>
     </p:extLst>
   </p:cSld>

--- a/授業資料/演習課題：Siv3D.pptx
+++ b/授業資料/演習課題：Siv3D.pptx
@@ -48,13 +48,15 @@
     <p:sldId id="523" r:id="rId42"/>
     <p:sldId id="550" r:id="rId43"/>
     <p:sldId id="524" r:id="rId44"/>
-    <p:sldId id="525" r:id="rId45"/>
-    <p:sldId id="551" r:id="rId46"/>
-    <p:sldId id="554" r:id="rId47"/>
-    <p:sldId id="527" r:id="rId48"/>
-    <p:sldId id="528" r:id="rId49"/>
-    <p:sldId id="529" r:id="rId50"/>
-    <p:sldId id="531" r:id="rId51"/>
+    <p:sldId id="556" r:id="rId45"/>
+    <p:sldId id="525" r:id="rId46"/>
+    <p:sldId id="551" r:id="rId47"/>
+    <p:sldId id="554" r:id="rId48"/>
+    <p:sldId id="527" r:id="rId49"/>
+    <p:sldId id="528" r:id="rId50"/>
+    <p:sldId id="529" r:id="rId51"/>
+    <p:sldId id="531" r:id="rId52"/>
+    <p:sldId id="557" r:id="rId53"/>
   </p:sldIdLst>
   <p:sldSz cx="12192000" cy="6858000"/>
   <p:notesSz cx="6858000" cy="9144000"/>
@@ -292,7 +294,7 @@
           <a:p>
             <a:fld id="{5B96D3F8-CD2E-4A0D-AC38-517181EABB18}" type="datetimeFigureOut">
               <a:rPr kumimoji="1" lang="ja-JP" altLang="en-US" smtClean="0"/>
-              <a:t>2025/1/27</a:t>
+              <a:t>2025/1/28</a:t>
             </a:fld>
             <a:endParaRPr kumimoji="1" lang="ja-JP" altLang="en-US"/>
           </a:p>
@@ -494,7 +496,7 @@
           <a:p>
             <a:fld id="{5B96D3F8-CD2E-4A0D-AC38-517181EABB18}" type="datetimeFigureOut">
               <a:rPr kumimoji="1" lang="ja-JP" altLang="en-US" smtClean="0"/>
-              <a:t>2025/1/27</a:t>
+              <a:t>2025/1/28</a:t>
             </a:fld>
             <a:endParaRPr kumimoji="1" lang="ja-JP" altLang="en-US"/>
           </a:p>
@@ -706,7 +708,7 @@
           <a:p>
             <a:fld id="{5B96D3F8-CD2E-4A0D-AC38-517181EABB18}" type="datetimeFigureOut">
               <a:rPr kumimoji="1" lang="ja-JP" altLang="en-US" smtClean="0"/>
-              <a:t>2025/1/27</a:t>
+              <a:t>2025/1/28</a:t>
             </a:fld>
             <a:endParaRPr kumimoji="1" lang="ja-JP" altLang="en-US"/>
           </a:p>
@@ -908,7 +910,7 @@
           <a:p>
             <a:fld id="{5B96D3F8-CD2E-4A0D-AC38-517181EABB18}" type="datetimeFigureOut">
               <a:rPr kumimoji="1" lang="ja-JP" altLang="en-US" smtClean="0"/>
-              <a:t>2025/1/27</a:t>
+              <a:t>2025/1/28</a:t>
             </a:fld>
             <a:endParaRPr kumimoji="1" lang="ja-JP" altLang="en-US"/>
           </a:p>
@@ -1170,7 +1172,7 @@
           <a:p>
             <a:fld id="{5B96D3F8-CD2E-4A0D-AC38-517181EABB18}" type="datetimeFigureOut">
               <a:rPr kumimoji="1" lang="ja-JP" altLang="en-US" smtClean="0"/>
-              <a:t>2025/1/27</a:t>
+              <a:t>2025/1/28</a:t>
             </a:fld>
             <a:endParaRPr kumimoji="1" lang="ja-JP" altLang="en-US"/>
           </a:p>
@@ -1466,7 +1468,7 @@
           <a:p>
             <a:fld id="{5B96D3F8-CD2E-4A0D-AC38-517181EABB18}" type="datetimeFigureOut">
               <a:rPr kumimoji="1" lang="ja-JP" altLang="en-US" smtClean="0"/>
-              <a:t>2025/1/27</a:t>
+              <a:t>2025/1/28</a:t>
             </a:fld>
             <a:endParaRPr kumimoji="1" lang="ja-JP" altLang="en-US"/>
           </a:p>
@@ -1897,7 +1899,7 @@
           <a:p>
             <a:fld id="{5B96D3F8-CD2E-4A0D-AC38-517181EABB18}" type="datetimeFigureOut">
               <a:rPr kumimoji="1" lang="ja-JP" altLang="en-US" smtClean="0"/>
-              <a:t>2025/1/27</a:t>
+              <a:t>2025/1/28</a:t>
             </a:fld>
             <a:endParaRPr kumimoji="1" lang="ja-JP" altLang="en-US"/>
           </a:p>
@@ -2015,7 +2017,7 @@
           <a:p>
             <a:fld id="{5B96D3F8-CD2E-4A0D-AC38-517181EABB18}" type="datetimeFigureOut">
               <a:rPr kumimoji="1" lang="ja-JP" altLang="en-US" smtClean="0"/>
-              <a:t>2025/1/27</a:t>
+              <a:t>2025/1/28</a:t>
             </a:fld>
             <a:endParaRPr kumimoji="1" lang="ja-JP" altLang="en-US"/>
           </a:p>
@@ -2110,7 +2112,7 @@
           <a:p>
             <a:fld id="{5B96D3F8-CD2E-4A0D-AC38-517181EABB18}" type="datetimeFigureOut">
               <a:rPr kumimoji="1" lang="ja-JP" altLang="en-US" smtClean="0"/>
-              <a:t>2025/1/27</a:t>
+              <a:t>2025/1/28</a:t>
             </a:fld>
             <a:endParaRPr kumimoji="1" lang="ja-JP" altLang="en-US"/>
           </a:p>
@@ -2419,7 +2421,7 @@
           <a:p>
             <a:fld id="{5B96D3F8-CD2E-4A0D-AC38-517181EABB18}" type="datetimeFigureOut">
               <a:rPr kumimoji="1" lang="ja-JP" altLang="en-US" smtClean="0"/>
-              <a:t>2025/1/27</a:t>
+              <a:t>2025/1/28</a:t>
             </a:fld>
             <a:endParaRPr kumimoji="1" lang="ja-JP" altLang="en-US"/>
           </a:p>
@@ -2676,7 +2678,7 @@
           <a:p>
             <a:fld id="{5B96D3F8-CD2E-4A0D-AC38-517181EABB18}" type="datetimeFigureOut">
               <a:rPr kumimoji="1" lang="ja-JP" altLang="en-US" smtClean="0"/>
-              <a:t>2025/1/27</a:t>
+              <a:t>2025/1/28</a:t>
             </a:fld>
             <a:endParaRPr kumimoji="1" lang="ja-JP" altLang="en-US"/>
           </a:p>
@@ -2921,7 +2923,7 @@
           <a:p>
             <a:fld id="{5B96D3F8-CD2E-4A0D-AC38-517181EABB18}" type="datetimeFigureOut">
               <a:rPr kumimoji="1" lang="ja-JP" altLang="en-US" smtClean="0"/>
-              <a:t>2025/1/27</a:t>
+              <a:t>2025/1/28</a:t>
             </a:fld>
             <a:endParaRPr kumimoji="1" lang="ja-JP" altLang="en-US"/>
           </a:p>
@@ -14591,7 +14593,11 @@
               <a:rPr kumimoji="1" lang="en-US" altLang="ja-JP" sz="2400" dirty="0"/>
             </a:br>
             <a:r>
-              <a:rPr kumimoji="1" lang="en-US" altLang="ja-JP" sz="2400" dirty="0"/>
+              <a:rPr kumimoji="1" lang="en-US" altLang="ja-JP" sz="2400" dirty="0">
+                <a:solidFill>
+                  <a:srgbClr val="FF0000"/>
+                </a:solidFill>
+              </a:rPr>
               <a:t>x</a:t>
             </a:r>
             <a:r>
@@ -14599,12 +14605,28 @@
               <a:t>と</a:t>
             </a:r>
             <a:r>
-              <a:rPr kumimoji="1" lang="en-US" altLang="ja-JP" sz="2400" dirty="0"/>
+              <a:rPr kumimoji="1" lang="en-US" altLang="ja-JP" sz="2400" dirty="0">
+                <a:solidFill>
+                  <a:srgbClr val="FF0000"/>
+                </a:solidFill>
+              </a:rPr>
               <a:t>y</a:t>
             </a:r>
             <a:r>
               <a:rPr kumimoji="1" lang="ja-JP" altLang="en-US" sz="2400" dirty="0"/>
-              <a:t>の二つの整数型メンバを持つ構造体</a:t>
+              <a:t>の二つの</a:t>
+            </a:r>
+            <a:r>
+              <a:rPr kumimoji="1" lang="ja-JP" altLang="en-US" sz="2400" dirty="0">
+                <a:solidFill>
+                  <a:srgbClr val="0000FF"/>
+                </a:solidFill>
+              </a:rPr>
+              <a:t>整数型</a:t>
+            </a:r>
+            <a:r>
+              <a:rPr kumimoji="1" lang="ja-JP" altLang="en-US" sz="2400" dirty="0"/>
+              <a:t>メンバを持つ構造体</a:t>
             </a:r>
           </a:p>
         </p:txBody>
@@ -14675,7 +14697,11 @@
               <a:rPr kumimoji="1" lang="en-US" altLang="ja-JP" sz="2400" dirty="0"/>
             </a:br>
             <a:r>
-              <a:rPr kumimoji="1" lang="en-US" altLang="ja-JP" sz="2400" dirty="0"/>
+              <a:rPr kumimoji="1" lang="en-US" altLang="ja-JP" sz="2400" dirty="0">
+                <a:solidFill>
+                  <a:srgbClr val="FF0000"/>
+                </a:solidFill>
+              </a:rPr>
               <a:t>x</a:t>
             </a:r>
             <a:r>
@@ -14683,7 +14709,11 @@
               <a:t>と</a:t>
             </a:r>
             <a:r>
-              <a:rPr kumimoji="1" lang="en-US" altLang="ja-JP" sz="2400" dirty="0"/>
+              <a:rPr kumimoji="1" lang="en-US" altLang="ja-JP" sz="2400" dirty="0">
+                <a:solidFill>
+                  <a:srgbClr val="FF0000"/>
+                </a:solidFill>
+              </a:rPr>
               <a:t>y</a:t>
             </a:r>
             <a:r>
@@ -14691,12 +14721,24 @@
               <a:t>の二つの</a:t>
             </a:r>
             <a:r>
-              <a:rPr kumimoji="1" lang="en-US" altLang="ja-JP" sz="2400" dirty="0"/>
+              <a:rPr kumimoji="1" lang="en-US" altLang="ja-JP" sz="2400" dirty="0">
+                <a:solidFill>
+                  <a:srgbClr val="0000FF"/>
+                </a:solidFill>
+              </a:rPr>
               <a:t>double</a:t>
             </a:r>
             <a:r>
+              <a:rPr kumimoji="1" lang="ja-JP" altLang="en-US" sz="2400" dirty="0">
+                <a:solidFill>
+                  <a:srgbClr val="0000FF"/>
+                </a:solidFill>
+              </a:rPr>
+              <a:t>型</a:t>
+            </a:r>
+            <a:r>
               <a:rPr kumimoji="1" lang="ja-JP" altLang="en-US" sz="2400" dirty="0"/>
-              <a:t>型メンバを持つクラス</a:t>
+              <a:t>メンバを持つクラス</a:t>
             </a:r>
           </a:p>
         </p:txBody>
@@ -14783,8 +14825,8 @@
         </p:nvSpPr>
         <p:spPr>
           <a:xfrm>
-            <a:off x="5832540" y="5119697"/>
-            <a:ext cx="5813089" cy="830997"/>
+            <a:off x="5647715" y="4845120"/>
+            <a:ext cx="5813089" cy="1569660"/>
           </a:xfrm>
           <a:prstGeom prst="rect">
             <a:avLst/>
@@ -14832,7 +14874,7 @@
             </a:r>
             <a:r>
               <a:rPr kumimoji="1" lang="ja-JP" altLang="en-US" sz="2400" dirty="0"/>
-              <a:t>として定義（プログラム中</a:t>
+              <a:t>として定義（</a:t>
             </a:r>
             <a:r>
               <a:rPr kumimoji="1" lang="ja-JP" altLang="en-US" sz="2400" dirty="0">
@@ -14844,7 +14886,22 @@
             </a:r>
             <a:r>
               <a:rPr kumimoji="1" lang="ja-JP" altLang="en-US" sz="2400" dirty="0"/>
-              <a:t>）</a:t>
+              <a:t>）。</a:t>
+            </a:r>
+            <a:r>
+              <a:rPr kumimoji="1" lang="en-US" altLang="ja-JP" sz="2400" dirty="0"/>
+              <a:t>const</a:t>
+            </a:r>
+            <a:r>
+              <a:rPr kumimoji="1" lang="ja-JP" altLang="en-US" sz="2400" dirty="0"/>
+              <a:t>との</a:t>
+            </a:r>
+            <a:br>
+              <a:rPr kumimoji="1" lang="en-US" altLang="ja-JP" sz="2400" dirty="0"/>
+            </a:br>
+            <a:r>
+              <a:rPr kumimoji="1" lang="ja-JP" altLang="en-US" sz="2400" dirty="0"/>
+              <a:t>違いはコンパイル時にすでに定数となっているので、メモリ節約や処理高速化が可能</a:t>
             </a:r>
           </a:p>
         </p:txBody>
@@ -16469,8 +16526,24 @@
               <a:t>(</a:t>
             </a:r>
             <a:r>
+              <a:rPr kumimoji="1" lang="en-US" altLang="ja-JP" sz="2400" dirty="0" err="1">
+                <a:solidFill>
+                  <a:srgbClr val="FF0000"/>
+                </a:solidFill>
+              </a:rPr>
+              <a:t>x</a:t>
+            </a:r>
+            <a:r>
               <a:rPr kumimoji="1" lang="en-US" altLang="ja-JP" sz="2400" dirty="0" err="1"/>
-              <a:t>x,y</a:t>
+              <a:t>,</a:t>
+            </a:r>
+            <a:r>
+              <a:rPr kumimoji="1" lang="en-US" altLang="ja-JP" sz="2400" dirty="0" err="1">
+                <a:solidFill>
+                  <a:srgbClr val="FF0000"/>
+                </a:solidFill>
+              </a:rPr>
+              <a:t>y</a:t>
             </a:r>
             <a:r>
               <a:rPr kumimoji="1" lang="en-US" altLang="ja-JP" sz="2400" dirty="0"/>
@@ -16481,7 +16554,11 @@
               <a:t>と半径</a:t>
             </a:r>
             <a:r>
-              <a:rPr kumimoji="1" lang="en-US" altLang="ja-JP" sz="2400" dirty="0"/>
+              <a:rPr kumimoji="1" lang="en-US" altLang="ja-JP" sz="2400" dirty="0">
+                <a:solidFill>
+                  <a:srgbClr val="FF0000"/>
+                </a:solidFill>
+              </a:rPr>
               <a:t>r</a:t>
             </a:r>
             <a:r>
@@ -21842,10 +21919,10 @@
       </p:sp>
       <p:sp>
         <p:nvSpPr>
-          <p:cNvPr id="4" name="テキスト ボックス 3">
+          <p:cNvPr id="8" name="テキスト ボックス 7">
             <a:extLst>
               <a:ext uri="{FF2B5EF4-FFF2-40B4-BE49-F238E27FC236}">
-                <a16:creationId xmlns:a16="http://schemas.microsoft.com/office/drawing/2014/main" id="{C82168B3-979D-A1FE-6DDA-45E7558EA650}"/>
+                <a16:creationId xmlns:a16="http://schemas.microsoft.com/office/drawing/2014/main" id="{40A443BE-C70C-AEC8-78EF-EE53DFFCE5CE}"/>
               </a:ext>
             </a:extLst>
           </p:cNvPr>
@@ -21854,8 +21931,8 @@
         </p:nvSpPr>
         <p:spPr>
           <a:xfrm>
-            <a:off x="2327179" y="6090912"/>
-            <a:ext cx="7537641" cy="523220"/>
+            <a:off x="1440980" y="6169708"/>
+            <a:ext cx="9631163" cy="646331"/>
           </a:xfrm>
           <a:prstGeom prst="rect">
             <a:avLst/>
@@ -21869,7 +21946,7 @@
           <a:lstStyle/>
           <a:p>
             <a:r>
-              <a:rPr kumimoji="1" lang="ja-JP" altLang="en-US" sz="2800" dirty="0">
+              <a:rPr kumimoji="1" lang="ja-JP" altLang="en-US" sz="3600" dirty="0">
                 <a:solidFill>
                   <a:srgbClr val="00B050"/>
                 </a:solidFill>
@@ -22147,8 +22224,8 @@
         </p:nvSpPr>
         <p:spPr>
           <a:xfrm>
-            <a:off x="2327179" y="6090912"/>
-            <a:ext cx="7537641" cy="523220"/>
+            <a:off x="1440980" y="6169708"/>
+            <a:ext cx="9631163" cy="646331"/>
           </a:xfrm>
           <a:prstGeom prst="rect">
             <a:avLst/>
@@ -22162,7 +22239,7 @@
           <a:lstStyle/>
           <a:p>
             <a:r>
-              <a:rPr kumimoji="1" lang="ja-JP" altLang="en-US" sz="2800" dirty="0">
+              <a:rPr kumimoji="1" lang="ja-JP" altLang="en-US" sz="3600" dirty="0">
                 <a:solidFill>
                   <a:srgbClr val="00B050"/>
                 </a:solidFill>
@@ -25639,8 +25716,24 @@
               <a:t>(</a:t>
             </a:r>
             <a:r>
+              <a:rPr kumimoji="1" lang="en-US" altLang="ja-JP" sz="2400" dirty="0" err="1">
+                <a:solidFill>
+                  <a:srgbClr val="FF0000"/>
+                </a:solidFill>
+              </a:rPr>
+              <a:t>x</a:t>
+            </a:r>
+            <a:r>
               <a:rPr kumimoji="1" lang="en-US" altLang="ja-JP" sz="2400" dirty="0" err="1"/>
-              <a:t>x,y</a:t>
+              <a:t>,</a:t>
+            </a:r>
+            <a:r>
+              <a:rPr kumimoji="1" lang="en-US" altLang="ja-JP" sz="2400" dirty="0" err="1">
+                <a:solidFill>
+                  <a:srgbClr val="FF0000"/>
+                </a:solidFill>
+              </a:rPr>
+              <a:t>y</a:t>
             </a:r>
             <a:r>
               <a:rPr kumimoji="1" lang="en-US" altLang="ja-JP" sz="2400" dirty="0"/>
@@ -25648,15 +25741,31 @@
             </a:r>
             <a:r>
               <a:rPr kumimoji="1" lang="ja-JP" altLang="en-US" sz="2400" dirty="0"/>
-              <a:t>とサイズ</a:t>
+              <a:t>と横幅・高さ</a:t>
             </a:r>
             <a:r>
               <a:rPr kumimoji="1" lang="en-US" altLang="ja-JP" sz="2400" dirty="0"/>
               <a:t>(</a:t>
             </a:r>
             <a:r>
+              <a:rPr kumimoji="1" lang="en-US" altLang="ja-JP" sz="2400" dirty="0" err="1">
+                <a:solidFill>
+                  <a:srgbClr val="FF0000"/>
+                </a:solidFill>
+              </a:rPr>
+              <a:t>w</a:t>
+            </a:r>
+            <a:r>
               <a:rPr kumimoji="1" lang="en-US" altLang="ja-JP" sz="2400" dirty="0" err="1"/>
-              <a:t>w,h</a:t>
+              <a:t>,</a:t>
+            </a:r>
+            <a:r>
+              <a:rPr kumimoji="1" lang="en-US" altLang="ja-JP" sz="2400" dirty="0" err="1">
+                <a:solidFill>
+                  <a:srgbClr val="FF0000"/>
+                </a:solidFill>
+              </a:rPr>
+              <a:t>h</a:t>
             </a:r>
             <a:r>
               <a:rPr kumimoji="1" lang="en-US" altLang="ja-JP" sz="2400" dirty="0"/>
@@ -31763,7 +31872,11 @@
               <a:rPr kumimoji="1" lang="en-US" altLang="ja-JP" sz="2400" dirty="0"/>
             </a:br>
             <a:r>
-              <a:rPr kumimoji="1" lang="en-US" altLang="ja-JP" sz="2400" dirty="0"/>
+              <a:rPr kumimoji="1" lang="en-US" altLang="ja-JP" sz="2400" dirty="0">
+                <a:solidFill>
+                  <a:srgbClr val="FF0000"/>
+                </a:solidFill>
+              </a:rPr>
               <a:t>x</a:t>
             </a:r>
             <a:r>
@@ -31771,12 +31884,28 @@
               <a:t>と</a:t>
             </a:r>
             <a:r>
-              <a:rPr kumimoji="1" lang="en-US" altLang="ja-JP" sz="2400" dirty="0"/>
+              <a:rPr kumimoji="1" lang="en-US" altLang="ja-JP" sz="2400" dirty="0">
+                <a:solidFill>
+                  <a:srgbClr val="FF0000"/>
+                </a:solidFill>
+              </a:rPr>
               <a:t>y</a:t>
             </a:r>
             <a:r>
               <a:rPr kumimoji="1" lang="ja-JP" altLang="en-US" sz="2400" dirty="0"/>
-              <a:t>の二つの整数型メンバを持つ構造体</a:t>
+              <a:t>の二つの</a:t>
+            </a:r>
+            <a:r>
+              <a:rPr kumimoji="1" lang="ja-JP" altLang="en-US" sz="2400" dirty="0">
+                <a:solidFill>
+                  <a:srgbClr val="0066FF"/>
+                </a:solidFill>
+              </a:rPr>
+              <a:t>整数型</a:t>
+            </a:r>
+            <a:r>
+              <a:rPr kumimoji="1" lang="ja-JP" altLang="en-US" sz="2400" dirty="0"/>
+              <a:t>メンバを持つ構造体</a:t>
             </a:r>
           </a:p>
         </p:txBody>
@@ -33478,6 +33607,1943 @@
         <p:cNvPr id="1" name="">
           <a:extLst>
             <a:ext uri="{FF2B5EF4-FFF2-40B4-BE49-F238E27FC236}">
+              <a16:creationId xmlns:a16="http://schemas.microsoft.com/office/drawing/2014/main" id="{ABEC136A-78EA-EB2D-F7EB-CB6297D2BF75}"/>
+            </a:ext>
+          </a:extLst>
+        </p:cNvPr>
+        <p:cNvGrpSpPr/>
+        <p:nvPr/>
+      </p:nvGrpSpPr>
+      <p:grpSpPr>
+        <a:xfrm>
+          <a:off x="0" y="0"/>
+          <a:ext cx="0" cy="0"/>
+          <a:chOff x="0" y="0"/>
+          <a:chExt cx="0" cy="0"/>
+        </a:xfrm>
+      </p:grpSpPr>
+      <p:sp>
+        <p:nvSpPr>
+          <p:cNvPr id="2" name="タイトル 1">
+            <a:extLst>
+              <a:ext uri="{FF2B5EF4-FFF2-40B4-BE49-F238E27FC236}">
+                <a16:creationId xmlns:a16="http://schemas.microsoft.com/office/drawing/2014/main" id="{BF6A10F9-25CA-9EFE-3667-24703479AD18}"/>
+              </a:ext>
+            </a:extLst>
+          </p:cNvPr>
+          <p:cNvSpPr>
+            <a:spLocks noGrp="1"/>
+          </p:cNvSpPr>
+          <p:nvPr>
+            <p:ph type="title"/>
+          </p:nvPr>
+        </p:nvSpPr>
+        <p:spPr/>
+        <p:txBody>
+          <a:bodyPr>
+            <a:normAutofit/>
+          </a:bodyPr>
+          <a:lstStyle/>
+          <a:p>
+            <a:r>
+              <a:rPr kumimoji="1" lang="ja-JP" altLang="en-US" dirty="0"/>
+              <a:t>演習：</a:t>
+            </a:r>
+            <a:r>
+              <a:rPr lang="en-US" altLang="ja-JP" dirty="0"/>
+              <a:t>Siv3D</a:t>
+            </a:r>
+            <a:endParaRPr kumimoji="1" lang="ja-JP" altLang="en-US" dirty="0"/>
+          </a:p>
+        </p:txBody>
+      </p:sp>
+      <p:sp>
+        <p:nvSpPr>
+          <p:cNvPr id="4" name="コンテンツ プレースホルダー 2">
+            <a:extLst>
+              <a:ext uri="{FF2B5EF4-FFF2-40B4-BE49-F238E27FC236}">
+                <a16:creationId xmlns:a16="http://schemas.microsoft.com/office/drawing/2014/main" id="{4955C369-972F-8B0A-19FC-D92DA3C95C31}"/>
+              </a:ext>
+            </a:extLst>
+          </p:cNvPr>
+          <p:cNvSpPr txBox="1">
+            <a:spLocks/>
+          </p:cNvSpPr>
+          <p:nvPr/>
+        </p:nvSpPr>
+        <p:spPr>
+          <a:xfrm>
+            <a:off x="731195" y="1162976"/>
+            <a:ext cx="11136549" cy="5626930"/>
+          </a:xfrm>
+          <a:prstGeom prst="rect">
+            <a:avLst/>
+          </a:prstGeom>
+          <a:solidFill>
+            <a:schemeClr val="bg1"/>
+          </a:solidFill>
+          <a:ln>
+            <a:solidFill>
+              <a:schemeClr val="tx1"/>
+            </a:solidFill>
+          </a:ln>
+        </p:spPr>
+        <p:txBody>
+          <a:bodyPr vert="horz" lIns="91440" tIns="45720" rIns="91440" bIns="45720" rtlCol="0">
+            <a:noAutofit/>
+          </a:bodyPr>
+          <a:lstStyle>
+            <a:lvl1pPr marL="228600" indent="-228600" algn="l" defTabSz="914400" rtl="0" eaLnBrk="1" latinLnBrk="0" hangingPunct="1">
+              <a:lnSpc>
+                <a:spcPct val="90000"/>
+              </a:lnSpc>
+              <a:spcBef>
+                <a:spcPts val="1000"/>
+              </a:spcBef>
+              <a:buFont typeface="Arial" panose="020B0604020202020204" pitchFamily="34" charset="0"/>
+              <a:buChar char="•"/>
+              <a:defRPr kumimoji="1" sz="3600" kern="1200">
+                <a:solidFill>
+                  <a:schemeClr val="tx1"/>
+                </a:solidFill>
+                <a:latin typeface="+mn-lt"/>
+                <a:ea typeface="+mn-ea"/>
+                <a:cs typeface="+mn-cs"/>
+              </a:defRPr>
+            </a:lvl1pPr>
+            <a:lvl2pPr marL="685800" indent="-228600" algn="l" defTabSz="914400" rtl="0" eaLnBrk="1" latinLnBrk="0" hangingPunct="1">
+              <a:lnSpc>
+                <a:spcPct val="90000"/>
+              </a:lnSpc>
+              <a:spcBef>
+                <a:spcPts val="500"/>
+              </a:spcBef>
+              <a:buFont typeface="Arial" panose="020B0604020202020204" pitchFamily="34" charset="0"/>
+              <a:buChar char="•"/>
+              <a:defRPr kumimoji="1" sz="3200" kern="1200">
+                <a:solidFill>
+                  <a:schemeClr val="tx1"/>
+                </a:solidFill>
+                <a:latin typeface="+mn-lt"/>
+                <a:ea typeface="+mn-ea"/>
+                <a:cs typeface="+mn-cs"/>
+              </a:defRPr>
+            </a:lvl2pPr>
+            <a:lvl3pPr marL="1143000" indent="-228600" algn="l" defTabSz="914400" rtl="0" eaLnBrk="1" latinLnBrk="0" hangingPunct="1">
+              <a:lnSpc>
+                <a:spcPct val="90000"/>
+              </a:lnSpc>
+              <a:spcBef>
+                <a:spcPts val="500"/>
+              </a:spcBef>
+              <a:buFont typeface="Arial" panose="020B0604020202020204" pitchFamily="34" charset="0"/>
+              <a:buChar char="•"/>
+              <a:defRPr kumimoji="1" sz="2800" kern="1200">
+                <a:solidFill>
+                  <a:schemeClr val="tx1"/>
+                </a:solidFill>
+                <a:latin typeface="+mn-lt"/>
+                <a:ea typeface="+mn-ea"/>
+                <a:cs typeface="+mn-cs"/>
+              </a:defRPr>
+            </a:lvl3pPr>
+            <a:lvl4pPr marL="1600200" indent="-228600" algn="l" defTabSz="914400" rtl="0" eaLnBrk="1" latinLnBrk="0" hangingPunct="1">
+              <a:lnSpc>
+                <a:spcPct val="90000"/>
+              </a:lnSpc>
+              <a:spcBef>
+                <a:spcPts val="500"/>
+              </a:spcBef>
+              <a:buFont typeface="Arial" panose="020B0604020202020204" pitchFamily="34" charset="0"/>
+              <a:buChar char="•"/>
+              <a:defRPr kumimoji="1" sz="2400" kern="1200">
+                <a:solidFill>
+                  <a:schemeClr val="tx1"/>
+                </a:solidFill>
+                <a:latin typeface="+mn-lt"/>
+                <a:ea typeface="+mn-ea"/>
+                <a:cs typeface="+mn-cs"/>
+              </a:defRPr>
+            </a:lvl4pPr>
+            <a:lvl5pPr marL="2057400" indent="-228600" algn="l" defTabSz="914400" rtl="0" eaLnBrk="1" latinLnBrk="0" hangingPunct="1">
+              <a:lnSpc>
+                <a:spcPct val="90000"/>
+              </a:lnSpc>
+              <a:spcBef>
+                <a:spcPts val="500"/>
+              </a:spcBef>
+              <a:buFont typeface="Arial" panose="020B0604020202020204" pitchFamily="34" charset="0"/>
+              <a:buChar char="•"/>
+              <a:defRPr kumimoji="1" sz="2400" kern="1200">
+                <a:solidFill>
+                  <a:schemeClr val="tx1"/>
+                </a:solidFill>
+                <a:latin typeface="+mn-lt"/>
+                <a:ea typeface="+mn-ea"/>
+                <a:cs typeface="+mn-cs"/>
+              </a:defRPr>
+            </a:lvl5pPr>
+            <a:lvl6pPr marL="2514600" indent="-228600" algn="l" defTabSz="914400" rtl="0" eaLnBrk="1" latinLnBrk="0" hangingPunct="1">
+              <a:lnSpc>
+                <a:spcPct val="90000"/>
+              </a:lnSpc>
+              <a:spcBef>
+                <a:spcPts val="500"/>
+              </a:spcBef>
+              <a:buFont typeface="Arial" panose="020B0604020202020204" pitchFamily="34" charset="0"/>
+              <a:buChar char="•"/>
+              <a:defRPr kumimoji="1" sz="1800" kern="1200">
+                <a:solidFill>
+                  <a:schemeClr val="tx1"/>
+                </a:solidFill>
+                <a:latin typeface="+mn-lt"/>
+                <a:ea typeface="+mn-ea"/>
+                <a:cs typeface="+mn-cs"/>
+              </a:defRPr>
+            </a:lvl6pPr>
+            <a:lvl7pPr marL="2971800" indent="-228600" algn="l" defTabSz="914400" rtl="0" eaLnBrk="1" latinLnBrk="0" hangingPunct="1">
+              <a:lnSpc>
+                <a:spcPct val="90000"/>
+              </a:lnSpc>
+              <a:spcBef>
+                <a:spcPts val="500"/>
+              </a:spcBef>
+              <a:buFont typeface="Arial" panose="020B0604020202020204" pitchFamily="34" charset="0"/>
+              <a:buChar char="•"/>
+              <a:defRPr kumimoji="1" sz="1800" kern="1200">
+                <a:solidFill>
+                  <a:schemeClr val="tx1"/>
+                </a:solidFill>
+                <a:latin typeface="+mn-lt"/>
+                <a:ea typeface="+mn-ea"/>
+                <a:cs typeface="+mn-cs"/>
+              </a:defRPr>
+            </a:lvl7pPr>
+            <a:lvl8pPr marL="3429000" indent="-228600" algn="l" defTabSz="914400" rtl="0" eaLnBrk="1" latinLnBrk="0" hangingPunct="1">
+              <a:lnSpc>
+                <a:spcPct val="90000"/>
+              </a:lnSpc>
+              <a:spcBef>
+                <a:spcPts val="500"/>
+              </a:spcBef>
+              <a:buFont typeface="Arial" panose="020B0604020202020204" pitchFamily="34" charset="0"/>
+              <a:buChar char="•"/>
+              <a:defRPr kumimoji="1" sz="1800" kern="1200">
+                <a:solidFill>
+                  <a:schemeClr val="tx1"/>
+                </a:solidFill>
+                <a:latin typeface="+mn-lt"/>
+                <a:ea typeface="+mn-ea"/>
+                <a:cs typeface="+mn-cs"/>
+              </a:defRPr>
+            </a:lvl8pPr>
+            <a:lvl9pPr marL="3886200" indent="-228600" algn="l" defTabSz="914400" rtl="0" eaLnBrk="1" latinLnBrk="0" hangingPunct="1">
+              <a:lnSpc>
+                <a:spcPct val="90000"/>
+              </a:lnSpc>
+              <a:spcBef>
+                <a:spcPts val="500"/>
+              </a:spcBef>
+              <a:buFont typeface="Arial" panose="020B0604020202020204" pitchFamily="34" charset="0"/>
+              <a:buChar char="•"/>
+              <a:defRPr kumimoji="1" sz="1800" kern="1200">
+                <a:solidFill>
+                  <a:schemeClr val="tx1"/>
+                </a:solidFill>
+                <a:latin typeface="+mn-lt"/>
+                <a:ea typeface="+mn-ea"/>
+                <a:cs typeface="+mn-cs"/>
+              </a:defRPr>
+            </a:lvl9pPr>
+          </a:lstStyle>
+          <a:p>
+            <a:pPr marL="0" indent="0">
+              <a:buNone/>
+            </a:pPr>
+            <a:r>
+              <a:rPr lang="en-US" altLang="ja-JP" sz="2200" dirty="0">
+                <a:solidFill>
+                  <a:srgbClr val="008000"/>
+                </a:solidFill>
+                <a:highlight>
+                  <a:srgbClr val="FFFFFF"/>
+                </a:highlight>
+                <a:ea typeface="ＭＳ ゴシック" panose="020B0609070205080204" pitchFamily="49" charset="-128"/>
+              </a:rPr>
+              <a:t>// </a:t>
+            </a:r>
+            <a:r>
+              <a:rPr lang="ja-JP" altLang="en-US" sz="2200" dirty="0">
+                <a:solidFill>
+                  <a:srgbClr val="008000"/>
+                </a:solidFill>
+                <a:highlight>
+                  <a:srgbClr val="FFFFFF"/>
+                </a:highlight>
+                <a:ea typeface="ＭＳ ゴシック" panose="020B0609070205080204" pitchFamily="49" charset="-128"/>
+              </a:rPr>
+              <a:t>ブロック（</a:t>
+            </a:r>
+            <a:r>
+              <a:rPr lang="en-US" altLang="ja-JP" sz="2200" dirty="0">
+                <a:solidFill>
+                  <a:srgbClr val="008000"/>
+                </a:solidFill>
+                <a:highlight>
+                  <a:srgbClr val="FFFFFF"/>
+                </a:highlight>
+                <a:ea typeface="ＭＳ ゴシック" panose="020B0609070205080204" pitchFamily="49" charset="-128"/>
+              </a:rPr>
+              <a:t>brick</a:t>
+            </a:r>
+            <a:r>
+              <a:rPr lang="ja-JP" altLang="en-US" sz="2200" dirty="0">
+                <a:solidFill>
+                  <a:srgbClr val="008000"/>
+                </a:solidFill>
+                <a:highlight>
+                  <a:srgbClr val="FFFFFF"/>
+                </a:highlight>
+                <a:ea typeface="ＭＳ ゴシック" panose="020B0609070205080204" pitchFamily="49" charset="-128"/>
+              </a:rPr>
+              <a:t>）の初期配列を作る関数（戻り値は二次元配列）</a:t>
+            </a:r>
+            <a:br>
+              <a:rPr lang="en-US" altLang="ja-JP" sz="2200" dirty="0">
+                <a:solidFill>
+                  <a:srgbClr val="008000"/>
+                </a:solidFill>
+                <a:highlight>
+                  <a:srgbClr val="FFFFFF"/>
+                </a:highlight>
+                <a:ea typeface="ＭＳ ゴシック" panose="020B0609070205080204" pitchFamily="49" charset="-128"/>
+              </a:rPr>
+            </a:br>
+            <a:r>
+              <a:rPr lang="en-US" altLang="ja-JP" sz="2200" dirty="0">
+                <a:solidFill>
+                  <a:srgbClr val="2B91AF"/>
+                </a:solidFill>
+                <a:highlight>
+                  <a:srgbClr val="FFFFFF"/>
+                </a:highlight>
+                <a:ea typeface="ＭＳ ゴシック" panose="020B0609070205080204" pitchFamily="49" charset="-128"/>
+              </a:rPr>
+              <a:t>vector</a:t>
+            </a:r>
+            <a:r>
+              <a:rPr lang="en-US" altLang="ja-JP" sz="2200" dirty="0">
+                <a:solidFill>
+                  <a:srgbClr val="000000"/>
+                </a:solidFill>
+                <a:highlight>
+                  <a:srgbClr val="FFFFFF"/>
+                </a:highlight>
+                <a:ea typeface="ＭＳ ゴシック" panose="020B0609070205080204" pitchFamily="49" charset="-128"/>
+              </a:rPr>
+              <a:t>&lt;</a:t>
+            </a:r>
+            <a:r>
+              <a:rPr lang="en-US" altLang="ja-JP" sz="2200" dirty="0">
+                <a:solidFill>
+                  <a:srgbClr val="2B91AF"/>
+                </a:solidFill>
+                <a:highlight>
+                  <a:srgbClr val="FFFFFF"/>
+                </a:highlight>
+                <a:ea typeface="ＭＳ ゴシック" panose="020B0609070205080204" pitchFamily="49" charset="-128"/>
+              </a:rPr>
+              <a:t>vector</a:t>
+            </a:r>
+            <a:r>
+              <a:rPr lang="en-US" altLang="ja-JP" sz="2200" dirty="0">
+                <a:solidFill>
+                  <a:srgbClr val="000000"/>
+                </a:solidFill>
+                <a:highlight>
+                  <a:srgbClr val="FFFFFF"/>
+                </a:highlight>
+                <a:ea typeface="ＭＳ ゴシック" panose="020B0609070205080204" pitchFamily="49" charset="-128"/>
+              </a:rPr>
+              <a:t>&lt;</a:t>
+            </a:r>
+            <a:r>
+              <a:rPr lang="en-US" altLang="ja-JP" sz="2200" dirty="0" err="1">
+                <a:solidFill>
+                  <a:srgbClr val="2B91AF"/>
+                </a:solidFill>
+                <a:highlight>
+                  <a:srgbClr val="FFFFFF"/>
+                </a:highlight>
+                <a:ea typeface="ＭＳ ゴシック" panose="020B0609070205080204" pitchFamily="49" charset="-128"/>
+              </a:rPr>
+              <a:t>Rect</a:t>
+            </a:r>
+            <a:r>
+              <a:rPr lang="en-US" altLang="ja-JP" sz="2200" dirty="0">
+                <a:solidFill>
+                  <a:srgbClr val="000000"/>
+                </a:solidFill>
+                <a:highlight>
+                  <a:srgbClr val="FFFFFF"/>
+                </a:highlight>
+                <a:ea typeface="ＭＳ ゴシック" panose="020B0609070205080204" pitchFamily="49" charset="-128"/>
+              </a:rPr>
+              <a:t>*&gt;&gt; </a:t>
+            </a:r>
+            <a:r>
+              <a:rPr lang="en-US" altLang="ja-JP" sz="2200" dirty="0" err="1">
+                <a:solidFill>
+                  <a:srgbClr val="000000"/>
+                </a:solidFill>
+                <a:highlight>
+                  <a:srgbClr val="FFFFFF"/>
+                </a:highlight>
+                <a:ea typeface="ＭＳ ゴシック" panose="020B0609070205080204" pitchFamily="49" charset="-128"/>
+              </a:rPr>
+              <a:t>MakeBricks</a:t>
+            </a:r>
+            <a:r>
+              <a:rPr lang="en-US" altLang="ja-JP" sz="2200" dirty="0">
+                <a:solidFill>
+                  <a:srgbClr val="000000"/>
+                </a:solidFill>
+                <a:highlight>
+                  <a:srgbClr val="FFFFFF"/>
+                </a:highlight>
+                <a:ea typeface="ＭＳ ゴシック" panose="020B0609070205080204" pitchFamily="49" charset="-128"/>
+              </a:rPr>
+              <a:t>()</a:t>
+            </a:r>
+            <a:br>
+              <a:rPr lang="en-US" altLang="ja-JP" sz="2200" dirty="0">
+                <a:solidFill>
+                  <a:srgbClr val="000000"/>
+                </a:solidFill>
+                <a:highlight>
+                  <a:srgbClr val="FFFFFF"/>
+                </a:highlight>
+                <a:ea typeface="ＭＳ ゴシック" panose="020B0609070205080204" pitchFamily="49" charset="-128"/>
+              </a:rPr>
+            </a:br>
+            <a:r>
+              <a:rPr lang="en-US" altLang="ja-JP" sz="2200" dirty="0">
+                <a:solidFill>
+                  <a:srgbClr val="000000"/>
+                </a:solidFill>
+                <a:highlight>
+                  <a:srgbClr val="FFFFFF"/>
+                </a:highlight>
+                <a:ea typeface="ＭＳ ゴシック" panose="020B0609070205080204" pitchFamily="49" charset="-128"/>
+              </a:rPr>
+              <a:t>{</a:t>
+            </a:r>
+            <a:br>
+              <a:rPr lang="en-US" altLang="ja-JP" sz="2200" dirty="0">
+                <a:solidFill>
+                  <a:srgbClr val="000000"/>
+                </a:solidFill>
+                <a:highlight>
+                  <a:srgbClr val="FFFFFF"/>
+                </a:highlight>
+                <a:ea typeface="ＭＳ ゴシック" panose="020B0609070205080204" pitchFamily="49" charset="-128"/>
+              </a:rPr>
+            </a:br>
+            <a:r>
+              <a:rPr lang="ja-JP" altLang="en-US" sz="2200" dirty="0">
+                <a:solidFill>
+                  <a:srgbClr val="000000"/>
+                </a:solidFill>
+                <a:highlight>
+                  <a:srgbClr val="FFFFFF"/>
+                </a:highlight>
+                <a:ea typeface="ＭＳ ゴシック" panose="020B0609070205080204" pitchFamily="49" charset="-128"/>
+              </a:rPr>
+              <a:t>  </a:t>
+            </a:r>
+            <a:r>
+              <a:rPr lang="en-US" altLang="ja-JP" sz="2200" dirty="0">
+                <a:solidFill>
+                  <a:srgbClr val="2B91AF"/>
+                </a:solidFill>
+                <a:highlight>
+                  <a:srgbClr val="FFFFFF"/>
+                </a:highlight>
+                <a:ea typeface="ＭＳ ゴシック" panose="020B0609070205080204" pitchFamily="49" charset="-128"/>
+              </a:rPr>
+              <a:t>vector</a:t>
+            </a:r>
+            <a:r>
+              <a:rPr lang="en-US" altLang="ja-JP" sz="2200" dirty="0">
+                <a:solidFill>
+                  <a:srgbClr val="000000"/>
+                </a:solidFill>
+                <a:highlight>
+                  <a:srgbClr val="FFFFFF"/>
+                </a:highlight>
+                <a:ea typeface="ＭＳ ゴシック" panose="020B0609070205080204" pitchFamily="49" charset="-128"/>
+              </a:rPr>
+              <a:t>&lt;</a:t>
+            </a:r>
+            <a:r>
+              <a:rPr lang="en-US" altLang="ja-JP" sz="2200" dirty="0">
+                <a:solidFill>
+                  <a:srgbClr val="2B91AF"/>
+                </a:solidFill>
+                <a:highlight>
+                  <a:srgbClr val="FFFFFF"/>
+                </a:highlight>
+                <a:ea typeface="ＭＳ ゴシック" panose="020B0609070205080204" pitchFamily="49" charset="-128"/>
+              </a:rPr>
+              <a:t>vector</a:t>
+            </a:r>
+            <a:r>
+              <a:rPr lang="en-US" altLang="ja-JP" sz="2200" dirty="0">
+                <a:solidFill>
+                  <a:srgbClr val="000000"/>
+                </a:solidFill>
+                <a:highlight>
+                  <a:srgbClr val="FFFFFF"/>
+                </a:highlight>
+                <a:ea typeface="ＭＳ ゴシック" panose="020B0609070205080204" pitchFamily="49" charset="-128"/>
+              </a:rPr>
+              <a:t>&lt;</a:t>
+            </a:r>
+            <a:r>
+              <a:rPr lang="en-US" altLang="ja-JP" sz="2200" dirty="0" err="1">
+                <a:solidFill>
+                  <a:srgbClr val="2B91AF"/>
+                </a:solidFill>
+                <a:highlight>
+                  <a:srgbClr val="FFFFFF"/>
+                </a:highlight>
+                <a:ea typeface="ＭＳ ゴシック" panose="020B0609070205080204" pitchFamily="49" charset="-128"/>
+              </a:rPr>
+              <a:t>Rect</a:t>
+            </a:r>
+            <a:r>
+              <a:rPr lang="en-US" altLang="ja-JP" sz="2200" dirty="0">
+                <a:solidFill>
+                  <a:srgbClr val="000000"/>
+                </a:solidFill>
+                <a:highlight>
+                  <a:srgbClr val="FFFFFF"/>
+                </a:highlight>
+                <a:ea typeface="ＭＳ ゴシック" panose="020B0609070205080204" pitchFamily="49" charset="-128"/>
+              </a:rPr>
+              <a:t>*&gt;&gt; bricks;</a:t>
+            </a:r>
+            <a:br>
+              <a:rPr lang="en-US" altLang="ja-JP" sz="2200" dirty="0">
+                <a:solidFill>
+                  <a:srgbClr val="000000"/>
+                </a:solidFill>
+                <a:highlight>
+                  <a:srgbClr val="FFFFFF"/>
+                </a:highlight>
+                <a:ea typeface="ＭＳ ゴシック" panose="020B0609070205080204" pitchFamily="49" charset="-128"/>
+              </a:rPr>
+            </a:br>
+            <a:r>
+              <a:rPr lang="en-US" altLang="ja-JP" sz="2200" dirty="0">
+                <a:solidFill>
+                  <a:srgbClr val="000000"/>
+                </a:solidFill>
+                <a:highlight>
+                  <a:srgbClr val="FFFFFF"/>
+                </a:highlight>
+                <a:ea typeface="ＭＳ ゴシック" panose="020B0609070205080204" pitchFamily="49" charset="-128"/>
+              </a:rPr>
+              <a:t>  </a:t>
+            </a:r>
+            <a:r>
+              <a:rPr lang="es-ES" altLang="ja-JP" sz="2200" dirty="0">
+                <a:solidFill>
+                  <a:srgbClr val="0000FF"/>
+                </a:solidFill>
+                <a:highlight>
+                  <a:srgbClr val="FFFFFF"/>
+                </a:highlight>
+                <a:ea typeface="ＭＳ ゴシック" panose="020B0609070205080204" pitchFamily="49" charset="-128"/>
+              </a:rPr>
+              <a:t>for</a:t>
+            </a:r>
+            <a:r>
+              <a:rPr lang="es-ES" altLang="ja-JP" sz="2200" dirty="0">
+                <a:solidFill>
+                  <a:srgbClr val="000000"/>
+                </a:solidFill>
+                <a:highlight>
+                  <a:srgbClr val="FFFFFF"/>
+                </a:highlight>
+                <a:ea typeface="ＭＳ ゴシック" panose="020B0609070205080204" pitchFamily="49" charset="-128"/>
+              </a:rPr>
+              <a:t> (</a:t>
+            </a:r>
+            <a:r>
+              <a:rPr lang="es-ES" altLang="ja-JP" sz="2200" dirty="0">
+                <a:solidFill>
+                  <a:srgbClr val="2B91AF"/>
+                </a:solidFill>
+                <a:highlight>
+                  <a:srgbClr val="FFFFFF"/>
+                </a:highlight>
+                <a:ea typeface="ＭＳ ゴシック" panose="020B0609070205080204" pitchFamily="49" charset="-128"/>
+              </a:rPr>
+              <a:t>int32</a:t>
+            </a:r>
+            <a:r>
+              <a:rPr lang="es-ES" altLang="ja-JP" sz="2200" dirty="0">
+                <a:solidFill>
+                  <a:srgbClr val="000000"/>
+                </a:solidFill>
+                <a:highlight>
+                  <a:srgbClr val="FFFFFF"/>
+                </a:highlight>
+                <a:ea typeface="ＭＳ ゴシック" panose="020B0609070205080204" pitchFamily="49" charset="-128"/>
+              </a:rPr>
+              <a:t> y = 0; y &lt; BrickCountY; ++y)</a:t>
+            </a:r>
+            <a:br>
+              <a:rPr lang="es-ES" altLang="ja-JP" sz="2200" dirty="0">
+                <a:solidFill>
+                  <a:srgbClr val="000000"/>
+                </a:solidFill>
+                <a:highlight>
+                  <a:srgbClr val="FFFFFF"/>
+                </a:highlight>
+                <a:ea typeface="ＭＳ ゴシック" panose="020B0609070205080204" pitchFamily="49" charset="-128"/>
+              </a:rPr>
+            </a:br>
+            <a:r>
+              <a:rPr lang="es-ES" altLang="ja-JP" sz="2200" dirty="0">
+                <a:solidFill>
+                  <a:srgbClr val="000000"/>
+                </a:solidFill>
+                <a:highlight>
+                  <a:srgbClr val="FFFFFF"/>
+                </a:highlight>
+                <a:ea typeface="ＭＳ ゴシック" panose="020B0609070205080204" pitchFamily="49" charset="-128"/>
+              </a:rPr>
+              <a:t>  </a:t>
+            </a:r>
+            <a:r>
+              <a:rPr lang="en-US" altLang="ja-JP" sz="2200" dirty="0">
+                <a:solidFill>
+                  <a:srgbClr val="000000"/>
+                </a:solidFill>
+                <a:highlight>
+                  <a:srgbClr val="FFFFFF"/>
+                </a:highlight>
+                <a:ea typeface="ＭＳ ゴシック" panose="020B0609070205080204" pitchFamily="49" charset="-128"/>
+              </a:rPr>
+              <a:t>{    </a:t>
+            </a:r>
+            <a:br>
+              <a:rPr lang="en-US" altLang="ja-JP" sz="2200" dirty="0">
+                <a:solidFill>
+                  <a:srgbClr val="000000"/>
+                </a:solidFill>
+                <a:highlight>
+                  <a:srgbClr val="FFFFFF"/>
+                </a:highlight>
+                <a:ea typeface="ＭＳ ゴシック" panose="020B0609070205080204" pitchFamily="49" charset="-128"/>
+              </a:rPr>
+            </a:br>
+            <a:r>
+              <a:rPr lang="ja-JP" altLang="en-US" sz="2200" dirty="0">
+                <a:solidFill>
+                  <a:srgbClr val="000000"/>
+                </a:solidFill>
+                <a:highlight>
+                  <a:srgbClr val="FFFFFF"/>
+                </a:highlight>
+                <a:ea typeface="ＭＳ ゴシック" panose="020B0609070205080204" pitchFamily="49" charset="-128"/>
+              </a:rPr>
+              <a:t>    </a:t>
+            </a:r>
+            <a:r>
+              <a:rPr lang="en-US" altLang="ja-JP" sz="2200" dirty="0" err="1">
+                <a:solidFill>
+                  <a:srgbClr val="000000"/>
+                </a:solidFill>
+                <a:highlight>
+                  <a:srgbClr val="FFFFFF"/>
+                </a:highlight>
+                <a:ea typeface="ＭＳ ゴシック" panose="020B0609070205080204" pitchFamily="49" charset="-128"/>
+              </a:rPr>
+              <a:t>bricks.resize</a:t>
+            </a:r>
+            <a:r>
+              <a:rPr lang="en-US" altLang="ja-JP" sz="2200" dirty="0">
+                <a:solidFill>
+                  <a:srgbClr val="000000"/>
+                </a:solidFill>
+                <a:highlight>
+                  <a:srgbClr val="FFFFFF"/>
+                </a:highlight>
+                <a:ea typeface="ＭＳ ゴシック" panose="020B0609070205080204" pitchFamily="49" charset="-128"/>
+              </a:rPr>
+              <a:t>(</a:t>
+            </a:r>
+            <a:r>
+              <a:rPr lang="en-US" altLang="ja-JP" sz="2200" dirty="0" err="1">
+                <a:solidFill>
+                  <a:srgbClr val="000000"/>
+                </a:solidFill>
+                <a:highlight>
+                  <a:srgbClr val="FFFFFF"/>
+                </a:highlight>
+                <a:ea typeface="ＭＳ ゴシック" panose="020B0609070205080204" pitchFamily="49" charset="-128"/>
+              </a:rPr>
+              <a:t>bricks.size</a:t>
+            </a:r>
+            <a:r>
+              <a:rPr lang="en-US" altLang="ja-JP" sz="2200" dirty="0">
+                <a:solidFill>
+                  <a:srgbClr val="000000"/>
+                </a:solidFill>
+                <a:highlight>
+                  <a:srgbClr val="FFFFFF"/>
+                </a:highlight>
+                <a:ea typeface="ＭＳ ゴシック" panose="020B0609070205080204" pitchFamily="49" charset="-128"/>
+              </a:rPr>
+              <a:t>() + 1);</a:t>
+            </a:r>
+            <a:r>
+              <a:rPr lang="en-US" altLang="ja-JP" sz="2200" dirty="0">
+                <a:solidFill>
+                  <a:srgbClr val="008000"/>
+                </a:solidFill>
+                <a:highlight>
+                  <a:srgbClr val="FFFFFF"/>
+                </a:highlight>
+                <a:ea typeface="ＭＳ ゴシック" panose="020B0609070205080204" pitchFamily="49" charset="-128"/>
+              </a:rPr>
+              <a:t> //</a:t>
+            </a:r>
+            <a:r>
+              <a:rPr lang="ja-JP" altLang="en-US" sz="2200" dirty="0">
+                <a:solidFill>
+                  <a:srgbClr val="008000"/>
+                </a:solidFill>
+                <a:highlight>
+                  <a:srgbClr val="FFFFFF"/>
+                </a:highlight>
+                <a:ea typeface="ＭＳ ゴシック" panose="020B0609070205080204" pitchFamily="49" charset="-128"/>
+              </a:rPr>
+              <a:t>二次元配列の行を一行増やす</a:t>
+            </a:r>
+            <a:br>
+              <a:rPr lang="en-US" altLang="ja-JP" sz="2200" dirty="0">
+                <a:solidFill>
+                  <a:srgbClr val="000000"/>
+                </a:solidFill>
+                <a:highlight>
+                  <a:srgbClr val="FFFFFF"/>
+                </a:highlight>
+                <a:ea typeface="ＭＳ ゴシック" panose="020B0609070205080204" pitchFamily="49" charset="-128"/>
+              </a:rPr>
+            </a:br>
+            <a:r>
+              <a:rPr lang="en-US" altLang="ja-JP" sz="2200" dirty="0">
+                <a:solidFill>
+                  <a:srgbClr val="000000"/>
+                </a:solidFill>
+                <a:highlight>
+                  <a:srgbClr val="FFFFFF"/>
+                </a:highlight>
+                <a:ea typeface="ＭＳ ゴシック" panose="020B0609070205080204" pitchFamily="49" charset="-128"/>
+              </a:rPr>
+              <a:t>    </a:t>
+            </a:r>
+            <a:r>
+              <a:rPr lang="en-US" altLang="ja-JP" sz="2200" dirty="0">
+                <a:solidFill>
+                  <a:srgbClr val="0000FF"/>
+                </a:solidFill>
+                <a:highlight>
+                  <a:srgbClr val="FFFFFF"/>
+                </a:highlight>
+                <a:ea typeface="ＭＳ ゴシック" panose="020B0609070205080204" pitchFamily="49" charset="-128"/>
+              </a:rPr>
+              <a:t>for</a:t>
+            </a:r>
+            <a:r>
+              <a:rPr lang="en-US" altLang="ja-JP" sz="2200" dirty="0">
+                <a:solidFill>
+                  <a:srgbClr val="000000"/>
+                </a:solidFill>
+                <a:highlight>
+                  <a:srgbClr val="FFFFFF"/>
+                </a:highlight>
+                <a:ea typeface="ＭＳ ゴシック" panose="020B0609070205080204" pitchFamily="49" charset="-128"/>
+              </a:rPr>
+              <a:t> (</a:t>
+            </a:r>
+            <a:r>
+              <a:rPr lang="en-US" altLang="ja-JP" sz="2200" dirty="0">
+                <a:solidFill>
+                  <a:srgbClr val="2B91AF"/>
+                </a:solidFill>
+                <a:highlight>
+                  <a:srgbClr val="FFFFFF"/>
+                </a:highlight>
+                <a:ea typeface="ＭＳ ゴシック" panose="020B0609070205080204" pitchFamily="49" charset="-128"/>
+              </a:rPr>
+              <a:t>int32</a:t>
+            </a:r>
+            <a:r>
+              <a:rPr lang="en-US" altLang="ja-JP" sz="2200" dirty="0">
+                <a:solidFill>
+                  <a:srgbClr val="000000"/>
+                </a:solidFill>
+                <a:highlight>
+                  <a:srgbClr val="FFFFFF"/>
+                </a:highlight>
+                <a:ea typeface="ＭＳ ゴシック" panose="020B0609070205080204" pitchFamily="49" charset="-128"/>
+              </a:rPr>
+              <a:t> x = 0; x &lt; </a:t>
+            </a:r>
+            <a:r>
+              <a:rPr lang="en-US" altLang="ja-JP" sz="2200" dirty="0" err="1">
+                <a:solidFill>
+                  <a:srgbClr val="000000"/>
+                </a:solidFill>
+                <a:highlight>
+                  <a:srgbClr val="FFFFFF"/>
+                </a:highlight>
+                <a:ea typeface="ＭＳ ゴシック" panose="020B0609070205080204" pitchFamily="49" charset="-128"/>
+              </a:rPr>
+              <a:t>BrickCountX</a:t>
+            </a:r>
+            <a:r>
+              <a:rPr lang="en-US" altLang="ja-JP" sz="2200" dirty="0">
+                <a:solidFill>
+                  <a:srgbClr val="000000"/>
+                </a:solidFill>
+                <a:highlight>
+                  <a:srgbClr val="FFFFFF"/>
+                </a:highlight>
+                <a:ea typeface="ＭＳ ゴシック" panose="020B0609070205080204" pitchFamily="49" charset="-128"/>
+              </a:rPr>
+              <a:t>; ++x)</a:t>
+            </a:r>
+            <a:br>
+              <a:rPr lang="en-US" altLang="ja-JP" sz="2200" dirty="0">
+                <a:solidFill>
+                  <a:srgbClr val="000000"/>
+                </a:solidFill>
+                <a:highlight>
+                  <a:srgbClr val="FFFFFF"/>
+                </a:highlight>
+                <a:ea typeface="ＭＳ ゴシック" panose="020B0609070205080204" pitchFamily="49" charset="-128"/>
+              </a:rPr>
+            </a:br>
+            <a:r>
+              <a:rPr lang="en-US" altLang="ja-JP" sz="2200" dirty="0">
+                <a:solidFill>
+                  <a:srgbClr val="000000"/>
+                </a:solidFill>
+                <a:highlight>
+                  <a:srgbClr val="FFFFFF"/>
+                </a:highlight>
+                <a:ea typeface="ＭＳ ゴシック" panose="020B0609070205080204" pitchFamily="49" charset="-128"/>
+              </a:rPr>
+              <a:t>    {</a:t>
+            </a:r>
+            <a:br>
+              <a:rPr lang="en-US" altLang="ja-JP" sz="2200" dirty="0">
+                <a:solidFill>
+                  <a:srgbClr val="000000"/>
+                </a:solidFill>
+                <a:highlight>
+                  <a:srgbClr val="FFFFFF"/>
+                </a:highlight>
+                <a:ea typeface="ＭＳ ゴシック" panose="020B0609070205080204" pitchFamily="49" charset="-128"/>
+              </a:rPr>
+            </a:br>
+            <a:r>
+              <a:rPr lang="en-US" altLang="ja-JP" sz="2200" dirty="0">
+                <a:solidFill>
+                  <a:srgbClr val="000000"/>
+                </a:solidFill>
+                <a:highlight>
+                  <a:srgbClr val="FFFFFF"/>
+                </a:highlight>
+                <a:ea typeface="ＭＳ ゴシック" panose="020B0609070205080204" pitchFamily="49" charset="-128"/>
+              </a:rPr>
+              <a:t>      </a:t>
+            </a:r>
+            <a:r>
+              <a:rPr lang="en-US" altLang="ja-JP" sz="2200" dirty="0">
+                <a:solidFill>
+                  <a:srgbClr val="008000"/>
+                </a:solidFill>
+                <a:highlight>
+                  <a:srgbClr val="FFFFFF"/>
+                </a:highlight>
+                <a:ea typeface="ＭＳ ゴシック" panose="020B0609070205080204" pitchFamily="49" charset="-128"/>
+              </a:rPr>
+              <a:t>//</a:t>
+            </a:r>
+            <a:r>
+              <a:rPr lang="ja-JP" altLang="en-US" sz="2200" dirty="0">
+                <a:solidFill>
+                  <a:srgbClr val="008000"/>
+                </a:solidFill>
+                <a:highlight>
+                  <a:srgbClr val="FFFFFF"/>
+                </a:highlight>
+                <a:ea typeface="ＭＳ ゴシック" panose="020B0609070205080204" pitchFamily="49" charset="-128"/>
+              </a:rPr>
+              <a:t>ブロックの左上の </a:t>
+            </a:r>
+            <a:r>
+              <a:rPr lang="en-US" altLang="ja-JP" sz="2200" dirty="0">
+                <a:solidFill>
+                  <a:srgbClr val="008000"/>
+                </a:solidFill>
+                <a:highlight>
+                  <a:srgbClr val="FFFFFF"/>
+                </a:highlight>
+                <a:ea typeface="ＭＳ ゴシック" panose="020B0609070205080204" pitchFamily="49" charset="-128"/>
+              </a:rPr>
+              <a:t>X </a:t>
+            </a:r>
+            <a:r>
+              <a:rPr lang="ja-JP" altLang="en-US" sz="2200" dirty="0">
+                <a:solidFill>
+                  <a:srgbClr val="008000"/>
+                </a:solidFill>
+                <a:highlight>
+                  <a:srgbClr val="FFFFFF"/>
+                </a:highlight>
+                <a:ea typeface="ＭＳ ゴシック" panose="020B0609070205080204" pitchFamily="49" charset="-128"/>
+              </a:rPr>
+              <a:t>座標</a:t>
+            </a:r>
+            <a:br>
+              <a:rPr lang="en-US" altLang="ja-JP" sz="2200" dirty="0">
+                <a:solidFill>
+                  <a:srgbClr val="000000"/>
+                </a:solidFill>
+                <a:highlight>
+                  <a:srgbClr val="FFFFFF"/>
+                </a:highlight>
+                <a:ea typeface="ＭＳ ゴシック" panose="020B0609070205080204" pitchFamily="49" charset="-128"/>
+              </a:rPr>
+            </a:br>
+            <a:r>
+              <a:rPr lang="en-US" altLang="ja-JP" sz="2200" dirty="0">
+                <a:solidFill>
+                  <a:srgbClr val="000000"/>
+                </a:solidFill>
+                <a:highlight>
+                  <a:srgbClr val="FFFFFF"/>
+                </a:highlight>
+                <a:ea typeface="ＭＳ ゴシック" panose="020B0609070205080204" pitchFamily="49" charset="-128"/>
+              </a:rPr>
+              <a:t>      </a:t>
+            </a:r>
+            <a:r>
+              <a:rPr lang="en-US" altLang="ja-JP" sz="2200" dirty="0">
+                <a:solidFill>
+                  <a:srgbClr val="2B91AF"/>
+                </a:solidFill>
+                <a:highlight>
+                  <a:srgbClr val="FFFFFF"/>
+                </a:highlight>
+                <a:ea typeface="ＭＳ ゴシック" panose="020B0609070205080204" pitchFamily="49" charset="-128"/>
+              </a:rPr>
+              <a:t>int32</a:t>
+            </a:r>
+            <a:r>
+              <a:rPr lang="en-US" altLang="ja-JP" sz="2200" dirty="0">
+                <a:solidFill>
+                  <a:srgbClr val="000000"/>
+                </a:solidFill>
+                <a:highlight>
+                  <a:srgbClr val="FFFFFF"/>
+                </a:highlight>
+                <a:ea typeface="ＭＳ ゴシック" panose="020B0609070205080204" pitchFamily="49" charset="-128"/>
+              </a:rPr>
+              <a:t> </a:t>
+            </a:r>
+            <a:r>
+              <a:rPr lang="en-US" altLang="ja-JP" sz="2200" dirty="0" err="1">
+                <a:solidFill>
+                  <a:srgbClr val="000000"/>
+                </a:solidFill>
+                <a:highlight>
+                  <a:srgbClr val="FFFFFF"/>
+                </a:highlight>
+                <a:ea typeface="ＭＳ ゴシック" panose="020B0609070205080204" pitchFamily="49" charset="-128"/>
+              </a:rPr>
+              <a:t>posX</a:t>
+            </a:r>
+            <a:r>
+              <a:rPr lang="en-US" altLang="ja-JP" sz="2200" dirty="0">
+                <a:solidFill>
+                  <a:srgbClr val="000000"/>
+                </a:solidFill>
+                <a:highlight>
+                  <a:srgbClr val="FFFFFF"/>
+                </a:highlight>
+                <a:ea typeface="ＭＳ ゴシック" panose="020B0609070205080204" pitchFamily="49" charset="-128"/>
+              </a:rPr>
+              <a:t> = (x * </a:t>
+            </a:r>
+            <a:r>
+              <a:rPr lang="en-US" altLang="ja-JP" sz="2200" dirty="0" err="1">
+                <a:solidFill>
+                  <a:srgbClr val="000000"/>
+                </a:solidFill>
+                <a:highlight>
+                  <a:srgbClr val="FFFFFF"/>
+                </a:highlight>
+                <a:ea typeface="ＭＳ ゴシック" panose="020B0609070205080204" pitchFamily="49" charset="-128"/>
+              </a:rPr>
+              <a:t>BrickSize.x</a:t>
+            </a:r>
+            <a:r>
+              <a:rPr lang="en-US" altLang="ja-JP" sz="2200" dirty="0">
+                <a:solidFill>
+                  <a:srgbClr val="000000"/>
+                </a:solidFill>
+                <a:highlight>
+                  <a:srgbClr val="FFFFFF"/>
+                </a:highlight>
+                <a:ea typeface="ＭＳ ゴシック" panose="020B0609070205080204" pitchFamily="49" charset="-128"/>
+              </a:rPr>
+              <a:t> + </a:t>
+            </a:r>
+            <a:r>
+              <a:rPr lang="en-US" altLang="ja-JP" sz="2200" dirty="0" err="1">
+                <a:solidFill>
+                  <a:srgbClr val="000000"/>
+                </a:solidFill>
+                <a:highlight>
+                  <a:srgbClr val="FFFFFF"/>
+                </a:highlight>
+                <a:ea typeface="ＭＳ ゴシック" panose="020B0609070205080204" pitchFamily="49" charset="-128"/>
+              </a:rPr>
+              <a:t>BrickStartPosition.x</a:t>
+            </a:r>
+            <a:r>
+              <a:rPr lang="en-US" altLang="ja-JP" sz="2200" dirty="0">
+                <a:solidFill>
+                  <a:srgbClr val="000000"/>
+                </a:solidFill>
+                <a:highlight>
+                  <a:srgbClr val="FFFFFF"/>
+                </a:highlight>
+                <a:ea typeface="ＭＳ ゴシック" panose="020B0609070205080204" pitchFamily="49" charset="-128"/>
+              </a:rPr>
+              <a:t>);</a:t>
+            </a:r>
+            <a:br>
+              <a:rPr lang="en-US" altLang="ja-JP" sz="2200" dirty="0">
+                <a:solidFill>
+                  <a:srgbClr val="000000"/>
+                </a:solidFill>
+                <a:highlight>
+                  <a:srgbClr val="FFFFFF"/>
+                </a:highlight>
+                <a:ea typeface="ＭＳ ゴシック" panose="020B0609070205080204" pitchFamily="49" charset="-128"/>
+              </a:rPr>
+            </a:br>
+            <a:r>
+              <a:rPr lang="en-US" altLang="ja-JP" sz="2200" dirty="0">
+                <a:solidFill>
+                  <a:srgbClr val="000000"/>
+                </a:solidFill>
+                <a:highlight>
+                  <a:srgbClr val="FFFFFF"/>
+                </a:highlight>
+                <a:ea typeface="ＭＳ ゴシック" panose="020B0609070205080204" pitchFamily="49" charset="-128"/>
+              </a:rPr>
+              <a:t>      </a:t>
+            </a:r>
+            <a:r>
+              <a:rPr lang="en-US" altLang="ja-JP" sz="2200" dirty="0">
+                <a:solidFill>
+                  <a:srgbClr val="008000"/>
+                </a:solidFill>
+                <a:highlight>
+                  <a:srgbClr val="FFFFFF"/>
+                </a:highlight>
+                <a:ea typeface="ＭＳ ゴシック" panose="020B0609070205080204" pitchFamily="49" charset="-128"/>
+              </a:rPr>
+              <a:t>//</a:t>
+            </a:r>
+            <a:r>
+              <a:rPr lang="ja-JP" altLang="en-US" sz="2200" dirty="0">
+                <a:solidFill>
+                  <a:srgbClr val="008000"/>
+                </a:solidFill>
+                <a:highlight>
+                  <a:srgbClr val="FFFFFF"/>
+                </a:highlight>
+                <a:ea typeface="ＭＳ ゴシック" panose="020B0609070205080204" pitchFamily="49" charset="-128"/>
+              </a:rPr>
+              <a:t>ブロックの左上の </a:t>
+            </a:r>
+            <a:r>
+              <a:rPr lang="en-US" altLang="ja-JP" sz="2200" dirty="0">
+                <a:solidFill>
+                  <a:srgbClr val="008000"/>
+                </a:solidFill>
+                <a:highlight>
+                  <a:srgbClr val="FFFFFF"/>
+                </a:highlight>
+                <a:ea typeface="ＭＳ ゴシック" panose="020B0609070205080204" pitchFamily="49" charset="-128"/>
+              </a:rPr>
+              <a:t>Y </a:t>
+            </a:r>
+            <a:r>
+              <a:rPr lang="ja-JP" altLang="en-US" sz="2200" dirty="0">
+                <a:solidFill>
+                  <a:srgbClr val="008000"/>
+                </a:solidFill>
+                <a:highlight>
+                  <a:srgbClr val="FFFFFF"/>
+                </a:highlight>
+                <a:ea typeface="ＭＳ ゴシック" panose="020B0609070205080204" pitchFamily="49" charset="-128"/>
+              </a:rPr>
+              <a:t>座標</a:t>
+            </a:r>
+            <a:br>
+              <a:rPr lang="en-US" altLang="ja-JP" sz="2200" dirty="0">
+                <a:solidFill>
+                  <a:srgbClr val="000000"/>
+                </a:solidFill>
+                <a:highlight>
+                  <a:srgbClr val="FFFFFF"/>
+                </a:highlight>
+                <a:ea typeface="ＭＳ ゴシック" panose="020B0609070205080204" pitchFamily="49" charset="-128"/>
+              </a:rPr>
+            </a:br>
+            <a:r>
+              <a:rPr lang="en-US" altLang="ja-JP" sz="2200" dirty="0">
+                <a:solidFill>
+                  <a:srgbClr val="000000"/>
+                </a:solidFill>
+                <a:highlight>
+                  <a:srgbClr val="FFFFFF"/>
+                </a:highlight>
+                <a:ea typeface="ＭＳ ゴシック" panose="020B0609070205080204" pitchFamily="49" charset="-128"/>
+              </a:rPr>
+              <a:t>      </a:t>
+            </a:r>
+            <a:r>
+              <a:rPr lang="en-US" altLang="ja-JP" sz="2200" dirty="0">
+                <a:solidFill>
+                  <a:srgbClr val="2B91AF"/>
+                </a:solidFill>
+                <a:highlight>
+                  <a:srgbClr val="FFFFFF"/>
+                </a:highlight>
+                <a:ea typeface="ＭＳ ゴシック" panose="020B0609070205080204" pitchFamily="49" charset="-128"/>
+              </a:rPr>
+              <a:t>int32</a:t>
+            </a:r>
+            <a:r>
+              <a:rPr lang="en-US" altLang="ja-JP" sz="2200" dirty="0">
+                <a:solidFill>
+                  <a:srgbClr val="000000"/>
+                </a:solidFill>
+                <a:highlight>
+                  <a:srgbClr val="FFFFFF"/>
+                </a:highlight>
+                <a:ea typeface="ＭＳ ゴシック" panose="020B0609070205080204" pitchFamily="49" charset="-128"/>
+              </a:rPr>
+              <a:t> </a:t>
+            </a:r>
+            <a:r>
+              <a:rPr lang="en-US" altLang="ja-JP" sz="2200" dirty="0" err="1">
+                <a:solidFill>
+                  <a:srgbClr val="000000"/>
+                </a:solidFill>
+                <a:highlight>
+                  <a:srgbClr val="FFFFFF"/>
+                </a:highlight>
+                <a:ea typeface="ＭＳ ゴシック" panose="020B0609070205080204" pitchFamily="49" charset="-128"/>
+              </a:rPr>
+              <a:t>posY</a:t>
+            </a:r>
+            <a:r>
+              <a:rPr lang="en-US" altLang="ja-JP" sz="2200" dirty="0">
+                <a:solidFill>
+                  <a:srgbClr val="000000"/>
+                </a:solidFill>
+                <a:highlight>
+                  <a:srgbClr val="FFFFFF"/>
+                </a:highlight>
+                <a:ea typeface="ＭＳ ゴシック" panose="020B0609070205080204" pitchFamily="49" charset="-128"/>
+              </a:rPr>
+              <a:t> = (y * </a:t>
+            </a:r>
+            <a:r>
+              <a:rPr lang="en-US" altLang="ja-JP" sz="2200" dirty="0" err="1">
+                <a:solidFill>
+                  <a:srgbClr val="000000"/>
+                </a:solidFill>
+                <a:highlight>
+                  <a:srgbClr val="FFFFFF"/>
+                </a:highlight>
+                <a:ea typeface="ＭＳ ゴシック" panose="020B0609070205080204" pitchFamily="49" charset="-128"/>
+              </a:rPr>
+              <a:t>BrickSize.y</a:t>
+            </a:r>
+            <a:r>
+              <a:rPr lang="en-US" altLang="ja-JP" sz="2200" dirty="0">
+                <a:solidFill>
+                  <a:srgbClr val="000000"/>
+                </a:solidFill>
+                <a:highlight>
+                  <a:srgbClr val="FFFFFF"/>
+                </a:highlight>
+                <a:ea typeface="ＭＳ ゴシック" panose="020B0609070205080204" pitchFamily="49" charset="-128"/>
+              </a:rPr>
+              <a:t> + </a:t>
+            </a:r>
+            <a:r>
+              <a:rPr lang="en-US" altLang="ja-JP" sz="2200" dirty="0" err="1">
+                <a:solidFill>
+                  <a:srgbClr val="000000"/>
+                </a:solidFill>
+                <a:highlight>
+                  <a:srgbClr val="FFFFFF"/>
+                </a:highlight>
+                <a:ea typeface="ＭＳ ゴシック" panose="020B0609070205080204" pitchFamily="49" charset="-128"/>
+              </a:rPr>
+              <a:t>BrickStartPosition.y</a:t>
+            </a:r>
+            <a:r>
+              <a:rPr lang="en-US" altLang="ja-JP" sz="2200" dirty="0">
+                <a:solidFill>
+                  <a:srgbClr val="000000"/>
+                </a:solidFill>
+                <a:highlight>
+                  <a:srgbClr val="FFFFFF"/>
+                </a:highlight>
+                <a:ea typeface="ＭＳ ゴシック" panose="020B0609070205080204" pitchFamily="49" charset="-128"/>
+              </a:rPr>
+              <a:t>);</a:t>
+            </a:r>
+            <a:br>
+              <a:rPr lang="en-US" altLang="ja-JP" sz="2200" dirty="0">
+                <a:solidFill>
+                  <a:srgbClr val="000000"/>
+                </a:solidFill>
+                <a:highlight>
+                  <a:srgbClr val="FFFFFF"/>
+                </a:highlight>
+                <a:ea typeface="ＭＳ ゴシック" panose="020B0609070205080204" pitchFamily="49" charset="-128"/>
+              </a:rPr>
+            </a:br>
+            <a:r>
+              <a:rPr lang="en-US" altLang="ja-JP" sz="2200" dirty="0">
+                <a:solidFill>
+                  <a:srgbClr val="000000"/>
+                </a:solidFill>
+                <a:highlight>
+                  <a:srgbClr val="FFFFFF"/>
+                </a:highlight>
+                <a:ea typeface="ＭＳ ゴシック" panose="020B0609070205080204" pitchFamily="49" charset="-128"/>
+              </a:rPr>
+              <a:t>      </a:t>
+            </a:r>
+            <a:r>
+              <a:rPr lang="en-US" altLang="ja-JP" sz="2200" dirty="0">
+                <a:solidFill>
+                  <a:srgbClr val="008000"/>
+                </a:solidFill>
+                <a:highlight>
+                  <a:srgbClr val="FFFFFF"/>
+                </a:highlight>
+                <a:ea typeface="ＭＳ ゴシック" panose="020B0609070205080204" pitchFamily="49" charset="-128"/>
+              </a:rPr>
+              <a:t>//</a:t>
+            </a:r>
+            <a:r>
+              <a:rPr lang="en-US" altLang="ja-JP" sz="2200" dirty="0" err="1">
+                <a:solidFill>
+                  <a:srgbClr val="008000"/>
+                </a:solidFill>
+                <a:highlight>
+                  <a:srgbClr val="FFFFFF"/>
+                </a:highlight>
+                <a:ea typeface="ＭＳ ゴシック" panose="020B0609070205080204" pitchFamily="49" charset="-128"/>
+              </a:rPr>
+              <a:t>Rect</a:t>
+            </a:r>
+            <a:r>
+              <a:rPr lang="en-US" altLang="ja-JP" sz="2200" dirty="0">
+                <a:solidFill>
+                  <a:srgbClr val="008000"/>
+                </a:solidFill>
+                <a:highlight>
+                  <a:srgbClr val="FFFFFF"/>
+                </a:highlight>
+                <a:ea typeface="ＭＳ ゴシック" panose="020B0609070205080204" pitchFamily="49" charset="-128"/>
+              </a:rPr>
+              <a:t> </a:t>
+            </a:r>
+            <a:r>
+              <a:rPr lang="ja-JP" altLang="en-US" sz="2200" dirty="0">
+                <a:solidFill>
+                  <a:srgbClr val="008000"/>
+                </a:solidFill>
+                <a:highlight>
+                  <a:srgbClr val="FFFFFF"/>
+                </a:highlight>
+                <a:ea typeface="ＭＳ ゴシック" panose="020B0609070205080204" pitchFamily="49" charset="-128"/>
+              </a:rPr>
+              <a:t>を追加</a:t>
+            </a:r>
+            <a:br>
+              <a:rPr lang="en-US" altLang="ja-JP" sz="2200" dirty="0">
+                <a:solidFill>
+                  <a:srgbClr val="000000"/>
+                </a:solidFill>
+                <a:highlight>
+                  <a:srgbClr val="FFFFFF"/>
+                </a:highlight>
+                <a:ea typeface="ＭＳ ゴシック" panose="020B0609070205080204" pitchFamily="49" charset="-128"/>
+              </a:rPr>
+            </a:br>
+            <a:r>
+              <a:rPr lang="ja-JP" altLang="en-US" sz="2200" dirty="0">
+                <a:solidFill>
+                  <a:srgbClr val="000000"/>
+                </a:solidFill>
+                <a:highlight>
+                  <a:srgbClr val="FFFFFF"/>
+                </a:highlight>
+                <a:ea typeface="ＭＳ ゴシック" panose="020B0609070205080204" pitchFamily="49" charset="-128"/>
+              </a:rPr>
+              <a:t>      </a:t>
+            </a:r>
+            <a:r>
+              <a:rPr lang="en-US" altLang="ja-JP" sz="2200" dirty="0">
+                <a:solidFill>
+                  <a:srgbClr val="000000"/>
+                </a:solidFill>
+                <a:highlight>
+                  <a:srgbClr val="FFFFFF"/>
+                </a:highlight>
+                <a:ea typeface="ＭＳ ゴシック" panose="020B0609070205080204" pitchFamily="49" charset="-128"/>
+              </a:rPr>
+              <a:t>bricks</a:t>
+            </a:r>
+            <a:r>
+              <a:rPr lang="en-US" altLang="ja-JP" sz="2200" dirty="0">
+                <a:solidFill>
+                  <a:srgbClr val="008080"/>
+                </a:solidFill>
+                <a:highlight>
+                  <a:srgbClr val="FFFFFF"/>
+                </a:highlight>
+                <a:ea typeface="ＭＳ ゴシック" panose="020B0609070205080204" pitchFamily="49" charset="-128"/>
+              </a:rPr>
+              <a:t>[</a:t>
+            </a:r>
+            <a:r>
+              <a:rPr lang="en-US" altLang="ja-JP" sz="2200" dirty="0">
+                <a:solidFill>
+                  <a:srgbClr val="000000"/>
+                </a:solidFill>
+                <a:highlight>
+                  <a:srgbClr val="FFFFFF"/>
+                </a:highlight>
+                <a:ea typeface="ＭＳ ゴシック" panose="020B0609070205080204" pitchFamily="49" charset="-128"/>
+              </a:rPr>
+              <a:t>y</a:t>
+            </a:r>
+            <a:r>
+              <a:rPr lang="en-US" altLang="ja-JP" sz="2200" dirty="0">
+                <a:solidFill>
+                  <a:srgbClr val="008080"/>
+                </a:solidFill>
+                <a:highlight>
+                  <a:srgbClr val="FFFFFF"/>
+                </a:highlight>
+                <a:ea typeface="ＭＳ ゴシック" panose="020B0609070205080204" pitchFamily="49" charset="-128"/>
+              </a:rPr>
+              <a:t>]</a:t>
+            </a:r>
+            <a:r>
+              <a:rPr lang="en-US" altLang="ja-JP" sz="2200" dirty="0">
+                <a:solidFill>
+                  <a:srgbClr val="000000"/>
+                </a:solidFill>
+                <a:highlight>
+                  <a:srgbClr val="FFFFFF"/>
+                </a:highlight>
+                <a:ea typeface="ＭＳ ゴシック" panose="020B0609070205080204" pitchFamily="49" charset="-128"/>
+              </a:rPr>
+              <a:t>.</a:t>
+            </a:r>
+            <a:r>
+              <a:rPr lang="en-US" altLang="ja-JP" sz="2200" dirty="0" err="1">
+                <a:solidFill>
+                  <a:srgbClr val="000000"/>
+                </a:solidFill>
+                <a:highlight>
+                  <a:srgbClr val="FFFFFF"/>
+                </a:highlight>
+                <a:ea typeface="ＭＳ ゴシック" panose="020B0609070205080204" pitchFamily="49" charset="-128"/>
+              </a:rPr>
+              <a:t>emplace_back</a:t>
+            </a:r>
+            <a:r>
+              <a:rPr lang="en-US" altLang="ja-JP" sz="2200" dirty="0">
+                <a:solidFill>
+                  <a:srgbClr val="000000"/>
+                </a:solidFill>
+                <a:highlight>
+                  <a:srgbClr val="FFFFFF"/>
+                </a:highlight>
+                <a:ea typeface="ＭＳ ゴシック" panose="020B0609070205080204" pitchFamily="49" charset="-128"/>
+              </a:rPr>
+              <a:t>(</a:t>
+            </a:r>
+            <a:r>
+              <a:rPr lang="en-US" altLang="ja-JP" sz="2200" dirty="0">
+                <a:solidFill>
+                  <a:srgbClr val="0000FF"/>
+                </a:solidFill>
+                <a:highlight>
+                  <a:srgbClr val="FFFFFF"/>
+                </a:highlight>
+                <a:ea typeface="ＭＳ ゴシック" panose="020B0609070205080204" pitchFamily="49" charset="-128"/>
+              </a:rPr>
+              <a:t>new</a:t>
+            </a:r>
+            <a:r>
+              <a:rPr lang="en-US" altLang="ja-JP" sz="2200" dirty="0">
+                <a:solidFill>
+                  <a:srgbClr val="000000"/>
+                </a:solidFill>
+                <a:highlight>
+                  <a:srgbClr val="FFFFFF"/>
+                </a:highlight>
+                <a:ea typeface="ＭＳ ゴシック" panose="020B0609070205080204" pitchFamily="49" charset="-128"/>
+              </a:rPr>
+              <a:t> </a:t>
+            </a:r>
+            <a:r>
+              <a:rPr lang="en-US" altLang="ja-JP" sz="2200" dirty="0" err="1">
+                <a:solidFill>
+                  <a:srgbClr val="2B91AF"/>
+                </a:solidFill>
+                <a:highlight>
+                  <a:srgbClr val="FFFFFF"/>
+                </a:highlight>
+                <a:ea typeface="ＭＳ ゴシック" panose="020B0609070205080204" pitchFamily="49" charset="-128"/>
+              </a:rPr>
+              <a:t>Rect</a:t>
+            </a:r>
+            <a:r>
+              <a:rPr lang="en-US" altLang="ja-JP" sz="2200" dirty="0">
+                <a:solidFill>
+                  <a:srgbClr val="000000"/>
+                </a:solidFill>
+                <a:highlight>
+                  <a:srgbClr val="FFFFFF"/>
+                </a:highlight>
+                <a:ea typeface="ＭＳ ゴシック" panose="020B0609070205080204" pitchFamily="49" charset="-128"/>
+              </a:rPr>
+              <a:t>(</a:t>
+            </a:r>
+            <a:r>
+              <a:rPr lang="en-US" altLang="ja-JP" sz="2200" dirty="0" err="1">
+                <a:solidFill>
+                  <a:srgbClr val="000000"/>
+                </a:solidFill>
+                <a:highlight>
+                  <a:srgbClr val="FFFFFF"/>
+                </a:highlight>
+                <a:ea typeface="ＭＳ ゴシック" panose="020B0609070205080204" pitchFamily="49" charset="-128"/>
+              </a:rPr>
+              <a:t>posX</a:t>
+            </a:r>
+            <a:r>
+              <a:rPr lang="en-US" altLang="ja-JP" sz="2200" dirty="0">
+                <a:solidFill>
+                  <a:srgbClr val="000000"/>
+                </a:solidFill>
+                <a:highlight>
+                  <a:srgbClr val="FFFFFF"/>
+                </a:highlight>
+                <a:ea typeface="ＭＳ ゴシック" panose="020B0609070205080204" pitchFamily="49" charset="-128"/>
+              </a:rPr>
+              <a:t>, </a:t>
+            </a:r>
+            <a:r>
+              <a:rPr lang="en-US" altLang="ja-JP" sz="2200" dirty="0" err="1">
+                <a:solidFill>
+                  <a:srgbClr val="000000"/>
+                </a:solidFill>
+                <a:highlight>
+                  <a:srgbClr val="FFFFFF"/>
+                </a:highlight>
+                <a:ea typeface="ＭＳ ゴシック" panose="020B0609070205080204" pitchFamily="49" charset="-128"/>
+              </a:rPr>
+              <a:t>posY</a:t>
+            </a:r>
+            <a:r>
+              <a:rPr lang="en-US" altLang="ja-JP" sz="2200" dirty="0">
+                <a:solidFill>
+                  <a:srgbClr val="000000"/>
+                </a:solidFill>
+                <a:highlight>
+                  <a:srgbClr val="FFFFFF"/>
+                </a:highlight>
+                <a:ea typeface="ＭＳ ゴシック" panose="020B0609070205080204" pitchFamily="49" charset="-128"/>
+              </a:rPr>
+              <a:t>, </a:t>
+            </a:r>
+            <a:r>
+              <a:rPr lang="en-US" altLang="ja-JP" sz="2200" dirty="0" err="1">
+                <a:solidFill>
+                  <a:srgbClr val="000000"/>
+                </a:solidFill>
+                <a:highlight>
+                  <a:srgbClr val="FFFFFF"/>
+                </a:highlight>
+                <a:ea typeface="ＭＳ ゴシック" panose="020B0609070205080204" pitchFamily="49" charset="-128"/>
+              </a:rPr>
+              <a:t>BrickSize</a:t>
+            </a:r>
+            <a:r>
+              <a:rPr lang="en-US" altLang="ja-JP" sz="2200" dirty="0">
+                <a:solidFill>
+                  <a:srgbClr val="000000"/>
+                </a:solidFill>
+                <a:highlight>
+                  <a:srgbClr val="FFFFFF"/>
+                </a:highlight>
+                <a:ea typeface="ＭＳ ゴシック" panose="020B0609070205080204" pitchFamily="49" charset="-128"/>
+              </a:rPr>
+              <a:t>));</a:t>
+            </a:r>
+            <a:br>
+              <a:rPr lang="en-US" altLang="ja-JP" sz="2200" dirty="0">
+                <a:solidFill>
+                  <a:srgbClr val="000000"/>
+                </a:solidFill>
+                <a:highlight>
+                  <a:srgbClr val="FFFFFF"/>
+                </a:highlight>
+                <a:ea typeface="ＭＳ ゴシック" panose="020B0609070205080204" pitchFamily="49" charset="-128"/>
+              </a:rPr>
+            </a:br>
+            <a:r>
+              <a:rPr lang="en-US" altLang="ja-JP" sz="2200" dirty="0">
+                <a:solidFill>
+                  <a:srgbClr val="000000"/>
+                </a:solidFill>
+                <a:highlight>
+                  <a:srgbClr val="FFFFFF"/>
+                </a:highlight>
+                <a:ea typeface="ＭＳ ゴシック" panose="020B0609070205080204" pitchFamily="49" charset="-128"/>
+              </a:rPr>
+              <a:t>    }</a:t>
+            </a:r>
+            <a:br>
+              <a:rPr lang="en-US" altLang="ja-JP" sz="2200" dirty="0">
+                <a:solidFill>
+                  <a:srgbClr val="000000"/>
+                </a:solidFill>
+                <a:highlight>
+                  <a:srgbClr val="FFFFFF"/>
+                </a:highlight>
+                <a:ea typeface="ＭＳ ゴシック" panose="020B0609070205080204" pitchFamily="49" charset="-128"/>
+              </a:rPr>
+            </a:br>
+            <a:r>
+              <a:rPr lang="en-US" altLang="ja-JP" sz="2200" dirty="0">
+                <a:solidFill>
+                  <a:srgbClr val="000000"/>
+                </a:solidFill>
+                <a:highlight>
+                  <a:srgbClr val="FFFFFF"/>
+                </a:highlight>
+                <a:ea typeface="ＭＳ ゴシック" panose="020B0609070205080204" pitchFamily="49" charset="-128"/>
+              </a:rPr>
+              <a:t>  }</a:t>
+            </a:r>
+            <a:br>
+              <a:rPr lang="en-US" altLang="ja-JP" sz="2200" dirty="0">
+                <a:solidFill>
+                  <a:srgbClr val="000000"/>
+                </a:solidFill>
+                <a:highlight>
+                  <a:srgbClr val="FFFFFF"/>
+                </a:highlight>
+                <a:ea typeface="ＭＳ ゴシック" panose="020B0609070205080204" pitchFamily="49" charset="-128"/>
+              </a:rPr>
+            </a:br>
+            <a:r>
+              <a:rPr lang="ja-JP" altLang="en-US" sz="2200" dirty="0">
+                <a:solidFill>
+                  <a:srgbClr val="000000"/>
+                </a:solidFill>
+                <a:highlight>
+                  <a:srgbClr val="FFFFFF"/>
+                </a:highlight>
+                <a:ea typeface="ＭＳ ゴシック" panose="020B0609070205080204" pitchFamily="49" charset="-128"/>
+              </a:rPr>
+              <a:t>  </a:t>
+            </a:r>
+            <a:r>
+              <a:rPr lang="en-US" altLang="ja-JP" sz="2200" dirty="0">
+                <a:solidFill>
+                  <a:srgbClr val="0000FF"/>
+                </a:solidFill>
+                <a:highlight>
+                  <a:srgbClr val="FFFFFF"/>
+                </a:highlight>
+                <a:ea typeface="ＭＳ ゴシック" panose="020B0609070205080204" pitchFamily="49" charset="-128"/>
+              </a:rPr>
+              <a:t>return</a:t>
+            </a:r>
+            <a:r>
+              <a:rPr lang="en-US" altLang="ja-JP" sz="2200" dirty="0">
+                <a:solidFill>
+                  <a:srgbClr val="000000"/>
+                </a:solidFill>
+                <a:highlight>
+                  <a:srgbClr val="FFFFFF"/>
+                </a:highlight>
+                <a:ea typeface="ＭＳ ゴシック" panose="020B0609070205080204" pitchFamily="49" charset="-128"/>
+              </a:rPr>
+              <a:t> bricks;}</a:t>
+            </a:r>
+          </a:p>
+        </p:txBody>
+      </p:sp>
+      <p:sp>
+        <p:nvSpPr>
+          <p:cNvPr id="7" name="テキスト ボックス 6">
+            <a:extLst>
+              <a:ext uri="{FF2B5EF4-FFF2-40B4-BE49-F238E27FC236}">
+                <a16:creationId xmlns:a16="http://schemas.microsoft.com/office/drawing/2014/main" id="{BA77F1A8-1FC5-FEAC-132B-18CA7C0FDA0A}"/>
+              </a:ext>
+            </a:extLst>
+          </p:cNvPr>
+          <p:cNvSpPr txBox="1"/>
+          <p:nvPr/>
+        </p:nvSpPr>
+        <p:spPr>
+          <a:xfrm>
+            <a:off x="9494583" y="516645"/>
+            <a:ext cx="2480166" cy="646331"/>
+          </a:xfrm>
+          <a:prstGeom prst="rect">
+            <a:avLst/>
+          </a:prstGeom>
+          <a:noFill/>
+        </p:spPr>
+        <p:txBody>
+          <a:bodyPr wrap="none" rtlCol="0">
+            <a:spAutoFit/>
+          </a:bodyPr>
+          <a:lstStyle/>
+          <a:p>
+            <a:r>
+              <a:rPr kumimoji="1" lang="en-US" altLang="ja-JP" sz="3600" dirty="0"/>
+              <a:t>Main.cpp</a:t>
+            </a:r>
+            <a:endParaRPr kumimoji="1" lang="ja-JP" altLang="en-US" sz="3600" dirty="0"/>
+          </a:p>
+        </p:txBody>
+      </p:sp>
+      <p:sp>
+        <p:nvSpPr>
+          <p:cNvPr id="3" name="テキスト ボックス 2">
+            <a:extLst>
+              <a:ext uri="{FF2B5EF4-FFF2-40B4-BE49-F238E27FC236}">
+                <a16:creationId xmlns:a16="http://schemas.microsoft.com/office/drawing/2014/main" id="{964FE7DF-E8DB-69A6-18FD-45DD71845C7E}"/>
+              </a:ext>
+            </a:extLst>
+          </p:cNvPr>
+          <p:cNvSpPr txBox="1"/>
+          <p:nvPr/>
+        </p:nvSpPr>
+        <p:spPr>
+          <a:xfrm>
+            <a:off x="4546057" y="784927"/>
+            <a:ext cx="6914748" cy="1569660"/>
+          </a:xfrm>
+          <a:prstGeom prst="rect">
+            <a:avLst/>
+          </a:prstGeom>
+          <a:solidFill>
+            <a:schemeClr val="bg1"/>
+          </a:solidFill>
+          <a:ln w="38100">
+            <a:solidFill>
+              <a:srgbClr val="FF0000"/>
+            </a:solidFill>
+          </a:ln>
+          <a:effectLst>
+            <a:outerShdw blurRad="50800" dist="38100" dir="2700000" algn="tl" rotWithShape="0">
+              <a:prstClr val="black">
+                <a:alpha val="40000"/>
+              </a:prstClr>
+            </a:outerShdw>
+          </a:effectLst>
+        </p:spPr>
+        <p:txBody>
+          <a:bodyPr wrap="square" rtlCol="0">
+            <a:spAutoFit/>
+          </a:bodyPr>
+          <a:lstStyle/>
+          <a:p>
+            <a:r>
+              <a:rPr kumimoji="1" lang="en-US" altLang="ja-JP" sz="2400" dirty="0">
+                <a:solidFill>
+                  <a:srgbClr val="0099CC"/>
+                </a:solidFill>
+              </a:rPr>
+              <a:t>vector&lt;vector&lt;</a:t>
+            </a:r>
+            <a:r>
+              <a:rPr kumimoji="1" lang="en-US" altLang="ja-JP" sz="2400" dirty="0" err="1">
+                <a:solidFill>
+                  <a:srgbClr val="0099CC"/>
+                </a:solidFill>
+              </a:rPr>
+              <a:t>Rect</a:t>
+            </a:r>
+            <a:r>
+              <a:rPr kumimoji="1" lang="en-US" altLang="ja-JP" sz="2400" dirty="0">
+                <a:solidFill>
+                  <a:srgbClr val="0099CC"/>
+                </a:solidFill>
+              </a:rPr>
+              <a:t>*&gt;&gt;</a:t>
+            </a:r>
+            <a:br>
+              <a:rPr kumimoji="1" lang="en-US" altLang="ja-JP" sz="2400" dirty="0"/>
+            </a:br>
+            <a:r>
+              <a:rPr kumimoji="1" lang="en-US" altLang="ja-JP" sz="2400" dirty="0" err="1">
+                <a:solidFill>
+                  <a:srgbClr val="FF0000"/>
+                </a:solidFill>
+              </a:rPr>
+              <a:t>Rect</a:t>
+            </a:r>
+            <a:r>
+              <a:rPr kumimoji="1" lang="ja-JP" altLang="en-US" sz="2400" dirty="0"/>
+              <a:t>型ポインタの二次元</a:t>
+            </a:r>
+            <a:r>
+              <a:rPr kumimoji="1" lang="en-US" altLang="ja-JP" sz="2400" dirty="0"/>
+              <a:t>vector</a:t>
+            </a:r>
+            <a:r>
+              <a:rPr kumimoji="1" lang="ja-JP" altLang="en-US" sz="2400" dirty="0"/>
+              <a:t>配列</a:t>
+            </a:r>
+            <a:br>
+              <a:rPr kumimoji="1" lang="en-US" altLang="ja-JP" sz="2400" dirty="0"/>
+            </a:br>
+            <a:r>
+              <a:rPr kumimoji="1" lang="ja-JP" altLang="en-US" sz="2400" dirty="0"/>
+              <a:t>要素数は</a:t>
+            </a:r>
+            <a:r>
+              <a:rPr kumimoji="1" lang="en-US" altLang="ja-JP" sz="2400" dirty="0" err="1">
+                <a:solidFill>
+                  <a:srgbClr val="00B050"/>
+                </a:solidFill>
+              </a:rPr>
+              <a:t>BrickCountX</a:t>
+            </a:r>
+            <a:r>
+              <a:rPr kumimoji="1" lang="en-US" altLang="ja-JP" sz="2400" dirty="0">
+                <a:solidFill>
+                  <a:srgbClr val="00B050"/>
+                </a:solidFill>
+              </a:rPr>
+              <a:t> × </a:t>
+            </a:r>
+            <a:r>
+              <a:rPr kumimoji="1" lang="en-US" altLang="ja-JP" sz="2400" dirty="0" err="1">
+                <a:solidFill>
+                  <a:srgbClr val="00B050"/>
+                </a:solidFill>
+              </a:rPr>
+              <a:t>BrickCountY</a:t>
+            </a:r>
+            <a:r>
+              <a:rPr kumimoji="1" lang="en-US" altLang="ja-JP" sz="2400" dirty="0"/>
+              <a:t>[</a:t>
+            </a:r>
+            <a:r>
+              <a:rPr kumimoji="1" lang="ja-JP" altLang="en-US" sz="2400" dirty="0"/>
+              <a:t>個</a:t>
+            </a:r>
+            <a:r>
+              <a:rPr kumimoji="1" lang="en-US" altLang="ja-JP" sz="2400" dirty="0"/>
+              <a:t>]</a:t>
+            </a:r>
+            <a:br>
+              <a:rPr kumimoji="1" lang="en-US" altLang="ja-JP" sz="2400" dirty="0"/>
+            </a:br>
+            <a:r>
+              <a:rPr kumimoji="1" lang="ja-JP" altLang="en-US" sz="2400" dirty="0"/>
+              <a:t>個々のブロックの</a:t>
+            </a:r>
+            <a:r>
+              <a:rPr kumimoji="1" lang="ja-JP" altLang="en-US" sz="2400" dirty="0">
+                <a:solidFill>
+                  <a:srgbClr val="0066FF"/>
+                </a:solidFill>
+              </a:rPr>
+              <a:t>座標</a:t>
+            </a:r>
+            <a:r>
+              <a:rPr kumimoji="1" lang="ja-JP" altLang="en-US" sz="2400" dirty="0"/>
+              <a:t>と</a:t>
+            </a:r>
+            <a:r>
+              <a:rPr kumimoji="1" lang="ja-JP" altLang="en-US" sz="2400" dirty="0">
+                <a:solidFill>
+                  <a:srgbClr val="0066FF"/>
+                </a:solidFill>
+              </a:rPr>
+              <a:t>サイズ</a:t>
+            </a:r>
+            <a:r>
+              <a:rPr kumimoji="1" lang="ja-JP" altLang="en-US" sz="2400" dirty="0"/>
+              <a:t>を管理する</a:t>
+            </a:r>
+          </a:p>
+        </p:txBody>
+      </p:sp>
+      <p:sp>
+        <p:nvSpPr>
+          <p:cNvPr id="5" name="テキスト ボックス 4">
+            <a:extLst>
+              <a:ext uri="{FF2B5EF4-FFF2-40B4-BE49-F238E27FC236}">
+                <a16:creationId xmlns:a16="http://schemas.microsoft.com/office/drawing/2014/main" id="{C7D195E8-94E9-965C-A298-7DDB8F4D0382}"/>
+              </a:ext>
+            </a:extLst>
+          </p:cNvPr>
+          <p:cNvSpPr txBox="1"/>
+          <p:nvPr/>
+        </p:nvSpPr>
+        <p:spPr>
+          <a:xfrm>
+            <a:off x="731195" y="2828835"/>
+            <a:ext cx="6914748" cy="1200329"/>
+          </a:xfrm>
+          <a:prstGeom prst="rect">
+            <a:avLst/>
+          </a:prstGeom>
+          <a:solidFill>
+            <a:schemeClr val="bg1"/>
+          </a:solidFill>
+          <a:ln w="38100">
+            <a:solidFill>
+              <a:srgbClr val="FF0000"/>
+            </a:solidFill>
+          </a:ln>
+          <a:effectLst>
+            <a:outerShdw blurRad="50800" dist="38100" dir="2700000" algn="tl" rotWithShape="0">
+              <a:prstClr val="black">
+                <a:alpha val="40000"/>
+              </a:prstClr>
+            </a:outerShdw>
+          </a:effectLst>
+        </p:spPr>
+        <p:txBody>
+          <a:bodyPr wrap="square" rtlCol="0">
+            <a:spAutoFit/>
+          </a:bodyPr>
+          <a:lstStyle/>
+          <a:p>
+            <a:r>
+              <a:rPr kumimoji="1" lang="en-US" altLang="ja-JP" sz="2400" dirty="0" err="1">
+                <a:solidFill>
+                  <a:srgbClr val="0099CC"/>
+                </a:solidFill>
+              </a:rPr>
+              <a:t>posX</a:t>
+            </a:r>
+            <a:r>
+              <a:rPr kumimoji="1" lang="en-US" altLang="ja-JP" sz="2400" dirty="0">
+                <a:solidFill>
+                  <a:srgbClr val="0099CC"/>
+                </a:solidFill>
+              </a:rPr>
+              <a:t>, </a:t>
+            </a:r>
+            <a:r>
+              <a:rPr kumimoji="1" lang="en-US" altLang="ja-JP" sz="2400" dirty="0" err="1">
+                <a:solidFill>
+                  <a:srgbClr val="0099CC"/>
+                </a:solidFill>
+              </a:rPr>
+              <a:t>posY</a:t>
+            </a:r>
+            <a:br>
+              <a:rPr kumimoji="1" lang="en-US" altLang="ja-JP" sz="2400" dirty="0"/>
+            </a:br>
+            <a:r>
+              <a:rPr kumimoji="1" lang="ja-JP" altLang="en-US" sz="2400" dirty="0"/>
+              <a:t>個々のブロックの</a:t>
+            </a:r>
+            <a:r>
+              <a:rPr kumimoji="1" lang="ja-JP" altLang="en-US" sz="2400" dirty="0">
+                <a:solidFill>
+                  <a:srgbClr val="0066FF"/>
+                </a:solidFill>
+              </a:rPr>
+              <a:t>座標</a:t>
+            </a:r>
+            <a:r>
+              <a:rPr kumimoji="1" lang="ja-JP" altLang="en-US" sz="2400" dirty="0"/>
+              <a:t>を計算式で求めて、その後</a:t>
+            </a:r>
+            <a:br>
+              <a:rPr kumimoji="1" lang="en-US" altLang="ja-JP" sz="2400" dirty="0"/>
+            </a:br>
+            <a:r>
+              <a:rPr kumimoji="1" lang="ja-JP" altLang="en-US" sz="2400" dirty="0"/>
+              <a:t>二次元配列の各要素へ格納する</a:t>
+            </a:r>
+          </a:p>
+        </p:txBody>
+      </p:sp>
+    </p:spTree>
+    <p:extLst>
+      <p:ext uri="{BB962C8B-B14F-4D97-AF65-F5344CB8AC3E}">
+        <p14:creationId xmlns:p14="http://schemas.microsoft.com/office/powerpoint/2010/main" val="3693885566"/>
+      </p:ext>
+    </p:extLst>
+  </p:cSld>
+  <p:clrMapOvr>
+    <a:masterClrMapping/>
+  </p:clrMapOvr>
+</p:sld>
+</file>
+
+<file path=ppt/slides/slide45.xml><?xml version="1.0" encoding="utf-8"?>
+<p:sld xmlns:a="http://schemas.openxmlformats.org/drawingml/2006/main" xmlns:r="http://schemas.openxmlformats.org/officeDocument/2006/relationships" xmlns:p="http://schemas.openxmlformats.org/presentationml/2006/main">
+  <p:cSld>
+    <p:spTree>
+      <p:nvGrpSpPr>
+        <p:cNvPr id="1" name="">
+          <a:extLst>
+            <a:ext uri="{FF2B5EF4-FFF2-40B4-BE49-F238E27FC236}">
               <a16:creationId xmlns:a16="http://schemas.microsoft.com/office/drawing/2014/main" id="{C43875B4-9343-1748-B523-0B7E2D6B7B18}"/>
             </a:ext>
           </a:extLst>
@@ -33734,42 +35800,36 @@
             <a:r>
               <a:rPr lang="en-US" altLang="ja-JP" sz="2400" dirty="0">
                 <a:solidFill>
-                  <a:srgbClr val="0000FF"/>
-                </a:solidFill>
-                <a:highlight>
-                  <a:srgbClr val="FFFFFF"/>
-                </a:highlight>
-                <a:ea typeface="ＭＳ ゴシック" panose="020B0609070205080204" pitchFamily="49" charset="-128"/>
-              </a:rPr>
-              <a:t>void</a:t>
-            </a:r>
-            <a:r>
-              <a:rPr lang="en-US" altLang="ja-JP" sz="2400" dirty="0">
-                <a:solidFill>
-                  <a:srgbClr val="000000"/>
-                </a:solidFill>
-                <a:highlight>
-                  <a:srgbClr val="FFFFFF"/>
-                </a:highlight>
-                <a:ea typeface="ＭＳ ゴシック" panose="020B0609070205080204" pitchFamily="49" charset="-128"/>
-              </a:rPr>
-              <a:t> Main()</a:t>
-            </a:r>
-            <a:br>
-              <a:rPr lang="en-US" altLang="ja-JP" sz="2400" dirty="0">
-                <a:solidFill>
-                  <a:srgbClr val="000000"/>
-                </a:solidFill>
-                <a:highlight>
-                  <a:srgbClr val="FFFFFF"/>
-                </a:highlight>
-                <a:ea typeface="ＭＳ ゴシック" panose="020B0609070205080204" pitchFamily="49" charset="-128"/>
-              </a:rPr>
-            </a:br>
-            <a:r>
-              <a:rPr lang="en-US" altLang="ja-JP" sz="2400" dirty="0">
-                <a:solidFill>
-                  <a:srgbClr val="000000"/>
+                  <a:schemeClr val="bg2">
+                    <a:lumMod val="75000"/>
+                  </a:schemeClr>
+                </a:solidFill>
+                <a:highlight>
+                  <a:srgbClr val="FFFFFF"/>
+                </a:highlight>
+                <a:ea typeface="ＭＳ ゴシック" panose="020B0609070205080204" pitchFamily="49" charset="-128"/>
+              </a:rPr>
+              <a:t>void Main()</a:t>
+            </a:r>
+            <a:br>
+              <a:rPr lang="en-US" altLang="ja-JP" sz="2400" dirty="0">
+                <a:solidFill>
+                  <a:schemeClr val="bg2">
+                    <a:lumMod val="75000"/>
+                  </a:schemeClr>
+                </a:solidFill>
+                <a:highlight>
+                  <a:srgbClr val="FFFFFF"/>
+                </a:highlight>
+                <a:ea typeface="ＭＳ ゴシック" panose="020B0609070205080204" pitchFamily="49" charset="-128"/>
+              </a:rPr>
+            </a:br>
+            <a:r>
+              <a:rPr lang="en-US" altLang="ja-JP" sz="2400" dirty="0">
+                <a:solidFill>
+                  <a:schemeClr val="bg2">
+                    <a:lumMod val="75000"/>
+                  </a:schemeClr>
                 </a:solidFill>
                 <a:highlight>
                   <a:srgbClr val="FFFFFF"/>
@@ -33781,7 +35841,9 @@
             <a:br>
               <a:rPr lang="en-US" altLang="ja-JP" sz="2400" dirty="0">
                 <a:solidFill>
-                  <a:srgbClr val="000000"/>
+                  <a:schemeClr val="bg2">
+                    <a:lumMod val="75000"/>
+                  </a:schemeClr>
                 </a:solidFill>
                 <a:highlight>
                   <a:srgbClr val="FFFFFF"/>
@@ -33792,7 +35854,9 @@
             <a:r>
               <a:rPr lang="ja-JP" altLang="en-US" sz="2400" dirty="0">
                 <a:solidFill>
-                  <a:srgbClr val="000000"/>
+                  <a:schemeClr val="bg2">
+                    <a:lumMod val="75000"/>
+                  </a:schemeClr>
                 </a:solidFill>
                 <a:highlight>
                   <a:srgbClr val="FFFFFF"/>
@@ -33804,7 +35868,9 @@
             <a:r>
               <a:rPr lang="en-US" altLang="ja-JP" sz="2400" dirty="0">
                 <a:solidFill>
-                  <a:srgbClr val="008000"/>
+                  <a:schemeClr val="bg2">
+                    <a:lumMod val="75000"/>
+                  </a:schemeClr>
                 </a:solidFill>
                 <a:highlight>
                   <a:srgbClr val="FFFFFF"/>
@@ -33816,7 +35882,9 @@
             <a:r>
               <a:rPr lang="ja-JP" altLang="en-US" sz="2400" dirty="0">
                 <a:solidFill>
-                  <a:srgbClr val="008000"/>
+                  <a:schemeClr val="bg2">
+                    <a:lumMod val="75000"/>
+                  </a:schemeClr>
                 </a:solidFill>
                 <a:highlight>
                   <a:srgbClr val="FFFFFF"/>
@@ -33828,54 +35896,36 @@
             <a:br>
               <a:rPr lang="en-US" altLang="ja-JP" sz="2400" dirty="0">
                 <a:solidFill>
-                  <a:srgbClr val="000000"/>
-                </a:solidFill>
-                <a:highlight>
-                  <a:srgbClr val="FFFFFF"/>
-                </a:highlight>
-                <a:ea typeface="ＭＳ ゴシック" panose="020B0609070205080204" pitchFamily="49" charset="-128"/>
-              </a:rPr>
-            </a:br>
-            <a:r>
-              <a:rPr lang="en-US" altLang="ja-JP" sz="2400" dirty="0">
-                <a:solidFill>
-                  <a:srgbClr val="000000"/>
-                </a:solidFill>
-                <a:highlight>
-                  <a:srgbClr val="FFFFFF"/>
-                </a:highlight>
-                <a:ea typeface="ＭＳ ゴシック" panose="020B0609070205080204" pitchFamily="49" charset="-128"/>
-              </a:rPr>
-              <a:t>  </a:t>
-            </a:r>
-            <a:r>
-              <a:rPr lang="en-US" altLang="ja-JP" sz="2400" dirty="0">
-                <a:solidFill>
-                  <a:srgbClr val="2B91AF"/>
-                </a:solidFill>
-                <a:highlight>
-                  <a:srgbClr val="FFFFFF"/>
-                </a:highlight>
-                <a:ea typeface="ＭＳ ゴシック" panose="020B0609070205080204" pitchFamily="49" charset="-128"/>
-              </a:rPr>
-              <a:t>Circle</a:t>
-            </a:r>
-            <a:r>
-              <a:rPr lang="en-US" altLang="ja-JP" sz="2400" dirty="0">
-                <a:solidFill>
-                  <a:srgbClr val="000000"/>
-                </a:solidFill>
-                <a:highlight>
-                  <a:srgbClr val="FFFFFF"/>
-                </a:highlight>
-                <a:ea typeface="ＭＳ ゴシック" panose="020B0609070205080204" pitchFamily="49" charset="-128"/>
-              </a:rPr>
-              <a:t> ball = </a:t>
+                  <a:schemeClr val="bg2">
+                    <a:lumMod val="75000"/>
+                  </a:schemeClr>
+                </a:solidFill>
+                <a:highlight>
+                  <a:srgbClr val="FFFFFF"/>
+                </a:highlight>
+                <a:ea typeface="ＭＳ ゴシック" panose="020B0609070205080204" pitchFamily="49" charset="-128"/>
+              </a:rPr>
+            </a:br>
+            <a:r>
+              <a:rPr lang="en-US" altLang="ja-JP" sz="2400" dirty="0">
+                <a:solidFill>
+                  <a:schemeClr val="bg2">
+                    <a:lumMod val="75000"/>
+                  </a:schemeClr>
+                </a:solidFill>
+                <a:highlight>
+                  <a:srgbClr val="FFFFFF"/>
+                </a:highlight>
+                <a:ea typeface="ＭＳ ゴシック" panose="020B0609070205080204" pitchFamily="49" charset="-128"/>
+              </a:rPr>
+              <a:t>  Circle ball = </a:t>
             </a:r>
             <a:r>
               <a:rPr lang="en-US" altLang="ja-JP" sz="2400" dirty="0" err="1">
                 <a:solidFill>
-                  <a:srgbClr val="000000"/>
+                  <a:schemeClr val="bg2">
+                    <a:lumMod val="75000"/>
+                  </a:schemeClr>
                 </a:solidFill>
                 <a:highlight>
                   <a:srgbClr val="FFFFFF"/>
@@ -33887,7 +35937,9 @@
             <a:r>
               <a:rPr lang="en-US" altLang="ja-JP" sz="2400" dirty="0">
                 <a:solidFill>
-                  <a:srgbClr val="000000"/>
+                  <a:schemeClr val="bg2">
+                    <a:lumMod val="75000"/>
+                  </a:schemeClr>
                 </a:solidFill>
                 <a:highlight>
                   <a:srgbClr val="FFFFFF"/>
@@ -33904,31 +35956,23 @@
             <a:r>
               <a:rPr lang="en-US" altLang="ja-JP" sz="2400" dirty="0">
                 <a:solidFill>
-                  <a:srgbClr val="000000"/>
-                </a:solidFill>
-                <a:highlight>
-                  <a:srgbClr val="FFFFFF"/>
-                </a:highlight>
-                <a:ea typeface="ＭＳ ゴシック" panose="020B0609070205080204" pitchFamily="49" charset="-128"/>
-              </a:rPr>
-              <a:t>  </a:t>
-            </a:r>
-            <a:r>
-              <a:rPr lang="en-US" altLang="ja-JP" sz="2400" dirty="0">
-                <a:solidFill>
-                  <a:srgbClr val="008000"/>
-                </a:solidFill>
-                <a:highlight>
-                  <a:srgbClr val="FFFFFF"/>
-                </a:highlight>
-                <a:ea typeface="ＭＳ ゴシック" panose="020B0609070205080204" pitchFamily="49" charset="-128"/>
-              </a:rPr>
-              <a:t>//</a:t>
+                  <a:schemeClr val="bg2">
+                    <a:lumMod val="75000"/>
+                  </a:schemeClr>
+                </a:solidFill>
+                <a:highlight>
+                  <a:srgbClr val="FFFFFF"/>
+                </a:highlight>
+                <a:ea typeface="ＭＳ ゴシック" panose="020B0609070205080204" pitchFamily="49" charset="-128"/>
+              </a:rPr>
+              <a:t>  //</a:t>
             </a:r>
             <a:r>
               <a:rPr lang="ja-JP" altLang="en-US" sz="2400" dirty="0">
                 <a:solidFill>
-                  <a:srgbClr val="008000"/>
+                  <a:schemeClr val="bg2">
+                    <a:lumMod val="75000"/>
+                  </a:schemeClr>
                 </a:solidFill>
                 <a:highlight>
                   <a:srgbClr val="FFFFFF"/>
@@ -33940,54 +35984,36 @@
             <a:br>
               <a:rPr lang="en-US" altLang="ja-JP" sz="2400" dirty="0">
                 <a:solidFill>
-                  <a:srgbClr val="000000"/>
-                </a:solidFill>
-                <a:highlight>
-                  <a:srgbClr val="FFFFFF"/>
-                </a:highlight>
-                <a:ea typeface="ＭＳ ゴシック" panose="020B0609070205080204" pitchFamily="49" charset="-128"/>
-              </a:rPr>
-            </a:br>
-            <a:r>
-              <a:rPr lang="en-US" altLang="ja-JP" sz="2400" dirty="0">
-                <a:solidFill>
-                  <a:srgbClr val="000000"/>
-                </a:solidFill>
-                <a:highlight>
-                  <a:srgbClr val="FFFFFF"/>
-                </a:highlight>
-                <a:ea typeface="ＭＳ ゴシック" panose="020B0609070205080204" pitchFamily="49" charset="-128"/>
-              </a:rPr>
-              <a:t>  </a:t>
-            </a:r>
-            <a:r>
-              <a:rPr lang="en-US" altLang="ja-JP" sz="2400" dirty="0">
-                <a:solidFill>
-                  <a:srgbClr val="2B91AF"/>
-                </a:solidFill>
-                <a:highlight>
-                  <a:srgbClr val="FFFFFF"/>
-                </a:highlight>
-                <a:ea typeface="ＭＳ ゴシック" panose="020B0609070205080204" pitchFamily="49" charset="-128"/>
-              </a:rPr>
-              <a:t>Vec2</a:t>
-            </a:r>
-            <a:r>
-              <a:rPr lang="en-US" altLang="ja-JP" sz="2400" dirty="0">
-                <a:solidFill>
-                  <a:srgbClr val="000000"/>
-                </a:solidFill>
-                <a:highlight>
-                  <a:srgbClr val="FFFFFF"/>
-                </a:highlight>
-                <a:ea typeface="ＭＳ ゴシック" panose="020B0609070205080204" pitchFamily="49" charset="-128"/>
-              </a:rPr>
-              <a:t> </a:t>
+                  <a:schemeClr val="bg2">
+                    <a:lumMod val="75000"/>
+                  </a:schemeClr>
+                </a:solidFill>
+                <a:highlight>
+                  <a:srgbClr val="FFFFFF"/>
+                </a:highlight>
+                <a:ea typeface="ＭＳ ゴシック" panose="020B0609070205080204" pitchFamily="49" charset="-128"/>
+              </a:rPr>
+            </a:br>
+            <a:r>
+              <a:rPr lang="en-US" altLang="ja-JP" sz="2400" dirty="0">
+                <a:solidFill>
+                  <a:schemeClr val="bg2">
+                    <a:lumMod val="75000"/>
+                  </a:schemeClr>
+                </a:solidFill>
+                <a:highlight>
+                  <a:srgbClr val="FFFFFF"/>
+                </a:highlight>
+                <a:ea typeface="ＭＳ ゴシック" panose="020B0609070205080204" pitchFamily="49" charset="-128"/>
+              </a:rPr>
+              <a:t>  Vec2 </a:t>
             </a:r>
             <a:r>
               <a:rPr lang="en-US" altLang="ja-JP" sz="2400" dirty="0" err="1">
                 <a:solidFill>
-                  <a:srgbClr val="000000"/>
+                  <a:schemeClr val="bg2">
+                    <a:lumMod val="75000"/>
+                  </a:schemeClr>
                 </a:solidFill>
                 <a:highlight>
                   <a:srgbClr val="FFFFFF"/>
@@ -33999,7 +36025,9 @@
             <a:r>
               <a:rPr lang="en-US" altLang="ja-JP" sz="2400" dirty="0">
                 <a:solidFill>
-                  <a:srgbClr val="000000"/>
+                  <a:schemeClr val="bg2">
+                    <a:lumMod val="75000"/>
+                  </a:schemeClr>
                 </a:solidFill>
                 <a:highlight>
                   <a:srgbClr val="FFFFFF"/>
@@ -34011,7 +36039,9 @@
             <a:r>
               <a:rPr lang="en-US" altLang="ja-JP" sz="2400" dirty="0" err="1">
                 <a:solidFill>
-                  <a:srgbClr val="000000"/>
+                  <a:schemeClr val="bg2">
+                    <a:lumMod val="75000"/>
+                  </a:schemeClr>
                 </a:solidFill>
                 <a:highlight>
                   <a:srgbClr val="FFFFFF"/>
@@ -34023,7 +36053,9 @@
             <a:r>
               <a:rPr lang="en-US" altLang="ja-JP" sz="2400" dirty="0">
                 <a:solidFill>
-                  <a:srgbClr val="000000"/>
+                  <a:schemeClr val="bg2">
+                    <a:lumMod val="75000"/>
+                  </a:schemeClr>
                 </a:solidFill>
                 <a:highlight>
                   <a:srgbClr val="FFFFFF"/>
@@ -34034,7 +36066,9 @@
             </a:r>
             <a:endParaRPr lang="ja-JP" altLang="en-US" sz="2400" dirty="0">
               <a:solidFill>
-                <a:srgbClr val="000000"/>
+                <a:schemeClr val="bg2">
+                  <a:lumMod val="75000"/>
+                </a:schemeClr>
               </a:solidFill>
               <a:highlight>
                 <a:srgbClr val="FFFFFF"/>
@@ -34267,6 +36301,71 @@
           </a:p>
         </p:txBody>
       </p:sp>
+      <p:sp>
+        <p:nvSpPr>
+          <p:cNvPr id="5" name="テキスト ボックス 4">
+            <a:extLst>
+              <a:ext uri="{FF2B5EF4-FFF2-40B4-BE49-F238E27FC236}">
+                <a16:creationId xmlns:a16="http://schemas.microsoft.com/office/drawing/2014/main" id="{73F204CF-BDD2-2CFC-731D-5E5207CCCB20}"/>
+              </a:ext>
+            </a:extLst>
+          </p:cNvPr>
+          <p:cNvSpPr txBox="1"/>
+          <p:nvPr/>
+        </p:nvSpPr>
+        <p:spPr>
+          <a:xfrm>
+            <a:off x="3581399" y="4842461"/>
+            <a:ext cx="6914748" cy="461665"/>
+          </a:xfrm>
+          <a:prstGeom prst="rect">
+            <a:avLst/>
+          </a:prstGeom>
+          <a:solidFill>
+            <a:schemeClr val="bg1"/>
+          </a:solidFill>
+          <a:ln w="38100">
+            <a:solidFill>
+              <a:srgbClr val="FF0000"/>
+            </a:solidFill>
+          </a:ln>
+          <a:effectLst>
+            <a:outerShdw blurRad="50800" dist="38100" dir="2700000" algn="tl" rotWithShape="0">
+              <a:prstClr val="black">
+                <a:alpha val="40000"/>
+              </a:prstClr>
+            </a:outerShdw>
+          </a:effectLst>
+        </p:spPr>
+        <p:txBody>
+          <a:bodyPr wrap="square" rtlCol="0">
+            <a:spAutoFit/>
+          </a:bodyPr>
+          <a:lstStyle/>
+          <a:p>
+            <a:r>
+              <a:rPr kumimoji="1" lang="en-US" altLang="ja-JP" sz="2400" dirty="0" err="1">
+                <a:solidFill>
+                  <a:srgbClr val="0099CC"/>
+                </a:solidFill>
+              </a:rPr>
+              <a:t>MakeBricks</a:t>
+            </a:r>
+            <a:r>
+              <a:rPr kumimoji="1" lang="ja-JP" altLang="en-US" sz="2400" dirty="0">
+                <a:solidFill>
+                  <a:srgbClr val="0099CC"/>
+                </a:solidFill>
+              </a:rPr>
+              <a:t>関数</a:t>
+            </a:r>
+            <a:r>
+              <a:rPr kumimoji="1" lang="ja-JP" altLang="en-US" sz="2400" dirty="0"/>
+              <a:t>によるブロック作成処理の実行</a:t>
+            </a:r>
+          </a:p>
+        </p:txBody>
+      </p:sp>
     </p:spTree>
     <p:extLst>
       <p:ext uri="{BB962C8B-B14F-4D97-AF65-F5344CB8AC3E}">
@@ -34280,7 +36379,7 @@
 </p:sld>
 </file>
 
-<file path=ppt/slides/slide45.xml><?xml version="1.0" encoding="utf-8"?>
+<file path=ppt/slides/slide46.xml><?xml version="1.0" encoding="utf-8"?>
 <p:sld xmlns:a="http://schemas.openxmlformats.org/drawingml/2006/main" xmlns:r="http://schemas.openxmlformats.org/officeDocument/2006/relationships" xmlns:p="http://schemas.openxmlformats.org/presentationml/2006/main">
   <p:cSld>
     <p:spTree>
@@ -35304,7 +37403,7 @@
 </p:sld>
 </file>
 
-<file path=ppt/slides/slide46.xml><?xml version="1.0" encoding="utf-8"?>
+<file path=ppt/slides/slide47.xml><?xml version="1.0" encoding="utf-8"?>
 <p:sld xmlns:a="http://schemas.openxmlformats.org/drawingml/2006/main" xmlns:r="http://schemas.openxmlformats.org/officeDocument/2006/relationships" xmlns:p="http://schemas.openxmlformats.org/presentationml/2006/main">
   <p:cSld>
     <p:spTree>
@@ -36043,7 +38142,7 @@
             <a:r>
               <a:rPr lang="en-US" altLang="ja-JP" sz="2400" dirty="0">
                 <a:solidFill>
-                  <a:srgbClr val="2B91AF"/>
+                  <a:srgbClr val="FF0000"/>
                 </a:solidFill>
                 <a:highlight>
                   <a:srgbClr val="FFFFFF"/>
@@ -36524,7 +38623,7 @@
 </p:sld>
 </file>
 
-<file path=ppt/slides/slide47.xml><?xml version="1.0" encoding="utf-8"?>
+<file path=ppt/slides/slide48.xml><?xml version="1.0" encoding="utf-8"?>
 <p:sld xmlns:a="http://schemas.openxmlformats.org/drawingml/2006/main" xmlns:r="http://schemas.openxmlformats.org/officeDocument/2006/relationships" xmlns:p="http://schemas.openxmlformats.org/presentationml/2006/main">
   <p:cSld>
     <p:spTree>
@@ -36709,7 +38808,7 @@
 </p:sld>
 </file>
 
-<file path=ppt/slides/slide48.xml><?xml version="1.0" encoding="utf-8"?>
+<file path=ppt/slides/slide49.xml><?xml version="1.0" encoding="utf-8"?>
 <p:sld xmlns:a="http://schemas.openxmlformats.org/drawingml/2006/main" xmlns:r="http://schemas.openxmlformats.org/officeDocument/2006/relationships" xmlns:p="http://schemas.openxmlformats.org/presentationml/2006/main">
   <p:cSld>
     <p:spTree>
@@ -36796,22 +38895,38 @@
           <a:lstStyle/>
           <a:p>
             <a:r>
+              <a:rPr kumimoji="1" lang="en-US" altLang="ja-JP" dirty="0">
+                <a:solidFill>
+                  <a:srgbClr val="FF0000"/>
+                </a:solidFill>
+              </a:rPr>
+              <a:t>intersects</a:t>
+            </a:r>
+            <a:r>
+              <a:rPr kumimoji="1" lang="ja-JP" altLang="en-US" dirty="0">
+                <a:solidFill>
+                  <a:srgbClr val="FF0000"/>
+                </a:solidFill>
+              </a:rPr>
+              <a:t>関数</a:t>
+            </a:r>
+            <a:br>
               <a:rPr kumimoji="1" lang="en-US" altLang="ja-JP" dirty="0"/>
+            </a:br>
+            <a:br>
+              <a:rPr kumimoji="1" lang="en-US" altLang="ja-JP" dirty="0"/>
+            </a:br>
+            <a:r>
+              <a:rPr kumimoji="1" lang="en-US" altLang="ja-JP" dirty="0" err="1"/>
+              <a:t>A.</a:t>
+            </a:r>
+            <a:r>
+              <a:rPr kumimoji="1" lang="en-US" altLang="ja-JP" dirty="0" err="1">
+                <a:solidFill>
+                  <a:srgbClr val="FF0000"/>
+                </a:solidFill>
+              </a:rPr>
               <a:t>intersects</a:t>
-            </a:r>
-            <a:r>
-              <a:rPr kumimoji="1" lang="ja-JP" altLang="en-US" dirty="0"/>
-              <a:t>関数</a:t>
-            </a:r>
-            <a:br>
-              <a:rPr kumimoji="1" lang="en-US" altLang="ja-JP" dirty="0"/>
-            </a:br>
-            <a:br>
-              <a:rPr kumimoji="1" lang="en-US" altLang="ja-JP" dirty="0"/>
-            </a:br>
-            <a:r>
-              <a:rPr kumimoji="1" lang="en-US" altLang="ja-JP" dirty="0" err="1"/>
-              <a:t>A.intersects</a:t>
             </a:r>
             <a:r>
               <a:rPr kumimoji="1" lang="en-US" altLang="ja-JP" dirty="0"/>
@@ -36854,12 +38969,24 @@
               <a:rPr kumimoji="1" lang="en-US" altLang="ja-JP" dirty="0"/>
             </a:br>
             <a:r>
-              <a:rPr kumimoji="1" lang="en-US" altLang="ja-JP" dirty="0"/>
+              <a:rPr kumimoji="1" lang="en-US" altLang="ja-JP" dirty="0">
+                <a:solidFill>
+                  <a:srgbClr val="0099CC"/>
+                </a:solidFill>
+              </a:rPr>
               <a:t>bool</a:t>
             </a:r>
             <a:r>
+              <a:rPr kumimoji="1" lang="ja-JP" altLang="en-US" dirty="0">
+                <a:solidFill>
+                  <a:srgbClr val="0099CC"/>
+                </a:solidFill>
+              </a:rPr>
+              <a:t>値</a:t>
+            </a:r>
+            <a:r>
               <a:rPr kumimoji="1" lang="ja-JP" altLang="en-US" dirty="0"/>
-              <a:t>値で返してくれる</a:t>
+              <a:t>で返してくれる</a:t>
             </a:r>
             <a:endParaRPr kumimoji="1" lang="en-US" altLang="ja-JP" dirty="0"/>
           </a:p>
@@ -36899,200 +39026,6 @@
     <p:extLst>
       <p:ext uri="{BB962C8B-B14F-4D97-AF65-F5344CB8AC3E}">
         <p14:creationId xmlns:p14="http://schemas.microsoft.com/office/powerpoint/2010/main" val="867450791"/>
-      </p:ext>
-    </p:extLst>
-  </p:cSld>
-  <p:clrMapOvr>
-    <a:masterClrMapping/>
-  </p:clrMapOvr>
-</p:sld>
-</file>
-
-<file path=ppt/slides/slide49.xml><?xml version="1.0" encoding="utf-8"?>
-<p:sld xmlns:a="http://schemas.openxmlformats.org/drawingml/2006/main" xmlns:r="http://schemas.openxmlformats.org/officeDocument/2006/relationships" xmlns:p="http://schemas.openxmlformats.org/presentationml/2006/main">
-  <p:cSld>
-    <p:spTree>
-      <p:nvGrpSpPr>
-        <p:cNvPr id="1" name="">
-          <a:extLst>
-            <a:ext uri="{FF2B5EF4-FFF2-40B4-BE49-F238E27FC236}">
-              <a16:creationId xmlns:a16="http://schemas.microsoft.com/office/drawing/2014/main" id="{0F9FF23C-ABB5-65C9-3AD3-8DD13282FEA4}"/>
-            </a:ext>
-          </a:extLst>
-        </p:cNvPr>
-        <p:cNvGrpSpPr/>
-        <p:nvPr/>
-      </p:nvGrpSpPr>
-      <p:grpSpPr>
-        <a:xfrm>
-          <a:off x="0" y="0"/>
-          <a:ext cx="0" cy="0"/>
-          <a:chOff x="0" y="0"/>
-          <a:chExt cx="0" cy="0"/>
-        </a:xfrm>
-      </p:grpSpPr>
-      <p:sp>
-        <p:nvSpPr>
-          <p:cNvPr id="2" name="タイトル 1">
-            <a:extLst>
-              <a:ext uri="{FF2B5EF4-FFF2-40B4-BE49-F238E27FC236}">
-                <a16:creationId xmlns:a16="http://schemas.microsoft.com/office/drawing/2014/main" id="{EB229B66-2816-D514-A5DA-3AE7E45B8C92}"/>
-              </a:ext>
-            </a:extLst>
-          </p:cNvPr>
-          <p:cNvSpPr>
-            <a:spLocks noGrp="1"/>
-          </p:cNvSpPr>
-          <p:nvPr>
-            <p:ph type="title"/>
-          </p:nvPr>
-        </p:nvSpPr>
-        <p:spPr/>
-        <p:txBody>
-          <a:bodyPr>
-            <a:normAutofit/>
-          </a:bodyPr>
-          <a:lstStyle/>
-          <a:p>
-            <a:r>
-              <a:rPr kumimoji="1" lang="ja-JP" altLang="en-US" dirty="0"/>
-              <a:t>演習：</a:t>
-            </a:r>
-            <a:r>
-              <a:rPr lang="en-US" altLang="ja-JP" dirty="0"/>
-              <a:t>Siv3D</a:t>
-            </a:r>
-            <a:endParaRPr kumimoji="1" lang="ja-JP" altLang="en-US" dirty="0"/>
-          </a:p>
-        </p:txBody>
-      </p:sp>
-      <p:sp>
-        <p:nvSpPr>
-          <p:cNvPr id="3" name="コンテンツ プレースホルダー 2">
-            <a:extLst>
-              <a:ext uri="{FF2B5EF4-FFF2-40B4-BE49-F238E27FC236}">
-                <a16:creationId xmlns:a16="http://schemas.microsoft.com/office/drawing/2014/main" id="{24D7805F-D1D7-128E-1755-380A70B5A188}"/>
-              </a:ext>
-            </a:extLst>
-          </p:cNvPr>
-          <p:cNvSpPr>
-            <a:spLocks noGrp="1"/>
-          </p:cNvSpPr>
-          <p:nvPr>
-            <p:ph idx="1"/>
-          </p:nvPr>
-        </p:nvSpPr>
-        <p:spPr>
-          <a:xfrm>
-            <a:off x="430306" y="1376038"/>
-            <a:ext cx="11654118" cy="5329562"/>
-          </a:xfrm>
-        </p:spPr>
-        <p:txBody>
-          <a:bodyPr>
-            <a:normAutofit/>
-          </a:bodyPr>
-          <a:lstStyle/>
-          <a:p>
-            <a:r>
-              <a:rPr kumimoji="1" lang="en-US" altLang="ja-JP" dirty="0"/>
-              <a:t>intersects</a:t>
-            </a:r>
-            <a:r>
-              <a:rPr kumimoji="1" lang="ja-JP" altLang="en-US" dirty="0"/>
-              <a:t>関数</a:t>
-            </a:r>
-            <a:br>
-              <a:rPr kumimoji="1" lang="en-US" altLang="ja-JP" dirty="0"/>
-            </a:br>
-            <a:br>
-              <a:rPr kumimoji="1" lang="en-US" altLang="ja-JP" dirty="0"/>
-            </a:br>
-            <a:r>
-              <a:rPr kumimoji="1" lang="ja-JP" altLang="en-US" dirty="0"/>
-              <a:t>すべてのブロックに対して</a:t>
-            </a:r>
-            <a:br>
-              <a:rPr kumimoji="1" lang="en-US" altLang="ja-JP" dirty="0"/>
-            </a:br>
-            <a:r>
-              <a:rPr kumimoji="1" lang="en-US" altLang="ja-JP" dirty="0"/>
-              <a:t>ball</a:t>
-            </a:r>
-            <a:r>
-              <a:rPr kumimoji="1" lang="ja-JP" altLang="en-US" dirty="0"/>
-              <a:t>と重なっているか</a:t>
-            </a:r>
-            <a:br>
-              <a:rPr kumimoji="1" lang="en-US" altLang="ja-JP" dirty="0"/>
-            </a:br>
-            <a:r>
-              <a:rPr kumimoji="1" lang="ja-JP" altLang="en-US" dirty="0"/>
-              <a:t>どうかを調べればよい！</a:t>
-            </a:r>
-            <a:br>
-              <a:rPr kumimoji="1" lang="en-US" altLang="ja-JP" dirty="0"/>
-            </a:br>
-            <a:br>
-              <a:rPr kumimoji="1" lang="en-US" altLang="ja-JP" dirty="0"/>
-            </a:br>
-            <a:r>
-              <a:rPr kumimoji="1" lang="ja-JP" altLang="en-US" dirty="0"/>
-              <a:t>重なったらブロックを配列</a:t>
-            </a:r>
-            <a:br>
-              <a:rPr kumimoji="1" lang="en-US" altLang="ja-JP" dirty="0"/>
-            </a:br>
-            <a:r>
-              <a:rPr kumimoji="1" lang="ja-JP" altLang="en-US" dirty="0"/>
-              <a:t>から消去</a:t>
-            </a:r>
-            <a:r>
-              <a:rPr kumimoji="1" lang="en-US" altLang="ja-JP" dirty="0"/>
-              <a:t>(erase)</a:t>
-            </a:r>
-            <a:r>
-              <a:rPr kumimoji="1" lang="ja-JP" altLang="en-US" dirty="0"/>
-              <a:t>する</a:t>
-            </a:r>
-            <a:endParaRPr kumimoji="1" lang="en-US" altLang="ja-JP" dirty="0"/>
-          </a:p>
-        </p:txBody>
-      </p:sp>
-      <p:pic>
-        <p:nvPicPr>
-          <p:cNvPr id="5" name="図 4">
-            <a:extLst>
-              <a:ext uri="{FF2B5EF4-FFF2-40B4-BE49-F238E27FC236}">
-                <a16:creationId xmlns:a16="http://schemas.microsoft.com/office/drawing/2014/main" id="{3F403E84-2733-353D-5E99-D25605107971}"/>
-              </a:ext>
-            </a:extLst>
-          </p:cNvPr>
-          <p:cNvPicPr>
-            <a:picLocks noChangeAspect="1"/>
-          </p:cNvPicPr>
-          <p:nvPr/>
-        </p:nvPicPr>
-        <p:blipFill>
-          <a:blip r:embed="rId2"/>
-          <a:stretch>
-            <a:fillRect/>
-          </a:stretch>
-        </p:blipFill>
-        <p:spPr>
-          <a:xfrm>
-            <a:off x="6096000" y="1249578"/>
-            <a:ext cx="5818620" cy="4581728"/>
-          </a:xfrm>
-          <a:prstGeom prst="rect">
-            <a:avLst/>
-          </a:prstGeom>
-        </p:spPr>
-      </p:pic>
-    </p:spTree>
-    <p:extLst>
-      <p:ext uri="{BB962C8B-B14F-4D97-AF65-F5344CB8AC3E}">
-        <p14:creationId xmlns:p14="http://schemas.microsoft.com/office/powerpoint/2010/main" val="2531984028"/>
       </p:ext>
     </p:extLst>
   </p:cSld>
@@ -37511,6 +39444,212 @@
         <p:cNvPr id="1" name="">
           <a:extLst>
             <a:ext uri="{FF2B5EF4-FFF2-40B4-BE49-F238E27FC236}">
+              <a16:creationId xmlns:a16="http://schemas.microsoft.com/office/drawing/2014/main" id="{0F9FF23C-ABB5-65C9-3AD3-8DD13282FEA4}"/>
+            </a:ext>
+          </a:extLst>
+        </p:cNvPr>
+        <p:cNvGrpSpPr/>
+        <p:nvPr/>
+      </p:nvGrpSpPr>
+      <p:grpSpPr>
+        <a:xfrm>
+          <a:off x="0" y="0"/>
+          <a:ext cx="0" cy="0"/>
+          <a:chOff x="0" y="0"/>
+          <a:chExt cx="0" cy="0"/>
+        </a:xfrm>
+      </p:grpSpPr>
+      <p:sp>
+        <p:nvSpPr>
+          <p:cNvPr id="2" name="タイトル 1">
+            <a:extLst>
+              <a:ext uri="{FF2B5EF4-FFF2-40B4-BE49-F238E27FC236}">
+                <a16:creationId xmlns:a16="http://schemas.microsoft.com/office/drawing/2014/main" id="{EB229B66-2816-D514-A5DA-3AE7E45B8C92}"/>
+              </a:ext>
+            </a:extLst>
+          </p:cNvPr>
+          <p:cNvSpPr>
+            <a:spLocks noGrp="1"/>
+          </p:cNvSpPr>
+          <p:nvPr>
+            <p:ph type="title"/>
+          </p:nvPr>
+        </p:nvSpPr>
+        <p:spPr/>
+        <p:txBody>
+          <a:bodyPr>
+            <a:normAutofit/>
+          </a:bodyPr>
+          <a:lstStyle/>
+          <a:p>
+            <a:r>
+              <a:rPr kumimoji="1" lang="ja-JP" altLang="en-US" dirty="0"/>
+              <a:t>演習：</a:t>
+            </a:r>
+            <a:r>
+              <a:rPr lang="en-US" altLang="ja-JP" dirty="0"/>
+              <a:t>Siv3D</a:t>
+            </a:r>
+            <a:endParaRPr kumimoji="1" lang="ja-JP" altLang="en-US" dirty="0"/>
+          </a:p>
+        </p:txBody>
+      </p:sp>
+      <p:sp>
+        <p:nvSpPr>
+          <p:cNvPr id="3" name="コンテンツ プレースホルダー 2">
+            <a:extLst>
+              <a:ext uri="{FF2B5EF4-FFF2-40B4-BE49-F238E27FC236}">
+                <a16:creationId xmlns:a16="http://schemas.microsoft.com/office/drawing/2014/main" id="{24D7805F-D1D7-128E-1755-380A70B5A188}"/>
+              </a:ext>
+            </a:extLst>
+          </p:cNvPr>
+          <p:cNvSpPr>
+            <a:spLocks noGrp="1"/>
+          </p:cNvSpPr>
+          <p:nvPr>
+            <p:ph idx="1"/>
+          </p:nvPr>
+        </p:nvSpPr>
+        <p:spPr>
+          <a:xfrm>
+            <a:off x="430306" y="1376038"/>
+            <a:ext cx="11654118" cy="5329562"/>
+          </a:xfrm>
+        </p:spPr>
+        <p:txBody>
+          <a:bodyPr>
+            <a:normAutofit/>
+          </a:bodyPr>
+          <a:lstStyle/>
+          <a:p>
+            <a:r>
+              <a:rPr kumimoji="1" lang="en-US" altLang="ja-JP" dirty="0">
+                <a:solidFill>
+                  <a:srgbClr val="FF0000"/>
+                </a:solidFill>
+              </a:rPr>
+              <a:t>intersects</a:t>
+            </a:r>
+            <a:r>
+              <a:rPr kumimoji="1" lang="ja-JP" altLang="en-US" dirty="0">
+                <a:solidFill>
+                  <a:srgbClr val="FF0000"/>
+                </a:solidFill>
+              </a:rPr>
+              <a:t>関数</a:t>
+            </a:r>
+            <a:br>
+              <a:rPr kumimoji="1" lang="en-US" altLang="ja-JP" dirty="0"/>
+            </a:br>
+            <a:br>
+              <a:rPr kumimoji="1" lang="en-US" altLang="ja-JP" dirty="0"/>
+            </a:br>
+            <a:r>
+              <a:rPr kumimoji="1" lang="ja-JP" altLang="en-US" dirty="0"/>
+              <a:t>すべてのブロックに対して</a:t>
+            </a:r>
+            <a:br>
+              <a:rPr kumimoji="1" lang="en-US" altLang="ja-JP" dirty="0"/>
+            </a:br>
+            <a:r>
+              <a:rPr kumimoji="1" lang="en-US" altLang="ja-JP" dirty="0">
+                <a:solidFill>
+                  <a:srgbClr val="00B050"/>
+                </a:solidFill>
+              </a:rPr>
+              <a:t>ball</a:t>
+            </a:r>
+            <a:r>
+              <a:rPr kumimoji="1" lang="ja-JP" altLang="en-US" dirty="0"/>
+              <a:t>と重なっているか</a:t>
+            </a:r>
+            <a:br>
+              <a:rPr kumimoji="1" lang="en-US" altLang="ja-JP" dirty="0"/>
+            </a:br>
+            <a:r>
+              <a:rPr kumimoji="1" lang="ja-JP" altLang="en-US" dirty="0"/>
+              <a:t>どうかを調べればよい！</a:t>
+            </a:r>
+            <a:br>
+              <a:rPr kumimoji="1" lang="en-US" altLang="ja-JP" dirty="0"/>
+            </a:br>
+            <a:br>
+              <a:rPr kumimoji="1" lang="en-US" altLang="ja-JP" dirty="0"/>
+            </a:br>
+            <a:r>
+              <a:rPr kumimoji="1" lang="ja-JP" altLang="en-US" dirty="0"/>
+              <a:t>重なったらブロックを配列</a:t>
+            </a:r>
+            <a:br>
+              <a:rPr kumimoji="1" lang="en-US" altLang="ja-JP" dirty="0"/>
+            </a:br>
+            <a:r>
+              <a:rPr kumimoji="1" lang="ja-JP" altLang="en-US" dirty="0"/>
+              <a:t>から消去</a:t>
+            </a:r>
+            <a:r>
+              <a:rPr kumimoji="1" lang="en-US" altLang="ja-JP" dirty="0"/>
+              <a:t>(erase)</a:t>
+            </a:r>
+            <a:r>
+              <a:rPr kumimoji="1" lang="ja-JP" altLang="en-US" dirty="0"/>
+              <a:t>する</a:t>
+            </a:r>
+            <a:endParaRPr kumimoji="1" lang="en-US" altLang="ja-JP" dirty="0"/>
+          </a:p>
+        </p:txBody>
+      </p:sp>
+      <p:pic>
+        <p:nvPicPr>
+          <p:cNvPr id="5" name="図 4">
+            <a:extLst>
+              <a:ext uri="{FF2B5EF4-FFF2-40B4-BE49-F238E27FC236}">
+                <a16:creationId xmlns:a16="http://schemas.microsoft.com/office/drawing/2014/main" id="{3F403E84-2733-353D-5E99-D25605107971}"/>
+              </a:ext>
+            </a:extLst>
+          </p:cNvPr>
+          <p:cNvPicPr>
+            <a:picLocks noChangeAspect="1"/>
+          </p:cNvPicPr>
+          <p:nvPr/>
+        </p:nvPicPr>
+        <p:blipFill>
+          <a:blip r:embed="rId2"/>
+          <a:stretch>
+            <a:fillRect/>
+          </a:stretch>
+        </p:blipFill>
+        <p:spPr>
+          <a:xfrm>
+            <a:off x="6096000" y="1249578"/>
+            <a:ext cx="5818620" cy="4581728"/>
+          </a:xfrm>
+          <a:prstGeom prst="rect">
+            <a:avLst/>
+          </a:prstGeom>
+        </p:spPr>
+      </p:pic>
+    </p:spTree>
+    <p:extLst>
+      <p:ext uri="{BB962C8B-B14F-4D97-AF65-F5344CB8AC3E}">
+        <p14:creationId xmlns:p14="http://schemas.microsoft.com/office/powerpoint/2010/main" val="2531984028"/>
+      </p:ext>
+    </p:extLst>
+  </p:cSld>
+  <p:clrMapOvr>
+    <a:masterClrMapping/>
+  </p:clrMapOvr>
+</p:sld>
+</file>
+
+<file path=ppt/slides/slide51.xml><?xml version="1.0" encoding="utf-8"?>
+<p:sld xmlns:a="http://schemas.openxmlformats.org/drawingml/2006/main" xmlns:r="http://schemas.openxmlformats.org/officeDocument/2006/relationships" xmlns:p="http://schemas.openxmlformats.org/presentationml/2006/main">
+  <p:cSld>
+    <p:spTree>
+      <p:nvGrpSpPr>
+        <p:cNvPr id="1" name="">
+          <a:extLst>
+            <a:ext uri="{FF2B5EF4-FFF2-40B4-BE49-F238E27FC236}">
               <a16:creationId xmlns:a16="http://schemas.microsoft.com/office/drawing/2014/main" id="{4B85CF5D-5141-A250-F680-EAA3BDF70FEA}"/>
             </a:ext>
           </a:extLst>
@@ -39353,6 +41492,2046 @@
     <p:extLst>
       <p:ext uri="{BB962C8B-B14F-4D97-AF65-F5344CB8AC3E}">
         <p14:creationId xmlns:p14="http://schemas.microsoft.com/office/powerpoint/2010/main" val="3611730223"/>
+      </p:ext>
+    </p:extLst>
+  </p:cSld>
+  <p:clrMapOvr>
+    <a:masterClrMapping/>
+  </p:clrMapOvr>
+</p:sld>
+</file>
+
+<file path=ppt/slides/slide52.xml><?xml version="1.0" encoding="utf-8"?>
+<p:sld xmlns:a="http://schemas.openxmlformats.org/drawingml/2006/main" xmlns:r="http://schemas.openxmlformats.org/officeDocument/2006/relationships" xmlns:p="http://schemas.openxmlformats.org/presentationml/2006/main">
+  <p:cSld>
+    <p:spTree>
+      <p:nvGrpSpPr>
+        <p:cNvPr id="1" name="">
+          <a:extLst>
+            <a:ext uri="{FF2B5EF4-FFF2-40B4-BE49-F238E27FC236}">
+              <a16:creationId xmlns:a16="http://schemas.microsoft.com/office/drawing/2014/main" id="{53BD4F5D-9AAD-428B-BF15-83FF1328EBDB}"/>
+            </a:ext>
+          </a:extLst>
+        </p:cNvPr>
+        <p:cNvGrpSpPr/>
+        <p:nvPr/>
+      </p:nvGrpSpPr>
+      <p:grpSpPr>
+        <a:xfrm>
+          <a:off x="0" y="0"/>
+          <a:ext cx="0" cy="0"/>
+          <a:chOff x="0" y="0"/>
+          <a:chExt cx="0" cy="0"/>
+        </a:xfrm>
+      </p:grpSpPr>
+      <p:sp>
+        <p:nvSpPr>
+          <p:cNvPr id="2" name="タイトル 1">
+            <a:extLst>
+              <a:ext uri="{FF2B5EF4-FFF2-40B4-BE49-F238E27FC236}">
+                <a16:creationId xmlns:a16="http://schemas.microsoft.com/office/drawing/2014/main" id="{0C920839-684F-74E6-D327-E4F61E8F85EB}"/>
+              </a:ext>
+            </a:extLst>
+          </p:cNvPr>
+          <p:cNvSpPr>
+            <a:spLocks noGrp="1"/>
+          </p:cNvSpPr>
+          <p:nvPr>
+            <p:ph type="title"/>
+          </p:nvPr>
+        </p:nvSpPr>
+        <p:spPr/>
+        <p:txBody>
+          <a:bodyPr>
+            <a:normAutofit/>
+          </a:bodyPr>
+          <a:lstStyle/>
+          <a:p>
+            <a:r>
+              <a:rPr kumimoji="1" lang="ja-JP" altLang="en-US" dirty="0"/>
+              <a:t>演習：</a:t>
+            </a:r>
+            <a:r>
+              <a:rPr lang="en-US" altLang="ja-JP" dirty="0"/>
+              <a:t>Siv3D</a:t>
+            </a:r>
+            <a:endParaRPr kumimoji="1" lang="ja-JP" altLang="en-US" dirty="0"/>
+          </a:p>
+        </p:txBody>
+      </p:sp>
+      <p:sp>
+        <p:nvSpPr>
+          <p:cNvPr id="4" name="コンテンツ プレースホルダー 2">
+            <a:extLst>
+              <a:ext uri="{FF2B5EF4-FFF2-40B4-BE49-F238E27FC236}">
+                <a16:creationId xmlns:a16="http://schemas.microsoft.com/office/drawing/2014/main" id="{B931ABFB-7771-159B-A935-BCBBD0FD41C1}"/>
+              </a:ext>
+            </a:extLst>
+          </p:cNvPr>
+          <p:cNvSpPr txBox="1">
+            <a:spLocks/>
+          </p:cNvSpPr>
+          <p:nvPr/>
+        </p:nvSpPr>
+        <p:spPr>
+          <a:xfrm>
+            <a:off x="731195" y="1162976"/>
+            <a:ext cx="11136549" cy="5626930"/>
+          </a:xfrm>
+          <a:prstGeom prst="rect">
+            <a:avLst/>
+          </a:prstGeom>
+          <a:solidFill>
+            <a:schemeClr val="bg1"/>
+          </a:solidFill>
+          <a:ln>
+            <a:solidFill>
+              <a:schemeClr val="tx1"/>
+            </a:solidFill>
+          </a:ln>
+        </p:spPr>
+        <p:txBody>
+          <a:bodyPr vert="horz" lIns="91440" tIns="45720" rIns="91440" bIns="45720" rtlCol="0">
+            <a:noAutofit/>
+          </a:bodyPr>
+          <a:lstStyle>
+            <a:lvl1pPr marL="228600" indent="-228600" algn="l" defTabSz="914400" rtl="0" eaLnBrk="1" latinLnBrk="0" hangingPunct="1">
+              <a:lnSpc>
+                <a:spcPct val="90000"/>
+              </a:lnSpc>
+              <a:spcBef>
+                <a:spcPts val="1000"/>
+              </a:spcBef>
+              <a:buFont typeface="Arial" panose="020B0604020202020204" pitchFamily="34" charset="0"/>
+              <a:buChar char="•"/>
+              <a:defRPr kumimoji="1" sz="3600" kern="1200">
+                <a:solidFill>
+                  <a:schemeClr val="tx1"/>
+                </a:solidFill>
+                <a:latin typeface="+mn-lt"/>
+                <a:ea typeface="+mn-ea"/>
+                <a:cs typeface="+mn-cs"/>
+              </a:defRPr>
+            </a:lvl1pPr>
+            <a:lvl2pPr marL="685800" indent="-228600" algn="l" defTabSz="914400" rtl="0" eaLnBrk="1" latinLnBrk="0" hangingPunct="1">
+              <a:lnSpc>
+                <a:spcPct val="90000"/>
+              </a:lnSpc>
+              <a:spcBef>
+                <a:spcPts val="500"/>
+              </a:spcBef>
+              <a:buFont typeface="Arial" panose="020B0604020202020204" pitchFamily="34" charset="0"/>
+              <a:buChar char="•"/>
+              <a:defRPr kumimoji="1" sz="3200" kern="1200">
+                <a:solidFill>
+                  <a:schemeClr val="tx1"/>
+                </a:solidFill>
+                <a:latin typeface="+mn-lt"/>
+                <a:ea typeface="+mn-ea"/>
+                <a:cs typeface="+mn-cs"/>
+              </a:defRPr>
+            </a:lvl2pPr>
+            <a:lvl3pPr marL="1143000" indent="-228600" algn="l" defTabSz="914400" rtl="0" eaLnBrk="1" latinLnBrk="0" hangingPunct="1">
+              <a:lnSpc>
+                <a:spcPct val="90000"/>
+              </a:lnSpc>
+              <a:spcBef>
+                <a:spcPts val="500"/>
+              </a:spcBef>
+              <a:buFont typeface="Arial" panose="020B0604020202020204" pitchFamily="34" charset="0"/>
+              <a:buChar char="•"/>
+              <a:defRPr kumimoji="1" sz="2800" kern="1200">
+                <a:solidFill>
+                  <a:schemeClr val="tx1"/>
+                </a:solidFill>
+                <a:latin typeface="+mn-lt"/>
+                <a:ea typeface="+mn-ea"/>
+                <a:cs typeface="+mn-cs"/>
+              </a:defRPr>
+            </a:lvl3pPr>
+            <a:lvl4pPr marL="1600200" indent="-228600" algn="l" defTabSz="914400" rtl="0" eaLnBrk="1" latinLnBrk="0" hangingPunct="1">
+              <a:lnSpc>
+                <a:spcPct val="90000"/>
+              </a:lnSpc>
+              <a:spcBef>
+                <a:spcPts val="500"/>
+              </a:spcBef>
+              <a:buFont typeface="Arial" panose="020B0604020202020204" pitchFamily="34" charset="0"/>
+              <a:buChar char="•"/>
+              <a:defRPr kumimoji="1" sz="2400" kern="1200">
+                <a:solidFill>
+                  <a:schemeClr val="tx1"/>
+                </a:solidFill>
+                <a:latin typeface="+mn-lt"/>
+                <a:ea typeface="+mn-ea"/>
+                <a:cs typeface="+mn-cs"/>
+              </a:defRPr>
+            </a:lvl4pPr>
+            <a:lvl5pPr marL="2057400" indent="-228600" algn="l" defTabSz="914400" rtl="0" eaLnBrk="1" latinLnBrk="0" hangingPunct="1">
+              <a:lnSpc>
+                <a:spcPct val="90000"/>
+              </a:lnSpc>
+              <a:spcBef>
+                <a:spcPts val="500"/>
+              </a:spcBef>
+              <a:buFont typeface="Arial" panose="020B0604020202020204" pitchFamily="34" charset="0"/>
+              <a:buChar char="•"/>
+              <a:defRPr kumimoji="1" sz="2400" kern="1200">
+                <a:solidFill>
+                  <a:schemeClr val="tx1"/>
+                </a:solidFill>
+                <a:latin typeface="+mn-lt"/>
+                <a:ea typeface="+mn-ea"/>
+                <a:cs typeface="+mn-cs"/>
+              </a:defRPr>
+            </a:lvl5pPr>
+            <a:lvl6pPr marL="2514600" indent="-228600" algn="l" defTabSz="914400" rtl="0" eaLnBrk="1" latinLnBrk="0" hangingPunct="1">
+              <a:lnSpc>
+                <a:spcPct val="90000"/>
+              </a:lnSpc>
+              <a:spcBef>
+                <a:spcPts val="500"/>
+              </a:spcBef>
+              <a:buFont typeface="Arial" panose="020B0604020202020204" pitchFamily="34" charset="0"/>
+              <a:buChar char="•"/>
+              <a:defRPr kumimoji="1" sz="1800" kern="1200">
+                <a:solidFill>
+                  <a:schemeClr val="tx1"/>
+                </a:solidFill>
+                <a:latin typeface="+mn-lt"/>
+                <a:ea typeface="+mn-ea"/>
+                <a:cs typeface="+mn-cs"/>
+              </a:defRPr>
+            </a:lvl6pPr>
+            <a:lvl7pPr marL="2971800" indent="-228600" algn="l" defTabSz="914400" rtl="0" eaLnBrk="1" latinLnBrk="0" hangingPunct="1">
+              <a:lnSpc>
+                <a:spcPct val="90000"/>
+              </a:lnSpc>
+              <a:spcBef>
+                <a:spcPts val="500"/>
+              </a:spcBef>
+              <a:buFont typeface="Arial" panose="020B0604020202020204" pitchFamily="34" charset="0"/>
+              <a:buChar char="•"/>
+              <a:defRPr kumimoji="1" sz="1800" kern="1200">
+                <a:solidFill>
+                  <a:schemeClr val="tx1"/>
+                </a:solidFill>
+                <a:latin typeface="+mn-lt"/>
+                <a:ea typeface="+mn-ea"/>
+                <a:cs typeface="+mn-cs"/>
+              </a:defRPr>
+            </a:lvl7pPr>
+            <a:lvl8pPr marL="3429000" indent="-228600" algn="l" defTabSz="914400" rtl="0" eaLnBrk="1" latinLnBrk="0" hangingPunct="1">
+              <a:lnSpc>
+                <a:spcPct val="90000"/>
+              </a:lnSpc>
+              <a:spcBef>
+                <a:spcPts val="500"/>
+              </a:spcBef>
+              <a:buFont typeface="Arial" panose="020B0604020202020204" pitchFamily="34" charset="0"/>
+              <a:buChar char="•"/>
+              <a:defRPr kumimoji="1" sz="1800" kern="1200">
+                <a:solidFill>
+                  <a:schemeClr val="tx1"/>
+                </a:solidFill>
+                <a:latin typeface="+mn-lt"/>
+                <a:ea typeface="+mn-ea"/>
+                <a:cs typeface="+mn-cs"/>
+              </a:defRPr>
+            </a:lvl8pPr>
+            <a:lvl9pPr marL="3886200" indent="-228600" algn="l" defTabSz="914400" rtl="0" eaLnBrk="1" latinLnBrk="0" hangingPunct="1">
+              <a:lnSpc>
+                <a:spcPct val="90000"/>
+              </a:lnSpc>
+              <a:spcBef>
+                <a:spcPts val="500"/>
+              </a:spcBef>
+              <a:buFont typeface="Arial" panose="020B0604020202020204" pitchFamily="34" charset="0"/>
+              <a:buChar char="•"/>
+              <a:defRPr kumimoji="1" sz="1800" kern="1200">
+                <a:solidFill>
+                  <a:schemeClr val="tx1"/>
+                </a:solidFill>
+                <a:latin typeface="+mn-lt"/>
+                <a:ea typeface="+mn-ea"/>
+                <a:cs typeface="+mn-cs"/>
+              </a:defRPr>
+            </a:lvl9pPr>
+          </a:lstStyle>
+          <a:p>
+            <a:pPr marL="0" indent="0">
+              <a:buNone/>
+            </a:pPr>
+            <a:r>
+              <a:rPr lang="en-US" altLang="ja-JP" sz="2200" dirty="0">
+                <a:solidFill>
+                  <a:srgbClr val="008000"/>
+                </a:solidFill>
+                <a:highlight>
+                  <a:srgbClr val="FFFFFF"/>
+                </a:highlight>
+                <a:latin typeface="ＭＳ ゴシック" panose="020B0609070205080204" pitchFamily="49" charset="-128"/>
+                <a:ea typeface="ＭＳ ゴシック" panose="020B0609070205080204" pitchFamily="49" charset="-128"/>
+              </a:rPr>
+              <a:t>   // </a:t>
+            </a:r>
+            <a:r>
+              <a:rPr lang="ja-JP" altLang="en-US" sz="2200" dirty="0">
+                <a:solidFill>
+                  <a:srgbClr val="008000"/>
+                </a:solidFill>
+                <a:highlight>
+                  <a:srgbClr val="FFFFFF"/>
+                </a:highlight>
+                <a:latin typeface="ＭＳ ゴシック" panose="020B0609070205080204" pitchFamily="49" charset="-128"/>
+                <a:ea typeface="ＭＳ ゴシック" panose="020B0609070205080204" pitchFamily="49" charset="-128"/>
+              </a:rPr>
+              <a:t>ブロックを一個ずつ順に衝突チェック</a:t>
+            </a:r>
+            <a:br>
+              <a:rPr lang="en-US" altLang="ja-JP" sz="2200" dirty="0">
+                <a:solidFill>
+                  <a:srgbClr val="000000"/>
+                </a:solidFill>
+                <a:highlight>
+                  <a:srgbClr val="FFFFFF"/>
+                </a:highlight>
+                <a:latin typeface="ＭＳ ゴシック" panose="020B0609070205080204" pitchFamily="49" charset="-128"/>
+                <a:ea typeface="ＭＳ ゴシック" panose="020B0609070205080204" pitchFamily="49" charset="-128"/>
+              </a:rPr>
+            </a:br>
+            <a:r>
+              <a:rPr lang="en-US" altLang="ja-JP" sz="2200" dirty="0">
+                <a:solidFill>
+                  <a:srgbClr val="000000"/>
+                </a:solidFill>
+                <a:highlight>
+                  <a:srgbClr val="FFFFFF"/>
+                </a:highlight>
+                <a:latin typeface="ＭＳ ゴシック" panose="020B0609070205080204" pitchFamily="49" charset="-128"/>
+                <a:ea typeface="ＭＳ ゴシック" panose="020B0609070205080204" pitchFamily="49" charset="-128"/>
+              </a:rPr>
+              <a:t>   </a:t>
+            </a:r>
+            <a:r>
+              <a:rPr lang="es-ES" altLang="ja-JP" sz="2200" dirty="0">
+                <a:solidFill>
+                  <a:srgbClr val="0000FF"/>
+                </a:solidFill>
+                <a:highlight>
+                  <a:srgbClr val="FFFFFF"/>
+                </a:highlight>
+                <a:ea typeface="ＭＳ ゴシック" panose="020B0609070205080204" pitchFamily="49" charset="-128"/>
+              </a:rPr>
+              <a:t>for</a:t>
+            </a:r>
+            <a:r>
+              <a:rPr lang="es-ES" altLang="ja-JP" sz="2200" dirty="0">
+                <a:solidFill>
+                  <a:srgbClr val="000000"/>
+                </a:solidFill>
+                <a:highlight>
+                  <a:srgbClr val="FFFFFF"/>
+                </a:highlight>
+                <a:ea typeface="ＭＳ ゴシック" panose="020B0609070205080204" pitchFamily="49" charset="-128"/>
+              </a:rPr>
+              <a:t> (</a:t>
+            </a:r>
+            <a:r>
+              <a:rPr lang="es-ES" altLang="ja-JP" sz="2200" dirty="0">
+                <a:solidFill>
+                  <a:srgbClr val="2B91AF"/>
+                </a:solidFill>
+                <a:highlight>
+                  <a:srgbClr val="FFFFFF"/>
+                </a:highlight>
+                <a:ea typeface="ＭＳ ゴシック" panose="020B0609070205080204" pitchFamily="49" charset="-128"/>
+              </a:rPr>
+              <a:t>int32</a:t>
+            </a:r>
+            <a:r>
+              <a:rPr lang="es-ES" altLang="ja-JP" sz="2200" dirty="0">
+                <a:solidFill>
+                  <a:srgbClr val="000000"/>
+                </a:solidFill>
+                <a:highlight>
+                  <a:srgbClr val="FFFFFF"/>
+                </a:highlight>
+                <a:ea typeface="ＭＳ ゴシック" panose="020B0609070205080204" pitchFamily="49" charset="-128"/>
+              </a:rPr>
+              <a:t> y = 0; y &lt; bricks.size(); ++y) {</a:t>
+            </a:r>
+            <a:br>
+              <a:rPr lang="es-ES" altLang="ja-JP" sz="2200" dirty="0">
+                <a:solidFill>
+                  <a:srgbClr val="000000"/>
+                </a:solidFill>
+                <a:highlight>
+                  <a:srgbClr val="FFFFFF"/>
+                </a:highlight>
+                <a:ea typeface="ＭＳ ゴシック" panose="020B0609070205080204" pitchFamily="49" charset="-128"/>
+              </a:rPr>
+            </a:br>
+            <a:r>
+              <a:rPr lang="es-ES" altLang="ja-JP" sz="2200" dirty="0">
+                <a:solidFill>
+                  <a:srgbClr val="000000"/>
+                </a:solidFill>
+                <a:highlight>
+                  <a:srgbClr val="FFFFFF"/>
+                </a:highlight>
+                <a:ea typeface="ＭＳ ゴシック" panose="020B0609070205080204" pitchFamily="49" charset="-128"/>
+              </a:rPr>
+              <a:t>    </a:t>
+            </a:r>
+            <a:r>
+              <a:rPr lang="en-US" altLang="ja-JP" sz="2200" dirty="0">
+                <a:solidFill>
+                  <a:srgbClr val="0000FF"/>
+                </a:solidFill>
+                <a:highlight>
+                  <a:srgbClr val="FFFFFF"/>
+                </a:highlight>
+                <a:ea typeface="ＭＳ ゴシック" panose="020B0609070205080204" pitchFamily="49" charset="-128"/>
+              </a:rPr>
+              <a:t>for</a:t>
+            </a:r>
+            <a:r>
+              <a:rPr lang="en-US" altLang="ja-JP" sz="2200" dirty="0">
+                <a:solidFill>
+                  <a:srgbClr val="000000"/>
+                </a:solidFill>
+                <a:highlight>
+                  <a:srgbClr val="FFFFFF"/>
+                </a:highlight>
+                <a:ea typeface="ＭＳ ゴシック" panose="020B0609070205080204" pitchFamily="49" charset="-128"/>
+              </a:rPr>
+              <a:t> (</a:t>
+            </a:r>
+            <a:r>
+              <a:rPr lang="en-US" altLang="ja-JP" sz="2200" dirty="0">
+                <a:solidFill>
+                  <a:srgbClr val="2B91AF"/>
+                </a:solidFill>
+                <a:highlight>
+                  <a:srgbClr val="FFFFFF"/>
+                </a:highlight>
+                <a:ea typeface="ＭＳ ゴシック" panose="020B0609070205080204" pitchFamily="49" charset="-128"/>
+              </a:rPr>
+              <a:t>int32</a:t>
+            </a:r>
+            <a:r>
+              <a:rPr lang="en-US" altLang="ja-JP" sz="2200" dirty="0">
+                <a:solidFill>
+                  <a:srgbClr val="000000"/>
+                </a:solidFill>
+                <a:highlight>
+                  <a:srgbClr val="FFFFFF"/>
+                </a:highlight>
+                <a:ea typeface="ＭＳ ゴシック" panose="020B0609070205080204" pitchFamily="49" charset="-128"/>
+              </a:rPr>
+              <a:t> x = 0; x &lt; bricks</a:t>
+            </a:r>
+            <a:r>
+              <a:rPr lang="en-US" altLang="ja-JP" sz="2200" dirty="0">
+                <a:solidFill>
+                  <a:srgbClr val="008080"/>
+                </a:solidFill>
+                <a:highlight>
+                  <a:srgbClr val="FFFFFF"/>
+                </a:highlight>
+                <a:ea typeface="ＭＳ ゴシック" panose="020B0609070205080204" pitchFamily="49" charset="-128"/>
+              </a:rPr>
+              <a:t>[</a:t>
+            </a:r>
+            <a:r>
+              <a:rPr lang="en-US" altLang="ja-JP" sz="2200" dirty="0">
+                <a:solidFill>
+                  <a:srgbClr val="000000"/>
+                </a:solidFill>
+                <a:highlight>
+                  <a:srgbClr val="FFFFFF"/>
+                </a:highlight>
+                <a:ea typeface="ＭＳ ゴシック" panose="020B0609070205080204" pitchFamily="49" charset="-128"/>
+              </a:rPr>
+              <a:t>y</a:t>
+            </a:r>
+            <a:r>
+              <a:rPr lang="en-US" altLang="ja-JP" sz="2200" dirty="0">
+                <a:solidFill>
+                  <a:srgbClr val="008080"/>
+                </a:solidFill>
+                <a:highlight>
+                  <a:srgbClr val="FFFFFF"/>
+                </a:highlight>
+                <a:ea typeface="ＭＳ ゴシック" panose="020B0609070205080204" pitchFamily="49" charset="-128"/>
+              </a:rPr>
+              <a:t>]</a:t>
+            </a:r>
+            <a:r>
+              <a:rPr lang="en-US" altLang="ja-JP" sz="2200" dirty="0">
+                <a:solidFill>
+                  <a:srgbClr val="000000"/>
+                </a:solidFill>
+                <a:highlight>
+                  <a:srgbClr val="FFFFFF"/>
+                </a:highlight>
+                <a:ea typeface="ＭＳ ゴシック" panose="020B0609070205080204" pitchFamily="49" charset="-128"/>
+              </a:rPr>
+              <a:t>.size(); ++x) {</a:t>
+            </a:r>
+          </a:p>
+          <a:p>
+            <a:pPr marL="0" indent="0">
+              <a:buNone/>
+            </a:pPr>
+            <a:r>
+              <a:rPr lang="en-US" altLang="ja-JP" sz="2200" dirty="0">
+                <a:solidFill>
+                  <a:srgbClr val="000000"/>
+                </a:solidFill>
+                <a:highlight>
+                  <a:srgbClr val="FFFFFF"/>
+                </a:highlight>
+                <a:ea typeface="ＭＳ ゴシック" panose="020B0609070205080204" pitchFamily="49" charset="-128"/>
+              </a:rPr>
+              <a:t>      </a:t>
+            </a:r>
+            <a:r>
+              <a:rPr lang="en-US" altLang="ja-JP" sz="2200" dirty="0">
+                <a:solidFill>
+                  <a:srgbClr val="0000FF"/>
+                </a:solidFill>
+                <a:highlight>
+                  <a:srgbClr val="FFFFFF"/>
+                </a:highlight>
+                <a:ea typeface="ＭＳ ゴシック" panose="020B0609070205080204" pitchFamily="49" charset="-128"/>
+              </a:rPr>
+              <a:t>if</a:t>
+            </a:r>
+            <a:r>
+              <a:rPr lang="en-US" altLang="ja-JP" sz="2200" dirty="0">
+                <a:solidFill>
+                  <a:srgbClr val="000000"/>
+                </a:solidFill>
+                <a:highlight>
+                  <a:srgbClr val="FFFFFF"/>
+                </a:highlight>
+                <a:ea typeface="ＭＳ ゴシック" panose="020B0609070205080204" pitchFamily="49" charset="-128"/>
+              </a:rPr>
+              <a:t> (</a:t>
+            </a:r>
+            <a:r>
+              <a:rPr lang="en-US" altLang="ja-JP" sz="2200" dirty="0">
+                <a:solidFill>
+                  <a:srgbClr val="0000FF"/>
+                </a:solidFill>
+                <a:highlight>
+                  <a:srgbClr val="FFFFFF"/>
+                </a:highlight>
+                <a:ea typeface="ＭＳ ゴシック" panose="020B0609070205080204" pitchFamily="49" charset="-128"/>
+              </a:rPr>
+              <a:t>bricks[y][x]-&gt;intersects(ball)</a:t>
+            </a:r>
+            <a:r>
+              <a:rPr lang="en-US" altLang="ja-JP" sz="2200" dirty="0">
+                <a:solidFill>
+                  <a:srgbClr val="000000"/>
+                </a:solidFill>
+                <a:highlight>
+                  <a:srgbClr val="FFFFFF"/>
+                </a:highlight>
+                <a:ea typeface="ＭＳ ゴシック" panose="020B0609070205080204" pitchFamily="49" charset="-128"/>
+              </a:rPr>
+              <a:t>) {</a:t>
+            </a:r>
+            <a:r>
+              <a:rPr lang="en-US" altLang="ja-JP" sz="2200" dirty="0">
+                <a:solidFill>
+                  <a:srgbClr val="008000"/>
+                </a:solidFill>
+                <a:highlight>
+                  <a:srgbClr val="FFFFFF"/>
+                </a:highlight>
+                <a:latin typeface="ＭＳ ゴシック" panose="020B0609070205080204" pitchFamily="49" charset="-128"/>
+                <a:ea typeface="ＭＳ ゴシック" panose="020B0609070205080204" pitchFamily="49" charset="-128"/>
+              </a:rPr>
+              <a:t> //</a:t>
+            </a:r>
+            <a:r>
+              <a:rPr lang="ja-JP" altLang="en-US" sz="2200" dirty="0">
+                <a:solidFill>
+                  <a:srgbClr val="008000"/>
+                </a:solidFill>
+                <a:highlight>
+                  <a:srgbClr val="FFFFFF"/>
+                </a:highlight>
+                <a:latin typeface="ＭＳ ゴシック" panose="020B0609070205080204" pitchFamily="49" charset="-128"/>
+                <a:ea typeface="ＭＳ ゴシック" panose="020B0609070205080204" pitchFamily="49" charset="-128"/>
+              </a:rPr>
+              <a:t>衝突チェックが</a:t>
+            </a:r>
+            <a:r>
+              <a:rPr lang="en-US" altLang="ja-JP" sz="2200" dirty="0">
+                <a:solidFill>
+                  <a:srgbClr val="008000"/>
+                </a:solidFill>
+                <a:highlight>
+                  <a:srgbClr val="FFFFFF"/>
+                </a:highlight>
+                <a:latin typeface="ＭＳ ゴシック" panose="020B0609070205080204" pitchFamily="49" charset="-128"/>
+                <a:ea typeface="ＭＳ ゴシック" panose="020B0609070205080204" pitchFamily="49" charset="-128"/>
+              </a:rPr>
+              <a:t>true</a:t>
+            </a:r>
+            <a:br>
+              <a:rPr lang="en-US" altLang="ja-JP" sz="2200" dirty="0">
+                <a:solidFill>
+                  <a:srgbClr val="000000"/>
+                </a:solidFill>
+                <a:highlight>
+                  <a:srgbClr val="FFFFFF"/>
+                </a:highlight>
+                <a:ea typeface="ＭＳ ゴシック" panose="020B0609070205080204" pitchFamily="49" charset="-128"/>
+              </a:rPr>
+            </a:br>
+            <a:r>
+              <a:rPr lang="en-US" altLang="ja-JP" sz="2200" dirty="0">
+                <a:solidFill>
+                  <a:srgbClr val="000000"/>
+                </a:solidFill>
+                <a:highlight>
+                  <a:srgbClr val="FFFFFF"/>
+                </a:highlight>
+                <a:ea typeface="ＭＳ ゴシック" panose="020B0609070205080204" pitchFamily="49" charset="-128"/>
+              </a:rPr>
+              <a:t>        </a:t>
+            </a:r>
+            <a:r>
+              <a:rPr lang="en-US" altLang="ja-JP" sz="2200" dirty="0">
+                <a:solidFill>
+                  <a:srgbClr val="008000"/>
+                </a:solidFill>
+                <a:highlight>
+                  <a:srgbClr val="FFFFFF"/>
+                </a:highlight>
+                <a:latin typeface="ＭＳ ゴシック" panose="020B0609070205080204" pitchFamily="49" charset="-128"/>
+                <a:ea typeface="ＭＳ ゴシック" panose="020B0609070205080204" pitchFamily="49" charset="-128"/>
+              </a:rPr>
+              <a:t>// </a:t>
+            </a:r>
+            <a:r>
+              <a:rPr lang="ja-JP" altLang="en-US" sz="2200" dirty="0">
+                <a:solidFill>
+                  <a:srgbClr val="008000"/>
+                </a:solidFill>
+                <a:highlight>
+                  <a:srgbClr val="FFFFFF"/>
+                </a:highlight>
+                <a:latin typeface="ＭＳ ゴシック" panose="020B0609070205080204" pitchFamily="49" charset="-128"/>
+                <a:ea typeface="ＭＳ ゴシック" panose="020B0609070205080204" pitchFamily="49" charset="-128"/>
+              </a:rPr>
+              <a:t>ブロックの上辺もしくは底辺と交差していたら</a:t>
+            </a:r>
+            <a:br>
+              <a:rPr lang="en-US" altLang="ja-JP" sz="2200" dirty="0">
+                <a:solidFill>
+                  <a:srgbClr val="000000"/>
+                </a:solidFill>
+                <a:highlight>
+                  <a:srgbClr val="FFFFFF"/>
+                </a:highlight>
+                <a:latin typeface="ＭＳ ゴシック" panose="020B0609070205080204" pitchFamily="49" charset="-128"/>
+                <a:ea typeface="ＭＳ ゴシック" panose="020B0609070205080204" pitchFamily="49" charset="-128"/>
+              </a:rPr>
+            </a:br>
+            <a:r>
+              <a:rPr lang="en-US" altLang="ja-JP" sz="2200" dirty="0">
+                <a:solidFill>
+                  <a:srgbClr val="000000"/>
+                </a:solidFill>
+                <a:highlight>
+                  <a:srgbClr val="FFFFFF"/>
+                </a:highlight>
+                <a:latin typeface="ＭＳ ゴシック" panose="020B0609070205080204" pitchFamily="49" charset="-128"/>
+                <a:ea typeface="ＭＳ ゴシック" panose="020B0609070205080204" pitchFamily="49" charset="-128"/>
+              </a:rPr>
+              <a:t>          </a:t>
+            </a:r>
+            <a:r>
+              <a:rPr lang="en-US" altLang="ja-JP" sz="2200" dirty="0">
+                <a:solidFill>
+                  <a:srgbClr val="0000FF"/>
+                </a:solidFill>
+                <a:highlight>
+                  <a:srgbClr val="FFFFFF"/>
+                </a:highlight>
+                <a:ea typeface="ＭＳ ゴシック" panose="020B0609070205080204" pitchFamily="49" charset="-128"/>
+              </a:rPr>
+              <a:t>if</a:t>
+            </a:r>
+            <a:r>
+              <a:rPr lang="en-US" altLang="ja-JP" sz="2200" dirty="0">
+                <a:solidFill>
+                  <a:srgbClr val="000000"/>
+                </a:solidFill>
+                <a:highlight>
+                  <a:srgbClr val="FFFFFF"/>
+                </a:highlight>
+                <a:ea typeface="ＭＳ ゴシック" panose="020B0609070205080204" pitchFamily="49" charset="-128"/>
+              </a:rPr>
+              <a:t> (bricks</a:t>
+            </a:r>
+            <a:r>
+              <a:rPr lang="en-US" altLang="ja-JP" sz="2200" dirty="0">
+                <a:solidFill>
+                  <a:srgbClr val="008080"/>
+                </a:solidFill>
+                <a:highlight>
+                  <a:srgbClr val="FFFFFF"/>
+                </a:highlight>
+                <a:ea typeface="ＭＳ ゴシック" panose="020B0609070205080204" pitchFamily="49" charset="-128"/>
+              </a:rPr>
+              <a:t>[</a:t>
+            </a:r>
+            <a:r>
+              <a:rPr lang="en-US" altLang="ja-JP" sz="2200" dirty="0">
+                <a:solidFill>
+                  <a:srgbClr val="000000"/>
+                </a:solidFill>
+                <a:highlight>
+                  <a:srgbClr val="FFFFFF"/>
+                </a:highlight>
+                <a:ea typeface="ＭＳ ゴシック" panose="020B0609070205080204" pitchFamily="49" charset="-128"/>
+              </a:rPr>
+              <a:t>y</a:t>
+            </a:r>
+            <a:r>
+              <a:rPr lang="en-US" altLang="ja-JP" sz="2200" dirty="0">
+                <a:solidFill>
+                  <a:srgbClr val="008080"/>
+                </a:solidFill>
+                <a:highlight>
+                  <a:srgbClr val="FFFFFF"/>
+                </a:highlight>
+                <a:ea typeface="ＭＳ ゴシック" panose="020B0609070205080204" pitchFamily="49" charset="-128"/>
+              </a:rPr>
+              <a:t>][</a:t>
+            </a:r>
+            <a:r>
+              <a:rPr lang="en-US" altLang="ja-JP" sz="2200" dirty="0">
+                <a:solidFill>
+                  <a:srgbClr val="000000"/>
+                </a:solidFill>
+                <a:highlight>
+                  <a:srgbClr val="FFFFFF"/>
+                </a:highlight>
+                <a:ea typeface="ＭＳ ゴシック" panose="020B0609070205080204" pitchFamily="49" charset="-128"/>
+              </a:rPr>
+              <a:t>x</a:t>
+            </a:r>
+            <a:r>
+              <a:rPr lang="en-US" altLang="ja-JP" sz="2200" dirty="0">
+                <a:solidFill>
+                  <a:srgbClr val="008080"/>
+                </a:solidFill>
+                <a:highlight>
+                  <a:srgbClr val="FFFFFF"/>
+                </a:highlight>
+                <a:ea typeface="ＭＳ ゴシック" panose="020B0609070205080204" pitchFamily="49" charset="-128"/>
+              </a:rPr>
+              <a:t>]</a:t>
+            </a:r>
+            <a:r>
+              <a:rPr lang="en-US" altLang="ja-JP" sz="2200" dirty="0">
+                <a:solidFill>
+                  <a:srgbClr val="000000"/>
+                </a:solidFill>
+                <a:highlight>
+                  <a:srgbClr val="FFFFFF"/>
+                </a:highlight>
+                <a:ea typeface="ＭＳ ゴシック" panose="020B0609070205080204" pitchFamily="49" charset="-128"/>
+              </a:rPr>
+              <a:t>-&gt;</a:t>
+            </a:r>
+            <a:r>
+              <a:rPr lang="en-US" altLang="ja-JP" sz="2200" dirty="0">
+                <a:solidFill>
+                  <a:srgbClr val="0000FF"/>
+                </a:solidFill>
+                <a:highlight>
+                  <a:srgbClr val="FFFFFF"/>
+                </a:highlight>
+                <a:ea typeface="ＭＳ ゴシック" panose="020B0609070205080204" pitchFamily="49" charset="-128"/>
+              </a:rPr>
+              <a:t>bottom()</a:t>
+            </a:r>
+            <a:r>
+              <a:rPr lang="en-US" altLang="ja-JP" sz="2200" dirty="0">
+                <a:solidFill>
+                  <a:srgbClr val="000000"/>
+                </a:solidFill>
+                <a:highlight>
+                  <a:srgbClr val="FFFFFF"/>
+                </a:highlight>
+                <a:ea typeface="ＭＳ ゴシック" panose="020B0609070205080204" pitchFamily="49" charset="-128"/>
+              </a:rPr>
+              <a:t>.</a:t>
+            </a:r>
+            <a:r>
+              <a:rPr lang="en-US" altLang="ja-JP" sz="2200" dirty="0">
+                <a:solidFill>
+                  <a:srgbClr val="0000FF"/>
+                </a:solidFill>
+                <a:highlight>
+                  <a:srgbClr val="FFFFFF"/>
+                </a:highlight>
+                <a:ea typeface="ＭＳ ゴシック" panose="020B0609070205080204" pitchFamily="49" charset="-128"/>
+              </a:rPr>
+              <a:t>intersects(ball)</a:t>
+            </a:r>
+            <a:br>
+              <a:rPr lang="en-US" altLang="ja-JP" sz="2200" dirty="0">
+                <a:solidFill>
+                  <a:srgbClr val="0000FF"/>
+                </a:solidFill>
+                <a:highlight>
+                  <a:srgbClr val="FFFFFF"/>
+                </a:highlight>
+                <a:ea typeface="ＭＳ ゴシック" panose="020B0609070205080204" pitchFamily="49" charset="-128"/>
+              </a:rPr>
+            </a:br>
+            <a:r>
+              <a:rPr lang="en-US" altLang="ja-JP" sz="2200" dirty="0">
+                <a:solidFill>
+                  <a:srgbClr val="000000"/>
+                </a:solidFill>
+                <a:highlight>
+                  <a:srgbClr val="FFFFFF"/>
+                </a:highlight>
+                <a:ea typeface="ＭＳ ゴシック" panose="020B0609070205080204" pitchFamily="49" charset="-128"/>
+              </a:rPr>
+              <a:t>            || bricks</a:t>
+            </a:r>
+            <a:r>
+              <a:rPr lang="en-US" altLang="ja-JP" sz="2200" dirty="0">
+                <a:solidFill>
+                  <a:srgbClr val="008080"/>
+                </a:solidFill>
+                <a:highlight>
+                  <a:srgbClr val="FFFFFF"/>
+                </a:highlight>
+                <a:ea typeface="ＭＳ ゴシック" panose="020B0609070205080204" pitchFamily="49" charset="-128"/>
+              </a:rPr>
+              <a:t>[</a:t>
+            </a:r>
+            <a:r>
+              <a:rPr lang="en-US" altLang="ja-JP" sz="2200" dirty="0">
+                <a:solidFill>
+                  <a:srgbClr val="000000"/>
+                </a:solidFill>
+                <a:highlight>
+                  <a:srgbClr val="FFFFFF"/>
+                </a:highlight>
+                <a:ea typeface="ＭＳ ゴシック" panose="020B0609070205080204" pitchFamily="49" charset="-128"/>
+              </a:rPr>
+              <a:t>y</a:t>
+            </a:r>
+            <a:r>
+              <a:rPr lang="en-US" altLang="ja-JP" sz="2200" dirty="0">
+                <a:solidFill>
+                  <a:srgbClr val="008080"/>
+                </a:solidFill>
+                <a:highlight>
+                  <a:srgbClr val="FFFFFF"/>
+                </a:highlight>
+                <a:ea typeface="ＭＳ ゴシック" panose="020B0609070205080204" pitchFamily="49" charset="-128"/>
+              </a:rPr>
+              <a:t>][</a:t>
+            </a:r>
+            <a:r>
+              <a:rPr lang="en-US" altLang="ja-JP" sz="2200" dirty="0">
+                <a:solidFill>
+                  <a:srgbClr val="000000"/>
+                </a:solidFill>
+                <a:highlight>
+                  <a:srgbClr val="FFFFFF"/>
+                </a:highlight>
+                <a:ea typeface="ＭＳ ゴシック" panose="020B0609070205080204" pitchFamily="49" charset="-128"/>
+              </a:rPr>
+              <a:t>x</a:t>
+            </a:r>
+            <a:r>
+              <a:rPr lang="en-US" altLang="ja-JP" sz="2200" dirty="0">
+                <a:solidFill>
+                  <a:srgbClr val="008080"/>
+                </a:solidFill>
+                <a:highlight>
+                  <a:srgbClr val="FFFFFF"/>
+                </a:highlight>
+                <a:ea typeface="ＭＳ ゴシック" panose="020B0609070205080204" pitchFamily="49" charset="-128"/>
+              </a:rPr>
+              <a:t>]</a:t>
+            </a:r>
+            <a:r>
+              <a:rPr lang="en-US" altLang="ja-JP" sz="2200" dirty="0">
+                <a:solidFill>
+                  <a:srgbClr val="000000"/>
+                </a:solidFill>
+                <a:highlight>
+                  <a:srgbClr val="FFFFFF"/>
+                </a:highlight>
+                <a:ea typeface="ＭＳ ゴシック" panose="020B0609070205080204" pitchFamily="49" charset="-128"/>
+              </a:rPr>
+              <a:t>-&gt;</a:t>
+            </a:r>
+            <a:r>
+              <a:rPr lang="en-US" altLang="ja-JP" sz="2200" dirty="0">
+                <a:solidFill>
+                  <a:srgbClr val="0000FF"/>
+                </a:solidFill>
+                <a:highlight>
+                  <a:srgbClr val="FFFFFF"/>
+                </a:highlight>
+                <a:ea typeface="ＭＳ ゴシック" panose="020B0609070205080204" pitchFamily="49" charset="-128"/>
+              </a:rPr>
+              <a:t>top()</a:t>
+            </a:r>
+            <a:r>
+              <a:rPr lang="en-US" altLang="ja-JP" sz="2200" dirty="0">
+                <a:solidFill>
+                  <a:srgbClr val="000000"/>
+                </a:solidFill>
+                <a:highlight>
+                  <a:srgbClr val="FFFFFF"/>
+                </a:highlight>
+                <a:ea typeface="ＭＳ ゴシック" panose="020B0609070205080204" pitchFamily="49" charset="-128"/>
+              </a:rPr>
+              <a:t>.</a:t>
+            </a:r>
+            <a:r>
+              <a:rPr lang="en-US" altLang="ja-JP" sz="2200" dirty="0">
+                <a:solidFill>
+                  <a:srgbClr val="0000FF"/>
+                </a:solidFill>
+                <a:highlight>
+                  <a:srgbClr val="FFFFFF"/>
+                </a:highlight>
+                <a:ea typeface="ＭＳ ゴシック" panose="020B0609070205080204" pitchFamily="49" charset="-128"/>
+              </a:rPr>
+              <a:t>intersects(ball)</a:t>
+            </a:r>
+            <a:r>
+              <a:rPr lang="en-US" altLang="ja-JP" sz="2200" dirty="0">
+                <a:solidFill>
+                  <a:srgbClr val="000000"/>
+                </a:solidFill>
+                <a:highlight>
+                  <a:srgbClr val="FFFFFF"/>
+                </a:highlight>
+                <a:ea typeface="ＭＳ ゴシック" panose="020B0609070205080204" pitchFamily="49" charset="-128"/>
+              </a:rPr>
+              <a:t>) {</a:t>
+            </a:r>
+            <a:br>
+              <a:rPr lang="en-US" altLang="ja-JP" sz="2200" dirty="0">
+                <a:solidFill>
+                  <a:srgbClr val="000000"/>
+                </a:solidFill>
+                <a:highlight>
+                  <a:srgbClr val="FFFFFF"/>
+                </a:highlight>
+                <a:ea typeface="ＭＳ ゴシック" panose="020B0609070205080204" pitchFamily="49" charset="-128"/>
+              </a:rPr>
+            </a:br>
+            <a:r>
+              <a:rPr lang="en-US" altLang="ja-JP" sz="2200" dirty="0">
+                <a:solidFill>
+                  <a:srgbClr val="000000"/>
+                </a:solidFill>
+                <a:highlight>
+                  <a:srgbClr val="FFFFFF"/>
+                </a:highlight>
+                <a:ea typeface="ＭＳ ゴシック" panose="020B0609070205080204" pitchFamily="49" charset="-128"/>
+              </a:rPr>
+              <a:t>           </a:t>
+            </a:r>
+            <a:r>
+              <a:rPr lang="en-US" altLang="ja-JP" sz="2200" dirty="0" err="1">
+                <a:solidFill>
+                  <a:srgbClr val="000000"/>
+                </a:solidFill>
+                <a:highlight>
+                  <a:srgbClr val="FFFFFF"/>
+                </a:highlight>
+                <a:ea typeface="ＭＳ ゴシック" panose="020B0609070205080204" pitchFamily="49" charset="-128"/>
+              </a:rPr>
+              <a:t>ballVelocity.y</a:t>
+            </a:r>
+            <a:r>
+              <a:rPr lang="en-US" altLang="ja-JP" sz="2200" dirty="0">
+                <a:solidFill>
+                  <a:srgbClr val="000000"/>
+                </a:solidFill>
+                <a:highlight>
+                  <a:srgbClr val="FFFFFF"/>
+                </a:highlight>
+                <a:ea typeface="ＭＳ ゴシック" panose="020B0609070205080204" pitchFamily="49" charset="-128"/>
+              </a:rPr>
+              <a:t> *= -1;</a:t>
+            </a:r>
+            <a:r>
+              <a:rPr lang="en-US" altLang="ja-JP" sz="2200" dirty="0">
+                <a:solidFill>
+                  <a:srgbClr val="008000"/>
+                </a:solidFill>
+                <a:highlight>
+                  <a:srgbClr val="FFFFFF"/>
+                </a:highlight>
+                <a:latin typeface="ＭＳ ゴシック" panose="020B0609070205080204" pitchFamily="49" charset="-128"/>
+                <a:ea typeface="ＭＳ ゴシック" panose="020B0609070205080204" pitchFamily="49" charset="-128"/>
+              </a:rPr>
+              <a:t> // </a:t>
+            </a:r>
+            <a:r>
+              <a:rPr lang="ja-JP" altLang="en-US" sz="2200" dirty="0">
+                <a:solidFill>
+                  <a:srgbClr val="008000"/>
+                </a:solidFill>
+                <a:highlight>
+                  <a:srgbClr val="FFFFFF"/>
+                </a:highlight>
+                <a:latin typeface="ＭＳ ゴシック" panose="020B0609070205080204" pitchFamily="49" charset="-128"/>
+                <a:ea typeface="ＭＳ ゴシック" panose="020B0609070205080204" pitchFamily="49" charset="-128"/>
+              </a:rPr>
+              <a:t>ボールの速度の </a:t>
+            </a:r>
+            <a:r>
+              <a:rPr lang="en-US" altLang="ja-JP" sz="2200" dirty="0">
+                <a:solidFill>
+                  <a:srgbClr val="008000"/>
+                </a:solidFill>
+                <a:highlight>
+                  <a:srgbClr val="FFFFFF"/>
+                </a:highlight>
+                <a:latin typeface="ＭＳ ゴシック" panose="020B0609070205080204" pitchFamily="49" charset="-128"/>
+                <a:ea typeface="ＭＳ ゴシック" panose="020B0609070205080204" pitchFamily="49" charset="-128"/>
+              </a:rPr>
+              <a:t>Y </a:t>
+            </a:r>
+            <a:r>
+              <a:rPr lang="ja-JP" altLang="en-US" sz="2200" dirty="0">
+                <a:solidFill>
+                  <a:srgbClr val="008000"/>
+                </a:solidFill>
+                <a:highlight>
+                  <a:srgbClr val="FFFFFF"/>
+                </a:highlight>
+                <a:latin typeface="ＭＳ ゴシック" panose="020B0609070205080204" pitchFamily="49" charset="-128"/>
+                <a:ea typeface="ＭＳ ゴシック" panose="020B0609070205080204" pitchFamily="49" charset="-128"/>
+              </a:rPr>
+              <a:t>成分を反転</a:t>
+            </a:r>
+            <a:br>
+              <a:rPr lang="en-US" altLang="ja-JP" sz="2200" dirty="0">
+                <a:solidFill>
+                  <a:srgbClr val="000000"/>
+                </a:solidFill>
+                <a:highlight>
+                  <a:srgbClr val="FFFFFF"/>
+                </a:highlight>
+                <a:latin typeface="ＭＳ ゴシック" panose="020B0609070205080204" pitchFamily="49" charset="-128"/>
+                <a:ea typeface="ＭＳ ゴシック" panose="020B0609070205080204" pitchFamily="49" charset="-128"/>
+              </a:rPr>
+            </a:br>
+            <a:r>
+              <a:rPr lang="en-US" altLang="ja-JP" sz="2200" dirty="0">
+                <a:solidFill>
+                  <a:srgbClr val="000000"/>
+                </a:solidFill>
+                <a:highlight>
+                  <a:srgbClr val="FFFFFF"/>
+                </a:highlight>
+                <a:latin typeface="ＭＳ ゴシック" panose="020B0609070205080204" pitchFamily="49" charset="-128"/>
+                <a:ea typeface="ＭＳ ゴシック" panose="020B0609070205080204" pitchFamily="49" charset="-128"/>
+              </a:rPr>
+              <a:t>          </a:t>
+            </a:r>
+            <a:r>
+              <a:rPr lang="en-US" altLang="ja-JP" sz="2200" dirty="0">
+                <a:solidFill>
+                  <a:srgbClr val="000000"/>
+                </a:solidFill>
+                <a:highlight>
+                  <a:srgbClr val="FFFFFF"/>
+                </a:highlight>
+                <a:ea typeface="ＭＳ ゴシック" panose="020B0609070205080204" pitchFamily="49" charset="-128"/>
+              </a:rPr>
+              <a:t>}</a:t>
+            </a:r>
+            <a:r>
+              <a:rPr lang="en-US" altLang="ja-JP" sz="2200" dirty="0">
+                <a:solidFill>
+                  <a:srgbClr val="000000"/>
+                </a:solidFill>
+                <a:highlight>
+                  <a:srgbClr val="FFFFFF"/>
+                </a:highlight>
+                <a:latin typeface="ＭＳ ゴシック" panose="020B0609070205080204" pitchFamily="49" charset="-128"/>
+                <a:ea typeface="ＭＳ ゴシック" panose="020B0609070205080204" pitchFamily="49" charset="-128"/>
+              </a:rPr>
+              <a:t> </a:t>
+            </a:r>
+            <a:r>
+              <a:rPr lang="en-US" altLang="ja-JP" sz="2200" dirty="0">
+                <a:solidFill>
+                  <a:srgbClr val="0000FF"/>
+                </a:solidFill>
+                <a:highlight>
+                  <a:srgbClr val="FFFFFF"/>
+                </a:highlight>
+                <a:ea typeface="ＭＳ ゴシック" panose="020B0609070205080204" pitchFamily="49" charset="-128"/>
+              </a:rPr>
+              <a:t>else</a:t>
+            </a:r>
+            <a:r>
+              <a:rPr lang="en-US" altLang="ja-JP" sz="2200" dirty="0">
+                <a:solidFill>
+                  <a:srgbClr val="000000"/>
+                </a:solidFill>
+                <a:highlight>
+                  <a:srgbClr val="FFFFFF"/>
+                </a:highlight>
+                <a:ea typeface="ＭＳ ゴシック" panose="020B0609070205080204" pitchFamily="49" charset="-128"/>
+              </a:rPr>
+              <a:t> {</a:t>
+            </a:r>
+            <a:br>
+              <a:rPr lang="en-US" altLang="ja-JP" sz="2200" dirty="0">
+                <a:solidFill>
+                  <a:srgbClr val="000000"/>
+                </a:solidFill>
+                <a:highlight>
+                  <a:srgbClr val="FFFFFF"/>
+                </a:highlight>
+                <a:latin typeface="ＭＳ ゴシック" panose="020B0609070205080204" pitchFamily="49" charset="-128"/>
+                <a:ea typeface="ＭＳ ゴシック" panose="020B0609070205080204" pitchFamily="49" charset="-128"/>
+              </a:rPr>
+            </a:br>
+            <a:r>
+              <a:rPr lang="en-US" altLang="ja-JP" sz="2200" dirty="0">
+                <a:solidFill>
+                  <a:srgbClr val="000000"/>
+                </a:solidFill>
+                <a:highlight>
+                  <a:srgbClr val="FFFFFF"/>
+                </a:highlight>
+                <a:latin typeface="ＭＳ ゴシック" panose="020B0609070205080204" pitchFamily="49" charset="-128"/>
+                <a:ea typeface="ＭＳ ゴシック" panose="020B0609070205080204" pitchFamily="49" charset="-128"/>
+              </a:rPr>
+              <a:t>              </a:t>
+            </a:r>
+            <a:r>
+              <a:rPr lang="en-US" altLang="ja-JP" sz="2200" dirty="0" err="1">
+                <a:solidFill>
+                  <a:srgbClr val="000000"/>
+                </a:solidFill>
+                <a:highlight>
+                  <a:srgbClr val="FFFFFF"/>
+                </a:highlight>
+                <a:ea typeface="ＭＳ ゴシック" panose="020B0609070205080204" pitchFamily="49" charset="-128"/>
+              </a:rPr>
+              <a:t>ballVelocity.x</a:t>
+            </a:r>
+            <a:r>
+              <a:rPr lang="en-US" altLang="ja-JP" sz="2200" dirty="0">
+                <a:solidFill>
+                  <a:srgbClr val="000000"/>
+                </a:solidFill>
+                <a:highlight>
+                  <a:srgbClr val="FFFFFF"/>
+                </a:highlight>
+                <a:ea typeface="ＭＳ ゴシック" panose="020B0609070205080204" pitchFamily="49" charset="-128"/>
+              </a:rPr>
+              <a:t> *= -1;</a:t>
+            </a:r>
+            <a:r>
+              <a:rPr lang="en-US" altLang="ja-JP" sz="2200" dirty="0">
+                <a:solidFill>
+                  <a:srgbClr val="008000"/>
+                </a:solidFill>
+                <a:highlight>
+                  <a:srgbClr val="FFFFFF"/>
+                </a:highlight>
+                <a:latin typeface="ＭＳ ゴシック" panose="020B0609070205080204" pitchFamily="49" charset="-128"/>
+                <a:ea typeface="ＭＳ ゴシック" panose="020B0609070205080204" pitchFamily="49" charset="-128"/>
+              </a:rPr>
+              <a:t> // </a:t>
+            </a:r>
+            <a:r>
+              <a:rPr lang="ja-JP" altLang="en-US" sz="2200" dirty="0">
+                <a:solidFill>
+                  <a:srgbClr val="008000"/>
+                </a:solidFill>
+                <a:highlight>
+                  <a:srgbClr val="FFFFFF"/>
+                </a:highlight>
+                <a:latin typeface="ＭＳ ゴシック" panose="020B0609070205080204" pitchFamily="49" charset="-128"/>
+                <a:ea typeface="ＭＳ ゴシック" panose="020B0609070205080204" pitchFamily="49" charset="-128"/>
+              </a:rPr>
+              <a:t>ボールの速度の </a:t>
+            </a:r>
+            <a:r>
+              <a:rPr lang="en-US" altLang="ja-JP" sz="2200" dirty="0">
+                <a:solidFill>
+                  <a:srgbClr val="008000"/>
+                </a:solidFill>
+                <a:highlight>
+                  <a:srgbClr val="FFFFFF"/>
+                </a:highlight>
+                <a:latin typeface="ＭＳ ゴシック" panose="020B0609070205080204" pitchFamily="49" charset="-128"/>
+                <a:ea typeface="ＭＳ ゴシック" panose="020B0609070205080204" pitchFamily="49" charset="-128"/>
+              </a:rPr>
+              <a:t>X </a:t>
+            </a:r>
+            <a:r>
+              <a:rPr lang="ja-JP" altLang="en-US" sz="2200" dirty="0">
+                <a:solidFill>
+                  <a:srgbClr val="008000"/>
+                </a:solidFill>
+                <a:highlight>
+                  <a:srgbClr val="FFFFFF"/>
+                </a:highlight>
+                <a:latin typeface="ＭＳ ゴシック" panose="020B0609070205080204" pitchFamily="49" charset="-128"/>
+                <a:ea typeface="ＭＳ ゴシック" panose="020B0609070205080204" pitchFamily="49" charset="-128"/>
+              </a:rPr>
+              <a:t>成分を反転</a:t>
+            </a:r>
+            <a:br>
+              <a:rPr lang="en-US" altLang="ja-JP" sz="2200" dirty="0">
+                <a:solidFill>
+                  <a:srgbClr val="000000"/>
+                </a:solidFill>
+                <a:highlight>
+                  <a:srgbClr val="FFFFFF"/>
+                </a:highlight>
+                <a:ea typeface="ＭＳ ゴシック" panose="020B0609070205080204" pitchFamily="49" charset="-128"/>
+              </a:rPr>
+            </a:br>
+            <a:r>
+              <a:rPr lang="en-US" altLang="ja-JP" sz="2200" dirty="0">
+                <a:solidFill>
+                  <a:srgbClr val="000000"/>
+                </a:solidFill>
+                <a:highlight>
+                  <a:srgbClr val="FFFFFF"/>
+                </a:highlight>
+                <a:ea typeface="ＭＳ ゴシック" panose="020B0609070205080204" pitchFamily="49" charset="-128"/>
+              </a:rPr>
+              <a:t>        }</a:t>
+            </a:r>
+            <a:br>
+              <a:rPr lang="en-US" altLang="ja-JP" sz="2200" dirty="0">
+                <a:solidFill>
+                  <a:srgbClr val="000000"/>
+                </a:solidFill>
+                <a:highlight>
+                  <a:srgbClr val="FFFFFF"/>
+                </a:highlight>
+                <a:ea typeface="ＭＳ ゴシック" panose="020B0609070205080204" pitchFamily="49" charset="-128"/>
+              </a:rPr>
+            </a:br>
+            <a:r>
+              <a:rPr lang="en-US" altLang="ja-JP" sz="2200" dirty="0">
+                <a:solidFill>
+                  <a:srgbClr val="000000"/>
+                </a:solidFill>
+                <a:highlight>
+                  <a:srgbClr val="FFFFFF"/>
+                </a:highlight>
+                <a:ea typeface="ＭＳ ゴシック" panose="020B0609070205080204" pitchFamily="49" charset="-128"/>
+              </a:rPr>
+              <a:t>        </a:t>
+            </a:r>
+            <a:r>
+              <a:rPr lang="en-US" altLang="ja-JP" sz="2200" dirty="0">
+                <a:solidFill>
+                  <a:srgbClr val="0000FF"/>
+                </a:solidFill>
+                <a:highlight>
+                  <a:srgbClr val="FFFFFF"/>
+                </a:highlight>
+                <a:ea typeface="ＭＳ ゴシック" panose="020B0609070205080204" pitchFamily="49" charset="-128"/>
+              </a:rPr>
+              <a:t>delete</a:t>
+            </a:r>
+            <a:r>
+              <a:rPr lang="en-US" altLang="ja-JP" sz="2200" dirty="0">
+                <a:solidFill>
+                  <a:srgbClr val="000000"/>
+                </a:solidFill>
+                <a:highlight>
+                  <a:srgbClr val="FFFFFF"/>
+                </a:highlight>
+                <a:ea typeface="ＭＳ ゴシック" panose="020B0609070205080204" pitchFamily="49" charset="-128"/>
+              </a:rPr>
+              <a:t> *(bricks</a:t>
+            </a:r>
+            <a:r>
+              <a:rPr lang="en-US" altLang="ja-JP" sz="2200" dirty="0">
+                <a:solidFill>
+                  <a:srgbClr val="008080"/>
+                </a:solidFill>
+                <a:highlight>
+                  <a:srgbClr val="FFFFFF"/>
+                </a:highlight>
+                <a:ea typeface="ＭＳ ゴシック" panose="020B0609070205080204" pitchFamily="49" charset="-128"/>
+              </a:rPr>
+              <a:t>[</a:t>
+            </a:r>
+            <a:r>
+              <a:rPr lang="en-US" altLang="ja-JP" sz="2200" dirty="0">
+                <a:solidFill>
+                  <a:srgbClr val="000000"/>
+                </a:solidFill>
+                <a:highlight>
+                  <a:srgbClr val="FFFFFF"/>
+                </a:highlight>
+                <a:ea typeface="ＭＳ ゴシック" panose="020B0609070205080204" pitchFamily="49" charset="-128"/>
+              </a:rPr>
+              <a:t>y</a:t>
+            </a:r>
+            <a:r>
+              <a:rPr lang="en-US" altLang="ja-JP" sz="2200" dirty="0">
+                <a:solidFill>
+                  <a:srgbClr val="008080"/>
+                </a:solidFill>
+                <a:highlight>
+                  <a:srgbClr val="FFFFFF"/>
+                </a:highlight>
+                <a:ea typeface="ＭＳ ゴシック" panose="020B0609070205080204" pitchFamily="49" charset="-128"/>
+              </a:rPr>
+              <a:t>]</a:t>
+            </a:r>
+            <a:r>
+              <a:rPr lang="en-US" altLang="ja-JP" sz="2200" dirty="0">
+                <a:solidFill>
+                  <a:srgbClr val="000000"/>
+                </a:solidFill>
+                <a:highlight>
+                  <a:srgbClr val="FFFFFF"/>
+                </a:highlight>
+                <a:ea typeface="ＭＳ ゴシック" panose="020B0609070205080204" pitchFamily="49" charset="-128"/>
+              </a:rPr>
+              <a:t>.begin() </a:t>
+            </a:r>
+            <a:r>
+              <a:rPr lang="en-US" altLang="ja-JP" sz="2200" dirty="0">
+                <a:solidFill>
+                  <a:srgbClr val="008080"/>
+                </a:solidFill>
+                <a:highlight>
+                  <a:srgbClr val="FFFFFF"/>
+                </a:highlight>
+                <a:ea typeface="ＭＳ ゴシック" panose="020B0609070205080204" pitchFamily="49" charset="-128"/>
+              </a:rPr>
+              <a:t>+</a:t>
+            </a:r>
+            <a:r>
+              <a:rPr lang="en-US" altLang="ja-JP" sz="2200" dirty="0">
+                <a:solidFill>
+                  <a:srgbClr val="000000"/>
+                </a:solidFill>
+                <a:highlight>
+                  <a:srgbClr val="FFFFFF"/>
+                </a:highlight>
+                <a:ea typeface="ＭＳ ゴシック" panose="020B0609070205080204" pitchFamily="49" charset="-128"/>
+              </a:rPr>
+              <a:t> x); </a:t>
+            </a:r>
+            <a:r>
+              <a:rPr lang="en-US" altLang="ja-JP" sz="2200" dirty="0">
+                <a:solidFill>
+                  <a:srgbClr val="008000"/>
+                </a:solidFill>
+                <a:highlight>
+                  <a:srgbClr val="FFFFFF"/>
+                </a:highlight>
+                <a:latin typeface="ＭＳ ゴシック" panose="020B0609070205080204" pitchFamily="49" charset="-128"/>
+                <a:ea typeface="ＭＳ ゴシック" panose="020B0609070205080204" pitchFamily="49" charset="-128"/>
+              </a:rPr>
+              <a:t>//</a:t>
+            </a:r>
+            <a:r>
+              <a:rPr lang="ja-JP" altLang="en-US" sz="2200" dirty="0">
+                <a:solidFill>
+                  <a:srgbClr val="008000"/>
+                </a:solidFill>
+                <a:highlight>
+                  <a:srgbClr val="FFFFFF"/>
+                </a:highlight>
+                <a:latin typeface="ＭＳ ゴシック" panose="020B0609070205080204" pitchFamily="49" charset="-128"/>
+                <a:ea typeface="ＭＳ ゴシック" panose="020B0609070205080204" pitchFamily="49" charset="-128"/>
+              </a:rPr>
+              <a:t>ブロックのメモリ領域削除</a:t>
+            </a:r>
+            <a:br>
+              <a:rPr lang="en-US" altLang="ja-JP" sz="2200" dirty="0">
+                <a:solidFill>
+                  <a:srgbClr val="008000"/>
+                </a:solidFill>
+                <a:highlight>
+                  <a:srgbClr val="FFFFFF"/>
+                </a:highlight>
+                <a:latin typeface="ＭＳ ゴシック" panose="020B0609070205080204" pitchFamily="49" charset="-128"/>
+                <a:ea typeface="ＭＳ ゴシック" panose="020B0609070205080204" pitchFamily="49" charset="-128"/>
+              </a:rPr>
+            </a:br>
+            <a:r>
+              <a:rPr lang="en-US" altLang="ja-JP" sz="2200" dirty="0">
+                <a:solidFill>
+                  <a:srgbClr val="000000"/>
+                </a:solidFill>
+                <a:highlight>
+                  <a:srgbClr val="FFFFFF"/>
+                </a:highlight>
+                <a:latin typeface="ＭＳ ゴシック" panose="020B0609070205080204" pitchFamily="49" charset="-128"/>
+                <a:ea typeface="ＭＳ ゴシック" panose="020B0609070205080204" pitchFamily="49" charset="-128"/>
+              </a:rPr>
+              <a:t>          </a:t>
+            </a:r>
+            <a:r>
+              <a:rPr lang="en-US" altLang="ja-JP" sz="2200" dirty="0">
+                <a:solidFill>
+                  <a:srgbClr val="000000"/>
+                </a:solidFill>
+                <a:highlight>
+                  <a:srgbClr val="FFFFFF"/>
+                </a:highlight>
+                <a:ea typeface="ＭＳ ゴシック" panose="020B0609070205080204" pitchFamily="49" charset="-128"/>
+              </a:rPr>
+              <a:t>bricks</a:t>
+            </a:r>
+            <a:r>
+              <a:rPr lang="en-US" altLang="ja-JP" sz="2200" dirty="0">
+                <a:solidFill>
+                  <a:srgbClr val="008080"/>
+                </a:solidFill>
+                <a:highlight>
+                  <a:srgbClr val="FFFFFF"/>
+                </a:highlight>
+                <a:ea typeface="ＭＳ ゴシック" panose="020B0609070205080204" pitchFamily="49" charset="-128"/>
+              </a:rPr>
+              <a:t>[</a:t>
+            </a:r>
+            <a:r>
+              <a:rPr lang="en-US" altLang="ja-JP" sz="2200" dirty="0">
+                <a:solidFill>
+                  <a:srgbClr val="000000"/>
+                </a:solidFill>
+                <a:highlight>
+                  <a:srgbClr val="FFFFFF"/>
+                </a:highlight>
+                <a:ea typeface="ＭＳ ゴシック" panose="020B0609070205080204" pitchFamily="49" charset="-128"/>
+              </a:rPr>
+              <a:t>y</a:t>
+            </a:r>
+            <a:r>
+              <a:rPr lang="en-US" altLang="ja-JP" sz="2200" dirty="0">
+                <a:solidFill>
+                  <a:srgbClr val="008080"/>
+                </a:solidFill>
+                <a:highlight>
+                  <a:srgbClr val="FFFFFF"/>
+                </a:highlight>
+                <a:ea typeface="ＭＳ ゴシック" panose="020B0609070205080204" pitchFamily="49" charset="-128"/>
+              </a:rPr>
+              <a:t>]</a:t>
+            </a:r>
+            <a:r>
+              <a:rPr lang="en-US" altLang="ja-JP" sz="2200" dirty="0">
+                <a:solidFill>
+                  <a:srgbClr val="000000"/>
+                </a:solidFill>
+                <a:highlight>
+                  <a:srgbClr val="FFFFFF"/>
+                </a:highlight>
+                <a:ea typeface="ＭＳ ゴシック" panose="020B0609070205080204" pitchFamily="49" charset="-128"/>
+              </a:rPr>
+              <a:t>.erase(bricks</a:t>
+            </a:r>
+            <a:r>
+              <a:rPr lang="en-US" altLang="ja-JP" sz="2200" dirty="0">
+                <a:solidFill>
+                  <a:srgbClr val="008080"/>
+                </a:solidFill>
+                <a:highlight>
+                  <a:srgbClr val="FFFFFF"/>
+                </a:highlight>
+                <a:ea typeface="ＭＳ ゴシック" panose="020B0609070205080204" pitchFamily="49" charset="-128"/>
+              </a:rPr>
+              <a:t>[</a:t>
+            </a:r>
+            <a:r>
+              <a:rPr lang="en-US" altLang="ja-JP" sz="2200" dirty="0">
+                <a:solidFill>
+                  <a:srgbClr val="000000"/>
+                </a:solidFill>
+                <a:highlight>
+                  <a:srgbClr val="FFFFFF"/>
+                </a:highlight>
+                <a:ea typeface="ＭＳ ゴシック" panose="020B0609070205080204" pitchFamily="49" charset="-128"/>
+              </a:rPr>
+              <a:t>y</a:t>
+            </a:r>
+            <a:r>
+              <a:rPr lang="en-US" altLang="ja-JP" sz="2200" dirty="0">
+                <a:solidFill>
+                  <a:srgbClr val="008080"/>
+                </a:solidFill>
+                <a:highlight>
+                  <a:srgbClr val="FFFFFF"/>
+                </a:highlight>
+                <a:ea typeface="ＭＳ ゴシック" panose="020B0609070205080204" pitchFamily="49" charset="-128"/>
+              </a:rPr>
+              <a:t>]</a:t>
+            </a:r>
+            <a:r>
+              <a:rPr lang="en-US" altLang="ja-JP" sz="2200" dirty="0">
+                <a:solidFill>
+                  <a:srgbClr val="000000"/>
+                </a:solidFill>
+                <a:highlight>
+                  <a:srgbClr val="FFFFFF"/>
+                </a:highlight>
+                <a:ea typeface="ＭＳ ゴシック" panose="020B0609070205080204" pitchFamily="49" charset="-128"/>
+              </a:rPr>
+              <a:t>.begin() </a:t>
+            </a:r>
+            <a:r>
+              <a:rPr lang="en-US" altLang="ja-JP" sz="2200" dirty="0">
+                <a:solidFill>
+                  <a:srgbClr val="008080"/>
+                </a:solidFill>
+                <a:highlight>
+                  <a:srgbClr val="FFFFFF"/>
+                </a:highlight>
+                <a:ea typeface="ＭＳ ゴシック" panose="020B0609070205080204" pitchFamily="49" charset="-128"/>
+              </a:rPr>
+              <a:t>+</a:t>
+            </a:r>
+            <a:r>
+              <a:rPr lang="en-US" altLang="ja-JP" sz="2200" dirty="0">
+                <a:solidFill>
+                  <a:srgbClr val="000000"/>
+                </a:solidFill>
+                <a:highlight>
+                  <a:srgbClr val="FFFFFF"/>
+                </a:highlight>
+                <a:ea typeface="ＭＳ ゴシック" panose="020B0609070205080204" pitchFamily="49" charset="-128"/>
+              </a:rPr>
+              <a:t> x);</a:t>
+            </a:r>
+            <a:r>
+              <a:rPr lang="en-US" altLang="ja-JP" sz="2200" dirty="0">
+                <a:solidFill>
+                  <a:srgbClr val="008000"/>
+                </a:solidFill>
+                <a:highlight>
+                  <a:srgbClr val="FFFFFF"/>
+                </a:highlight>
+                <a:latin typeface="ＭＳ ゴシック" panose="020B0609070205080204" pitchFamily="49" charset="-128"/>
+                <a:ea typeface="ＭＳ ゴシック" panose="020B0609070205080204" pitchFamily="49" charset="-128"/>
+              </a:rPr>
+              <a:t>//</a:t>
+            </a:r>
+            <a:r>
+              <a:rPr lang="ja-JP" altLang="en-US" sz="2200" dirty="0">
+                <a:solidFill>
+                  <a:srgbClr val="008000"/>
+                </a:solidFill>
+                <a:highlight>
+                  <a:srgbClr val="FFFFFF"/>
+                </a:highlight>
+                <a:latin typeface="ＭＳ ゴシック" panose="020B0609070205080204" pitchFamily="49" charset="-128"/>
+                <a:ea typeface="ＭＳ ゴシック" panose="020B0609070205080204" pitchFamily="49" charset="-128"/>
+              </a:rPr>
+              <a:t>配列要素を削除</a:t>
+            </a:r>
+            <a:br>
+              <a:rPr lang="en-US" altLang="ja-JP" sz="2200" dirty="0">
+                <a:solidFill>
+                  <a:srgbClr val="000000"/>
+                </a:solidFill>
+                <a:highlight>
+                  <a:srgbClr val="FFFFFF"/>
+                </a:highlight>
+                <a:ea typeface="ＭＳ ゴシック" panose="020B0609070205080204" pitchFamily="49" charset="-128"/>
+              </a:rPr>
+            </a:br>
+            <a:r>
+              <a:rPr lang="en-US" altLang="ja-JP" sz="2200" dirty="0">
+                <a:solidFill>
+                  <a:srgbClr val="000000"/>
+                </a:solidFill>
+                <a:highlight>
+                  <a:srgbClr val="FFFFFF"/>
+                </a:highlight>
+                <a:ea typeface="ＭＳ ゴシック" panose="020B0609070205080204" pitchFamily="49" charset="-128"/>
+              </a:rPr>
+              <a:t>        </a:t>
+            </a:r>
+            <a:r>
+              <a:rPr lang="en-US" altLang="ja-JP" sz="2200" dirty="0">
+                <a:solidFill>
+                  <a:srgbClr val="0000FF"/>
+                </a:solidFill>
+                <a:highlight>
+                  <a:srgbClr val="FFFFFF"/>
+                </a:highlight>
+                <a:ea typeface="ＭＳ ゴシック" panose="020B0609070205080204" pitchFamily="49" charset="-128"/>
+              </a:rPr>
+              <a:t>break</a:t>
+            </a:r>
+            <a:r>
+              <a:rPr lang="en-US" altLang="ja-JP" sz="2200" dirty="0">
+                <a:solidFill>
+                  <a:srgbClr val="000000"/>
+                </a:solidFill>
+                <a:highlight>
+                  <a:srgbClr val="FFFFFF"/>
+                </a:highlight>
+                <a:ea typeface="ＭＳ ゴシック" panose="020B0609070205080204" pitchFamily="49" charset="-128"/>
+              </a:rPr>
+              <a:t>;</a:t>
+            </a:r>
+            <a:r>
+              <a:rPr lang="en-US" altLang="ja-JP" sz="2200" dirty="0">
+                <a:solidFill>
+                  <a:srgbClr val="008000"/>
+                </a:solidFill>
+                <a:highlight>
+                  <a:srgbClr val="FFFFFF"/>
+                </a:highlight>
+                <a:latin typeface="ＭＳ ゴシック" panose="020B0609070205080204" pitchFamily="49" charset="-128"/>
+                <a:ea typeface="ＭＳ ゴシック" panose="020B0609070205080204" pitchFamily="49" charset="-128"/>
+              </a:rPr>
+              <a:t> //</a:t>
+            </a:r>
+            <a:r>
+              <a:rPr lang="ja-JP" altLang="en-US" sz="2200" dirty="0">
+                <a:solidFill>
+                  <a:srgbClr val="008000"/>
+                </a:solidFill>
+                <a:highlight>
+                  <a:srgbClr val="FFFFFF"/>
+                </a:highlight>
+                <a:latin typeface="ＭＳ ゴシック" panose="020B0609070205080204" pitchFamily="49" charset="-128"/>
+                <a:ea typeface="ＭＳ ゴシック" panose="020B0609070205080204" pitchFamily="49" charset="-128"/>
+              </a:rPr>
+              <a:t>これ以上チェックせずループから抜ける</a:t>
+            </a:r>
+            <a:br>
+              <a:rPr lang="en-US" altLang="ja-JP" sz="2200" dirty="0">
+                <a:solidFill>
+                  <a:srgbClr val="000000"/>
+                </a:solidFill>
+                <a:highlight>
+                  <a:srgbClr val="FFFFFF"/>
+                </a:highlight>
+                <a:latin typeface="ＭＳ ゴシック" panose="020B0609070205080204" pitchFamily="49" charset="-128"/>
+                <a:ea typeface="ＭＳ ゴシック" panose="020B0609070205080204" pitchFamily="49" charset="-128"/>
+              </a:rPr>
+            </a:br>
+            <a:r>
+              <a:rPr lang="en-US" altLang="ja-JP" sz="2200" dirty="0">
+                <a:solidFill>
+                  <a:srgbClr val="000000"/>
+                </a:solidFill>
+                <a:highlight>
+                  <a:srgbClr val="FFFFFF"/>
+                </a:highlight>
+                <a:latin typeface="ＭＳ ゴシック" panose="020B0609070205080204" pitchFamily="49" charset="-128"/>
+                <a:ea typeface="ＭＳ ゴシック" panose="020B0609070205080204" pitchFamily="49" charset="-128"/>
+              </a:rPr>
+              <a:t>      </a:t>
+            </a:r>
+            <a:r>
+              <a:rPr lang="en-US" altLang="ja-JP" sz="2200" dirty="0">
+                <a:solidFill>
+                  <a:srgbClr val="000000"/>
+                </a:solidFill>
+                <a:highlight>
+                  <a:srgbClr val="FFFFFF"/>
+                </a:highlight>
+                <a:ea typeface="ＭＳ ゴシック" panose="020B0609070205080204" pitchFamily="49" charset="-128"/>
+              </a:rPr>
+              <a:t>}</a:t>
+            </a:r>
+            <a:br>
+              <a:rPr lang="en-US" altLang="ja-JP" sz="2200" dirty="0">
+                <a:solidFill>
+                  <a:srgbClr val="000000"/>
+                </a:solidFill>
+                <a:highlight>
+                  <a:srgbClr val="FFFFFF"/>
+                </a:highlight>
+                <a:ea typeface="ＭＳ ゴシック" panose="020B0609070205080204" pitchFamily="49" charset="-128"/>
+              </a:rPr>
+            </a:br>
+            <a:r>
+              <a:rPr lang="en-US" altLang="ja-JP" sz="2200" dirty="0">
+                <a:solidFill>
+                  <a:srgbClr val="000000"/>
+                </a:solidFill>
+                <a:highlight>
+                  <a:srgbClr val="FFFFFF"/>
+                </a:highlight>
+                <a:ea typeface="ＭＳ ゴシック" panose="020B0609070205080204" pitchFamily="49" charset="-128"/>
+              </a:rPr>
+              <a:t>   }</a:t>
+            </a:r>
+            <a:br>
+              <a:rPr lang="en-US" altLang="ja-JP" sz="2200" dirty="0">
+                <a:solidFill>
+                  <a:srgbClr val="000000"/>
+                </a:solidFill>
+                <a:highlight>
+                  <a:srgbClr val="FFFFFF"/>
+                </a:highlight>
+                <a:ea typeface="ＭＳ ゴシック" panose="020B0609070205080204" pitchFamily="49" charset="-128"/>
+              </a:rPr>
+            </a:br>
+            <a:r>
+              <a:rPr lang="en-US" altLang="ja-JP" sz="2200" dirty="0">
+                <a:solidFill>
+                  <a:srgbClr val="000000"/>
+                </a:solidFill>
+                <a:highlight>
+                  <a:srgbClr val="FFFFFF"/>
+                </a:highlight>
+                <a:ea typeface="ＭＳ ゴシック" panose="020B0609070205080204" pitchFamily="49" charset="-128"/>
+              </a:rPr>
+              <a:t> }</a:t>
+            </a:r>
+            <a:br>
+              <a:rPr lang="en-US" altLang="ja-JP" sz="2200" dirty="0">
+                <a:solidFill>
+                  <a:srgbClr val="000000"/>
+                </a:solidFill>
+                <a:highlight>
+                  <a:srgbClr val="FFFFFF"/>
+                </a:highlight>
+                <a:ea typeface="ＭＳ ゴシック" panose="020B0609070205080204" pitchFamily="49" charset="-128"/>
+              </a:rPr>
+            </a:br>
+            <a:r>
+              <a:rPr lang="en-US" altLang="ja-JP" sz="2200" dirty="0">
+                <a:solidFill>
+                  <a:srgbClr val="000000"/>
+                </a:solidFill>
+                <a:highlight>
+                  <a:srgbClr val="FFFFFF"/>
+                </a:highlight>
+                <a:ea typeface="ＭＳ ゴシック" panose="020B0609070205080204" pitchFamily="49" charset="-128"/>
+              </a:rPr>
+              <a:t> </a:t>
+            </a:r>
+            <a:r>
+              <a:rPr lang="en-US" altLang="ja-JP" sz="2200" dirty="0">
+                <a:solidFill>
+                  <a:srgbClr val="008000"/>
+                </a:solidFill>
+                <a:highlight>
+                  <a:srgbClr val="FFFFFF"/>
+                </a:highlight>
+                <a:latin typeface="ＭＳ ゴシック" panose="020B0609070205080204" pitchFamily="49" charset="-128"/>
+                <a:ea typeface="ＭＳ ゴシック" panose="020B0609070205080204" pitchFamily="49" charset="-128"/>
+              </a:rPr>
+              <a:t>//</a:t>
+            </a:r>
+            <a:r>
+              <a:rPr lang="ja-JP" altLang="en-US" sz="2200" dirty="0">
+                <a:solidFill>
+                  <a:srgbClr val="008000"/>
+                </a:solidFill>
+                <a:highlight>
+                  <a:srgbClr val="FFFFFF"/>
+                </a:highlight>
+                <a:latin typeface="ＭＳ ゴシック" panose="020B0609070205080204" pitchFamily="49" charset="-128"/>
+                <a:ea typeface="ＭＳ ゴシック" panose="020B0609070205080204" pitchFamily="49" charset="-128"/>
+              </a:rPr>
+              <a:t>ブロックの表示前に上記処理を挿入</a:t>
+            </a:r>
+            <a:endParaRPr lang="en-US" altLang="ja-JP" sz="2200" dirty="0">
+              <a:solidFill>
+                <a:srgbClr val="000000"/>
+              </a:solidFill>
+              <a:highlight>
+                <a:srgbClr val="FFFFFF"/>
+              </a:highlight>
+              <a:ea typeface="ＭＳ ゴシック" panose="020B0609070205080204" pitchFamily="49" charset="-128"/>
+            </a:endParaRPr>
+          </a:p>
+        </p:txBody>
+      </p:sp>
+      <p:sp>
+        <p:nvSpPr>
+          <p:cNvPr id="7" name="テキスト ボックス 6">
+            <a:extLst>
+              <a:ext uri="{FF2B5EF4-FFF2-40B4-BE49-F238E27FC236}">
+                <a16:creationId xmlns:a16="http://schemas.microsoft.com/office/drawing/2014/main" id="{A46F734F-007A-C1A4-E05B-BA8382394D96}"/>
+              </a:ext>
+            </a:extLst>
+          </p:cNvPr>
+          <p:cNvSpPr txBox="1"/>
+          <p:nvPr/>
+        </p:nvSpPr>
+        <p:spPr>
+          <a:xfrm>
+            <a:off x="9494583" y="516645"/>
+            <a:ext cx="2480166" cy="646331"/>
+          </a:xfrm>
+          <a:prstGeom prst="rect">
+            <a:avLst/>
+          </a:prstGeom>
+          <a:noFill/>
+        </p:spPr>
+        <p:txBody>
+          <a:bodyPr wrap="none" rtlCol="0">
+            <a:spAutoFit/>
+          </a:bodyPr>
+          <a:lstStyle/>
+          <a:p>
+            <a:r>
+              <a:rPr kumimoji="1" lang="en-US" altLang="ja-JP" sz="3600" dirty="0"/>
+              <a:t>Main.cpp</a:t>
+            </a:r>
+            <a:endParaRPr kumimoji="1" lang="ja-JP" altLang="en-US" sz="3600" dirty="0"/>
+          </a:p>
+        </p:txBody>
+      </p:sp>
+      <p:sp>
+        <p:nvSpPr>
+          <p:cNvPr id="3" name="テキスト ボックス 2">
+            <a:extLst>
+              <a:ext uri="{FF2B5EF4-FFF2-40B4-BE49-F238E27FC236}">
+                <a16:creationId xmlns:a16="http://schemas.microsoft.com/office/drawing/2014/main" id="{00D4CFD8-BE7E-8C50-77B3-74D9F87A5F6C}"/>
+              </a:ext>
+            </a:extLst>
+          </p:cNvPr>
+          <p:cNvSpPr txBox="1"/>
+          <p:nvPr/>
+        </p:nvSpPr>
+        <p:spPr>
+          <a:xfrm>
+            <a:off x="1256486" y="1314495"/>
+            <a:ext cx="8871629" cy="830997"/>
+          </a:xfrm>
+          <a:prstGeom prst="rect">
+            <a:avLst/>
+          </a:prstGeom>
+          <a:solidFill>
+            <a:schemeClr val="bg1"/>
+          </a:solidFill>
+          <a:ln w="38100">
+            <a:solidFill>
+              <a:srgbClr val="FF0000"/>
+            </a:solidFill>
+          </a:ln>
+          <a:effectLst>
+            <a:outerShdw blurRad="50800" dist="38100" dir="2700000" algn="tl" rotWithShape="0">
+              <a:prstClr val="black">
+                <a:alpha val="40000"/>
+              </a:prstClr>
+            </a:outerShdw>
+          </a:effectLst>
+        </p:spPr>
+        <p:txBody>
+          <a:bodyPr wrap="square" rtlCol="0">
+            <a:spAutoFit/>
+          </a:bodyPr>
+          <a:lstStyle/>
+          <a:p>
+            <a:r>
+              <a:rPr lang="en-US" altLang="ja-JP" sz="2400" dirty="0">
+                <a:solidFill>
+                  <a:srgbClr val="0000FF"/>
+                </a:solidFill>
+                <a:highlight>
+                  <a:srgbClr val="FFFFFF"/>
+                </a:highlight>
+                <a:ea typeface="ＭＳ ゴシック" panose="020B0609070205080204" pitchFamily="49" charset="-128"/>
+              </a:rPr>
+              <a:t>bricks[y][x]-&gt;intersects(ball)</a:t>
+            </a:r>
+            <a:br>
+              <a:rPr kumimoji="1" lang="en-US" altLang="ja-JP" sz="2400" dirty="0"/>
+            </a:br>
+            <a:r>
+              <a:rPr kumimoji="1" lang="ja-JP" altLang="en-US" sz="2400" dirty="0"/>
+              <a:t>ブロックとボールオブジェクトが重なっているか否かのチェック</a:t>
+            </a:r>
+          </a:p>
+        </p:txBody>
+      </p:sp>
+      <p:sp>
+        <p:nvSpPr>
+          <p:cNvPr id="5" name="テキスト ボックス 4">
+            <a:extLst>
+              <a:ext uri="{FF2B5EF4-FFF2-40B4-BE49-F238E27FC236}">
+                <a16:creationId xmlns:a16="http://schemas.microsoft.com/office/drawing/2014/main" id="{7ADAEC4F-6667-4B49-A91A-703924FFA5F8}"/>
+              </a:ext>
+            </a:extLst>
+          </p:cNvPr>
+          <p:cNvSpPr txBox="1"/>
+          <p:nvPr/>
+        </p:nvSpPr>
+        <p:spPr>
+          <a:xfrm>
+            <a:off x="2741576" y="3560942"/>
+            <a:ext cx="8871629" cy="830997"/>
+          </a:xfrm>
+          <a:prstGeom prst="rect">
+            <a:avLst/>
+          </a:prstGeom>
+          <a:solidFill>
+            <a:schemeClr val="bg1"/>
+          </a:solidFill>
+          <a:ln w="38100">
+            <a:solidFill>
+              <a:srgbClr val="FF0000"/>
+            </a:solidFill>
+          </a:ln>
+          <a:effectLst>
+            <a:outerShdw blurRad="50800" dist="38100" dir="2700000" algn="tl" rotWithShape="0">
+              <a:prstClr val="black">
+                <a:alpha val="40000"/>
+              </a:prstClr>
+            </a:outerShdw>
+          </a:effectLst>
+        </p:spPr>
+        <p:txBody>
+          <a:bodyPr wrap="square" rtlCol="0">
+            <a:spAutoFit/>
+          </a:bodyPr>
+          <a:lstStyle/>
+          <a:p>
+            <a:r>
+              <a:rPr lang="en-US" altLang="ja-JP" sz="2400" dirty="0">
+                <a:solidFill>
+                  <a:srgbClr val="0000FF"/>
+                </a:solidFill>
+                <a:highlight>
+                  <a:srgbClr val="FFFFFF"/>
+                </a:highlight>
+                <a:ea typeface="ＭＳ ゴシック" panose="020B0609070205080204" pitchFamily="49" charset="-128"/>
+              </a:rPr>
+              <a:t>bottom(),</a:t>
+            </a:r>
+            <a:r>
+              <a:rPr lang="ja-JP" altLang="en-US" sz="2400" dirty="0">
+                <a:solidFill>
+                  <a:srgbClr val="0000FF"/>
+                </a:solidFill>
+                <a:highlight>
+                  <a:srgbClr val="FFFFFF"/>
+                </a:highlight>
+                <a:ea typeface="ＭＳ ゴシック" panose="020B0609070205080204" pitchFamily="49" charset="-128"/>
+              </a:rPr>
+              <a:t> </a:t>
+            </a:r>
+            <a:r>
+              <a:rPr lang="en-US" altLang="ja-JP" sz="2400" dirty="0">
+                <a:solidFill>
+                  <a:srgbClr val="0000FF"/>
+                </a:solidFill>
+                <a:highlight>
+                  <a:srgbClr val="FFFFFF"/>
+                </a:highlight>
+                <a:ea typeface="ＭＳ ゴシック" panose="020B0609070205080204" pitchFamily="49" charset="-128"/>
+              </a:rPr>
+              <a:t>top()</a:t>
+            </a:r>
+            <a:br>
+              <a:rPr kumimoji="1" lang="en-US" altLang="ja-JP" sz="2400" dirty="0"/>
+            </a:br>
+            <a:r>
+              <a:rPr kumimoji="1" lang="ja-JP" altLang="en-US" sz="2400" dirty="0"/>
+              <a:t>ブロックの底辺と上辺を求めて、ボールと重なったかをチェック</a:t>
+            </a:r>
+          </a:p>
+        </p:txBody>
+      </p:sp>
+      <p:sp>
+        <p:nvSpPr>
+          <p:cNvPr id="6" name="テキスト ボックス 5">
+            <a:extLst>
+              <a:ext uri="{FF2B5EF4-FFF2-40B4-BE49-F238E27FC236}">
+                <a16:creationId xmlns:a16="http://schemas.microsoft.com/office/drawing/2014/main" id="{EBB87114-6695-A56B-44E6-00A940E135E6}"/>
+              </a:ext>
+            </a:extLst>
+          </p:cNvPr>
+          <p:cNvSpPr txBox="1"/>
+          <p:nvPr/>
+        </p:nvSpPr>
+        <p:spPr>
+          <a:xfrm>
+            <a:off x="2183856" y="5292545"/>
+            <a:ext cx="6794773" cy="1200329"/>
+          </a:xfrm>
+          <a:prstGeom prst="rect">
+            <a:avLst/>
+          </a:prstGeom>
+          <a:solidFill>
+            <a:schemeClr val="bg1"/>
+          </a:solidFill>
+          <a:ln w="38100">
+            <a:solidFill>
+              <a:srgbClr val="FF0000"/>
+            </a:solidFill>
+          </a:ln>
+          <a:effectLst>
+            <a:outerShdw blurRad="50800" dist="38100" dir="2700000" algn="tl" rotWithShape="0">
+              <a:prstClr val="black">
+                <a:alpha val="40000"/>
+              </a:prstClr>
+            </a:outerShdw>
+          </a:effectLst>
+        </p:spPr>
+        <p:txBody>
+          <a:bodyPr wrap="square" rtlCol="0">
+            <a:spAutoFit/>
+          </a:bodyPr>
+          <a:lstStyle/>
+          <a:p>
+            <a:r>
+              <a:rPr lang="ja-JP" altLang="en-US" sz="2400" dirty="0">
+                <a:solidFill>
+                  <a:srgbClr val="0000FF"/>
+                </a:solidFill>
+                <a:highlight>
+                  <a:srgbClr val="FFFFFF"/>
+                </a:highlight>
+                <a:latin typeface="+mj-ea"/>
+                <a:ea typeface="+mj-ea"/>
+              </a:rPr>
+              <a:t>ブロックの消去</a:t>
+            </a:r>
+            <a:br>
+              <a:rPr kumimoji="1" lang="en-US" altLang="ja-JP" sz="2400" dirty="0"/>
+            </a:br>
+            <a:r>
+              <a:rPr kumimoji="1" lang="ja-JP" altLang="en-US" sz="2400" dirty="0"/>
+              <a:t>ボールによって消えるブロックのメモリを解放して、配列の要素から削除する</a:t>
+            </a:r>
+          </a:p>
+        </p:txBody>
+      </p:sp>
+    </p:spTree>
+    <p:extLst>
+      <p:ext uri="{BB962C8B-B14F-4D97-AF65-F5344CB8AC3E}">
+        <p14:creationId xmlns:p14="http://schemas.microsoft.com/office/powerpoint/2010/main" val="3608531447"/>
       </p:ext>
     </p:extLst>
   </p:cSld>

--- a/授業資料/演習課題：Siv3D.pptx
+++ b/授業資料/演習課題：Siv3D.pptx
@@ -22263,8 +22263,8 @@
         </p:nvSpPr>
         <p:spPr>
           <a:xfrm>
-            <a:off x="2427244" y="5024762"/>
-            <a:ext cx="8307422" cy="914400"/>
+            <a:off x="618566" y="4675385"/>
+            <a:ext cx="11573434" cy="914400"/>
           </a:xfrm>
           <a:prstGeom prst="rect">
             <a:avLst/>
@@ -22292,10 +22292,10 @@
           <a:p>
             <a:pPr algn="ctr"/>
             <a:r>
-              <a:rPr kumimoji="1" lang="en-US" altLang="ja-JP" sz="4400" b="1" dirty="0"/>
+              <a:rPr kumimoji="1" lang="en-US" altLang="ja-JP" sz="6000" b="1" dirty="0"/>
               <a:t>https://bit.ly/40O8jo7</a:t>
             </a:r>
-            <a:endParaRPr kumimoji="1" lang="ja-JP" altLang="en-US" sz="4400" b="1" dirty="0"/>
+            <a:endParaRPr kumimoji="1" lang="ja-JP" altLang="en-US" sz="6000" b="1" dirty="0"/>
           </a:p>
         </p:txBody>
       </p:sp>

--- a/授業資料/演習課題：Siv3D.pptx
+++ b/授業資料/演習課題：Siv3D.pptx
@@ -57,6 +57,16 @@
     <p:sldId id="529" r:id="rId51"/>
     <p:sldId id="531" r:id="rId52"/>
     <p:sldId id="557" r:id="rId53"/>
+    <p:sldId id="558" r:id="rId54"/>
+    <p:sldId id="559" r:id="rId55"/>
+    <p:sldId id="560" r:id="rId56"/>
+    <p:sldId id="561" r:id="rId57"/>
+    <p:sldId id="562" r:id="rId58"/>
+    <p:sldId id="563" r:id="rId59"/>
+    <p:sldId id="564" r:id="rId60"/>
+    <p:sldId id="565" r:id="rId61"/>
+    <p:sldId id="566" r:id="rId62"/>
+    <p:sldId id="567" r:id="rId63"/>
   </p:sldIdLst>
   <p:sldSz cx="12192000" cy="6858000"/>
   <p:notesSz cx="6858000" cy="9144000"/>
@@ -38908,7 +38918,22 @@
                   <a:srgbClr val="FF0000"/>
                 </a:solidFill>
               </a:rPr>
-              <a:t>関数</a:t>
+              <a:t>関数を</a:t>
+            </a:r>
+            <a:br>
+              <a:rPr kumimoji="1" lang="en-US" altLang="ja-JP" dirty="0">
+                <a:solidFill>
+                  <a:srgbClr val="FF0000"/>
+                </a:solidFill>
+              </a:rPr>
+            </a:br>
+            <a:r>
+              <a:rPr kumimoji="1" lang="ja-JP" altLang="en-US" dirty="0">
+                <a:solidFill>
+                  <a:srgbClr val="FF0000"/>
+                </a:solidFill>
+              </a:rPr>
+              <a:t>使用した当たり判定</a:t>
             </a:r>
             <a:br>
               <a:rPr kumimoji="1" lang="en-US" altLang="ja-JP" dirty="0"/>
@@ -38940,7 +38965,7 @@
             </a:br>
             <a:r>
               <a:rPr kumimoji="1" lang="ja-JP" altLang="en-US" dirty="0"/>
-              <a:t>とすると、物体</a:t>
+              <a:t>と書くと、物体</a:t>
             </a:r>
             <a:r>
               <a:rPr kumimoji="1" lang="en-US" altLang="ja-JP" dirty="0"/>
@@ -39536,7 +39561,22 @@
                   <a:srgbClr val="FF0000"/>
                 </a:solidFill>
               </a:rPr>
-              <a:t>関数</a:t>
+              <a:t>関数を</a:t>
+            </a:r>
+            <a:br>
+              <a:rPr kumimoji="1" lang="en-US" altLang="ja-JP" dirty="0">
+                <a:solidFill>
+                  <a:srgbClr val="FF0000"/>
+                </a:solidFill>
+              </a:rPr>
+            </a:br>
+            <a:r>
+              <a:rPr kumimoji="1" lang="ja-JP" altLang="en-US" dirty="0">
+                <a:solidFill>
+                  <a:srgbClr val="FF0000"/>
+                </a:solidFill>
+              </a:rPr>
+              <a:t>使用した当たり判定</a:t>
             </a:r>
             <a:br>
               <a:rPr kumimoji="1" lang="en-US" altLang="ja-JP" dirty="0"/>
@@ -39546,7 +39586,7 @@
             </a:br>
             <a:r>
               <a:rPr kumimoji="1" lang="ja-JP" altLang="en-US" dirty="0"/>
-              <a:t>すべてのブロックに対して</a:t>
+              <a:t>個々のブロックに対して</a:t>
             </a:r>
             <a:br>
               <a:rPr kumimoji="1" lang="en-US" altLang="ja-JP" dirty="0"/>
@@ -41988,11 +42028,879 @@
             <a:r>
               <a:rPr lang="en-US" altLang="ja-JP" sz="2200" dirty="0">
                 <a:solidFill>
-                  <a:srgbClr val="000000"/>
-                </a:solidFill>
-                <a:highlight>
-                  <a:srgbClr val="FFFFFF"/>
-                </a:highlight>
+                  <a:schemeClr val="bg1">
+                    <a:lumMod val="50000"/>
+                  </a:schemeClr>
+                </a:solidFill>
+                <a:highlight>
+                  <a:srgbClr val="FFFFFF"/>
+                </a:highlight>
+                <a:ea typeface="ＭＳ ゴシック" panose="020B0609070205080204" pitchFamily="49" charset="-128"/>
+              </a:rPr>
+              <a:t>      if (</a:t>
+            </a:r>
+            <a:r>
+              <a:rPr lang="en-US" altLang="ja-JP" sz="2200" dirty="0">
+                <a:solidFill>
+                  <a:srgbClr val="FF0000"/>
+                </a:solidFill>
+                <a:highlight>
+                  <a:srgbClr val="FFFFFF"/>
+                </a:highlight>
+                <a:ea typeface="ＭＳ ゴシック" panose="020B0609070205080204" pitchFamily="49" charset="-128"/>
+              </a:rPr>
+              <a:t>bricks[y][x]-&gt;intersects(ball)</a:t>
+            </a:r>
+            <a:r>
+              <a:rPr lang="en-US" altLang="ja-JP" sz="2200" dirty="0">
+                <a:solidFill>
+                  <a:schemeClr val="bg1">
+                    <a:lumMod val="50000"/>
+                  </a:schemeClr>
+                </a:solidFill>
+                <a:highlight>
+                  <a:srgbClr val="FFFFFF"/>
+                </a:highlight>
+                <a:ea typeface="ＭＳ ゴシック" panose="020B0609070205080204" pitchFamily="49" charset="-128"/>
+              </a:rPr>
+              <a:t>) {</a:t>
+            </a:r>
+            <a:r>
+              <a:rPr lang="en-US" altLang="ja-JP" sz="2200" dirty="0">
+                <a:solidFill>
+                  <a:schemeClr val="bg1">
+                    <a:lumMod val="50000"/>
+                  </a:schemeClr>
+                </a:solidFill>
+                <a:highlight>
+                  <a:srgbClr val="FFFFFF"/>
+                </a:highlight>
+                <a:latin typeface="ＭＳ ゴシック" panose="020B0609070205080204" pitchFamily="49" charset="-128"/>
+                <a:ea typeface="ＭＳ ゴシック" panose="020B0609070205080204" pitchFamily="49" charset="-128"/>
+              </a:rPr>
+              <a:t> //</a:t>
+            </a:r>
+            <a:r>
+              <a:rPr lang="ja-JP" altLang="en-US" sz="2200" dirty="0">
+                <a:solidFill>
+                  <a:schemeClr val="bg1">
+                    <a:lumMod val="50000"/>
+                  </a:schemeClr>
+                </a:solidFill>
+                <a:highlight>
+                  <a:srgbClr val="FFFFFF"/>
+                </a:highlight>
+                <a:latin typeface="ＭＳ ゴシック" panose="020B0609070205080204" pitchFamily="49" charset="-128"/>
+                <a:ea typeface="ＭＳ ゴシック" panose="020B0609070205080204" pitchFamily="49" charset="-128"/>
+              </a:rPr>
+              <a:t>衝突チェックが</a:t>
+            </a:r>
+            <a:r>
+              <a:rPr lang="en-US" altLang="ja-JP" sz="2200" dirty="0">
+                <a:solidFill>
+                  <a:schemeClr val="bg1">
+                    <a:lumMod val="50000"/>
+                  </a:schemeClr>
+                </a:solidFill>
+                <a:highlight>
+                  <a:srgbClr val="FFFFFF"/>
+                </a:highlight>
+                <a:latin typeface="ＭＳ ゴシック" panose="020B0609070205080204" pitchFamily="49" charset="-128"/>
+                <a:ea typeface="ＭＳ ゴシック" panose="020B0609070205080204" pitchFamily="49" charset="-128"/>
+              </a:rPr>
+              <a:t>true</a:t>
+            </a:r>
+            <a:br>
+              <a:rPr lang="en-US" altLang="ja-JP" sz="2200" dirty="0">
+                <a:solidFill>
+                  <a:schemeClr val="bg1">
+                    <a:lumMod val="50000"/>
+                  </a:schemeClr>
+                </a:solidFill>
+                <a:highlight>
+                  <a:srgbClr val="FFFFFF"/>
+                </a:highlight>
+                <a:ea typeface="ＭＳ ゴシック" panose="020B0609070205080204" pitchFamily="49" charset="-128"/>
+              </a:rPr>
+            </a:br>
+            <a:r>
+              <a:rPr lang="en-US" altLang="ja-JP" sz="2200" dirty="0">
+                <a:solidFill>
+                  <a:schemeClr val="bg1">
+                    <a:lumMod val="50000"/>
+                  </a:schemeClr>
+                </a:solidFill>
+                <a:highlight>
+                  <a:srgbClr val="FFFFFF"/>
+                </a:highlight>
+                <a:ea typeface="ＭＳ ゴシック" panose="020B0609070205080204" pitchFamily="49" charset="-128"/>
+              </a:rPr>
+              <a:t>        </a:t>
+            </a:r>
+            <a:r>
+              <a:rPr lang="en-US" altLang="ja-JP" sz="2200" dirty="0">
+                <a:solidFill>
+                  <a:schemeClr val="bg1">
+                    <a:lumMod val="50000"/>
+                  </a:schemeClr>
+                </a:solidFill>
+                <a:highlight>
+                  <a:srgbClr val="FFFFFF"/>
+                </a:highlight>
+                <a:latin typeface="ＭＳ ゴシック" panose="020B0609070205080204" pitchFamily="49" charset="-128"/>
+                <a:ea typeface="ＭＳ ゴシック" panose="020B0609070205080204" pitchFamily="49" charset="-128"/>
+              </a:rPr>
+              <a:t>// </a:t>
+            </a:r>
+            <a:r>
+              <a:rPr lang="ja-JP" altLang="en-US" sz="2200" dirty="0">
+                <a:solidFill>
+                  <a:schemeClr val="bg1">
+                    <a:lumMod val="50000"/>
+                  </a:schemeClr>
+                </a:solidFill>
+                <a:highlight>
+                  <a:srgbClr val="FFFFFF"/>
+                </a:highlight>
+                <a:latin typeface="ＭＳ ゴシック" panose="020B0609070205080204" pitchFamily="49" charset="-128"/>
+                <a:ea typeface="ＭＳ ゴシック" panose="020B0609070205080204" pitchFamily="49" charset="-128"/>
+              </a:rPr>
+              <a:t>ブロックの上辺もしくは底辺と交差していたら</a:t>
+            </a:r>
+            <a:br>
+              <a:rPr lang="en-US" altLang="ja-JP" sz="2200" dirty="0">
+                <a:highlight>
+                  <a:srgbClr val="FFFFFF"/>
+                </a:highlight>
+                <a:latin typeface="ＭＳ ゴシック" panose="020B0609070205080204" pitchFamily="49" charset="-128"/>
+                <a:ea typeface="ＭＳ ゴシック" panose="020B0609070205080204" pitchFamily="49" charset="-128"/>
+              </a:rPr>
+            </a:br>
+            <a:r>
+              <a:rPr lang="en-US" altLang="ja-JP" sz="2200" dirty="0">
+                <a:highlight>
+                  <a:srgbClr val="FFFFFF"/>
+                </a:highlight>
+                <a:latin typeface="ＭＳ ゴシック" panose="020B0609070205080204" pitchFamily="49" charset="-128"/>
+                <a:ea typeface="ＭＳ ゴシック" panose="020B0609070205080204" pitchFamily="49" charset="-128"/>
+              </a:rPr>
+              <a:t>          </a:t>
+            </a:r>
+            <a:r>
+              <a:rPr lang="en-US" altLang="ja-JP" sz="2200" dirty="0">
+                <a:solidFill>
+                  <a:schemeClr val="bg1">
+                    <a:lumMod val="50000"/>
+                  </a:schemeClr>
+                </a:solidFill>
+                <a:highlight>
+                  <a:srgbClr val="FFFFFF"/>
+                </a:highlight>
+                <a:ea typeface="ＭＳ ゴシック" panose="020B0609070205080204" pitchFamily="49" charset="-128"/>
+              </a:rPr>
+              <a:t>if (bricks[y][x]-&gt;</a:t>
+            </a:r>
+            <a:r>
+              <a:rPr lang="en-US" altLang="ja-JP" sz="2200" dirty="0">
+                <a:solidFill>
+                  <a:srgbClr val="FF0000"/>
+                </a:solidFill>
+                <a:highlight>
+                  <a:srgbClr val="FFFFFF"/>
+                </a:highlight>
+                <a:ea typeface="ＭＳ ゴシック" panose="020B0609070205080204" pitchFamily="49" charset="-128"/>
+              </a:rPr>
+              <a:t>bottom()</a:t>
+            </a:r>
+            <a:r>
+              <a:rPr lang="en-US" altLang="ja-JP" sz="2200" dirty="0">
+                <a:solidFill>
+                  <a:srgbClr val="000000"/>
+                </a:solidFill>
+                <a:highlight>
+                  <a:srgbClr val="FFFFFF"/>
+                </a:highlight>
+                <a:ea typeface="ＭＳ ゴシック" panose="020B0609070205080204" pitchFamily="49" charset="-128"/>
+              </a:rPr>
+              <a:t>.</a:t>
+            </a:r>
+            <a:r>
+              <a:rPr lang="en-US" altLang="ja-JP" sz="2200" dirty="0">
+                <a:solidFill>
+                  <a:srgbClr val="0000FF"/>
+                </a:solidFill>
+                <a:highlight>
+                  <a:srgbClr val="FFFFFF"/>
+                </a:highlight>
+                <a:ea typeface="ＭＳ ゴシック" panose="020B0609070205080204" pitchFamily="49" charset="-128"/>
+              </a:rPr>
+              <a:t>intersects(ball)</a:t>
+            </a:r>
+            <a:br>
+              <a:rPr lang="en-US" altLang="ja-JP" sz="2200" dirty="0">
+                <a:solidFill>
+                  <a:srgbClr val="0000FF"/>
+                </a:solidFill>
+                <a:highlight>
+                  <a:srgbClr val="FFFFFF"/>
+                </a:highlight>
+                <a:ea typeface="ＭＳ ゴシック" panose="020B0609070205080204" pitchFamily="49" charset="-128"/>
+              </a:rPr>
+            </a:br>
+            <a:r>
+              <a:rPr lang="en-US" altLang="ja-JP" sz="2200" dirty="0">
+                <a:solidFill>
+                  <a:schemeClr val="bg1">
+                    <a:lumMod val="50000"/>
+                  </a:schemeClr>
+                </a:solidFill>
+                <a:highlight>
+                  <a:srgbClr val="FFFFFF"/>
+                </a:highlight>
+                <a:ea typeface="ＭＳ ゴシック" panose="020B0609070205080204" pitchFamily="49" charset="-128"/>
+              </a:rPr>
+              <a:t>            || bricks[y][x]-&gt;</a:t>
+            </a:r>
+            <a:r>
+              <a:rPr lang="en-US" altLang="ja-JP" sz="2200" dirty="0">
+                <a:solidFill>
+                  <a:srgbClr val="FF0000"/>
+                </a:solidFill>
+                <a:highlight>
+                  <a:srgbClr val="FFFFFF"/>
+                </a:highlight>
+                <a:ea typeface="ＭＳ ゴシック" panose="020B0609070205080204" pitchFamily="49" charset="-128"/>
+              </a:rPr>
+              <a:t>top()</a:t>
+            </a:r>
+            <a:r>
+              <a:rPr lang="en-US" altLang="ja-JP" sz="2200" dirty="0">
+                <a:solidFill>
+                  <a:srgbClr val="000000"/>
+                </a:solidFill>
+                <a:highlight>
+                  <a:srgbClr val="FFFFFF"/>
+                </a:highlight>
+                <a:ea typeface="ＭＳ ゴシック" panose="020B0609070205080204" pitchFamily="49" charset="-128"/>
+              </a:rPr>
+              <a:t>.</a:t>
+            </a:r>
+            <a:r>
+              <a:rPr lang="en-US" altLang="ja-JP" sz="2200" dirty="0">
+                <a:solidFill>
+                  <a:srgbClr val="0000FF"/>
+                </a:solidFill>
+                <a:highlight>
+                  <a:srgbClr val="FFFFFF"/>
+                </a:highlight>
+                <a:ea typeface="ＭＳ ゴシック" panose="020B0609070205080204" pitchFamily="49" charset="-128"/>
+              </a:rPr>
+              <a:t>intersects(ball)</a:t>
+            </a:r>
+            <a:r>
+              <a:rPr lang="en-US" altLang="ja-JP" sz="2200" dirty="0">
+                <a:solidFill>
+                  <a:schemeClr val="bg1">
+                    <a:lumMod val="50000"/>
+                  </a:schemeClr>
+                </a:solidFill>
+                <a:highlight>
+                  <a:srgbClr val="FFFFFF"/>
+                </a:highlight>
+                <a:ea typeface="ＭＳ ゴシック" panose="020B0609070205080204" pitchFamily="49" charset="-128"/>
+              </a:rPr>
+              <a:t>) {</a:t>
+            </a:r>
+            <a:br>
+              <a:rPr lang="en-US" altLang="ja-JP" sz="2200" dirty="0">
+                <a:solidFill>
+                  <a:srgbClr val="000000"/>
+                </a:solidFill>
+                <a:highlight>
+                  <a:srgbClr val="FFFFFF"/>
+                </a:highlight>
+                <a:ea typeface="ＭＳ ゴシック" panose="020B0609070205080204" pitchFamily="49" charset="-128"/>
+              </a:rPr>
+            </a:br>
+            <a:r>
+              <a:rPr lang="en-US" altLang="ja-JP" sz="2200" dirty="0">
+                <a:solidFill>
+                  <a:srgbClr val="000000"/>
+                </a:solidFill>
+                <a:highlight>
+                  <a:srgbClr val="FFFFFF"/>
+                </a:highlight>
+                <a:ea typeface="ＭＳ ゴシック" panose="020B0609070205080204" pitchFamily="49" charset="-128"/>
+              </a:rPr>
+              <a:t>           </a:t>
+            </a:r>
+            <a:r>
+              <a:rPr lang="en-US" altLang="ja-JP" sz="2200" dirty="0" err="1">
+                <a:solidFill>
+                  <a:srgbClr val="000000"/>
+                </a:solidFill>
+                <a:highlight>
+                  <a:srgbClr val="FFFFFF"/>
+                </a:highlight>
+                <a:ea typeface="ＭＳ ゴシック" panose="020B0609070205080204" pitchFamily="49" charset="-128"/>
+              </a:rPr>
+              <a:t>ballVelocity.y</a:t>
+            </a:r>
+            <a:r>
+              <a:rPr lang="en-US" altLang="ja-JP" sz="2200" dirty="0">
+                <a:solidFill>
+                  <a:srgbClr val="000000"/>
+                </a:solidFill>
+                <a:highlight>
+                  <a:srgbClr val="FFFFFF"/>
+                </a:highlight>
+                <a:ea typeface="ＭＳ ゴシック" panose="020B0609070205080204" pitchFamily="49" charset="-128"/>
+              </a:rPr>
+              <a:t> *= -1;</a:t>
+            </a:r>
+            <a:r>
+              <a:rPr lang="en-US" altLang="ja-JP" sz="2200" dirty="0">
+                <a:solidFill>
+                  <a:srgbClr val="008000"/>
+                </a:solidFill>
+                <a:highlight>
+                  <a:srgbClr val="FFFFFF"/>
+                </a:highlight>
+                <a:latin typeface="ＭＳ ゴシック" panose="020B0609070205080204" pitchFamily="49" charset="-128"/>
+                <a:ea typeface="ＭＳ ゴシック" panose="020B0609070205080204" pitchFamily="49" charset="-128"/>
+              </a:rPr>
+              <a:t> // </a:t>
+            </a:r>
+            <a:r>
+              <a:rPr lang="ja-JP" altLang="en-US" sz="2200" dirty="0">
+                <a:solidFill>
+                  <a:srgbClr val="008000"/>
+                </a:solidFill>
+                <a:highlight>
+                  <a:srgbClr val="FFFFFF"/>
+                </a:highlight>
+                <a:latin typeface="ＭＳ ゴシック" panose="020B0609070205080204" pitchFamily="49" charset="-128"/>
+                <a:ea typeface="ＭＳ ゴシック" panose="020B0609070205080204" pitchFamily="49" charset="-128"/>
+              </a:rPr>
+              <a:t>ボールの速度の </a:t>
+            </a:r>
+            <a:r>
+              <a:rPr lang="en-US" altLang="ja-JP" sz="2200" dirty="0">
+                <a:solidFill>
+                  <a:srgbClr val="008000"/>
+                </a:solidFill>
+                <a:highlight>
+                  <a:srgbClr val="FFFFFF"/>
+                </a:highlight>
+                <a:latin typeface="ＭＳ ゴシック" panose="020B0609070205080204" pitchFamily="49" charset="-128"/>
+                <a:ea typeface="ＭＳ ゴシック" panose="020B0609070205080204" pitchFamily="49" charset="-128"/>
+              </a:rPr>
+              <a:t>Y </a:t>
+            </a:r>
+            <a:r>
+              <a:rPr lang="ja-JP" altLang="en-US" sz="2200" dirty="0">
+                <a:solidFill>
+                  <a:srgbClr val="008000"/>
+                </a:solidFill>
+                <a:highlight>
+                  <a:srgbClr val="FFFFFF"/>
+                </a:highlight>
+                <a:latin typeface="ＭＳ ゴシック" panose="020B0609070205080204" pitchFamily="49" charset="-128"/>
+                <a:ea typeface="ＭＳ ゴシック" panose="020B0609070205080204" pitchFamily="49" charset="-128"/>
+              </a:rPr>
+              <a:t>成分を反転</a:t>
+            </a:r>
+            <a:br>
+              <a:rPr lang="en-US" altLang="ja-JP" sz="2200" dirty="0">
+                <a:solidFill>
+                  <a:srgbClr val="000000"/>
+                </a:solidFill>
+                <a:highlight>
+                  <a:srgbClr val="FFFFFF"/>
+                </a:highlight>
+                <a:latin typeface="ＭＳ ゴシック" panose="020B0609070205080204" pitchFamily="49" charset="-128"/>
+                <a:ea typeface="ＭＳ ゴシック" panose="020B0609070205080204" pitchFamily="49" charset="-128"/>
+              </a:rPr>
+            </a:br>
+            <a:r>
+              <a:rPr lang="en-US" altLang="ja-JP" sz="2200" dirty="0">
+                <a:solidFill>
+                  <a:schemeClr val="bg1">
+                    <a:lumMod val="50000"/>
+                  </a:schemeClr>
+                </a:solidFill>
+                <a:highlight>
+                  <a:srgbClr val="FFFFFF"/>
+                </a:highlight>
+                <a:latin typeface="ＭＳ ゴシック" panose="020B0609070205080204" pitchFamily="49" charset="-128"/>
+                <a:ea typeface="ＭＳ ゴシック" panose="020B0609070205080204" pitchFamily="49" charset="-128"/>
+              </a:rPr>
+              <a:t>          </a:t>
+            </a:r>
+            <a:r>
+              <a:rPr lang="en-US" altLang="ja-JP" sz="2200" dirty="0">
+                <a:solidFill>
+                  <a:schemeClr val="bg1">
+                    <a:lumMod val="50000"/>
+                  </a:schemeClr>
+                </a:solidFill>
+                <a:highlight>
+                  <a:srgbClr val="FFFFFF"/>
+                </a:highlight>
+                <a:ea typeface="ＭＳ ゴシック" panose="020B0609070205080204" pitchFamily="49" charset="-128"/>
+              </a:rPr>
+              <a:t>}</a:t>
+            </a:r>
+            <a:r>
+              <a:rPr lang="en-US" altLang="ja-JP" sz="2200" dirty="0">
+                <a:solidFill>
+                  <a:schemeClr val="bg1">
+                    <a:lumMod val="50000"/>
+                  </a:schemeClr>
+                </a:solidFill>
+                <a:highlight>
+                  <a:srgbClr val="FFFFFF"/>
+                </a:highlight>
+                <a:latin typeface="ＭＳ ゴシック" panose="020B0609070205080204" pitchFamily="49" charset="-128"/>
+                <a:ea typeface="ＭＳ ゴシック" panose="020B0609070205080204" pitchFamily="49" charset="-128"/>
+              </a:rPr>
+              <a:t> </a:t>
+            </a:r>
+            <a:r>
+              <a:rPr lang="en-US" altLang="ja-JP" sz="2200" dirty="0">
+                <a:solidFill>
+                  <a:schemeClr val="bg1">
+                    <a:lumMod val="50000"/>
+                  </a:schemeClr>
+                </a:solidFill>
+                <a:highlight>
+                  <a:srgbClr val="FFFFFF"/>
+                </a:highlight>
+                <a:ea typeface="ＭＳ ゴシック" panose="020B0609070205080204" pitchFamily="49" charset="-128"/>
+              </a:rPr>
+              <a:t>else {</a:t>
+            </a:r>
+            <a:br>
+              <a:rPr lang="en-US" altLang="ja-JP" sz="2200" dirty="0">
+                <a:solidFill>
+                  <a:schemeClr val="bg1">
+                    <a:lumMod val="50000"/>
+                  </a:schemeClr>
+                </a:solidFill>
+                <a:highlight>
+                  <a:srgbClr val="FFFFFF"/>
+                </a:highlight>
+                <a:latin typeface="ＭＳ ゴシック" panose="020B0609070205080204" pitchFamily="49" charset="-128"/>
+                <a:ea typeface="ＭＳ ゴシック" panose="020B0609070205080204" pitchFamily="49" charset="-128"/>
+              </a:rPr>
+            </a:br>
+            <a:r>
+              <a:rPr lang="en-US" altLang="ja-JP" sz="2200" dirty="0">
+                <a:solidFill>
+                  <a:schemeClr val="bg1">
+                    <a:lumMod val="50000"/>
+                  </a:schemeClr>
+                </a:solidFill>
+                <a:highlight>
+                  <a:srgbClr val="FFFFFF"/>
+                </a:highlight>
+                <a:latin typeface="ＭＳ ゴシック" panose="020B0609070205080204" pitchFamily="49" charset="-128"/>
+                <a:ea typeface="ＭＳ ゴシック" panose="020B0609070205080204" pitchFamily="49" charset="-128"/>
+              </a:rPr>
+              <a:t>              </a:t>
+            </a:r>
+            <a:r>
+              <a:rPr lang="en-US" altLang="ja-JP" sz="2200" dirty="0" err="1">
+                <a:solidFill>
+                  <a:schemeClr val="bg1">
+                    <a:lumMod val="50000"/>
+                  </a:schemeClr>
+                </a:solidFill>
+                <a:highlight>
+                  <a:srgbClr val="FFFFFF"/>
+                </a:highlight>
+                <a:ea typeface="ＭＳ ゴシック" panose="020B0609070205080204" pitchFamily="49" charset="-128"/>
+              </a:rPr>
+              <a:t>ballVelocity.x</a:t>
+            </a:r>
+            <a:r>
+              <a:rPr lang="en-US" altLang="ja-JP" sz="2200" dirty="0">
+                <a:solidFill>
+                  <a:schemeClr val="bg1">
+                    <a:lumMod val="50000"/>
+                  </a:schemeClr>
+                </a:solidFill>
+                <a:highlight>
+                  <a:srgbClr val="FFFFFF"/>
+                </a:highlight>
+                <a:ea typeface="ＭＳ ゴシック" panose="020B0609070205080204" pitchFamily="49" charset="-128"/>
+              </a:rPr>
+              <a:t> *= -1;</a:t>
+            </a:r>
+            <a:r>
+              <a:rPr lang="en-US" altLang="ja-JP" sz="2200" dirty="0">
+                <a:solidFill>
+                  <a:schemeClr val="bg1">
+                    <a:lumMod val="50000"/>
+                  </a:schemeClr>
+                </a:solidFill>
+                <a:highlight>
+                  <a:srgbClr val="FFFFFF"/>
+                </a:highlight>
+                <a:latin typeface="ＭＳ ゴシック" panose="020B0609070205080204" pitchFamily="49" charset="-128"/>
+                <a:ea typeface="ＭＳ ゴシック" panose="020B0609070205080204" pitchFamily="49" charset="-128"/>
+              </a:rPr>
+              <a:t> // </a:t>
+            </a:r>
+            <a:r>
+              <a:rPr lang="ja-JP" altLang="en-US" sz="2200" dirty="0">
+                <a:solidFill>
+                  <a:schemeClr val="bg1">
+                    <a:lumMod val="50000"/>
+                  </a:schemeClr>
+                </a:solidFill>
+                <a:highlight>
+                  <a:srgbClr val="FFFFFF"/>
+                </a:highlight>
+                <a:latin typeface="ＭＳ ゴシック" panose="020B0609070205080204" pitchFamily="49" charset="-128"/>
+                <a:ea typeface="ＭＳ ゴシック" panose="020B0609070205080204" pitchFamily="49" charset="-128"/>
+              </a:rPr>
+              <a:t>ボールの速度の </a:t>
+            </a:r>
+            <a:r>
+              <a:rPr lang="en-US" altLang="ja-JP" sz="2200" dirty="0">
+                <a:solidFill>
+                  <a:schemeClr val="bg1">
+                    <a:lumMod val="50000"/>
+                  </a:schemeClr>
+                </a:solidFill>
+                <a:highlight>
+                  <a:srgbClr val="FFFFFF"/>
+                </a:highlight>
+                <a:latin typeface="ＭＳ ゴシック" panose="020B0609070205080204" pitchFamily="49" charset="-128"/>
+                <a:ea typeface="ＭＳ ゴシック" panose="020B0609070205080204" pitchFamily="49" charset="-128"/>
+              </a:rPr>
+              <a:t>X </a:t>
+            </a:r>
+            <a:r>
+              <a:rPr lang="ja-JP" altLang="en-US" sz="2200" dirty="0">
+                <a:solidFill>
+                  <a:schemeClr val="bg1">
+                    <a:lumMod val="50000"/>
+                  </a:schemeClr>
+                </a:solidFill>
+                <a:highlight>
+                  <a:srgbClr val="FFFFFF"/>
+                </a:highlight>
+                <a:latin typeface="ＭＳ ゴシック" panose="020B0609070205080204" pitchFamily="49" charset="-128"/>
+                <a:ea typeface="ＭＳ ゴシック" panose="020B0609070205080204" pitchFamily="49" charset="-128"/>
+              </a:rPr>
+              <a:t>成分を反転</a:t>
+            </a:r>
+            <a:br>
+              <a:rPr lang="en-US" altLang="ja-JP" sz="2200" dirty="0">
+                <a:solidFill>
+                  <a:schemeClr val="bg1">
+                    <a:lumMod val="50000"/>
+                  </a:schemeClr>
+                </a:solidFill>
+                <a:highlight>
+                  <a:srgbClr val="FFFFFF"/>
+                </a:highlight>
+                <a:ea typeface="ＭＳ ゴシック" panose="020B0609070205080204" pitchFamily="49" charset="-128"/>
+              </a:rPr>
+            </a:br>
+            <a:r>
+              <a:rPr lang="en-US" altLang="ja-JP" sz="2200" dirty="0">
+                <a:solidFill>
+                  <a:schemeClr val="bg1">
+                    <a:lumMod val="50000"/>
+                  </a:schemeClr>
+                </a:solidFill>
+                <a:highlight>
+                  <a:srgbClr val="FFFFFF"/>
+                </a:highlight>
+                <a:ea typeface="ＭＳ ゴシック" panose="020B0609070205080204" pitchFamily="49" charset="-128"/>
+              </a:rPr>
+              <a:t>        }</a:t>
+            </a:r>
+            <a:br>
+              <a:rPr lang="en-US" altLang="ja-JP" sz="2200" dirty="0">
+                <a:solidFill>
+                  <a:schemeClr val="bg1">
+                    <a:lumMod val="50000"/>
+                  </a:schemeClr>
+                </a:solidFill>
+                <a:highlight>
+                  <a:srgbClr val="FFFFFF"/>
+                </a:highlight>
+                <a:ea typeface="ＭＳ ゴシック" panose="020B0609070205080204" pitchFamily="49" charset="-128"/>
+              </a:rPr>
+            </a:br>
+            <a:r>
+              <a:rPr lang="en-US" altLang="ja-JP" sz="2200" dirty="0">
+                <a:solidFill>
+                  <a:srgbClr val="000000"/>
+                </a:solidFill>
+                <a:highlight>
+                  <a:srgbClr val="FFFFFF"/>
+                </a:highlight>
+                <a:ea typeface="ＭＳ ゴシック" panose="020B0609070205080204" pitchFamily="49" charset="-128"/>
+              </a:rPr>
+              <a:t>        </a:t>
+            </a:r>
+            <a:r>
+              <a:rPr lang="en-US" altLang="ja-JP" sz="2200" dirty="0">
+                <a:solidFill>
+                  <a:srgbClr val="FF0000"/>
+                </a:solidFill>
+                <a:highlight>
+                  <a:srgbClr val="FFFFFF"/>
+                </a:highlight>
+                <a:ea typeface="ＭＳ ゴシック" panose="020B0609070205080204" pitchFamily="49" charset="-128"/>
+              </a:rPr>
+              <a:t>delete</a:t>
+            </a:r>
+            <a:r>
+              <a:rPr lang="en-US" altLang="ja-JP" sz="2200" dirty="0">
+                <a:solidFill>
+                  <a:srgbClr val="000000"/>
+                </a:solidFill>
+                <a:highlight>
+                  <a:srgbClr val="FFFFFF"/>
+                </a:highlight>
+                <a:ea typeface="ＭＳ ゴシック" panose="020B0609070205080204" pitchFamily="49" charset="-128"/>
+              </a:rPr>
+              <a:t> </a:t>
+            </a:r>
+            <a:r>
+              <a:rPr lang="en-US" altLang="ja-JP" sz="2200" dirty="0">
+                <a:solidFill>
+                  <a:schemeClr val="bg1">
+                    <a:lumMod val="50000"/>
+                  </a:schemeClr>
+                </a:solidFill>
+                <a:highlight>
+                  <a:srgbClr val="FFFFFF"/>
+                </a:highlight>
+                <a:ea typeface="ＭＳ ゴシック" panose="020B0609070205080204" pitchFamily="49" charset="-128"/>
+              </a:rPr>
+              <a:t>*(bricks[y].begin() + x); </a:t>
+            </a:r>
+            <a:r>
+              <a:rPr lang="en-US" altLang="ja-JP" sz="2200" dirty="0">
+                <a:solidFill>
+                  <a:schemeClr val="bg1">
+                    <a:lumMod val="50000"/>
+                  </a:schemeClr>
+                </a:solidFill>
+                <a:highlight>
+                  <a:srgbClr val="FFFFFF"/>
+                </a:highlight>
+                <a:latin typeface="ＭＳ ゴシック" panose="020B0609070205080204" pitchFamily="49" charset="-128"/>
+                <a:ea typeface="ＭＳ ゴシック" panose="020B0609070205080204" pitchFamily="49" charset="-128"/>
+              </a:rPr>
+              <a:t>//</a:t>
+            </a:r>
+            <a:r>
+              <a:rPr lang="ja-JP" altLang="en-US" sz="2200" dirty="0">
+                <a:solidFill>
+                  <a:schemeClr val="bg1">
+                    <a:lumMod val="50000"/>
+                  </a:schemeClr>
+                </a:solidFill>
+                <a:highlight>
+                  <a:srgbClr val="FFFFFF"/>
+                </a:highlight>
+                <a:latin typeface="ＭＳ ゴシック" panose="020B0609070205080204" pitchFamily="49" charset="-128"/>
+                <a:ea typeface="ＭＳ ゴシック" panose="020B0609070205080204" pitchFamily="49" charset="-128"/>
+              </a:rPr>
+              <a:t>ブロックのメモリ領域削除</a:t>
+            </a:r>
+            <a:br>
+              <a:rPr lang="en-US" altLang="ja-JP" sz="2200" dirty="0">
+                <a:highlight>
+                  <a:srgbClr val="FFFFFF"/>
+                </a:highlight>
+                <a:latin typeface="ＭＳ ゴシック" panose="020B0609070205080204" pitchFamily="49" charset="-128"/>
+                <a:ea typeface="ＭＳ ゴシック" panose="020B0609070205080204" pitchFamily="49" charset="-128"/>
+              </a:rPr>
+            </a:br>
+            <a:r>
+              <a:rPr lang="en-US" altLang="ja-JP" sz="2200" dirty="0">
+                <a:solidFill>
+                  <a:srgbClr val="000000"/>
+                </a:solidFill>
+                <a:highlight>
+                  <a:srgbClr val="FFFFFF"/>
+                </a:highlight>
+                <a:latin typeface="ＭＳ ゴシック" panose="020B0609070205080204" pitchFamily="49" charset="-128"/>
+                <a:ea typeface="ＭＳ ゴシック" panose="020B0609070205080204" pitchFamily="49" charset="-128"/>
+              </a:rPr>
+              <a:t>          </a:t>
+            </a:r>
+            <a:r>
+              <a:rPr lang="en-US" altLang="ja-JP" sz="2200" dirty="0">
+                <a:solidFill>
+                  <a:schemeClr val="bg1">
+                    <a:lumMod val="50000"/>
+                  </a:schemeClr>
+                </a:solidFill>
+                <a:highlight>
+                  <a:srgbClr val="FFFFFF"/>
+                </a:highlight>
+                <a:ea typeface="ＭＳ ゴシック" panose="020B0609070205080204" pitchFamily="49" charset="-128"/>
+              </a:rPr>
+              <a:t>bricks[y].</a:t>
+            </a:r>
+            <a:r>
+              <a:rPr lang="en-US" altLang="ja-JP" sz="2200" dirty="0">
+                <a:solidFill>
+                  <a:srgbClr val="FF0000"/>
+                </a:solidFill>
+                <a:highlight>
+                  <a:srgbClr val="FFFFFF"/>
+                </a:highlight>
+                <a:ea typeface="ＭＳ ゴシック" panose="020B0609070205080204" pitchFamily="49" charset="-128"/>
+              </a:rPr>
+              <a:t>erase</a:t>
+            </a:r>
+            <a:r>
+              <a:rPr lang="en-US" altLang="ja-JP" sz="2200" dirty="0">
+                <a:solidFill>
+                  <a:schemeClr val="bg1">
+                    <a:lumMod val="50000"/>
+                  </a:schemeClr>
+                </a:solidFill>
+                <a:highlight>
+                  <a:srgbClr val="FFFFFF"/>
+                </a:highlight>
+                <a:ea typeface="ＭＳ ゴシック" panose="020B0609070205080204" pitchFamily="49" charset="-128"/>
+              </a:rPr>
+              <a:t>(bricks[y].begin() + x);</a:t>
+            </a:r>
+            <a:r>
+              <a:rPr lang="en-US" altLang="ja-JP" sz="2200" dirty="0">
+                <a:solidFill>
+                  <a:schemeClr val="bg1">
+                    <a:lumMod val="50000"/>
+                  </a:schemeClr>
+                </a:solidFill>
+                <a:highlight>
+                  <a:srgbClr val="FFFFFF"/>
+                </a:highlight>
+                <a:latin typeface="ＭＳ ゴシック" panose="020B0609070205080204" pitchFamily="49" charset="-128"/>
+                <a:ea typeface="ＭＳ ゴシック" panose="020B0609070205080204" pitchFamily="49" charset="-128"/>
+              </a:rPr>
+              <a:t>//</a:t>
+            </a:r>
+            <a:r>
+              <a:rPr lang="ja-JP" altLang="en-US" sz="2200" dirty="0">
+                <a:solidFill>
+                  <a:schemeClr val="bg1">
+                    <a:lumMod val="50000"/>
+                  </a:schemeClr>
+                </a:solidFill>
+                <a:highlight>
+                  <a:srgbClr val="FFFFFF"/>
+                </a:highlight>
+                <a:latin typeface="ＭＳ ゴシック" panose="020B0609070205080204" pitchFamily="49" charset="-128"/>
+                <a:ea typeface="ＭＳ ゴシック" panose="020B0609070205080204" pitchFamily="49" charset="-128"/>
+              </a:rPr>
+              <a:t>配列要素を削除</a:t>
+            </a:r>
+            <a:br>
+              <a:rPr lang="en-US" altLang="ja-JP" sz="2200" dirty="0">
+                <a:solidFill>
+                  <a:srgbClr val="000000"/>
+                </a:solidFill>
+                <a:highlight>
+                  <a:srgbClr val="FFFFFF"/>
+                </a:highlight>
+                <a:ea typeface="ＭＳ ゴシック" panose="020B0609070205080204" pitchFamily="49" charset="-128"/>
+              </a:rPr>
+            </a:br>
+            <a:r>
+              <a:rPr lang="en-US" altLang="ja-JP" sz="2200" dirty="0">
+                <a:solidFill>
+                  <a:srgbClr val="000000"/>
+                </a:solidFill>
+                <a:highlight>
+                  <a:srgbClr val="FFFFFF"/>
+                </a:highlight>
+                <a:ea typeface="ＭＳ ゴシック" panose="020B0609070205080204" pitchFamily="49" charset="-128"/>
+              </a:rPr>
+              <a:t>        </a:t>
+            </a:r>
+            <a:r>
+              <a:rPr lang="en-US" altLang="ja-JP" sz="2200" dirty="0">
+                <a:solidFill>
+                  <a:schemeClr val="bg1">
+                    <a:lumMod val="50000"/>
+                  </a:schemeClr>
+                </a:solidFill>
+                <a:highlight>
+                  <a:srgbClr val="FFFFFF"/>
+                </a:highlight>
+                <a:ea typeface="ＭＳ ゴシック" panose="020B0609070205080204" pitchFamily="49" charset="-128"/>
+              </a:rPr>
+              <a:t>break;</a:t>
+            </a:r>
+            <a:r>
+              <a:rPr lang="en-US" altLang="ja-JP" sz="2200" dirty="0">
+                <a:solidFill>
+                  <a:schemeClr val="bg1">
+                    <a:lumMod val="50000"/>
+                  </a:schemeClr>
+                </a:solidFill>
+                <a:highlight>
+                  <a:srgbClr val="FFFFFF"/>
+                </a:highlight>
+                <a:latin typeface="ＭＳ ゴシック" panose="020B0609070205080204" pitchFamily="49" charset="-128"/>
+                <a:ea typeface="ＭＳ ゴシック" panose="020B0609070205080204" pitchFamily="49" charset="-128"/>
+              </a:rPr>
+              <a:t> //</a:t>
+            </a:r>
+            <a:r>
+              <a:rPr lang="ja-JP" altLang="en-US" sz="2200" dirty="0">
+                <a:solidFill>
+                  <a:schemeClr val="bg1">
+                    <a:lumMod val="50000"/>
+                  </a:schemeClr>
+                </a:solidFill>
+                <a:highlight>
+                  <a:srgbClr val="FFFFFF"/>
+                </a:highlight>
+                <a:latin typeface="ＭＳ ゴシック" panose="020B0609070205080204" pitchFamily="49" charset="-128"/>
+                <a:ea typeface="ＭＳ ゴシック" panose="020B0609070205080204" pitchFamily="49" charset="-128"/>
+              </a:rPr>
+              <a:t>これ以上チェックせずループから抜ける</a:t>
+            </a:r>
+            <a:br>
+              <a:rPr lang="en-US" altLang="ja-JP" sz="2200" dirty="0">
+                <a:solidFill>
+                  <a:schemeClr val="bg1">
+                    <a:lumMod val="50000"/>
+                  </a:schemeClr>
+                </a:solidFill>
+                <a:highlight>
+                  <a:srgbClr val="FFFFFF"/>
+                </a:highlight>
+                <a:latin typeface="ＭＳ ゴシック" panose="020B0609070205080204" pitchFamily="49" charset="-128"/>
+                <a:ea typeface="ＭＳ ゴシック" panose="020B0609070205080204" pitchFamily="49" charset="-128"/>
+              </a:rPr>
+            </a:br>
+            <a:r>
+              <a:rPr lang="en-US" altLang="ja-JP" sz="2200" dirty="0">
+                <a:solidFill>
+                  <a:schemeClr val="bg1">
+                    <a:lumMod val="50000"/>
+                  </a:schemeClr>
+                </a:solidFill>
+                <a:highlight>
+                  <a:srgbClr val="FFFFFF"/>
+                </a:highlight>
+                <a:latin typeface="ＭＳ ゴシック" panose="020B0609070205080204" pitchFamily="49" charset="-128"/>
                 <a:ea typeface="ＭＳ ゴシック" panose="020B0609070205080204" pitchFamily="49" charset="-128"/>
               </a:rPr>
               <a:t>      </a:t>
@@ -42000,55 +42908,104 @@
             <a:r>
               <a:rPr lang="en-US" altLang="ja-JP" sz="2200" dirty="0">
                 <a:solidFill>
-                  <a:srgbClr val="0000FF"/>
-                </a:solidFill>
-                <a:highlight>
-                  <a:srgbClr val="FFFFFF"/>
-                </a:highlight>
-                <a:ea typeface="ＭＳ ゴシック" panose="020B0609070205080204" pitchFamily="49" charset="-128"/>
-              </a:rPr>
-              <a:t>if</a:t>
-            </a:r>
-            <a:r>
+                  <a:schemeClr val="bg1">
+                    <a:lumMod val="50000"/>
+                  </a:schemeClr>
+                </a:solidFill>
+                <a:highlight>
+                  <a:srgbClr val="FFFFFF"/>
+                </a:highlight>
+                <a:ea typeface="ＭＳ ゴシック" panose="020B0609070205080204" pitchFamily="49" charset="-128"/>
+              </a:rPr>
+              <a:t>}</a:t>
+            </a:r>
+            <a:br>
               <a:rPr lang="en-US" altLang="ja-JP" sz="2200" dirty="0">
                 <a:solidFill>
-                  <a:srgbClr val="000000"/>
-                </a:solidFill>
-                <a:highlight>
-                  <a:srgbClr val="FFFFFF"/>
-                </a:highlight>
-                <a:ea typeface="ＭＳ ゴシック" panose="020B0609070205080204" pitchFamily="49" charset="-128"/>
-              </a:rPr>
-              <a:t> (</a:t>
-            </a:r>
+                  <a:schemeClr val="bg1">
+                    <a:lumMod val="50000"/>
+                  </a:schemeClr>
+                </a:solidFill>
+                <a:highlight>
+                  <a:srgbClr val="FFFFFF"/>
+                </a:highlight>
+                <a:ea typeface="ＭＳ ゴシック" panose="020B0609070205080204" pitchFamily="49" charset="-128"/>
+              </a:rPr>
+            </a:br>
             <a:r>
               <a:rPr lang="en-US" altLang="ja-JP" sz="2200" dirty="0">
                 <a:solidFill>
-                  <a:srgbClr val="0000FF"/>
-                </a:solidFill>
-                <a:highlight>
-                  <a:srgbClr val="FFFFFF"/>
-                </a:highlight>
-                <a:ea typeface="ＭＳ ゴシック" panose="020B0609070205080204" pitchFamily="49" charset="-128"/>
-              </a:rPr>
-              <a:t>bricks[y][x]-&gt;intersects(ball)</a:t>
-            </a:r>
-            <a:r>
+                  <a:schemeClr val="bg1">
+                    <a:lumMod val="50000"/>
+                  </a:schemeClr>
+                </a:solidFill>
+                <a:highlight>
+                  <a:srgbClr val="FFFFFF"/>
+                </a:highlight>
+                <a:ea typeface="ＭＳ ゴシック" panose="020B0609070205080204" pitchFamily="49" charset="-128"/>
+              </a:rPr>
+              <a:t>   }</a:t>
+            </a:r>
+            <a:br>
               <a:rPr lang="en-US" altLang="ja-JP" sz="2200" dirty="0">
                 <a:solidFill>
-                  <a:srgbClr val="000000"/>
-                </a:solidFill>
-                <a:highlight>
-                  <a:srgbClr val="FFFFFF"/>
-                </a:highlight>
-                <a:ea typeface="ＭＳ ゴシック" panose="020B0609070205080204" pitchFamily="49" charset="-128"/>
-              </a:rPr>
-              <a:t>) {</a:t>
-            </a:r>
+                  <a:schemeClr val="bg1">
+                    <a:lumMod val="50000"/>
+                  </a:schemeClr>
+                </a:solidFill>
+                <a:highlight>
+                  <a:srgbClr val="FFFFFF"/>
+                </a:highlight>
+                <a:ea typeface="ＭＳ ゴシック" panose="020B0609070205080204" pitchFamily="49" charset="-128"/>
+              </a:rPr>
+            </a:br>
             <a:r>
               <a:rPr lang="en-US" altLang="ja-JP" sz="2200" dirty="0">
                 <a:solidFill>
-                  <a:srgbClr val="008000"/>
+                  <a:schemeClr val="bg1">
+                    <a:lumMod val="50000"/>
+                  </a:schemeClr>
+                </a:solidFill>
+                <a:highlight>
+                  <a:srgbClr val="FFFFFF"/>
+                </a:highlight>
+                <a:ea typeface="ＭＳ ゴシック" panose="020B0609070205080204" pitchFamily="49" charset="-128"/>
+              </a:rPr>
+              <a:t> }</a:t>
+            </a:r>
+            <a:br>
+              <a:rPr lang="en-US" altLang="ja-JP" sz="2200" dirty="0">
+                <a:solidFill>
+                  <a:schemeClr val="bg1">
+                    <a:lumMod val="50000"/>
+                  </a:schemeClr>
+                </a:solidFill>
+                <a:highlight>
+                  <a:srgbClr val="FFFFFF"/>
+                </a:highlight>
+                <a:ea typeface="ＭＳ ゴシック" panose="020B0609070205080204" pitchFamily="49" charset="-128"/>
+              </a:rPr>
+            </a:br>
+            <a:r>
+              <a:rPr lang="en-US" altLang="ja-JP" sz="2200" dirty="0">
+                <a:solidFill>
+                  <a:schemeClr val="bg1">
+                    <a:lumMod val="50000"/>
+                  </a:schemeClr>
+                </a:solidFill>
+                <a:highlight>
+                  <a:srgbClr val="FFFFFF"/>
+                </a:highlight>
+                <a:ea typeface="ＭＳ ゴシック" panose="020B0609070205080204" pitchFamily="49" charset="-128"/>
+              </a:rPr>
+              <a:t> </a:t>
+            </a:r>
+            <a:r>
+              <a:rPr lang="en-US" altLang="ja-JP" sz="2200" dirty="0">
+                <a:solidFill>
+                  <a:schemeClr val="bg1">
+                    <a:lumMod val="50000"/>
+                  </a:schemeClr>
                 </a:solidFill>
                 <a:highlight>
                   <a:srgbClr val="FFFFFF"/>
@@ -42056,1204 +43013,14 @@
                 <a:latin typeface="ＭＳ ゴシック" panose="020B0609070205080204" pitchFamily="49" charset="-128"/>
                 <a:ea typeface="ＭＳ ゴシック" panose="020B0609070205080204" pitchFamily="49" charset="-128"/>
               </a:rPr>
-              <a:t> //</a:t>
+              <a:t>//</a:t>
             </a:r>
             <a:r>
               <a:rPr lang="ja-JP" altLang="en-US" sz="2200" dirty="0">
                 <a:solidFill>
-                  <a:srgbClr val="008000"/>
-                </a:solidFill>
-                <a:highlight>
-                  <a:srgbClr val="FFFFFF"/>
-                </a:highlight>
-                <a:latin typeface="ＭＳ ゴシック" panose="020B0609070205080204" pitchFamily="49" charset="-128"/>
-                <a:ea typeface="ＭＳ ゴシック" panose="020B0609070205080204" pitchFamily="49" charset="-128"/>
-              </a:rPr>
-              <a:t>衝突チェックが</a:t>
-            </a:r>
-            <a:r>
-              <a:rPr lang="en-US" altLang="ja-JP" sz="2200" dirty="0">
-                <a:solidFill>
-                  <a:srgbClr val="008000"/>
-                </a:solidFill>
-                <a:highlight>
-                  <a:srgbClr val="FFFFFF"/>
-                </a:highlight>
-                <a:latin typeface="ＭＳ ゴシック" panose="020B0609070205080204" pitchFamily="49" charset="-128"/>
-                <a:ea typeface="ＭＳ ゴシック" panose="020B0609070205080204" pitchFamily="49" charset="-128"/>
-              </a:rPr>
-              <a:t>true</a:t>
-            </a:r>
-            <a:br>
-              <a:rPr lang="en-US" altLang="ja-JP" sz="2200" dirty="0">
-                <a:solidFill>
-                  <a:srgbClr val="000000"/>
-                </a:solidFill>
-                <a:highlight>
-                  <a:srgbClr val="FFFFFF"/>
-                </a:highlight>
-                <a:ea typeface="ＭＳ ゴシック" panose="020B0609070205080204" pitchFamily="49" charset="-128"/>
-              </a:rPr>
-            </a:br>
-            <a:r>
-              <a:rPr lang="en-US" altLang="ja-JP" sz="2200" dirty="0">
-                <a:solidFill>
-                  <a:srgbClr val="000000"/>
-                </a:solidFill>
-                <a:highlight>
-                  <a:srgbClr val="FFFFFF"/>
-                </a:highlight>
-                <a:ea typeface="ＭＳ ゴシック" panose="020B0609070205080204" pitchFamily="49" charset="-128"/>
-              </a:rPr>
-              <a:t>        </a:t>
-            </a:r>
-            <a:r>
-              <a:rPr lang="en-US" altLang="ja-JP" sz="2200" dirty="0">
-                <a:solidFill>
-                  <a:srgbClr val="008000"/>
-                </a:solidFill>
-                <a:highlight>
-                  <a:srgbClr val="FFFFFF"/>
-                </a:highlight>
-                <a:latin typeface="ＭＳ ゴシック" panose="020B0609070205080204" pitchFamily="49" charset="-128"/>
-                <a:ea typeface="ＭＳ ゴシック" panose="020B0609070205080204" pitchFamily="49" charset="-128"/>
-              </a:rPr>
-              <a:t>// </a:t>
-            </a:r>
-            <a:r>
-              <a:rPr lang="ja-JP" altLang="en-US" sz="2200" dirty="0">
-                <a:solidFill>
-                  <a:srgbClr val="008000"/>
-                </a:solidFill>
-                <a:highlight>
-                  <a:srgbClr val="FFFFFF"/>
-                </a:highlight>
-                <a:latin typeface="ＭＳ ゴシック" panose="020B0609070205080204" pitchFamily="49" charset="-128"/>
-                <a:ea typeface="ＭＳ ゴシック" panose="020B0609070205080204" pitchFamily="49" charset="-128"/>
-              </a:rPr>
-              <a:t>ブロックの上辺もしくは底辺と交差していたら</a:t>
-            </a:r>
-            <a:br>
-              <a:rPr lang="en-US" altLang="ja-JP" sz="2200" dirty="0">
-                <a:solidFill>
-                  <a:srgbClr val="000000"/>
-                </a:solidFill>
-                <a:highlight>
-                  <a:srgbClr val="FFFFFF"/>
-                </a:highlight>
-                <a:latin typeface="ＭＳ ゴシック" panose="020B0609070205080204" pitchFamily="49" charset="-128"/>
-                <a:ea typeface="ＭＳ ゴシック" panose="020B0609070205080204" pitchFamily="49" charset="-128"/>
-              </a:rPr>
-            </a:br>
-            <a:r>
-              <a:rPr lang="en-US" altLang="ja-JP" sz="2200" dirty="0">
-                <a:solidFill>
-                  <a:srgbClr val="000000"/>
-                </a:solidFill>
-                <a:highlight>
-                  <a:srgbClr val="FFFFFF"/>
-                </a:highlight>
-                <a:latin typeface="ＭＳ ゴシック" panose="020B0609070205080204" pitchFamily="49" charset="-128"/>
-                <a:ea typeface="ＭＳ ゴシック" panose="020B0609070205080204" pitchFamily="49" charset="-128"/>
-              </a:rPr>
-              <a:t>          </a:t>
-            </a:r>
-            <a:r>
-              <a:rPr lang="en-US" altLang="ja-JP" sz="2200" dirty="0">
-                <a:solidFill>
-                  <a:srgbClr val="0000FF"/>
-                </a:solidFill>
-                <a:highlight>
-                  <a:srgbClr val="FFFFFF"/>
-                </a:highlight>
-                <a:ea typeface="ＭＳ ゴシック" panose="020B0609070205080204" pitchFamily="49" charset="-128"/>
-              </a:rPr>
-              <a:t>if</a:t>
-            </a:r>
-            <a:r>
-              <a:rPr lang="en-US" altLang="ja-JP" sz="2200" dirty="0">
-                <a:solidFill>
-                  <a:srgbClr val="000000"/>
-                </a:solidFill>
-                <a:highlight>
-                  <a:srgbClr val="FFFFFF"/>
-                </a:highlight>
-                <a:ea typeface="ＭＳ ゴシック" panose="020B0609070205080204" pitchFamily="49" charset="-128"/>
-              </a:rPr>
-              <a:t> (bricks</a:t>
-            </a:r>
-            <a:r>
-              <a:rPr lang="en-US" altLang="ja-JP" sz="2200" dirty="0">
-                <a:solidFill>
-                  <a:srgbClr val="008080"/>
-                </a:solidFill>
-                <a:highlight>
-                  <a:srgbClr val="FFFFFF"/>
-                </a:highlight>
-                <a:ea typeface="ＭＳ ゴシック" panose="020B0609070205080204" pitchFamily="49" charset="-128"/>
-              </a:rPr>
-              <a:t>[</a:t>
-            </a:r>
-            <a:r>
-              <a:rPr lang="en-US" altLang="ja-JP" sz="2200" dirty="0">
-                <a:solidFill>
-                  <a:srgbClr val="000000"/>
-                </a:solidFill>
-                <a:highlight>
-                  <a:srgbClr val="FFFFFF"/>
-                </a:highlight>
-                <a:ea typeface="ＭＳ ゴシック" panose="020B0609070205080204" pitchFamily="49" charset="-128"/>
-              </a:rPr>
-              <a:t>y</a:t>
-            </a:r>
-            <a:r>
-              <a:rPr lang="en-US" altLang="ja-JP" sz="2200" dirty="0">
-                <a:solidFill>
-                  <a:srgbClr val="008080"/>
-                </a:solidFill>
-                <a:highlight>
-                  <a:srgbClr val="FFFFFF"/>
-                </a:highlight>
-                <a:ea typeface="ＭＳ ゴシック" panose="020B0609070205080204" pitchFamily="49" charset="-128"/>
-              </a:rPr>
-              <a:t>][</a:t>
-            </a:r>
-            <a:r>
-              <a:rPr lang="en-US" altLang="ja-JP" sz="2200" dirty="0">
-                <a:solidFill>
-                  <a:srgbClr val="000000"/>
-                </a:solidFill>
-                <a:highlight>
-                  <a:srgbClr val="FFFFFF"/>
-                </a:highlight>
-                <a:ea typeface="ＭＳ ゴシック" panose="020B0609070205080204" pitchFamily="49" charset="-128"/>
-              </a:rPr>
-              <a:t>x</a:t>
-            </a:r>
-            <a:r>
-              <a:rPr lang="en-US" altLang="ja-JP" sz="2200" dirty="0">
-                <a:solidFill>
-                  <a:srgbClr val="008080"/>
-                </a:solidFill>
-                <a:highlight>
-                  <a:srgbClr val="FFFFFF"/>
-                </a:highlight>
-                <a:ea typeface="ＭＳ ゴシック" panose="020B0609070205080204" pitchFamily="49" charset="-128"/>
-              </a:rPr>
-              <a:t>]</a:t>
-            </a:r>
-            <a:r>
-              <a:rPr lang="en-US" altLang="ja-JP" sz="2200" dirty="0">
-                <a:solidFill>
-                  <a:srgbClr val="000000"/>
-                </a:solidFill>
-                <a:highlight>
-                  <a:srgbClr val="FFFFFF"/>
-                </a:highlight>
-                <a:ea typeface="ＭＳ ゴシック" panose="020B0609070205080204" pitchFamily="49" charset="-128"/>
-              </a:rPr>
-              <a:t>-&gt;</a:t>
-            </a:r>
-            <a:r>
-              <a:rPr lang="en-US" altLang="ja-JP" sz="2200" dirty="0">
-                <a:solidFill>
-                  <a:srgbClr val="0000FF"/>
-                </a:solidFill>
-                <a:highlight>
-                  <a:srgbClr val="FFFFFF"/>
-                </a:highlight>
-                <a:ea typeface="ＭＳ ゴシック" panose="020B0609070205080204" pitchFamily="49" charset="-128"/>
-              </a:rPr>
-              <a:t>bottom()</a:t>
-            </a:r>
-            <a:r>
-              <a:rPr lang="en-US" altLang="ja-JP" sz="2200" dirty="0">
-                <a:solidFill>
-                  <a:srgbClr val="000000"/>
-                </a:solidFill>
-                <a:highlight>
-                  <a:srgbClr val="FFFFFF"/>
-                </a:highlight>
-                <a:ea typeface="ＭＳ ゴシック" panose="020B0609070205080204" pitchFamily="49" charset="-128"/>
-              </a:rPr>
-              <a:t>.</a:t>
-            </a:r>
-            <a:r>
-              <a:rPr lang="en-US" altLang="ja-JP" sz="2200" dirty="0">
-                <a:solidFill>
-                  <a:srgbClr val="0000FF"/>
-                </a:solidFill>
-                <a:highlight>
-                  <a:srgbClr val="FFFFFF"/>
-                </a:highlight>
-                <a:ea typeface="ＭＳ ゴシック" panose="020B0609070205080204" pitchFamily="49" charset="-128"/>
-              </a:rPr>
-              <a:t>intersects(ball)</a:t>
-            </a:r>
-            <a:br>
-              <a:rPr lang="en-US" altLang="ja-JP" sz="2200" dirty="0">
-                <a:solidFill>
-                  <a:srgbClr val="0000FF"/>
-                </a:solidFill>
-                <a:highlight>
-                  <a:srgbClr val="FFFFFF"/>
-                </a:highlight>
-                <a:ea typeface="ＭＳ ゴシック" panose="020B0609070205080204" pitchFamily="49" charset="-128"/>
-              </a:rPr>
-            </a:br>
-            <a:r>
-              <a:rPr lang="en-US" altLang="ja-JP" sz="2200" dirty="0">
-                <a:solidFill>
-                  <a:srgbClr val="000000"/>
-                </a:solidFill>
-                <a:highlight>
-                  <a:srgbClr val="FFFFFF"/>
-                </a:highlight>
-                <a:ea typeface="ＭＳ ゴシック" panose="020B0609070205080204" pitchFamily="49" charset="-128"/>
-              </a:rPr>
-              <a:t>            || bricks</a:t>
-            </a:r>
-            <a:r>
-              <a:rPr lang="en-US" altLang="ja-JP" sz="2200" dirty="0">
-                <a:solidFill>
-                  <a:srgbClr val="008080"/>
-                </a:solidFill>
-                <a:highlight>
-                  <a:srgbClr val="FFFFFF"/>
-                </a:highlight>
-                <a:ea typeface="ＭＳ ゴシック" panose="020B0609070205080204" pitchFamily="49" charset="-128"/>
-              </a:rPr>
-              <a:t>[</a:t>
-            </a:r>
-            <a:r>
-              <a:rPr lang="en-US" altLang="ja-JP" sz="2200" dirty="0">
-                <a:solidFill>
-                  <a:srgbClr val="000000"/>
-                </a:solidFill>
-                <a:highlight>
-                  <a:srgbClr val="FFFFFF"/>
-                </a:highlight>
-                <a:ea typeface="ＭＳ ゴシック" panose="020B0609070205080204" pitchFamily="49" charset="-128"/>
-              </a:rPr>
-              <a:t>y</a:t>
-            </a:r>
-            <a:r>
-              <a:rPr lang="en-US" altLang="ja-JP" sz="2200" dirty="0">
-                <a:solidFill>
-                  <a:srgbClr val="008080"/>
-                </a:solidFill>
-                <a:highlight>
-                  <a:srgbClr val="FFFFFF"/>
-                </a:highlight>
-                <a:ea typeface="ＭＳ ゴシック" panose="020B0609070205080204" pitchFamily="49" charset="-128"/>
-              </a:rPr>
-              <a:t>][</a:t>
-            </a:r>
-            <a:r>
-              <a:rPr lang="en-US" altLang="ja-JP" sz="2200" dirty="0">
-                <a:solidFill>
-                  <a:srgbClr val="000000"/>
-                </a:solidFill>
-                <a:highlight>
-                  <a:srgbClr val="FFFFFF"/>
-                </a:highlight>
-                <a:ea typeface="ＭＳ ゴシック" panose="020B0609070205080204" pitchFamily="49" charset="-128"/>
-              </a:rPr>
-              <a:t>x</a:t>
-            </a:r>
-            <a:r>
-              <a:rPr lang="en-US" altLang="ja-JP" sz="2200" dirty="0">
-                <a:solidFill>
-                  <a:srgbClr val="008080"/>
-                </a:solidFill>
-                <a:highlight>
-                  <a:srgbClr val="FFFFFF"/>
-                </a:highlight>
-                <a:ea typeface="ＭＳ ゴシック" panose="020B0609070205080204" pitchFamily="49" charset="-128"/>
-              </a:rPr>
-              <a:t>]</a:t>
-            </a:r>
-            <a:r>
-              <a:rPr lang="en-US" altLang="ja-JP" sz="2200" dirty="0">
-                <a:solidFill>
-                  <a:srgbClr val="000000"/>
-                </a:solidFill>
-                <a:highlight>
-                  <a:srgbClr val="FFFFFF"/>
-                </a:highlight>
-                <a:ea typeface="ＭＳ ゴシック" panose="020B0609070205080204" pitchFamily="49" charset="-128"/>
-              </a:rPr>
-              <a:t>-&gt;</a:t>
-            </a:r>
-            <a:r>
-              <a:rPr lang="en-US" altLang="ja-JP" sz="2200" dirty="0">
-                <a:solidFill>
-                  <a:srgbClr val="0000FF"/>
-                </a:solidFill>
-                <a:highlight>
-                  <a:srgbClr val="FFFFFF"/>
-                </a:highlight>
-                <a:ea typeface="ＭＳ ゴシック" panose="020B0609070205080204" pitchFamily="49" charset="-128"/>
-              </a:rPr>
-              <a:t>top()</a:t>
-            </a:r>
-            <a:r>
-              <a:rPr lang="en-US" altLang="ja-JP" sz="2200" dirty="0">
-                <a:solidFill>
-                  <a:srgbClr val="000000"/>
-                </a:solidFill>
-                <a:highlight>
-                  <a:srgbClr val="FFFFFF"/>
-                </a:highlight>
-                <a:ea typeface="ＭＳ ゴシック" panose="020B0609070205080204" pitchFamily="49" charset="-128"/>
-              </a:rPr>
-              <a:t>.</a:t>
-            </a:r>
-            <a:r>
-              <a:rPr lang="en-US" altLang="ja-JP" sz="2200" dirty="0">
-                <a:solidFill>
-                  <a:srgbClr val="0000FF"/>
-                </a:solidFill>
-                <a:highlight>
-                  <a:srgbClr val="FFFFFF"/>
-                </a:highlight>
-                <a:ea typeface="ＭＳ ゴシック" panose="020B0609070205080204" pitchFamily="49" charset="-128"/>
-              </a:rPr>
-              <a:t>intersects(ball)</a:t>
-            </a:r>
-            <a:r>
-              <a:rPr lang="en-US" altLang="ja-JP" sz="2200" dirty="0">
-                <a:solidFill>
-                  <a:srgbClr val="000000"/>
-                </a:solidFill>
-                <a:highlight>
-                  <a:srgbClr val="FFFFFF"/>
-                </a:highlight>
-                <a:ea typeface="ＭＳ ゴシック" panose="020B0609070205080204" pitchFamily="49" charset="-128"/>
-              </a:rPr>
-              <a:t>) {</a:t>
-            </a:r>
-            <a:br>
-              <a:rPr lang="en-US" altLang="ja-JP" sz="2200" dirty="0">
-                <a:solidFill>
-                  <a:srgbClr val="000000"/>
-                </a:solidFill>
-                <a:highlight>
-                  <a:srgbClr val="FFFFFF"/>
-                </a:highlight>
-                <a:ea typeface="ＭＳ ゴシック" panose="020B0609070205080204" pitchFamily="49" charset="-128"/>
-              </a:rPr>
-            </a:br>
-            <a:r>
-              <a:rPr lang="en-US" altLang="ja-JP" sz="2200" dirty="0">
-                <a:solidFill>
-                  <a:srgbClr val="000000"/>
-                </a:solidFill>
-                <a:highlight>
-                  <a:srgbClr val="FFFFFF"/>
-                </a:highlight>
-                <a:ea typeface="ＭＳ ゴシック" panose="020B0609070205080204" pitchFamily="49" charset="-128"/>
-              </a:rPr>
-              <a:t>           </a:t>
-            </a:r>
-            <a:r>
-              <a:rPr lang="en-US" altLang="ja-JP" sz="2200" dirty="0" err="1">
-                <a:solidFill>
-                  <a:srgbClr val="000000"/>
-                </a:solidFill>
-                <a:highlight>
-                  <a:srgbClr val="FFFFFF"/>
-                </a:highlight>
-                <a:ea typeface="ＭＳ ゴシック" panose="020B0609070205080204" pitchFamily="49" charset="-128"/>
-              </a:rPr>
-              <a:t>ballVelocity.y</a:t>
-            </a:r>
-            <a:r>
-              <a:rPr lang="en-US" altLang="ja-JP" sz="2200" dirty="0">
-                <a:solidFill>
-                  <a:srgbClr val="000000"/>
-                </a:solidFill>
-                <a:highlight>
-                  <a:srgbClr val="FFFFFF"/>
-                </a:highlight>
-                <a:ea typeface="ＭＳ ゴシック" panose="020B0609070205080204" pitchFamily="49" charset="-128"/>
-              </a:rPr>
-              <a:t> *= -1;</a:t>
-            </a:r>
-            <a:r>
-              <a:rPr lang="en-US" altLang="ja-JP" sz="2200" dirty="0">
-                <a:solidFill>
-                  <a:srgbClr val="008000"/>
-                </a:solidFill>
-                <a:highlight>
-                  <a:srgbClr val="FFFFFF"/>
-                </a:highlight>
-                <a:latin typeface="ＭＳ ゴシック" panose="020B0609070205080204" pitchFamily="49" charset="-128"/>
-                <a:ea typeface="ＭＳ ゴシック" panose="020B0609070205080204" pitchFamily="49" charset="-128"/>
-              </a:rPr>
-              <a:t> // </a:t>
-            </a:r>
-            <a:r>
-              <a:rPr lang="ja-JP" altLang="en-US" sz="2200" dirty="0">
-                <a:solidFill>
-                  <a:srgbClr val="008000"/>
-                </a:solidFill>
-                <a:highlight>
-                  <a:srgbClr val="FFFFFF"/>
-                </a:highlight>
-                <a:latin typeface="ＭＳ ゴシック" panose="020B0609070205080204" pitchFamily="49" charset="-128"/>
-                <a:ea typeface="ＭＳ ゴシック" panose="020B0609070205080204" pitchFamily="49" charset="-128"/>
-              </a:rPr>
-              <a:t>ボールの速度の </a:t>
-            </a:r>
-            <a:r>
-              <a:rPr lang="en-US" altLang="ja-JP" sz="2200" dirty="0">
-                <a:solidFill>
-                  <a:srgbClr val="008000"/>
-                </a:solidFill>
-                <a:highlight>
-                  <a:srgbClr val="FFFFFF"/>
-                </a:highlight>
-                <a:latin typeface="ＭＳ ゴシック" panose="020B0609070205080204" pitchFamily="49" charset="-128"/>
-                <a:ea typeface="ＭＳ ゴシック" panose="020B0609070205080204" pitchFamily="49" charset="-128"/>
-              </a:rPr>
-              <a:t>Y </a:t>
-            </a:r>
-            <a:r>
-              <a:rPr lang="ja-JP" altLang="en-US" sz="2200" dirty="0">
-                <a:solidFill>
-                  <a:srgbClr val="008000"/>
-                </a:solidFill>
-                <a:highlight>
-                  <a:srgbClr val="FFFFFF"/>
-                </a:highlight>
-                <a:latin typeface="ＭＳ ゴシック" panose="020B0609070205080204" pitchFamily="49" charset="-128"/>
-                <a:ea typeface="ＭＳ ゴシック" panose="020B0609070205080204" pitchFamily="49" charset="-128"/>
-              </a:rPr>
-              <a:t>成分を反転</a:t>
-            </a:r>
-            <a:br>
-              <a:rPr lang="en-US" altLang="ja-JP" sz="2200" dirty="0">
-                <a:solidFill>
-                  <a:srgbClr val="000000"/>
-                </a:solidFill>
-                <a:highlight>
-                  <a:srgbClr val="FFFFFF"/>
-                </a:highlight>
-                <a:latin typeface="ＭＳ ゴシック" panose="020B0609070205080204" pitchFamily="49" charset="-128"/>
-                <a:ea typeface="ＭＳ ゴシック" panose="020B0609070205080204" pitchFamily="49" charset="-128"/>
-              </a:rPr>
-            </a:br>
-            <a:r>
-              <a:rPr lang="en-US" altLang="ja-JP" sz="2200" dirty="0">
-                <a:solidFill>
-                  <a:srgbClr val="000000"/>
-                </a:solidFill>
-                <a:highlight>
-                  <a:srgbClr val="FFFFFF"/>
-                </a:highlight>
-                <a:latin typeface="ＭＳ ゴシック" panose="020B0609070205080204" pitchFamily="49" charset="-128"/>
-                <a:ea typeface="ＭＳ ゴシック" panose="020B0609070205080204" pitchFamily="49" charset="-128"/>
-              </a:rPr>
-              <a:t>          </a:t>
-            </a:r>
-            <a:r>
-              <a:rPr lang="en-US" altLang="ja-JP" sz="2200" dirty="0">
-                <a:solidFill>
-                  <a:srgbClr val="000000"/>
-                </a:solidFill>
-                <a:highlight>
-                  <a:srgbClr val="FFFFFF"/>
-                </a:highlight>
-                <a:ea typeface="ＭＳ ゴシック" panose="020B0609070205080204" pitchFamily="49" charset="-128"/>
-              </a:rPr>
-              <a:t>}</a:t>
-            </a:r>
-            <a:r>
-              <a:rPr lang="en-US" altLang="ja-JP" sz="2200" dirty="0">
-                <a:solidFill>
-                  <a:srgbClr val="000000"/>
-                </a:solidFill>
-                <a:highlight>
-                  <a:srgbClr val="FFFFFF"/>
-                </a:highlight>
-                <a:latin typeface="ＭＳ ゴシック" panose="020B0609070205080204" pitchFamily="49" charset="-128"/>
-                <a:ea typeface="ＭＳ ゴシック" panose="020B0609070205080204" pitchFamily="49" charset="-128"/>
-              </a:rPr>
-              <a:t> </a:t>
-            </a:r>
-            <a:r>
-              <a:rPr lang="en-US" altLang="ja-JP" sz="2200" dirty="0">
-                <a:solidFill>
-                  <a:srgbClr val="0000FF"/>
-                </a:solidFill>
-                <a:highlight>
-                  <a:srgbClr val="FFFFFF"/>
-                </a:highlight>
-                <a:ea typeface="ＭＳ ゴシック" panose="020B0609070205080204" pitchFamily="49" charset="-128"/>
-              </a:rPr>
-              <a:t>else</a:t>
-            </a:r>
-            <a:r>
-              <a:rPr lang="en-US" altLang="ja-JP" sz="2200" dirty="0">
-                <a:solidFill>
-                  <a:srgbClr val="000000"/>
-                </a:solidFill>
-                <a:highlight>
-                  <a:srgbClr val="FFFFFF"/>
-                </a:highlight>
-                <a:ea typeface="ＭＳ ゴシック" panose="020B0609070205080204" pitchFamily="49" charset="-128"/>
-              </a:rPr>
-              <a:t> {</a:t>
-            </a:r>
-            <a:br>
-              <a:rPr lang="en-US" altLang="ja-JP" sz="2200" dirty="0">
-                <a:solidFill>
-                  <a:srgbClr val="000000"/>
-                </a:solidFill>
-                <a:highlight>
-                  <a:srgbClr val="FFFFFF"/>
-                </a:highlight>
-                <a:latin typeface="ＭＳ ゴシック" panose="020B0609070205080204" pitchFamily="49" charset="-128"/>
-                <a:ea typeface="ＭＳ ゴシック" panose="020B0609070205080204" pitchFamily="49" charset="-128"/>
-              </a:rPr>
-            </a:br>
-            <a:r>
-              <a:rPr lang="en-US" altLang="ja-JP" sz="2200" dirty="0">
-                <a:solidFill>
-                  <a:srgbClr val="000000"/>
-                </a:solidFill>
-                <a:highlight>
-                  <a:srgbClr val="FFFFFF"/>
-                </a:highlight>
-                <a:latin typeface="ＭＳ ゴシック" panose="020B0609070205080204" pitchFamily="49" charset="-128"/>
-                <a:ea typeface="ＭＳ ゴシック" panose="020B0609070205080204" pitchFamily="49" charset="-128"/>
-              </a:rPr>
-              <a:t>              </a:t>
-            </a:r>
-            <a:r>
-              <a:rPr lang="en-US" altLang="ja-JP" sz="2200" dirty="0" err="1">
-                <a:solidFill>
-                  <a:srgbClr val="000000"/>
-                </a:solidFill>
-                <a:highlight>
-                  <a:srgbClr val="FFFFFF"/>
-                </a:highlight>
-                <a:ea typeface="ＭＳ ゴシック" panose="020B0609070205080204" pitchFamily="49" charset="-128"/>
-              </a:rPr>
-              <a:t>ballVelocity.x</a:t>
-            </a:r>
-            <a:r>
-              <a:rPr lang="en-US" altLang="ja-JP" sz="2200" dirty="0">
-                <a:solidFill>
-                  <a:srgbClr val="000000"/>
-                </a:solidFill>
-                <a:highlight>
-                  <a:srgbClr val="FFFFFF"/>
-                </a:highlight>
-                <a:ea typeface="ＭＳ ゴシック" panose="020B0609070205080204" pitchFamily="49" charset="-128"/>
-              </a:rPr>
-              <a:t> *= -1;</a:t>
-            </a:r>
-            <a:r>
-              <a:rPr lang="en-US" altLang="ja-JP" sz="2200" dirty="0">
-                <a:solidFill>
-                  <a:srgbClr val="008000"/>
-                </a:solidFill>
-                <a:highlight>
-                  <a:srgbClr val="FFFFFF"/>
-                </a:highlight>
-                <a:latin typeface="ＭＳ ゴシック" panose="020B0609070205080204" pitchFamily="49" charset="-128"/>
-                <a:ea typeface="ＭＳ ゴシック" panose="020B0609070205080204" pitchFamily="49" charset="-128"/>
-              </a:rPr>
-              <a:t> // </a:t>
-            </a:r>
-            <a:r>
-              <a:rPr lang="ja-JP" altLang="en-US" sz="2200" dirty="0">
-                <a:solidFill>
-                  <a:srgbClr val="008000"/>
-                </a:solidFill>
-                <a:highlight>
-                  <a:srgbClr val="FFFFFF"/>
-                </a:highlight>
-                <a:latin typeface="ＭＳ ゴシック" panose="020B0609070205080204" pitchFamily="49" charset="-128"/>
-                <a:ea typeface="ＭＳ ゴシック" panose="020B0609070205080204" pitchFamily="49" charset="-128"/>
-              </a:rPr>
-              <a:t>ボールの速度の </a:t>
-            </a:r>
-            <a:r>
-              <a:rPr lang="en-US" altLang="ja-JP" sz="2200" dirty="0">
-                <a:solidFill>
-                  <a:srgbClr val="008000"/>
-                </a:solidFill>
-                <a:highlight>
-                  <a:srgbClr val="FFFFFF"/>
-                </a:highlight>
-                <a:latin typeface="ＭＳ ゴシック" panose="020B0609070205080204" pitchFamily="49" charset="-128"/>
-                <a:ea typeface="ＭＳ ゴシック" panose="020B0609070205080204" pitchFamily="49" charset="-128"/>
-              </a:rPr>
-              <a:t>X </a:t>
-            </a:r>
-            <a:r>
-              <a:rPr lang="ja-JP" altLang="en-US" sz="2200" dirty="0">
-                <a:solidFill>
-                  <a:srgbClr val="008000"/>
-                </a:solidFill>
-                <a:highlight>
-                  <a:srgbClr val="FFFFFF"/>
-                </a:highlight>
-                <a:latin typeface="ＭＳ ゴシック" panose="020B0609070205080204" pitchFamily="49" charset="-128"/>
-                <a:ea typeface="ＭＳ ゴシック" panose="020B0609070205080204" pitchFamily="49" charset="-128"/>
-              </a:rPr>
-              <a:t>成分を反転</a:t>
-            </a:r>
-            <a:br>
-              <a:rPr lang="en-US" altLang="ja-JP" sz="2200" dirty="0">
-                <a:solidFill>
-                  <a:srgbClr val="000000"/>
-                </a:solidFill>
-                <a:highlight>
-                  <a:srgbClr val="FFFFFF"/>
-                </a:highlight>
-                <a:ea typeface="ＭＳ ゴシック" panose="020B0609070205080204" pitchFamily="49" charset="-128"/>
-              </a:rPr>
-            </a:br>
-            <a:r>
-              <a:rPr lang="en-US" altLang="ja-JP" sz="2200" dirty="0">
-                <a:solidFill>
-                  <a:srgbClr val="000000"/>
-                </a:solidFill>
-                <a:highlight>
-                  <a:srgbClr val="FFFFFF"/>
-                </a:highlight>
-                <a:ea typeface="ＭＳ ゴシック" panose="020B0609070205080204" pitchFamily="49" charset="-128"/>
-              </a:rPr>
-              <a:t>        }</a:t>
-            </a:r>
-            <a:br>
-              <a:rPr lang="en-US" altLang="ja-JP" sz="2200" dirty="0">
-                <a:solidFill>
-                  <a:srgbClr val="000000"/>
-                </a:solidFill>
-                <a:highlight>
-                  <a:srgbClr val="FFFFFF"/>
-                </a:highlight>
-                <a:ea typeface="ＭＳ ゴシック" panose="020B0609070205080204" pitchFamily="49" charset="-128"/>
-              </a:rPr>
-            </a:br>
-            <a:r>
-              <a:rPr lang="en-US" altLang="ja-JP" sz="2200" dirty="0">
-                <a:solidFill>
-                  <a:srgbClr val="000000"/>
-                </a:solidFill>
-                <a:highlight>
-                  <a:srgbClr val="FFFFFF"/>
-                </a:highlight>
-                <a:ea typeface="ＭＳ ゴシック" panose="020B0609070205080204" pitchFamily="49" charset="-128"/>
-              </a:rPr>
-              <a:t>        </a:t>
-            </a:r>
-            <a:r>
-              <a:rPr lang="en-US" altLang="ja-JP" sz="2200" dirty="0">
-                <a:solidFill>
-                  <a:srgbClr val="0000FF"/>
-                </a:solidFill>
-                <a:highlight>
-                  <a:srgbClr val="FFFFFF"/>
-                </a:highlight>
-                <a:ea typeface="ＭＳ ゴシック" panose="020B0609070205080204" pitchFamily="49" charset="-128"/>
-              </a:rPr>
-              <a:t>delete</a:t>
-            </a:r>
-            <a:r>
-              <a:rPr lang="en-US" altLang="ja-JP" sz="2200" dirty="0">
-                <a:solidFill>
-                  <a:srgbClr val="000000"/>
-                </a:solidFill>
-                <a:highlight>
-                  <a:srgbClr val="FFFFFF"/>
-                </a:highlight>
-                <a:ea typeface="ＭＳ ゴシック" panose="020B0609070205080204" pitchFamily="49" charset="-128"/>
-              </a:rPr>
-              <a:t> *(bricks</a:t>
-            </a:r>
-            <a:r>
-              <a:rPr lang="en-US" altLang="ja-JP" sz="2200" dirty="0">
-                <a:solidFill>
-                  <a:srgbClr val="008080"/>
-                </a:solidFill>
-                <a:highlight>
-                  <a:srgbClr val="FFFFFF"/>
-                </a:highlight>
-                <a:ea typeface="ＭＳ ゴシック" panose="020B0609070205080204" pitchFamily="49" charset="-128"/>
-              </a:rPr>
-              <a:t>[</a:t>
-            </a:r>
-            <a:r>
-              <a:rPr lang="en-US" altLang="ja-JP" sz="2200" dirty="0">
-                <a:solidFill>
-                  <a:srgbClr val="000000"/>
-                </a:solidFill>
-                <a:highlight>
-                  <a:srgbClr val="FFFFFF"/>
-                </a:highlight>
-                <a:ea typeface="ＭＳ ゴシック" panose="020B0609070205080204" pitchFamily="49" charset="-128"/>
-              </a:rPr>
-              <a:t>y</a:t>
-            </a:r>
-            <a:r>
-              <a:rPr lang="en-US" altLang="ja-JP" sz="2200" dirty="0">
-                <a:solidFill>
-                  <a:srgbClr val="008080"/>
-                </a:solidFill>
-                <a:highlight>
-                  <a:srgbClr val="FFFFFF"/>
-                </a:highlight>
-                <a:ea typeface="ＭＳ ゴシック" panose="020B0609070205080204" pitchFamily="49" charset="-128"/>
-              </a:rPr>
-              <a:t>]</a:t>
-            </a:r>
-            <a:r>
-              <a:rPr lang="en-US" altLang="ja-JP" sz="2200" dirty="0">
-                <a:solidFill>
-                  <a:srgbClr val="000000"/>
-                </a:solidFill>
-                <a:highlight>
-                  <a:srgbClr val="FFFFFF"/>
-                </a:highlight>
-                <a:ea typeface="ＭＳ ゴシック" panose="020B0609070205080204" pitchFamily="49" charset="-128"/>
-              </a:rPr>
-              <a:t>.begin() </a:t>
-            </a:r>
-            <a:r>
-              <a:rPr lang="en-US" altLang="ja-JP" sz="2200" dirty="0">
-                <a:solidFill>
-                  <a:srgbClr val="008080"/>
-                </a:solidFill>
-                <a:highlight>
-                  <a:srgbClr val="FFFFFF"/>
-                </a:highlight>
-                <a:ea typeface="ＭＳ ゴシック" panose="020B0609070205080204" pitchFamily="49" charset="-128"/>
-              </a:rPr>
-              <a:t>+</a:t>
-            </a:r>
-            <a:r>
-              <a:rPr lang="en-US" altLang="ja-JP" sz="2200" dirty="0">
-                <a:solidFill>
-                  <a:srgbClr val="000000"/>
-                </a:solidFill>
-                <a:highlight>
-                  <a:srgbClr val="FFFFFF"/>
-                </a:highlight>
-                <a:ea typeface="ＭＳ ゴシック" panose="020B0609070205080204" pitchFamily="49" charset="-128"/>
-              </a:rPr>
-              <a:t> x); </a:t>
-            </a:r>
-            <a:r>
-              <a:rPr lang="en-US" altLang="ja-JP" sz="2200" dirty="0">
-                <a:solidFill>
-                  <a:srgbClr val="008000"/>
-                </a:solidFill>
-                <a:highlight>
-                  <a:srgbClr val="FFFFFF"/>
-                </a:highlight>
-                <a:latin typeface="ＭＳ ゴシック" panose="020B0609070205080204" pitchFamily="49" charset="-128"/>
-                <a:ea typeface="ＭＳ ゴシック" panose="020B0609070205080204" pitchFamily="49" charset="-128"/>
-              </a:rPr>
-              <a:t>//</a:t>
-            </a:r>
-            <a:r>
-              <a:rPr lang="ja-JP" altLang="en-US" sz="2200" dirty="0">
-                <a:solidFill>
-                  <a:srgbClr val="008000"/>
-                </a:solidFill>
-                <a:highlight>
-                  <a:srgbClr val="FFFFFF"/>
-                </a:highlight>
-                <a:latin typeface="ＭＳ ゴシック" panose="020B0609070205080204" pitchFamily="49" charset="-128"/>
-                <a:ea typeface="ＭＳ ゴシック" panose="020B0609070205080204" pitchFamily="49" charset="-128"/>
-              </a:rPr>
-              <a:t>ブロックのメモリ領域削除</a:t>
-            </a:r>
-            <a:br>
-              <a:rPr lang="en-US" altLang="ja-JP" sz="2200" dirty="0">
-                <a:solidFill>
-                  <a:srgbClr val="008000"/>
-                </a:solidFill>
-                <a:highlight>
-                  <a:srgbClr val="FFFFFF"/>
-                </a:highlight>
-                <a:latin typeface="ＭＳ ゴシック" panose="020B0609070205080204" pitchFamily="49" charset="-128"/>
-                <a:ea typeface="ＭＳ ゴシック" panose="020B0609070205080204" pitchFamily="49" charset="-128"/>
-              </a:rPr>
-            </a:br>
-            <a:r>
-              <a:rPr lang="en-US" altLang="ja-JP" sz="2200" dirty="0">
-                <a:solidFill>
-                  <a:srgbClr val="000000"/>
-                </a:solidFill>
-                <a:highlight>
-                  <a:srgbClr val="FFFFFF"/>
-                </a:highlight>
-                <a:latin typeface="ＭＳ ゴシック" panose="020B0609070205080204" pitchFamily="49" charset="-128"/>
-                <a:ea typeface="ＭＳ ゴシック" panose="020B0609070205080204" pitchFamily="49" charset="-128"/>
-              </a:rPr>
-              <a:t>          </a:t>
-            </a:r>
-            <a:r>
-              <a:rPr lang="en-US" altLang="ja-JP" sz="2200" dirty="0">
-                <a:solidFill>
-                  <a:srgbClr val="000000"/>
-                </a:solidFill>
-                <a:highlight>
-                  <a:srgbClr val="FFFFFF"/>
-                </a:highlight>
-                <a:ea typeface="ＭＳ ゴシック" panose="020B0609070205080204" pitchFamily="49" charset="-128"/>
-              </a:rPr>
-              <a:t>bricks</a:t>
-            </a:r>
-            <a:r>
-              <a:rPr lang="en-US" altLang="ja-JP" sz="2200" dirty="0">
-                <a:solidFill>
-                  <a:srgbClr val="008080"/>
-                </a:solidFill>
-                <a:highlight>
-                  <a:srgbClr val="FFFFFF"/>
-                </a:highlight>
-                <a:ea typeface="ＭＳ ゴシック" panose="020B0609070205080204" pitchFamily="49" charset="-128"/>
-              </a:rPr>
-              <a:t>[</a:t>
-            </a:r>
-            <a:r>
-              <a:rPr lang="en-US" altLang="ja-JP" sz="2200" dirty="0">
-                <a:solidFill>
-                  <a:srgbClr val="000000"/>
-                </a:solidFill>
-                <a:highlight>
-                  <a:srgbClr val="FFFFFF"/>
-                </a:highlight>
-                <a:ea typeface="ＭＳ ゴシック" panose="020B0609070205080204" pitchFamily="49" charset="-128"/>
-              </a:rPr>
-              <a:t>y</a:t>
-            </a:r>
-            <a:r>
-              <a:rPr lang="en-US" altLang="ja-JP" sz="2200" dirty="0">
-                <a:solidFill>
-                  <a:srgbClr val="008080"/>
-                </a:solidFill>
-                <a:highlight>
-                  <a:srgbClr val="FFFFFF"/>
-                </a:highlight>
-                <a:ea typeface="ＭＳ ゴシック" panose="020B0609070205080204" pitchFamily="49" charset="-128"/>
-              </a:rPr>
-              <a:t>]</a:t>
-            </a:r>
-            <a:r>
-              <a:rPr lang="en-US" altLang="ja-JP" sz="2200" dirty="0">
-                <a:solidFill>
-                  <a:srgbClr val="000000"/>
-                </a:solidFill>
-                <a:highlight>
-                  <a:srgbClr val="FFFFFF"/>
-                </a:highlight>
-                <a:ea typeface="ＭＳ ゴシック" panose="020B0609070205080204" pitchFamily="49" charset="-128"/>
-              </a:rPr>
-              <a:t>.erase(bricks</a:t>
-            </a:r>
-            <a:r>
-              <a:rPr lang="en-US" altLang="ja-JP" sz="2200" dirty="0">
-                <a:solidFill>
-                  <a:srgbClr val="008080"/>
-                </a:solidFill>
-                <a:highlight>
-                  <a:srgbClr val="FFFFFF"/>
-                </a:highlight>
-                <a:ea typeface="ＭＳ ゴシック" panose="020B0609070205080204" pitchFamily="49" charset="-128"/>
-              </a:rPr>
-              <a:t>[</a:t>
-            </a:r>
-            <a:r>
-              <a:rPr lang="en-US" altLang="ja-JP" sz="2200" dirty="0">
-                <a:solidFill>
-                  <a:srgbClr val="000000"/>
-                </a:solidFill>
-                <a:highlight>
-                  <a:srgbClr val="FFFFFF"/>
-                </a:highlight>
-                <a:ea typeface="ＭＳ ゴシック" panose="020B0609070205080204" pitchFamily="49" charset="-128"/>
-              </a:rPr>
-              <a:t>y</a:t>
-            </a:r>
-            <a:r>
-              <a:rPr lang="en-US" altLang="ja-JP" sz="2200" dirty="0">
-                <a:solidFill>
-                  <a:srgbClr val="008080"/>
-                </a:solidFill>
-                <a:highlight>
-                  <a:srgbClr val="FFFFFF"/>
-                </a:highlight>
-                <a:ea typeface="ＭＳ ゴシック" panose="020B0609070205080204" pitchFamily="49" charset="-128"/>
-              </a:rPr>
-              <a:t>]</a:t>
-            </a:r>
-            <a:r>
-              <a:rPr lang="en-US" altLang="ja-JP" sz="2200" dirty="0">
-                <a:solidFill>
-                  <a:srgbClr val="000000"/>
-                </a:solidFill>
-                <a:highlight>
-                  <a:srgbClr val="FFFFFF"/>
-                </a:highlight>
-                <a:ea typeface="ＭＳ ゴシック" panose="020B0609070205080204" pitchFamily="49" charset="-128"/>
-              </a:rPr>
-              <a:t>.begin() </a:t>
-            </a:r>
-            <a:r>
-              <a:rPr lang="en-US" altLang="ja-JP" sz="2200" dirty="0">
-                <a:solidFill>
-                  <a:srgbClr val="008080"/>
-                </a:solidFill>
-                <a:highlight>
-                  <a:srgbClr val="FFFFFF"/>
-                </a:highlight>
-                <a:ea typeface="ＭＳ ゴシック" panose="020B0609070205080204" pitchFamily="49" charset="-128"/>
-              </a:rPr>
-              <a:t>+</a:t>
-            </a:r>
-            <a:r>
-              <a:rPr lang="en-US" altLang="ja-JP" sz="2200" dirty="0">
-                <a:solidFill>
-                  <a:srgbClr val="000000"/>
-                </a:solidFill>
-                <a:highlight>
-                  <a:srgbClr val="FFFFFF"/>
-                </a:highlight>
-                <a:ea typeface="ＭＳ ゴシック" panose="020B0609070205080204" pitchFamily="49" charset="-128"/>
-              </a:rPr>
-              <a:t> x);</a:t>
-            </a:r>
-            <a:r>
-              <a:rPr lang="en-US" altLang="ja-JP" sz="2200" dirty="0">
-                <a:solidFill>
-                  <a:srgbClr val="008000"/>
-                </a:solidFill>
-                <a:highlight>
-                  <a:srgbClr val="FFFFFF"/>
-                </a:highlight>
-                <a:latin typeface="ＭＳ ゴシック" panose="020B0609070205080204" pitchFamily="49" charset="-128"/>
-                <a:ea typeface="ＭＳ ゴシック" panose="020B0609070205080204" pitchFamily="49" charset="-128"/>
-              </a:rPr>
-              <a:t>//</a:t>
-            </a:r>
-            <a:r>
-              <a:rPr lang="ja-JP" altLang="en-US" sz="2200" dirty="0">
-                <a:solidFill>
-                  <a:srgbClr val="008000"/>
-                </a:solidFill>
-                <a:highlight>
-                  <a:srgbClr val="FFFFFF"/>
-                </a:highlight>
-                <a:latin typeface="ＭＳ ゴシック" panose="020B0609070205080204" pitchFamily="49" charset="-128"/>
-                <a:ea typeface="ＭＳ ゴシック" panose="020B0609070205080204" pitchFamily="49" charset="-128"/>
-              </a:rPr>
-              <a:t>配列要素を削除</a:t>
-            </a:r>
-            <a:br>
-              <a:rPr lang="en-US" altLang="ja-JP" sz="2200" dirty="0">
-                <a:solidFill>
-                  <a:srgbClr val="000000"/>
-                </a:solidFill>
-                <a:highlight>
-                  <a:srgbClr val="FFFFFF"/>
-                </a:highlight>
-                <a:ea typeface="ＭＳ ゴシック" panose="020B0609070205080204" pitchFamily="49" charset="-128"/>
-              </a:rPr>
-            </a:br>
-            <a:r>
-              <a:rPr lang="en-US" altLang="ja-JP" sz="2200" dirty="0">
-                <a:solidFill>
-                  <a:srgbClr val="000000"/>
-                </a:solidFill>
-                <a:highlight>
-                  <a:srgbClr val="FFFFFF"/>
-                </a:highlight>
-                <a:ea typeface="ＭＳ ゴシック" panose="020B0609070205080204" pitchFamily="49" charset="-128"/>
-              </a:rPr>
-              <a:t>        </a:t>
-            </a:r>
-            <a:r>
-              <a:rPr lang="en-US" altLang="ja-JP" sz="2200" dirty="0">
-                <a:solidFill>
-                  <a:srgbClr val="0000FF"/>
-                </a:solidFill>
-                <a:highlight>
-                  <a:srgbClr val="FFFFFF"/>
-                </a:highlight>
-                <a:ea typeface="ＭＳ ゴシック" panose="020B0609070205080204" pitchFamily="49" charset="-128"/>
-              </a:rPr>
-              <a:t>break</a:t>
-            </a:r>
-            <a:r>
-              <a:rPr lang="en-US" altLang="ja-JP" sz="2200" dirty="0">
-                <a:solidFill>
-                  <a:srgbClr val="000000"/>
-                </a:solidFill>
-                <a:highlight>
-                  <a:srgbClr val="FFFFFF"/>
-                </a:highlight>
-                <a:ea typeface="ＭＳ ゴシック" panose="020B0609070205080204" pitchFamily="49" charset="-128"/>
-              </a:rPr>
-              <a:t>;</a:t>
-            </a:r>
-            <a:r>
-              <a:rPr lang="en-US" altLang="ja-JP" sz="2200" dirty="0">
-                <a:solidFill>
-                  <a:srgbClr val="008000"/>
-                </a:solidFill>
-                <a:highlight>
-                  <a:srgbClr val="FFFFFF"/>
-                </a:highlight>
-                <a:latin typeface="ＭＳ ゴシック" panose="020B0609070205080204" pitchFamily="49" charset="-128"/>
-                <a:ea typeface="ＭＳ ゴシック" panose="020B0609070205080204" pitchFamily="49" charset="-128"/>
-              </a:rPr>
-              <a:t> //</a:t>
-            </a:r>
-            <a:r>
-              <a:rPr lang="ja-JP" altLang="en-US" sz="2200" dirty="0">
-                <a:solidFill>
-                  <a:srgbClr val="008000"/>
-                </a:solidFill>
-                <a:highlight>
-                  <a:srgbClr val="FFFFFF"/>
-                </a:highlight>
-                <a:latin typeface="ＭＳ ゴシック" panose="020B0609070205080204" pitchFamily="49" charset="-128"/>
-                <a:ea typeface="ＭＳ ゴシック" panose="020B0609070205080204" pitchFamily="49" charset="-128"/>
-              </a:rPr>
-              <a:t>これ以上チェックせずループから抜ける</a:t>
-            </a:r>
-            <a:br>
-              <a:rPr lang="en-US" altLang="ja-JP" sz="2200" dirty="0">
-                <a:solidFill>
-                  <a:srgbClr val="000000"/>
-                </a:solidFill>
-                <a:highlight>
-                  <a:srgbClr val="FFFFFF"/>
-                </a:highlight>
-                <a:latin typeface="ＭＳ ゴシック" panose="020B0609070205080204" pitchFamily="49" charset="-128"/>
-                <a:ea typeface="ＭＳ ゴシック" panose="020B0609070205080204" pitchFamily="49" charset="-128"/>
-              </a:rPr>
-            </a:br>
-            <a:r>
-              <a:rPr lang="en-US" altLang="ja-JP" sz="2200" dirty="0">
-                <a:solidFill>
-                  <a:srgbClr val="000000"/>
-                </a:solidFill>
-                <a:highlight>
-                  <a:srgbClr val="FFFFFF"/>
-                </a:highlight>
-                <a:latin typeface="ＭＳ ゴシック" panose="020B0609070205080204" pitchFamily="49" charset="-128"/>
-                <a:ea typeface="ＭＳ ゴシック" panose="020B0609070205080204" pitchFamily="49" charset="-128"/>
-              </a:rPr>
-              <a:t>      </a:t>
-            </a:r>
-            <a:r>
-              <a:rPr lang="en-US" altLang="ja-JP" sz="2200" dirty="0">
-                <a:solidFill>
-                  <a:srgbClr val="000000"/>
-                </a:solidFill>
-                <a:highlight>
-                  <a:srgbClr val="FFFFFF"/>
-                </a:highlight>
-                <a:ea typeface="ＭＳ ゴシック" panose="020B0609070205080204" pitchFamily="49" charset="-128"/>
-              </a:rPr>
-              <a:t>}</a:t>
-            </a:r>
-            <a:br>
-              <a:rPr lang="en-US" altLang="ja-JP" sz="2200" dirty="0">
-                <a:solidFill>
-                  <a:srgbClr val="000000"/>
-                </a:solidFill>
-                <a:highlight>
-                  <a:srgbClr val="FFFFFF"/>
-                </a:highlight>
-                <a:ea typeface="ＭＳ ゴシック" panose="020B0609070205080204" pitchFamily="49" charset="-128"/>
-              </a:rPr>
-            </a:br>
-            <a:r>
-              <a:rPr lang="en-US" altLang="ja-JP" sz="2200" dirty="0">
-                <a:solidFill>
-                  <a:srgbClr val="000000"/>
-                </a:solidFill>
-                <a:highlight>
-                  <a:srgbClr val="FFFFFF"/>
-                </a:highlight>
-                <a:ea typeface="ＭＳ ゴシック" panose="020B0609070205080204" pitchFamily="49" charset="-128"/>
-              </a:rPr>
-              <a:t>   }</a:t>
-            </a:r>
-            <a:br>
-              <a:rPr lang="en-US" altLang="ja-JP" sz="2200" dirty="0">
-                <a:solidFill>
-                  <a:srgbClr val="000000"/>
-                </a:solidFill>
-                <a:highlight>
-                  <a:srgbClr val="FFFFFF"/>
-                </a:highlight>
-                <a:ea typeface="ＭＳ ゴシック" panose="020B0609070205080204" pitchFamily="49" charset="-128"/>
-              </a:rPr>
-            </a:br>
-            <a:r>
-              <a:rPr lang="en-US" altLang="ja-JP" sz="2200" dirty="0">
-                <a:solidFill>
-                  <a:srgbClr val="000000"/>
-                </a:solidFill>
-                <a:highlight>
-                  <a:srgbClr val="FFFFFF"/>
-                </a:highlight>
-                <a:ea typeface="ＭＳ ゴシック" panose="020B0609070205080204" pitchFamily="49" charset="-128"/>
-              </a:rPr>
-              <a:t> }</a:t>
-            </a:r>
-            <a:br>
-              <a:rPr lang="en-US" altLang="ja-JP" sz="2200" dirty="0">
-                <a:solidFill>
-                  <a:srgbClr val="000000"/>
-                </a:solidFill>
-                <a:highlight>
-                  <a:srgbClr val="FFFFFF"/>
-                </a:highlight>
-                <a:ea typeface="ＭＳ ゴシック" panose="020B0609070205080204" pitchFamily="49" charset="-128"/>
-              </a:rPr>
-            </a:br>
-            <a:r>
-              <a:rPr lang="en-US" altLang="ja-JP" sz="2200" dirty="0">
-                <a:solidFill>
-                  <a:srgbClr val="000000"/>
-                </a:solidFill>
-                <a:highlight>
-                  <a:srgbClr val="FFFFFF"/>
-                </a:highlight>
-                <a:ea typeface="ＭＳ ゴシック" panose="020B0609070205080204" pitchFamily="49" charset="-128"/>
-              </a:rPr>
-              <a:t> </a:t>
-            </a:r>
-            <a:r>
-              <a:rPr lang="en-US" altLang="ja-JP" sz="2200" dirty="0">
-                <a:solidFill>
-                  <a:srgbClr val="008000"/>
-                </a:solidFill>
-                <a:highlight>
-                  <a:srgbClr val="FFFFFF"/>
-                </a:highlight>
-                <a:latin typeface="ＭＳ ゴシック" panose="020B0609070205080204" pitchFamily="49" charset="-128"/>
-                <a:ea typeface="ＭＳ ゴシック" panose="020B0609070205080204" pitchFamily="49" charset="-128"/>
-              </a:rPr>
-              <a:t>//</a:t>
-            </a:r>
-            <a:r>
-              <a:rPr lang="ja-JP" altLang="en-US" sz="2200" dirty="0">
-                <a:solidFill>
-                  <a:srgbClr val="008000"/>
+                  <a:schemeClr val="bg1">
+                    <a:lumMod val="50000"/>
+                  </a:schemeClr>
                 </a:solidFill>
                 <a:highlight>
                   <a:srgbClr val="FFFFFF"/>
@@ -43265,7 +43032,9 @@
             </a:r>
             <a:endParaRPr lang="en-US" altLang="ja-JP" sz="2200" dirty="0">
               <a:solidFill>
-                <a:srgbClr val="000000"/>
+                <a:schemeClr val="bg1">
+                  <a:lumMod val="50000"/>
+                </a:schemeClr>
               </a:solidFill>
               <a:highlight>
                 <a:srgbClr val="FFFFFF"/>
@@ -43356,7 +43125,7 @@
             <a:r>
               <a:rPr lang="en-US" altLang="ja-JP" sz="2400" dirty="0">
                 <a:solidFill>
-                  <a:srgbClr val="0000FF"/>
+                  <a:srgbClr val="FF0000"/>
                 </a:solidFill>
                 <a:highlight>
                   <a:srgbClr val="FFFFFF"/>
@@ -43389,8 +43158,8 @@
         </p:nvSpPr>
         <p:spPr>
           <a:xfrm>
-            <a:off x="2741576" y="3560942"/>
-            <a:ext cx="8871629" cy="830997"/>
+            <a:off x="2354091" y="3517847"/>
+            <a:ext cx="9106714" cy="830997"/>
           </a:xfrm>
           <a:prstGeom prst="rect">
             <a:avLst/>
@@ -43420,45 +43189,97 @@
             <a:r>
               <a:rPr lang="en-US" altLang="ja-JP" sz="2400" dirty="0">
                 <a:solidFill>
+                  <a:srgbClr val="FF0000"/>
+                </a:solidFill>
+                <a:highlight>
+                  <a:srgbClr val="FFFFFF"/>
+                </a:highlight>
+                <a:ea typeface="ＭＳ ゴシック" panose="020B0609070205080204" pitchFamily="49" charset="-128"/>
+              </a:rPr>
+              <a:t>bottom</a:t>
+            </a:r>
+            <a:r>
+              <a:rPr lang="ja-JP" altLang="en-US" sz="2400" dirty="0">
+                <a:solidFill>
+                  <a:srgbClr val="FF0000"/>
+                </a:solidFill>
+                <a:highlight>
+                  <a:srgbClr val="FFFFFF"/>
+                </a:highlight>
+                <a:ea typeface="ＭＳ ゴシック" panose="020B0609070205080204" pitchFamily="49" charset="-128"/>
+              </a:rPr>
+              <a:t>関数</a:t>
+            </a:r>
+            <a:r>
+              <a:rPr lang="en-US" altLang="ja-JP" sz="2400" dirty="0">
+                <a:solidFill>
+                  <a:srgbClr val="FF0000"/>
+                </a:solidFill>
+                <a:highlight>
+                  <a:srgbClr val="FFFFFF"/>
+                </a:highlight>
+                <a:ea typeface="ＭＳ ゴシック" panose="020B0609070205080204" pitchFamily="49" charset="-128"/>
+              </a:rPr>
+              <a:t>,</a:t>
+            </a:r>
+            <a:r>
+              <a:rPr lang="ja-JP" altLang="en-US" sz="2400" dirty="0">
+                <a:solidFill>
+                  <a:srgbClr val="FF0000"/>
+                </a:solidFill>
+                <a:highlight>
+                  <a:srgbClr val="FFFFFF"/>
+                </a:highlight>
+                <a:ea typeface="ＭＳ ゴシック" panose="020B0609070205080204" pitchFamily="49" charset="-128"/>
+              </a:rPr>
+              <a:t> </a:t>
+            </a:r>
+            <a:r>
+              <a:rPr lang="en-US" altLang="ja-JP" sz="2400" dirty="0">
+                <a:solidFill>
+                  <a:srgbClr val="FF0000"/>
+                </a:solidFill>
+                <a:highlight>
+                  <a:srgbClr val="FFFFFF"/>
+                </a:highlight>
+                <a:ea typeface="ＭＳ ゴシック" panose="020B0609070205080204" pitchFamily="49" charset="-128"/>
+              </a:rPr>
+              <a:t>top</a:t>
+            </a:r>
+            <a:r>
+              <a:rPr lang="ja-JP" altLang="en-US" sz="2400" dirty="0">
+                <a:solidFill>
+                  <a:srgbClr val="FF0000"/>
+                </a:solidFill>
+                <a:highlight>
+                  <a:srgbClr val="FFFFFF"/>
+                </a:highlight>
+                <a:ea typeface="ＭＳ ゴシック" panose="020B0609070205080204" pitchFamily="49" charset="-128"/>
+              </a:rPr>
+              <a:t>関数</a:t>
+            </a:r>
+            <a:br>
+              <a:rPr kumimoji="1" lang="en-US" altLang="ja-JP" sz="2400" dirty="0"/>
+            </a:br>
+            <a:r>
+              <a:rPr kumimoji="1" lang="en-US" altLang="ja-JP" sz="2400" dirty="0">
+                <a:solidFill>
                   <a:srgbClr val="0000FF"/>
                 </a:solidFill>
-                <a:highlight>
-                  <a:srgbClr val="FFFFFF"/>
-                </a:highlight>
-                <a:ea typeface="ＭＳ ゴシック" panose="020B0609070205080204" pitchFamily="49" charset="-128"/>
-              </a:rPr>
-              <a:t>bottom(),</a:t>
-            </a:r>
-            <a:r>
-              <a:rPr lang="ja-JP" altLang="en-US" sz="2400" dirty="0">
-                <a:solidFill>
-                  <a:srgbClr val="0000FF"/>
-                </a:solidFill>
-                <a:highlight>
-                  <a:srgbClr val="FFFFFF"/>
-                </a:highlight>
-                <a:ea typeface="ＭＳ ゴシック" panose="020B0609070205080204" pitchFamily="49" charset="-128"/>
-              </a:rPr>
-              <a:t> </a:t>
-            </a:r>
-            <a:r>
-              <a:rPr lang="en-US" altLang="ja-JP" sz="2400" dirty="0">
-                <a:solidFill>
-                  <a:srgbClr val="0000FF"/>
-                </a:solidFill>
-                <a:highlight>
-                  <a:srgbClr val="FFFFFF"/>
-                </a:highlight>
-                <a:ea typeface="ＭＳ ゴシック" panose="020B0609070205080204" pitchFamily="49" charset="-128"/>
-              </a:rPr>
-              <a:t>top()</a:t>
-            </a:r>
-            <a:br>
+              </a:rPr>
+              <a:t>intersect</a:t>
+            </a:r>
+            <a:r>
+              <a:rPr kumimoji="1" lang="ja-JP" altLang="en-US" sz="2400" dirty="0"/>
+              <a:t>関数でブロック底辺</a:t>
+            </a:r>
+            <a:r>
               <a:rPr kumimoji="1" lang="en-US" altLang="ja-JP" sz="2400" dirty="0"/>
-            </a:br>
+              <a:t>or</a:t>
+            </a:r>
             <a:r>
               <a:rPr kumimoji="1" lang="ja-JP" altLang="en-US" sz="2400" dirty="0"/>
-              <a:t>ブロックの底辺と上辺を求めて、ボールと重なったかをチェック</a:t>
+              <a:t>上辺とボールの重なりを調べる</a:t>
             </a:r>
           </a:p>
         </p:txBody>
@@ -43477,7 +43298,7 @@
         </p:nvSpPr>
         <p:spPr>
           <a:xfrm>
-            <a:off x="2183856" y="5292545"/>
+            <a:off x="1729087" y="5409277"/>
             <a:ext cx="6794773" cy="1200329"/>
           </a:xfrm>
           <a:prstGeom prst="rect">
@@ -43516,7 +43337,33 @@
                 <a:latin typeface="+mj-ea"/>
                 <a:ea typeface="+mj-ea"/>
               </a:rPr>
-              <a:t>ブロックの消去</a:t>
+              <a:t>ブロックの消去（</a:t>
+            </a:r>
+            <a:r>
+              <a:rPr lang="en-US" altLang="ja-JP" sz="2400" dirty="0">
+                <a:solidFill>
+                  <a:srgbClr val="0000FF"/>
+                </a:solidFill>
+                <a:highlight>
+                  <a:srgbClr val="FFFFFF"/>
+                </a:highlight>
+                <a:latin typeface="+mj-ea"/>
+                <a:ea typeface="+mj-ea"/>
+              </a:rPr>
+              <a:t>delete, erase</a:t>
+            </a:r>
+            <a:r>
+              <a:rPr lang="ja-JP" altLang="en-US" sz="2400" dirty="0">
+                <a:solidFill>
+                  <a:srgbClr val="0000FF"/>
+                </a:solidFill>
+                <a:highlight>
+                  <a:srgbClr val="FFFFFF"/>
+                </a:highlight>
+                <a:latin typeface="+mj-ea"/>
+                <a:ea typeface="+mj-ea"/>
+              </a:rPr>
+              <a:t>）</a:t>
             </a:r>
             <a:br>
               <a:rPr kumimoji="1" lang="en-US" altLang="ja-JP" sz="2400" dirty="0"/>
@@ -43532,6 +43379,2947 @@
     <p:extLst>
       <p:ext uri="{BB962C8B-B14F-4D97-AF65-F5344CB8AC3E}">
         <p14:creationId xmlns:p14="http://schemas.microsoft.com/office/powerpoint/2010/main" val="3608531447"/>
+      </p:ext>
+    </p:extLst>
+  </p:cSld>
+  <p:clrMapOvr>
+    <a:masterClrMapping/>
+  </p:clrMapOvr>
+</p:sld>
+</file>
+
+<file path=ppt/slides/slide53.xml><?xml version="1.0" encoding="utf-8"?>
+<p:sld xmlns:a="http://schemas.openxmlformats.org/drawingml/2006/main" xmlns:r="http://schemas.openxmlformats.org/officeDocument/2006/relationships" xmlns:p="http://schemas.openxmlformats.org/presentationml/2006/main">
+  <p:cSld>
+    <p:spTree>
+      <p:nvGrpSpPr>
+        <p:cNvPr id="1" name="">
+          <a:extLst>
+            <a:ext uri="{FF2B5EF4-FFF2-40B4-BE49-F238E27FC236}">
+              <a16:creationId xmlns:a16="http://schemas.microsoft.com/office/drawing/2014/main" id="{4AAC5A85-80A2-2B64-EC55-0938EFFEEBF6}"/>
+            </a:ext>
+          </a:extLst>
+        </p:cNvPr>
+        <p:cNvGrpSpPr/>
+        <p:nvPr/>
+      </p:nvGrpSpPr>
+      <p:grpSpPr>
+        <a:xfrm>
+          <a:off x="0" y="0"/>
+          <a:ext cx="0" cy="0"/>
+          <a:chOff x="0" y="0"/>
+          <a:chExt cx="0" cy="0"/>
+        </a:xfrm>
+      </p:grpSpPr>
+      <p:sp>
+        <p:nvSpPr>
+          <p:cNvPr id="2" name="タイトル 1">
+            <a:extLst>
+              <a:ext uri="{FF2B5EF4-FFF2-40B4-BE49-F238E27FC236}">
+                <a16:creationId xmlns:a16="http://schemas.microsoft.com/office/drawing/2014/main" id="{DE7B5CD3-064D-5E88-7239-B397310E4268}"/>
+              </a:ext>
+            </a:extLst>
+          </p:cNvPr>
+          <p:cNvSpPr>
+            <a:spLocks noGrp="1"/>
+          </p:cNvSpPr>
+          <p:nvPr>
+            <p:ph type="title"/>
+          </p:nvPr>
+        </p:nvSpPr>
+        <p:spPr/>
+        <p:txBody>
+          <a:bodyPr>
+            <a:normAutofit/>
+          </a:bodyPr>
+          <a:lstStyle/>
+          <a:p>
+            <a:r>
+              <a:rPr kumimoji="1" lang="ja-JP" altLang="en-US" dirty="0"/>
+              <a:t>演習：</a:t>
+            </a:r>
+            <a:r>
+              <a:rPr lang="en-US" altLang="ja-JP" dirty="0"/>
+              <a:t>Siv3D</a:t>
+            </a:r>
+            <a:endParaRPr kumimoji="1" lang="ja-JP" altLang="en-US" dirty="0"/>
+          </a:p>
+        </p:txBody>
+      </p:sp>
+      <p:sp>
+        <p:nvSpPr>
+          <p:cNvPr id="3" name="コンテンツ プレースホルダー 2">
+            <a:extLst>
+              <a:ext uri="{FF2B5EF4-FFF2-40B4-BE49-F238E27FC236}">
+                <a16:creationId xmlns:a16="http://schemas.microsoft.com/office/drawing/2014/main" id="{3062AB1A-1964-4817-17BB-9A142E00A6A7}"/>
+              </a:ext>
+            </a:extLst>
+          </p:cNvPr>
+          <p:cNvSpPr>
+            <a:spLocks noGrp="1"/>
+          </p:cNvSpPr>
+          <p:nvPr>
+            <p:ph idx="1"/>
+          </p:nvPr>
+        </p:nvSpPr>
+        <p:spPr>
+          <a:xfrm>
+            <a:off x="430306" y="1376038"/>
+            <a:ext cx="11654118" cy="5329562"/>
+          </a:xfrm>
+        </p:spPr>
+        <p:txBody>
+          <a:bodyPr>
+            <a:normAutofit/>
+          </a:bodyPr>
+          <a:lstStyle/>
+          <a:p>
+            <a:r>
+              <a:rPr kumimoji="1" lang="ja-JP" altLang="en-US" dirty="0"/>
+              <a:t>画面下部に到達した</a:t>
+            </a:r>
+            <a:br>
+              <a:rPr kumimoji="1" lang="en-US" altLang="ja-JP" dirty="0"/>
+            </a:br>
+            <a:r>
+              <a:rPr kumimoji="1" lang="ja-JP" altLang="en-US" dirty="0"/>
+              <a:t>ボール処理</a:t>
+            </a:r>
+            <a:br>
+              <a:rPr kumimoji="1" lang="en-US" altLang="ja-JP" dirty="0"/>
+            </a:br>
+            <a:br>
+              <a:rPr kumimoji="1" lang="en-US" altLang="ja-JP" dirty="0"/>
+            </a:br>
+            <a:r>
+              <a:rPr kumimoji="1" lang="ja-JP" altLang="en-US" dirty="0"/>
+              <a:t>今は画面の下部でボール</a:t>
+            </a:r>
+            <a:br>
+              <a:rPr kumimoji="1" lang="en-US" altLang="ja-JP" dirty="0"/>
+            </a:br>
+            <a:r>
+              <a:rPr kumimoji="1" lang="ja-JP" altLang="en-US" dirty="0"/>
+              <a:t>を反射させている</a:t>
+            </a:r>
+            <a:br>
+              <a:rPr kumimoji="1" lang="en-US" altLang="ja-JP" dirty="0"/>
+            </a:br>
+            <a:br>
+              <a:rPr kumimoji="1" lang="en-US" altLang="ja-JP" dirty="0"/>
+            </a:br>
+            <a:r>
+              <a:rPr kumimoji="1" lang="ja-JP" altLang="en-US" dirty="0"/>
+              <a:t>本来はボールを初期位置</a:t>
+            </a:r>
+            <a:br>
+              <a:rPr kumimoji="1" lang="en-US" altLang="ja-JP" dirty="0"/>
+            </a:br>
+            <a:r>
+              <a:rPr kumimoji="1" lang="ja-JP" altLang="en-US" dirty="0"/>
+              <a:t>および初期速度に戻す</a:t>
+            </a:r>
+            <a:br>
+              <a:rPr kumimoji="1" lang="en-US" altLang="ja-JP" dirty="0"/>
+            </a:br>
+            <a:r>
+              <a:rPr kumimoji="1" lang="ja-JP" altLang="en-US" dirty="0"/>
+              <a:t>必要がある</a:t>
+            </a:r>
+            <a:endParaRPr kumimoji="1" lang="en-US" altLang="ja-JP" dirty="0"/>
+          </a:p>
+        </p:txBody>
+      </p:sp>
+      <p:pic>
+        <p:nvPicPr>
+          <p:cNvPr id="7" name="図 6">
+            <a:extLst>
+              <a:ext uri="{FF2B5EF4-FFF2-40B4-BE49-F238E27FC236}">
+                <a16:creationId xmlns:a16="http://schemas.microsoft.com/office/drawing/2014/main" id="{4B620F1B-F65A-FDEB-BA50-6EECB4526678}"/>
+              </a:ext>
+            </a:extLst>
+          </p:cNvPr>
+          <p:cNvPicPr>
+            <a:picLocks noChangeAspect="1"/>
+          </p:cNvPicPr>
+          <p:nvPr/>
+        </p:nvPicPr>
+        <p:blipFill>
+          <a:blip r:embed="rId2"/>
+          <a:stretch>
+            <a:fillRect/>
+          </a:stretch>
+        </p:blipFill>
+        <p:spPr>
+          <a:xfrm>
+            <a:off x="6096000" y="1767969"/>
+            <a:ext cx="5827059" cy="4399284"/>
+          </a:xfrm>
+          <a:prstGeom prst="rect">
+            <a:avLst/>
+          </a:prstGeom>
+        </p:spPr>
+      </p:pic>
+    </p:spTree>
+    <p:extLst>
+      <p:ext uri="{BB962C8B-B14F-4D97-AF65-F5344CB8AC3E}">
+        <p14:creationId xmlns:p14="http://schemas.microsoft.com/office/powerpoint/2010/main" val="1869651163"/>
+      </p:ext>
+    </p:extLst>
+  </p:cSld>
+  <p:clrMapOvr>
+    <a:masterClrMapping/>
+  </p:clrMapOvr>
+</p:sld>
+</file>
+
+<file path=ppt/slides/slide54.xml><?xml version="1.0" encoding="utf-8"?>
+<p:sld xmlns:a="http://schemas.openxmlformats.org/drawingml/2006/main" xmlns:r="http://schemas.openxmlformats.org/officeDocument/2006/relationships" xmlns:p="http://schemas.openxmlformats.org/presentationml/2006/main">
+  <p:cSld>
+    <p:spTree>
+      <p:nvGrpSpPr>
+        <p:cNvPr id="1" name="">
+          <a:extLst>
+            <a:ext uri="{FF2B5EF4-FFF2-40B4-BE49-F238E27FC236}">
+              <a16:creationId xmlns:a16="http://schemas.microsoft.com/office/drawing/2014/main" id="{78C19928-D2FE-1F2D-20C5-C956A0C9A6B6}"/>
+            </a:ext>
+          </a:extLst>
+        </p:cNvPr>
+        <p:cNvGrpSpPr/>
+        <p:nvPr/>
+      </p:nvGrpSpPr>
+      <p:grpSpPr>
+        <a:xfrm>
+          <a:off x="0" y="0"/>
+          <a:ext cx="0" cy="0"/>
+          <a:chOff x="0" y="0"/>
+          <a:chExt cx="0" cy="0"/>
+        </a:xfrm>
+      </p:grpSpPr>
+      <p:sp>
+        <p:nvSpPr>
+          <p:cNvPr id="2" name="タイトル 1">
+            <a:extLst>
+              <a:ext uri="{FF2B5EF4-FFF2-40B4-BE49-F238E27FC236}">
+                <a16:creationId xmlns:a16="http://schemas.microsoft.com/office/drawing/2014/main" id="{C52A4CD4-AE47-A658-9B07-F1A7E15D79F1}"/>
+              </a:ext>
+            </a:extLst>
+          </p:cNvPr>
+          <p:cNvSpPr>
+            <a:spLocks noGrp="1"/>
+          </p:cNvSpPr>
+          <p:nvPr>
+            <p:ph type="title"/>
+          </p:nvPr>
+        </p:nvSpPr>
+        <p:spPr/>
+        <p:txBody>
+          <a:bodyPr>
+            <a:normAutofit/>
+          </a:bodyPr>
+          <a:lstStyle/>
+          <a:p>
+            <a:r>
+              <a:rPr kumimoji="1" lang="ja-JP" altLang="en-US" dirty="0"/>
+              <a:t>演習：</a:t>
+            </a:r>
+            <a:r>
+              <a:rPr lang="en-US" altLang="ja-JP" dirty="0"/>
+              <a:t>Siv3D</a:t>
+            </a:r>
+            <a:endParaRPr kumimoji="1" lang="ja-JP" altLang="en-US" dirty="0"/>
+          </a:p>
+        </p:txBody>
+      </p:sp>
+      <p:sp>
+        <p:nvSpPr>
+          <p:cNvPr id="4" name="コンテンツ プレースホルダー 2">
+            <a:extLst>
+              <a:ext uri="{FF2B5EF4-FFF2-40B4-BE49-F238E27FC236}">
+                <a16:creationId xmlns:a16="http://schemas.microsoft.com/office/drawing/2014/main" id="{E8134BDD-0410-E70D-80E0-C3523CDD0BC8}"/>
+              </a:ext>
+            </a:extLst>
+          </p:cNvPr>
+          <p:cNvSpPr txBox="1">
+            <a:spLocks/>
+          </p:cNvSpPr>
+          <p:nvPr/>
+        </p:nvSpPr>
+        <p:spPr>
+          <a:xfrm>
+            <a:off x="731195" y="1162976"/>
+            <a:ext cx="11136549" cy="5626930"/>
+          </a:xfrm>
+          <a:prstGeom prst="rect">
+            <a:avLst/>
+          </a:prstGeom>
+          <a:solidFill>
+            <a:schemeClr val="bg1"/>
+          </a:solidFill>
+          <a:ln>
+            <a:solidFill>
+              <a:schemeClr val="tx1"/>
+            </a:solidFill>
+          </a:ln>
+        </p:spPr>
+        <p:txBody>
+          <a:bodyPr vert="horz" lIns="91440" tIns="45720" rIns="91440" bIns="45720" rtlCol="0">
+            <a:noAutofit/>
+          </a:bodyPr>
+          <a:lstStyle>
+            <a:lvl1pPr marL="228600" indent="-228600" algn="l" defTabSz="914400" rtl="0" eaLnBrk="1" latinLnBrk="0" hangingPunct="1">
+              <a:lnSpc>
+                <a:spcPct val="90000"/>
+              </a:lnSpc>
+              <a:spcBef>
+                <a:spcPts val="1000"/>
+              </a:spcBef>
+              <a:buFont typeface="Arial" panose="020B0604020202020204" pitchFamily="34" charset="0"/>
+              <a:buChar char="•"/>
+              <a:defRPr kumimoji="1" sz="3600" kern="1200">
+                <a:solidFill>
+                  <a:schemeClr val="tx1"/>
+                </a:solidFill>
+                <a:latin typeface="+mn-lt"/>
+                <a:ea typeface="+mn-ea"/>
+                <a:cs typeface="+mn-cs"/>
+              </a:defRPr>
+            </a:lvl1pPr>
+            <a:lvl2pPr marL="685800" indent="-228600" algn="l" defTabSz="914400" rtl="0" eaLnBrk="1" latinLnBrk="0" hangingPunct="1">
+              <a:lnSpc>
+                <a:spcPct val="90000"/>
+              </a:lnSpc>
+              <a:spcBef>
+                <a:spcPts val="500"/>
+              </a:spcBef>
+              <a:buFont typeface="Arial" panose="020B0604020202020204" pitchFamily="34" charset="0"/>
+              <a:buChar char="•"/>
+              <a:defRPr kumimoji="1" sz="3200" kern="1200">
+                <a:solidFill>
+                  <a:schemeClr val="tx1"/>
+                </a:solidFill>
+                <a:latin typeface="+mn-lt"/>
+                <a:ea typeface="+mn-ea"/>
+                <a:cs typeface="+mn-cs"/>
+              </a:defRPr>
+            </a:lvl2pPr>
+            <a:lvl3pPr marL="1143000" indent="-228600" algn="l" defTabSz="914400" rtl="0" eaLnBrk="1" latinLnBrk="0" hangingPunct="1">
+              <a:lnSpc>
+                <a:spcPct val="90000"/>
+              </a:lnSpc>
+              <a:spcBef>
+                <a:spcPts val="500"/>
+              </a:spcBef>
+              <a:buFont typeface="Arial" panose="020B0604020202020204" pitchFamily="34" charset="0"/>
+              <a:buChar char="•"/>
+              <a:defRPr kumimoji="1" sz="2800" kern="1200">
+                <a:solidFill>
+                  <a:schemeClr val="tx1"/>
+                </a:solidFill>
+                <a:latin typeface="+mn-lt"/>
+                <a:ea typeface="+mn-ea"/>
+                <a:cs typeface="+mn-cs"/>
+              </a:defRPr>
+            </a:lvl3pPr>
+            <a:lvl4pPr marL="1600200" indent="-228600" algn="l" defTabSz="914400" rtl="0" eaLnBrk="1" latinLnBrk="0" hangingPunct="1">
+              <a:lnSpc>
+                <a:spcPct val="90000"/>
+              </a:lnSpc>
+              <a:spcBef>
+                <a:spcPts val="500"/>
+              </a:spcBef>
+              <a:buFont typeface="Arial" panose="020B0604020202020204" pitchFamily="34" charset="0"/>
+              <a:buChar char="•"/>
+              <a:defRPr kumimoji="1" sz="2400" kern="1200">
+                <a:solidFill>
+                  <a:schemeClr val="tx1"/>
+                </a:solidFill>
+                <a:latin typeface="+mn-lt"/>
+                <a:ea typeface="+mn-ea"/>
+                <a:cs typeface="+mn-cs"/>
+              </a:defRPr>
+            </a:lvl4pPr>
+            <a:lvl5pPr marL="2057400" indent="-228600" algn="l" defTabSz="914400" rtl="0" eaLnBrk="1" latinLnBrk="0" hangingPunct="1">
+              <a:lnSpc>
+                <a:spcPct val="90000"/>
+              </a:lnSpc>
+              <a:spcBef>
+                <a:spcPts val="500"/>
+              </a:spcBef>
+              <a:buFont typeface="Arial" panose="020B0604020202020204" pitchFamily="34" charset="0"/>
+              <a:buChar char="•"/>
+              <a:defRPr kumimoji="1" sz="2400" kern="1200">
+                <a:solidFill>
+                  <a:schemeClr val="tx1"/>
+                </a:solidFill>
+                <a:latin typeface="+mn-lt"/>
+                <a:ea typeface="+mn-ea"/>
+                <a:cs typeface="+mn-cs"/>
+              </a:defRPr>
+            </a:lvl5pPr>
+            <a:lvl6pPr marL="2514600" indent="-228600" algn="l" defTabSz="914400" rtl="0" eaLnBrk="1" latinLnBrk="0" hangingPunct="1">
+              <a:lnSpc>
+                <a:spcPct val="90000"/>
+              </a:lnSpc>
+              <a:spcBef>
+                <a:spcPts val="500"/>
+              </a:spcBef>
+              <a:buFont typeface="Arial" panose="020B0604020202020204" pitchFamily="34" charset="0"/>
+              <a:buChar char="•"/>
+              <a:defRPr kumimoji="1" sz="1800" kern="1200">
+                <a:solidFill>
+                  <a:schemeClr val="tx1"/>
+                </a:solidFill>
+                <a:latin typeface="+mn-lt"/>
+                <a:ea typeface="+mn-ea"/>
+                <a:cs typeface="+mn-cs"/>
+              </a:defRPr>
+            </a:lvl6pPr>
+            <a:lvl7pPr marL="2971800" indent="-228600" algn="l" defTabSz="914400" rtl="0" eaLnBrk="1" latinLnBrk="0" hangingPunct="1">
+              <a:lnSpc>
+                <a:spcPct val="90000"/>
+              </a:lnSpc>
+              <a:spcBef>
+                <a:spcPts val="500"/>
+              </a:spcBef>
+              <a:buFont typeface="Arial" panose="020B0604020202020204" pitchFamily="34" charset="0"/>
+              <a:buChar char="•"/>
+              <a:defRPr kumimoji="1" sz="1800" kern="1200">
+                <a:solidFill>
+                  <a:schemeClr val="tx1"/>
+                </a:solidFill>
+                <a:latin typeface="+mn-lt"/>
+                <a:ea typeface="+mn-ea"/>
+                <a:cs typeface="+mn-cs"/>
+              </a:defRPr>
+            </a:lvl7pPr>
+            <a:lvl8pPr marL="3429000" indent="-228600" algn="l" defTabSz="914400" rtl="0" eaLnBrk="1" latinLnBrk="0" hangingPunct="1">
+              <a:lnSpc>
+                <a:spcPct val="90000"/>
+              </a:lnSpc>
+              <a:spcBef>
+                <a:spcPts val="500"/>
+              </a:spcBef>
+              <a:buFont typeface="Arial" panose="020B0604020202020204" pitchFamily="34" charset="0"/>
+              <a:buChar char="•"/>
+              <a:defRPr kumimoji="1" sz="1800" kern="1200">
+                <a:solidFill>
+                  <a:schemeClr val="tx1"/>
+                </a:solidFill>
+                <a:latin typeface="+mn-lt"/>
+                <a:ea typeface="+mn-ea"/>
+                <a:cs typeface="+mn-cs"/>
+              </a:defRPr>
+            </a:lvl8pPr>
+            <a:lvl9pPr marL="3886200" indent="-228600" algn="l" defTabSz="914400" rtl="0" eaLnBrk="1" latinLnBrk="0" hangingPunct="1">
+              <a:lnSpc>
+                <a:spcPct val="90000"/>
+              </a:lnSpc>
+              <a:spcBef>
+                <a:spcPts val="500"/>
+              </a:spcBef>
+              <a:buFont typeface="Arial" panose="020B0604020202020204" pitchFamily="34" charset="0"/>
+              <a:buChar char="•"/>
+              <a:defRPr kumimoji="1" sz="1800" kern="1200">
+                <a:solidFill>
+                  <a:schemeClr val="tx1"/>
+                </a:solidFill>
+                <a:latin typeface="+mn-lt"/>
+                <a:ea typeface="+mn-ea"/>
+                <a:cs typeface="+mn-cs"/>
+              </a:defRPr>
+            </a:lvl9pPr>
+          </a:lstStyle>
+          <a:p>
+            <a:pPr marL="0" indent="0">
+              <a:buNone/>
+            </a:pPr>
+            <a:r>
+              <a:rPr lang="en-US" altLang="ja-JP" sz="2400" dirty="0">
+                <a:solidFill>
+                  <a:schemeClr val="bg1">
+                    <a:lumMod val="65000"/>
+                  </a:schemeClr>
+                </a:solidFill>
+                <a:highlight>
+                  <a:srgbClr val="FFFFFF"/>
+                </a:highlight>
+                <a:ea typeface="ＭＳ ゴシック" panose="020B0609070205080204" pitchFamily="49" charset="-128"/>
+              </a:rPr>
+              <a:t>    // </a:t>
+            </a:r>
+            <a:r>
+              <a:rPr lang="ja-JP" altLang="en-US" sz="2400" dirty="0">
+                <a:solidFill>
+                  <a:schemeClr val="bg1">
+                    <a:lumMod val="65000"/>
+                  </a:schemeClr>
+                </a:solidFill>
+                <a:highlight>
+                  <a:srgbClr val="FFFFFF"/>
+                </a:highlight>
+                <a:ea typeface="ＭＳ ゴシック" panose="020B0609070205080204" pitchFamily="49" charset="-128"/>
+              </a:rPr>
+              <a:t>画面上部にぶつかったら</a:t>
+            </a:r>
+            <a:br>
+              <a:rPr lang="en-US" altLang="ja-JP" sz="2400" dirty="0">
+                <a:solidFill>
+                  <a:schemeClr val="bg1">
+                    <a:lumMod val="65000"/>
+                  </a:schemeClr>
+                </a:solidFill>
+                <a:highlight>
+                  <a:srgbClr val="FFFFFF"/>
+                </a:highlight>
+                <a:ea typeface="ＭＳ ゴシック" panose="020B0609070205080204" pitchFamily="49" charset="-128"/>
+              </a:rPr>
+            </a:br>
+            <a:r>
+              <a:rPr lang="en-US" altLang="ja-JP" sz="2400" dirty="0">
+                <a:solidFill>
+                  <a:schemeClr val="bg1">
+                    <a:lumMod val="65000"/>
+                  </a:schemeClr>
+                </a:solidFill>
+                <a:highlight>
+                  <a:srgbClr val="FFFFFF"/>
+                </a:highlight>
+                <a:ea typeface="ＭＳ ゴシック" panose="020B0609070205080204" pitchFamily="49" charset="-128"/>
+              </a:rPr>
+              <a:t>    if ((</a:t>
+            </a:r>
+            <a:r>
+              <a:rPr lang="en-US" altLang="ja-JP" sz="2400" dirty="0" err="1">
+                <a:solidFill>
+                  <a:schemeClr val="bg1">
+                    <a:lumMod val="65000"/>
+                  </a:schemeClr>
+                </a:solidFill>
+                <a:highlight>
+                  <a:srgbClr val="FFFFFF"/>
+                </a:highlight>
+                <a:ea typeface="ＭＳ ゴシック" panose="020B0609070205080204" pitchFamily="49" charset="-128"/>
+              </a:rPr>
+              <a:t>ball.y</a:t>
+            </a:r>
+            <a:r>
+              <a:rPr lang="en-US" altLang="ja-JP" sz="2400" dirty="0">
+                <a:solidFill>
+                  <a:schemeClr val="bg1">
+                    <a:lumMod val="65000"/>
+                  </a:schemeClr>
+                </a:solidFill>
+                <a:highlight>
+                  <a:srgbClr val="FFFFFF"/>
+                </a:highlight>
+                <a:ea typeface="ＭＳ ゴシック" panose="020B0609070205080204" pitchFamily="49" charset="-128"/>
+              </a:rPr>
+              <a:t> &lt; 0) &amp;&amp; (</a:t>
+            </a:r>
+            <a:r>
+              <a:rPr lang="en-US" altLang="ja-JP" sz="2400" dirty="0" err="1">
+                <a:solidFill>
+                  <a:schemeClr val="bg1">
+                    <a:lumMod val="65000"/>
+                  </a:schemeClr>
+                </a:solidFill>
+                <a:highlight>
+                  <a:srgbClr val="FFFFFF"/>
+                </a:highlight>
+                <a:ea typeface="ＭＳ ゴシック" panose="020B0609070205080204" pitchFamily="49" charset="-128"/>
+              </a:rPr>
+              <a:t>ballVelocity.y</a:t>
+            </a:r>
+            <a:r>
+              <a:rPr lang="en-US" altLang="ja-JP" sz="2400" dirty="0">
+                <a:solidFill>
+                  <a:schemeClr val="bg1">
+                    <a:lumMod val="65000"/>
+                  </a:schemeClr>
+                </a:solidFill>
+                <a:highlight>
+                  <a:srgbClr val="FFFFFF"/>
+                </a:highlight>
+                <a:ea typeface="ＭＳ ゴシック" panose="020B0609070205080204" pitchFamily="49" charset="-128"/>
+              </a:rPr>
+              <a:t> &lt; 0))</a:t>
+            </a:r>
+            <a:br>
+              <a:rPr lang="en-US" altLang="ja-JP" sz="2400" dirty="0">
+                <a:solidFill>
+                  <a:schemeClr val="bg1">
+                    <a:lumMod val="65000"/>
+                  </a:schemeClr>
+                </a:solidFill>
+                <a:highlight>
+                  <a:srgbClr val="FFFFFF"/>
+                </a:highlight>
+                <a:ea typeface="ＭＳ ゴシック" panose="020B0609070205080204" pitchFamily="49" charset="-128"/>
+              </a:rPr>
+            </a:br>
+            <a:r>
+              <a:rPr lang="en-US" altLang="ja-JP" sz="2400" dirty="0">
+                <a:solidFill>
+                  <a:schemeClr val="bg1">
+                    <a:lumMod val="65000"/>
+                  </a:schemeClr>
+                </a:solidFill>
+                <a:highlight>
+                  <a:srgbClr val="FFFFFF"/>
+                </a:highlight>
+                <a:ea typeface="ＭＳ ゴシック" panose="020B0609070205080204" pitchFamily="49" charset="-128"/>
+              </a:rPr>
+              <a:t>    {</a:t>
+            </a:r>
+            <a:br>
+              <a:rPr lang="en-US" altLang="ja-JP" sz="2400" dirty="0">
+                <a:solidFill>
+                  <a:schemeClr val="bg1">
+                    <a:lumMod val="65000"/>
+                  </a:schemeClr>
+                </a:solidFill>
+                <a:highlight>
+                  <a:srgbClr val="FFFFFF"/>
+                </a:highlight>
+                <a:ea typeface="ＭＳ ゴシック" panose="020B0609070205080204" pitchFamily="49" charset="-128"/>
+              </a:rPr>
+            </a:br>
+            <a:r>
+              <a:rPr lang="en-US" altLang="ja-JP" sz="2400" dirty="0">
+                <a:solidFill>
+                  <a:schemeClr val="bg1">
+                    <a:lumMod val="65000"/>
+                  </a:schemeClr>
+                </a:solidFill>
+                <a:highlight>
+                  <a:srgbClr val="FFFFFF"/>
+                </a:highlight>
+                <a:ea typeface="ＭＳ ゴシック" panose="020B0609070205080204" pitchFamily="49" charset="-128"/>
+              </a:rPr>
+              <a:t>      </a:t>
+            </a:r>
+            <a:r>
+              <a:rPr lang="en-US" altLang="ja-JP" sz="2400" dirty="0" err="1">
+                <a:solidFill>
+                  <a:schemeClr val="bg1">
+                    <a:lumMod val="65000"/>
+                  </a:schemeClr>
+                </a:solidFill>
+                <a:highlight>
+                  <a:srgbClr val="FFFFFF"/>
+                </a:highlight>
+                <a:ea typeface="ＭＳ ゴシック" panose="020B0609070205080204" pitchFamily="49" charset="-128"/>
+              </a:rPr>
+              <a:t>ballVelocity.y</a:t>
+            </a:r>
+            <a:r>
+              <a:rPr lang="en-US" altLang="ja-JP" sz="2400" dirty="0">
+                <a:solidFill>
+                  <a:schemeClr val="bg1">
+                    <a:lumMod val="65000"/>
+                  </a:schemeClr>
+                </a:solidFill>
+                <a:highlight>
+                  <a:srgbClr val="FFFFFF"/>
+                </a:highlight>
+                <a:ea typeface="ＭＳ ゴシック" panose="020B0609070205080204" pitchFamily="49" charset="-128"/>
+              </a:rPr>
+              <a:t> *= -1; // </a:t>
+            </a:r>
+            <a:r>
+              <a:rPr lang="ja-JP" altLang="en-US" sz="2400" dirty="0">
+                <a:solidFill>
+                  <a:schemeClr val="bg1">
+                    <a:lumMod val="65000"/>
+                  </a:schemeClr>
+                </a:solidFill>
+                <a:highlight>
+                  <a:srgbClr val="FFFFFF"/>
+                </a:highlight>
+                <a:ea typeface="ＭＳ ゴシック" panose="020B0609070205080204" pitchFamily="49" charset="-128"/>
+              </a:rPr>
+              <a:t>ボールの速度の</a:t>
+            </a:r>
+            <a:r>
+              <a:rPr lang="en-US" altLang="ja-JP" sz="2400" dirty="0">
+                <a:solidFill>
+                  <a:schemeClr val="bg1">
+                    <a:lumMod val="65000"/>
+                  </a:schemeClr>
+                </a:solidFill>
+                <a:highlight>
+                  <a:srgbClr val="FFFFFF"/>
+                </a:highlight>
+                <a:ea typeface="ＭＳ ゴシック" panose="020B0609070205080204" pitchFamily="49" charset="-128"/>
+              </a:rPr>
+              <a:t>Y</a:t>
+            </a:r>
+            <a:r>
+              <a:rPr lang="ja-JP" altLang="en-US" sz="2400" dirty="0">
+                <a:solidFill>
+                  <a:schemeClr val="bg1">
+                    <a:lumMod val="65000"/>
+                  </a:schemeClr>
+                </a:solidFill>
+                <a:highlight>
+                  <a:srgbClr val="FFFFFF"/>
+                </a:highlight>
+                <a:ea typeface="ＭＳ ゴシック" panose="020B0609070205080204" pitchFamily="49" charset="-128"/>
+              </a:rPr>
+              <a:t>成分を反転</a:t>
+            </a:r>
+            <a:br>
+              <a:rPr lang="en-US" altLang="ja-JP" sz="2400" dirty="0">
+                <a:solidFill>
+                  <a:schemeClr val="bg1">
+                    <a:lumMod val="65000"/>
+                  </a:schemeClr>
+                </a:solidFill>
+                <a:highlight>
+                  <a:srgbClr val="FFFFFF"/>
+                </a:highlight>
+                <a:ea typeface="ＭＳ ゴシック" panose="020B0609070205080204" pitchFamily="49" charset="-128"/>
+              </a:rPr>
+            </a:br>
+            <a:r>
+              <a:rPr lang="en-US" altLang="ja-JP" sz="2400" dirty="0">
+                <a:solidFill>
+                  <a:schemeClr val="bg1">
+                    <a:lumMod val="65000"/>
+                  </a:schemeClr>
+                </a:solidFill>
+                <a:highlight>
+                  <a:srgbClr val="FFFFFF"/>
+                </a:highlight>
+                <a:ea typeface="ＭＳ ゴシック" panose="020B0609070205080204" pitchFamily="49" charset="-128"/>
+              </a:rPr>
+              <a:t>    }</a:t>
+            </a:r>
+          </a:p>
+          <a:p>
+            <a:pPr marL="0" indent="0">
+              <a:buNone/>
+            </a:pPr>
+            <a:r>
+              <a:rPr lang="ja-JP" altLang="en-US" sz="2400" dirty="0">
+                <a:solidFill>
+                  <a:srgbClr val="000000"/>
+                </a:solidFill>
+                <a:highlight>
+                  <a:srgbClr val="FFFFFF"/>
+                </a:highlight>
+                <a:ea typeface="ＭＳ ゴシック" panose="020B0609070205080204" pitchFamily="49" charset="-128"/>
+              </a:rPr>
+              <a:t>  </a:t>
+            </a:r>
+            <a:r>
+              <a:rPr lang="en-US" altLang="ja-JP" sz="2400" dirty="0">
+                <a:solidFill>
+                  <a:srgbClr val="000000"/>
+                </a:solidFill>
+                <a:highlight>
+                  <a:srgbClr val="FFFFFF"/>
+                </a:highlight>
+                <a:ea typeface="ＭＳ ゴシック" panose="020B0609070205080204" pitchFamily="49" charset="-128"/>
+              </a:rPr>
+              <a:t> </a:t>
+            </a:r>
+            <a:r>
+              <a:rPr lang="en-US" altLang="ja-JP" sz="2400" dirty="0">
+                <a:solidFill>
+                  <a:srgbClr val="008000"/>
+                </a:solidFill>
+                <a:highlight>
+                  <a:srgbClr val="FFFFFF"/>
+                </a:highlight>
+                <a:ea typeface="ＭＳ ゴシック" panose="020B0609070205080204" pitchFamily="49" charset="-128"/>
+              </a:rPr>
+              <a:t> // </a:t>
+            </a:r>
+            <a:r>
+              <a:rPr lang="ja-JP" altLang="en-US" sz="2400" dirty="0">
+                <a:solidFill>
+                  <a:srgbClr val="008000"/>
+                </a:solidFill>
+                <a:highlight>
+                  <a:srgbClr val="FFFFFF"/>
+                </a:highlight>
+                <a:ea typeface="ＭＳ ゴシック" panose="020B0609070205080204" pitchFamily="49" charset="-128"/>
+              </a:rPr>
+              <a:t>画面下部にぶつかったら</a:t>
+            </a:r>
+            <a:br>
+              <a:rPr lang="en-US" altLang="ja-JP" sz="2400" dirty="0">
+                <a:solidFill>
+                  <a:srgbClr val="000000"/>
+                </a:solidFill>
+                <a:highlight>
+                  <a:srgbClr val="FFFFFF"/>
+                </a:highlight>
+                <a:ea typeface="ＭＳ ゴシック" panose="020B0609070205080204" pitchFamily="49" charset="-128"/>
+              </a:rPr>
+            </a:br>
+            <a:r>
+              <a:rPr lang="en-US" altLang="ja-JP" sz="2400" dirty="0">
+                <a:solidFill>
+                  <a:srgbClr val="000000"/>
+                </a:solidFill>
+                <a:highlight>
+                  <a:srgbClr val="FFFFFF"/>
+                </a:highlight>
+                <a:ea typeface="ＭＳ ゴシック" panose="020B0609070205080204" pitchFamily="49" charset="-128"/>
+              </a:rPr>
+              <a:t>    </a:t>
+            </a:r>
+            <a:r>
+              <a:rPr lang="en-US" altLang="ja-JP" sz="2400" dirty="0">
+                <a:solidFill>
+                  <a:srgbClr val="0000FF"/>
+                </a:solidFill>
+                <a:highlight>
+                  <a:srgbClr val="FFFFFF"/>
+                </a:highlight>
+                <a:ea typeface="ＭＳ ゴシック" panose="020B0609070205080204" pitchFamily="49" charset="-128"/>
+              </a:rPr>
+              <a:t>if</a:t>
+            </a:r>
+            <a:r>
+              <a:rPr lang="en-US" altLang="ja-JP" sz="2400" dirty="0">
+                <a:solidFill>
+                  <a:srgbClr val="000000"/>
+                </a:solidFill>
+                <a:highlight>
+                  <a:srgbClr val="FFFFFF"/>
+                </a:highlight>
+                <a:ea typeface="ＭＳ ゴシック" panose="020B0609070205080204" pitchFamily="49" charset="-128"/>
+              </a:rPr>
+              <a:t> ((</a:t>
+            </a:r>
+            <a:r>
+              <a:rPr lang="en-US" altLang="ja-JP" sz="2400" dirty="0" err="1">
+                <a:solidFill>
+                  <a:srgbClr val="000000"/>
+                </a:solidFill>
+                <a:highlight>
+                  <a:srgbClr val="FFFFFF"/>
+                </a:highlight>
+                <a:ea typeface="ＭＳ ゴシック" panose="020B0609070205080204" pitchFamily="49" charset="-128"/>
+              </a:rPr>
+              <a:t>ball.y</a:t>
+            </a:r>
+            <a:r>
+              <a:rPr lang="en-US" altLang="ja-JP" sz="2400" dirty="0">
+                <a:solidFill>
+                  <a:srgbClr val="000000"/>
+                </a:solidFill>
+                <a:highlight>
+                  <a:srgbClr val="FFFFFF"/>
+                </a:highlight>
+                <a:ea typeface="ＭＳ ゴシック" panose="020B0609070205080204" pitchFamily="49" charset="-128"/>
+              </a:rPr>
+              <a:t> &gt; </a:t>
+            </a:r>
+            <a:r>
+              <a:rPr lang="en-US" altLang="ja-JP" sz="2400" dirty="0" err="1">
+                <a:solidFill>
+                  <a:srgbClr val="000000"/>
+                </a:solidFill>
+                <a:highlight>
+                  <a:srgbClr val="FFFFFF"/>
+                </a:highlight>
+                <a:ea typeface="ＭＳ ゴシック" panose="020B0609070205080204" pitchFamily="49" charset="-128"/>
+              </a:rPr>
+              <a:t>SceneSize.y</a:t>
+            </a:r>
+            <a:r>
+              <a:rPr lang="en-US" altLang="ja-JP" sz="2400" dirty="0">
+                <a:solidFill>
+                  <a:srgbClr val="000000"/>
+                </a:solidFill>
+                <a:highlight>
+                  <a:srgbClr val="FFFFFF"/>
+                </a:highlight>
+                <a:ea typeface="ＭＳ ゴシック" panose="020B0609070205080204" pitchFamily="49" charset="-128"/>
+              </a:rPr>
+              <a:t>) &amp;&amp; (</a:t>
+            </a:r>
+            <a:r>
+              <a:rPr lang="en-US" altLang="ja-JP" sz="2400" dirty="0" err="1">
+                <a:solidFill>
+                  <a:srgbClr val="000000"/>
+                </a:solidFill>
+                <a:highlight>
+                  <a:srgbClr val="FFFFFF"/>
+                </a:highlight>
+                <a:ea typeface="ＭＳ ゴシック" panose="020B0609070205080204" pitchFamily="49" charset="-128"/>
+              </a:rPr>
+              <a:t>ballVelocity.y</a:t>
+            </a:r>
+            <a:r>
+              <a:rPr lang="en-US" altLang="ja-JP" sz="2400" dirty="0">
+                <a:solidFill>
+                  <a:srgbClr val="000000"/>
+                </a:solidFill>
+                <a:highlight>
+                  <a:srgbClr val="FFFFFF"/>
+                </a:highlight>
+                <a:ea typeface="ＭＳ ゴシック" panose="020B0609070205080204" pitchFamily="49" charset="-128"/>
+              </a:rPr>
+              <a:t> &gt; 0))</a:t>
+            </a:r>
+            <a:br>
+              <a:rPr lang="en-US" altLang="ja-JP" sz="2400" dirty="0">
+                <a:solidFill>
+                  <a:srgbClr val="000000"/>
+                </a:solidFill>
+                <a:highlight>
+                  <a:srgbClr val="FFFFFF"/>
+                </a:highlight>
+                <a:ea typeface="ＭＳ ゴシック" panose="020B0609070205080204" pitchFamily="49" charset="-128"/>
+              </a:rPr>
+            </a:br>
+            <a:r>
+              <a:rPr lang="en-US" altLang="ja-JP" sz="2400" dirty="0">
+                <a:solidFill>
+                  <a:srgbClr val="000000"/>
+                </a:solidFill>
+                <a:highlight>
+                  <a:srgbClr val="FFFFFF"/>
+                </a:highlight>
+                <a:ea typeface="ＭＳ ゴシック" panose="020B0609070205080204" pitchFamily="49" charset="-128"/>
+              </a:rPr>
+              <a:t>    {</a:t>
+            </a:r>
+            <a:br>
+              <a:rPr lang="en-US" altLang="ja-JP" sz="2400" dirty="0">
+                <a:solidFill>
+                  <a:srgbClr val="000000"/>
+                </a:solidFill>
+                <a:highlight>
+                  <a:srgbClr val="FFFFFF"/>
+                </a:highlight>
+                <a:ea typeface="ＭＳ ゴシック" panose="020B0609070205080204" pitchFamily="49" charset="-128"/>
+              </a:rPr>
+            </a:br>
+            <a:r>
+              <a:rPr lang="en-US" altLang="ja-JP" sz="2400" dirty="0">
+                <a:solidFill>
+                  <a:srgbClr val="000000"/>
+                </a:solidFill>
+                <a:highlight>
+                  <a:srgbClr val="FFFFFF"/>
+                </a:highlight>
+                <a:ea typeface="ＭＳ ゴシック" panose="020B0609070205080204" pitchFamily="49" charset="-128"/>
+              </a:rPr>
+              <a:t>      </a:t>
+            </a:r>
+            <a:r>
+              <a:rPr lang="en-US" altLang="ja-JP" sz="2400" dirty="0" err="1">
+                <a:solidFill>
+                  <a:srgbClr val="000000"/>
+                </a:solidFill>
+                <a:highlight>
+                  <a:srgbClr val="FFFFFF"/>
+                </a:highlight>
+                <a:ea typeface="ＭＳ ゴシック" panose="020B0609070205080204" pitchFamily="49" charset="-128"/>
+              </a:rPr>
+              <a:t>ballVelocity.y</a:t>
+            </a:r>
+            <a:r>
+              <a:rPr lang="en-US" altLang="ja-JP" sz="2400" dirty="0">
+                <a:solidFill>
+                  <a:srgbClr val="000000"/>
+                </a:solidFill>
+                <a:highlight>
+                  <a:srgbClr val="FFFFFF"/>
+                </a:highlight>
+                <a:ea typeface="ＭＳ ゴシック" panose="020B0609070205080204" pitchFamily="49" charset="-128"/>
+              </a:rPr>
+              <a:t> *= -1;</a:t>
+            </a:r>
+            <a:r>
+              <a:rPr lang="en-US" altLang="ja-JP" sz="2400" dirty="0">
+                <a:solidFill>
+                  <a:srgbClr val="008000"/>
+                </a:solidFill>
+                <a:highlight>
+                  <a:srgbClr val="FFFFFF"/>
+                </a:highlight>
+                <a:ea typeface="ＭＳ ゴシック" panose="020B0609070205080204" pitchFamily="49" charset="-128"/>
+              </a:rPr>
+              <a:t> // </a:t>
+            </a:r>
+            <a:r>
+              <a:rPr lang="ja-JP" altLang="en-US" sz="2400" dirty="0">
+                <a:solidFill>
+                  <a:srgbClr val="008000"/>
+                </a:solidFill>
+                <a:highlight>
+                  <a:srgbClr val="FFFFFF"/>
+                </a:highlight>
+                <a:ea typeface="ＭＳ ゴシック" panose="020B0609070205080204" pitchFamily="49" charset="-128"/>
+              </a:rPr>
+              <a:t>ボールの速度の</a:t>
+            </a:r>
+            <a:r>
+              <a:rPr lang="en-US" altLang="ja-JP" sz="2400" dirty="0">
+                <a:solidFill>
+                  <a:srgbClr val="008000"/>
+                </a:solidFill>
+                <a:highlight>
+                  <a:srgbClr val="FFFFFF"/>
+                </a:highlight>
+                <a:ea typeface="ＭＳ ゴシック" panose="020B0609070205080204" pitchFamily="49" charset="-128"/>
+              </a:rPr>
+              <a:t>Y</a:t>
+            </a:r>
+            <a:r>
+              <a:rPr lang="ja-JP" altLang="en-US" sz="2400" dirty="0">
+                <a:solidFill>
+                  <a:srgbClr val="008000"/>
+                </a:solidFill>
+                <a:highlight>
+                  <a:srgbClr val="FFFFFF"/>
+                </a:highlight>
+                <a:ea typeface="ＭＳ ゴシック" panose="020B0609070205080204" pitchFamily="49" charset="-128"/>
+              </a:rPr>
+              <a:t>成分を反転</a:t>
+            </a:r>
+            <a:br>
+              <a:rPr lang="en-US" altLang="ja-JP" sz="2400" dirty="0">
+                <a:solidFill>
+                  <a:srgbClr val="000000"/>
+                </a:solidFill>
+                <a:highlight>
+                  <a:srgbClr val="FFFFFF"/>
+                </a:highlight>
+                <a:ea typeface="ＭＳ ゴシック" panose="020B0609070205080204" pitchFamily="49" charset="-128"/>
+              </a:rPr>
+            </a:br>
+            <a:r>
+              <a:rPr lang="en-US" altLang="ja-JP" sz="2400" dirty="0">
+                <a:solidFill>
+                  <a:srgbClr val="000000"/>
+                </a:solidFill>
+                <a:highlight>
+                  <a:srgbClr val="FFFFFF"/>
+                </a:highlight>
+                <a:ea typeface="ＭＳ ゴシック" panose="020B0609070205080204" pitchFamily="49" charset="-128"/>
+              </a:rPr>
+              <a:t>    }</a:t>
+            </a:r>
+            <a:br>
+              <a:rPr lang="en-US" altLang="ja-JP" sz="2400" dirty="0">
+                <a:solidFill>
+                  <a:srgbClr val="000000"/>
+                </a:solidFill>
+                <a:highlight>
+                  <a:srgbClr val="FFFFFF"/>
+                </a:highlight>
+                <a:ea typeface="ＭＳ ゴシック" panose="020B0609070205080204" pitchFamily="49" charset="-128"/>
+              </a:rPr>
+            </a:br>
+            <a:r>
+              <a:rPr lang="en-US" altLang="ja-JP" sz="2400" dirty="0">
+                <a:solidFill>
+                  <a:srgbClr val="000000"/>
+                </a:solidFill>
+                <a:highlight>
+                  <a:srgbClr val="FFFFFF"/>
+                </a:highlight>
+                <a:ea typeface="ＭＳ ゴシック" panose="020B0609070205080204" pitchFamily="49" charset="-128"/>
+              </a:rPr>
+              <a:t>    </a:t>
+            </a:r>
+            <a:br>
+              <a:rPr lang="en-US" altLang="ja-JP" sz="2400" dirty="0">
+                <a:solidFill>
+                  <a:srgbClr val="000000"/>
+                </a:solidFill>
+                <a:highlight>
+                  <a:srgbClr val="FFFFFF"/>
+                </a:highlight>
+                <a:ea typeface="ＭＳ ゴシック" panose="020B0609070205080204" pitchFamily="49" charset="-128"/>
+              </a:rPr>
+            </a:br>
+            <a:endParaRPr lang="en-US" altLang="ja-JP" sz="2400" dirty="0">
+              <a:solidFill>
+                <a:srgbClr val="000000"/>
+              </a:solidFill>
+              <a:highlight>
+                <a:srgbClr val="FFFFFF"/>
+              </a:highlight>
+              <a:ea typeface="ＭＳ ゴシック" panose="020B0609070205080204" pitchFamily="49" charset="-128"/>
+            </a:endParaRPr>
+          </a:p>
+        </p:txBody>
+      </p:sp>
+      <p:sp>
+        <p:nvSpPr>
+          <p:cNvPr id="7" name="テキスト ボックス 6">
+            <a:extLst>
+              <a:ext uri="{FF2B5EF4-FFF2-40B4-BE49-F238E27FC236}">
+                <a16:creationId xmlns:a16="http://schemas.microsoft.com/office/drawing/2014/main" id="{7B542909-622B-716A-CBC4-B9429AADD8F6}"/>
+              </a:ext>
+            </a:extLst>
+          </p:cNvPr>
+          <p:cNvSpPr txBox="1"/>
+          <p:nvPr/>
+        </p:nvSpPr>
+        <p:spPr>
+          <a:xfrm>
+            <a:off x="9494583" y="516645"/>
+            <a:ext cx="2480166" cy="646331"/>
+          </a:xfrm>
+          <a:prstGeom prst="rect">
+            <a:avLst/>
+          </a:prstGeom>
+          <a:noFill/>
+        </p:spPr>
+        <p:txBody>
+          <a:bodyPr wrap="none" rtlCol="0">
+            <a:spAutoFit/>
+          </a:bodyPr>
+          <a:lstStyle/>
+          <a:p>
+            <a:r>
+              <a:rPr kumimoji="1" lang="en-US" altLang="ja-JP" sz="3600" dirty="0"/>
+              <a:t>Main.cpp</a:t>
+            </a:r>
+            <a:endParaRPr kumimoji="1" lang="ja-JP" altLang="en-US" sz="3600" dirty="0"/>
+          </a:p>
+        </p:txBody>
+      </p:sp>
+      <p:sp>
+        <p:nvSpPr>
+          <p:cNvPr id="3" name="テキスト ボックス 2">
+            <a:extLst>
+              <a:ext uri="{FF2B5EF4-FFF2-40B4-BE49-F238E27FC236}">
+                <a16:creationId xmlns:a16="http://schemas.microsoft.com/office/drawing/2014/main" id="{7FD54C9D-7125-AE04-C7BF-D376FE62A287}"/>
+              </a:ext>
+            </a:extLst>
+          </p:cNvPr>
+          <p:cNvSpPr txBox="1"/>
+          <p:nvPr/>
+        </p:nvSpPr>
+        <p:spPr>
+          <a:xfrm>
+            <a:off x="2149953" y="4659549"/>
+            <a:ext cx="9023624" cy="646331"/>
+          </a:xfrm>
+          <a:prstGeom prst="rect">
+            <a:avLst/>
+          </a:prstGeom>
+          <a:noFill/>
+        </p:spPr>
+        <p:txBody>
+          <a:bodyPr wrap="none" rtlCol="0">
+            <a:spAutoFit/>
+          </a:bodyPr>
+          <a:lstStyle/>
+          <a:p>
+            <a:r>
+              <a:rPr kumimoji="1" lang="ja-JP" altLang="en-US" sz="3600" dirty="0">
+                <a:solidFill>
+                  <a:srgbClr val="FF0000"/>
+                </a:solidFill>
+              </a:rPr>
+              <a:t>この箇所を反射ではなく、初期化処理にする</a:t>
+            </a:r>
+          </a:p>
+        </p:txBody>
+      </p:sp>
+    </p:spTree>
+    <p:extLst>
+      <p:ext uri="{BB962C8B-B14F-4D97-AF65-F5344CB8AC3E}">
+        <p14:creationId xmlns:p14="http://schemas.microsoft.com/office/powerpoint/2010/main" val="1141173628"/>
+      </p:ext>
+    </p:extLst>
+  </p:cSld>
+  <p:clrMapOvr>
+    <a:masterClrMapping/>
+  </p:clrMapOvr>
+</p:sld>
+</file>
+
+<file path=ppt/slides/slide55.xml><?xml version="1.0" encoding="utf-8"?>
+<p:sld xmlns:a="http://schemas.openxmlformats.org/drawingml/2006/main" xmlns:r="http://schemas.openxmlformats.org/officeDocument/2006/relationships" xmlns:p="http://schemas.openxmlformats.org/presentationml/2006/main">
+  <p:cSld>
+    <p:spTree>
+      <p:nvGrpSpPr>
+        <p:cNvPr id="1" name="">
+          <a:extLst>
+            <a:ext uri="{FF2B5EF4-FFF2-40B4-BE49-F238E27FC236}">
+              <a16:creationId xmlns:a16="http://schemas.microsoft.com/office/drawing/2014/main" id="{3491CC1B-5330-E0AB-4C8F-9B8EAD58A73A}"/>
+            </a:ext>
+          </a:extLst>
+        </p:cNvPr>
+        <p:cNvGrpSpPr/>
+        <p:nvPr/>
+      </p:nvGrpSpPr>
+      <p:grpSpPr>
+        <a:xfrm>
+          <a:off x="0" y="0"/>
+          <a:ext cx="0" cy="0"/>
+          <a:chOff x="0" y="0"/>
+          <a:chExt cx="0" cy="0"/>
+        </a:xfrm>
+      </p:grpSpPr>
+      <p:sp>
+        <p:nvSpPr>
+          <p:cNvPr id="2" name="タイトル 1">
+            <a:extLst>
+              <a:ext uri="{FF2B5EF4-FFF2-40B4-BE49-F238E27FC236}">
+                <a16:creationId xmlns:a16="http://schemas.microsoft.com/office/drawing/2014/main" id="{1F04CE77-4F60-94C5-43A1-6488160474EC}"/>
+              </a:ext>
+            </a:extLst>
+          </p:cNvPr>
+          <p:cNvSpPr>
+            <a:spLocks noGrp="1"/>
+          </p:cNvSpPr>
+          <p:nvPr>
+            <p:ph type="title"/>
+          </p:nvPr>
+        </p:nvSpPr>
+        <p:spPr/>
+        <p:txBody>
+          <a:bodyPr>
+            <a:normAutofit/>
+          </a:bodyPr>
+          <a:lstStyle/>
+          <a:p>
+            <a:r>
+              <a:rPr kumimoji="1" lang="ja-JP" altLang="en-US" dirty="0"/>
+              <a:t>演習：</a:t>
+            </a:r>
+            <a:r>
+              <a:rPr lang="en-US" altLang="ja-JP" dirty="0"/>
+              <a:t>Siv3D</a:t>
+            </a:r>
+            <a:endParaRPr kumimoji="1" lang="ja-JP" altLang="en-US" dirty="0"/>
+          </a:p>
+        </p:txBody>
+      </p:sp>
+      <p:sp>
+        <p:nvSpPr>
+          <p:cNvPr id="4" name="コンテンツ プレースホルダー 2">
+            <a:extLst>
+              <a:ext uri="{FF2B5EF4-FFF2-40B4-BE49-F238E27FC236}">
+                <a16:creationId xmlns:a16="http://schemas.microsoft.com/office/drawing/2014/main" id="{64BE38F0-769C-4CAD-2A59-E808FF909318}"/>
+              </a:ext>
+            </a:extLst>
+          </p:cNvPr>
+          <p:cNvSpPr txBox="1">
+            <a:spLocks/>
+          </p:cNvSpPr>
+          <p:nvPr/>
+        </p:nvSpPr>
+        <p:spPr>
+          <a:xfrm>
+            <a:off x="731195" y="1162976"/>
+            <a:ext cx="11136549" cy="5626930"/>
+          </a:xfrm>
+          <a:prstGeom prst="rect">
+            <a:avLst/>
+          </a:prstGeom>
+          <a:solidFill>
+            <a:schemeClr val="bg1"/>
+          </a:solidFill>
+          <a:ln>
+            <a:solidFill>
+              <a:schemeClr val="tx1"/>
+            </a:solidFill>
+          </a:ln>
+        </p:spPr>
+        <p:txBody>
+          <a:bodyPr vert="horz" lIns="91440" tIns="45720" rIns="91440" bIns="45720" rtlCol="0">
+            <a:noAutofit/>
+          </a:bodyPr>
+          <a:lstStyle>
+            <a:lvl1pPr marL="228600" indent="-228600" algn="l" defTabSz="914400" rtl="0" eaLnBrk="1" latinLnBrk="0" hangingPunct="1">
+              <a:lnSpc>
+                <a:spcPct val="90000"/>
+              </a:lnSpc>
+              <a:spcBef>
+                <a:spcPts val="1000"/>
+              </a:spcBef>
+              <a:buFont typeface="Arial" panose="020B0604020202020204" pitchFamily="34" charset="0"/>
+              <a:buChar char="•"/>
+              <a:defRPr kumimoji="1" sz="3600" kern="1200">
+                <a:solidFill>
+                  <a:schemeClr val="tx1"/>
+                </a:solidFill>
+                <a:latin typeface="+mn-lt"/>
+                <a:ea typeface="+mn-ea"/>
+                <a:cs typeface="+mn-cs"/>
+              </a:defRPr>
+            </a:lvl1pPr>
+            <a:lvl2pPr marL="685800" indent="-228600" algn="l" defTabSz="914400" rtl="0" eaLnBrk="1" latinLnBrk="0" hangingPunct="1">
+              <a:lnSpc>
+                <a:spcPct val="90000"/>
+              </a:lnSpc>
+              <a:spcBef>
+                <a:spcPts val="500"/>
+              </a:spcBef>
+              <a:buFont typeface="Arial" panose="020B0604020202020204" pitchFamily="34" charset="0"/>
+              <a:buChar char="•"/>
+              <a:defRPr kumimoji="1" sz="3200" kern="1200">
+                <a:solidFill>
+                  <a:schemeClr val="tx1"/>
+                </a:solidFill>
+                <a:latin typeface="+mn-lt"/>
+                <a:ea typeface="+mn-ea"/>
+                <a:cs typeface="+mn-cs"/>
+              </a:defRPr>
+            </a:lvl2pPr>
+            <a:lvl3pPr marL="1143000" indent="-228600" algn="l" defTabSz="914400" rtl="0" eaLnBrk="1" latinLnBrk="0" hangingPunct="1">
+              <a:lnSpc>
+                <a:spcPct val="90000"/>
+              </a:lnSpc>
+              <a:spcBef>
+                <a:spcPts val="500"/>
+              </a:spcBef>
+              <a:buFont typeface="Arial" panose="020B0604020202020204" pitchFamily="34" charset="0"/>
+              <a:buChar char="•"/>
+              <a:defRPr kumimoji="1" sz="2800" kern="1200">
+                <a:solidFill>
+                  <a:schemeClr val="tx1"/>
+                </a:solidFill>
+                <a:latin typeface="+mn-lt"/>
+                <a:ea typeface="+mn-ea"/>
+                <a:cs typeface="+mn-cs"/>
+              </a:defRPr>
+            </a:lvl3pPr>
+            <a:lvl4pPr marL="1600200" indent="-228600" algn="l" defTabSz="914400" rtl="0" eaLnBrk="1" latinLnBrk="0" hangingPunct="1">
+              <a:lnSpc>
+                <a:spcPct val="90000"/>
+              </a:lnSpc>
+              <a:spcBef>
+                <a:spcPts val="500"/>
+              </a:spcBef>
+              <a:buFont typeface="Arial" panose="020B0604020202020204" pitchFamily="34" charset="0"/>
+              <a:buChar char="•"/>
+              <a:defRPr kumimoji="1" sz="2400" kern="1200">
+                <a:solidFill>
+                  <a:schemeClr val="tx1"/>
+                </a:solidFill>
+                <a:latin typeface="+mn-lt"/>
+                <a:ea typeface="+mn-ea"/>
+                <a:cs typeface="+mn-cs"/>
+              </a:defRPr>
+            </a:lvl4pPr>
+            <a:lvl5pPr marL="2057400" indent="-228600" algn="l" defTabSz="914400" rtl="0" eaLnBrk="1" latinLnBrk="0" hangingPunct="1">
+              <a:lnSpc>
+                <a:spcPct val="90000"/>
+              </a:lnSpc>
+              <a:spcBef>
+                <a:spcPts val="500"/>
+              </a:spcBef>
+              <a:buFont typeface="Arial" panose="020B0604020202020204" pitchFamily="34" charset="0"/>
+              <a:buChar char="•"/>
+              <a:defRPr kumimoji="1" sz="2400" kern="1200">
+                <a:solidFill>
+                  <a:schemeClr val="tx1"/>
+                </a:solidFill>
+                <a:latin typeface="+mn-lt"/>
+                <a:ea typeface="+mn-ea"/>
+                <a:cs typeface="+mn-cs"/>
+              </a:defRPr>
+            </a:lvl5pPr>
+            <a:lvl6pPr marL="2514600" indent="-228600" algn="l" defTabSz="914400" rtl="0" eaLnBrk="1" latinLnBrk="0" hangingPunct="1">
+              <a:lnSpc>
+                <a:spcPct val="90000"/>
+              </a:lnSpc>
+              <a:spcBef>
+                <a:spcPts val="500"/>
+              </a:spcBef>
+              <a:buFont typeface="Arial" panose="020B0604020202020204" pitchFamily="34" charset="0"/>
+              <a:buChar char="•"/>
+              <a:defRPr kumimoji="1" sz="1800" kern="1200">
+                <a:solidFill>
+                  <a:schemeClr val="tx1"/>
+                </a:solidFill>
+                <a:latin typeface="+mn-lt"/>
+                <a:ea typeface="+mn-ea"/>
+                <a:cs typeface="+mn-cs"/>
+              </a:defRPr>
+            </a:lvl6pPr>
+            <a:lvl7pPr marL="2971800" indent="-228600" algn="l" defTabSz="914400" rtl="0" eaLnBrk="1" latinLnBrk="0" hangingPunct="1">
+              <a:lnSpc>
+                <a:spcPct val="90000"/>
+              </a:lnSpc>
+              <a:spcBef>
+                <a:spcPts val="500"/>
+              </a:spcBef>
+              <a:buFont typeface="Arial" panose="020B0604020202020204" pitchFamily="34" charset="0"/>
+              <a:buChar char="•"/>
+              <a:defRPr kumimoji="1" sz="1800" kern="1200">
+                <a:solidFill>
+                  <a:schemeClr val="tx1"/>
+                </a:solidFill>
+                <a:latin typeface="+mn-lt"/>
+                <a:ea typeface="+mn-ea"/>
+                <a:cs typeface="+mn-cs"/>
+              </a:defRPr>
+            </a:lvl7pPr>
+            <a:lvl8pPr marL="3429000" indent="-228600" algn="l" defTabSz="914400" rtl="0" eaLnBrk="1" latinLnBrk="0" hangingPunct="1">
+              <a:lnSpc>
+                <a:spcPct val="90000"/>
+              </a:lnSpc>
+              <a:spcBef>
+                <a:spcPts val="500"/>
+              </a:spcBef>
+              <a:buFont typeface="Arial" panose="020B0604020202020204" pitchFamily="34" charset="0"/>
+              <a:buChar char="•"/>
+              <a:defRPr kumimoji="1" sz="1800" kern="1200">
+                <a:solidFill>
+                  <a:schemeClr val="tx1"/>
+                </a:solidFill>
+                <a:latin typeface="+mn-lt"/>
+                <a:ea typeface="+mn-ea"/>
+                <a:cs typeface="+mn-cs"/>
+              </a:defRPr>
+            </a:lvl8pPr>
+            <a:lvl9pPr marL="3886200" indent="-228600" algn="l" defTabSz="914400" rtl="0" eaLnBrk="1" latinLnBrk="0" hangingPunct="1">
+              <a:lnSpc>
+                <a:spcPct val="90000"/>
+              </a:lnSpc>
+              <a:spcBef>
+                <a:spcPts val="500"/>
+              </a:spcBef>
+              <a:buFont typeface="Arial" panose="020B0604020202020204" pitchFamily="34" charset="0"/>
+              <a:buChar char="•"/>
+              <a:defRPr kumimoji="1" sz="1800" kern="1200">
+                <a:solidFill>
+                  <a:schemeClr val="tx1"/>
+                </a:solidFill>
+                <a:latin typeface="+mn-lt"/>
+                <a:ea typeface="+mn-ea"/>
+                <a:cs typeface="+mn-cs"/>
+              </a:defRPr>
+            </a:lvl9pPr>
+          </a:lstStyle>
+          <a:p>
+            <a:pPr marL="0" indent="0">
+              <a:buNone/>
+            </a:pPr>
+            <a:r>
+              <a:rPr lang="en-US" altLang="ja-JP" sz="2400" dirty="0">
+                <a:solidFill>
+                  <a:schemeClr val="bg1">
+                    <a:lumMod val="65000"/>
+                  </a:schemeClr>
+                </a:solidFill>
+                <a:highlight>
+                  <a:srgbClr val="FFFFFF"/>
+                </a:highlight>
+                <a:ea typeface="ＭＳ ゴシック" panose="020B0609070205080204" pitchFamily="49" charset="-128"/>
+              </a:rPr>
+              <a:t>    // </a:t>
+            </a:r>
+            <a:r>
+              <a:rPr lang="ja-JP" altLang="en-US" sz="2400" dirty="0">
+                <a:solidFill>
+                  <a:schemeClr val="bg1">
+                    <a:lumMod val="65000"/>
+                  </a:schemeClr>
+                </a:solidFill>
+                <a:highlight>
+                  <a:srgbClr val="FFFFFF"/>
+                </a:highlight>
+                <a:ea typeface="ＭＳ ゴシック" panose="020B0609070205080204" pitchFamily="49" charset="-128"/>
+              </a:rPr>
+              <a:t>画面上部にぶつかったら</a:t>
+            </a:r>
+            <a:br>
+              <a:rPr lang="en-US" altLang="ja-JP" sz="2400" dirty="0">
+                <a:solidFill>
+                  <a:schemeClr val="bg1">
+                    <a:lumMod val="65000"/>
+                  </a:schemeClr>
+                </a:solidFill>
+                <a:highlight>
+                  <a:srgbClr val="FFFFFF"/>
+                </a:highlight>
+                <a:ea typeface="ＭＳ ゴシック" panose="020B0609070205080204" pitchFamily="49" charset="-128"/>
+              </a:rPr>
+            </a:br>
+            <a:r>
+              <a:rPr lang="en-US" altLang="ja-JP" sz="2400" dirty="0">
+                <a:solidFill>
+                  <a:schemeClr val="bg1">
+                    <a:lumMod val="65000"/>
+                  </a:schemeClr>
+                </a:solidFill>
+                <a:highlight>
+                  <a:srgbClr val="FFFFFF"/>
+                </a:highlight>
+                <a:ea typeface="ＭＳ ゴシック" panose="020B0609070205080204" pitchFamily="49" charset="-128"/>
+              </a:rPr>
+              <a:t>    if ((</a:t>
+            </a:r>
+            <a:r>
+              <a:rPr lang="en-US" altLang="ja-JP" sz="2400" dirty="0" err="1">
+                <a:solidFill>
+                  <a:schemeClr val="bg1">
+                    <a:lumMod val="65000"/>
+                  </a:schemeClr>
+                </a:solidFill>
+                <a:highlight>
+                  <a:srgbClr val="FFFFFF"/>
+                </a:highlight>
+                <a:ea typeface="ＭＳ ゴシック" panose="020B0609070205080204" pitchFamily="49" charset="-128"/>
+              </a:rPr>
+              <a:t>ball.y</a:t>
+            </a:r>
+            <a:r>
+              <a:rPr lang="en-US" altLang="ja-JP" sz="2400" dirty="0">
+                <a:solidFill>
+                  <a:schemeClr val="bg1">
+                    <a:lumMod val="65000"/>
+                  </a:schemeClr>
+                </a:solidFill>
+                <a:highlight>
+                  <a:srgbClr val="FFFFFF"/>
+                </a:highlight>
+                <a:ea typeface="ＭＳ ゴシック" panose="020B0609070205080204" pitchFamily="49" charset="-128"/>
+              </a:rPr>
+              <a:t> &lt; 0) &amp;&amp; (</a:t>
+            </a:r>
+            <a:r>
+              <a:rPr lang="en-US" altLang="ja-JP" sz="2400" dirty="0" err="1">
+                <a:solidFill>
+                  <a:schemeClr val="bg1">
+                    <a:lumMod val="65000"/>
+                  </a:schemeClr>
+                </a:solidFill>
+                <a:highlight>
+                  <a:srgbClr val="FFFFFF"/>
+                </a:highlight>
+                <a:ea typeface="ＭＳ ゴシック" panose="020B0609070205080204" pitchFamily="49" charset="-128"/>
+              </a:rPr>
+              <a:t>ballVelocity.y</a:t>
+            </a:r>
+            <a:r>
+              <a:rPr lang="en-US" altLang="ja-JP" sz="2400" dirty="0">
+                <a:solidFill>
+                  <a:schemeClr val="bg1">
+                    <a:lumMod val="65000"/>
+                  </a:schemeClr>
+                </a:solidFill>
+                <a:highlight>
+                  <a:srgbClr val="FFFFFF"/>
+                </a:highlight>
+                <a:ea typeface="ＭＳ ゴシック" panose="020B0609070205080204" pitchFamily="49" charset="-128"/>
+              </a:rPr>
+              <a:t> &lt; 0))</a:t>
+            </a:r>
+            <a:br>
+              <a:rPr lang="en-US" altLang="ja-JP" sz="2400" dirty="0">
+                <a:solidFill>
+                  <a:schemeClr val="bg1">
+                    <a:lumMod val="65000"/>
+                  </a:schemeClr>
+                </a:solidFill>
+                <a:highlight>
+                  <a:srgbClr val="FFFFFF"/>
+                </a:highlight>
+                <a:ea typeface="ＭＳ ゴシック" panose="020B0609070205080204" pitchFamily="49" charset="-128"/>
+              </a:rPr>
+            </a:br>
+            <a:r>
+              <a:rPr lang="en-US" altLang="ja-JP" sz="2400" dirty="0">
+                <a:solidFill>
+                  <a:schemeClr val="bg1">
+                    <a:lumMod val="65000"/>
+                  </a:schemeClr>
+                </a:solidFill>
+                <a:highlight>
+                  <a:srgbClr val="FFFFFF"/>
+                </a:highlight>
+                <a:ea typeface="ＭＳ ゴシック" panose="020B0609070205080204" pitchFamily="49" charset="-128"/>
+              </a:rPr>
+              <a:t>    {</a:t>
+            </a:r>
+            <a:br>
+              <a:rPr lang="en-US" altLang="ja-JP" sz="2400" dirty="0">
+                <a:solidFill>
+                  <a:schemeClr val="bg1">
+                    <a:lumMod val="65000"/>
+                  </a:schemeClr>
+                </a:solidFill>
+                <a:highlight>
+                  <a:srgbClr val="FFFFFF"/>
+                </a:highlight>
+                <a:ea typeface="ＭＳ ゴシック" panose="020B0609070205080204" pitchFamily="49" charset="-128"/>
+              </a:rPr>
+            </a:br>
+            <a:r>
+              <a:rPr lang="en-US" altLang="ja-JP" sz="2400" dirty="0">
+                <a:solidFill>
+                  <a:schemeClr val="bg1">
+                    <a:lumMod val="65000"/>
+                  </a:schemeClr>
+                </a:solidFill>
+                <a:highlight>
+                  <a:srgbClr val="FFFFFF"/>
+                </a:highlight>
+                <a:ea typeface="ＭＳ ゴシック" panose="020B0609070205080204" pitchFamily="49" charset="-128"/>
+              </a:rPr>
+              <a:t>      </a:t>
+            </a:r>
+            <a:r>
+              <a:rPr lang="en-US" altLang="ja-JP" sz="2400" dirty="0" err="1">
+                <a:solidFill>
+                  <a:schemeClr val="bg1">
+                    <a:lumMod val="65000"/>
+                  </a:schemeClr>
+                </a:solidFill>
+                <a:highlight>
+                  <a:srgbClr val="FFFFFF"/>
+                </a:highlight>
+                <a:ea typeface="ＭＳ ゴシック" panose="020B0609070205080204" pitchFamily="49" charset="-128"/>
+              </a:rPr>
+              <a:t>ballVelocity.y</a:t>
+            </a:r>
+            <a:r>
+              <a:rPr lang="en-US" altLang="ja-JP" sz="2400" dirty="0">
+                <a:solidFill>
+                  <a:schemeClr val="bg1">
+                    <a:lumMod val="65000"/>
+                  </a:schemeClr>
+                </a:solidFill>
+                <a:highlight>
+                  <a:srgbClr val="FFFFFF"/>
+                </a:highlight>
+                <a:ea typeface="ＭＳ ゴシック" panose="020B0609070205080204" pitchFamily="49" charset="-128"/>
+              </a:rPr>
+              <a:t> *= -1; // </a:t>
+            </a:r>
+            <a:r>
+              <a:rPr lang="ja-JP" altLang="en-US" sz="2400" dirty="0">
+                <a:solidFill>
+                  <a:schemeClr val="bg1">
+                    <a:lumMod val="65000"/>
+                  </a:schemeClr>
+                </a:solidFill>
+                <a:highlight>
+                  <a:srgbClr val="FFFFFF"/>
+                </a:highlight>
+                <a:ea typeface="ＭＳ ゴシック" panose="020B0609070205080204" pitchFamily="49" charset="-128"/>
+              </a:rPr>
+              <a:t>ボールの速度の</a:t>
+            </a:r>
+            <a:r>
+              <a:rPr lang="en-US" altLang="ja-JP" sz="2400" dirty="0">
+                <a:solidFill>
+                  <a:schemeClr val="bg1">
+                    <a:lumMod val="65000"/>
+                  </a:schemeClr>
+                </a:solidFill>
+                <a:highlight>
+                  <a:srgbClr val="FFFFFF"/>
+                </a:highlight>
+                <a:ea typeface="ＭＳ ゴシック" panose="020B0609070205080204" pitchFamily="49" charset="-128"/>
+              </a:rPr>
+              <a:t>Y</a:t>
+            </a:r>
+            <a:r>
+              <a:rPr lang="ja-JP" altLang="en-US" sz="2400" dirty="0">
+                <a:solidFill>
+                  <a:schemeClr val="bg1">
+                    <a:lumMod val="65000"/>
+                  </a:schemeClr>
+                </a:solidFill>
+                <a:highlight>
+                  <a:srgbClr val="FFFFFF"/>
+                </a:highlight>
+                <a:ea typeface="ＭＳ ゴシック" panose="020B0609070205080204" pitchFamily="49" charset="-128"/>
+              </a:rPr>
+              <a:t>成分を反転</a:t>
+            </a:r>
+            <a:br>
+              <a:rPr lang="en-US" altLang="ja-JP" sz="2400" dirty="0">
+                <a:solidFill>
+                  <a:schemeClr val="bg1">
+                    <a:lumMod val="65000"/>
+                  </a:schemeClr>
+                </a:solidFill>
+                <a:highlight>
+                  <a:srgbClr val="FFFFFF"/>
+                </a:highlight>
+                <a:ea typeface="ＭＳ ゴシック" panose="020B0609070205080204" pitchFamily="49" charset="-128"/>
+              </a:rPr>
+            </a:br>
+            <a:r>
+              <a:rPr lang="en-US" altLang="ja-JP" sz="2400" dirty="0">
+                <a:solidFill>
+                  <a:schemeClr val="bg1">
+                    <a:lumMod val="65000"/>
+                  </a:schemeClr>
+                </a:solidFill>
+                <a:highlight>
+                  <a:srgbClr val="FFFFFF"/>
+                </a:highlight>
+                <a:ea typeface="ＭＳ ゴシック" panose="020B0609070205080204" pitchFamily="49" charset="-128"/>
+              </a:rPr>
+              <a:t>    }</a:t>
+            </a:r>
+          </a:p>
+          <a:p>
+            <a:pPr marL="0" indent="0">
+              <a:buNone/>
+            </a:pPr>
+            <a:r>
+              <a:rPr lang="ja-JP" altLang="en-US" sz="2400" dirty="0">
+                <a:solidFill>
+                  <a:srgbClr val="000000"/>
+                </a:solidFill>
+                <a:highlight>
+                  <a:srgbClr val="FFFFFF"/>
+                </a:highlight>
+                <a:ea typeface="ＭＳ ゴシック" panose="020B0609070205080204" pitchFamily="49" charset="-128"/>
+              </a:rPr>
+              <a:t>  </a:t>
+            </a:r>
+            <a:r>
+              <a:rPr lang="en-US" altLang="ja-JP" sz="2400" dirty="0">
+                <a:solidFill>
+                  <a:srgbClr val="000000"/>
+                </a:solidFill>
+                <a:highlight>
+                  <a:srgbClr val="FFFFFF"/>
+                </a:highlight>
+                <a:ea typeface="ＭＳ ゴシック" panose="020B0609070205080204" pitchFamily="49" charset="-128"/>
+              </a:rPr>
+              <a:t> </a:t>
+            </a:r>
+            <a:r>
+              <a:rPr lang="en-US" altLang="ja-JP" sz="2400" dirty="0">
+                <a:solidFill>
+                  <a:srgbClr val="008000"/>
+                </a:solidFill>
+                <a:highlight>
+                  <a:srgbClr val="FFFFFF"/>
+                </a:highlight>
+                <a:ea typeface="ＭＳ ゴシック" panose="020B0609070205080204" pitchFamily="49" charset="-128"/>
+              </a:rPr>
+              <a:t> // </a:t>
+            </a:r>
+            <a:r>
+              <a:rPr lang="ja-JP" altLang="en-US" sz="2400" dirty="0">
+                <a:solidFill>
+                  <a:srgbClr val="008000"/>
+                </a:solidFill>
+                <a:highlight>
+                  <a:srgbClr val="FFFFFF"/>
+                </a:highlight>
+                <a:ea typeface="ＭＳ ゴシック" panose="020B0609070205080204" pitchFamily="49" charset="-128"/>
+              </a:rPr>
+              <a:t>画面下部にぶつかったら</a:t>
+            </a:r>
+            <a:br>
+              <a:rPr lang="en-US" altLang="ja-JP" sz="2400" dirty="0">
+                <a:solidFill>
+                  <a:srgbClr val="000000"/>
+                </a:solidFill>
+                <a:highlight>
+                  <a:srgbClr val="FFFFFF"/>
+                </a:highlight>
+                <a:ea typeface="ＭＳ ゴシック" panose="020B0609070205080204" pitchFamily="49" charset="-128"/>
+              </a:rPr>
+            </a:br>
+            <a:r>
+              <a:rPr lang="en-US" altLang="ja-JP" sz="2400" dirty="0">
+                <a:solidFill>
+                  <a:srgbClr val="000000"/>
+                </a:solidFill>
+                <a:highlight>
+                  <a:srgbClr val="FFFFFF"/>
+                </a:highlight>
+                <a:ea typeface="ＭＳ ゴシック" panose="020B0609070205080204" pitchFamily="49" charset="-128"/>
+              </a:rPr>
+              <a:t>    </a:t>
+            </a:r>
+            <a:r>
+              <a:rPr lang="en-US" altLang="ja-JP" sz="2400" dirty="0">
+                <a:solidFill>
+                  <a:srgbClr val="0000FF"/>
+                </a:solidFill>
+                <a:highlight>
+                  <a:srgbClr val="FFFFFF"/>
+                </a:highlight>
+                <a:ea typeface="ＭＳ ゴシック" panose="020B0609070205080204" pitchFamily="49" charset="-128"/>
+              </a:rPr>
+              <a:t>if</a:t>
+            </a:r>
+            <a:r>
+              <a:rPr lang="en-US" altLang="ja-JP" sz="2400" dirty="0">
+                <a:solidFill>
+                  <a:srgbClr val="000000"/>
+                </a:solidFill>
+                <a:highlight>
+                  <a:srgbClr val="FFFFFF"/>
+                </a:highlight>
+                <a:ea typeface="ＭＳ ゴシック" panose="020B0609070205080204" pitchFamily="49" charset="-128"/>
+              </a:rPr>
+              <a:t> ((</a:t>
+            </a:r>
+            <a:r>
+              <a:rPr lang="en-US" altLang="ja-JP" sz="2400" dirty="0" err="1">
+                <a:solidFill>
+                  <a:srgbClr val="000000"/>
+                </a:solidFill>
+                <a:highlight>
+                  <a:srgbClr val="FFFFFF"/>
+                </a:highlight>
+                <a:ea typeface="ＭＳ ゴシック" panose="020B0609070205080204" pitchFamily="49" charset="-128"/>
+              </a:rPr>
+              <a:t>ball.y</a:t>
+            </a:r>
+            <a:r>
+              <a:rPr lang="en-US" altLang="ja-JP" sz="2400" dirty="0">
+                <a:solidFill>
+                  <a:srgbClr val="000000"/>
+                </a:solidFill>
+                <a:highlight>
+                  <a:srgbClr val="FFFFFF"/>
+                </a:highlight>
+                <a:ea typeface="ＭＳ ゴシック" panose="020B0609070205080204" pitchFamily="49" charset="-128"/>
+              </a:rPr>
+              <a:t> &gt; </a:t>
+            </a:r>
+            <a:r>
+              <a:rPr lang="en-US" altLang="ja-JP" sz="2400" dirty="0" err="1">
+                <a:solidFill>
+                  <a:srgbClr val="000000"/>
+                </a:solidFill>
+                <a:highlight>
+                  <a:srgbClr val="FFFFFF"/>
+                </a:highlight>
+                <a:ea typeface="ＭＳ ゴシック" panose="020B0609070205080204" pitchFamily="49" charset="-128"/>
+              </a:rPr>
+              <a:t>SceneSize.y</a:t>
+            </a:r>
+            <a:r>
+              <a:rPr lang="en-US" altLang="ja-JP" sz="2400" dirty="0">
+                <a:solidFill>
+                  <a:srgbClr val="000000"/>
+                </a:solidFill>
+                <a:highlight>
+                  <a:srgbClr val="FFFFFF"/>
+                </a:highlight>
+                <a:ea typeface="ＭＳ ゴシック" panose="020B0609070205080204" pitchFamily="49" charset="-128"/>
+              </a:rPr>
+              <a:t>) &amp;&amp; (</a:t>
+            </a:r>
+            <a:r>
+              <a:rPr lang="en-US" altLang="ja-JP" sz="2400" dirty="0" err="1">
+                <a:solidFill>
+                  <a:srgbClr val="000000"/>
+                </a:solidFill>
+                <a:highlight>
+                  <a:srgbClr val="FFFFFF"/>
+                </a:highlight>
+                <a:ea typeface="ＭＳ ゴシック" panose="020B0609070205080204" pitchFamily="49" charset="-128"/>
+              </a:rPr>
+              <a:t>ballVelocity.y</a:t>
+            </a:r>
+            <a:r>
+              <a:rPr lang="en-US" altLang="ja-JP" sz="2400" dirty="0">
+                <a:solidFill>
+                  <a:srgbClr val="000000"/>
+                </a:solidFill>
+                <a:highlight>
+                  <a:srgbClr val="FFFFFF"/>
+                </a:highlight>
+                <a:ea typeface="ＭＳ ゴシック" panose="020B0609070205080204" pitchFamily="49" charset="-128"/>
+              </a:rPr>
+              <a:t> &gt; 0))</a:t>
+            </a:r>
+            <a:br>
+              <a:rPr lang="en-US" altLang="ja-JP" sz="2400" dirty="0">
+                <a:solidFill>
+                  <a:srgbClr val="000000"/>
+                </a:solidFill>
+                <a:highlight>
+                  <a:srgbClr val="FFFFFF"/>
+                </a:highlight>
+                <a:ea typeface="ＭＳ ゴシック" panose="020B0609070205080204" pitchFamily="49" charset="-128"/>
+              </a:rPr>
+            </a:br>
+            <a:r>
+              <a:rPr lang="en-US" altLang="ja-JP" sz="2400" dirty="0">
+                <a:solidFill>
+                  <a:srgbClr val="000000"/>
+                </a:solidFill>
+                <a:highlight>
+                  <a:srgbClr val="FFFFFF"/>
+                </a:highlight>
+                <a:ea typeface="ＭＳ ゴシック" panose="020B0609070205080204" pitchFamily="49" charset="-128"/>
+              </a:rPr>
+              <a:t>    {</a:t>
+            </a:r>
+          </a:p>
+          <a:p>
+            <a:pPr marL="0" indent="0">
+              <a:buNone/>
+            </a:pPr>
+            <a:r>
+              <a:rPr lang="en-US" altLang="ja-JP" sz="2400" dirty="0">
+                <a:solidFill>
+                  <a:srgbClr val="008000"/>
+                </a:solidFill>
+                <a:highlight>
+                  <a:srgbClr val="FFFFFF"/>
+                </a:highlight>
+                <a:ea typeface="ＭＳ ゴシック" panose="020B0609070205080204" pitchFamily="49" charset="-128"/>
+              </a:rPr>
+              <a:t>      // </a:t>
+            </a:r>
+            <a:r>
+              <a:rPr lang="ja-JP" altLang="en-US" sz="2400" dirty="0">
+                <a:solidFill>
+                  <a:srgbClr val="008000"/>
+                </a:solidFill>
+                <a:highlight>
+                  <a:srgbClr val="FFFFFF"/>
+                </a:highlight>
+                <a:ea typeface="ＭＳ ゴシック" panose="020B0609070205080204" pitchFamily="49" charset="-128"/>
+              </a:rPr>
+              <a:t>ボールを初期位置にする</a:t>
+            </a:r>
+            <a:br>
+              <a:rPr lang="en-US" altLang="ja-JP" sz="2400" dirty="0">
+                <a:solidFill>
+                  <a:srgbClr val="000000"/>
+                </a:solidFill>
+                <a:highlight>
+                  <a:srgbClr val="FFFFFF"/>
+                </a:highlight>
+                <a:ea typeface="ＭＳ ゴシック" panose="020B0609070205080204" pitchFamily="49" charset="-128"/>
+              </a:rPr>
+            </a:br>
+            <a:r>
+              <a:rPr lang="en-US" altLang="ja-JP" sz="2400" dirty="0">
+                <a:solidFill>
+                  <a:srgbClr val="000000"/>
+                </a:solidFill>
+                <a:highlight>
+                  <a:srgbClr val="FFFFFF"/>
+                </a:highlight>
+                <a:ea typeface="ＭＳ ゴシック" panose="020B0609070205080204" pitchFamily="49" charset="-128"/>
+              </a:rPr>
+              <a:t>      ball</a:t>
+            </a:r>
+            <a:r>
+              <a:rPr lang="ja-JP" altLang="en-US" sz="2400" dirty="0">
+                <a:solidFill>
+                  <a:srgbClr val="000000"/>
+                </a:solidFill>
+                <a:highlight>
+                  <a:srgbClr val="FFFFFF"/>
+                </a:highlight>
+                <a:ea typeface="ＭＳ ゴシック" panose="020B0609070205080204" pitchFamily="49" charset="-128"/>
+              </a:rPr>
+              <a:t> </a:t>
+            </a:r>
+            <a:r>
+              <a:rPr lang="en-US" altLang="ja-JP" sz="2400" dirty="0">
+                <a:solidFill>
+                  <a:srgbClr val="000000"/>
+                </a:solidFill>
+                <a:highlight>
+                  <a:srgbClr val="FFFFFF"/>
+                </a:highlight>
+                <a:ea typeface="ＭＳ ゴシック" panose="020B0609070205080204" pitchFamily="49" charset="-128"/>
+              </a:rPr>
+              <a:t>= </a:t>
+            </a:r>
+            <a:r>
+              <a:rPr lang="en-US" altLang="ja-JP" sz="2400" dirty="0" err="1">
+                <a:solidFill>
+                  <a:srgbClr val="000000"/>
+                </a:solidFill>
+                <a:highlight>
+                  <a:srgbClr val="FFFFFF"/>
+                </a:highlight>
+                <a:ea typeface="ＭＳ ゴシック" panose="020B0609070205080204" pitchFamily="49" charset="-128"/>
+              </a:rPr>
+              <a:t>MakeBall</a:t>
+            </a:r>
+            <a:r>
+              <a:rPr lang="en-US" altLang="ja-JP" sz="2400" dirty="0">
+                <a:solidFill>
+                  <a:srgbClr val="000000"/>
+                </a:solidFill>
+                <a:highlight>
+                  <a:srgbClr val="FFFFFF"/>
+                </a:highlight>
+                <a:ea typeface="ＭＳ ゴシック" panose="020B0609070205080204" pitchFamily="49" charset="-128"/>
+              </a:rPr>
+              <a:t>();</a:t>
+            </a:r>
+            <a:br>
+              <a:rPr lang="en-US" altLang="ja-JP" sz="2400" dirty="0">
+                <a:solidFill>
+                  <a:srgbClr val="000000"/>
+                </a:solidFill>
+                <a:highlight>
+                  <a:srgbClr val="FFFFFF"/>
+                </a:highlight>
+                <a:ea typeface="ＭＳ ゴシック" panose="020B0609070205080204" pitchFamily="49" charset="-128"/>
+              </a:rPr>
+            </a:br>
+            <a:r>
+              <a:rPr lang="ja-JP" altLang="en-US" sz="2400" dirty="0">
+                <a:solidFill>
+                  <a:srgbClr val="000000"/>
+                </a:solidFill>
+                <a:highlight>
+                  <a:srgbClr val="FFFFFF"/>
+                </a:highlight>
+                <a:ea typeface="ＭＳ ゴシック" panose="020B0609070205080204" pitchFamily="49" charset="-128"/>
+              </a:rPr>
+              <a:t>     </a:t>
+            </a:r>
+            <a:r>
+              <a:rPr lang="en-US" altLang="ja-JP" sz="2400" dirty="0">
+                <a:solidFill>
+                  <a:srgbClr val="008000"/>
+                </a:solidFill>
+                <a:highlight>
+                  <a:srgbClr val="FFFFFF"/>
+                </a:highlight>
+                <a:ea typeface="ＭＳ ゴシック" panose="020B0609070205080204" pitchFamily="49" charset="-128"/>
+              </a:rPr>
+              <a:t> // </a:t>
+            </a:r>
+            <a:r>
+              <a:rPr lang="ja-JP" altLang="en-US" sz="2400" dirty="0">
+                <a:solidFill>
+                  <a:srgbClr val="008000"/>
+                </a:solidFill>
+                <a:highlight>
+                  <a:srgbClr val="FFFFFF"/>
+                </a:highlight>
+                <a:ea typeface="ＭＳ ゴシック" panose="020B0609070205080204" pitchFamily="49" charset="-128"/>
+              </a:rPr>
+              <a:t>ボールの初速を設定する</a:t>
+            </a:r>
+            <a:br>
+              <a:rPr lang="en-US" altLang="ja-JP" sz="2400" dirty="0">
+                <a:solidFill>
+                  <a:srgbClr val="000000"/>
+                </a:solidFill>
+                <a:highlight>
+                  <a:srgbClr val="FFFFFF"/>
+                </a:highlight>
+                <a:ea typeface="ＭＳ ゴシック" panose="020B0609070205080204" pitchFamily="49" charset="-128"/>
+              </a:rPr>
+            </a:br>
+            <a:r>
+              <a:rPr lang="en-US" altLang="ja-JP" sz="2400" dirty="0">
+                <a:solidFill>
+                  <a:srgbClr val="000000"/>
+                </a:solidFill>
+                <a:highlight>
+                  <a:srgbClr val="FFFFFF"/>
+                </a:highlight>
+                <a:ea typeface="ＭＳ ゴシック" panose="020B0609070205080204" pitchFamily="49" charset="-128"/>
+              </a:rPr>
+              <a:t>      </a:t>
+            </a:r>
+            <a:r>
+              <a:rPr lang="en-US" altLang="ja-JP" sz="2400" dirty="0" err="1">
+                <a:solidFill>
+                  <a:srgbClr val="000000"/>
+                </a:solidFill>
+                <a:highlight>
+                  <a:srgbClr val="FFFFFF"/>
+                </a:highlight>
+                <a:ea typeface="ＭＳ ゴシック" panose="020B0609070205080204" pitchFamily="49" charset="-128"/>
+              </a:rPr>
+              <a:t>ballVelocity</a:t>
+            </a:r>
+            <a:r>
+              <a:rPr lang="ja-JP" altLang="en-US" sz="2400" dirty="0">
+                <a:solidFill>
+                  <a:srgbClr val="000000"/>
+                </a:solidFill>
+                <a:highlight>
+                  <a:srgbClr val="FFFFFF"/>
+                </a:highlight>
+                <a:ea typeface="ＭＳ ゴシック" panose="020B0609070205080204" pitchFamily="49" charset="-128"/>
+              </a:rPr>
+              <a:t> </a:t>
+            </a:r>
+            <a:r>
+              <a:rPr lang="en-US" altLang="ja-JP" sz="2400" dirty="0">
+                <a:solidFill>
+                  <a:srgbClr val="000000"/>
+                </a:solidFill>
+                <a:highlight>
+                  <a:srgbClr val="FFFFFF"/>
+                </a:highlight>
+                <a:ea typeface="ＭＳ ゴシック" panose="020B0609070205080204" pitchFamily="49" charset="-128"/>
+              </a:rPr>
+              <a:t>= </a:t>
+            </a:r>
+            <a:r>
+              <a:rPr lang="en-US" altLang="ja-JP" sz="2400" dirty="0" err="1">
+                <a:solidFill>
+                  <a:srgbClr val="000000"/>
+                </a:solidFill>
+                <a:highlight>
+                  <a:srgbClr val="FFFFFF"/>
+                </a:highlight>
+                <a:ea typeface="ＭＳ ゴシック" panose="020B0609070205080204" pitchFamily="49" charset="-128"/>
+              </a:rPr>
+              <a:t>MakeBallVelocity</a:t>
+            </a:r>
+            <a:r>
+              <a:rPr lang="en-US" altLang="ja-JP" sz="2400" dirty="0">
+                <a:solidFill>
+                  <a:srgbClr val="000000"/>
+                </a:solidFill>
+                <a:highlight>
+                  <a:srgbClr val="FFFFFF"/>
+                </a:highlight>
+                <a:ea typeface="ＭＳ ゴシック" panose="020B0609070205080204" pitchFamily="49" charset="-128"/>
+              </a:rPr>
+              <a:t>();</a:t>
+            </a:r>
+            <a:br>
+              <a:rPr lang="en-US" altLang="ja-JP" sz="2400" dirty="0">
+                <a:solidFill>
+                  <a:srgbClr val="000000"/>
+                </a:solidFill>
+                <a:highlight>
+                  <a:srgbClr val="FFFFFF"/>
+                </a:highlight>
+                <a:ea typeface="ＭＳ ゴシック" panose="020B0609070205080204" pitchFamily="49" charset="-128"/>
+              </a:rPr>
+            </a:br>
+            <a:r>
+              <a:rPr lang="en-US" altLang="ja-JP" sz="2400" dirty="0">
+                <a:solidFill>
+                  <a:srgbClr val="000000"/>
+                </a:solidFill>
+                <a:highlight>
+                  <a:srgbClr val="FFFFFF"/>
+                </a:highlight>
+                <a:ea typeface="ＭＳ ゴシック" panose="020B0609070205080204" pitchFamily="49" charset="-128"/>
+              </a:rPr>
+              <a:t>    }</a:t>
+            </a:r>
+            <a:br>
+              <a:rPr lang="en-US" altLang="ja-JP" sz="2400" dirty="0">
+                <a:solidFill>
+                  <a:srgbClr val="000000"/>
+                </a:solidFill>
+                <a:highlight>
+                  <a:srgbClr val="FFFFFF"/>
+                </a:highlight>
+                <a:ea typeface="ＭＳ ゴシック" panose="020B0609070205080204" pitchFamily="49" charset="-128"/>
+              </a:rPr>
+            </a:br>
+            <a:r>
+              <a:rPr lang="en-US" altLang="ja-JP" sz="2400" dirty="0">
+                <a:solidFill>
+                  <a:srgbClr val="000000"/>
+                </a:solidFill>
+                <a:highlight>
+                  <a:srgbClr val="FFFFFF"/>
+                </a:highlight>
+                <a:ea typeface="ＭＳ ゴシック" panose="020B0609070205080204" pitchFamily="49" charset="-128"/>
+              </a:rPr>
+              <a:t>    </a:t>
+            </a:r>
+            <a:br>
+              <a:rPr lang="en-US" altLang="ja-JP" sz="2400" dirty="0">
+                <a:solidFill>
+                  <a:srgbClr val="000000"/>
+                </a:solidFill>
+                <a:highlight>
+                  <a:srgbClr val="FFFFFF"/>
+                </a:highlight>
+                <a:ea typeface="ＭＳ ゴシック" panose="020B0609070205080204" pitchFamily="49" charset="-128"/>
+              </a:rPr>
+            </a:br>
+            <a:endParaRPr lang="en-US" altLang="ja-JP" sz="2400" dirty="0">
+              <a:solidFill>
+                <a:srgbClr val="000000"/>
+              </a:solidFill>
+              <a:highlight>
+                <a:srgbClr val="FFFFFF"/>
+              </a:highlight>
+              <a:ea typeface="ＭＳ ゴシック" panose="020B0609070205080204" pitchFamily="49" charset="-128"/>
+            </a:endParaRPr>
+          </a:p>
+        </p:txBody>
+      </p:sp>
+      <p:sp>
+        <p:nvSpPr>
+          <p:cNvPr id="7" name="テキスト ボックス 6">
+            <a:extLst>
+              <a:ext uri="{FF2B5EF4-FFF2-40B4-BE49-F238E27FC236}">
+                <a16:creationId xmlns:a16="http://schemas.microsoft.com/office/drawing/2014/main" id="{CAEED20E-F7E5-2D4C-B8D9-914064F6DA43}"/>
+              </a:ext>
+            </a:extLst>
+          </p:cNvPr>
+          <p:cNvSpPr txBox="1"/>
+          <p:nvPr/>
+        </p:nvSpPr>
+        <p:spPr>
+          <a:xfrm>
+            <a:off x="9494583" y="516645"/>
+            <a:ext cx="2480166" cy="646331"/>
+          </a:xfrm>
+          <a:prstGeom prst="rect">
+            <a:avLst/>
+          </a:prstGeom>
+          <a:noFill/>
+        </p:spPr>
+        <p:txBody>
+          <a:bodyPr wrap="none" rtlCol="0">
+            <a:spAutoFit/>
+          </a:bodyPr>
+          <a:lstStyle/>
+          <a:p>
+            <a:r>
+              <a:rPr kumimoji="1" lang="en-US" altLang="ja-JP" sz="3600" dirty="0"/>
+              <a:t>Main.cpp</a:t>
+            </a:r>
+            <a:endParaRPr kumimoji="1" lang="ja-JP" altLang="en-US" sz="3600" dirty="0"/>
+          </a:p>
+        </p:txBody>
+      </p:sp>
+    </p:spTree>
+    <p:extLst>
+      <p:ext uri="{BB962C8B-B14F-4D97-AF65-F5344CB8AC3E}">
+        <p14:creationId xmlns:p14="http://schemas.microsoft.com/office/powerpoint/2010/main" val="786241676"/>
+      </p:ext>
+    </p:extLst>
+  </p:cSld>
+  <p:clrMapOvr>
+    <a:masterClrMapping/>
+  </p:clrMapOvr>
+</p:sld>
+</file>
+
+<file path=ppt/slides/slide56.xml><?xml version="1.0" encoding="utf-8"?>
+<p:sld xmlns:a="http://schemas.openxmlformats.org/drawingml/2006/main" xmlns:r="http://schemas.openxmlformats.org/officeDocument/2006/relationships" xmlns:p="http://schemas.openxmlformats.org/presentationml/2006/main">
+  <p:cSld>
+    <p:spTree>
+      <p:nvGrpSpPr>
+        <p:cNvPr id="1" name="">
+          <a:extLst>
+            <a:ext uri="{FF2B5EF4-FFF2-40B4-BE49-F238E27FC236}">
+              <a16:creationId xmlns:a16="http://schemas.microsoft.com/office/drawing/2014/main" id="{42A1A469-CFC0-AD0D-BB36-4838592BA958}"/>
+            </a:ext>
+          </a:extLst>
+        </p:cNvPr>
+        <p:cNvGrpSpPr/>
+        <p:nvPr/>
+      </p:nvGrpSpPr>
+      <p:grpSpPr>
+        <a:xfrm>
+          <a:off x="0" y="0"/>
+          <a:ext cx="0" cy="0"/>
+          <a:chOff x="0" y="0"/>
+          <a:chExt cx="0" cy="0"/>
+        </a:xfrm>
+      </p:grpSpPr>
+      <p:sp>
+        <p:nvSpPr>
+          <p:cNvPr id="2" name="タイトル 1">
+            <a:extLst>
+              <a:ext uri="{FF2B5EF4-FFF2-40B4-BE49-F238E27FC236}">
+                <a16:creationId xmlns:a16="http://schemas.microsoft.com/office/drawing/2014/main" id="{51407C16-2B4B-8C79-7F00-6D01C3AB756A}"/>
+              </a:ext>
+            </a:extLst>
+          </p:cNvPr>
+          <p:cNvSpPr>
+            <a:spLocks noGrp="1"/>
+          </p:cNvSpPr>
+          <p:nvPr>
+            <p:ph type="title"/>
+          </p:nvPr>
+        </p:nvSpPr>
+        <p:spPr/>
+        <p:txBody>
+          <a:bodyPr>
+            <a:normAutofit/>
+          </a:bodyPr>
+          <a:lstStyle/>
+          <a:p>
+            <a:r>
+              <a:rPr kumimoji="1" lang="ja-JP" altLang="en-US" dirty="0"/>
+              <a:t>演習：</a:t>
+            </a:r>
+            <a:r>
+              <a:rPr lang="en-US" altLang="ja-JP" dirty="0"/>
+              <a:t>Siv3D</a:t>
+            </a:r>
+            <a:endParaRPr kumimoji="1" lang="ja-JP" altLang="en-US" dirty="0"/>
+          </a:p>
+        </p:txBody>
+      </p:sp>
+      <p:sp>
+        <p:nvSpPr>
+          <p:cNvPr id="3" name="コンテンツ プレースホルダー 2">
+            <a:extLst>
+              <a:ext uri="{FF2B5EF4-FFF2-40B4-BE49-F238E27FC236}">
+                <a16:creationId xmlns:a16="http://schemas.microsoft.com/office/drawing/2014/main" id="{F056F157-E34F-5FFF-CDEA-A5B6076454A0}"/>
+              </a:ext>
+            </a:extLst>
+          </p:cNvPr>
+          <p:cNvSpPr>
+            <a:spLocks noGrp="1"/>
+          </p:cNvSpPr>
+          <p:nvPr>
+            <p:ph idx="1"/>
+          </p:nvPr>
+        </p:nvSpPr>
+        <p:spPr>
+          <a:xfrm>
+            <a:off x="430306" y="1376038"/>
+            <a:ext cx="11654118" cy="5329562"/>
+          </a:xfrm>
+        </p:spPr>
+        <p:txBody>
+          <a:bodyPr>
+            <a:normAutofit/>
+          </a:bodyPr>
+          <a:lstStyle/>
+          <a:p>
+            <a:r>
+              <a:rPr kumimoji="1" lang="ja-JP" altLang="en-US" dirty="0"/>
+              <a:t>いちおう完成？</a:t>
+            </a:r>
+            <a:br>
+              <a:rPr kumimoji="1" lang="en-US" altLang="ja-JP" dirty="0"/>
+            </a:br>
+            <a:br>
+              <a:rPr kumimoji="1" lang="en-US" altLang="ja-JP" dirty="0"/>
+            </a:br>
+            <a:r>
+              <a:rPr kumimoji="1" lang="ja-JP" altLang="en-US" dirty="0"/>
+              <a:t>ブロック崩しのひな形は</a:t>
+            </a:r>
+            <a:br>
+              <a:rPr kumimoji="1" lang="en-US" altLang="ja-JP" dirty="0"/>
+            </a:br>
+            <a:r>
+              <a:rPr kumimoji="1" lang="ja-JP" altLang="en-US" dirty="0"/>
+              <a:t>完成した</a:t>
+            </a:r>
+            <a:br>
+              <a:rPr kumimoji="1" lang="en-US" altLang="ja-JP" dirty="0"/>
+            </a:br>
+            <a:br>
+              <a:rPr kumimoji="1" lang="en-US" altLang="ja-JP" dirty="0"/>
+            </a:br>
+            <a:r>
+              <a:rPr kumimoji="1" lang="ja-JP" altLang="en-US" dirty="0"/>
+              <a:t>ここからどうやったら</a:t>
+            </a:r>
+            <a:br>
+              <a:rPr kumimoji="1" lang="en-US" altLang="ja-JP" dirty="0"/>
+            </a:br>
+            <a:r>
+              <a:rPr kumimoji="1" lang="ja-JP" altLang="en-US" dirty="0"/>
+              <a:t>ゲーム性を向上するため</a:t>
+            </a:r>
+            <a:br>
+              <a:rPr kumimoji="1" lang="en-US" altLang="ja-JP" dirty="0"/>
+            </a:br>
+            <a:r>
+              <a:rPr kumimoji="1" lang="ja-JP" altLang="en-US" dirty="0"/>
+              <a:t>の方法を模索していく</a:t>
+            </a:r>
+            <a:br>
+              <a:rPr kumimoji="1" lang="en-US" altLang="ja-JP" dirty="0"/>
+            </a:br>
+            <a:endParaRPr kumimoji="1" lang="en-US" altLang="ja-JP" dirty="0"/>
+          </a:p>
+        </p:txBody>
+      </p:sp>
+      <p:pic>
+        <p:nvPicPr>
+          <p:cNvPr id="7" name="図 6">
+            <a:extLst>
+              <a:ext uri="{FF2B5EF4-FFF2-40B4-BE49-F238E27FC236}">
+                <a16:creationId xmlns:a16="http://schemas.microsoft.com/office/drawing/2014/main" id="{C95CF8EA-BDE7-873F-E783-C07F3C22288F}"/>
+              </a:ext>
+            </a:extLst>
+          </p:cNvPr>
+          <p:cNvPicPr>
+            <a:picLocks noChangeAspect="1"/>
+          </p:cNvPicPr>
+          <p:nvPr/>
+        </p:nvPicPr>
+        <p:blipFill>
+          <a:blip r:embed="rId2"/>
+          <a:stretch>
+            <a:fillRect/>
+          </a:stretch>
+        </p:blipFill>
+        <p:spPr>
+          <a:xfrm>
+            <a:off x="6096000" y="1767969"/>
+            <a:ext cx="5827059" cy="4399284"/>
+          </a:xfrm>
+          <a:prstGeom prst="rect">
+            <a:avLst/>
+          </a:prstGeom>
+        </p:spPr>
+      </p:pic>
+    </p:spTree>
+    <p:extLst>
+      <p:ext uri="{BB962C8B-B14F-4D97-AF65-F5344CB8AC3E}">
+        <p14:creationId xmlns:p14="http://schemas.microsoft.com/office/powerpoint/2010/main" val="1777043021"/>
+      </p:ext>
+    </p:extLst>
+  </p:cSld>
+  <p:clrMapOvr>
+    <a:masterClrMapping/>
+  </p:clrMapOvr>
+</p:sld>
+</file>
+
+<file path=ppt/slides/slide57.xml><?xml version="1.0" encoding="utf-8"?>
+<p:sld xmlns:a="http://schemas.openxmlformats.org/drawingml/2006/main" xmlns:r="http://schemas.openxmlformats.org/officeDocument/2006/relationships" xmlns:p="http://schemas.openxmlformats.org/presentationml/2006/main">
+  <p:cSld>
+    <p:spTree>
+      <p:nvGrpSpPr>
+        <p:cNvPr id="1" name="">
+          <a:extLst>
+            <a:ext uri="{FF2B5EF4-FFF2-40B4-BE49-F238E27FC236}">
+              <a16:creationId xmlns:a16="http://schemas.microsoft.com/office/drawing/2014/main" id="{BA3CAC60-F843-C011-9257-8C47BC3FAB8D}"/>
+            </a:ext>
+          </a:extLst>
+        </p:cNvPr>
+        <p:cNvGrpSpPr/>
+        <p:nvPr/>
+      </p:nvGrpSpPr>
+      <p:grpSpPr>
+        <a:xfrm>
+          <a:off x="0" y="0"/>
+          <a:ext cx="0" cy="0"/>
+          <a:chOff x="0" y="0"/>
+          <a:chExt cx="0" cy="0"/>
+        </a:xfrm>
+      </p:grpSpPr>
+      <p:sp>
+        <p:nvSpPr>
+          <p:cNvPr id="2" name="タイトル 1">
+            <a:extLst>
+              <a:ext uri="{FF2B5EF4-FFF2-40B4-BE49-F238E27FC236}">
+                <a16:creationId xmlns:a16="http://schemas.microsoft.com/office/drawing/2014/main" id="{0437BA85-750D-5B50-5430-FE93DB139408}"/>
+              </a:ext>
+            </a:extLst>
+          </p:cNvPr>
+          <p:cNvSpPr>
+            <a:spLocks noGrp="1"/>
+          </p:cNvSpPr>
+          <p:nvPr>
+            <p:ph type="title"/>
+          </p:nvPr>
+        </p:nvSpPr>
+        <p:spPr/>
+        <p:txBody>
+          <a:bodyPr>
+            <a:normAutofit/>
+          </a:bodyPr>
+          <a:lstStyle/>
+          <a:p>
+            <a:r>
+              <a:rPr kumimoji="1" lang="ja-JP" altLang="en-US" dirty="0"/>
+              <a:t>演習：</a:t>
+            </a:r>
+            <a:r>
+              <a:rPr lang="en-US" altLang="ja-JP" dirty="0"/>
+              <a:t>Siv3D</a:t>
+            </a:r>
+            <a:endParaRPr kumimoji="1" lang="ja-JP" altLang="en-US" dirty="0"/>
+          </a:p>
+        </p:txBody>
+      </p:sp>
+      <p:sp>
+        <p:nvSpPr>
+          <p:cNvPr id="3" name="コンテンツ プレースホルダー 2">
+            <a:extLst>
+              <a:ext uri="{FF2B5EF4-FFF2-40B4-BE49-F238E27FC236}">
+                <a16:creationId xmlns:a16="http://schemas.microsoft.com/office/drawing/2014/main" id="{24E01253-E9D4-DA31-E2F4-DEDB615792D8}"/>
+              </a:ext>
+            </a:extLst>
+          </p:cNvPr>
+          <p:cNvSpPr>
+            <a:spLocks noGrp="1"/>
+          </p:cNvSpPr>
+          <p:nvPr>
+            <p:ph idx="1"/>
+          </p:nvPr>
+        </p:nvSpPr>
+        <p:spPr>
+          <a:xfrm>
+            <a:off x="430306" y="1376038"/>
+            <a:ext cx="11654118" cy="5329562"/>
+          </a:xfrm>
+        </p:spPr>
+        <p:txBody>
+          <a:bodyPr>
+            <a:normAutofit/>
+          </a:bodyPr>
+          <a:lstStyle/>
+          <a:p>
+            <a:r>
+              <a:rPr kumimoji="1" lang="ja-JP" altLang="en-US" dirty="0"/>
+              <a:t>このブロック崩しに足りないものは何かを考えてみる</a:t>
+            </a:r>
+            <a:br>
+              <a:rPr kumimoji="1" lang="en-US" altLang="ja-JP" dirty="0"/>
+            </a:br>
+            <a:br>
+              <a:rPr kumimoji="1" lang="en-US" altLang="ja-JP" dirty="0"/>
+            </a:br>
+            <a:br>
+              <a:rPr kumimoji="1" lang="en-US" altLang="ja-JP" dirty="0"/>
+            </a:br>
+            <a:endParaRPr kumimoji="1" lang="en-US" altLang="ja-JP" dirty="0"/>
+          </a:p>
+        </p:txBody>
+      </p:sp>
+    </p:spTree>
+    <p:extLst>
+      <p:ext uri="{BB962C8B-B14F-4D97-AF65-F5344CB8AC3E}">
+        <p14:creationId xmlns:p14="http://schemas.microsoft.com/office/powerpoint/2010/main" val="3365149813"/>
+      </p:ext>
+    </p:extLst>
+  </p:cSld>
+  <p:clrMapOvr>
+    <a:masterClrMapping/>
+  </p:clrMapOvr>
+</p:sld>
+</file>
+
+<file path=ppt/slides/slide58.xml><?xml version="1.0" encoding="utf-8"?>
+<p:sld xmlns:a="http://schemas.openxmlformats.org/drawingml/2006/main" xmlns:r="http://schemas.openxmlformats.org/officeDocument/2006/relationships" xmlns:p="http://schemas.openxmlformats.org/presentationml/2006/main">
+  <p:cSld>
+    <p:spTree>
+      <p:nvGrpSpPr>
+        <p:cNvPr id="1" name="">
+          <a:extLst>
+            <a:ext uri="{FF2B5EF4-FFF2-40B4-BE49-F238E27FC236}">
+              <a16:creationId xmlns:a16="http://schemas.microsoft.com/office/drawing/2014/main" id="{9299E0C4-F5F1-1EF6-90CF-BB8D3721AA9D}"/>
+            </a:ext>
+          </a:extLst>
+        </p:cNvPr>
+        <p:cNvGrpSpPr/>
+        <p:nvPr/>
+      </p:nvGrpSpPr>
+      <p:grpSpPr>
+        <a:xfrm>
+          <a:off x="0" y="0"/>
+          <a:ext cx="0" cy="0"/>
+          <a:chOff x="0" y="0"/>
+          <a:chExt cx="0" cy="0"/>
+        </a:xfrm>
+      </p:grpSpPr>
+      <p:sp>
+        <p:nvSpPr>
+          <p:cNvPr id="2" name="タイトル 1">
+            <a:extLst>
+              <a:ext uri="{FF2B5EF4-FFF2-40B4-BE49-F238E27FC236}">
+                <a16:creationId xmlns:a16="http://schemas.microsoft.com/office/drawing/2014/main" id="{198A6452-614C-12DA-7CAE-8B6EB75D35EF}"/>
+              </a:ext>
+            </a:extLst>
+          </p:cNvPr>
+          <p:cNvSpPr>
+            <a:spLocks noGrp="1"/>
+          </p:cNvSpPr>
+          <p:nvPr>
+            <p:ph type="title"/>
+          </p:nvPr>
+        </p:nvSpPr>
+        <p:spPr/>
+        <p:txBody>
+          <a:bodyPr>
+            <a:normAutofit/>
+          </a:bodyPr>
+          <a:lstStyle/>
+          <a:p>
+            <a:r>
+              <a:rPr kumimoji="1" lang="ja-JP" altLang="en-US" dirty="0"/>
+              <a:t>演習：</a:t>
+            </a:r>
+            <a:r>
+              <a:rPr lang="en-US" altLang="ja-JP" dirty="0"/>
+              <a:t>Siv3D</a:t>
+            </a:r>
+            <a:endParaRPr kumimoji="1" lang="ja-JP" altLang="en-US" dirty="0"/>
+          </a:p>
+        </p:txBody>
+      </p:sp>
+      <p:sp>
+        <p:nvSpPr>
+          <p:cNvPr id="3" name="コンテンツ プレースホルダー 2">
+            <a:extLst>
+              <a:ext uri="{FF2B5EF4-FFF2-40B4-BE49-F238E27FC236}">
+                <a16:creationId xmlns:a16="http://schemas.microsoft.com/office/drawing/2014/main" id="{9B360715-805F-5A9F-146C-AB295F78AEBE}"/>
+              </a:ext>
+            </a:extLst>
+          </p:cNvPr>
+          <p:cNvSpPr>
+            <a:spLocks noGrp="1"/>
+          </p:cNvSpPr>
+          <p:nvPr>
+            <p:ph idx="1"/>
+          </p:nvPr>
+        </p:nvSpPr>
+        <p:spPr>
+          <a:xfrm>
+            <a:off x="430306" y="1376038"/>
+            <a:ext cx="11654118" cy="5329562"/>
+          </a:xfrm>
+        </p:spPr>
+        <p:txBody>
+          <a:bodyPr>
+            <a:normAutofit/>
+          </a:bodyPr>
+          <a:lstStyle/>
+          <a:p>
+            <a:r>
+              <a:rPr kumimoji="1" lang="ja-JP" altLang="en-US" dirty="0"/>
+              <a:t>このブロック崩しに足りないものは何かを考えてみる</a:t>
+            </a:r>
+            <a:br>
+              <a:rPr kumimoji="1" lang="en-US" altLang="ja-JP" dirty="0"/>
+            </a:br>
+            <a:br>
+              <a:rPr kumimoji="1" lang="en-US" altLang="ja-JP" dirty="0"/>
+            </a:br>
+            <a:r>
+              <a:rPr kumimoji="1" lang="ja-JP" altLang="en-US" dirty="0"/>
+              <a:t>例）</a:t>
+            </a:r>
+            <a:br>
+              <a:rPr kumimoji="1" lang="en-US" altLang="ja-JP" dirty="0"/>
+            </a:br>
+            <a:r>
+              <a:rPr kumimoji="1" lang="ja-JP" altLang="en-US" dirty="0"/>
+              <a:t>・ゲームオーバー（何度失敗しても復活できてしまう）</a:t>
+            </a:r>
+            <a:br>
+              <a:rPr kumimoji="1" lang="en-US" altLang="ja-JP" dirty="0"/>
+            </a:br>
+            <a:r>
+              <a:rPr kumimoji="1" lang="ja-JP" altLang="en-US" dirty="0"/>
+              <a:t>・ブロックを消したときの報酬</a:t>
+            </a:r>
+            <a:br>
+              <a:rPr kumimoji="1" lang="en-US" altLang="ja-JP" dirty="0"/>
+            </a:br>
+            <a:r>
+              <a:rPr kumimoji="1" lang="ja-JP" altLang="en-US" dirty="0"/>
+              <a:t>・時間をかければクリアが可能なので緊張感に欠ける</a:t>
+            </a:r>
+            <a:br>
+              <a:rPr kumimoji="1" lang="en-US" altLang="ja-JP" dirty="0"/>
+            </a:br>
+            <a:r>
+              <a:rPr kumimoji="1" lang="ja-JP" altLang="en-US" dirty="0"/>
+              <a:t>・とりあえず手当たり次第にブロックに消せばいいだけ</a:t>
+            </a:r>
+            <a:br>
+              <a:rPr kumimoji="1" lang="en-US" altLang="ja-JP" dirty="0"/>
+            </a:br>
+            <a:r>
+              <a:rPr kumimoji="1" lang="ja-JP" altLang="en-US" dirty="0"/>
+              <a:t>　なので、戦略性もなにもない</a:t>
+            </a:r>
+            <a:br>
+              <a:rPr kumimoji="1" lang="en-US" altLang="ja-JP" dirty="0"/>
+            </a:br>
+            <a:r>
+              <a:rPr kumimoji="1" lang="ja-JP" altLang="en-US" dirty="0"/>
+              <a:t>・ブロックを消しても爽快感が感じられない</a:t>
+            </a:r>
+            <a:endParaRPr kumimoji="1" lang="en-US" altLang="ja-JP" dirty="0"/>
+          </a:p>
+        </p:txBody>
+      </p:sp>
+    </p:spTree>
+    <p:extLst>
+      <p:ext uri="{BB962C8B-B14F-4D97-AF65-F5344CB8AC3E}">
+        <p14:creationId xmlns:p14="http://schemas.microsoft.com/office/powerpoint/2010/main" val="3867303784"/>
+      </p:ext>
+    </p:extLst>
+  </p:cSld>
+  <p:clrMapOvr>
+    <a:masterClrMapping/>
+  </p:clrMapOvr>
+</p:sld>
+</file>
+
+<file path=ppt/slides/slide59.xml><?xml version="1.0" encoding="utf-8"?>
+<p:sld xmlns:a="http://schemas.openxmlformats.org/drawingml/2006/main" xmlns:r="http://schemas.openxmlformats.org/officeDocument/2006/relationships" xmlns:p="http://schemas.openxmlformats.org/presentationml/2006/main">
+  <p:cSld>
+    <p:spTree>
+      <p:nvGrpSpPr>
+        <p:cNvPr id="1" name="">
+          <a:extLst>
+            <a:ext uri="{FF2B5EF4-FFF2-40B4-BE49-F238E27FC236}">
+              <a16:creationId xmlns:a16="http://schemas.microsoft.com/office/drawing/2014/main" id="{021B38D8-CF93-E575-E7CE-6007A856C69F}"/>
+            </a:ext>
+          </a:extLst>
+        </p:cNvPr>
+        <p:cNvGrpSpPr/>
+        <p:nvPr/>
+      </p:nvGrpSpPr>
+      <p:grpSpPr>
+        <a:xfrm>
+          <a:off x="0" y="0"/>
+          <a:ext cx="0" cy="0"/>
+          <a:chOff x="0" y="0"/>
+          <a:chExt cx="0" cy="0"/>
+        </a:xfrm>
+      </p:grpSpPr>
+      <p:sp>
+        <p:nvSpPr>
+          <p:cNvPr id="2" name="タイトル 1">
+            <a:extLst>
+              <a:ext uri="{FF2B5EF4-FFF2-40B4-BE49-F238E27FC236}">
+                <a16:creationId xmlns:a16="http://schemas.microsoft.com/office/drawing/2014/main" id="{7CACE17F-19A7-7163-FA98-008C095F513D}"/>
+              </a:ext>
+            </a:extLst>
+          </p:cNvPr>
+          <p:cNvSpPr>
+            <a:spLocks noGrp="1"/>
+          </p:cNvSpPr>
+          <p:nvPr>
+            <p:ph type="title"/>
+          </p:nvPr>
+        </p:nvSpPr>
+        <p:spPr/>
+        <p:txBody>
+          <a:bodyPr>
+            <a:normAutofit/>
+          </a:bodyPr>
+          <a:lstStyle/>
+          <a:p>
+            <a:r>
+              <a:rPr kumimoji="1" lang="ja-JP" altLang="en-US" dirty="0"/>
+              <a:t>演習：</a:t>
+            </a:r>
+            <a:r>
+              <a:rPr lang="en-US" altLang="ja-JP" dirty="0"/>
+              <a:t>Siv3D</a:t>
+            </a:r>
+            <a:endParaRPr kumimoji="1" lang="ja-JP" altLang="en-US" dirty="0"/>
+          </a:p>
+        </p:txBody>
+      </p:sp>
+      <p:sp>
+        <p:nvSpPr>
+          <p:cNvPr id="3" name="コンテンツ プレースホルダー 2">
+            <a:extLst>
+              <a:ext uri="{FF2B5EF4-FFF2-40B4-BE49-F238E27FC236}">
+                <a16:creationId xmlns:a16="http://schemas.microsoft.com/office/drawing/2014/main" id="{79776242-C3C1-A160-6775-A673A6E74052}"/>
+              </a:ext>
+            </a:extLst>
+          </p:cNvPr>
+          <p:cNvSpPr>
+            <a:spLocks noGrp="1"/>
+          </p:cNvSpPr>
+          <p:nvPr>
+            <p:ph idx="1"/>
+          </p:nvPr>
+        </p:nvSpPr>
+        <p:spPr>
+          <a:xfrm>
+            <a:off x="430306" y="1376038"/>
+            <a:ext cx="11654118" cy="5329562"/>
+          </a:xfrm>
+        </p:spPr>
+        <p:txBody>
+          <a:bodyPr>
+            <a:normAutofit/>
+          </a:bodyPr>
+          <a:lstStyle/>
+          <a:p>
+            <a:r>
+              <a:rPr kumimoji="1" lang="ja-JP" altLang="en-US" dirty="0"/>
+              <a:t>このブロック崩しに足りないものは何かを考えてみる</a:t>
+            </a:r>
+            <a:br>
+              <a:rPr kumimoji="1" lang="en-US" altLang="ja-JP" dirty="0"/>
+            </a:br>
+            <a:br>
+              <a:rPr kumimoji="1" lang="en-US" altLang="ja-JP" dirty="0"/>
+            </a:br>
+            <a:r>
+              <a:rPr kumimoji="1" lang="ja-JP" altLang="en-US" dirty="0"/>
+              <a:t>例）</a:t>
+            </a:r>
+            <a:br>
+              <a:rPr kumimoji="1" lang="en-US" altLang="ja-JP" dirty="0"/>
+            </a:br>
+            <a:r>
+              <a:rPr kumimoji="1" lang="ja-JP" altLang="en-US" dirty="0"/>
+              <a:t>・ゲームオーバー（何度失敗しても復活できてしまう）</a:t>
+            </a:r>
+            <a:br>
+              <a:rPr lang="en-US" altLang="ja-JP" dirty="0"/>
+            </a:br>
+            <a:r>
+              <a:rPr lang="ja-JP" altLang="en-US" dirty="0"/>
+              <a:t>　　　ゲームオーバーや残機の概念を導入する</a:t>
+            </a:r>
+            <a:br>
+              <a:rPr lang="en-US" altLang="ja-JP" dirty="0"/>
+            </a:br>
+            <a:br>
+              <a:rPr lang="en-US" altLang="ja-JP" dirty="0"/>
+            </a:br>
+            <a:r>
+              <a:rPr lang="ja-JP" altLang="en-US" dirty="0"/>
+              <a:t>・</a:t>
+            </a:r>
+            <a:r>
+              <a:rPr kumimoji="1" lang="ja-JP" altLang="en-US" dirty="0"/>
+              <a:t>達成感（ブロックを消し切っても報酬がない）</a:t>
+            </a:r>
+            <a:br>
+              <a:rPr kumimoji="1" lang="en-US" altLang="ja-JP" dirty="0"/>
+            </a:br>
+            <a:r>
+              <a:rPr kumimoji="1" lang="ja-JP" altLang="en-US" dirty="0"/>
+              <a:t>　　　・ブロックを消すと報酬（得点）ゲット</a:t>
+            </a:r>
+            <a:br>
+              <a:rPr kumimoji="1" lang="en-US" altLang="ja-JP" dirty="0"/>
+            </a:br>
+            <a:r>
+              <a:rPr kumimoji="1" lang="ja-JP" altLang="en-US" dirty="0"/>
+              <a:t>　　　・すべて消すとクリア画面</a:t>
+            </a:r>
+            <a:br>
+              <a:rPr kumimoji="1" lang="en-US" altLang="ja-JP" dirty="0"/>
+            </a:br>
+            <a:r>
+              <a:rPr kumimoji="1" lang="ja-JP" altLang="en-US" dirty="0"/>
+              <a:t>　　　・次のステージへ進める等</a:t>
+            </a:r>
+            <a:endParaRPr kumimoji="1" lang="en-US" altLang="ja-JP" dirty="0"/>
+          </a:p>
+        </p:txBody>
+      </p:sp>
+      <p:sp>
+        <p:nvSpPr>
+          <p:cNvPr id="4" name="矢印: 右 3">
+            <a:extLst>
+              <a:ext uri="{FF2B5EF4-FFF2-40B4-BE49-F238E27FC236}">
+                <a16:creationId xmlns:a16="http://schemas.microsoft.com/office/drawing/2014/main" id="{BDB0E48A-2037-DA6D-7703-5AFC05E95F85}"/>
+              </a:ext>
+            </a:extLst>
+          </p:cNvPr>
+          <p:cNvSpPr/>
+          <p:nvPr/>
+        </p:nvSpPr>
+        <p:spPr>
+          <a:xfrm>
+            <a:off x="933855" y="3429000"/>
+            <a:ext cx="583660" cy="340468"/>
+          </a:xfrm>
+          <a:prstGeom prst="rightArrow">
+            <a:avLst/>
+          </a:prstGeom>
+          <a:solidFill>
+            <a:srgbClr val="FF0000"/>
+          </a:solidFill>
+        </p:spPr>
+        <p:style>
+          <a:lnRef idx="2">
+            <a:schemeClr val="accent1">
+              <a:shade val="15000"/>
+            </a:schemeClr>
+          </a:lnRef>
+          <a:fillRef idx="1">
+            <a:schemeClr val="accent1"/>
+          </a:fillRef>
+          <a:effectRef idx="0">
+            <a:schemeClr val="accent1"/>
+          </a:effectRef>
+          <a:fontRef idx="minor">
+            <a:schemeClr val="lt1"/>
+          </a:fontRef>
+        </p:style>
+        <p:txBody>
+          <a:bodyPr rtlCol="0" anchor="ctr"/>
+          <a:lstStyle/>
+          <a:p>
+            <a:pPr algn="ctr"/>
+            <a:endParaRPr kumimoji="1" lang="ja-JP" altLang="en-US"/>
+          </a:p>
+        </p:txBody>
+      </p:sp>
+      <p:sp>
+        <p:nvSpPr>
+          <p:cNvPr id="5" name="矢印: 右 4">
+            <a:extLst>
+              <a:ext uri="{FF2B5EF4-FFF2-40B4-BE49-F238E27FC236}">
+                <a16:creationId xmlns:a16="http://schemas.microsoft.com/office/drawing/2014/main" id="{4D36C9FD-A32B-8D7C-A9D2-CACC5EB7BB01}"/>
+              </a:ext>
+            </a:extLst>
+          </p:cNvPr>
+          <p:cNvSpPr/>
+          <p:nvPr/>
+        </p:nvSpPr>
+        <p:spPr>
+          <a:xfrm>
+            <a:off x="933855" y="4897066"/>
+            <a:ext cx="583660" cy="340468"/>
+          </a:xfrm>
+          <a:prstGeom prst="rightArrow">
+            <a:avLst/>
+          </a:prstGeom>
+          <a:solidFill>
+            <a:srgbClr val="FF0000"/>
+          </a:solidFill>
+        </p:spPr>
+        <p:style>
+          <a:lnRef idx="2">
+            <a:schemeClr val="accent1">
+              <a:shade val="15000"/>
+            </a:schemeClr>
+          </a:lnRef>
+          <a:fillRef idx="1">
+            <a:schemeClr val="accent1"/>
+          </a:fillRef>
+          <a:effectRef idx="0">
+            <a:schemeClr val="accent1"/>
+          </a:effectRef>
+          <a:fontRef idx="minor">
+            <a:schemeClr val="lt1"/>
+          </a:fontRef>
+        </p:style>
+        <p:txBody>
+          <a:bodyPr rtlCol="0" anchor="ctr"/>
+          <a:lstStyle/>
+          <a:p>
+            <a:pPr algn="ctr"/>
+            <a:endParaRPr kumimoji="1" lang="ja-JP" altLang="en-US"/>
+          </a:p>
+        </p:txBody>
+      </p:sp>
+    </p:spTree>
+    <p:extLst>
+      <p:ext uri="{BB962C8B-B14F-4D97-AF65-F5344CB8AC3E}">
+        <p14:creationId xmlns:p14="http://schemas.microsoft.com/office/powerpoint/2010/main" val="2458754740"/>
       </p:ext>
     </p:extLst>
   </p:cSld>
@@ -43763,6 +46551,631 @@
     <p:extLst>
       <p:ext uri="{BB962C8B-B14F-4D97-AF65-F5344CB8AC3E}">
         <p14:creationId xmlns:p14="http://schemas.microsoft.com/office/powerpoint/2010/main" val="2962774409"/>
+      </p:ext>
+    </p:extLst>
+  </p:cSld>
+  <p:clrMapOvr>
+    <a:masterClrMapping/>
+  </p:clrMapOvr>
+</p:sld>
+</file>
+
+<file path=ppt/slides/slide60.xml><?xml version="1.0" encoding="utf-8"?>
+<p:sld xmlns:a="http://schemas.openxmlformats.org/drawingml/2006/main" xmlns:r="http://schemas.openxmlformats.org/officeDocument/2006/relationships" xmlns:p="http://schemas.openxmlformats.org/presentationml/2006/main">
+  <p:cSld>
+    <p:spTree>
+      <p:nvGrpSpPr>
+        <p:cNvPr id="1" name="">
+          <a:extLst>
+            <a:ext uri="{FF2B5EF4-FFF2-40B4-BE49-F238E27FC236}">
+              <a16:creationId xmlns:a16="http://schemas.microsoft.com/office/drawing/2014/main" id="{C0A4C14B-0453-2099-E654-61D352CA8331}"/>
+            </a:ext>
+          </a:extLst>
+        </p:cNvPr>
+        <p:cNvGrpSpPr/>
+        <p:nvPr/>
+      </p:nvGrpSpPr>
+      <p:grpSpPr>
+        <a:xfrm>
+          <a:off x="0" y="0"/>
+          <a:ext cx="0" cy="0"/>
+          <a:chOff x="0" y="0"/>
+          <a:chExt cx="0" cy="0"/>
+        </a:xfrm>
+      </p:grpSpPr>
+      <p:sp>
+        <p:nvSpPr>
+          <p:cNvPr id="2" name="タイトル 1">
+            <a:extLst>
+              <a:ext uri="{FF2B5EF4-FFF2-40B4-BE49-F238E27FC236}">
+                <a16:creationId xmlns:a16="http://schemas.microsoft.com/office/drawing/2014/main" id="{BEC46B12-B886-81FD-D7A2-3F4FF290A853}"/>
+              </a:ext>
+            </a:extLst>
+          </p:cNvPr>
+          <p:cNvSpPr>
+            <a:spLocks noGrp="1"/>
+          </p:cNvSpPr>
+          <p:nvPr>
+            <p:ph type="title"/>
+          </p:nvPr>
+        </p:nvSpPr>
+        <p:spPr/>
+        <p:txBody>
+          <a:bodyPr>
+            <a:normAutofit/>
+          </a:bodyPr>
+          <a:lstStyle/>
+          <a:p>
+            <a:r>
+              <a:rPr kumimoji="1" lang="ja-JP" altLang="en-US" dirty="0"/>
+              <a:t>演習：</a:t>
+            </a:r>
+            <a:r>
+              <a:rPr lang="en-US" altLang="ja-JP" dirty="0"/>
+              <a:t>Siv3D</a:t>
+            </a:r>
+            <a:endParaRPr kumimoji="1" lang="ja-JP" altLang="en-US" dirty="0"/>
+          </a:p>
+        </p:txBody>
+      </p:sp>
+      <p:sp>
+        <p:nvSpPr>
+          <p:cNvPr id="3" name="コンテンツ プレースホルダー 2">
+            <a:extLst>
+              <a:ext uri="{FF2B5EF4-FFF2-40B4-BE49-F238E27FC236}">
+                <a16:creationId xmlns:a16="http://schemas.microsoft.com/office/drawing/2014/main" id="{BAD3C33A-80FD-63F8-5811-7A55D68DBCF2}"/>
+              </a:ext>
+            </a:extLst>
+          </p:cNvPr>
+          <p:cNvSpPr>
+            <a:spLocks noGrp="1"/>
+          </p:cNvSpPr>
+          <p:nvPr>
+            <p:ph idx="1"/>
+          </p:nvPr>
+        </p:nvSpPr>
+        <p:spPr>
+          <a:xfrm>
+            <a:off x="430306" y="1376038"/>
+            <a:ext cx="11654118" cy="5329562"/>
+          </a:xfrm>
+        </p:spPr>
+        <p:txBody>
+          <a:bodyPr>
+            <a:normAutofit/>
+          </a:bodyPr>
+          <a:lstStyle/>
+          <a:p>
+            <a:r>
+              <a:rPr kumimoji="1" lang="ja-JP" altLang="en-US" dirty="0"/>
+              <a:t>このブロック崩しに足りないものは何かを考えてみる</a:t>
+            </a:r>
+            <a:br>
+              <a:rPr kumimoji="1" lang="en-US" altLang="ja-JP" dirty="0"/>
+            </a:br>
+            <a:br>
+              <a:rPr kumimoji="1" lang="en-US" altLang="ja-JP" dirty="0"/>
+            </a:br>
+            <a:r>
+              <a:rPr kumimoji="1" lang="ja-JP" altLang="en-US" dirty="0"/>
+              <a:t>例）</a:t>
+            </a:r>
+            <a:br>
+              <a:rPr kumimoji="1" lang="en-US" altLang="ja-JP" dirty="0"/>
+            </a:br>
+            <a:r>
+              <a:rPr kumimoji="1" lang="ja-JP" altLang="en-US" dirty="0"/>
+              <a:t>・緊張感（時間をかければクリアが可能）</a:t>
+            </a:r>
+            <a:br>
+              <a:rPr lang="en-US" altLang="ja-JP" dirty="0"/>
+            </a:br>
+            <a:r>
+              <a:rPr lang="ja-JP" altLang="en-US" dirty="0"/>
+              <a:t>　　　・ゲームオーバーの導入</a:t>
+            </a:r>
+            <a:br>
+              <a:rPr lang="en-US" altLang="ja-JP" dirty="0"/>
+            </a:br>
+            <a:r>
+              <a:rPr lang="ja-JP" altLang="en-US" dirty="0"/>
+              <a:t>　　　・ボールの速度の変更</a:t>
+            </a:r>
+            <a:br>
+              <a:rPr lang="en-US" altLang="ja-JP" dirty="0"/>
+            </a:br>
+            <a:r>
+              <a:rPr lang="ja-JP" altLang="en-US" dirty="0"/>
+              <a:t>　　　・ボールの増加</a:t>
+            </a:r>
+            <a:br>
+              <a:rPr lang="en-US" altLang="ja-JP" dirty="0"/>
+            </a:br>
+            <a:r>
+              <a:rPr lang="ja-JP" altLang="en-US" dirty="0"/>
+              <a:t>　　　・パドルのサイズ変更</a:t>
+            </a:r>
+            <a:br>
+              <a:rPr lang="en-US" altLang="ja-JP" dirty="0"/>
+            </a:br>
+            <a:r>
+              <a:rPr lang="ja-JP" altLang="en-US" dirty="0"/>
+              <a:t>　　　・お邪魔キャラの存在</a:t>
+            </a:r>
+            <a:br>
+              <a:rPr lang="en-US" altLang="ja-JP" dirty="0"/>
+            </a:br>
+            <a:r>
+              <a:rPr lang="ja-JP" altLang="en-US" dirty="0"/>
+              <a:t>　　　・タイムアタックもしくはスコアアタック</a:t>
+            </a:r>
+            <a:endParaRPr kumimoji="1" lang="en-US" altLang="ja-JP" dirty="0"/>
+          </a:p>
+        </p:txBody>
+      </p:sp>
+      <p:sp>
+        <p:nvSpPr>
+          <p:cNvPr id="4" name="矢印: 右 3">
+            <a:extLst>
+              <a:ext uri="{FF2B5EF4-FFF2-40B4-BE49-F238E27FC236}">
+                <a16:creationId xmlns:a16="http://schemas.microsoft.com/office/drawing/2014/main" id="{20154A3B-C3D8-7E1F-1C44-D92BDF1E3D5E}"/>
+              </a:ext>
+            </a:extLst>
+          </p:cNvPr>
+          <p:cNvSpPr/>
+          <p:nvPr/>
+        </p:nvSpPr>
+        <p:spPr>
+          <a:xfrm>
+            <a:off x="933855" y="3429000"/>
+            <a:ext cx="583660" cy="340468"/>
+          </a:xfrm>
+          <a:prstGeom prst="rightArrow">
+            <a:avLst/>
+          </a:prstGeom>
+          <a:solidFill>
+            <a:srgbClr val="FF0000"/>
+          </a:solidFill>
+        </p:spPr>
+        <p:style>
+          <a:lnRef idx="2">
+            <a:schemeClr val="accent1">
+              <a:shade val="15000"/>
+            </a:schemeClr>
+          </a:lnRef>
+          <a:fillRef idx="1">
+            <a:schemeClr val="accent1"/>
+          </a:fillRef>
+          <a:effectRef idx="0">
+            <a:schemeClr val="accent1"/>
+          </a:effectRef>
+          <a:fontRef idx="minor">
+            <a:schemeClr val="lt1"/>
+          </a:fontRef>
+        </p:style>
+        <p:txBody>
+          <a:bodyPr rtlCol="0" anchor="ctr"/>
+          <a:lstStyle/>
+          <a:p>
+            <a:pPr algn="ctr"/>
+            <a:endParaRPr kumimoji="1" lang="ja-JP" altLang="en-US"/>
+          </a:p>
+        </p:txBody>
+      </p:sp>
+    </p:spTree>
+    <p:extLst>
+      <p:ext uri="{BB962C8B-B14F-4D97-AF65-F5344CB8AC3E}">
+        <p14:creationId xmlns:p14="http://schemas.microsoft.com/office/powerpoint/2010/main" val="1362750344"/>
+      </p:ext>
+    </p:extLst>
+  </p:cSld>
+  <p:clrMapOvr>
+    <a:masterClrMapping/>
+  </p:clrMapOvr>
+</p:sld>
+</file>
+
+<file path=ppt/slides/slide61.xml><?xml version="1.0" encoding="utf-8"?>
+<p:sld xmlns:a="http://schemas.openxmlformats.org/drawingml/2006/main" xmlns:r="http://schemas.openxmlformats.org/officeDocument/2006/relationships" xmlns:p="http://schemas.openxmlformats.org/presentationml/2006/main">
+  <p:cSld>
+    <p:spTree>
+      <p:nvGrpSpPr>
+        <p:cNvPr id="1" name="">
+          <a:extLst>
+            <a:ext uri="{FF2B5EF4-FFF2-40B4-BE49-F238E27FC236}">
+              <a16:creationId xmlns:a16="http://schemas.microsoft.com/office/drawing/2014/main" id="{B18E1904-64CC-2A6C-F3A5-CE6E91EF18AE}"/>
+            </a:ext>
+          </a:extLst>
+        </p:cNvPr>
+        <p:cNvGrpSpPr/>
+        <p:nvPr/>
+      </p:nvGrpSpPr>
+      <p:grpSpPr>
+        <a:xfrm>
+          <a:off x="0" y="0"/>
+          <a:ext cx="0" cy="0"/>
+          <a:chOff x="0" y="0"/>
+          <a:chExt cx="0" cy="0"/>
+        </a:xfrm>
+      </p:grpSpPr>
+      <p:sp>
+        <p:nvSpPr>
+          <p:cNvPr id="2" name="タイトル 1">
+            <a:extLst>
+              <a:ext uri="{FF2B5EF4-FFF2-40B4-BE49-F238E27FC236}">
+                <a16:creationId xmlns:a16="http://schemas.microsoft.com/office/drawing/2014/main" id="{01908B3E-1B14-86FB-B055-5F049ECF71F2}"/>
+              </a:ext>
+            </a:extLst>
+          </p:cNvPr>
+          <p:cNvSpPr>
+            <a:spLocks noGrp="1"/>
+          </p:cNvSpPr>
+          <p:nvPr>
+            <p:ph type="title"/>
+          </p:nvPr>
+        </p:nvSpPr>
+        <p:spPr/>
+        <p:txBody>
+          <a:bodyPr>
+            <a:normAutofit/>
+          </a:bodyPr>
+          <a:lstStyle/>
+          <a:p>
+            <a:r>
+              <a:rPr kumimoji="1" lang="ja-JP" altLang="en-US" dirty="0"/>
+              <a:t>演習：</a:t>
+            </a:r>
+            <a:r>
+              <a:rPr lang="en-US" altLang="ja-JP" dirty="0"/>
+              <a:t>Siv3D</a:t>
+            </a:r>
+            <a:endParaRPr kumimoji="1" lang="ja-JP" altLang="en-US" dirty="0"/>
+          </a:p>
+        </p:txBody>
+      </p:sp>
+      <p:sp>
+        <p:nvSpPr>
+          <p:cNvPr id="3" name="コンテンツ プレースホルダー 2">
+            <a:extLst>
+              <a:ext uri="{FF2B5EF4-FFF2-40B4-BE49-F238E27FC236}">
+                <a16:creationId xmlns:a16="http://schemas.microsoft.com/office/drawing/2014/main" id="{1173CA73-03DA-32A1-A0CB-6D711ED0E0EE}"/>
+              </a:ext>
+            </a:extLst>
+          </p:cNvPr>
+          <p:cNvSpPr>
+            <a:spLocks noGrp="1"/>
+          </p:cNvSpPr>
+          <p:nvPr>
+            <p:ph idx="1"/>
+          </p:nvPr>
+        </p:nvSpPr>
+        <p:spPr>
+          <a:xfrm>
+            <a:off x="430306" y="1376038"/>
+            <a:ext cx="11654118" cy="5329562"/>
+          </a:xfrm>
+        </p:spPr>
+        <p:txBody>
+          <a:bodyPr>
+            <a:normAutofit/>
+          </a:bodyPr>
+          <a:lstStyle/>
+          <a:p>
+            <a:r>
+              <a:rPr kumimoji="1" lang="ja-JP" altLang="en-US" dirty="0"/>
+              <a:t>このブロック崩しに足りないものは何かを考えてみる</a:t>
+            </a:r>
+            <a:br>
+              <a:rPr kumimoji="1" lang="en-US" altLang="ja-JP" dirty="0"/>
+            </a:br>
+            <a:br>
+              <a:rPr kumimoji="1" lang="en-US" altLang="ja-JP" dirty="0"/>
+            </a:br>
+            <a:r>
+              <a:rPr kumimoji="1" lang="ja-JP" altLang="en-US" dirty="0"/>
+              <a:t>例）</a:t>
+            </a:r>
+            <a:br>
+              <a:rPr kumimoji="1" lang="en-US" altLang="ja-JP" dirty="0"/>
+            </a:br>
+            <a:r>
+              <a:rPr kumimoji="1" lang="ja-JP" altLang="en-US" dirty="0"/>
+              <a:t>・戦略性（とりあえず順番に消せばいいだけ）</a:t>
+            </a:r>
+            <a:br>
+              <a:rPr lang="en-US" altLang="ja-JP" dirty="0"/>
+            </a:br>
+            <a:r>
+              <a:rPr lang="ja-JP" altLang="en-US" dirty="0"/>
+              <a:t>　　　・ブロックを消す順番</a:t>
+            </a:r>
+            <a:br>
+              <a:rPr lang="en-US" altLang="ja-JP" dirty="0"/>
+            </a:br>
+            <a:r>
+              <a:rPr lang="ja-JP" altLang="en-US" dirty="0"/>
+              <a:t>　　　・ボールを増やしたほうがいいか、</a:t>
+            </a:r>
+            <a:r>
+              <a:rPr lang="en-US" altLang="ja-JP" dirty="0"/>
+              <a:t>1</a:t>
+            </a:r>
+            <a:r>
+              <a:rPr lang="ja-JP" altLang="en-US" dirty="0"/>
+              <a:t>つがいいか</a:t>
+            </a:r>
+            <a:br>
+              <a:rPr lang="en-US" altLang="ja-JP" dirty="0"/>
+            </a:br>
+            <a:r>
+              <a:rPr lang="ja-JP" altLang="en-US" dirty="0"/>
+              <a:t>　　　・コンボの概念？スコアが上がりやすい</a:t>
+            </a:r>
+            <a:br>
+              <a:rPr lang="en-US" altLang="ja-JP" dirty="0"/>
+            </a:br>
+            <a:r>
+              <a:rPr lang="ja-JP" altLang="en-US" dirty="0"/>
+              <a:t>　　　・お邪魔キャラをスルーするか、倒すか</a:t>
+            </a:r>
+            <a:endParaRPr kumimoji="1" lang="en-US" altLang="ja-JP" dirty="0"/>
+          </a:p>
+        </p:txBody>
+      </p:sp>
+      <p:sp>
+        <p:nvSpPr>
+          <p:cNvPr id="4" name="矢印: 右 3">
+            <a:extLst>
+              <a:ext uri="{FF2B5EF4-FFF2-40B4-BE49-F238E27FC236}">
+                <a16:creationId xmlns:a16="http://schemas.microsoft.com/office/drawing/2014/main" id="{34259FE6-1473-AD85-48FD-FED75CB4DA88}"/>
+              </a:ext>
+            </a:extLst>
+          </p:cNvPr>
+          <p:cNvSpPr/>
+          <p:nvPr/>
+        </p:nvSpPr>
+        <p:spPr>
+          <a:xfrm>
+            <a:off x="933855" y="3429000"/>
+            <a:ext cx="583660" cy="340468"/>
+          </a:xfrm>
+          <a:prstGeom prst="rightArrow">
+            <a:avLst/>
+          </a:prstGeom>
+          <a:solidFill>
+            <a:srgbClr val="FF0000"/>
+          </a:solidFill>
+        </p:spPr>
+        <p:style>
+          <a:lnRef idx="2">
+            <a:schemeClr val="accent1">
+              <a:shade val="15000"/>
+            </a:schemeClr>
+          </a:lnRef>
+          <a:fillRef idx="1">
+            <a:schemeClr val="accent1"/>
+          </a:fillRef>
+          <a:effectRef idx="0">
+            <a:schemeClr val="accent1"/>
+          </a:effectRef>
+          <a:fontRef idx="minor">
+            <a:schemeClr val="lt1"/>
+          </a:fontRef>
+        </p:style>
+        <p:txBody>
+          <a:bodyPr rtlCol="0" anchor="ctr"/>
+          <a:lstStyle/>
+          <a:p>
+            <a:pPr algn="ctr"/>
+            <a:endParaRPr kumimoji="1" lang="ja-JP" altLang="en-US"/>
+          </a:p>
+        </p:txBody>
+      </p:sp>
+    </p:spTree>
+    <p:extLst>
+      <p:ext uri="{BB962C8B-B14F-4D97-AF65-F5344CB8AC3E}">
+        <p14:creationId xmlns:p14="http://schemas.microsoft.com/office/powerpoint/2010/main" val="3605230161"/>
+      </p:ext>
+    </p:extLst>
+  </p:cSld>
+  <p:clrMapOvr>
+    <a:masterClrMapping/>
+  </p:clrMapOvr>
+</p:sld>
+</file>
+
+<file path=ppt/slides/slide62.xml><?xml version="1.0" encoding="utf-8"?>
+<p:sld xmlns:a="http://schemas.openxmlformats.org/drawingml/2006/main" xmlns:r="http://schemas.openxmlformats.org/officeDocument/2006/relationships" xmlns:p="http://schemas.openxmlformats.org/presentationml/2006/main">
+  <p:cSld>
+    <p:spTree>
+      <p:nvGrpSpPr>
+        <p:cNvPr id="1" name="">
+          <a:extLst>
+            <a:ext uri="{FF2B5EF4-FFF2-40B4-BE49-F238E27FC236}">
+              <a16:creationId xmlns:a16="http://schemas.microsoft.com/office/drawing/2014/main" id="{E99BB2AC-C1B7-5BEE-B3D3-7188D37530BE}"/>
+            </a:ext>
+          </a:extLst>
+        </p:cNvPr>
+        <p:cNvGrpSpPr/>
+        <p:nvPr/>
+      </p:nvGrpSpPr>
+      <p:grpSpPr>
+        <a:xfrm>
+          <a:off x="0" y="0"/>
+          <a:ext cx="0" cy="0"/>
+          <a:chOff x="0" y="0"/>
+          <a:chExt cx="0" cy="0"/>
+        </a:xfrm>
+      </p:grpSpPr>
+      <p:sp>
+        <p:nvSpPr>
+          <p:cNvPr id="2" name="タイトル 1">
+            <a:extLst>
+              <a:ext uri="{FF2B5EF4-FFF2-40B4-BE49-F238E27FC236}">
+                <a16:creationId xmlns:a16="http://schemas.microsoft.com/office/drawing/2014/main" id="{27E57903-BC17-4CCA-E443-DCB2CCD1F95F}"/>
+              </a:ext>
+            </a:extLst>
+          </p:cNvPr>
+          <p:cNvSpPr>
+            <a:spLocks noGrp="1"/>
+          </p:cNvSpPr>
+          <p:nvPr>
+            <p:ph type="title"/>
+          </p:nvPr>
+        </p:nvSpPr>
+        <p:spPr/>
+        <p:txBody>
+          <a:bodyPr>
+            <a:normAutofit/>
+          </a:bodyPr>
+          <a:lstStyle/>
+          <a:p>
+            <a:r>
+              <a:rPr kumimoji="1" lang="ja-JP" altLang="en-US" dirty="0"/>
+              <a:t>演習：</a:t>
+            </a:r>
+            <a:r>
+              <a:rPr lang="en-US" altLang="ja-JP" dirty="0"/>
+              <a:t>Siv3D</a:t>
+            </a:r>
+            <a:endParaRPr kumimoji="1" lang="ja-JP" altLang="en-US" dirty="0"/>
+          </a:p>
+        </p:txBody>
+      </p:sp>
+      <p:sp>
+        <p:nvSpPr>
+          <p:cNvPr id="3" name="コンテンツ プレースホルダー 2">
+            <a:extLst>
+              <a:ext uri="{FF2B5EF4-FFF2-40B4-BE49-F238E27FC236}">
+                <a16:creationId xmlns:a16="http://schemas.microsoft.com/office/drawing/2014/main" id="{3D1ED4AD-FB52-E4BE-EA70-45DDB3BDC957}"/>
+              </a:ext>
+            </a:extLst>
+          </p:cNvPr>
+          <p:cNvSpPr>
+            <a:spLocks noGrp="1"/>
+          </p:cNvSpPr>
+          <p:nvPr>
+            <p:ph idx="1"/>
+          </p:nvPr>
+        </p:nvSpPr>
+        <p:spPr>
+          <a:xfrm>
+            <a:off x="430306" y="1376038"/>
+            <a:ext cx="11654118" cy="5329562"/>
+          </a:xfrm>
+        </p:spPr>
+        <p:txBody>
+          <a:bodyPr>
+            <a:normAutofit/>
+          </a:bodyPr>
+          <a:lstStyle/>
+          <a:p>
+            <a:r>
+              <a:rPr kumimoji="1" lang="ja-JP" altLang="en-US" dirty="0"/>
+              <a:t>このブロック崩しに足りないものは何かを考えてみる</a:t>
+            </a:r>
+            <a:br>
+              <a:rPr kumimoji="1" lang="en-US" altLang="ja-JP" dirty="0"/>
+            </a:br>
+            <a:br>
+              <a:rPr kumimoji="1" lang="en-US" altLang="ja-JP" dirty="0"/>
+            </a:br>
+            <a:r>
+              <a:rPr kumimoji="1" lang="ja-JP" altLang="en-US" dirty="0"/>
+              <a:t>例）</a:t>
+            </a:r>
+            <a:br>
+              <a:rPr kumimoji="1" lang="en-US" altLang="ja-JP" dirty="0"/>
+            </a:br>
+            <a:r>
+              <a:rPr kumimoji="1" lang="ja-JP" altLang="en-US" dirty="0"/>
+              <a:t>・爽快感（ブロックを消しても感じられない）</a:t>
+            </a:r>
+            <a:br>
+              <a:rPr lang="en-US" altLang="ja-JP" dirty="0"/>
+            </a:br>
+            <a:r>
+              <a:rPr lang="ja-JP" altLang="en-US" dirty="0"/>
+              <a:t>　　　・ブロックを消したときのエフェクトを付ける</a:t>
+            </a:r>
+            <a:br>
+              <a:rPr lang="en-US" altLang="ja-JP" dirty="0"/>
+            </a:br>
+            <a:r>
+              <a:rPr lang="ja-JP" altLang="en-US" dirty="0"/>
+              <a:t>　　　・併せて気持ちいい音を付ける</a:t>
+            </a:r>
+            <a:br>
+              <a:rPr lang="en-US" altLang="ja-JP" dirty="0"/>
+            </a:br>
+            <a:r>
+              <a:rPr lang="ja-JP" altLang="en-US" dirty="0"/>
+              <a:t>　　　・ボムのような一気に消す手段</a:t>
+            </a:r>
+            <a:br>
+              <a:rPr lang="en-US" altLang="ja-JP" dirty="0"/>
+            </a:br>
+            <a:r>
+              <a:rPr lang="ja-JP" altLang="en-US" dirty="0"/>
+              <a:t>　　　・ブロックを貫通するボール</a:t>
+            </a:r>
+            <a:endParaRPr kumimoji="1" lang="en-US" altLang="ja-JP" dirty="0"/>
+          </a:p>
+        </p:txBody>
+      </p:sp>
+      <p:sp>
+        <p:nvSpPr>
+          <p:cNvPr id="4" name="矢印: 右 3">
+            <a:extLst>
+              <a:ext uri="{FF2B5EF4-FFF2-40B4-BE49-F238E27FC236}">
+                <a16:creationId xmlns:a16="http://schemas.microsoft.com/office/drawing/2014/main" id="{6E417391-B407-6DF7-12D6-19C1E5ECBEA9}"/>
+              </a:ext>
+            </a:extLst>
+          </p:cNvPr>
+          <p:cNvSpPr/>
+          <p:nvPr/>
+        </p:nvSpPr>
+        <p:spPr>
+          <a:xfrm>
+            <a:off x="933855" y="3429000"/>
+            <a:ext cx="583660" cy="340468"/>
+          </a:xfrm>
+          <a:prstGeom prst="rightArrow">
+            <a:avLst/>
+          </a:prstGeom>
+          <a:solidFill>
+            <a:srgbClr val="FF0000"/>
+          </a:solidFill>
+        </p:spPr>
+        <p:style>
+          <a:lnRef idx="2">
+            <a:schemeClr val="accent1">
+              <a:shade val="15000"/>
+            </a:schemeClr>
+          </a:lnRef>
+          <a:fillRef idx="1">
+            <a:schemeClr val="accent1"/>
+          </a:fillRef>
+          <a:effectRef idx="0">
+            <a:schemeClr val="accent1"/>
+          </a:effectRef>
+          <a:fontRef idx="minor">
+            <a:schemeClr val="lt1"/>
+          </a:fontRef>
+        </p:style>
+        <p:txBody>
+          <a:bodyPr rtlCol="0" anchor="ctr"/>
+          <a:lstStyle/>
+          <a:p>
+            <a:pPr algn="ctr"/>
+            <a:endParaRPr kumimoji="1" lang="ja-JP" altLang="en-US"/>
+          </a:p>
+        </p:txBody>
+      </p:sp>
+    </p:spTree>
+    <p:extLst>
+      <p:ext uri="{BB962C8B-B14F-4D97-AF65-F5344CB8AC3E}">
+        <p14:creationId xmlns:p14="http://schemas.microsoft.com/office/powerpoint/2010/main" val="3330483931"/>
       </p:ext>
     </p:extLst>
   </p:cSld>

--- a/授業資料/演習課題：Siv3D.pptx
+++ b/授業資料/演習課題：Siv3D.pptx
@@ -304,7 +304,7 @@
           <a:p>
             <a:fld id="{5B96D3F8-CD2E-4A0D-AC38-517181EABB18}" type="datetimeFigureOut">
               <a:rPr kumimoji="1" lang="ja-JP" altLang="en-US" smtClean="0"/>
-              <a:t>2025/1/28</a:t>
+              <a:t>2025/1/29</a:t>
             </a:fld>
             <a:endParaRPr kumimoji="1" lang="ja-JP" altLang="en-US"/>
           </a:p>
@@ -506,7 +506,7 @@
           <a:p>
             <a:fld id="{5B96D3F8-CD2E-4A0D-AC38-517181EABB18}" type="datetimeFigureOut">
               <a:rPr kumimoji="1" lang="ja-JP" altLang="en-US" smtClean="0"/>
-              <a:t>2025/1/28</a:t>
+              <a:t>2025/1/29</a:t>
             </a:fld>
             <a:endParaRPr kumimoji="1" lang="ja-JP" altLang="en-US"/>
           </a:p>
@@ -718,7 +718,7 @@
           <a:p>
             <a:fld id="{5B96D3F8-CD2E-4A0D-AC38-517181EABB18}" type="datetimeFigureOut">
               <a:rPr kumimoji="1" lang="ja-JP" altLang="en-US" smtClean="0"/>
-              <a:t>2025/1/28</a:t>
+              <a:t>2025/1/29</a:t>
             </a:fld>
             <a:endParaRPr kumimoji="1" lang="ja-JP" altLang="en-US"/>
           </a:p>
@@ -920,7 +920,7 @@
           <a:p>
             <a:fld id="{5B96D3F8-CD2E-4A0D-AC38-517181EABB18}" type="datetimeFigureOut">
               <a:rPr kumimoji="1" lang="ja-JP" altLang="en-US" smtClean="0"/>
-              <a:t>2025/1/28</a:t>
+              <a:t>2025/1/29</a:t>
             </a:fld>
             <a:endParaRPr kumimoji="1" lang="ja-JP" altLang="en-US"/>
           </a:p>
@@ -1182,7 +1182,7 @@
           <a:p>
             <a:fld id="{5B96D3F8-CD2E-4A0D-AC38-517181EABB18}" type="datetimeFigureOut">
               <a:rPr kumimoji="1" lang="ja-JP" altLang="en-US" smtClean="0"/>
-              <a:t>2025/1/28</a:t>
+              <a:t>2025/1/29</a:t>
             </a:fld>
             <a:endParaRPr kumimoji="1" lang="ja-JP" altLang="en-US"/>
           </a:p>
@@ -1478,7 +1478,7 @@
           <a:p>
             <a:fld id="{5B96D3F8-CD2E-4A0D-AC38-517181EABB18}" type="datetimeFigureOut">
               <a:rPr kumimoji="1" lang="ja-JP" altLang="en-US" smtClean="0"/>
-              <a:t>2025/1/28</a:t>
+              <a:t>2025/1/29</a:t>
             </a:fld>
             <a:endParaRPr kumimoji="1" lang="ja-JP" altLang="en-US"/>
           </a:p>
@@ -1909,7 +1909,7 @@
           <a:p>
             <a:fld id="{5B96D3F8-CD2E-4A0D-AC38-517181EABB18}" type="datetimeFigureOut">
               <a:rPr kumimoji="1" lang="ja-JP" altLang="en-US" smtClean="0"/>
-              <a:t>2025/1/28</a:t>
+              <a:t>2025/1/29</a:t>
             </a:fld>
             <a:endParaRPr kumimoji="1" lang="ja-JP" altLang="en-US"/>
           </a:p>
@@ -2027,7 +2027,7 @@
           <a:p>
             <a:fld id="{5B96D3F8-CD2E-4A0D-AC38-517181EABB18}" type="datetimeFigureOut">
               <a:rPr kumimoji="1" lang="ja-JP" altLang="en-US" smtClean="0"/>
-              <a:t>2025/1/28</a:t>
+              <a:t>2025/1/29</a:t>
             </a:fld>
             <a:endParaRPr kumimoji="1" lang="ja-JP" altLang="en-US"/>
           </a:p>
@@ -2122,7 +2122,7 @@
           <a:p>
             <a:fld id="{5B96D3F8-CD2E-4A0D-AC38-517181EABB18}" type="datetimeFigureOut">
               <a:rPr kumimoji="1" lang="ja-JP" altLang="en-US" smtClean="0"/>
-              <a:t>2025/1/28</a:t>
+              <a:t>2025/1/29</a:t>
             </a:fld>
             <a:endParaRPr kumimoji="1" lang="ja-JP" altLang="en-US"/>
           </a:p>
@@ -2431,7 +2431,7 @@
           <a:p>
             <a:fld id="{5B96D3F8-CD2E-4A0D-AC38-517181EABB18}" type="datetimeFigureOut">
               <a:rPr kumimoji="1" lang="ja-JP" altLang="en-US" smtClean="0"/>
-              <a:t>2025/1/28</a:t>
+              <a:t>2025/1/29</a:t>
             </a:fld>
             <a:endParaRPr kumimoji="1" lang="ja-JP" altLang="en-US"/>
           </a:p>
@@ -2688,7 +2688,7 @@
           <a:p>
             <a:fld id="{5B96D3F8-CD2E-4A0D-AC38-517181EABB18}" type="datetimeFigureOut">
               <a:rPr kumimoji="1" lang="ja-JP" altLang="en-US" smtClean="0"/>
-              <a:t>2025/1/28</a:t>
+              <a:t>2025/1/29</a:t>
             </a:fld>
             <a:endParaRPr kumimoji="1" lang="ja-JP" altLang="en-US"/>
           </a:p>
@@ -2933,7 +2933,7 @@
           <a:p>
             <a:fld id="{5B96D3F8-CD2E-4A0D-AC38-517181EABB18}" type="datetimeFigureOut">
               <a:rPr kumimoji="1" lang="ja-JP" altLang="en-US" smtClean="0"/>
-              <a:t>2025/1/28</a:t>
+              <a:t>2025/1/29</a:t>
             </a:fld>
             <a:endParaRPr kumimoji="1" lang="ja-JP" altLang="en-US"/>
           </a:p>
@@ -3916,7 +3916,7 @@
 </file>
 
 <file path=ppt/slides/slide11.xml><?xml version="1.0" encoding="utf-8"?>
-<p:sld xmlns:a="http://schemas.openxmlformats.org/drawingml/2006/main" xmlns:r="http://schemas.openxmlformats.org/officeDocument/2006/relationships" xmlns:p="http://schemas.openxmlformats.org/presentationml/2006/main" show="0">
+<p:sld xmlns:a="http://schemas.openxmlformats.org/drawingml/2006/main" xmlns:r="http://schemas.openxmlformats.org/officeDocument/2006/relationships" xmlns:p="http://schemas.openxmlformats.org/presentationml/2006/main">
   <p:cSld>
     <p:spTree>
       <p:nvGrpSpPr>
@@ -39180,6 +39180,10 @@
               <a:rPr kumimoji="1" lang="en-US" altLang="ja-JP" dirty="0"/>
             </a:br>
             <a:r>
+              <a:rPr kumimoji="1" lang="ja-JP" altLang="en-US" dirty="0"/>
+              <a:t>　　　</a:t>
+            </a:r>
+            <a:r>
               <a:rPr kumimoji="1" lang="en-US" altLang="ja-JP" sz="4000" b="1" dirty="0">
                 <a:solidFill>
                   <a:srgbClr val="0099CC"/>
@@ -39344,7 +39348,7 @@
         </p:nvSpPr>
         <p:spPr>
           <a:xfrm>
-            <a:off x="224118" y="4417337"/>
+            <a:off x="1936039" y="4485430"/>
             <a:ext cx="3010761" cy="523220"/>
           </a:xfrm>
           <a:prstGeom prst="rect">
@@ -39383,7 +39387,7 @@
         </p:nvSpPr>
         <p:spPr>
           <a:xfrm>
-            <a:off x="5898777" y="3167390"/>
+            <a:off x="7445475" y="3293850"/>
             <a:ext cx="3397084" cy="523220"/>
           </a:xfrm>
           <a:prstGeom prst="rect">
@@ -39425,7 +39429,7 @@
         </p:nvCxnSpPr>
         <p:spPr>
           <a:xfrm>
-            <a:off x="1201271" y="4327690"/>
+            <a:off x="1979483" y="4386058"/>
             <a:ext cx="2967317" cy="0"/>
           </a:xfrm>
           <a:prstGeom prst="line">
@@ -47529,7 +47533,7 @@
         </p:blipFill>
         <p:spPr>
           <a:xfrm>
-            <a:off x="5228315" y="1300214"/>
+            <a:off x="5228315" y="979201"/>
             <a:ext cx="6856109" cy="4043773"/>
           </a:xfrm>
           <a:prstGeom prst="rect">
@@ -47635,6 +47639,18 @@
               </a:rPr>
               <a:t>game</a:t>
             </a:r>
+            <a:br>
+              <a:rPr kumimoji="1" lang="en-US" altLang="ja-JP" dirty="0">
+                <a:solidFill>
+                  <a:srgbClr val="FF0000"/>
+                </a:solidFill>
+              </a:rPr>
+            </a:br>
+            <a:endParaRPr kumimoji="1" lang="en-US" altLang="ja-JP" dirty="0">
+              <a:solidFill>
+                <a:srgbClr val="FF0000"/>
+              </a:solidFill>
+            </a:endParaRPr>
           </a:p>
           <a:p>
             <a:pPr lvl="1"/>
@@ -47662,21 +47678,14 @@
             <a:pPr lvl="1"/>
             <a:r>
               <a:rPr kumimoji="1" lang="ja-JP" altLang="en-US" dirty="0"/>
-              <a:t>ソリューションとプロ</a:t>
+              <a:t>ソリューションとプロジェクトを</a:t>
             </a:r>
             <a:br>
               <a:rPr kumimoji="1" lang="en-US" altLang="ja-JP" dirty="0"/>
             </a:br>
             <a:r>
               <a:rPr kumimoji="1" lang="ja-JP" altLang="en-US" dirty="0"/>
-              <a:t>ジェクトを同じディレ</a:t>
-            </a:r>
-            <a:br>
-              <a:rPr kumimoji="1" lang="en-US" altLang="ja-JP" dirty="0"/>
-            </a:br>
-            <a:r>
-              <a:rPr kumimoji="1" lang="ja-JP" altLang="en-US" dirty="0"/>
-              <a:t>クトリに配置するをチェックして「作成」ボタン</a:t>
+              <a:t>同じディレクトリに配置するをチェックして「作成」ボタン</a:t>
             </a:r>
             <a:endParaRPr kumimoji="1" lang="en-US" altLang="ja-JP" dirty="0"/>
           </a:p>
@@ -47696,7 +47705,7 @@
         </p:nvSpPr>
         <p:spPr>
           <a:xfrm>
-            <a:off x="5365666" y="2762657"/>
+            <a:off x="5365666" y="2441644"/>
             <a:ext cx="811398" cy="330740"/>
           </a:xfrm>
           <a:prstGeom prst="rect">
@@ -47748,7 +47757,7 @@
         </p:nvSpPr>
         <p:spPr>
           <a:xfrm>
-            <a:off x="5349452" y="3399924"/>
+            <a:off x="5349452" y="3078911"/>
             <a:ext cx="1391815" cy="330740"/>
           </a:xfrm>
           <a:prstGeom prst="rect">
@@ -47800,7 +47809,7 @@
         </p:nvSpPr>
         <p:spPr>
           <a:xfrm>
-            <a:off x="5321031" y="4413646"/>
+            <a:off x="5321031" y="4092633"/>
             <a:ext cx="350197" cy="330740"/>
           </a:xfrm>
           <a:prstGeom prst="rect">

--- a/授業資料/演習課題：Siv3D.pptx
+++ b/授業資料/演習課題：Siv3D.pptx
@@ -39142,7 +39142,7 @@
         </p:spPr>
         <p:txBody>
           <a:bodyPr>
-            <a:normAutofit/>
+            <a:normAutofit fontScale="92500" lnSpcReduction="10000"/>
           </a:bodyPr>
           <a:lstStyle/>
           <a:p>
@@ -39157,6 +39157,22 @@
             <a:br>
               <a:rPr kumimoji="1" lang="en-US" altLang="ja-JP" dirty="0"/>
             </a:br>
+            <a:endParaRPr kumimoji="1" lang="en-US" altLang="ja-JP" dirty="0"/>
+          </a:p>
+          <a:p>
+            <a:pPr lvl="1"/>
+            <a:r>
+              <a:rPr kumimoji="1" lang="en-US" altLang="ja-JP" dirty="0" err="1"/>
+              <a:t>VisualStudio</a:t>
+            </a:r>
+            <a:r>
+              <a:rPr kumimoji="1" lang="ja-JP" altLang="en-US" dirty="0"/>
+              <a:t>はすべて終了させておく</a:t>
+            </a:r>
+            <a:endParaRPr kumimoji="1" lang="en-US" altLang="ja-JP" dirty="0"/>
+          </a:p>
+          <a:p>
+            <a:pPr lvl="1"/>
             <a:endParaRPr kumimoji="1" lang="en-US" altLang="ja-JP" dirty="0"/>
           </a:p>
           <a:p>
@@ -39348,7 +39364,7 @@
         </p:nvSpPr>
         <p:spPr>
           <a:xfrm>
-            <a:off x="1936039" y="4485430"/>
+            <a:off x="1837424" y="4852989"/>
             <a:ext cx="3010761" cy="523220"/>
           </a:xfrm>
           <a:prstGeom prst="rect">
@@ -39387,7 +39403,7 @@
         </p:nvSpPr>
         <p:spPr>
           <a:xfrm>
-            <a:off x="7445475" y="3293850"/>
+            <a:off x="7346860" y="3661409"/>
             <a:ext cx="3397084" cy="523220"/>
           </a:xfrm>
           <a:prstGeom prst="rect">
@@ -39429,7 +39445,7 @@
         </p:nvCxnSpPr>
         <p:spPr>
           <a:xfrm>
-            <a:off x="1979483" y="4386058"/>
+            <a:off x="1880868" y="4753617"/>
             <a:ext cx="2967317" cy="0"/>
           </a:xfrm>
           <a:prstGeom prst="line">

--- a/授業資料/演習課題：Siv3D.pptx
+++ b/授業資料/演習課題：Siv3D.pptx
@@ -304,7 +304,7 @@
           <a:p>
             <a:fld id="{5B96D3F8-CD2E-4A0D-AC38-517181EABB18}" type="datetimeFigureOut">
               <a:rPr kumimoji="1" lang="ja-JP" altLang="en-US" smtClean="0"/>
-              <a:t>2025/1/29</a:t>
+              <a:t>2025/1/30</a:t>
             </a:fld>
             <a:endParaRPr kumimoji="1" lang="ja-JP" altLang="en-US"/>
           </a:p>
@@ -506,7 +506,7 @@
           <a:p>
             <a:fld id="{5B96D3F8-CD2E-4A0D-AC38-517181EABB18}" type="datetimeFigureOut">
               <a:rPr kumimoji="1" lang="ja-JP" altLang="en-US" smtClean="0"/>
-              <a:t>2025/1/29</a:t>
+              <a:t>2025/1/30</a:t>
             </a:fld>
             <a:endParaRPr kumimoji="1" lang="ja-JP" altLang="en-US"/>
           </a:p>
@@ -718,7 +718,7 @@
           <a:p>
             <a:fld id="{5B96D3F8-CD2E-4A0D-AC38-517181EABB18}" type="datetimeFigureOut">
               <a:rPr kumimoji="1" lang="ja-JP" altLang="en-US" smtClean="0"/>
-              <a:t>2025/1/29</a:t>
+              <a:t>2025/1/30</a:t>
             </a:fld>
             <a:endParaRPr kumimoji="1" lang="ja-JP" altLang="en-US"/>
           </a:p>
@@ -920,7 +920,7 @@
           <a:p>
             <a:fld id="{5B96D3F8-CD2E-4A0D-AC38-517181EABB18}" type="datetimeFigureOut">
               <a:rPr kumimoji="1" lang="ja-JP" altLang="en-US" smtClean="0"/>
-              <a:t>2025/1/29</a:t>
+              <a:t>2025/1/30</a:t>
             </a:fld>
             <a:endParaRPr kumimoji="1" lang="ja-JP" altLang="en-US"/>
           </a:p>
@@ -1182,7 +1182,7 @@
           <a:p>
             <a:fld id="{5B96D3F8-CD2E-4A0D-AC38-517181EABB18}" type="datetimeFigureOut">
               <a:rPr kumimoji="1" lang="ja-JP" altLang="en-US" smtClean="0"/>
-              <a:t>2025/1/29</a:t>
+              <a:t>2025/1/30</a:t>
             </a:fld>
             <a:endParaRPr kumimoji="1" lang="ja-JP" altLang="en-US"/>
           </a:p>
@@ -1478,7 +1478,7 @@
           <a:p>
             <a:fld id="{5B96D3F8-CD2E-4A0D-AC38-517181EABB18}" type="datetimeFigureOut">
               <a:rPr kumimoji="1" lang="ja-JP" altLang="en-US" smtClean="0"/>
-              <a:t>2025/1/29</a:t>
+              <a:t>2025/1/30</a:t>
             </a:fld>
             <a:endParaRPr kumimoji="1" lang="ja-JP" altLang="en-US"/>
           </a:p>
@@ -1909,7 +1909,7 @@
           <a:p>
             <a:fld id="{5B96D3F8-CD2E-4A0D-AC38-517181EABB18}" type="datetimeFigureOut">
               <a:rPr kumimoji="1" lang="ja-JP" altLang="en-US" smtClean="0"/>
-              <a:t>2025/1/29</a:t>
+              <a:t>2025/1/30</a:t>
             </a:fld>
             <a:endParaRPr kumimoji="1" lang="ja-JP" altLang="en-US"/>
           </a:p>
@@ -2027,7 +2027,7 @@
           <a:p>
             <a:fld id="{5B96D3F8-CD2E-4A0D-AC38-517181EABB18}" type="datetimeFigureOut">
               <a:rPr kumimoji="1" lang="ja-JP" altLang="en-US" smtClean="0"/>
-              <a:t>2025/1/29</a:t>
+              <a:t>2025/1/30</a:t>
             </a:fld>
             <a:endParaRPr kumimoji="1" lang="ja-JP" altLang="en-US"/>
           </a:p>
@@ -2122,7 +2122,7 @@
           <a:p>
             <a:fld id="{5B96D3F8-CD2E-4A0D-AC38-517181EABB18}" type="datetimeFigureOut">
               <a:rPr kumimoji="1" lang="ja-JP" altLang="en-US" smtClean="0"/>
-              <a:t>2025/1/29</a:t>
+              <a:t>2025/1/30</a:t>
             </a:fld>
             <a:endParaRPr kumimoji="1" lang="ja-JP" altLang="en-US"/>
           </a:p>
@@ -2431,7 +2431,7 @@
           <a:p>
             <a:fld id="{5B96D3F8-CD2E-4A0D-AC38-517181EABB18}" type="datetimeFigureOut">
               <a:rPr kumimoji="1" lang="ja-JP" altLang="en-US" smtClean="0"/>
-              <a:t>2025/1/29</a:t>
+              <a:t>2025/1/30</a:t>
             </a:fld>
             <a:endParaRPr kumimoji="1" lang="ja-JP" altLang="en-US"/>
           </a:p>
@@ -2688,7 +2688,7 @@
           <a:p>
             <a:fld id="{5B96D3F8-CD2E-4A0D-AC38-517181EABB18}" type="datetimeFigureOut">
               <a:rPr kumimoji="1" lang="ja-JP" altLang="en-US" smtClean="0"/>
-              <a:t>2025/1/29</a:t>
+              <a:t>2025/1/30</a:t>
             </a:fld>
             <a:endParaRPr kumimoji="1" lang="ja-JP" altLang="en-US"/>
           </a:p>
@@ -2933,7 +2933,7 @@
           <a:p>
             <a:fld id="{5B96D3F8-CD2E-4A0D-AC38-517181EABB18}" type="datetimeFigureOut">
               <a:rPr kumimoji="1" lang="ja-JP" altLang="en-US" smtClean="0"/>
-              <a:t>2025/1/29</a:t>
+              <a:t>2025/1/30</a:t>
             </a:fld>
             <a:endParaRPr kumimoji="1" lang="ja-JP" altLang="en-US"/>
           </a:p>
@@ -45903,9 +45903,41 @@
             <a:br>
               <a:rPr kumimoji="1" lang="en-US" altLang="ja-JP" dirty="0"/>
             </a:br>
-            <a:br>
-              <a:rPr kumimoji="1" lang="en-US" altLang="ja-JP" dirty="0"/>
-            </a:br>
+            <a:endParaRPr kumimoji="1" lang="en-US" altLang="ja-JP" dirty="0"/>
+          </a:p>
+          <a:p>
+            <a:r>
+              <a:rPr lang="ja-JP" altLang="en-US" dirty="0"/>
+              <a:t>難易度（ずっとゲームの進行が一辺倒なまま）</a:t>
+            </a:r>
+            <a:endParaRPr lang="en-US" altLang="ja-JP" dirty="0"/>
+          </a:p>
+          <a:p>
+            <a:r>
+              <a:rPr kumimoji="1" lang="ja-JP" altLang="en-US" dirty="0"/>
+              <a:t>爽快感（ブロック消しても、クリアしてもなにもない）</a:t>
+            </a:r>
+            <a:endParaRPr kumimoji="1" lang="en-US" altLang="ja-JP" dirty="0"/>
+          </a:p>
+          <a:p>
+            <a:r>
+              <a:rPr lang="ja-JP" altLang="en-US" dirty="0"/>
+              <a:t>アイテム（ゲーム性が変わってくるはず）</a:t>
+            </a:r>
+            <a:endParaRPr lang="en-US" altLang="ja-JP" dirty="0"/>
+          </a:p>
+          <a:p>
+            <a:r>
+              <a:rPr kumimoji="1" lang="ja-JP" altLang="en-US" dirty="0"/>
+              <a:t>ゲームオーバー</a:t>
+            </a:r>
+            <a:endParaRPr kumimoji="1" lang="en-US" altLang="ja-JP" dirty="0"/>
+          </a:p>
+          <a:p>
+            <a:r>
+              <a:rPr kumimoji="1" lang="ja-JP" altLang="en-US" dirty="0"/>
+              <a:t>見た目が貧相（リッチな見た目のほうが今はうける）</a:t>
+            </a:r>
             <a:br>
               <a:rPr kumimoji="1" lang="en-US" altLang="ja-JP" dirty="0"/>
             </a:br>
